--- a/ppt/ch4.pptx
+++ b/ppt/ch4.pptx
@@ -5,7 +5,7 @@
     <p:sldMasterId id="2147483648" r:id="rId1"/>
   </p:sldMasterIdLst>
   <p:notesMasterIdLst>
-    <p:notesMasterId r:id="rId24"/>
+    <p:notesMasterId r:id="rId25"/>
   </p:notesMasterIdLst>
   <p:sldIdLst>
     <p:sldId id="294" r:id="rId2"/>
@@ -14,22 +14,23 @@
     <p:sldId id="256" r:id="rId5"/>
     <p:sldId id="297" r:id="rId6"/>
     <p:sldId id="298" r:id="rId7"/>
-    <p:sldId id="299" r:id="rId8"/>
-    <p:sldId id="300" r:id="rId9"/>
-    <p:sldId id="301" r:id="rId10"/>
-    <p:sldId id="302" r:id="rId11"/>
-    <p:sldId id="303" r:id="rId12"/>
-    <p:sldId id="304" r:id="rId13"/>
-    <p:sldId id="305" r:id="rId14"/>
-    <p:sldId id="306" r:id="rId15"/>
-    <p:sldId id="307" r:id="rId16"/>
-    <p:sldId id="308" r:id="rId17"/>
-    <p:sldId id="309" r:id="rId18"/>
-    <p:sldId id="311" r:id="rId19"/>
-    <p:sldId id="310" r:id="rId20"/>
-    <p:sldId id="312" r:id="rId21"/>
-    <p:sldId id="313" r:id="rId22"/>
-    <p:sldId id="314" r:id="rId23"/>
+    <p:sldId id="315" r:id="rId8"/>
+    <p:sldId id="299" r:id="rId9"/>
+    <p:sldId id="300" r:id="rId10"/>
+    <p:sldId id="301" r:id="rId11"/>
+    <p:sldId id="302" r:id="rId12"/>
+    <p:sldId id="303" r:id="rId13"/>
+    <p:sldId id="304" r:id="rId14"/>
+    <p:sldId id="305" r:id="rId15"/>
+    <p:sldId id="306" r:id="rId16"/>
+    <p:sldId id="307" r:id="rId17"/>
+    <p:sldId id="308" r:id="rId18"/>
+    <p:sldId id="309" r:id="rId19"/>
+    <p:sldId id="311" r:id="rId20"/>
+    <p:sldId id="310" r:id="rId21"/>
+    <p:sldId id="312" r:id="rId22"/>
+    <p:sldId id="313" r:id="rId23"/>
+    <p:sldId id="314" r:id="rId24"/>
   </p:sldIdLst>
   <p:sldSz cx="12192000" cy="6858000"/>
   <p:notesSz cx="6858000" cy="9144000"/>
@@ -259,7 +260,7 @@
           <a:p>
             <a:fld id="{963DAE88-A3A9-4240-AF18-F08CEA3295EA}" type="datetimeFigureOut">
               <a:rPr lang="zh-CN" altLang="en-US" smtClean="0"/>
-              <a:t>2018/10/10</a:t>
+              <a:t>2018/10/11</a:t>
             </a:fld>
             <a:endParaRPr lang="zh-CN" altLang="en-US"/>
           </a:p>
@@ -676,7 +677,7 @@
           <a:p>
             <a:fld id="{678D3716-3079-41B6-8951-92C177AE559C}" type="slidenum">
               <a:rPr lang="zh-CN" altLang="en-US" smtClean="0"/>
-              <a:t>14</a:t>
+              <a:t>15</a:t>
             </a:fld>
             <a:endParaRPr lang="zh-CN" altLang="en-US"/>
           </a:p>
@@ -859,7 +860,7 @@
           <a:p>
             <a:fld id="{2C571515-B901-4F39-96E9-1260A2CDE16A}" type="slidenum">
               <a:rPr lang="zh-CN" altLang="en-US" smtClean="0"/>
-              <a:t>16</a:t>
+              <a:t>17</a:t>
             </a:fld>
             <a:endParaRPr lang="zh-CN" altLang="en-US"/>
           </a:p>
@@ -943,7 +944,7 @@
           <a:p>
             <a:fld id="{678D3716-3079-41B6-8951-92C177AE559C}" type="slidenum">
               <a:rPr lang="zh-CN" altLang="en-US" smtClean="0"/>
-              <a:t>20</a:t>
+              <a:t>21</a:t>
             </a:fld>
             <a:endParaRPr lang="zh-CN" altLang="en-US"/>
           </a:p>
@@ -1439,7 +1440,7 @@
           <a:p>
             <a:fld id="{2C571515-B901-4F39-96E9-1260A2CDE16A}" type="slidenum">
               <a:rPr lang="zh-CN" altLang="en-US" smtClean="0"/>
-              <a:t>21</a:t>
+              <a:t>22</a:t>
             </a:fld>
             <a:endParaRPr lang="zh-CN" altLang="en-US"/>
           </a:p>
@@ -2040,7 +2041,7 @@
           <a:p>
             <a:fld id="{2C571515-B901-4F39-96E9-1260A2CDE16A}" type="slidenum">
               <a:rPr lang="zh-CN" altLang="en-US" smtClean="0"/>
-              <a:t>7</a:t>
+              <a:t>8</a:t>
             </a:fld>
             <a:endParaRPr lang="zh-CN" altLang="en-US"/>
           </a:p>
@@ -2254,7 +2255,7 @@
           <a:p>
             <a:fld id="{2C571515-B901-4F39-96E9-1260A2CDE16A}" type="slidenum">
               <a:rPr lang="zh-CN" altLang="en-US" smtClean="0"/>
-              <a:t>8</a:t>
+              <a:t>9</a:t>
             </a:fld>
             <a:endParaRPr lang="zh-CN" altLang="en-US"/>
           </a:p>
@@ -2404,7 +2405,7 @@
           <a:p>
             <a:fld id="{678D3716-3079-41B6-8951-92C177AE559C}" type="slidenum">
               <a:rPr lang="zh-CN" altLang="en-US" smtClean="0"/>
-              <a:t>9</a:t>
+              <a:t>10</a:t>
             </a:fld>
             <a:endParaRPr lang="zh-CN" altLang="en-US"/>
           </a:p>
@@ -2488,7 +2489,7 @@
           <a:p>
             <a:fld id="{678D3716-3079-41B6-8951-92C177AE559C}" type="slidenum">
               <a:rPr lang="zh-CN" altLang="en-US" smtClean="0"/>
-              <a:t>10</a:t>
+              <a:t>11</a:t>
             </a:fld>
             <a:endParaRPr lang="zh-CN" altLang="en-US"/>
           </a:p>
@@ -2978,7 +2979,7 @@
           <a:p>
             <a:fld id="{2C571515-B901-4F39-96E9-1260A2CDE16A}" type="slidenum">
               <a:rPr lang="zh-CN" altLang="en-US" smtClean="0"/>
-              <a:t>13</a:t>
+              <a:t>14</a:t>
             </a:fld>
             <a:endParaRPr lang="zh-CN" altLang="en-US"/>
           </a:p>
@@ -3138,7 +3139,7 @@
               <a:pPr>
                 <a:defRPr/>
               </a:pPr>
-              <a:t>2018/10/10</a:t>
+              <a:t>2018/10/11</a:t>
             </a:fld>
             <a:endParaRPr lang="zh-CN" altLang="en-US"/>
           </a:p>
@@ -3330,7 +3331,7 @@
               <a:pPr>
                 <a:defRPr/>
               </a:pPr>
-              <a:t>2018/10/10</a:t>
+              <a:t>2018/10/11</a:t>
             </a:fld>
             <a:endParaRPr lang="zh-CN" altLang="en-US"/>
           </a:p>
@@ -3532,7 +3533,7 @@
               <a:pPr>
                 <a:defRPr/>
               </a:pPr>
-              <a:t>2018/10/10</a:t>
+              <a:t>2018/10/11</a:t>
             </a:fld>
             <a:endParaRPr lang="zh-CN" altLang="en-US"/>
           </a:p>
@@ -3724,7 +3725,7 @@
               <a:pPr>
                 <a:defRPr/>
               </a:pPr>
-              <a:t>2018/10/10</a:t>
+              <a:t>2018/10/11</a:t>
             </a:fld>
             <a:endParaRPr lang="zh-CN" altLang="en-US"/>
           </a:p>
@@ -3992,7 +3993,7 @@
               <a:pPr>
                 <a:defRPr/>
               </a:pPr>
-              <a:t>2018/10/10</a:t>
+              <a:t>2018/10/11</a:t>
             </a:fld>
             <a:endParaRPr lang="zh-CN" altLang="en-US"/>
           </a:p>
@@ -4246,7 +4247,7 @@
               <a:pPr>
                 <a:defRPr/>
               </a:pPr>
-              <a:t>2018/10/10</a:t>
+              <a:t>2018/10/11</a:t>
             </a:fld>
             <a:endParaRPr lang="zh-CN" altLang="en-US"/>
           </a:p>
@@ -4635,7 +4636,7 @@
               <a:pPr>
                 <a:defRPr/>
               </a:pPr>
-              <a:t>2018/10/10</a:t>
+              <a:t>2018/10/11</a:t>
             </a:fld>
             <a:endParaRPr lang="zh-CN" altLang="en-US"/>
           </a:p>
@@ -4775,7 +4776,7 @@
               <a:pPr>
                 <a:defRPr/>
               </a:pPr>
-              <a:t>2018/10/10</a:t>
+              <a:t>2018/10/11</a:t>
             </a:fld>
             <a:endParaRPr lang="zh-CN" altLang="en-US"/>
           </a:p>
@@ -4892,7 +4893,7 @@
               <a:pPr>
                 <a:defRPr/>
               </a:pPr>
-              <a:t>2018/10/10</a:t>
+              <a:t>2018/10/11</a:t>
             </a:fld>
             <a:endParaRPr lang="zh-CN" altLang="en-US"/>
           </a:p>
@@ -5191,7 +5192,7 @@
               <a:pPr>
                 <a:defRPr/>
               </a:pPr>
-              <a:t>2018/10/10</a:t>
+              <a:t>2018/10/11</a:t>
             </a:fld>
             <a:endParaRPr lang="zh-CN" altLang="en-US"/>
           </a:p>
@@ -5469,7 +5470,7 @@
               <a:pPr>
                 <a:defRPr/>
               </a:pPr>
-              <a:t>2018/10/10</a:t>
+              <a:t>2018/10/11</a:t>
             </a:fld>
             <a:endParaRPr lang="zh-CN" altLang="en-US"/>
           </a:p>
@@ -5732,7 +5733,7 @@
               <a:pPr>
                 <a:defRPr/>
               </a:pPr>
-              <a:t>2018/10/10</a:t>
+              <a:t>2018/10/11</a:t>
             </a:fld>
             <a:endParaRPr lang="zh-CN" altLang="en-US"/>
           </a:p>
@@ -6500,7 +6501,7 @@
               <a:t>教师</a:t>
             </a:r>
             <a:r>
-              <a:rPr lang="zh-CN" altLang="en-US" sz="2000" smtClean="0">
+              <a:rPr lang="zh-CN" altLang="en-US" sz="2000" dirty="0" smtClean="0">
                 <a:solidFill>
                   <a:schemeClr val="bg1"/>
                 </a:solidFill>
@@ -7010,7 +7011,7 @@
           </a:ln>
           <a:extLst>
             <a:ext uri="{91240B29-F687-4f45-9708-019B960494DF}">
-              <a14:hiddenLine xmlns:a14="http://schemas.microsoft.com/office/drawing/2010/main" xmlns="" w="12700" cap="flat" cmpd="sng">
+              <a14:hiddenLine xmlns="" xmlns:a14="http://schemas.microsoft.com/office/drawing/2010/main" w="12700" cap="flat" cmpd="sng">
                 <a:solidFill>
                   <a:srgbClr val="42719B"/>
                 </a:solidFill>
@@ -7167,6 +7168,325 @@
 </file>
 
 <file path=ppt/slides/slide10.xml><?xml version="1.0" encoding="utf-8"?>
+<p:sld xmlns:a="http://schemas.openxmlformats.org/drawingml/2006/main" xmlns:r="http://schemas.openxmlformats.org/officeDocument/2006/relationships" xmlns:p="http://schemas.openxmlformats.org/presentationml/2006/main">
+  <p:cSld>
+    <p:spTree>
+      <p:nvGrpSpPr>
+        <p:cNvPr id="1" name=""/>
+        <p:cNvGrpSpPr/>
+        <p:nvPr/>
+      </p:nvGrpSpPr>
+      <p:grpSpPr>
+        <a:xfrm>
+          <a:off x="0" y="0"/>
+          <a:ext cx="0" cy="0"/>
+          <a:chOff x="0" y="0"/>
+          <a:chExt cx="0" cy="0"/>
+        </a:xfrm>
+      </p:grpSpPr>
+      <p:sp>
+        <p:nvSpPr>
+          <p:cNvPr id="7" name="椭圆 6"/>
+          <p:cNvSpPr/>
+          <p:nvPr/>
+        </p:nvSpPr>
+        <p:spPr>
+          <a:xfrm>
+            <a:off x="4127500" y="550863"/>
+            <a:ext cx="3376613" cy="3375025"/>
+          </a:xfrm>
+          <a:prstGeom prst="ellipse">
+            <a:avLst/>
+          </a:prstGeom>
+          <a:noFill/>
+          <a:ln>
+            <a:solidFill>
+              <a:schemeClr val="bg1"/>
+            </a:solidFill>
+          </a:ln>
+        </p:spPr>
+        <p:style>
+          <a:lnRef idx="2">
+            <a:schemeClr val="accent1">
+              <a:shade val="50000"/>
+            </a:schemeClr>
+          </a:lnRef>
+          <a:fillRef idx="1">
+            <a:schemeClr val="accent1"/>
+          </a:fillRef>
+          <a:effectRef idx="0">
+            <a:schemeClr val="accent1"/>
+          </a:effectRef>
+          <a:fontRef idx="minor">
+            <a:schemeClr val="lt1"/>
+          </a:fontRef>
+        </p:style>
+        <p:txBody>
+          <a:bodyPr anchor="ctr"/>
+          <a:lstStyle/>
+          <a:p>
+            <a:pPr algn="ctr" fontAlgn="auto">
+              <a:spcBef>
+                <a:spcPts val="0"/>
+              </a:spcBef>
+              <a:spcAft>
+                <a:spcPts val="0"/>
+              </a:spcAft>
+              <a:defRPr/>
+            </a:pPr>
+            <a:r>
+              <a:rPr lang="en-US" altLang="zh-CN" sz="9600" dirty="0" smtClean="0"/>
+              <a:t>4.2</a:t>
+            </a:r>
+            <a:endParaRPr lang="zh-CN" altLang="en-US" sz="9600" dirty="0"/>
+          </a:p>
+        </p:txBody>
+      </p:sp>
+      <p:sp>
+        <p:nvSpPr>
+          <p:cNvPr id="8" name="弦形 7"/>
+          <p:cNvSpPr/>
+          <p:nvPr/>
+        </p:nvSpPr>
+        <p:spPr>
+          <a:xfrm rot="17100000">
+            <a:off x="4106863" y="530225"/>
+            <a:ext cx="3417888" cy="3417887"/>
+          </a:xfrm>
+          <a:prstGeom prst="chord">
+            <a:avLst>
+              <a:gd name="adj1" fmla="val 8633478"/>
+              <a:gd name="adj2" fmla="val 16200000"/>
+            </a:avLst>
+          </a:prstGeom>
+          <a:solidFill>
+            <a:srgbClr val="FFFFFF">
+              <a:alpha val="40000"/>
+            </a:srgbClr>
+          </a:solidFill>
+          <a:ln>
+            <a:noFill/>
+          </a:ln>
+        </p:spPr>
+        <p:style>
+          <a:lnRef idx="2">
+            <a:schemeClr val="accent1">
+              <a:shade val="50000"/>
+            </a:schemeClr>
+          </a:lnRef>
+          <a:fillRef idx="1">
+            <a:schemeClr val="accent1"/>
+          </a:fillRef>
+          <a:effectRef idx="0">
+            <a:schemeClr val="accent1"/>
+          </a:effectRef>
+          <a:fontRef idx="minor">
+            <a:schemeClr val="lt1"/>
+          </a:fontRef>
+        </p:style>
+        <p:txBody>
+          <a:bodyPr anchor="ctr"/>
+          <a:lstStyle/>
+          <a:p>
+            <a:pPr algn="ctr" fontAlgn="auto">
+              <a:spcBef>
+                <a:spcPts val="0"/>
+              </a:spcBef>
+              <a:spcAft>
+                <a:spcPts val="0"/>
+              </a:spcAft>
+              <a:defRPr/>
+            </a:pPr>
+            <a:endParaRPr lang="zh-CN" altLang="en-US"/>
+          </a:p>
+        </p:txBody>
+      </p:sp>
+      <p:cxnSp>
+        <p:nvCxnSpPr>
+          <p:cNvPr id="10" name="直接连接符 9"/>
+          <p:cNvCxnSpPr/>
+          <p:nvPr/>
+        </p:nvCxnSpPr>
+        <p:spPr>
+          <a:xfrm>
+            <a:off x="3517900" y="1239838"/>
+            <a:ext cx="3595688" cy="3211512"/>
+          </a:xfrm>
+          <a:prstGeom prst="line">
+            <a:avLst/>
+          </a:prstGeom>
+          <a:ln>
+            <a:solidFill>
+              <a:srgbClr val="FE5A3E"/>
+            </a:solidFill>
+          </a:ln>
+        </p:spPr>
+        <p:style>
+          <a:lnRef idx="1">
+            <a:schemeClr val="accent1"/>
+          </a:lnRef>
+          <a:fillRef idx="0">
+            <a:schemeClr val="accent1"/>
+          </a:fillRef>
+          <a:effectRef idx="0">
+            <a:schemeClr val="accent1"/>
+          </a:effectRef>
+          <a:fontRef idx="minor">
+            <a:schemeClr val="tx1"/>
+          </a:fontRef>
+        </p:style>
+      </p:cxnSp>
+      <p:sp>
+        <p:nvSpPr>
+          <p:cNvPr id="29700" name="文本框 12"/>
+          <p:cNvSpPr txBox="1">
+            <a:spLocks noChangeArrowheads="1"/>
+          </p:cNvSpPr>
+          <p:nvPr/>
+        </p:nvSpPr>
+        <p:spPr bwMode="auto">
+          <a:xfrm>
+            <a:off x="2989838" y="4714043"/>
+            <a:ext cx="5724644" cy="830997"/>
+          </a:xfrm>
+          <a:prstGeom prst="rect">
+            <a:avLst/>
+          </a:prstGeom>
+          <a:noFill/>
+          <a:ln w="9525">
+            <a:noFill/>
+            <a:miter lim="800000"/>
+            <a:headEnd/>
+            <a:tailEnd/>
+          </a:ln>
+        </p:spPr>
+        <p:txBody>
+          <a:bodyPr wrap="none">
+            <a:spAutoFit/>
+          </a:bodyPr>
+          <a:lstStyle/>
+          <a:p>
+            <a:r>
+              <a:rPr lang="en-US" altLang="zh-CN" sz="4800" dirty="0" smtClean="0">
+                <a:solidFill>
+                  <a:schemeClr val="bg1"/>
+                </a:solidFill>
+                <a:latin typeface="方正大黑简体" pitchFamily="2" charset="-122"/>
+                <a:ea typeface="方正大黑简体" pitchFamily="2" charset="-122"/>
+              </a:rPr>
+              <a:t>Activity</a:t>
+            </a:r>
+            <a:r>
+              <a:rPr lang="zh-CN" altLang="en-US" sz="4800" dirty="0" smtClean="0">
+                <a:solidFill>
+                  <a:schemeClr val="bg1"/>
+                </a:solidFill>
+                <a:latin typeface="方正大黑简体" pitchFamily="2" charset="-122"/>
+                <a:ea typeface="方正大黑简体" pitchFamily="2" charset="-122"/>
+              </a:rPr>
+              <a:t>的回调机制</a:t>
+            </a:r>
+            <a:endParaRPr lang="zh-CN" altLang="en-US" sz="4800" dirty="0">
+              <a:solidFill>
+                <a:schemeClr val="bg1"/>
+              </a:solidFill>
+              <a:latin typeface="方正大黑简体" pitchFamily="2" charset="-122"/>
+              <a:ea typeface="方正大黑简体" pitchFamily="2" charset="-122"/>
+            </a:endParaRPr>
+          </a:p>
+        </p:txBody>
+      </p:sp>
+      <p:cxnSp>
+        <p:nvCxnSpPr>
+          <p:cNvPr id="14" name="直接连接符 13"/>
+          <p:cNvCxnSpPr/>
+          <p:nvPr/>
+        </p:nvCxnSpPr>
+        <p:spPr>
+          <a:xfrm>
+            <a:off x="851128" y="5176838"/>
+            <a:ext cx="1975199" cy="0"/>
+          </a:xfrm>
+          <a:prstGeom prst="line">
+            <a:avLst/>
+          </a:prstGeom>
+          <a:ln>
+            <a:solidFill>
+              <a:schemeClr val="bg1"/>
+            </a:solidFill>
+          </a:ln>
+        </p:spPr>
+        <p:style>
+          <a:lnRef idx="1">
+            <a:schemeClr val="accent1"/>
+          </a:lnRef>
+          <a:fillRef idx="0">
+            <a:schemeClr val="accent1"/>
+          </a:fillRef>
+          <a:effectRef idx="0">
+            <a:schemeClr val="accent1"/>
+          </a:effectRef>
+          <a:fontRef idx="minor">
+            <a:schemeClr val="tx1"/>
+          </a:fontRef>
+        </p:style>
+      </p:cxnSp>
+      <p:cxnSp>
+        <p:nvCxnSpPr>
+          <p:cNvPr id="15" name="直接连接符 14"/>
+          <p:cNvCxnSpPr/>
+          <p:nvPr/>
+        </p:nvCxnSpPr>
+        <p:spPr>
+          <a:xfrm>
+            <a:off x="8877993" y="5176838"/>
+            <a:ext cx="2297326" cy="0"/>
+          </a:xfrm>
+          <a:prstGeom prst="line">
+            <a:avLst/>
+          </a:prstGeom>
+          <a:ln>
+            <a:solidFill>
+              <a:schemeClr val="bg1"/>
+            </a:solidFill>
+          </a:ln>
+        </p:spPr>
+        <p:style>
+          <a:lnRef idx="1">
+            <a:schemeClr val="accent1"/>
+          </a:lnRef>
+          <a:fillRef idx="0">
+            <a:schemeClr val="accent1"/>
+          </a:fillRef>
+          <a:effectRef idx="0">
+            <a:schemeClr val="accent1"/>
+          </a:effectRef>
+          <a:fontRef idx="minor">
+            <a:schemeClr val="tx1"/>
+          </a:fontRef>
+        </p:style>
+      </p:cxnSp>
+    </p:spTree>
+    <p:extLst>
+      <p:ext uri="{BB962C8B-B14F-4D97-AF65-F5344CB8AC3E}">
+        <p14:creationId xmlns:p14="http://schemas.microsoft.com/office/powerpoint/2010/main" val="2795735779"/>
+      </p:ext>
+    </p:extLst>
+  </p:cSld>
+  <p:clrMapOvr>
+    <a:masterClrMapping/>
+  </p:clrMapOvr>
+  <p:timing>
+    <p:tnLst>
+      <p:par>
+        <p:cTn id="1" dur="indefinite" restart="never" nodeType="tmRoot"/>
+      </p:par>
+    </p:tnLst>
+  </p:timing>
+</p:sld>
+</file>
+
+<file path=ppt/slides/slide11.xml><?xml version="1.0" encoding="utf-8"?>
 <p:sld xmlns:a="http://schemas.openxmlformats.org/drawingml/2006/main" xmlns:r="http://schemas.openxmlformats.org/officeDocument/2006/relationships" xmlns:p="http://schemas.openxmlformats.org/presentationml/2006/main">
   <p:cSld>
     <p:spTree>
@@ -7485,7 +7805,7 @@
 </p:sld>
 </file>
 
-<file path=ppt/slides/slide11.xml><?xml version="1.0" encoding="utf-8"?>
+<file path=ppt/slides/slide12.xml><?xml version="1.0" encoding="utf-8"?>
 <p:sld xmlns:a="http://schemas.openxmlformats.org/drawingml/2006/main" xmlns:r="http://schemas.openxmlformats.org/officeDocument/2006/relationships" xmlns:p="http://schemas.openxmlformats.org/presentationml/2006/main">
   <p:cSld>
     <p:spTree>
@@ -9346,7 +9666,7 @@
 </p:sld>
 </file>
 
-<file path=ppt/slides/slide12.xml><?xml version="1.0" encoding="utf-8"?>
+<file path=ppt/slides/slide13.xml><?xml version="1.0" encoding="utf-8"?>
 <p:sld xmlns:a="http://schemas.openxmlformats.org/drawingml/2006/main" xmlns:r="http://schemas.openxmlformats.org/officeDocument/2006/relationships" xmlns:p="http://schemas.openxmlformats.org/presentationml/2006/main">
   <p:cSld>
     <p:spTree>
@@ -10802,7 +11122,7 @@
 </p:sld>
 </file>
 
-<file path=ppt/slides/slide13.xml><?xml version="1.0" encoding="utf-8"?>
+<file path=ppt/slides/slide14.xml><?xml version="1.0" encoding="utf-8"?>
 <p:sld xmlns:a="http://schemas.openxmlformats.org/drawingml/2006/main" xmlns:r="http://schemas.openxmlformats.org/officeDocument/2006/relationships" xmlns:p="http://schemas.openxmlformats.org/presentationml/2006/main">
   <p:cSld>
     <p:spTree>
@@ -12343,7 +12663,7 @@
 </p:sld>
 </file>
 
-<file path=ppt/slides/slide14.xml><?xml version="1.0" encoding="utf-8"?>
+<file path=ppt/slides/slide15.xml><?xml version="1.0" encoding="utf-8"?>
 <p:sld xmlns:a="http://schemas.openxmlformats.org/drawingml/2006/main" xmlns:r="http://schemas.openxmlformats.org/officeDocument/2006/relationships" xmlns:p="http://schemas.openxmlformats.org/presentationml/2006/main">
   <p:cSld>
     <p:spTree>
@@ -12662,7 +12982,7 @@
 </p:sld>
 </file>
 
-<file path=ppt/slides/slide15.xml><?xml version="1.0" encoding="utf-8"?>
+<file path=ppt/slides/slide16.xml><?xml version="1.0" encoding="utf-8"?>
 <p:sld xmlns:a="http://schemas.openxmlformats.org/drawingml/2006/main" xmlns:r="http://schemas.openxmlformats.org/officeDocument/2006/relationships" xmlns:p="http://schemas.openxmlformats.org/presentationml/2006/main">
   <p:cSld>
     <p:spTree>
@@ -13961,7 +14281,7 @@
 </p:sld>
 </file>
 
-<file path=ppt/slides/slide16.xml><?xml version="1.0" encoding="utf-8"?>
+<file path=ppt/slides/slide17.xml><?xml version="1.0" encoding="utf-8"?>
 <p:sld xmlns:a="http://schemas.openxmlformats.org/drawingml/2006/main" xmlns:r="http://schemas.openxmlformats.org/officeDocument/2006/relationships" xmlns:p="http://schemas.openxmlformats.org/presentationml/2006/main">
   <p:cSld>
     <p:spTree>
@@ -16201,7 +16521,7 @@
 </p:sld>
 </file>
 
-<file path=ppt/slides/slide17.xml><?xml version="1.0" encoding="utf-8"?>
+<file path=ppt/slides/slide18.xml><?xml version="1.0" encoding="utf-8"?>
 <p:sld xmlns:a="http://schemas.openxmlformats.org/drawingml/2006/main" xmlns:r="http://schemas.openxmlformats.org/officeDocument/2006/relationships" xmlns:p="http://schemas.openxmlformats.org/presentationml/2006/main">
   <p:cSld>
     <p:spTree>
@@ -17676,7 +17996,7 @@
 </p:sld>
 </file>
 
-<file path=ppt/slides/slide18.xml><?xml version="1.0" encoding="utf-8"?>
+<file path=ppt/slides/slide19.xml><?xml version="1.0" encoding="utf-8"?>
 <p:sld xmlns:a="http://schemas.openxmlformats.org/drawingml/2006/main" xmlns:r="http://schemas.openxmlformats.org/officeDocument/2006/relationships" xmlns:p="http://schemas.openxmlformats.org/presentationml/2006/main">
   <p:cSld>
     <p:spTree>
@@ -18997,909 +19317,6 @@
 </p:sld>
 </file>
 
-<file path=ppt/slides/slide19.xml><?xml version="1.0" encoding="utf-8"?>
-<p:sld xmlns:a="http://schemas.openxmlformats.org/drawingml/2006/main" xmlns:r="http://schemas.openxmlformats.org/officeDocument/2006/relationships" xmlns:p="http://schemas.openxmlformats.org/presentationml/2006/main">
-  <p:cSld>
-    <p:spTree>
-      <p:nvGrpSpPr>
-        <p:cNvPr id="1" name=""/>
-        <p:cNvGrpSpPr/>
-        <p:nvPr/>
-      </p:nvGrpSpPr>
-      <p:grpSpPr>
-        <a:xfrm>
-          <a:off x="0" y="0"/>
-          <a:ext cx="0" cy="0"/>
-          <a:chOff x="0" y="0"/>
-          <a:chExt cx="0" cy="0"/>
-        </a:xfrm>
-      </p:grpSpPr>
-      <p:sp>
-        <p:nvSpPr>
-          <p:cNvPr id="18" name="矩形 17"/>
-          <p:cNvSpPr/>
-          <p:nvPr/>
-        </p:nvSpPr>
-        <p:spPr>
-          <a:xfrm>
-            <a:off x="1997075" y="288853"/>
-            <a:ext cx="7890238" cy="707886"/>
-          </a:xfrm>
-          <a:prstGeom prst="rect">
-            <a:avLst/>
-          </a:prstGeom>
-          <a:ln>
-            <a:noFill/>
-          </a:ln>
-        </p:spPr>
-        <p:style>
-          <a:lnRef idx="1">
-            <a:schemeClr val="accent1"/>
-          </a:lnRef>
-          <a:fillRef idx="0">
-            <a:schemeClr val="accent1"/>
-          </a:fillRef>
-          <a:effectRef idx="0">
-            <a:schemeClr val="accent1"/>
-          </a:effectRef>
-          <a:fontRef idx="minor">
-            <a:schemeClr val="tx1"/>
-          </a:fontRef>
-        </p:style>
-        <p:txBody>
-          <a:bodyPr wrap="none">
-            <a:spAutoFit/>
-          </a:bodyPr>
-          <a:lstStyle/>
-          <a:p>
-            <a:pPr algn="ctr" fontAlgn="auto">
-              <a:spcBef>
-                <a:spcPts val="0"/>
-              </a:spcBef>
-              <a:spcAft>
-                <a:spcPts val="0"/>
-              </a:spcAft>
-              <a:defRPr/>
-            </a:pPr>
-            <a:r>
-              <a:rPr lang="en-US" altLang="zh-CN" sz="4000" dirty="0" smtClean="0">
-                <a:solidFill>
-                  <a:schemeClr val="bg1"/>
-                </a:solidFill>
-                <a:ea typeface="方正大黑简体" panose="02010601030101010101"/>
-              </a:rPr>
-              <a:t>4.4.4 Fragment</a:t>
-            </a:r>
-            <a:r>
-              <a:rPr lang="zh-CN" altLang="en-US" sz="4000" dirty="0" smtClean="0">
-                <a:solidFill>
-                  <a:schemeClr val="bg1"/>
-                </a:solidFill>
-                <a:ea typeface="方正大黑简体" panose="02010601030101010101"/>
-              </a:rPr>
-              <a:t>管理与</a:t>
-            </a:r>
-            <a:r>
-              <a:rPr lang="en-US" altLang="zh-CN" sz="4000" dirty="0" smtClean="0">
-                <a:solidFill>
-                  <a:schemeClr val="bg1"/>
-                </a:solidFill>
-                <a:ea typeface="方正大黑简体" panose="02010601030101010101"/>
-              </a:rPr>
-              <a:t>Fragment</a:t>
-            </a:r>
-            <a:r>
-              <a:rPr lang="zh-CN" altLang="en-US" sz="4000" dirty="0">
-                <a:solidFill>
-                  <a:schemeClr val="bg1"/>
-                </a:solidFill>
-                <a:ea typeface="方正大黑简体" panose="02010601030101010101"/>
-              </a:rPr>
-              <a:t>事务</a:t>
-            </a:r>
-          </a:p>
-        </p:txBody>
-      </p:sp>
-      <p:grpSp>
-        <p:nvGrpSpPr>
-          <p:cNvPr id="14" name="组合 40"/>
-          <p:cNvGrpSpPr>
-            <a:grpSpLocks/>
-          </p:cNvGrpSpPr>
-          <p:nvPr/>
-        </p:nvGrpSpPr>
-        <p:grpSpPr bwMode="auto">
-          <a:xfrm>
-            <a:off x="-661987" y="314324"/>
-            <a:ext cx="11418887" cy="1223963"/>
-            <a:chOff x="200997" y="669775"/>
-            <a:chExt cx="11418853" cy="1223559"/>
-          </a:xfrm>
-        </p:grpSpPr>
-        <p:sp>
-          <p:nvSpPr>
-            <p:cNvPr id="15" name="矩形 14"/>
-            <p:cNvSpPr/>
-            <p:nvPr/>
-          </p:nvSpPr>
-          <p:spPr>
-            <a:xfrm>
-              <a:off x="2553665" y="1341067"/>
-              <a:ext cx="9066185" cy="552267"/>
-            </a:xfrm>
-            <a:prstGeom prst="rect">
-              <a:avLst/>
-            </a:prstGeom>
-            <a:solidFill>
-              <a:schemeClr val="bg1">
-                <a:alpha val="40000"/>
-              </a:schemeClr>
-            </a:solidFill>
-            <a:ln>
-              <a:noFill/>
-            </a:ln>
-          </p:spPr>
-          <p:style>
-            <a:lnRef idx="2">
-              <a:schemeClr val="accent1">
-                <a:shade val="50000"/>
-              </a:schemeClr>
-            </a:lnRef>
-            <a:fillRef idx="1">
-              <a:schemeClr val="accent1"/>
-            </a:fillRef>
-            <a:effectRef idx="0">
-              <a:schemeClr val="accent1"/>
-            </a:effectRef>
-            <a:fontRef idx="minor">
-              <a:schemeClr val="lt1"/>
-            </a:fontRef>
-          </p:style>
-          <p:txBody>
-            <a:bodyPr anchor="ctr"/>
-            <a:lstStyle/>
-            <a:p>
-              <a:pPr algn="ctr" fontAlgn="auto">
-                <a:spcBef>
-                  <a:spcPts val="0"/>
-                </a:spcBef>
-                <a:spcAft>
-                  <a:spcPts val="0"/>
-                </a:spcAft>
-                <a:defRPr/>
-              </a:pPr>
-              <a:endParaRPr lang="zh-CN" altLang="en-US"/>
-            </a:p>
-          </p:txBody>
-        </p:sp>
-        <p:cxnSp>
-          <p:nvCxnSpPr>
-            <p:cNvPr id="17" name="直接连接符 16"/>
-            <p:cNvCxnSpPr/>
-            <p:nvPr/>
-          </p:nvCxnSpPr>
-          <p:spPr>
-            <a:xfrm>
-              <a:off x="200997" y="1344241"/>
-              <a:ext cx="2479668" cy="0"/>
-            </a:xfrm>
-            <a:prstGeom prst="line">
-              <a:avLst/>
-            </a:prstGeom>
-            <a:ln>
-              <a:solidFill>
-                <a:schemeClr val="bg1"/>
-              </a:solidFill>
-            </a:ln>
-          </p:spPr>
-          <p:style>
-            <a:lnRef idx="1">
-              <a:schemeClr val="accent1"/>
-            </a:lnRef>
-            <a:fillRef idx="0">
-              <a:schemeClr val="accent1"/>
-            </a:fillRef>
-            <a:effectRef idx="0">
-              <a:schemeClr val="accent1"/>
-            </a:effectRef>
-            <a:fontRef idx="minor">
-              <a:schemeClr val="tx1"/>
-            </a:fontRef>
-          </p:style>
-        </p:cxnSp>
-        <p:sp>
-          <p:nvSpPr>
-            <p:cNvPr id="19" name="矩形 18"/>
-            <p:cNvSpPr/>
-            <p:nvPr/>
-          </p:nvSpPr>
-          <p:spPr>
-            <a:xfrm>
-              <a:off x="2553665" y="669775"/>
-              <a:ext cx="306386" cy="1223559"/>
-            </a:xfrm>
-            <a:prstGeom prst="rect">
-              <a:avLst/>
-            </a:prstGeom>
-            <a:solidFill>
-              <a:srgbClr val="FE5A3E"/>
-            </a:solidFill>
-            <a:ln>
-              <a:noFill/>
-            </a:ln>
-          </p:spPr>
-          <p:style>
-            <a:lnRef idx="2">
-              <a:schemeClr val="accent1">
-                <a:shade val="50000"/>
-              </a:schemeClr>
-            </a:lnRef>
-            <a:fillRef idx="1">
-              <a:schemeClr val="accent1"/>
-            </a:fillRef>
-            <a:effectRef idx="0">
-              <a:schemeClr val="accent1"/>
-            </a:effectRef>
-            <a:fontRef idx="minor">
-              <a:schemeClr val="lt1"/>
-            </a:fontRef>
-          </p:style>
-          <p:txBody>
-            <a:bodyPr anchor="ctr"/>
-            <a:lstStyle/>
-            <a:p>
-              <a:pPr algn="ctr" fontAlgn="auto">
-                <a:spcBef>
-                  <a:spcPts val="0"/>
-                </a:spcBef>
-                <a:spcAft>
-                  <a:spcPts val="0"/>
-                </a:spcAft>
-                <a:defRPr/>
-              </a:pPr>
-              <a:endParaRPr lang="zh-CN" altLang="en-US"/>
-            </a:p>
-          </p:txBody>
-        </p:sp>
-        <p:sp>
-          <p:nvSpPr>
-            <p:cNvPr id="21" name="文本框 20"/>
-            <p:cNvSpPr txBox="1"/>
-            <p:nvPr/>
-          </p:nvSpPr>
-          <p:spPr>
-            <a:xfrm>
-              <a:off x="2971176" y="1412480"/>
-              <a:ext cx="6348194" cy="399978"/>
-            </a:xfrm>
-            <a:prstGeom prst="rect">
-              <a:avLst/>
-            </a:prstGeom>
-            <a:noFill/>
-          </p:spPr>
-          <p:txBody>
-            <a:bodyPr wrap="none">
-              <a:spAutoFit/>
-            </a:bodyPr>
-            <a:lstStyle/>
-            <a:p>
-              <a:pPr fontAlgn="auto">
-                <a:spcBef>
-                  <a:spcPts val="0"/>
-                </a:spcBef>
-                <a:spcAft>
-                  <a:spcPts val="0"/>
-                </a:spcAft>
-                <a:defRPr/>
-              </a:pPr>
-              <a:r>
-                <a:rPr lang="en-US" altLang="zh-CN" sz="2000" dirty="0" smtClean="0">
-                  <a:solidFill>
-                    <a:schemeClr val="bg1">
-                      <a:lumMod val="50000"/>
-                    </a:schemeClr>
-                  </a:solidFill>
-                  <a:latin typeface="微软雅黑" panose="020B0503020204020204" pitchFamily="34" charset="-122"/>
-                  <a:ea typeface="微软雅黑" panose="020B0503020204020204" pitchFamily="34" charset="-122"/>
-                </a:rPr>
-                <a:t>Activity</a:t>
-              </a:r>
-              <a:r>
-                <a:rPr lang="zh-CN" altLang="en-US" sz="2000" dirty="0" smtClean="0">
-                  <a:solidFill>
-                    <a:schemeClr val="bg1">
-                      <a:lumMod val="50000"/>
-                    </a:schemeClr>
-                  </a:solidFill>
-                  <a:latin typeface="微软雅黑" panose="020B0503020204020204" pitchFamily="34" charset="-122"/>
-                  <a:ea typeface="微软雅黑" panose="020B0503020204020204" pitchFamily="34" charset="-122"/>
-                </a:rPr>
-                <a:t>管理</a:t>
-              </a:r>
-              <a:r>
-                <a:rPr lang="en-US" altLang="zh-CN" sz="2000" dirty="0" smtClean="0">
-                  <a:solidFill>
-                    <a:schemeClr val="bg1">
-                      <a:lumMod val="50000"/>
-                    </a:schemeClr>
-                  </a:solidFill>
-                  <a:latin typeface="微软雅黑" panose="020B0503020204020204" pitchFamily="34" charset="-122"/>
-                  <a:ea typeface="微软雅黑" panose="020B0503020204020204" pitchFamily="34" charset="-122"/>
-                </a:rPr>
-                <a:t>Fragment</a:t>
-              </a:r>
-              <a:r>
-                <a:rPr lang="zh-CN" altLang="en-US" sz="2000" dirty="0" smtClean="0">
-                  <a:solidFill>
-                    <a:schemeClr val="bg1">
-                      <a:lumMod val="50000"/>
-                    </a:schemeClr>
-                  </a:solidFill>
-                  <a:latin typeface="微软雅黑" panose="020B0503020204020204" pitchFamily="34" charset="-122"/>
-                  <a:ea typeface="微软雅黑" panose="020B0503020204020204" pitchFamily="34" charset="-122"/>
-                </a:rPr>
-                <a:t>主要依靠</a:t>
-              </a:r>
-              <a:r>
-                <a:rPr lang="en-US" altLang="zh-CN" sz="2000" dirty="0" err="1" smtClean="0">
-                  <a:solidFill>
-                    <a:schemeClr val="bg1">
-                      <a:lumMod val="50000"/>
-                    </a:schemeClr>
-                  </a:solidFill>
-                  <a:latin typeface="微软雅黑" panose="020B0503020204020204" pitchFamily="34" charset="-122"/>
-                  <a:ea typeface="微软雅黑" panose="020B0503020204020204" pitchFamily="34" charset="-122"/>
-                </a:rPr>
-                <a:t>FragmentManager</a:t>
-              </a:r>
-              <a:r>
-                <a:rPr lang="zh-CN" altLang="en-US" sz="2000" dirty="0" smtClean="0">
-                  <a:solidFill>
-                    <a:schemeClr val="bg1">
-                      <a:lumMod val="50000"/>
-                    </a:schemeClr>
-                  </a:solidFill>
-                  <a:latin typeface="微软雅黑" panose="020B0503020204020204" pitchFamily="34" charset="-122"/>
-                  <a:ea typeface="微软雅黑" panose="020B0503020204020204" pitchFamily="34" charset="-122"/>
-                </a:rPr>
-                <a:t>。</a:t>
-              </a:r>
-              <a:endParaRPr lang="zh-CN" altLang="en-US" sz="2000" dirty="0">
-                <a:solidFill>
-                  <a:schemeClr val="bg1">
-                    <a:lumMod val="50000"/>
-                  </a:schemeClr>
-                </a:solidFill>
-                <a:latin typeface="微软雅黑" panose="020B0503020204020204" pitchFamily="34" charset="-122"/>
-                <a:ea typeface="微软雅黑" panose="020B0503020204020204" pitchFamily="34" charset="-122"/>
-              </a:endParaRPr>
-            </a:p>
-          </p:txBody>
-        </p:sp>
-      </p:grpSp>
-      <p:grpSp>
-        <p:nvGrpSpPr>
-          <p:cNvPr id="4" name="组合 3"/>
-          <p:cNvGrpSpPr/>
-          <p:nvPr/>
-        </p:nvGrpSpPr>
-        <p:grpSpPr>
-          <a:xfrm>
-            <a:off x="577850" y="3268667"/>
-            <a:ext cx="5631656" cy="2319337"/>
-            <a:chOff x="1450181" y="3954463"/>
-            <a:chExt cx="5631656" cy="2319337"/>
-          </a:xfrm>
-        </p:grpSpPr>
-        <p:cxnSp>
-          <p:nvCxnSpPr>
-            <p:cNvPr id="27" name="直接连接符 26"/>
-            <p:cNvCxnSpPr/>
-            <p:nvPr/>
-          </p:nvCxnSpPr>
-          <p:spPr>
-            <a:xfrm>
-              <a:off x="1476375" y="3954463"/>
-              <a:ext cx="5392738" cy="0"/>
-            </a:xfrm>
-            <a:prstGeom prst="line">
-              <a:avLst/>
-            </a:prstGeom>
-            <a:ln>
-              <a:solidFill>
-                <a:schemeClr val="bg1"/>
-              </a:solidFill>
-            </a:ln>
-          </p:spPr>
-          <p:style>
-            <a:lnRef idx="1">
-              <a:schemeClr val="accent1"/>
-            </a:lnRef>
-            <a:fillRef idx="0">
-              <a:schemeClr val="accent1"/>
-            </a:fillRef>
-            <a:effectRef idx="0">
-              <a:schemeClr val="accent1"/>
-            </a:effectRef>
-            <a:fontRef idx="minor">
-              <a:schemeClr val="tx1"/>
-            </a:fontRef>
-          </p:style>
-        </p:cxnSp>
-        <p:cxnSp>
-          <p:nvCxnSpPr>
-            <p:cNvPr id="29" name="直接连接符 28"/>
-            <p:cNvCxnSpPr/>
-            <p:nvPr/>
-          </p:nvCxnSpPr>
-          <p:spPr>
-            <a:xfrm>
-              <a:off x="1569640" y="6273800"/>
-              <a:ext cx="5392738" cy="0"/>
-            </a:xfrm>
-            <a:prstGeom prst="line">
-              <a:avLst/>
-            </a:prstGeom>
-            <a:ln>
-              <a:solidFill>
-                <a:schemeClr val="bg1"/>
-              </a:solidFill>
-            </a:ln>
-          </p:spPr>
-          <p:style>
-            <a:lnRef idx="1">
-              <a:schemeClr val="accent1"/>
-            </a:lnRef>
-            <a:fillRef idx="0">
-              <a:schemeClr val="accent1"/>
-            </a:fillRef>
-            <a:effectRef idx="0">
-              <a:schemeClr val="accent1"/>
-            </a:effectRef>
-            <a:fontRef idx="minor">
-              <a:schemeClr val="tx1"/>
-            </a:fontRef>
-          </p:style>
-        </p:cxnSp>
-        <p:sp>
-          <p:nvSpPr>
-            <p:cNvPr id="30" name="矩形 29"/>
-            <p:cNvSpPr/>
-            <p:nvPr/>
-          </p:nvSpPr>
-          <p:spPr>
-            <a:xfrm>
-              <a:off x="1450181" y="4098469"/>
-              <a:ext cx="5631656" cy="2031325"/>
-            </a:xfrm>
-            <a:prstGeom prst="rect">
-              <a:avLst/>
-            </a:prstGeom>
-          </p:spPr>
-          <p:txBody>
-            <a:bodyPr wrap="square">
-              <a:spAutoFit/>
-            </a:bodyPr>
-            <a:lstStyle/>
-            <a:p>
-              <a:pPr marL="285750" indent="-285750" fontAlgn="auto">
-                <a:spcBef>
-                  <a:spcPts val="0"/>
-                </a:spcBef>
-                <a:spcAft>
-                  <a:spcPts val="0"/>
-                </a:spcAft>
-                <a:buFont typeface="Wingdings" panose="05000000000000000000" pitchFamily="2" charset="2"/>
-                <a:buChar char="Ø"/>
-                <a:defRPr/>
-              </a:pPr>
-              <a:r>
-                <a:rPr lang="zh-CN" altLang="en-US" dirty="0" smtClean="0">
-                  <a:solidFill>
-                    <a:schemeClr val="bg1"/>
-                  </a:solidFill>
-                  <a:latin typeface="+mn-lt"/>
-                  <a:ea typeface="+mn-ea"/>
-                </a:rPr>
-                <a:t>使用</a:t>
-              </a:r>
-              <a:r>
-                <a:rPr lang="en-US" altLang="zh-CN" dirty="0" err="1">
-                  <a:solidFill>
-                    <a:schemeClr val="bg1"/>
-                  </a:solidFill>
-                  <a:latin typeface="Calibri" pitchFamily="34" charset="0"/>
-                  <a:ea typeface="微软雅黑" pitchFamily="34" charset="-122"/>
-                </a:rPr>
-                <a:t>findFragmentById</a:t>
-              </a:r>
-              <a:r>
-                <a:rPr lang="en-US" altLang="zh-CN" dirty="0">
-                  <a:solidFill>
-                    <a:schemeClr val="bg1"/>
-                  </a:solidFill>
-                  <a:latin typeface="Calibri" pitchFamily="34" charset="0"/>
-                  <a:ea typeface="微软雅黑" pitchFamily="34" charset="-122"/>
-                </a:rPr>
-                <a:t>()</a:t>
-              </a:r>
-              <a:r>
-                <a:rPr lang="zh-CN" altLang="en-US" dirty="0">
-                  <a:solidFill>
-                    <a:schemeClr val="bg1"/>
-                  </a:solidFill>
-                  <a:latin typeface="Calibri" pitchFamily="34" charset="0"/>
-                  <a:ea typeface="微软雅黑" pitchFamily="34" charset="-122"/>
-                </a:rPr>
-                <a:t>或</a:t>
-              </a:r>
-              <a:r>
-                <a:rPr lang="en-US" altLang="zh-CN" dirty="0" err="1">
-                  <a:solidFill>
-                    <a:schemeClr val="bg1"/>
-                  </a:solidFill>
-                  <a:latin typeface="Calibri" pitchFamily="34" charset="0"/>
-                  <a:ea typeface="微软雅黑" pitchFamily="34" charset="-122"/>
-                </a:rPr>
-                <a:t>findFragmentByTag</a:t>
-              </a:r>
-              <a:r>
-                <a:rPr lang="en-US" altLang="zh-CN" dirty="0" smtClean="0">
-                  <a:solidFill>
-                    <a:schemeClr val="bg1"/>
-                  </a:solidFill>
-                  <a:latin typeface="Calibri" pitchFamily="34" charset="0"/>
-                  <a:ea typeface="微软雅黑" pitchFamily="34" charset="-122"/>
-                </a:rPr>
-                <a:t>()</a:t>
-              </a:r>
-              <a:r>
-                <a:rPr lang="zh-CN" altLang="en-US" dirty="0" smtClean="0">
-                  <a:solidFill>
-                    <a:schemeClr val="bg1"/>
-                  </a:solidFill>
-                  <a:latin typeface="Calibri" pitchFamily="34" charset="0"/>
-                  <a:ea typeface="微软雅黑" pitchFamily="34" charset="-122"/>
-                </a:rPr>
-                <a:t>方法来获取指定</a:t>
-              </a:r>
-              <a:r>
-                <a:rPr lang="en-US" altLang="zh-CN" dirty="0" smtClean="0">
-                  <a:solidFill>
-                    <a:schemeClr val="bg1"/>
-                  </a:solidFill>
-                  <a:latin typeface="Calibri" pitchFamily="34" charset="0"/>
-                  <a:ea typeface="微软雅黑" pitchFamily="34" charset="-122"/>
-                </a:rPr>
-                <a:t>Fragment</a:t>
-              </a:r>
-              <a:r>
-                <a:rPr lang="zh-CN" altLang="en-US" dirty="0" smtClean="0">
-                  <a:solidFill>
-                    <a:schemeClr val="bg1"/>
-                  </a:solidFill>
-                  <a:latin typeface="Calibri" pitchFamily="34" charset="0"/>
-                  <a:ea typeface="微软雅黑" pitchFamily="34" charset="-122"/>
-                </a:rPr>
-                <a:t>。</a:t>
-              </a:r>
-              <a:endParaRPr lang="en-US" altLang="zh-CN" dirty="0" smtClean="0">
-                <a:solidFill>
-                  <a:schemeClr val="bg1"/>
-                </a:solidFill>
-                <a:latin typeface="Calibri" pitchFamily="34" charset="0"/>
-                <a:ea typeface="微软雅黑" pitchFamily="34" charset="-122"/>
-              </a:endParaRPr>
-            </a:p>
-            <a:p>
-              <a:pPr marL="285750" indent="-285750" fontAlgn="auto">
-                <a:spcBef>
-                  <a:spcPts val="0"/>
-                </a:spcBef>
-                <a:spcAft>
-                  <a:spcPts val="0"/>
-                </a:spcAft>
-                <a:buFont typeface="Wingdings" panose="05000000000000000000" pitchFamily="2" charset="2"/>
-                <a:buChar char="Ø"/>
-                <a:defRPr/>
-              </a:pPr>
-              <a:endParaRPr lang="en-US" altLang="zh-CN" dirty="0" smtClean="0">
-                <a:solidFill>
-                  <a:schemeClr val="bg1"/>
-                </a:solidFill>
-                <a:latin typeface="Calibri" pitchFamily="34" charset="0"/>
-                <a:ea typeface="微软雅黑" pitchFamily="34" charset="-122"/>
-              </a:endParaRPr>
-            </a:p>
-            <a:p>
-              <a:pPr marL="285750" indent="-285750" fontAlgn="auto">
-                <a:spcBef>
-                  <a:spcPts val="0"/>
-                </a:spcBef>
-                <a:spcAft>
-                  <a:spcPts val="0"/>
-                </a:spcAft>
-                <a:buFont typeface="Wingdings" panose="05000000000000000000" pitchFamily="2" charset="2"/>
-                <a:buChar char="Ø"/>
-                <a:defRPr/>
-              </a:pPr>
-              <a:r>
-                <a:rPr lang="zh-CN" altLang="en-US" dirty="0" smtClean="0">
-                  <a:solidFill>
-                    <a:schemeClr val="bg1"/>
-                  </a:solidFill>
-                  <a:latin typeface="Calibri" pitchFamily="34" charset="0"/>
-                  <a:ea typeface="微软雅黑" pitchFamily="34" charset="-122"/>
-                </a:rPr>
-                <a:t>调用</a:t>
-              </a:r>
-              <a:r>
-                <a:rPr lang="en-US" altLang="zh-CN" dirty="0" err="1" smtClean="0">
-                  <a:solidFill>
-                    <a:schemeClr val="bg1"/>
-                  </a:solidFill>
-                  <a:latin typeface="Calibri" pitchFamily="34" charset="0"/>
-                  <a:ea typeface="微软雅黑" pitchFamily="34" charset="-122"/>
-                </a:rPr>
-                <a:t>popBackStack</a:t>
-              </a:r>
-              <a:r>
-                <a:rPr lang="en-US" altLang="zh-CN" dirty="0" smtClean="0">
-                  <a:solidFill>
-                    <a:schemeClr val="bg1"/>
-                  </a:solidFill>
-                  <a:latin typeface="Calibri" pitchFamily="34" charset="0"/>
-                  <a:ea typeface="微软雅黑" pitchFamily="34" charset="-122"/>
-                </a:rPr>
-                <a:t>()</a:t>
-              </a:r>
-              <a:r>
-                <a:rPr lang="zh-CN" altLang="en-US" dirty="0" smtClean="0">
-                  <a:solidFill>
-                    <a:schemeClr val="bg1"/>
-                  </a:solidFill>
-                  <a:latin typeface="Calibri" pitchFamily="34" charset="0"/>
-                  <a:ea typeface="微软雅黑" pitchFamily="34" charset="-122"/>
-                </a:rPr>
-                <a:t>方法将</a:t>
-              </a:r>
-              <a:r>
-                <a:rPr lang="en-US" altLang="zh-CN" dirty="0" smtClean="0">
-                  <a:solidFill>
-                    <a:schemeClr val="bg1"/>
-                  </a:solidFill>
-                  <a:latin typeface="Calibri" pitchFamily="34" charset="0"/>
-                  <a:ea typeface="微软雅黑" pitchFamily="34" charset="-122"/>
-                </a:rPr>
-                <a:t>Fragment</a:t>
-              </a:r>
-              <a:r>
-                <a:rPr lang="zh-CN" altLang="en-US" dirty="0" smtClean="0">
-                  <a:solidFill>
-                    <a:schemeClr val="bg1"/>
-                  </a:solidFill>
-                  <a:latin typeface="Calibri" pitchFamily="34" charset="0"/>
-                  <a:ea typeface="微软雅黑" pitchFamily="34" charset="-122"/>
-                </a:rPr>
-                <a:t>从后台栈中弹出。</a:t>
-              </a:r>
-              <a:endParaRPr lang="en-US" altLang="zh-CN" dirty="0" smtClean="0">
-                <a:solidFill>
-                  <a:schemeClr val="bg1"/>
-                </a:solidFill>
-                <a:latin typeface="Calibri" pitchFamily="34" charset="0"/>
-                <a:ea typeface="微软雅黑" pitchFamily="34" charset="-122"/>
-              </a:endParaRPr>
-            </a:p>
-            <a:p>
-              <a:pPr marL="285750" indent="-285750" fontAlgn="auto">
-                <a:spcBef>
-                  <a:spcPts val="0"/>
-                </a:spcBef>
-                <a:spcAft>
-                  <a:spcPts val="0"/>
-                </a:spcAft>
-                <a:buFont typeface="Wingdings" panose="05000000000000000000" pitchFamily="2" charset="2"/>
-                <a:buChar char="Ø"/>
-                <a:defRPr/>
-              </a:pPr>
-              <a:endParaRPr lang="en-US" altLang="zh-CN" dirty="0" smtClean="0">
-                <a:solidFill>
-                  <a:schemeClr val="bg1"/>
-                </a:solidFill>
-                <a:latin typeface="Calibri" pitchFamily="34" charset="0"/>
-                <a:ea typeface="微软雅黑" pitchFamily="34" charset="-122"/>
-              </a:endParaRPr>
-            </a:p>
-            <a:p>
-              <a:pPr marL="285750" indent="-285750" fontAlgn="auto">
-                <a:spcBef>
-                  <a:spcPts val="0"/>
-                </a:spcBef>
-                <a:spcAft>
-                  <a:spcPts val="0"/>
-                </a:spcAft>
-                <a:buFont typeface="Wingdings" panose="05000000000000000000" pitchFamily="2" charset="2"/>
-                <a:buChar char="Ø"/>
-                <a:defRPr/>
-              </a:pPr>
-              <a:r>
-                <a:rPr lang="zh-CN" altLang="en-US" dirty="0" smtClean="0">
-                  <a:solidFill>
-                    <a:schemeClr val="bg1"/>
-                  </a:solidFill>
-                  <a:latin typeface="Calibri" pitchFamily="34" charset="0"/>
-                  <a:ea typeface="微软雅黑" pitchFamily="34" charset="-122"/>
-                </a:rPr>
-                <a:t>调用</a:t>
-              </a:r>
-              <a:r>
-                <a:rPr lang="en-US" altLang="zh-CN" dirty="0" err="1" smtClean="0">
-                  <a:solidFill>
-                    <a:schemeClr val="bg1"/>
-                  </a:solidFill>
-                  <a:latin typeface="Calibri" pitchFamily="34" charset="0"/>
-                  <a:ea typeface="微软雅黑" pitchFamily="34" charset="-122"/>
-                </a:rPr>
-                <a:t>addOnBackStackChangeListener</a:t>
-              </a:r>
-              <a:r>
-                <a:rPr lang="en-US" altLang="zh-CN" dirty="0" smtClean="0">
-                  <a:solidFill>
-                    <a:schemeClr val="bg1"/>
-                  </a:solidFill>
-                  <a:latin typeface="Calibri" pitchFamily="34" charset="0"/>
-                  <a:ea typeface="微软雅黑" pitchFamily="34" charset="-122"/>
-                </a:rPr>
-                <a:t>()</a:t>
-              </a:r>
-              <a:r>
-                <a:rPr lang="zh-CN" altLang="en-US" dirty="0" smtClean="0">
-                  <a:solidFill>
-                    <a:schemeClr val="bg1"/>
-                  </a:solidFill>
-                  <a:latin typeface="Calibri" pitchFamily="34" charset="0"/>
-                  <a:ea typeface="微软雅黑" pitchFamily="34" charset="-122"/>
-                </a:rPr>
-                <a:t>注册一个监听器，用于监听后台栈的变化。</a:t>
-              </a:r>
-              <a:endParaRPr lang="zh-CN" altLang="en-US" dirty="0">
-                <a:solidFill>
-                  <a:schemeClr val="bg1"/>
-                </a:solidFill>
-                <a:latin typeface="+mn-lt"/>
-                <a:ea typeface="+mn-ea"/>
-              </a:endParaRPr>
-            </a:p>
-          </p:txBody>
-        </p:sp>
-      </p:grpSp>
-      <p:sp>
-        <p:nvSpPr>
-          <p:cNvPr id="31" name="矩形 30"/>
-          <p:cNvSpPr/>
-          <p:nvPr/>
-        </p:nvSpPr>
-        <p:spPr>
-          <a:xfrm>
-            <a:off x="604044" y="2517482"/>
-            <a:ext cx="2965450" cy="546100"/>
-          </a:xfrm>
-          <a:prstGeom prst="rect">
-            <a:avLst/>
-          </a:prstGeom>
-          <a:solidFill>
-            <a:srgbClr val="FFFFFF">
-              <a:alpha val="40000"/>
-            </a:srgbClr>
-          </a:solidFill>
-          <a:ln>
-            <a:noFill/>
-          </a:ln>
-        </p:spPr>
-        <p:style>
-          <a:lnRef idx="2">
-            <a:schemeClr val="accent1">
-              <a:shade val="50000"/>
-            </a:schemeClr>
-          </a:lnRef>
-          <a:fillRef idx="1">
-            <a:schemeClr val="accent1"/>
-          </a:fillRef>
-          <a:effectRef idx="0">
-            <a:schemeClr val="accent1"/>
-          </a:effectRef>
-          <a:fontRef idx="minor">
-            <a:schemeClr val="lt1"/>
-          </a:fontRef>
-        </p:style>
-        <p:txBody>
-          <a:bodyPr anchor="ctr"/>
-          <a:lstStyle/>
-          <a:p>
-            <a:pPr algn="ctr" fontAlgn="auto">
-              <a:spcBef>
-                <a:spcPts val="0"/>
-              </a:spcBef>
-              <a:spcAft>
-                <a:spcPts val="0"/>
-              </a:spcAft>
-              <a:defRPr/>
-            </a:pPr>
-            <a:r>
-              <a:rPr lang="en-US" altLang="zh-CN" sz="2000" dirty="0" err="1" smtClean="0">
-                <a:solidFill>
-                  <a:schemeClr val="tx2">
-                    <a:lumMod val="75000"/>
-                  </a:schemeClr>
-                </a:solidFill>
-              </a:rPr>
-              <a:t>FragmentManager</a:t>
-            </a:r>
-            <a:r>
-              <a:rPr lang="zh-CN" altLang="en-US" sz="2000" dirty="0" smtClean="0">
-                <a:solidFill>
-                  <a:schemeClr val="tx2">
-                    <a:lumMod val="75000"/>
-                  </a:schemeClr>
-                </a:solidFill>
-              </a:rPr>
-              <a:t>的功能</a:t>
-            </a:r>
-            <a:endParaRPr lang="zh-CN" altLang="en-US" sz="2000" dirty="0">
-              <a:solidFill>
-                <a:schemeClr val="tx2">
-                  <a:lumMod val="75000"/>
-                </a:schemeClr>
-              </a:solidFill>
-            </a:endParaRPr>
-          </a:p>
-        </p:txBody>
-      </p:sp>
-      <p:pic>
-        <p:nvPicPr>
-          <p:cNvPr id="5" name="图片 4"/>
-          <p:cNvPicPr>
-            <a:picLocks noChangeAspect="1"/>
-          </p:cNvPicPr>
-          <p:nvPr/>
-        </p:nvPicPr>
-        <p:blipFill>
-          <a:blip r:embed="rId2"/>
-          <a:stretch>
-            <a:fillRect/>
-          </a:stretch>
-        </p:blipFill>
-        <p:spPr>
-          <a:xfrm>
-            <a:off x="7216775" y="3268667"/>
-            <a:ext cx="3705225" cy="2324100"/>
-          </a:xfrm>
-          <a:prstGeom prst="rect">
-            <a:avLst/>
-          </a:prstGeom>
-        </p:spPr>
-      </p:pic>
-    </p:spTree>
-    <p:extLst>
-      <p:ext uri="{BB962C8B-B14F-4D97-AF65-F5344CB8AC3E}">
-        <p14:creationId xmlns:p14="http://schemas.microsoft.com/office/powerpoint/2010/main" val="2886844297"/>
-      </p:ext>
-    </p:extLst>
-  </p:cSld>
-  <p:clrMapOvr>
-    <a:masterClrMapping/>
-  </p:clrMapOvr>
-  <p:timing>
-    <p:tnLst>
-      <p:par>
-        <p:cTn id="1" dur="indefinite" restart="never" nodeType="tmRoot"/>
-      </p:par>
-    </p:tnLst>
-  </p:timing>
-</p:sld>
-</file>
-
 <file path=ppt/slides/slide2.xml><?xml version="1.0" encoding="utf-8"?>
 <p:sld xmlns:a="http://schemas.openxmlformats.org/drawingml/2006/main" xmlns:r="http://schemas.openxmlformats.org/officeDocument/2006/relationships" xmlns:p="http://schemas.openxmlformats.org/presentationml/2006/main">
   <p:cSld>
@@ -19939,14 +19356,14 @@
           </a:ln>
           <a:extLst>
             <a:ext uri="{909E8E84-426E-40dd-AFC4-6F175D3DCCD1}">
-              <a14:hiddenFill xmlns:a14="http://schemas.microsoft.com/office/drawing/2010/main" xmlns="">
+              <a14:hiddenFill xmlns="" xmlns:a14="http://schemas.microsoft.com/office/drawing/2010/main">
                 <a:solidFill>
                   <a:srgbClr val="FFFFFF"/>
                 </a:solidFill>
               </a14:hiddenFill>
             </a:ext>
             <a:ext uri="{91240B29-F687-4f45-9708-019B960494DF}">
-              <a14:hiddenLine xmlns:a14="http://schemas.microsoft.com/office/drawing/2010/main" xmlns="" w="9525">
+              <a14:hiddenLine xmlns="" xmlns:a14="http://schemas.microsoft.com/office/drawing/2010/main" w="9525">
                 <a:solidFill>
                   <a:srgbClr val="000000"/>
                 </a:solidFill>
@@ -24234,14 +23651,14 @@
           </a:ln>
           <a:extLst>
             <a:ext uri="{909E8E84-426E-40dd-AFC4-6F175D3DCCD1}">
-              <a14:hiddenFill xmlns:a14="http://schemas.microsoft.com/office/drawing/2010/main" xmlns="">
+              <a14:hiddenFill xmlns="" xmlns:a14="http://schemas.microsoft.com/office/drawing/2010/main">
                 <a:solidFill>
                   <a:srgbClr val="FFFFFF"/>
                 </a:solidFill>
               </a14:hiddenFill>
             </a:ext>
             <a:ext uri="{91240B29-F687-4f45-9708-019B960494DF}">
-              <a14:hiddenLine xmlns:a14="http://schemas.microsoft.com/office/drawing/2010/main" xmlns="" w="9525">
+              <a14:hiddenLine xmlns="" xmlns:a14="http://schemas.microsoft.com/office/drawing/2010/main" w="9525">
                 <a:solidFill>
                   <a:srgbClr val="000000"/>
                 </a:solidFill>
@@ -24440,14 +23857,14 @@
           </a:ln>
           <a:extLst>
             <a:ext uri="{909E8E84-426E-40dd-AFC4-6F175D3DCCD1}">
-              <a14:hiddenFill xmlns:a14="http://schemas.microsoft.com/office/drawing/2010/main" xmlns="">
+              <a14:hiddenFill xmlns="" xmlns:a14="http://schemas.microsoft.com/office/drawing/2010/main">
                 <a:solidFill>
                   <a:srgbClr val="FFFFFF"/>
                 </a:solidFill>
               </a14:hiddenFill>
             </a:ext>
             <a:ext uri="{91240B29-F687-4f45-9708-019B960494DF}">
-              <a14:hiddenLine xmlns:a14="http://schemas.microsoft.com/office/drawing/2010/main" xmlns="" w="9525">
+              <a14:hiddenLine xmlns="" xmlns:a14="http://schemas.microsoft.com/office/drawing/2010/main" w="9525">
                 <a:solidFill>
                   <a:srgbClr val="000000"/>
                 </a:solidFill>
@@ -24697,14 +24114,14 @@
           </a:ln>
           <a:extLst>
             <a:ext uri="{909E8E84-426E-40dd-AFC4-6F175D3DCCD1}">
-              <a14:hiddenFill xmlns:a14="http://schemas.microsoft.com/office/drawing/2010/main" xmlns="">
+              <a14:hiddenFill xmlns="" xmlns:a14="http://schemas.microsoft.com/office/drawing/2010/main">
                 <a:solidFill>
                   <a:srgbClr val="FFFFFF"/>
                 </a:solidFill>
               </a14:hiddenFill>
             </a:ext>
             <a:ext uri="{91240B29-F687-4f45-9708-019B960494DF}">
-              <a14:hiddenLine xmlns:a14="http://schemas.microsoft.com/office/drawing/2010/main" xmlns="" w="9525">
+              <a14:hiddenLine xmlns="" xmlns:a14="http://schemas.microsoft.com/office/drawing/2010/main" w="9525">
                 <a:solidFill>
                   <a:srgbClr val="000000"/>
                 </a:solidFill>
@@ -24909,14 +24326,14 @@
           </a:ln>
           <a:extLst>
             <a:ext uri="{909E8E84-426E-40dd-AFC4-6F175D3DCCD1}">
-              <a14:hiddenFill xmlns:a14="http://schemas.microsoft.com/office/drawing/2010/main" xmlns="">
+              <a14:hiddenFill xmlns="" xmlns:a14="http://schemas.microsoft.com/office/drawing/2010/main">
                 <a:solidFill>
                   <a:srgbClr val="FFFFFF"/>
                 </a:solidFill>
               </a14:hiddenFill>
             </a:ext>
             <a:ext uri="{91240B29-F687-4f45-9708-019B960494DF}">
-              <a14:hiddenLine xmlns:a14="http://schemas.microsoft.com/office/drawing/2010/main" xmlns="" w="9525">
+              <a14:hiddenLine xmlns="" xmlns:a14="http://schemas.microsoft.com/office/drawing/2010/main" w="9525">
                 <a:solidFill>
                   <a:srgbClr val="000000"/>
                 </a:solidFill>
@@ -25124,14 +24541,14 @@
           </a:ln>
           <a:extLst>
             <a:ext uri="{909E8E84-426E-40dd-AFC4-6F175D3DCCD1}">
-              <a14:hiddenFill xmlns:a14="http://schemas.microsoft.com/office/drawing/2010/main" xmlns="">
+              <a14:hiddenFill xmlns="" xmlns:a14="http://schemas.microsoft.com/office/drawing/2010/main">
                 <a:solidFill>
                   <a:srgbClr val="FFFFFF"/>
                 </a:solidFill>
               </a14:hiddenFill>
             </a:ext>
             <a:ext uri="{91240B29-F687-4f45-9708-019B960494DF}">
-              <a14:hiddenLine xmlns:a14="http://schemas.microsoft.com/office/drawing/2010/main" xmlns="" w="9525">
+              <a14:hiddenLine xmlns="" xmlns:a14="http://schemas.microsoft.com/office/drawing/2010/main" w="9525">
                 <a:solidFill>
                   <a:srgbClr val="000000"/>
                 </a:solidFill>
@@ -25357,14 +24774,14 @@
           </a:ln>
           <a:extLst>
             <a:ext uri="{909E8E84-426E-40dd-AFC4-6F175D3DCCD1}">
-              <a14:hiddenFill xmlns:a14="http://schemas.microsoft.com/office/drawing/2010/main" xmlns="">
+              <a14:hiddenFill xmlns="" xmlns:a14="http://schemas.microsoft.com/office/drawing/2010/main">
                 <a:solidFill>
                   <a:srgbClr val="FFFFFF"/>
                 </a:solidFill>
               </a14:hiddenFill>
             </a:ext>
             <a:ext uri="{91240B29-F687-4f45-9708-019B960494DF}">
-              <a14:hiddenLine xmlns:a14="http://schemas.microsoft.com/office/drawing/2010/main" xmlns="" w="9525">
+              <a14:hiddenLine xmlns="" xmlns:a14="http://schemas.microsoft.com/office/drawing/2010/main" w="9525">
                 <a:solidFill>
                   <a:srgbClr val="000000"/>
                 </a:solidFill>
@@ -26298,6 +25715,909 @@
       </p:grpSpPr>
       <p:sp>
         <p:nvSpPr>
+          <p:cNvPr id="18" name="矩形 17"/>
+          <p:cNvSpPr/>
+          <p:nvPr/>
+        </p:nvSpPr>
+        <p:spPr>
+          <a:xfrm>
+            <a:off x="1997075" y="288853"/>
+            <a:ext cx="7890238" cy="707886"/>
+          </a:xfrm>
+          <a:prstGeom prst="rect">
+            <a:avLst/>
+          </a:prstGeom>
+          <a:ln>
+            <a:noFill/>
+          </a:ln>
+        </p:spPr>
+        <p:style>
+          <a:lnRef idx="1">
+            <a:schemeClr val="accent1"/>
+          </a:lnRef>
+          <a:fillRef idx="0">
+            <a:schemeClr val="accent1"/>
+          </a:fillRef>
+          <a:effectRef idx="0">
+            <a:schemeClr val="accent1"/>
+          </a:effectRef>
+          <a:fontRef idx="minor">
+            <a:schemeClr val="tx1"/>
+          </a:fontRef>
+        </p:style>
+        <p:txBody>
+          <a:bodyPr wrap="none">
+            <a:spAutoFit/>
+          </a:bodyPr>
+          <a:lstStyle/>
+          <a:p>
+            <a:pPr algn="ctr" fontAlgn="auto">
+              <a:spcBef>
+                <a:spcPts val="0"/>
+              </a:spcBef>
+              <a:spcAft>
+                <a:spcPts val="0"/>
+              </a:spcAft>
+              <a:defRPr/>
+            </a:pPr>
+            <a:r>
+              <a:rPr lang="en-US" altLang="zh-CN" sz="4000" dirty="0" smtClean="0">
+                <a:solidFill>
+                  <a:schemeClr val="bg1"/>
+                </a:solidFill>
+                <a:ea typeface="方正大黑简体" panose="02010601030101010101"/>
+              </a:rPr>
+              <a:t>4.4.4 Fragment</a:t>
+            </a:r>
+            <a:r>
+              <a:rPr lang="zh-CN" altLang="en-US" sz="4000" dirty="0" smtClean="0">
+                <a:solidFill>
+                  <a:schemeClr val="bg1"/>
+                </a:solidFill>
+                <a:ea typeface="方正大黑简体" panose="02010601030101010101"/>
+              </a:rPr>
+              <a:t>管理与</a:t>
+            </a:r>
+            <a:r>
+              <a:rPr lang="en-US" altLang="zh-CN" sz="4000" dirty="0" smtClean="0">
+                <a:solidFill>
+                  <a:schemeClr val="bg1"/>
+                </a:solidFill>
+                <a:ea typeface="方正大黑简体" panose="02010601030101010101"/>
+              </a:rPr>
+              <a:t>Fragment</a:t>
+            </a:r>
+            <a:r>
+              <a:rPr lang="zh-CN" altLang="en-US" sz="4000" dirty="0">
+                <a:solidFill>
+                  <a:schemeClr val="bg1"/>
+                </a:solidFill>
+                <a:ea typeface="方正大黑简体" panose="02010601030101010101"/>
+              </a:rPr>
+              <a:t>事务</a:t>
+            </a:r>
+          </a:p>
+        </p:txBody>
+      </p:sp>
+      <p:grpSp>
+        <p:nvGrpSpPr>
+          <p:cNvPr id="14" name="组合 40"/>
+          <p:cNvGrpSpPr>
+            <a:grpSpLocks/>
+          </p:cNvGrpSpPr>
+          <p:nvPr/>
+        </p:nvGrpSpPr>
+        <p:grpSpPr bwMode="auto">
+          <a:xfrm>
+            <a:off x="-661987" y="314324"/>
+            <a:ext cx="11418887" cy="1223963"/>
+            <a:chOff x="200997" y="669775"/>
+            <a:chExt cx="11418853" cy="1223559"/>
+          </a:xfrm>
+        </p:grpSpPr>
+        <p:sp>
+          <p:nvSpPr>
+            <p:cNvPr id="15" name="矩形 14"/>
+            <p:cNvSpPr/>
+            <p:nvPr/>
+          </p:nvSpPr>
+          <p:spPr>
+            <a:xfrm>
+              <a:off x="2553665" y="1341067"/>
+              <a:ext cx="9066185" cy="552267"/>
+            </a:xfrm>
+            <a:prstGeom prst="rect">
+              <a:avLst/>
+            </a:prstGeom>
+            <a:solidFill>
+              <a:schemeClr val="bg1">
+                <a:alpha val="40000"/>
+              </a:schemeClr>
+            </a:solidFill>
+            <a:ln>
+              <a:noFill/>
+            </a:ln>
+          </p:spPr>
+          <p:style>
+            <a:lnRef idx="2">
+              <a:schemeClr val="accent1">
+                <a:shade val="50000"/>
+              </a:schemeClr>
+            </a:lnRef>
+            <a:fillRef idx="1">
+              <a:schemeClr val="accent1"/>
+            </a:fillRef>
+            <a:effectRef idx="0">
+              <a:schemeClr val="accent1"/>
+            </a:effectRef>
+            <a:fontRef idx="minor">
+              <a:schemeClr val="lt1"/>
+            </a:fontRef>
+          </p:style>
+          <p:txBody>
+            <a:bodyPr anchor="ctr"/>
+            <a:lstStyle/>
+            <a:p>
+              <a:pPr algn="ctr" fontAlgn="auto">
+                <a:spcBef>
+                  <a:spcPts val="0"/>
+                </a:spcBef>
+                <a:spcAft>
+                  <a:spcPts val="0"/>
+                </a:spcAft>
+                <a:defRPr/>
+              </a:pPr>
+              <a:endParaRPr lang="zh-CN" altLang="en-US"/>
+            </a:p>
+          </p:txBody>
+        </p:sp>
+        <p:cxnSp>
+          <p:nvCxnSpPr>
+            <p:cNvPr id="17" name="直接连接符 16"/>
+            <p:cNvCxnSpPr/>
+            <p:nvPr/>
+          </p:nvCxnSpPr>
+          <p:spPr>
+            <a:xfrm>
+              <a:off x="200997" y="1344241"/>
+              <a:ext cx="2479668" cy="0"/>
+            </a:xfrm>
+            <a:prstGeom prst="line">
+              <a:avLst/>
+            </a:prstGeom>
+            <a:ln>
+              <a:solidFill>
+                <a:schemeClr val="bg1"/>
+              </a:solidFill>
+            </a:ln>
+          </p:spPr>
+          <p:style>
+            <a:lnRef idx="1">
+              <a:schemeClr val="accent1"/>
+            </a:lnRef>
+            <a:fillRef idx="0">
+              <a:schemeClr val="accent1"/>
+            </a:fillRef>
+            <a:effectRef idx="0">
+              <a:schemeClr val="accent1"/>
+            </a:effectRef>
+            <a:fontRef idx="minor">
+              <a:schemeClr val="tx1"/>
+            </a:fontRef>
+          </p:style>
+        </p:cxnSp>
+        <p:sp>
+          <p:nvSpPr>
+            <p:cNvPr id="19" name="矩形 18"/>
+            <p:cNvSpPr/>
+            <p:nvPr/>
+          </p:nvSpPr>
+          <p:spPr>
+            <a:xfrm>
+              <a:off x="2553665" y="669775"/>
+              <a:ext cx="306386" cy="1223559"/>
+            </a:xfrm>
+            <a:prstGeom prst="rect">
+              <a:avLst/>
+            </a:prstGeom>
+            <a:solidFill>
+              <a:srgbClr val="FE5A3E"/>
+            </a:solidFill>
+            <a:ln>
+              <a:noFill/>
+            </a:ln>
+          </p:spPr>
+          <p:style>
+            <a:lnRef idx="2">
+              <a:schemeClr val="accent1">
+                <a:shade val="50000"/>
+              </a:schemeClr>
+            </a:lnRef>
+            <a:fillRef idx="1">
+              <a:schemeClr val="accent1"/>
+            </a:fillRef>
+            <a:effectRef idx="0">
+              <a:schemeClr val="accent1"/>
+            </a:effectRef>
+            <a:fontRef idx="minor">
+              <a:schemeClr val="lt1"/>
+            </a:fontRef>
+          </p:style>
+          <p:txBody>
+            <a:bodyPr anchor="ctr"/>
+            <a:lstStyle/>
+            <a:p>
+              <a:pPr algn="ctr" fontAlgn="auto">
+                <a:spcBef>
+                  <a:spcPts val="0"/>
+                </a:spcBef>
+                <a:spcAft>
+                  <a:spcPts val="0"/>
+                </a:spcAft>
+                <a:defRPr/>
+              </a:pPr>
+              <a:endParaRPr lang="zh-CN" altLang="en-US"/>
+            </a:p>
+          </p:txBody>
+        </p:sp>
+        <p:sp>
+          <p:nvSpPr>
+            <p:cNvPr id="21" name="文本框 20"/>
+            <p:cNvSpPr txBox="1"/>
+            <p:nvPr/>
+          </p:nvSpPr>
+          <p:spPr>
+            <a:xfrm>
+              <a:off x="2971176" y="1412480"/>
+              <a:ext cx="6348194" cy="399978"/>
+            </a:xfrm>
+            <a:prstGeom prst="rect">
+              <a:avLst/>
+            </a:prstGeom>
+            <a:noFill/>
+          </p:spPr>
+          <p:txBody>
+            <a:bodyPr wrap="none">
+              <a:spAutoFit/>
+            </a:bodyPr>
+            <a:lstStyle/>
+            <a:p>
+              <a:pPr fontAlgn="auto">
+                <a:spcBef>
+                  <a:spcPts val="0"/>
+                </a:spcBef>
+                <a:spcAft>
+                  <a:spcPts val="0"/>
+                </a:spcAft>
+                <a:defRPr/>
+              </a:pPr>
+              <a:r>
+                <a:rPr lang="en-US" altLang="zh-CN" sz="2000" dirty="0" smtClean="0">
+                  <a:solidFill>
+                    <a:schemeClr val="bg1">
+                      <a:lumMod val="50000"/>
+                    </a:schemeClr>
+                  </a:solidFill>
+                  <a:latin typeface="微软雅黑" panose="020B0503020204020204" pitchFamily="34" charset="-122"/>
+                  <a:ea typeface="微软雅黑" panose="020B0503020204020204" pitchFamily="34" charset="-122"/>
+                </a:rPr>
+                <a:t>Activity</a:t>
+              </a:r>
+              <a:r>
+                <a:rPr lang="zh-CN" altLang="en-US" sz="2000" dirty="0" smtClean="0">
+                  <a:solidFill>
+                    <a:schemeClr val="bg1">
+                      <a:lumMod val="50000"/>
+                    </a:schemeClr>
+                  </a:solidFill>
+                  <a:latin typeface="微软雅黑" panose="020B0503020204020204" pitchFamily="34" charset="-122"/>
+                  <a:ea typeface="微软雅黑" panose="020B0503020204020204" pitchFamily="34" charset="-122"/>
+                </a:rPr>
+                <a:t>管理</a:t>
+              </a:r>
+              <a:r>
+                <a:rPr lang="en-US" altLang="zh-CN" sz="2000" dirty="0" smtClean="0">
+                  <a:solidFill>
+                    <a:schemeClr val="bg1">
+                      <a:lumMod val="50000"/>
+                    </a:schemeClr>
+                  </a:solidFill>
+                  <a:latin typeface="微软雅黑" panose="020B0503020204020204" pitchFamily="34" charset="-122"/>
+                  <a:ea typeface="微软雅黑" panose="020B0503020204020204" pitchFamily="34" charset="-122"/>
+                </a:rPr>
+                <a:t>Fragment</a:t>
+              </a:r>
+              <a:r>
+                <a:rPr lang="zh-CN" altLang="en-US" sz="2000" dirty="0" smtClean="0">
+                  <a:solidFill>
+                    <a:schemeClr val="bg1">
+                      <a:lumMod val="50000"/>
+                    </a:schemeClr>
+                  </a:solidFill>
+                  <a:latin typeface="微软雅黑" panose="020B0503020204020204" pitchFamily="34" charset="-122"/>
+                  <a:ea typeface="微软雅黑" panose="020B0503020204020204" pitchFamily="34" charset="-122"/>
+                </a:rPr>
+                <a:t>主要依靠</a:t>
+              </a:r>
+              <a:r>
+                <a:rPr lang="en-US" altLang="zh-CN" sz="2000" dirty="0" err="1" smtClean="0">
+                  <a:solidFill>
+                    <a:schemeClr val="bg1">
+                      <a:lumMod val="50000"/>
+                    </a:schemeClr>
+                  </a:solidFill>
+                  <a:latin typeface="微软雅黑" panose="020B0503020204020204" pitchFamily="34" charset="-122"/>
+                  <a:ea typeface="微软雅黑" panose="020B0503020204020204" pitchFamily="34" charset="-122"/>
+                </a:rPr>
+                <a:t>FragmentManager</a:t>
+              </a:r>
+              <a:r>
+                <a:rPr lang="zh-CN" altLang="en-US" sz="2000" dirty="0" smtClean="0">
+                  <a:solidFill>
+                    <a:schemeClr val="bg1">
+                      <a:lumMod val="50000"/>
+                    </a:schemeClr>
+                  </a:solidFill>
+                  <a:latin typeface="微软雅黑" panose="020B0503020204020204" pitchFamily="34" charset="-122"/>
+                  <a:ea typeface="微软雅黑" panose="020B0503020204020204" pitchFamily="34" charset="-122"/>
+                </a:rPr>
+                <a:t>。</a:t>
+              </a:r>
+              <a:endParaRPr lang="zh-CN" altLang="en-US" sz="2000" dirty="0">
+                <a:solidFill>
+                  <a:schemeClr val="bg1">
+                    <a:lumMod val="50000"/>
+                  </a:schemeClr>
+                </a:solidFill>
+                <a:latin typeface="微软雅黑" panose="020B0503020204020204" pitchFamily="34" charset="-122"/>
+                <a:ea typeface="微软雅黑" panose="020B0503020204020204" pitchFamily="34" charset="-122"/>
+              </a:endParaRPr>
+            </a:p>
+          </p:txBody>
+        </p:sp>
+      </p:grpSp>
+      <p:grpSp>
+        <p:nvGrpSpPr>
+          <p:cNvPr id="4" name="组合 3"/>
+          <p:cNvGrpSpPr/>
+          <p:nvPr/>
+        </p:nvGrpSpPr>
+        <p:grpSpPr>
+          <a:xfrm>
+            <a:off x="577850" y="3268667"/>
+            <a:ext cx="5631656" cy="2319337"/>
+            <a:chOff x="1450181" y="3954463"/>
+            <a:chExt cx="5631656" cy="2319337"/>
+          </a:xfrm>
+        </p:grpSpPr>
+        <p:cxnSp>
+          <p:nvCxnSpPr>
+            <p:cNvPr id="27" name="直接连接符 26"/>
+            <p:cNvCxnSpPr/>
+            <p:nvPr/>
+          </p:nvCxnSpPr>
+          <p:spPr>
+            <a:xfrm>
+              <a:off x="1476375" y="3954463"/>
+              <a:ext cx="5392738" cy="0"/>
+            </a:xfrm>
+            <a:prstGeom prst="line">
+              <a:avLst/>
+            </a:prstGeom>
+            <a:ln>
+              <a:solidFill>
+                <a:schemeClr val="bg1"/>
+              </a:solidFill>
+            </a:ln>
+          </p:spPr>
+          <p:style>
+            <a:lnRef idx="1">
+              <a:schemeClr val="accent1"/>
+            </a:lnRef>
+            <a:fillRef idx="0">
+              <a:schemeClr val="accent1"/>
+            </a:fillRef>
+            <a:effectRef idx="0">
+              <a:schemeClr val="accent1"/>
+            </a:effectRef>
+            <a:fontRef idx="minor">
+              <a:schemeClr val="tx1"/>
+            </a:fontRef>
+          </p:style>
+        </p:cxnSp>
+        <p:cxnSp>
+          <p:nvCxnSpPr>
+            <p:cNvPr id="29" name="直接连接符 28"/>
+            <p:cNvCxnSpPr/>
+            <p:nvPr/>
+          </p:nvCxnSpPr>
+          <p:spPr>
+            <a:xfrm>
+              <a:off x="1569640" y="6273800"/>
+              <a:ext cx="5392738" cy="0"/>
+            </a:xfrm>
+            <a:prstGeom prst="line">
+              <a:avLst/>
+            </a:prstGeom>
+            <a:ln>
+              <a:solidFill>
+                <a:schemeClr val="bg1"/>
+              </a:solidFill>
+            </a:ln>
+          </p:spPr>
+          <p:style>
+            <a:lnRef idx="1">
+              <a:schemeClr val="accent1"/>
+            </a:lnRef>
+            <a:fillRef idx="0">
+              <a:schemeClr val="accent1"/>
+            </a:fillRef>
+            <a:effectRef idx="0">
+              <a:schemeClr val="accent1"/>
+            </a:effectRef>
+            <a:fontRef idx="minor">
+              <a:schemeClr val="tx1"/>
+            </a:fontRef>
+          </p:style>
+        </p:cxnSp>
+        <p:sp>
+          <p:nvSpPr>
+            <p:cNvPr id="30" name="矩形 29"/>
+            <p:cNvSpPr/>
+            <p:nvPr/>
+          </p:nvSpPr>
+          <p:spPr>
+            <a:xfrm>
+              <a:off x="1450181" y="4098469"/>
+              <a:ext cx="5631656" cy="2031325"/>
+            </a:xfrm>
+            <a:prstGeom prst="rect">
+              <a:avLst/>
+            </a:prstGeom>
+          </p:spPr>
+          <p:txBody>
+            <a:bodyPr wrap="square">
+              <a:spAutoFit/>
+            </a:bodyPr>
+            <a:lstStyle/>
+            <a:p>
+              <a:pPr marL="285750" indent="-285750" fontAlgn="auto">
+                <a:spcBef>
+                  <a:spcPts val="0"/>
+                </a:spcBef>
+                <a:spcAft>
+                  <a:spcPts val="0"/>
+                </a:spcAft>
+                <a:buFont typeface="Wingdings" panose="05000000000000000000" pitchFamily="2" charset="2"/>
+                <a:buChar char="Ø"/>
+                <a:defRPr/>
+              </a:pPr>
+              <a:r>
+                <a:rPr lang="zh-CN" altLang="en-US" dirty="0" smtClean="0">
+                  <a:solidFill>
+                    <a:schemeClr val="bg1"/>
+                  </a:solidFill>
+                  <a:latin typeface="+mn-lt"/>
+                  <a:ea typeface="+mn-ea"/>
+                </a:rPr>
+                <a:t>使用</a:t>
+              </a:r>
+              <a:r>
+                <a:rPr lang="en-US" altLang="zh-CN" dirty="0" err="1">
+                  <a:solidFill>
+                    <a:schemeClr val="bg1"/>
+                  </a:solidFill>
+                  <a:latin typeface="Calibri" pitchFamily="34" charset="0"/>
+                  <a:ea typeface="微软雅黑" pitchFamily="34" charset="-122"/>
+                </a:rPr>
+                <a:t>findFragmentById</a:t>
+              </a:r>
+              <a:r>
+                <a:rPr lang="en-US" altLang="zh-CN" dirty="0">
+                  <a:solidFill>
+                    <a:schemeClr val="bg1"/>
+                  </a:solidFill>
+                  <a:latin typeface="Calibri" pitchFamily="34" charset="0"/>
+                  <a:ea typeface="微软雅黑" pitchFamily="34" charset="-122"/>
+                </a:rPr>
+                <a:t>()</a:t>
+              </a:r>
+              <a:r>
+                <a:rPr lang="zh-CN" altLang="en-US" dirty="0">
+                  <a:solidFill>
+                    <a:schemeClr val="bg1"/>
+                  </a:solidFill>
+                  <a:latin typeface="Calibri" pitchFamily="34" charset="0"/>
+                  <a:ea typeface="微软雅黑" pitchFamily="34" charset="-122"/>
+                </a:rPr>
+                <a:t>或</a:t>
+              </a:r>
+              <a:r>
+                <a:rPr lang="en-US" altLang="zh-CN" dirty="0" err="1">
+                  <a:solidFill>
+                    <a:schemeClr val="bg1"/>
+                  </a:solidFill>
+                  <a:latin typeface="Calibri" pitchFamily="34" charset="0"/>
+                  <a:ea typeface="微软雅黑" pitchFamily="34" charset="-122"/>
+                </a:rPr>
+                <a:t>findFragmentByTag</a:t>
+              </a:r>
+              <a:r>
+                <a:rPr lang="en-US" altLang="zh-CN" dirty="0" smtClean="0">
+                  <a:solidFill>
+                    <a:schemeClr val="bg1"/>
+                  </a:solidFill>
+                  <a:latin typeface="Calibri" pitchFamily="34" charset="0"/>
+                  <a:ea typeface="微软雅黑" pitchFamily="34" charset="-122"/>
+                </a:rPr>
+                <a:t>()</a:t>
+              </a:r>
+              <a:r>
+                <a:rPr lang="zh-CN" altLang="en-US" dirty="0" smtClean="0">
+                  <a:solidFill>
+                    <a:schemeClr val="bg1"/>
+                  </a:solidFill>
+                  <a:latin typeface="Calibri" pitchFamily="34" charset="0"/>
+                  <a:ea typeface="微软雅黑" pitchFamily="34" charset="-122"/>
+                </a:rPr>
+                <a:t>方法来获取指定</a:t>
+              </a:r>
+              <a:r>
+                <a:rPr lang="en-US" altLang="zh-CN" dirty="0" smtClean="0">
+                  <a:solidFill>
+                    <a:schemeClr val="bg1"/>
+                  </a:solidFill>
+                  <a:latin typeface="Calibri" pitchFamily="34" charset="0"/>
+                  <a:ea typeface="微软雅黑" pitchFamily="34" charset="-122"/>
+                </a:rPr>
+                <a:t>Fragment</a:t>
+              </a:r>
+              <a:r>
+                <a:rPr lang="zh-CN" altLang="en-US" dirty="0" smtClean="0">
+                  <a:solidFill>
+                    <a:schemeClr val="bg1"/>
+                  </a:solidFill>
+                  <a:latin typeface="Calibri" pitchFamily="34" charset="0"/>
+                  <a:ea typeface="微软雅黑" pitchFamily="34" charset="-122"/>
+                </a:rPr>
+                <a:t>。</a:t>
+              </a:r>
+              <a:endParaRPr lang="en-US" altLang="zh-CN" dirty="0" smtClean="0">
+                <a:solidFill>
+                  <a:schemeClr val="bg1"/>
+                </a:solidFill>
+                <a:latin typeface="Calibri" pitchFamily="34" charset="0"/>
+                <a:ea typeface="微软雅黑" pitchFamily="34" charset="-122"/>
+              </a:endParaRPr>
+            </a:p>
+            <a:p>
+              <a:pPr marL="285750" indent="-285750" fontAlgn="auto">
+                <a:spcBef>
+                  <a:spcPts val="0"/>
+                </a:spcBef>
+                <a:spcAft>
+                  <a:spcPts val="0"/>
+                </a:spcAft>
+                <a:buFont typeface="Wingdings" panose="05000000000000000000" pitchFamily="2" charset="2"/>
+                <a:buChar char="Ø"/>
+                <a:defRPr/>
+              </a:pPr>
+              <a:endParaRPr lang="en-US" altLang="zh-CN" dirty="0" smtClean="0">
+                <a:solidFill>
+                  <a:schemeClr val="bg1"/>
+                </a:solidFill>
+                <a:latin typeface="Calibri" pitchFamily="34" charset="0"/>
+                <a:ea typeface="微软雅黑" pitchFamily="34" charset="-122"/>
+              </a:endParaRPr>
+            </a:p>
+            <a:p>
+              <a:pPr marL="285750" indent="-285750" fontAlgn="auto">
+                <a:spcBef>
+                  <a:spcPts val="0"/>
+                </a:spcBef>
+                <a:spcAft>
+                  <a:spcPts val="0"/>
+                </a:spcAft>
+                <a:buFont typeface="Wingdings" panose="05000000000000000000" pitchFamily="2" charset="2"/>
+                <a:buChar char="Ø"/>
+                <a:defRPr/>
+              </a:pPr>
+              <a:r>
+                <a:rPr lang="zh-CN" altLang="en-US" dirty="0" smtClean="0">
+                  <a:solidFill>
+                    <a:schemeClr val="bg1"/>
+                  </a:solidFill>
+                  <a:latin typeface="Calibri" pitchFamily="34" charset="0"/>
+                  <a:ea typeface="微软雅黑" pitchFamily="34" charset="-122"/>
+                </a:rPr>
+                <a:t>调用</a:t>
+              </a:r>
+              <a:r>
+                <a:rPr lang="en-US" altLang="zh-CN" dirty="0" err="1" smtClean="0">
+                  <a:solidFill>
+                    <a:schemeClr val="bg1"/>
+                  </a:solidFill>
+                  <a:latin typeface="Calibri" pitchFamily="34" charset="0"/>
+                  <a:ea typeface="微软雅黑" pitchFamily="34" charset="-122"/>
+                </a:rPr>
+                <a:t>popBackStack</a:t>
+              </a:r>
+              <a:r>
+                <a:rPr lang="en-US" altLang="zh-CN" dirty="0" smtClean="0">
+                  <a:solidFill>
+                    <a:schemeClr val="bg1"/>
+                  </a:solidFill>
+                  <a:latin typeface="Calibri" pitchFamily="34" charset="0"/>
+                  <a:ea typeface="微软雅黑" pitchFamily="34" charset="-122"/>
+                </a:rPr>
+                <a:t>()</a:t>
+              </a:r>
+              <a:r>
+                <a:rPr lang="zh-CN" altLang="en-US" dirty="0" smtClean="0">
+                  <a:solidFill>
+                    <a:schemeClr val="bg1"/>
+                  </a:solidFill>
+                  <a:latin typeface="Calibri" pitchFamily="34" charset="0"/>
+                  <a:ea typeface="微软雅黑" pitchFamily="34" charset="-122"/>
+                </a:rPr>
+                <a:t>方法将</a:t>
+              </a:r>
+              <a:r>
+                <a:rPr lang="en-US" altLang="zh-CN" dirty="0" smtClean="0">
+                  <a:solidFill>
+                    <a:schemeClr val="bg1"/>
+                  </a:solidFill>
+                  <a:latin typeface="Calibri" pitchFamily="34" charset="0"/>
+                  <a:ea typeface="微软雅黑" pitchFamily="34" charset="-122"/>
+                </a:rPr>
+                <a:t>Fragment</a:t>
+              </a:r>
+              <a:r>
+                <a:rPr lang="zh-CN" altLang="en-US" dirty="0" smtClean="0">
+                  <a:solidFill>
+                    <a:schemeClr val="bg1"/>
+                  </a:solidFill>
+                  <a:latin typeface="Calibri" pitchFamily="34" charset="0"/>
+                  <a:ea typeface="微软雅黑" pitchFamily="34" charset="-122"/>
+                </a:rPr>
+                <a:t>从后台栈中弹出。</a:t>
+              </a:r>
+              <a:endParaRPr lang="en-US" altLang="zh-CN" dirty="0" smtClean="0">
+                <a:solidFill>
+                  <a:schemeClr val="bg1"/>
+                </a:solidFill>
+                <a:latin typeface="Calibri" pitchFamily="34" charset="0"/>
+                <a:ea typeface="微软雅黑" pitchFamily="34" charset="-122"/>
+              </a:endParaRPr>
+            </a:p>
+            <a:p>
+              <a:pPr marL="285750" indent="-285750" fontAlgn="auto">
+                <a:spcBef>
+                  <a:spcPts val="0"/>
+                </a:spcBef>
+                <a:spcAft>
+                  <a:spcPts val="0"/>
+                </a:spcAft>
+                <a:buFont typeface="Wingdings" panose="05000000000000000000" pitchFamily="2" charset="2"/>
+                <a:buChar char="Ø"/>
+                <a:defRPr/>
+              </a:pPr>
+              <a:endParaRPr lang="en-US" altLang="zh-CN" dirty="0" smtClean="0">
+                <a:solidFill>
+                  <a:schemeClr val="bg1"/>
+                </a:solidFill>
+                <a:latin typeface="Calibri" pitchFamily="34" charset="0"/>
+                <a:ea typeface="微软雅黑" pitchFamily="34" charset="-122"/>
+              </a:endParaRPr>
+            </a:p>
+            <a:p>
+              <a:pPr marL="285750" indent="-285750" fontAlgn="auto">
+                <a:spcBef>
+                  <a:spcPts val="0"/>
+                </a:spcBef>
+                <a:spcAft>
+                  <a:spcPts val="0"/>
+                </a:spcAft>
+                <a:buFont typeface="Wingdings" panose="05000000000000000000" pitchFamily="2" charset="2"/>
+                <a:buChar char="Ø"/>
+                <a:defRPr/>
+              </a:pPr>
+              <a:r>
+                <a:rPr lang="zh-CN" altLang="en-US" dirty="0" smtClean="0">
+                  <a:solidFill>
+                    <a:schemeClr val="bg1"/>
+                  </a:solidFill>
+                  <a:latin typeface="Calibri" pitchFamily="34" charset="0"/>
+                  <a:ea typeface="微软雅黑" pitchFamily="34" charset="-122"/>
+                </a:rPr>
+                <a:t>调用</a:t>
+              </a:r>
+              <a:r>
+                <a:rPr lang="en-US" altLang="zh-CN" dirty="0" err="1" smtClean="0">
+                  <a:solidFill>
+                    <a:schemeClr val="bg1"/>
+                  </a:solidFill>
+                  <a:latin typeface="Calibri" pitchFamily="34" charset="0"/>
+                  <a:ea typeface="微软雅黑" pitchFamily="34" charset="-122"/>
+                </a:rPr>
+                <a:t>addOnBackStackChangeListener</a:t>
+              </a:r>
+              <a:r>
+                <a:rPr lang="en-US" altLang="zh-CN" dirty="0" smtClean="0">
+                  <a:solidFill>
+                    <a:schemeClr val="bg1"/>
+                  </a:solidFill>
+                  <a:latin typeface="Calibri" pitchFamily="34" charset="0"/>
+                  <a:ea typeface="微软雅黑" pitchFamily="34" charset="-122"/>
+                </a:rPr>
+                <a:t>()</a:t>
+              </a:r>
+              <a:r>
+                <a:rPr lang="zh-CN" altLang="en-US" dirty="0" smtClean="0">
+                  <a:solidFill>
+                    <a:schemeClr val="bg1"/>
+                  </a:solidFill>
+                  <a:latin typeface="Calibri" pitchFamily="34" charset="0"/>
+                  <a:ea typeface="微软雅黑" pitchFamily="34" charset="-122"/>
+                </a:rPr>
+                <a:t>注册一个监听器，用于监听后台栈的变化。</a:t>
+              </a:r>
+              <a:endParaRPr lang="zh-CN" altLang="en-US" dirty="0">
+                <a:solidFill>
+                  <a:schemeClr val="bg1"/>
+                </a:solidFill>
+                <a:latin typeface="+mn-lt"/>
+                <a:ea typeface="+mn-ea"/>
+              </a:endParaRPr>
+            </a:p>
+          </p:txBody>
+        </p:sp>
+      </p:grpSp>
+      <p:sp>
+        <p:nvSpPr>
+          <p:cNvPr id="31" name="矩形 30"/>
+          <p:cNvSpPr/>
+          <p:nvPr/>
+        </p:nvSpPr>
+        <p:spPr>
+          <a:xfrm>
+            <a:off x="604044" y="2517482"/>
+            <a:ext cx="2965450" cy="546100"/>
+          </a:xfrm>
+          <a:prstGeom prst="rect">
+            <a:avLst/>
+          </a:prstGeom>
+          <a:solidFill>
+            <a:srgbClr val="FFFFFF">
+              <a:alpha val="40000"/>
+            </a:srgbClr>
+          </a:solidFill>
+          <a:ln>
+            <a:noFill/>
+          </a:ln>
+        </p:spPr>
+        <p:style>
+          <a:lnRef idx="2">
+            <a:schemeClr val="accent1">
+              <a:shade val="50000"/>
+            </a:schemeClr>
+          </a:lnRef>
+          <a:fillRef idx="1">
+            <a:schemeClr val="accent1"/>
+          </a:fillRef>
+          <a:effectRef idx="0">
+            <a:schemeClr val="accent1"/>
+          </a:effectRef>
+          <a:fontRef idx="minor">
+            <a:schemeClr val="lt1"/>
+          </a:fontRef>
+        </p:style>
+        <p:txBody>
+          <a:bodyPr anchor="ctr"/>
+          <a:lstStyle/>
+          <a:p>
+            <a:pPr algn="ctr" fontAlgn="auto">
+              <a:spcBef>
+                <a:spcPts val="0"/>
+              </a:spcBef>
+              <a:spcAft>
+                <a:spcPts val="0"/>
+              </a:spcAft>
+              <a:defRPr/>
+            </a:pPr>
+            <a:r>
+              <a:rPr lang="en-US" altLang="zh-CN" sz="2000" dirty="0" err="1" smtClean="0">
+                <a:solidFill>
+                  <a:schemeClr val="tx2">
+                    <a:lumMod val="75000"/>
+                  </a:schemeClr>
+                </a:solidFill>
+              </a:rPr>
+              <a:t>FragmentManager</a:t>
+            </a:r>
+            <a:r>
+              <a:rPr lang="zh-CN" altLang="en-US" sz="2000" dirty="0" smtClean="0">
+                <a:solidFill>
+                  <a:schemeClr val="tx2">
+                    <a:lumMod val="75000"/>
+                  </a:schemeClr>
+                </a:solidFill>
+              </a:rPr>
+              <a:t>的功能</a:t>
+            </a:r>
+            <a:endParaRPr lang="zh-CN" altLang="en-US" sz="2000" dirty="0">
+              <a:solidFill>
+                <a:schemeClr val="tx2">
+                  <a:lumMod val="75000"/>
+                </a:schemeClr>
+              </a:solidFill>
+            </a:endParaRPr>
+          </a:p>
+        </p:txBody>
+      </p:sp>
+      <p:pic>
+        <p:nvPicPr>
+          <p:cNvPr id="5" name="图片 4"/>
+          <p:cNvPicPr>
+            <a:picLocks noChangeAspect="1"/>
+          </p:cNvPicPr>
+          <p:nvPr/>
+        </p:nvPicPr>
+        <p:blipFill>
+          <a:blip r:embed="rId2"/>
+          <a:stretch>
+            <a:fillRect/>
+          </a:stretch>
+        </p:blipFill>
+        <p:spPr>
+          <a:xfrm>
+            <a:off x="7216775" y="3268667"/>
+            <a:ext cx="3705225" cy="2324100"/>
+          </a:xfrm>
+          <a:prstGeom prst="rect">
+            <a:avLst/>
+          </a:prstGeom>
+        </p:spPr>
+      </p:pic>
+    </p:spTree>
+    <p:extLst>
+      <p:ext uri="{BB962C8B-B14F-4D97-AF65-F5344CB8AC3E}">
+        <p14:creationId xmlns:p14="http://schemas.microsoft.com/office/powerpoint/2010/main" val="2886844297"/>
+      </p:ext>
+    </p:extLst>
+  </p:cSld>
+  <p:clrMapOvr>
+    <a:masterClrMapping/>
+  </p:clrMapOvr>
+  <p:timing>
+    <p:tnLst>
+      <p:par>
+        <p:cTn id="1" dur="indefinite" restart="never" nodeType="tmRoot"/>
+      </p:par>
+    </p:tnLst>
+  </p:timing>
+</p:sld>
+</file>
+
+<file path=ppt/slides/slide21.xml><?xml version="1.0" encoding="utf-8"?>
+<p:sld xmlns:a="http://schemas.openxmlformats.org/drawingml/2006/main" xmlns:r="http://schemas.openxmlformats.org/officeDocument/2006/relationships" xmlns:p="http://schemas.openxmlformats.org/presentationml/2006/main">
+  <p:cSld>
+    <p:spTree>
+      <p:nvGrpSpPr>
+        <p:cNvPr id="1" name=""/>
+        <p:cNvGrpSpPr/>
+        <p:nvPr/>
+      </p:nvGrpSpPr>
+      <p:grpSpPr>
+        <a:xfrm>
+          <a:off x="0" y="0"/>
+          <a:ext cx="0" cy="0"/>
+          <a:chOff x="0" y="0"/>
+          <a:chExt cx="0" cy="0"/>
+        </a:xfrm>
+      </p:grpSpPr>
+      <p:sp>
+        <p:nvSpPr>
           <p:cNvPr id="7" name="椭圆 6"/>
           <p:cNvSpPr/>
           <p:nvPr/>
@@ -26600,7 +26920,7 @@
 </p:sld>
 </file>
 
-<file path=ppt/slides/slide21.xml><?xml version="1.0" encoding="utf-8"?>
+<file path=ppt/slides/slide22.xml><?xml version="1.0" encoding="utf-8"?>
 <p:sld xmlns:a="http://schemas.openxmlformats.org/drawingml/2006/main" xmlns:r="http://schemas.openxmlformats.org/officeDocument/2006/relationships" xmlns:p="http://schemas.openxmlformats.org/presentationml/2006/main">
   <p:cSld>
     <p:spTree>
@@ -27915,7 +28235,7 @@
 </p:sld>
 </file>
 
-<file path=ppt/slides/slide22.xml><?xml version="1.0" encoding="utf-8"?>
+<file path=ppt/slides/slide23.xml><?xml version="1.0" encoding="utf-8"?>
 <p:sld xmlns:a="http://schemas.openxmlformats.org/drawingml/2006/main" xmlns:r="http://schemas.openxmlformats.org/officeDocument/2006/relationships" xmlns:p="http://schemas.openxmlformats.org/presentationml/2006/main">
   <p:cSld>
     <p:spTree>
@@ -31489,6 +31809,36 @@
           <a:xfrm>
             <a:off x="7454567" y="4274040"/>
             <a:ext cx="3676650" cy="2343150"/>
+          </a:xfrm>
+          <a:prstGeom prst="rect">
+            <a:avLst/>
+          </a:prstGeom>
+        </p:spPr>
+      </p:pic>
+      <p:pic>
+        <p:nvPicPr>
+          <p:cNvPr id="4" name="图片 3"/>
+          <p:cNvPicPr>
+            <a:picLocks noChangeAspect="1"/>
+          </p:cNvPicPr>
+          <p:nvPr/>
+        </p:nvPicPr>
+        <p:blipFill>
+          <a:blip r:embed="rId5">
+            <a:extLst>
+              <a:ext uri="{28A0092B-C50C-407E-A947-70E740481C1C}">
+                <a14:useLocalDpi xmlns:a14="http://schemas.microsoft.com/office/drawing/2010/main" val="0"/>
+              </a:ext>
+            </a:extLst>
+          </a:blip>
+          <a:stretch>
+            <a:fillRect/>
+          </a:stretch>
+        </p:blipFill>
+        <p:spPr>
+          <a:xfrm>
+            <a:off x="7597748" y="165052"/>
+            <a:ext cx="4022752" cy="1140667"/>
           </a:xfrm>
           <a:prstGeom prst="rect">
             <a:avLst/>
@@ -33011,6 +33361,307 @@
           <a:chExt cx="0" cy="0"/>
         </a:xfrm>
       </p:grpSpPr>
+      <p:sp>
+        <p:nvSpPr>
+          <p:cNvPr id="2" name="标题 1"/>
+          <p:cNvSpPr>
+            <a:spLocks noGrp="1"/>
+          </p:cNvSpPr>
+          <p:nvPr>
+            <p:ph type="title"/>
+          </p:nvPr>
+        </p:nvSpPr>
+        <p:spPr/>
+        <p:txBody>
+          <a:bodyPr/>
+          <a:lstStyle/>
+          <a:p>
+            <a:r>
+              <a:rPr lang="en-US" altLang="zh-CN" dirty="0">
+                <a:solidFill>
+                  <a:schemeClr val="bg1"/>
+                </a:solidFill>
+                <a:latin typeface="微软雅黑" pitchFamily="34" charset="-122"/>
+                <a:ea typeface="微软雅黑" pitchFamily="34" charset="-122"/>
+              </a:rPr>
+              <a:t>4.1.3 </a:t>
+            </a:r>
+            <a:r>
+              <a:rPr lang="zh-CN" altLang="en-US" dirty="0">
+                <a:solidFill>
+                  <a:schemeClr val="bg1"/>
+                </a:solidFill>
+                <a:latin typeface="微软雅黑" pitchFamily="34" charset="-122"/>
+                <a:ea typeface="微软雅黑" pitchFamily="34" charset="-122"/>
+              </a:rPr>
+              <a:t>启动、关闭</a:t>
+            </a:r>
+            <a:r>
+              <a:rPr lang="en-US" altLang="zh-CN" dirty="0" smtClean="0">
+                <a:solidFill>
+                  <a:schemeClr val="bg1"/>
+                </a:solidFill>
+                <a:latin typeface="微软雅黑" pitchFamily="34" charset="-122"/>
+                <a:ea typeface="微软雅黑" pitchFamily="34" charset="-122"/>
+              </a:rPr>
+              <a:t>Activity</a:t>
+            </a:r>
+            <a:endParaRPr lang="zh-CN" altLang="en-US" dirty="0"/>
+          </a:p>
+        </p:txBody>
+      </p:sp>
+      <p:pic>
+        <p:nvPicPr>
+          <p:cNvPr id="4" name="图片 3"/>
+          <p:cNvPicPr>
+            <a:picLocks noChangeAspect="1"/>
+          </p:cNvPicPr>
+          <p:nvPr/>
+        </p:nvPicPr>
+        <p:blipFill>
+          <a:blip r:embed="rId2">
+            <a:extLst>
+              <a:ext uri="{28A0092B-C50C-407E-A947-70E740481C1C}">
+                <a14:useLocalDpi xmlns:a14="http://schemas.microsoft.com/office/drawing/2010/main" val="0"/>
+              </a:ext>
+            </a:extLst>
+          </a:blip>
+          <a:stretch>
+            <a:fillRect/>
+          </a:stretch>
+        </p:blipFill>
+        <p:spPr>
+          <a:xfrm>
+            <a:off x="977394" y="1788335"/>
+            <a:ext cx="4213111" cy="2316047"/>
+          </a:xfrm>
+          <a:prstGeom prst="rect">
+            <a:avLst/>
+          </a:prstGeom>
+        </p:spPr>
+      </p:pic>
+      <p:sp>
+        <p:nvSpPr>
+          <p:cNvPr id="5" name="文本框 4"/>
+          <p:cNvSpPr txBox="1"/>
+          <p:nvPr/>
+        </p:nvSpPr>
+        <p:spPr>
+          <a:xfrm>
+            <a:off x="971203" y="1388225"/>
+            <a:ext cx="2177199" cy="400110"/>
+          </a:xfrm>
+          <a:prstGeom prst="rect">
+            <a:avLst/>
+          </a:prstGeom>
+          <a:noFill/>
+        </p:spPr>
+        <p:txBody>
+          <a:bodyPr wrap="none" rtlCol="0">
+            <a:spAutoFit/>
+          </a:bodyPr>
+          <a:lstStyle/>
+          <a:p>
+            <a:r>
+              <a:rPr lang="en-US" altLang="zh-CN" sz="2000" dirty="0" smtClean="0">
+                <a:solidFill>
+                  <a:srgbClr val="FFFF00"/>
+                </a:solidFill>
+              </a:rPr>
+              <a:t>Intent </a:t>
+            </a:r>
+            <a:r>
+              <a:rPr lang="zh-CN" altLang="en-US" sz="2000" dirty="0" smtClean="0">
+                <a:solidFill>
+                  <a:srgbClr val="FFFF00"/>
+                </a:solidFill>
+              </a:rPr>
+              <a:t>的构造函数</a:t>
+            </a:r>
+            <a:endParaRPr lang="zh-CN" altLang="en-US" sz="2000" dirty="0">
+              <a:solidFill>
+                <a:srgbClr val="FFFF00"/>
+              </a:solidFill>
+            </a:endParaRPr>
+          </a:p>
+        </p:txBody>
+      </p:sp>
+      <p:pic>
+        <p:nvPicPr>
+          <p:cNvPr id="6" name="图片 5"/>
+          <p:cNvPicPr>
+            <a:picLocks noChangeAspect="1"/>
+          </p:cNvPicPr>
+          <p:nvPr/>
+        </p:nvPicPr>
+        <p:blipFill>
+          <a:blip r:embed="rId3">
+            <a:extLst>
+              <a:ext uri="{28A0092B-C50C-407E-A947-70E740481C1C}">
+                <a14:useLocalDpi xmlns:a14="http://schemas.microsoft.com/office/drawing/2010/main" val="0"/>
+              </a:ext>
+            </a:extLst>
+          </a:blip>
+          <a:stretch>
+            <a:fillRect/>
+          </a:stretch>
+        </p:blipFill>
+        <p:spPr>
+          <a:xfrm>
+            <a:off x="5428211" y="1774783"/>
+            <a:ext cx="5925589" cy="1171575"/>
+          </a:xfrm>
+          <a:prstGeom prst="rect">
+            <a:avLst/>
+          </a:prstGeom>
+        </p:spPr>
+      </p:pic>
+      <p:pic>
+        <p:nvPicPr>
+          <p:cNvPr id="7" name="图片 6"/>
+          <p:cNvPicPr>
+            <a:picLocks noChangeAspect="1"/>
+          </p:cNvPicPr>
+          <p:nvPr/>
+        </p:nvPicPr>
+        <p:blipFill>
+          <a:blip r:embed="rId4"/>
+          <a:stretch>
+            <a:fillRect/>
+          </a:stretch>
+        </p:blipFill>
+        <p:spPr>
+          <a:xfrm>
+            <a:off x="5428211" y="3437024"/>
+            <a:ext cx="5925589" cy="1704762"/>
+          </a:xfrm>
+          <a:prstGeom prst="rect">
+            <a:avLst/>
+          </a:prstGeom>
+        </p:spPr>
+      </p:pic>
+      <p:sp>
+        <p:nvSpPr>
+          <p:cNvPr id="8" name="文本框 7"/>
+          <p:cNvSpPr txBox="1"/>
+          <p:nvPr/>
+        </p:nvSpPr>
+        <p:spPr>
+          <a:xfrm>
+            <a:off x="5329843" y="1388225"/>
+            <a:ext cx="2536272" cy="400110"/>
+          </a:xfrm>
+          <a:prstGeom prst="rect">
+            <a:avLst/>
+          </a:prstGeom>
+          <a:noFill/>
+        </p:spPr>
+        <p:txBody>
+          <a:bodyPr wrap="none" rtlCol="0">
+            <a:spAutoFit/>
+          </a:bodyPr>
+          <a:lstStyle/>
+          <a:p>
+            <a:r>
+              <a:rPr lang="zh-CN" altLang="en-US" sz="2000" dirty="0">
+                <a:solidFill>
+                  <a:srgbClr val="FFFF00"/>
+                </a:solidFill>
+              </a:rPr>
+              <a:t>跳</a:t>
+            </a:r>
+            <a:r>
+              <a:rPr lang="zh-CN" altLang="en-US" sz="2000" dirty="0" smtClean="0">
+                <a:solidFill>
+                  <a:srgbClr val="FFFF00"/>
+                </a:solidFill>
+              </a:rPr>
+              <a:t>转到另一个</a:t>
+            </a:r>
+            <a:r>
+              <a:rPr lang="en-US" altLang="zh-CN" sz="2000" dirty="0" smtClean="0">
+                <a:solidFill>
+                  <a:srgbClr val="FFFF00"/>
+                </a:solidFill>
+              </a:rPr>
+              <a:t>Activity</a:t>
+            </a:r>
+            <a:endParaRPr lang="zh-CN" altLang="en-US" sz="2000" dirty="0">
+              <a:solidFill>
+                <a:srgbClr val="FFFF00"/>
+              </a:solidFill>
+            </a:endParaRPr>
+          </a:p>
+        </p:txBody>
+      </p:sp>
+      <p:sp>
+        <p:nvSpPr>
+          <p:cNvPr id="9" name="文本框 8"/>
+          <p:cNvSpPr txBox="1"/>
+          <p:nvPr/>
+        </p:nvSpPr>
+        <p:spPr>
+          <a:xfrm>
+            <a:off x="5482243" y="3036914"/>
+            <a:ext cx="1210588" cy="400110"/>
+          </a:xfrm>
+          <a:prstGeom prst="rect">
+            <a:avLst/>
+          </a:prstGeom>
+          <a:noFill/>
+        </p:spPr>
+        <p:txBody>
+          <a:bodyPr wrap="none" rtlCol="0">
+            <a:spAutoFit/>
+          </a:bodyPr>
+          <a:lstStyle/>
+          <a:p>
+            <a:r>
+              <a:rPr lang="zh-CN" altLang="en-US" sz="2000" dirty="0" smtClean="0">
+                <a:solidFill>
+                  <a:srgbClr val="FFFF00"/>
+                </a:solidFill>
+              </a:rPr>
+              <a:t>打开网页</a:t>
+            </a:r>
+            <a:endParaRPr lang="zh-CN" altLang="en-US" sz="2000" dirty="0">
+              <a:solidFill>
+                <a:srgbClr val="FFFF00"/>
+              </a:solidFill>
+            </a:endParaRPr>
+          </a:p>
+        </p:txBody>
+      </p:sp>
+    </p:spTree>
+    <p:extLst>
+      <p:ext uri="{BB962C8B-B14F-4D97-AF65-F5344CB8AC3E}">
+        <p14:creationId xmlns:p14="http://schemas.microsoft.com/office/powerpoint/2010/main" val="2250594612"/>
+      </p:ext>
+    </p:extLst>
+  </p:cSld>
+  <p:clrMapOvr>
+    <a:masterClrMapping/>
+  </p:clrMapOvr>
+</p:sld>
+</file>
+
+<file path=ppt/slides/slide8.xml><?xml version="1.0" encoding="utf-8"?>
+<p:sld xmlns:a="http://schemas.openxmlformats.org/drawingml/2006/main" xmlns:r="http://schemas.openxmlformats.org/officeDocument/2006/relationships" xmlns:p="http://schemas.openxmlformats.org/presentationml/2006/main">
+  <p:cSld>
+    <p:spTree>
+      <p:nvGrpSpPr>
+        <p:cNvPr id="1" name=""/>
+        <p:cNvGrpSpPr/>
+        <p:nvPr/>
+      </p:nvGrpSpPr>
+      <p:grpSpPr>
+        <a:xfrm>
+          <a:off x="0" y="0"/>
+          <a:ext cx="0" cy="0"/>
+          <a:chOff x="0" y="0"/>
+          <a:chExt cx="0" cy="0"/>
+        </a:xfrm>
+      </p:grpSpPr>
       <p:grpSp>
         <p:nvGrpSpPr>
           <p:cNvPr id="27652" name="组合 40"/>
@@ -33546,7 +34197,7 @@
 </p:sld>
 </file>
 
-<file path=ppt/slides/slide8.xml><?xml version="1.0" encoding="utf-8"?>
+<file path=ppt/slides/slide9.xml><?xml version="1.0" encoding="utf-8"?>
 <p:sld xmlns:a="http://schemas.openxmlformats.org/drawingml/2006/main" xmlns:r="http://schemas.openxmlformats.org/officeDocument/2006/relationships" xmlns:p="http://schemas.openxmlformats.org/presentationml/2006/main">
   <p:cSld>
     <p:spTree>
@@ -34407,325 +35058,6 @@
     <p:extLst>
       <p:ext uri="{BB962C8B-B14F-4D97-AF65-F5344CB8AC3E}">
         <p14:creationId xmlns:p14="http://schemas.microsoft.com/office/powerpoint/2010/main" val="4030537488"/>
-      </p:ext>
-    </p:extLst>
-  </p:cSld>
-  <p:clrMapOvr>
-    <a:masterClrMapping/>
-  </p:clrMapOvr>
-  <p:timing>
-    <p:tnLst>
-      <p:par>
-        <p:cTn id="1" dur="indefinite" restart="never" nodeType="tmRoot"/>
-      </p:par>
-    </p:tnLst>
-  </p:timing>
-</p:sld>
-</file>
-
-<file path=ppt/slides/slide9.xml><?xml version="1.0" encoding="utf-8"?>
-<p:sld xmlns:a="http://schemas.openxmlformats.org/drawingml/2006/main" xmlns:r="http://schemas.openxmlformats.org/officeDocument/2006/relationships" xmlns:p="http://schemas.openxmlformats.org/presentationml/2006/main">
-  <p:cSld>
-    <p:spTree>
-      <p:nvGrpSpPr>
-        <p:cNvPr id="1" name=""/>
-        <p:cNvGrpSpPr/>
-        <p:nvPr/>
-      </p:nvGrpSpPr>
-      <p:grpSpPr>
-        <a:xfrm>
-          <a:off x="0" y="0"/>
-          <a:ext cx="0" cy="0"/>
-          <a:chOff x="0" y="0"/>
-          <a:chExt cx="0" cy="0"/>
-        </a:xfrm>
-      </p:grpSpPr>
-      <p:sp>
-        <p:nvSpPr>
-          <p:cNvPr id="7" name="椭圆 6"/>
-          <p:cNvSpPr/>
-          <p:nvPr/>
-        </p:nvSpPr>
-        <p:spPr>
-          <a:xfrm>
-            <a:off x="4127500" y="550863"/>
-            <a:ext cx="3376613" cy="3375025"/>
-          </a:xfrm>
-          <a:prstGeom prst="ellipse">
-            <a:avLst/>
-          </a:prstGeom>
-          <a:noFill/>
-          <a:ln>
-            <a:solidFill>
-              <a:schemeClr val="bg1"/>
-            </a:solidFill>
-          </a:ln>
-        </p:spPr>
-        <p:style>
-          <a:lnRef idx="2">
-            <a:schemeClr val="accent1">
-              <a:shade val="50000"/>
-            </a:schemeClr>
-          </a:lnRef>
-          <a:fillRef idx="1">
-            <a:schemeClr val="accent1"/>
-          </a:fillRef>
-          <a:effectRef idx="0">
-            <a:schemeClr val="accent1"/>
-          </a:effectRef>
-          <a:fontRef idx="minor">
-            <a:schemeClr val="lt1"/>
-          </a:fontRef>
-        </p:style>
-        <p:txBody>
-          <a:bodyPr anchor="ctr"/>
-          <a:lstStyle/>
-          <a:p>
-            <a:pPr algn="ctr" fontAlgn="auto">
-              <a:spcBef>
-                <a:spcPts val="0"/>
-              </a:spcBef>
-              <a:spcAft>
-                <a:spcPts val="0"/>
-              </a:spcAft>
-              <a:defRPr/>
-            </a:pPr>
-            <a:r>
-              <a:rPr lang="en-US" altLang="zh-CN" sz="9600" dirty="0" smtClean="0"/>
-              <a:t>4.2</a:t>
-            </a:r>
-            <a:endParaRPr lang="zh-CN" altLang="en-US" sz="9600" dirty="0"/>
-          </a:p>
-        </p:txBody>
-      </p:sp>
-      <p:sp>
-        <p:nvSpPr>
-          <p:cNvPr id="8" name="弦形 7"/>
-          <p:cNvSpPr/>
-          <p:nvPr/>
-        </p:nvSpPr>
-        <p:spPr>
-          <a:xfrm rot="17100000">
-            <a:off x="4106863" y="530225"/>
-            <a:ext cx="3417888" cy="3417887"/>
-          </a:xfrm>
-          <a:prstGeom prst="chord">
-            <a:avLst>
-              <a:gd name="adj1" fmla="val 8633478"/>
-              <a:gd name="adj2" fmla="val 16200000"/>
-            </a:avLst>
-          </a:prstGeom>
-          <a:solidFill>
-            <a:srgbClr val="FFFFFF">
-              <a:alpha val="40000"/>
-            </a:srgbClr>
-          </a:solidFill>
-          <a:ln>
-            <a:noFill/>
-          </a:ln>
-        </p:spPr>
-        <p:style>
-          <a:lnRef idx="2">
-            <a:schemeClr val="accent1">
-              <a:shade val="50000"/>
-            </a:schemeClr>
-          </a:lnRef>
-          <a:fillRef idx="1">
-            <a:schemeClr val="accent1"/>
-          </a:fillRef>
-          <a:effectRef idx="0">
-            <a:schemeClr val="accent1"/>
-          </a:effectRef>
-          <a:fontRef idx="minor">
-            <a:schemeClr val="lt1"/>
-          </a:fontRef>
-        </p:style>
-        <p:txBody>
-          <a:bodyPr anchor="ctr"/>
-          <a:lstStyle/>
-          <a:p>
-            <a:pPr algn="ctr" fontAlgn="auto">
-              <a:spcBef>
-                <a:spcPts val="0"/>
-              </a:spcBef>
-              <a:spcAft>
-                <a:spcPts val="0"/>
-              </a:spcAft>
-              <a:defRPr/>
-            </a:pPr>
-            <a:endParaRPr lang="zh-CN" altLang="en-US"/>
-          </a:p>
-        </p:txBody>
-      </p:sp>
-      <p:cxnSp>
-        <p:nvCxnSpPr>
-          <p:cNvPr id="10" name="直接连接符 9"/>
-          <p:cNvCxnSpPr/>
-          <p:nvPr/>
-        </p:nvCxnSpPr>
-        <p:spPr>
-          <a:xfrm>
-            <a:off x="3517900" y="1239838"/>
-            <a:ext cx="3595688" cy="3211512"/>
-          </a:xfrm>
-          <a:prstGeom prst="line">
-            <a:avLst/>
-          </a:prstGeom>
-          <a:ln>
-            <a:solidFill>
-              <a:srgbClr val="FE5A3E"/>
-            </a:solidFill>
-          </a:ln>
-        </p:spPr>
-        <p:style>
-          <a:lnRef idx="1">
-            <a:schemeClr val="accent1"/>
-          </a:lnRef>
-          <a:fillRef idx="0">
-            <a:schemeClr val="accent1"/>
-          </a:fillRef>
-          <a:effectRef idx="0">
-            <a:schemeClr val="accent1"/>
-          </a:effectRef>
-          <a:fontRef idx="minor">
-            <a:schemeClr val="tx1"/>
-          </a:fontRef>
-        </p:style>
-      </p:cxnSp>
-      <p:sp>
-        <p:nvSpPr>
-          <p:cNvPr id="29700" name="文本框 12"/>
-          <p:cNvSpPr txBox="1">
-            <a:spLocks noChangeArrowheads="1"/>
-          </p:cNvSpPr>
-          <p:nvPr/>
-        </p:nvSpPr>
-        <p:spPr bwMode="auto">
-          <a:xfrm>
-            <a:off x="2989838" y="4714043"/>
-            <a:ext cx="5724644" cy="830997"/>
-          </a:xfrm>
-          <a:prstGeom prst="rect">
-            <a:avLst/>
-          </a:prstGeom>
-          <a:noFill/>
-          <a:ln w="9525">
-            <a:noFill/>
-            <a:miter lim="800000"/>
-            <a:headEnd/>
-            <a:tailEnd/>
-          </a:ln>
-        </p:spPr>
-        <p:txBody>
-          <a:bodyPr wrap="none">
-            <a:spAutoFit/>
-          </a:bodyPr>
-          <a:lstStyle/>
-          <a:p>
-            <a:r>
-              <a:rPr lang="en-US" altLang="zh-CN" sz="4800" dirty="0" smtClean="0">
-                <a:solidFill>
-                  <a:schemeClr val="bg1"/>
-                </a:solidFill>
-                <a:latin typeface="方正大黑简体" pitchFamily="2" charset="-122"/>
-                <a:ea typeface="方正大黑简体" pitchFamily="2" charset="-122"/>
-              </a:rPr>
-              <a:t>Activity</a:t>
-            </a:r>
-            <a:r>
-              <a:rPr lang="zh-CN" altLang="en-US" sz="4800" dirty="0" smtClean="0">
-                <a:solidFill>
-                  <a:schemeClr val="bg1"/>
-                </a:solidFill>
-                <a:latin typeface="方正大黑简体" pitchFamily="2" charset="-122"/>
-                <a:ea typeface="方正大黑简体" pitchFamily="2" charset="-122"/>
-              </a:rPr>
-              <a:t>的回调机制</a:t>
-            </a:r>
-            <a:endParaRPr lang="zh-CN" altLang="en-US" sz="4800" dirty="0">
-              <a:solidFill>
-                <a:schemeClr val="bg1"/>
-              </a:solidFill>
-              <a:latin typeface="方正大黑简体" pitchFamily="2" charset="-122"/>
-              <a:ea typeface="方正大黑简体" pitchFamily="2" charset="-122"/>
-            </a:endParaRPr>
-          </a:p>
-        </p:txBody>
-      </p:sp>
-      <p:cxnSp>
-        <p:nvCxnSpPr>
-          <p:cNvPr id="14" name="直接连接符 13"/>
-          <p:cNvCxnSpPr/>
-          <p:nvPr/>
-        </p:nvCxnSpPr>
-        <p:spPr>
-          <a:xfrm>
-            <a:off x="851128" y="5176838"/>
-            <a:ext cx="1975199" cy="0"/>
-          </a:xfrm>
-          <a:prstGeom prst="line">
-            <a:avLst/>
-          </a:prstGeom>
-          <a:ln>
-            <a:solidFill>
-              <a:schemeClr val="bg1"/>
-            </a:solidFill>
-          </a:ln>
-        </p:spPr>
-        <p:style>
-          <a:lnRef idx="1">
-            <a:schemeClr val="accent1"/>
-          </a:lnRef>
-          <a:fillRef idx="0">
-            <a:schemeClr val="accent1"/>
-          </a:fillRef>
-          <a:effectRef idx="0">
-            <a:schemeClr val="accent1"/>
-          </a:effectRef>
-          <a:fontRef idx="minor">
-            <a:schemeClr val="tx1"/>
-          </a:fontRef>
-        </p:style>
-      </p:cxnSp>
-      <p:cxnSp>
-        <p:nvCxnSpPr>
-          <p:cNvPr id="15" name="直接连接符 14"/>
-          <p:cNvCxnSpPr/>
-          <p:nvPr/>
-        </p:nvCxnSpPr>
-        <p:spPr>
-          <a:xfrm>
-            <a:off x="8877993" y="5176838"/>
-            <a:ext cx="2297326" cy="0"/>
-          </a:xfrm>
-          <a:prstGeom prst="line">
-            <a:avLst/>
-          </a:prstGeom>
-          <a:ln>
-            <a:solidFill>
-              <a:schemeClr val="bg1"/>
-            </a:solidFill>
-          </a:ln>
-        </p:spPr>
-        <p:style>
-          <a:lnRef idx="1">
-            <a:schemeClr val="accent1"/>
-          </a:lnRef>
-          <a:fillRef idx="0">
-            <a:schemeClr val="accent1"/>
-          </a:fillRef>
-          <a:effectRef idx="0">
-            <a:schemeClr val="accent1"/>
-          </a:effectRef>
-          <a:fontRef idx="minor">
-            <a:schemeClr val="tx1"/>
-          </a:fontRef>
-        </p:style>
-      </p:cxnSp>
-    </p:spTree>
-    <p:extLst>
-      <p:ext uri="{BB962C8B-B14F-4D97-AF65-F5344CB8AC3E}">
-        <p14:creationId xmlns:p14="http://schemas.microsoft.com/office/powerpoint/2010/main" val="2795735779"/>
       </p:ext>
     </p:extLst>
   </p:cSld>

--- a/ppt/ch4.pptx
+++ b/ppt/ch4.pptx
@@ -5,7 +5,7 @@
     <p:sldMasterId id="2147483648" r:id="rId1"/>
   </p:sldMasterIdLst>
   <p:notesMasterIdLst>
-    <p:notesMasterId r:id="rId25"/>
+    <p:notesMasterId r:id="rId26"/>
   </p:notesMasterIdLst>
   <p:sldIdLst>
     <p:sldId id="294" r:id="rId2"/>
@@ -16,21 +16,22 @@
     <p:sldId id="298" r:id="rId7"/>
     <p:sldId id="315" r:id="rId8"/>
     <p:sldId id="299" r:id="rId9"/>
-    <p:sldId id="300" r:id="rId10"/>
-    <p:sldId id="301" r:id="rId11"/>
-    <p:sldId id="302" r:id="rId12"/>
-    <p:sldId id="303" r:id="rId13"/>
-    <p:sldId id="304" r:id="rId14"/>
-    <p:sldId id="305" r:id="rId15"/>
-    <p:sldId id="306" r:id="rId16"/>
-    <p:sldId id="307" r:id="rId17"/>
-    <p:sldId id="308" r:id="rId18"/>
-    <p:sldId id="309" r:id="rId19"/>
-    <p:sldId id="311" r:id="rId20"/>
-    <p:sldId id="310" r:id="rId21"/>
-    <p:sldId id="312" r:id="rId22"/>
-    <p:sldId id="313" r:id="rId23"/>
-    <p:sldId id="314" r:id="rId24"/>
+    <p:sldId id="316" r:id="rId10"/>
+    <p:sldId id="300" r:id="rId11"/>
+    <p:sldId id="301" r:id="rId12"/>
+    <p:sldId id="302" r:id="rId13"/>
+    <p:sldId id="303" r:id="rId14"/>
+    <p:sldId id="304" r:id="rId15"/>
+    <p:sldId id="305" r:id="rId16"/>
+    <p:sldId id="306" r:id="rId17"/>
+    <p:sldId id="307" r:id="rId18"/>
+    <p:sldId id="308" r:id="rId19"/>
+    <p:sldId id="309" r:id="rId20"/>
+    <p:sldId id="311" r:id="rId21"/>
+    <p:sldId id="310" r:id="rId22"/>
+    <p:sldId id="312" r:id="rId23"/>
+    <p:sldId id="313" r:id="rId24"/>
+    <p:sldId id="314" r:id="rId25"/>
   </p:sldIdLst>
   <p:sldSz cx="12192000" cy="6858000"/>
   <p:notesSz cx="6858000" cy="9144000"/>
@@ -260,7 +261,7 @@
           <a:p>
             <a:fld id="{963DAE88-A3A9-4240-AF18-F08CEA3295EA}" type="datetimeFigureOut">
               <a:rPr lang="zh-CN" altLang="en-US" smtClean="0"/>
-              <a:t>2018/10/11</a:t>
+              <a:t>2018/10/17</a:t>
             </a:fld>
             <a:endParaRPr lang="zh-CN" altLang="en-US"/>
           </a:p>
@@ -677,7 +678,7 @@
           <a:p>
             <a:fld id="{678D3716-3079-41B6-8951-92C177AE559C}" type="slidenum">
               <a:rPr lang="zh-CN" altLang="en-US" smtClean="0"/>
-              <a:t>15</a:t>
+              <a:t>16</a:t>
             </a:fld>
             <a:endParaRPr lang="zh-CN" altLang="en-US"/>
           </a:p>
@@ -860,7 +861,7 @@
           <a:p>
             <a:fld id="{2C571515-B901-4F39-96E9-1260A2CDE16A}" type="slidenum">
               <a:rPr lang="zh-CN" altLang="en-US" smtClean="0"/>
-              <a:t>17</a:t>
+              <a:t>18</a:t>
             </a:fld>
             <a:endParaRPr lang="zh-CN" altLang="en-US"/>
           </a:p>
@@ -944,7 +945,7 @@
           <a:p>
             <a:fld id="{678D3716-3079-41B6-8951-92C177AE559C}" type="slidenum">
               <a:rPr lang="zh-CN" altLang="en-US" smtClean="0"/>
-              <a:t>21</a:t>
+              <a:t>22</a:t>
             </a:fld>
             <a:endParaRPr lang="zh-CN" altLang="en-US"/>
           </a:p>
@@ -1440,7 +1441,7 @@
           <a:p>
             <a:fld id="{2C571515-B901-4F39-96E9-1260A2CDE16A}" type="slidenum">
               <a:rPr lang="zh-CN" altLang="en-US" smtClean="0"/>
-              <a:t>22</a:t>
+              <a:t>23</a:t>
             </a:fld>
             <a:endParaRPr lang="zh-CN" altLang="en-US"/>
           </a:p>
@@ -2255,7 +2256,7 @@
           <a:p>
             <a:fld id="{2C571515-B901-4F39-96E9-1260A2CDE16A}" type="slidenum">
               <a:rPr lang="zh-CN" altLang="en-US" smtClean="0"/>
-              <a:t>9</a:t>
+              <a:t>10</a:t>
             </a:fld>
             <a:endParaRPr lang="zh-CN" altLang="en-US"/>
           </a:p>
@@ -2405,7 +2406,7 @@
           <a:p>
             <a:fld id="{678D3716-3079-41B6-8951-92C177AE559C}" type="slidenum">
               <a:rPr lang="zh-CN" altLang="en-US" smtClean="0"/>
-              <a:t>10</a:t>
+              <a:t>11</a:t>
             </a:fld>
             <a:endParaRPr lang="zh-CN" altLang="en-US"/>
           </a:p>
@@ -2489,7 +2490,7 @@
           <a:p>
             <a:fld id="{678D3716-3079-41B6-8951-92C177AE559C}" type="slidenum">
               <a:rPr lang="zh-CN" altLang="en-US" smtClean="0"/>
-              <a:t>11</a:t>
+              <a:t>12</a:t>
             </a:fld>
             <a:endParaRPr lang="zh-CN" altLang="en-US"/>
           </a:p>
@@ -2979,7 +2980,7 @@
           <a:p>
             <a:fld id="{2C571515-B901-4F39-96E9-1260A2CDE16A}" type="slidenum">
               <a:rPr lang="zh-CN" altLang="en-US" smtClean="0"/>
-              <a:t>14</a:t>
+              <a:t>15</a:t>
             </a:fld>
             <a:endParaRPr lang="zh-CN" altLang="en-US"/>
           </a:p>
@@ -3139,7 +3140,7 @@
               <a:pPr>
                 <a:defRPr/>
               </a:pPr>
-              <a:t>2018/10/11</a:t>
+              <a:t>2018/10/17</a:t>
             </a:fld>
             <a:endParaRPr lang="zh-CN" altLang="en-US"/>
           </a:p>
@@ -3331,7 +3332,7 @@
               <a:pPr>
                 <a:defRPr/>
               </a:pPr>
-              <a:t>2018/10/11</a:t>
+              <a:t>2018/10/17</a:t>
             </a:fld>
             <a:endParaRPr lang="zh-CN" altLang="en-US"/>
           </a:p>
@@ -3533,7 +3534,7 @@
               <a:pPr>
                 <a:defRPr/>
               </a:pPr>
-              <a:t>2018/10/11</a:t>
+              <a:t>2018/10/17</a:t>
             </a:fld>
             <a:endParaRPr lang="zh-CN" altLang="en-US"/>
           </a:p>
@@ -3725,7 +3726,7 @@
               <a:pPr>
                 <a:defRPr/>
               </a:pPr>
-              <a:t>2018/10/11</a:t>
+              <a:t>2018/10/17</a:t>
             </a:fld>
             <a:endParaRPr lang="zh-CN" altLang="en-US"/>
           </a:p>
@@ -3993,7 +3994,7 @@
               <a:pPr>
                 <a:defRPr/>
               </a:pPr>
-              <a:t>2018/10/11</a:t>
+              <a:t>2018/10/17</a:t>
             </a:fld>
             <a:endParaRPr lang="zh-CN" altLang="en-US"/>
           </a:p>
@@ -4247,7 +4248,7 @@
               <a:pPr>
                 <a:defRPr/>
               </a:pPr>
-              <a:t>2018/10/11</a:t>
+              <a:t>2018/10/17</a:t>
             </a:fld>
             <a:endParaRPr lang="zh-CN" altLang="en-US"/>
           </a:p>
@@ -4636,7 +4637,7 @@
               <a:pPr>
                 <a:defRPr/>
               </a:pPr>
-              <a:t>2018/10/11</a:t>
+              <a:t>2018/10/17</a:t>
             </a:fld>
             <a:endParaRPr lang="zh-CN" altLang="en-US"/>
           </a:p>
@@ -4776,7 +4777,7 @@
               <a:pPr>
                 <a:defRPr/>
               </a:pPr>
-              <a:t>2018/10/11</a:t>
+              <a:t>2018/10/17</a:t>
             </a:fld>
             <a:endParaRPr lang="zh-CN" altLang="en-US"/>
           </a:p>
@@ -4893,7 +4894,7 @@
               <a:pPr>
                 <a:defRPr/>
               </a:pPr>
-              <a:t>2018/10/11</a:t>
+              <a:t>2018/10/17</a:t>
             </a:fld>
             <a:endParaRPr lang="zh-CN" altLang="en-US"/>
           </a:p>
@@ -5192,7 +5193,7 @@
               <a:pPr>
                 <a:defRPr/>
               </a:pPr>
-              <a:t>2018/10/11</a:t>
+              <a:t>2018/10/17</a:t>
             </a:fld>
             <a:endParaRPr lang="zh-CN" altLang="en-US"/>
           </a:p>
@@ -5470,7 +5471,7 @@
               <a:pPr>
                 <a:defRPr/>
               </a:pPr>
-              <a:t>2018/10/11</a:t>
+              <a:t>2018/10/17</a:t>
             </a:fld>
             <a:endParaRPr lang="zh-CN" altLang="en-US"/>
           </a:p>
@@ -5733,7 +5734,7 @@
               <a:pPr>
                 <a:defRPr/>
               </a:pPr>
-              <a:t>2018/10/11</a:t>
+              <a:t>2018/10/17</a:t>
             </a:fld>
             <a:endParaRPr lang="zh-CN" altLang="en-US"/>
           </a:p>
@@ -7011,7 +7012,7 @@
           </a:ln>
           <a:extLst>
             <a:ext uri="{91240B29-F687-4f45-9708-019B960494DF}">
-              <a14:hiddenLine xmlns="" xmlns:a14="http://schemas.microsoft.com/office/drawing/2010/main" w="12700" cap="flat" cmpd="sng">
+              <a14:hiddenLine xmlns:a14="http://schemas.microsoft.com/office/drawing/2010/main" xmlns="" w="12700" cap="flat" cmpd="sng">
                 <a:solidFill>
                   <a:srgbClr val="42719B"/>
                 </a:solidFill>
@@ -7168,6 +7169,883 @@
 </file>
 
 <file path=ppt/slides/slide10.xml><?xml version="1.0" encoding="utf-8"?>
+<p:sld xmlns:a="http://schemas.openxmlformats.org/drawingml/2006/main" xmlns:r="http://schemas.openxmlformats.org/officeDocument/2006/relationships" xmlns:p="http://schemas.openxmlformats.org/presentationml/2006/main">
+  <p:cSld>
+    <p:spTree>
+      <p:nvGrpSpPr>
+        <p:cNvPr id="1" name=""/>
+        <p:cNvGrpSpPr/>
+        <p:nvPr/>
+      </p:nvGrpSpPr>
+      <p:grpSpPr>
+        <a:xfrm>
+          <a:off x="0" y="0"/>
+          <a:ext cx="0" cy="0"/>
+          <a:chOff x="0" y="0"/>
+          <a:chExt cx="0" cy="0"/>
+        </a:xfrm>
+      </p:grpSpPr>
+      <p:grpSp>
+        <p:nvGrpSpPr>
+          <p:cNvPr id="27652" name="组合 40"/>
+          <p:cNvGrpSpPr>
+            <a:grpSpLocks/>
+          </p:cNvGrpSpPr>
+          <p:nvPr/>
+        </p:nvGrpSpPr>
+        <p:grpSpPr bwMode="auto">
+          <a:xfrm>
+            <a:off x="0" y="270566"/>
+            <a:ext cx="11418887" cy="1321891"/>
+            <a:chOff x="200997" y="571880"/>
+            <a:chExt cx="11418853" cy="1321454"/>
+          </a:xfrm>
+        </p:grpSpPr>
+        <p:sp>
+          <p:nvSpPr>
+            <p:cNvPr id="42" name="矩形 41"/>
+            <p:cNvSpPr/>
+            <p:nvPr/>
+          </p:nvSpPr>
+          <p:spPr>
+            <a:xfrm>
+              <a:off x="2553665" y="1341067"/>
+              <a:ext cx="9066185" cy="552267"/>
+            </a:xfrm>
+            <a:prstGeom prst="rect">
+              <a:avLst/>
+            </a:prstGeom>
+            <a:solidFill>
+              <a:schemeClr val="bg1">
+                <a:alpha val="40000"/>
+              </a:schemeClr>
+            </a:solidFill>
+            <a:ln>
+              <a:noFill/>
+            </a:ln>
+          </p:spPr>
+          <p:style>
+            <a:lnRef idx="2">
+              <a:schemeClr val="accent1">
+                <a:shade val="50000"/>
+              </a:schemeClr>
+            </a:lnRef>
+            <a:fillRef idx="1">
+              <a:schemeClr val="accent1"/>
+            </a:fillRef>
+            <a:effectRef idx="0">
+              <a:schemeClr val="accent1"/>
+            </a:effectRef>
+            <a:fontRef idx="minor">
+              <a:schemeClr val="lt1"/>
+            </a:fontRef>
+          </p:style>
+          <p:txBody>
+            <a:bodyPr anchor="ctr"/>
+            <a:lstStyle/>
+            <a:p>
+              <a:pPr algn="ctr" fontAlgn="auto">
+                <a:spcBef>
+                  <a:spcPts val="0"/>
+                </a:spcBef>
+                <a:spcAft>
+                  <a:spcPts val="0"/>
+                </a:spcAft>
+                <a:defRPr/>
+              </a:pPr>
+              <a:endParaRPr lang="zh-CN" altLang="en-US"/>
+            </a:p>
+          </p:txBody>
+        </p:sp>
+        <p:sp>
+          <p:nvSpPr>
+            <p:cNvPr id="27654" name="文本框 42"/>
+            <p:cNvSpPr txBox="1">
+              <a:spLocks noChangeArrowheads="1"/>
+            </p:cNvSpPr>
+            <p:nvPr/>
+          </p:nvSpPr>
+          <p:spPr bwMode="auto">
+            <a:xfrm>
+              <a:off x="2860051" y="571880"/>
+              <a:ext cx="8690173" cy="769187"/>
+            </a:xfrm>
+            <a:prstGeom prst="rect">
+              <a:avLst/>
+            </a:prstGeom>
+            <a:noFill/>
+            <a:ln w="9525">
+              <a:noFill/>
+              <a:miter lim="800000"/>
+              <a:headEnd/>
+              <a:tailEnd/>
+            </a:ln>
+          </p:spPr>
+          <p:txBody>
+            <a:bodyPr wrap="none">
+              <a:spAutoFit/>
+            </a:bodyPr>
+            <a:lstStyle/>
+            <a:p>
+              <a:r>
+                <a:rPr lang="en-US" altLang="zh-CN" sz="4400" dirty="0" smtClean="0">
+                  <a:solidFill>
+                    <a:schemeClr val="bg1"/>
+                  </a:solidFill>
+                  <a:latin typeface="微软雅黑" pitchFamily="34" charset="-122"/>
+                  <a:ea typeface="微软雅黑" pitchFamily="34" charset="-122"/>
+                </a:rPr>
+                <a:t>4.1.5 </a:t>
+              </a:r>
+              <a:r>
+                <a:rPr lang="zh-CN" altLang="en-US" sz="4400" dirty="0" smtClean="0">
+                  <a:solidFill>
+                    <a:schemeClr val="bg1"/>
+                  </a:solidFill>
+                  <a:latin typeface="微软雅黑" pitchFamily="34" charset="-122"/>
+                  <a:ea typeface="微软雅黑" pitchFamily="34" charset="-122"/>
+                </a:rPr>
+                <a:t>启动其他</a:t>
+              </a:r>
+              <a:r>
+                <a:rPr lang="en-US" altLang="zh-CN" sz="4400" dirty="0" smtClean="0">
+                  <a:solidFill>
+                    <a:schemeClr val="bg1"/>
+                  </a:solidFill>
+                  <a:latin typeface="微软雅黑" pitchFamily="34" charset="-122"/>
+                  <a:ea typeface="微软雅黑" pitchFamily="34" charset="-122"/>
+                </a:rPr>
+                <a:t>Activity</a:t>
+              </a:r>
+              <a:r>
+                <a:rPr lang="zh-CN" altLang="en-US" sz="4400" dirty="0" smtClean="0">
+                  <a:solidFill>
+                    <a:schemeClr val="bg1"/>
+                  </a:solidFill>
+                  <a:latin typeface="微软雅黑" pitchFamily="34" charset="-122"/>
+                  <a:ea typeface="微软雅黑" pitchFamily="34" charset="-122"/>
+                </a:rPr>
+                <a:t>并返回结果</a:t>
+              </a:r>
+              <a:endParaRPr lang="zh-CN" altLang="en-US" sz="4400" dirty="0">
+                <a:solidFill>
+                  <a:schemeClr val="bg1"/>
+                </a:solidFill>
+                <a:latin typeface="微软雅黑" pitchFamily="34" charset="-122"/>
+                <a:ea typeface="微软雅黑" pitchFamily="34" charset="-122"/>
+              </a:endParaRPr>
+            </a:p>
+          </p:txBody>
+        </p:sp>
+        <p:cxnSp>
+          <p:nvCxnSpPr>
+            <p:cNvPr id="44" name="直接连接符 43"/>
+            <p:cNvCxnSpPr/>
+            <p:nvPr/>
+          </p:nvCxnSpPr>
+          <p:spPr>
+            <a:xfrm>
+              <a:off x="200997" y="1344241"/>
+              <a:ext cx="2479668" cy="0"/>
+            </a:xfrm>
+            <a:prstGeom prst="line">
+              <a:avLst/>
+            </a:prstGeom>
+            <a:ln>
+              <a:solidFill>
+                <a:schemeClr val="bg1"/>
+              </a:solidFill>
+            </a:ln>
+          </p:spPr>
+          <p:style>
+            <a:lnRef idx="1">
+              <a:schemeClr val="accent1"/>
+            </a:lnRef>
+            <a:fillRef idx="0">
+              <a:schemeClr val="accent1"/>
+            </a:fillRef>
+            <a:effectRef idx="0">
+              <a:schemeClr val="accent1"/>
+            </a:effectRef>
+            <a:fontRef idx="minor">
+              <a:schemeClr val="tx1"/>
+            </a:fontRef>
+          </p:style>
+        </p:cxnSp>
+        <p:sp>
+          <p:nvSpPr>
+            <p:cNvPr id="45" name="矩形 44"/>
+            <p:cNvSpPr/>
+            <p:nvPr/>
+          </p:nvSpPr>
+          <p:spPr>
+            <a:xfrm>
+              <a:off x="2553665" y="669775"/>
+              <a:ext cx="306386" cy="1223559"/>
+            </a:xfrm>
+            <a:prstGeom prst="rect">
+              <a:avLst/>
+            </a:prstGeom>
+            <a:solidFill>
+              <a:srgbClr val="FE5A3E"/>
+            </a:solidFill>
+            <a:ln>
+              <a:noFill/>
+            </a:ln>
+          </p:spPr>
+          <p:style>
+            <a:lnRef idx="2">
+              <a:schemeClr val="accent1">
+                <a:shade val="50000"/>
+              </a:schemeClr>
+            </a:lnRef>
+            <a:fillRef idx="1">
+              <a:schemeClr val="accent1"/>
+            </a:fillRef>
+            <a:effectRef idx="0">
+              <a:schemeClr val="accent1"/>
+            </a:effectRef>
+            <a:fontRef idx="minor">
+              <a:schemeClr val="lt1"/>
+            </a:fontRef>
+          </p:style>
+          <p:txBody>
+            <a:bodyPr anchor="ctr"/>
+            <a:lstStyle/>
+            <a:p>
+              <a:pPr algn="ctr" fontAlgn="auto">
+                <a:spcBef>
+                  <a:spcPts val="0"/>
+                </a:spcBef>
+                <a:spcAft>
+                  <a:spcPts val="0"/>
+                </a:spcAft>
+                <a:defRPr/>
+              </a:pPr>
+              <a:endParaRPr lang="zh-CN" altLang="en-US"/>
+            </a:p>
+          </p:txBody>
+        </p:sp>
+        <p:sp>
+          <p:nvSpPr>
+            <p:cNvPr id="46" name="文本框 45"/>
+            <p:cNvSpPr txBox="1"/>
+            <p:nvPr/>
+          </p:nvSpPr>
+          <p:spPr>
+            <a:xfrm>
+              <a:off x="2971176" y="1412480"/>
+              <a:ext cx="7452659" cy="399978"/>
+            </a:xfrm>
+            <a:prstGeom prst="rect">
+              <a:avLst/>
+            </a:prstGeom>
+            <a:noFill/>
+          </p:spPr>
+          <p:txBody>
+            <a:bodyPr wrap="none">
+              <a:spAutoFit/>
+            </a:bodyPr>
+            <a:lstStyle/>
+            <a:p>
+              <a:pPr fontAlgn="auto">
+                <a:spcBef>
+                  <a:spcPts val="0"/>
+                </a:spcBef>
+                <a:spcAft>
+                  <a:spcPts val="0"/>
+                </a:spcAft>
+                <a:defRPr/>
+              </a:pPr>
+              <a:r>
+                <a:rPr lang="en-US" altLang="zh-CN" sz="2000" dirty="0" smtClean="0">
+                  <a:solidFill>
+                    <a:schemeClr val="bg1">
+                      <a:lumMod val="50000"/>
+                    </a:schemeClr>
+                  </a:solidFill>
+                  <a:latin typeface="微软雅黑" panose="020B0503020204020204" pitchFamily="34" charset="-122"/>
+                  <a:ea typeface="微软雅黑" panose="020B0503020204020204" pitchFamily="34" charset="-122"/>
+                </a:rPr>
+                <a:t>Bundle</a:t>
+              </a:r>
+              <a:r>
+                <a:rPr lang="zh-CN" altLang="en-US" sz="2000" dirty="0" smtClean="0">
+                  <a:solidFill>
+                    <a:schemeClr val="bg1">
+                      <a:lumMod val="50000"/>
+                    </a:schemeClr>
+                  </a:solidFill>
+                  <a:latin typeface="微软雅黑" panose="020B0503020204020204" pitchFamily="34" charset="-122"/>
+                  <a:ea typeface="微软雅黑" panose="020B0503020204020204" pitchFamily="34" charset="-122"/>
+                </a:rPr>
+                <a:t>是一个简单的数据携带包，包含了多个方法来存储数据。</a:t>
+              </a:r>
+              <a:endParaRPr lang="zh-CN" altLang="en-US" sz="2000" dirty="0">
+                <a:solidFill>
+                  <a:schemeClr val="bg1">
+                    <a:lumMod val="50000"/>
+                  </a:schemeClr>
+                </a:solidFill>
+                <a:latin typeface="微软雅黑" panose="020B0503020204020204" pitchFamily="34" charset="-122"/>
+                <a:ea typeface="微软雅黑" panose="020B0503020204020204" pitchFamily="34" charset="-122"/>
+              </a:endParaRPr>
+            </a:p>
+          </p:txBody>
+        </p:sp>
+      </p:grpSp>
+      <p:sp>
+        <p:nvSpPr>
+          <p:cNvPr id="15" name="文本框 56"/>
+          <p:cNvSpPr txBox="1">
+            <a:spLocks noChangeArrowheads="1"/>
+          </p:cNvSpPr>
+          <p:nvPr/>
+        </p:nvSpPr>
+        <p:spPr bwMode="auto">
+          <a:xfrm>
+            <a:off x="425203" y="2026259"/>
+            <a:ext cx="4685898" cy="400110"/>
+          </a:xfrm>
+          <a:prstGeom prst="rect">
+            <a:avLst/>
+          </a:prstGeom>
+          <a:noFill/>
+          <a:ln w="9525">
+            <a:noFill/>
+            <a:miter lim="800000"/>
+            <a:headEnd/>
+            <a:tailEnd/>
+          </a:ln>
+        </p:spPr>
+        <p:txBody>
+          <a:bodyPr wrap="none">
+            <a:spAutoFit/>
+          </a:bodyPr>
+          <a:lstStyle/>
+          <a:p>
+            <a:r>
+              <a:rPr lang="zh-CN" altLang="en-US" sz="2000" dirty="0" smtClean="0">
+                <a:solidFill>
+                  <a:srgbClr val="FE5A3E"/>
+                </a:solidFill>
+                <a:latin typeface="微软雅黑" pitchFamily="34" charset="-122"/>
+                <a:ea typeface="微软雅黑" pitchFamily="34" charset="-122"/>
+              </a:rPr>
+              <a:t>案例：用第二个</a:t>
+            </a:r>
+            <a:r>
+              <a:rPr lang="en-US" altLang="zh-CN" sz="2000" dirty="0" smtClean="0">
+                <a:solidFill>
+                  <a:srgbClr val="FE5A3E"/>
+                </a:solidFill>
+                <a:latin typeface="微软雅黑" pitchFamily="34" charset="-122"/>
+                <a:ea typeface="微软雅黑" pitchFamily="34" charset="-122"/>
+              </a:rPr>
+              <a:t>Activity</a:t>
+            </a:r>
+            <a:r>
+              <a:rPr lang="zh-CN" altLang="en-US" sz="2000" dirty="0" smtClean="0">
+                <a:solidFill>
+                  <a:srgbClr val="FE5A3E"/>
+                </a:solidFill>
+                <a:latin typeface="微软雅黑" pitchFamily="34" charset="-122"/>
+                <a:ea typeface="微软雅黑" pitchFamily="34" charset="-122"/>
+              </a:rPr>
+              <a:t>让用户选择信息</a:t>
+            </a:r>
+            <a:endParaRPr lang="zh-CN" altLang="en-US" sz="2000" dirty="0">
+              <a:solidFill>
+                <a:srgbClr val="FE5A3E"/>
+              </a:solidFill>
+              <a:latin typeface="微软雅黑" pitchFamily="34" charset="-122"/>
+              <a:ea typeface="微软雅黑" pitchFamily="34" charset="-122"/>
+            </a:endParaRPr>
+          </a:p>
+        </p:txBody>
+      </p:sp>
+      <p:pic>
+        <p:nvPicPr>
+          <p:cNvPr id="2" name="图片 1"/>
+          <p:cNvPicPr>
+            <a:picLocks noChangeAspect="1"/>
+          </p:cNvPicPr>
+          <p:nvPr/>
+        </p:nvPicPr>
+        <p:blipFill>
+          <a:blip r:embed="rId3"/>
+          <a:stretch>
+            <a:fillRect/>
+          </a:stretch>
+        </p:blipFill>
+        <p:spPr>
+          <a:xfrm>
+            <a:off x="413339" y="2545433"/>
+            <a:ext cx="3714750" cy="2219325"/>
+          </a:xfrm>
+          <a:prstGeom prst="rect">
+            <a:avLst/>
+          </a:prstGeom>
+        </p:spPr>
+      </p:pic>
+      <p:pic>
+        <p:nvPicPr>
+          <p:cNvPr id="3" name="图片 2"/>
+          <p:cNvPicPr>
+            <a:picLocks noChangeAspect="1"/>
+          </p:cNvPicPr>
+          <p:nvPr/>
+        </p:nvPicPr>
+        <p:blipFill>
+          <a:blip r:embed="rId4"/>
+          <a:stretch>
+            <a:fillRect/>
+          </a:stretch>
+        </p:blipFill>
+        <p:spPr>
+          <a:xfrm>
+            <a:off x="4389963" y="2580123"/>
+            <a:ext cx="3686175" cy="4124325"/>
+          </a:xfrm>
+          <a:prstGeom prst="rect">
+            <a:avLst/>
+          </a:prstGeom>
+        </p:spPr>
+      </p:pic>
+      <p:pic>
+        <p:nvPicPr>
+          <p:cNvPr id="4" name="图片 3"/>
+          <p:cNvPicPr>
+            <a:picLocks noChangeAspect="1"/>
+          </p:cNvPicPr>
+          <p:nvPr/>
+        </p:nvPicPr>
+        <p:blipFill>
+          <a:blip r:embed="rId5"/>
+          <a:stretch>
+            <a:fillRect/>
+          </a:stretch>
+        </p:blipFill>
+        <p:spPr>
+          <a:xfrm>
+            <a:off x="8338012" y="4060766"/>
+            <a:ext cx="3695700" cy="2295525"/>
+          </a:xfrm>
+          <a:prstGeom prst="rect">
+            <a:avLst/>
+          </a:prstGeom>
+        </p:spPr>
+      </p:pic>
+      <p:sp>
+        <p:nvSpPr>
+          <p:cNvPr id="19" name="弧形 18"/>
+          <p:cNvSpPr/>
+          <p:nvPr/>
+        </p:nvSpPr>
+        <p:spPr bwMode="auto">
+          <a:xfrm rot="8100000">
+            <a:off x="1611313" y="4224629"/>
+            <a:ext cx="808038" cy="831850"/>
+          </a:xfrm>
+          <a:prstGeom prst="arc">
+            <a:avLst/>
+          </a:prstGeom>
+          <a:ln>
+            <a:solidFill>
+              <a:schemeClr val="bg1"/>
+            </a:solidFill>
+          </a:ln>
+        </p:spPr>
+        <p:style>
+          <a:lnRef idx="1">
+            <a:schemeClr val="accent1"/>
+          </a:lnRef>
+          <a:fillRef idx="0">
+            <a:schemeClr val="accent1"/>
+          </a:fillRef>
+          <a:effectRef idx="0">
+            <a:schemeClr val="accent1"/>
+          </a:effectRef>
+          <a:fontRef idx="minor">
+            <a:schemeClr val="tx1"/>
+          </a:fontRef>
+        </p:style>
+        <p:txBody>
+          <a:bodyPr anchor="ctr"/>
+          <a:lstStyle/>
+          <a:p>
+            <a:pPr algn="ctr" fontAlgn="auto">
+              <a:spcBef>
+                <a:spcPts val="0"/>
+              </a:spcBef>
+              <a:spcAft>
+                <a:spcPts val="0"/>
+              </a:spcAft>
+              <a:defRPr/>
+            </a:pPr>
+            <a:endParaRPr lang="zh-CN" altLang="en-US"/>
+          </a:p>
+        </p:txBody>
+      </p:sp>
+      <p:cxnSp>
+        <p:nvCxnSpPr>
+          <p:cNvPr id="20" name="直接连接符 19"/>
+          <p:cNvCxnSpPr/>
+          <p:nvPr/>
+        </p:nvCxnSpPr>
+        <p:spPr bwMode="auto">
+          <a:xfrm>
+            <a:off x="2020888" y="5050129"/>
+            <a:ext cx="0" cy="1031875"/>
+          </a:xfrm>
+          <a:prstGeom prst="line">
+            <a:avLst/>
+          </a:prstGeom>
+          <a:ln>
+            <a:solidFill>
+              <a:schemeClr val="bg1"/>
+            </a:solidFill>
+            <a:prstDash val="sysDash"/>
+          </a:ln>
+        </p:spPr>
+        <p:style>
+          <a:lnRef idx="1">
+            <a:schemeClr val="accent1"/>
+          </a:lnRef>
+          <a:fillRef idx="0">
+            <a:schemeClr val="accent1"/>
+          </a:fillRef>
+          <a:effectRef idx="0">
+            <a:schemeClr val="accent1"/>
+          </a:effectRef>
+          <a:fontRef idx="minor">
+            <a:schemeClr val="tx1"/>
+          </a:fontRef>
+        </p:style>
+      </p:cxnSp>
+      <p:cxnSp>
+        <p:nvCxnSpPr>
+          <p:cNvPr id="21" name="直接连接符 20"/>
+          <p:cNvCxnSpPr/>
+          <p:nvPr/>
+        </p:nvCxnSpPr>
+        <p:spPr bwMode="auto">
+          <a:xfrm>
+            <a:off x="2020888" y="6082004"/>
+            <a:ext cx="2369075" cy="0"/>
+          </a:xfrm>
+          <a:prstGeom prst="line">
+            <a:avLst/>
+          </a:prstGeom>
+          <a:ln>
+            <a:solidFill>
+              <a:schemeClr val="bg1"/>
+            </a:solidFill>
+            <a:prstDash val="sysDash"/>
+          </a:ln>
+        </p:spPr>
+        <p:style>
+          <a:lnRef idx="1">
+            <a:schemeClr val="accent1"/>
+          </a:lnRef>
+          <a:fillRef idx="0">
+            <a:schemeClr val="accent1"/>
+          </a:fillRef>
+          <a:effectRef idx="0">
+            <a:schemeClr val="accent1"/>
+          </a:effectRef>
+          <a:fontRef idx="minor">
+            <a:schemeClr val="tx1"/>
+          </a:fontRef>
+        </p:style>
+      </p:cxnSp>
+      <p:sp>
+        <p:nvSpPr>
+          <p:cNvPr id="23" name="文本框 22"/>
+          <p:cNvSpPr txBox="1"/>
+          <p:nvPr/>
+        </p:nvSpPr>
+        <p:spPr>
+          <a:xfrm>
+            <a:off x="2016938" y="5423729"/>
+            <a:ext cx="1959538" cy="646331"/>
+          </a:xfrm>
+          <a:prstGeom prst="rect">
+            <a:avLst/>
+          </a:prstGeom>
+          <a:noFill/>
+        </p:spPr>
+        <p:txBody>
+          <a:bodyPr wrap="square" rtlCol="0">
+            <a:spAutoFit/>
+          </a:bodyPr>
+          <a:lstStyle/>
+          <a:p>
+            <a:r>
+              <a:rPr lang="zh-CN" altLang="en-US" dirty="0">
+                <a:solidFill>
+                  <a:srgbClr val="FE5A3E"/>
+                </a:solidFill>
+                <a:latin typeface="微软雅黑" pitchFamily="34" charset="-122"/>
+                <a:ea typeface="微软雅黑" pitchFamily="34" charset="-122"/>
+              </a:rPr>
+              <a:t>进入第二个</a:t>
+            </a:r>
+            <a:r>
+              <a:rPr lang="en-US" altLang="zh-CN" dirty="0">
+                <a:solidFill>
+                  <a:srgbClr val="FE5A3E"/>
+                </a:solidFill>
+                <a:latin typeface="微软雅黑" pitchFamily="34" charset="-122"/>
+                <a:ea typeface="微软雅黑" pitchFamily="34" charset="-122"/>
+              </a:rPr>
+              <a:t>Activity</a:t>
+            </a:r>
+            <a:r>
+              <a:rPr lang="zh-CN" altLang="en-US" dirty="0">
+                <a:solidFill>
+                  <a:srgbClr val="FE5A3E"/>
+                </a:solidFill>
+                <a:latin typeface="微软雅黑" pitchFamily="34" charset="-122"/>
+                <a:ea typeface="微软雅黑" pitchFamily="34" charset="-122"/>
+              </a:rPr>
+              <a:t>选择信息</a:t>
+            </a:r>
+          </a:p>
+        </p:txBody>
+      </p:sp>
+      <p:sp>
+        <p:nvSpPr>
+          <p:cNvPr id="24" name="弧形 23"/>
+          <p:cNvSpPr/>
+          <p:nvPr/>
+        </p:nvSpPr>
+        <p:spPr bwMode="auto">
+          <a:xfrm rot="2619305">
+            <a:off x="7628126" y="2630480"/>
+            <a:ext cx="809625" cy="809625"/>
+          </a:xfrm>
+          <a:prstGeom prst="arc">
+            <a:avLst/>
+          </a:prstGeom>
+          <a:ln>
+            <a:solidFill>
+              <a:schemeClr val="bg1"/>
+            </a:solidFill>
+          </a:ln>
+        </p:spPr>
+        <p:style>
+          <a:lnRef idx="1">
+            <a:schemeClr val="accent1"/>
+          </a:lnRef>
+          <a:fillRef idx="0">
+            <a:schemeClr val="accent1"/>
+          </a:fillRef>
+          <a:effectRef idx="0">
+            <a:schemeClr val="accent1"/>
+          </a:effectRef>
+          <a:fontRef idx="minor">
+            <a:schemeClr val="tx1"/>
+          </a:fontRef>
+        </p:style>
+        <p:txBody>
+          <a:bodyPr anchor="ctr"/>
+          <a:lstStyle/>
+          <a:p>
+            <a:pPr algn="ctr" fontAlgn="auto">
+              <a:spcBef>
+                <a:spcPts val="0"/>
+              </a:spcBef>
+              <a:spcAft>
+                <a:spcPts val="0"/>
+              </a:spcAft>
+              <a:defRPr/>
+            </a:pPr>
+            <a:endParaRPr lang="zh-CN" altLang="en-US"/>
+          </a:p>
+        </p:txBody>
+      </p:sp>
+      <p:cxnSp>
+        <p:nvCxnSpPr>
+          <p:cNvPr id="25" name="直接连接符 24"/>
+          <p:cNvCxnSpPr/>
+          <p:nvPr/>
+        </p:nvCxnSpPr>
+        <p:spPr bwMode="auto">
+          <a:xfrm>
+            <a:off x="12966809" y="2821524"/>
+            <a:ext cx="0" cy="238125"/>
+          </a:xfrm>
+          <a:prstGeom prst="line">
+            <a:avLst/>
+          </a:prstGeom>
+          <a:ln>
+            <a:solidFill>
+              <a:schemeClr val="bg1"/>
+            </a:solidFill>
+            <a:prstDash val="sysDash"/>
+          </a:ln>
+        </p:spPr>
+        <p:style>
+          <a:lnRef idx="1">
+            <a:schemeClr val="accent1"/>
+          </a:lnRef>
+          <a:fillRef idx="0">
+            <a:schemeClr val="accent1"/>
+          </a:fillRef>
+          <a:effectRef idx="0">
+            <a:schemeClr val="accent1"/>
+          </a:effectRef>
+          <a:fontRef idx="minor">
+            <a:schemeClr val="tx1"/>
+          </a:fontRef>
+        </p:style>
+      </p:cxnSp>
+      <p:cxnSp>
+        <p:nvCxnSpPr>
+          <p:cNvPr id="26" name="直接连接符 25"/>
+          <p:cNvCxnSpPr/>
+          <p:nvPr/>
+        </p:nvCxnSpPr>
+        <p:spPr bwMode="auto">
+          <a:xfrm>
+            <a:off x="8489625" y="3035292"/>
+            <a:ext cx="1658340" cy="0"/>
+          </a:xfrm>
+          <a:prstGeom prst="line">
+            <a:avLst/>
+          </a:prstGeom>
+          <a:ln>
+            <a:solidFill>
+              <a:schemeClr val="bg1"/>
+            </a:solidFill>
+            <a:prstDash val="sysDash"/>
+          </a:ln>
+        </p:spPr>
+        <p:style>
+          <a:lnRef idx="1">
+            <a:schemeClr val="accent1"/>
+          </a:lnRef>
+          <a:fillRef idx="0">
+            <a:schemeClr val="accent1"/>
+          </a:fillRef>
+          <a:effectRef idx="0">
+            <a:schemeClr val="accent1"/>
+          </a:effectRef>
+          <a:fontRef idx="minor">
+            <a:schemeClr val="tx1"/>
+          </a:fontRef>
+        </p:style>
+      </p:cxnSp>
+      <p:cxnSp>
+        <p:nvCxnSpPr>
+          <p:cNvPr id="31" name="直接连接符 30"/>
+          <p:cNvCxnSpPr/>
+          <p:nvPr/>
+        </p:nvCxnSpPr>
+        <p:spPr bwMode="auto">
+          <a:xfrm>
+            <a:off x="10147965" y="3007086"/>
+            <a:ext cx="0" cy="1031875"/>
+          </a:xfrm>
+          <a:prstGeom prst="line">
+            <a:avLst/>
+          </a:prstGeom>
+          <a:ln>
+            <a:solidFill>
+              <a:schemeClr val="bg1"/>
+            </a:solidFill>
+            <a:prstDash val="sysDash"/>
+          </a:ln>
+        </p:spPr>
+        <p:style>
+          <a:lnRef idx="1">
+            <a:schemeClr val="accent1"/>
+          </a:lnRef>
+          <a:fillRef idx="0">
+            <a:schemeClr val="accent1"/>
+          </a:fillRef>
+          <a:effectRef idx="0">
+            <a:schemeClr val="accent1"/>
+          </a:effectRef>
+          <a:fontRef idx="minor">
+            <a:schemeClr val="tx1"/>
+          </a:fontRef>
+        </p:style>
+      </p:cxnSp>
+      <p:sp>
+        <p:nvSpPr>
+          <p:cNvPr id="34" name="文本框 33"/>
+          <p:cNvSpPr txBox="1"/>
+          <p:nvPr/>
+        </p:nvSpPr>
+        <p:spPr>
+          <a:xfrm>
+            <a:off x="8618081" y="2351964"/>
+            <a:ext cx="1959538" cy="646331"/>
+          </a:xfrm>
+          <a:prstGeom prst="rect">
+            <a:avLst/>
+          </a:prstGeom>
+          <a:noFill/>
+        </p:spPr>
+        <p:txBody>
+          <a:bodyPr wrap="square" rtlCol="0">
+            <a:spAutoFit/>
+          </a:bodyPr>
+          <a:lstStyle/>
+          <a:p>
+            <a:r>
+              <a:rPr lang="zh-CN" altLang="en-US" dirty="0" smtClean="0">
+                <a:solidFill>
+                  <a:srgbClr val="FE5A3E"/>
+                </a:solidFill>
+                <a:latin typeface="微软雅黑" pitchFamily="34" charset="-122"/>
+                <a:ea typeface="微软雅黑" pitchFamily="34" charset="-122"/>
+              </a:rPr>
+              <a:t>返回结果到第一个</a:t>
+            </a:r>
+            <a:r>
+              <a:rPr lang="en-US" altLang="zh-CN" dirty="0" smtClean="0">
+                <a:solidFill>
+                  <a:srgbClr val="FE5A3E"/>
+                </a:solidFill>
+                <a:latin typeface="微软雅黑" pitchFamily="34" charset="-122"/>
+                <a:ea typeface="微软雅黑" pitchFamily="34" charset="-122"/>
+              </a:rPr>
+              <a:t>Activity</a:t>
+            </a:r>
+            <a:endParaRPr lang="zh-CN" altLang="en-US" dirty="0">
+              <a:solidFill>
+                <a:srgbClr val="FE5A3E"/>
+              </a:solidFill>
+              <a:latin typeface="微软雅黑" pitchFamily="34" charset="-122"/>
+              <a:ea typeface="微软雅黑" pitchFamily="34" charset="-122"/>
+            </a:endParaRPr>
+          </a:p>
+        </p:txBody>
+      </p:sp>
+    </p:spTree>
+    <p:extLst>
+      <p:ext uri="{BB962C8B-B14F-4D97-AF65-F5344CB8AC3E}">
+        <p14:creationId xmlns:p14="http://schemas.microsoft.com/office/powerpoint/2010/main" val="4030537488"/>
+      </p:ext>
+    </p:extLst>
+  </p:cSld>
+  <p:clrMapOvr>
+    <a:masterClrMapping/>
+  </p:clrMapOvr>
+  <p:timing>
+    <p:tnLst>
+      <p:par>
+        <p:cTn id="1" dur="indefinite" restart="never" nodeType="tmRoot"/>
+      </p:par>
+    </p:tnLst>
+  </p:timing>
+</p:sld>
+</file>
+
+<file path=ppt/slides/slide11.xml><?xml version="1.0" encoding="utf-8"?>
 <p:sld xmlns:a="http://schemas.openxmlformats.org/drawingml/2006/main" xmlns:r="http://schemas.openxmlformats.org/officeDocument/2006/relationships" xmlns:p="http://schemas.openxmlformats.org/presentationml/2006/main">
   <p:cSld>
     <p:spTree>
@@ -7486,7 +8364,7 @@
 </p:sld>
 </file>
 
-<file path=ppt/slides/slide11.xml><?xml version="1.0" encoding="utf-8"?>
+<file path=ppt/slides/slide12.xml><?xml version="1.0" encoding="utf-8"?>
 <p:sld xmlns:a="http://schemas.openxmlformats.org/drawingml/2006/main" xmlns:r="http://schemas.openxmlformats.org/officeDocument/2006/relationships" xmlns:p="http://schemas.openxmlformats.org/presentationml/2006/main">
   <p:cSld>
     <p:spTree>
@@ -7805,7 +8683,7 @@
 </p:sld>
 </file>
 
-<file path=ppt/slides/slide12.xml><?xml version="1.0" encoding="utf-8"?>
+<file path=ppt/slides/slide13.xml><?xml version="1.0" encoding="utf-8"?>
 <p:sld xmlns:a="http://schemas.openxmlformats.org/drawingml/2006/main" xmlns:r="http://schemas.openxmlformats.org/officeDocument/2006/relationships" xmlns:p="http://schemas.openxmlformats.org/presentationml/2006/main">
   <p:cSld>
     <p:spTree>
@@ -9666,7 +10544,7 @@
 </p:sld>
 </file>
 
-<file path=ppt/slides/slide13.xml><?xml version="1.0" encoding="utf-8"?>
+<file path=ppt/slides/slide14.xml><?xml version="1.0" encoding="utf-8"?>
 <p:sld xmlns:a="http://schemas.openxmlformats.org/drawingml/2006/main" xmlns:r="http://schemas.openxmlformats.org/officeDocument/2006/relationships" xmlns:p="http://schemas.openxmlformats.org/presentationml/2006/main">
   <p:cSld>
     <p:spTree>
@@ -11122,7 +12000,7 @@
 </p:sld>
 </file>
 
-<file path=ppt/slides/slide14.xml><?xml version="1.0" encoding="utf-8"?>
+<file path=ppt/slides/slide15.xml><?xml version="1.0" encoding="utf-8"?>
 <p:sld xmlns:a="http://schemas.openxmlformats.org/drawingml/2006/main" xmlns:r="http://schemas.openxmlformats.org/officeDocument/2006/relationships" xmlns:p="http://schemas.openxmlformats.org/presentationml/2006/main">
   <p:cSld>
     <p:spTree>
@@ -12663,7 +13541,7 @@
 </p:sld>
 </file>
 
-<file path=ppt/slides/slide15.xml><?xml version="1.0" encoding="utf-8"?>
+<file path=ppt/slides/slide16.xml><?xml version="1.0" encoding="utf-8"?>
 <p:sld xmlns:a="http://schemas.openxmlformats.org/drawingml/2006/main" xmlns:r="http://schemas.openxmlformats.org/officeDocument/2006/relationships" xmlns:p="http://schemas.openxmlformats.org/presentationml/2006/main">
   <p:cSld>
     <p:spTree>
@@ -12982,7 +13860,7 @@
 </p:sld>
 </file>
 
-<file path=ppt/slides/slide16.xml><?xml version="1.0" encoding="utf-8"?>
+<file path=ppt/slides/slide17.xml><?xml version="1.0" encoding="utf-8"?>
 <p:sld xmlns:a="http://schemas.openxmlformats.org/drawingml/2006/main" xmlns:r="http://schemas.openxmlformats.org/officeDocument/2006/relationships" xmlns:p="http://schemas.openxmlformats.org/presentationml/2006/main">
   <p:cSld>
     <p:spTree>
@@ -14281,7 +15159,7 @@
 </p:sld>
 </file>
 
-<file path=ppt/slides/slide17.xml><?xml version="1.0" encoding="utf-8"?>
+<file path=ppt/slides/slide18.xml><?xml version="1.0" encoding="utf-8"?>
 <p:sld xmlns:a="http://schemas.openxmlformats.org/drawingml/2006/main" xmlns:r="http://schemas.openxmlformats.org/officeDocument/2006/relationships" xmlns:p="http://schemas.openxmlformats.org/presentationml/2006/main">
   <p:cSld>
     <p:spTree>
@@ -16521,7 +17399,7 @@
 </p:sld>
 </file>
 
-<file path=ppt/slides/slide18.xml><?xml version="1.0" encoding="utf-8"?>
+<file path=ppt/slides/slide19.xml><?xml version="1.0" encoding="utf-8"?>
 <p:sld xmlns:a="http://schemas.openxmlformats.org/drawingml/2006/main" xmlns:r="http://schemas.openxmlformats.org/officeDocument/2006/relationships" xmlns:p="http://schemas.openxmlformats.org/presentationml/2006/main">
   <p:cSld>
     <p:spTree>
@@ -17996,1327 +18874,6 @@
 </p:sld>
 </file>
 
-<file path=ppt/slides/slide19.xml><?xml version="1.0" encoding="utf-8"?>
-<p:sld xmlns:a="http://schemas.openxmlformats.org/drawingml/2006/main" xmlns:r="http://schemas.openxmlformats.org/officeDocument/2006/relationships" xmlns:p="http://schemas.openxmlformats.org/presentationml/2006/main">
-  <p:cSld>
-    <p:spTree>
-      <p:nvGrpSpPr>
-        <p:cNvPr id="1" name=""/>
-        <p:cNvGrpSpPr/>
-        <p:nvPr/>
-      </p:nvGrpSpPr>
-      <p:grpSpPr>
-        <a:xfrm>
-          <a:off x="0" y="0"/>
-          <a:ext cx="0" cy="0"/>
-          <a:chOff x="0" y="0"/>
-          <a:chExt cx="0" cy="0"/>
-        </a:xfrm>
-      </p:grpSpPr>
-      <p:sp>
-        <p:nvSpPr>
-          <p:cNvPr id="18" name="矩形 17"/>
-          <p:cNvSpPr/>
-          <p:nvPr/>
-        </p:nvSpPr>
-        <p:spPr>
-          <a:xfrm>
-            <a:off x="2046535" y="304143"/>
-            <a:ext cx="6425926" cy="707886"/>
-          </a:xfrm>
-          <a:prstGeom prst="rect">
-            <a:avLst/>
-          </a:prstGeom>
-          <a:ln>
-            <a:noFill/>
-          </a:ln>
-        </p:spPr>
-        <p:style>
-          <a:lnRef idx="1">
-            <a:schemeClr val="accent1"/>
-          </a:lnRef>
-          <a:fillRef idx="0">
-            <a:schemeClr val="accent1"/>
-          </a:fillRef>
-          <a:effectRef idx="0">
-            <a:schemeClr val="accent1"/>
-          </a:effectRef>
-          <a:fontRef idx="minor">
-            <a:schemeClr val="tx1"/>
-          </a:fontRef>
-        </p:style>
-        <p:txBody>
-          <a:bodyPr wrap="none">
-            <a:spAutoFit/>
-          </a:bodyPr>
-          <a:lstStyle/>
-          <a:p>
-            <a:pPr algn="ctr" fontAlgn="auto">
-              <a:spcBef>
-                <a:spcPts val="0"/>
-              </a:spcBef>
-              <a:spcAft>
-                <a:spcPts val="0"/>
-              </a:spcAft>
-              <a:defRPr/>
-            </a:pPr>
-            <a:r>
-              <a:rPr lang="en-US" altLang="zh-CN" sz="4000" dirty="0" smtClean="0">
-                <a:solidFill>
-                  <a:schemeClr val="bg1"/>
-                </a:solidFill>
-                <a:ea typeface="方正大黑简体" panose="02010601030101010101"/>
-              </a:rPr>
-              <a:t>4.4.3 Fragment</a:t>
-            </a:r>
-            <a:r>
-              <a:rPr lang="zh-CN" altLang="en-US" sz="4000" dirty="0" smtClean="0">
-                <a:solidFill>
-                  <a:schemeClr val="bg1"/>
-                </a:solidFill>
-                <a:ea typeface="方正大黑简体" panose="02010601030101010101"/>
-              </a:rPr>
-              <a:t>与</a:t>
-            </a:r>
-            <a:r>
-              <a:rPr lang="en-US" altLang="zh-CN" sz="4000" dirty="0" smtClean="0">
-                <a:solidFill>
-                  <a:schemeClr val="bg1"/>
-                </a:solidFill>
-                <a:ea typeface="方正大黑简体" panose="02010601030101010101"/>
-              </a:rPr>
-              <a:t>Activity</a:t>
-            </a:r>
-            <a:r>
-              <a:rPr lang="zh-CN" altLang="en-US" sz="4000" dirty="0" smtClean="0">
-                <a:solidFill>
-                  <a:schemeClr val="bg1"/>
-                </a:solidFill>
-                <a:ea typeface="方正大黑简体" panose="02010601030101010101"/>
-              </a:rPr>
-              <a:t>通信</a:t>
-            </a:r>
-            <a:endParaRPr lang="zh-CN" altLang="en-US" sz="4000" dirty="0">
-              <a:solidFill>
-                <a:schemeClr val="bg1"/>
-              </a:solidFill>
-              <a:ea typeface="方正大黑简体" panose="02010601030101010101"/>
-            </a:endParaRPr>
-          </a:p>
-        </p:txBody>
-      </p:sp>
-      <p:grpSp>
-        <p:nvGrpSpPr>
-          <p:cNvPr id="14" name="组合 40"/>
-          <p:cNvGrpSpPr>
-            <a:grpSpLocks/>
-          </p:cNvGrpSpPr>
-          <p:nvPr/>
-        </p:nvGrpSpPr>
-        <p:grpSpPr bwMode="auto">
-          <a:xfrm>
-            <a:off x="-661987" y="314324"/>
-            <a:ext cx="11418887" cy="1223963"/>
-            <a:chOff x="200997" y="669775"/>
-            <a:chExt cx="11418853" cy="1223559"/>
-          </a:xfrm>
-        </p:grpSpPr>
-        <p:sp>
-          <p:nvSpPr>
-            <p:cNvPr id="15" name="矩形 14"/>
-            <p:cNvSpPr/>
-            <p:nvPr/>
-          </p:nvSpPr>
-          <p:spPr>
-            <a:xfrm>
-              <a:off x="2553665" y="1341067"/>
-              <a:ext cx="9066185" cy="552267"/>
-            </a:xfrm>
-            <a:prstGeom prst="rect">
-              <a:avLst/>
-            </a:prstGeom>
-            <a:solidFill>
-              <a:schemeClr val="bg1">
-                <a:alpha val="40000"/>
-              </a:schemeClr>
-            </a:solidFill>
-            <a:ln>
-              <a:noFill/>
-            </a:ln>
-          </p:spPr>
-          <p:style>
-            <a:lnRef idx="2">
-              <a:schemeClr val="accent1">
-                <a:shade val="50000"/>
-              </a:schemeClr>
-            </a:lnRef>
-            <a:fillRef idx="1">
-              <a:schemeClr val="accent1"/>
-            </a:fillRef>
-            <a:effectRef idx="0">
-              <a:schemeClr val="accent1"/>
-            </a:effectRef>
-            <a:fontRef idx="minor">
-              <a:schemeClr val="lt1"/>
-            </a:fontRef>
-          </p:style>
-          <p:txBody>
-            <a:bodyPr anchor="ctr"/>
-            <a:lstStyle/>
-            <a:p>
-              <a:pPr algn="ctr" fontAlgn="auto">
-                <a:spcBef>
-                  <a:spcPts val="0"/>
-                </a:spcBef>
-                <a:spcAft>
-                  <a:spcPts val="0"/>
-                </a:spcAft>
-                <a:defRPr/>
-              </a:pPr>
-              <a:endParaRPr lang="zh-CN" altLang="en-US"/>
-            </a:p>
-          </p:txBody>
-        </p:sp>
-        <p:cxnSp>
-          <p:nvCxnSpPr>
-            <p:cNvPr id="17" name="直接连接符 16"/>
-            <p:cNvCxnSpPr/>
-            <p:nvPr/>
-          </p:nvCxnSpPr>
-          <p:spPr>
-            <a:xfrm>
-              <a:off x="200997" y="1344241"/>
-              <a:ext cx="2479668" cy="0"/>
-            </a:xfrm>
-            <a:prstGeom prst="line">
-              <a:avLst/>
-            </a:prstGeom>
-            <a:ln>
-              <a:solidFill>
-                <a:schemeClr val="bg1"/>
-              </a:solidFill>
-            </a:ln>
-          </p:spPr>
-          <p:style>
-            <a:lnRef idx="1">
-              <a:schemeClr val="accent1"/>
-            </a:lnRef>
-            <a:fillRef idx="0">
-              <a:schemeClr val="accent1"/>
-            </a:fillRef>
-            <a:effectRef idx="0">
-              <a:schemeClr val="accent1"/>
-            </a:effectRef>
-            <a:fontRef idx="minor">
-              <a:schemeClr val="tx1"/>
-            </a:fontRef>
-          </p:style>
-        </p:cxnSp>
-        <p:sp>
-          <p:nvSpPr>
-            <p:cNvPr id="19" name="矩形 18"/>
-            <p:cNvSpPr/>
-            <p:nvPr/>
-          </p:nvSpPr>
-          <p:spPr>
-            <a:xfrm>
-              <a:off x="2553665" y="669775"/>
-              <a:ext cx="306386" cy="1223559"/>
-            </a:xfrm>
-            <a:prstGeom prst="rect">
-              <a:avLst/>
-            </a:prstGeom>
-            <a:solidFill>
-              <a:srgbClr val="FE5A3E"/>
-            </a:solidFill>
-            <a:ln>
-              <a:noFill/>
-            </a:ln>
-          </p:spPr>
-          <p:style>
-            <a:lnRef idx="2">
-              <a:schemeClr val="accent1">
-                <a:shade val="50000"/>
-              </a:schemeClr>
-            </a:lnRef>
-            <a:fillRef idx="1">
-              <a:schemeClr val="accent1"/>
-            </a:fillRef>
-            <a:effectRef idx="0">
-              <a:schemeClr val="accent1"/>
-            </a:effectRef>
-            <a:fontRef idx="minor">
-              <a:schemeClr val="lt1"/>
-            </a:fontRef>
-          </p:style>
-          <p:txBody>
-            <a:bodyPr anchor="ctr"/>
-            <a:lstStyle/>
-            <a:p>
-              <a:pPr algn="ctr" fontAlgn="auto">
-                <a:spcBef>
-                  <a:spcPts val="0"/>
-                </a:spcBef>
-                <a:spcAft>
-                  <a:spcPts val="0"/>
-                </a:spcAft>
-                <a:defRPr/>
-              </a:pPr>
-              <a:endParaRPr lang="zh-CN" altLang="en-US"/>
-            </a:p>
-          </p:txBody>
-        </p:sp>
-        <p:sp>
-          <p:nvSpPr>
-            <p:cNvPr id="21" name="文本框 20"/>
-            <p:cNvSpPr txBox="1"/>
-            <p:nvPr/>
-          </p:nvSpPr>
-          <p:spPr>
-            <a:xfrm>
-              <a:off x="2971176" y="1412480"/>
-              <a:ext cx="7443041" cy="399978"/>
-            </a:xfrm>
-            <a:prstGeom prst="rect">
-              <a:avLst/>
-            </a:prstGeom>
-            <a:noFill/>
-          </p:spPr>
-          <p:txBody>
-            <a:bodyPr wrap="none">
-              <a:spAutoFit/>
-            </a:bodyPr>
-            <a:lstStyle/>
-            <a:p>
-              <a:pPr fontAlgn="auto">
-                <a:spcBef>
-                  <a:spcPts val="0"/>
-                </a:spcBef>
-                <a:spcAft>
-                  <a:spcPts val="0"/>
-                </a:spcAft>
-                <a:defRPr/>
-              </a:pPr>
-              <a:r>
-                <a:rPr lang="zh-CN" altLang="en-US" sz="2000" dirty="0" smtClean="0">
-                  <a:solidFill>
-                    <a:schemeClr val="bg1">
-                      <a:lumMod val="50000"/>
-                    </a:schemeClr>
-                  </a:solidFill>
-                  <a:latin typeface="微软雅黑" panose="020B0503020204020204" pitchFamily="34" charset="-122"/>
-                  <a:ea typeface="微软雅黑" panose="020B0503020204020204" pitchFamily="34" charset="-122"/>
-                </a:rPr>
-                <a:t>在</a:t>
-              </a:r>
-              <a:r>
-                <a:rPr lang="en-US" altLang="zh-CN" sz="2000" dirty="0" smtClean="0">
-                  <a:solidFill>
-                    <a:schemeClr val="bg1">
-                      <a:lumMod val="50000"/>
-                    </a:schemeClr>
-                  </a:solidFill>
-                  <a:latin typeface="微软雅黑" panose="020B0503020204020204" pitchFamily="34" charset="-122"/>
-                  <a:ea typeface="微软雅黑" panose="020B0503020204020204" pitchFamily="34" charset="-122"/>
-                </a:rPr>
-                <a:t>Activity</a:t>
-              </a:r>
-              <a:r>
-                <a:rPr lang="zh-CN" altLang="en-US" sz="2000" dirty="0" smtClean="0">
-                  <a:solidFill>
-                    <a:schemeClr val="bg1">
-                      <a:lumMod val="50000"/>
-                    </a:schemeClr>
-                  </a:solidFill>
-                  <a:latin typeface="微软雅黑" panose="020B0503020204020204" pitchFamily="34" charset="-122"/>
-                  <a:ea typeface="微软雅黑" panose="020B0503020204020204" pitchFamily="34" charset="-122"/>
-                </a:rPr>
-                <a:t>中显示</a:t>
-              </a:r>
-              <a:r>
-                <a:rPr lang="en-US" altLang="zh-CN" sz="2000" dirty="0" smtClean="0">
-                  <a:solidFill>
-                    <a:schemeClr val="bg1">
-                      <a:lumMod val="50000"/>
-                    </a:schemeClr>
-                  </a:solidFill>
-                  <a:latin typeface="微软雅黑" panose="020B0503020204020204" pitchFamily="34" charset="-122"/>
-                  <a:ea typeface="微软雅黑" panose="020B0503020204020204" pitchFamily="34" charset="-122"/>
-                </a:rPr>
-                <a:t>Fragment</a:t>
-              </a:r>
-              <a:r>
-                <a:rPr lang="zh-CN" altLang="en-US" sz="2000" dirty="0" smtClean="0">
-                  <a:solidFill>
-                    <a:schemeClr val="bg1">
-                      <a:lumMod val="50000"/>
-                    </a:schemeClr>
-                  </a:solidFill>
-                  <a:latin typeface="微软雅黑" panose="020B0503020204020204" pitchFamily="34" charset="-122"/>
-                  <a:ea typeface="微软雅黑" panose="020B0503020204020204" pitchFamily="34" charset="-122"/>
-                </a:rPr>
-                <a:t>必须将</a:t>
-              </a:r>
-              <a:r>
-                <a:rPr lang="en-US" altLang="zh-CN" sz="2000" dirty="0" smtClean="0">
-                  <a:solidFill>
-                    <a:schemeClr val="bg1">
-                      <a:lumMod val="50000"/>
-                    </a:schemeClr>
-                  </a:solidFill>
-                  <a:latin typeface="微软雅黑" panose="020B0503020204020204" pitchFamily="34" charset="-122"/>
-                  <a:ea typeface="微软雅黑" panose="020B0503020204020204" pitchFamily="34" charset="-122"/>
-                </a:rPr>
-                <a:t>Fragment</a:t>
-              </a:r>
-              <a:r>
-                <a:rPr lang="zh-CN" altLang="en-US" sz="2000" dirty="0" smtClean="0">
-                  <a:solidFill>
-                    <a:schemeClr val="bg1">
-                      <a:lumMod val="50000"/>
-                    </a:schemeClr>
-                  </a:solidFill>
-                  <a:latin typeface="微软雅黑" panose="020B0503020204020204" pitchFamily="34" charset="-122"/>
-                  <a:ea typeface="微软雅黑" panose="020B0503020204020204" pitchFamily="34" charset="-122"/>
-                </a:rPr>
-                <a:t>添加到</a:t>
-              </a:r>
-              <a:r>
-                <a:rPr lang="en-US" altLang="zh-CN" sz="2000" dirty="0" smtClean="0">
-                  <a:solidFill>
-                    <a:schemeClr val="bg1">
-                      <a:lumMod val="50000"/>
-                    </a:schemeClr>
-                  </a:solidFill>
-                  <a:latin typeface="微软雅黑" panose="020B0503020204020204" pitchFamily="34" charset="-122"/>
-                  <a:ea typeface="微软雅黑" panose="020B0503020204020204" pitchFamily="34" charset="-122"/>
-                </a:rPr>
-                <a:t>Activity</a:t>
-              </a:r>
-              <a:r>
-                <a:rPr lang="zh-CN" altLang="en-US" sz="2000" dirty="0" smtClean="0">
-                  <a:solidFill>
-                    <a:schemeClr val="bg1">
-                      <a:lumMod val="50000"/>
-                    </a:schemeClr>
-                  </a:solidFill>
-                  <a:latin typeface="微软雅黑" panose="020B0503020204020204" pitchFamily="34" charset="-122"/>
-                  <a:ea typeface="微软雅黑" panose="020B0503020204020204" pitchFamily="34" charset="-122"/>
-                </a:rPr>
-                <a:t>中。</a:t>
-              </a:r>
-              <a:endParaRPr lang="zh-CN" altLang="en-US" sz="2000" dirty="0">
-                <a:solidFill>
-                  <a:schemeClr val="bg1">
-                    <a:lumMod val="50000"/>
-                  </a:schemeClr>
-                </a:solidFill>
-                <a:latin typeface="微软雅黑" panose="020B0503020204020204" pitchFamily="34" charset="-122"/>
-                <a:ea typeface="微软雅黑" panose="020B0503020204020204" pitchFamily="34" charset="-122"/>
-              </a:endParaRPr>
-            </a:p>
-          </p:txBody>
-        </p:sp>
-      </p:grpSp>
-      <p:grpSp>
-        <p:nvGrpSpPr>
-          <p:cNvPr id="3" name="组合 2"/>
-          <p:cNvGrpSpPr/>
-          <p:nvPr/>
-        </p:nvGrpSpPr>
-        <p:grpSpPr>
-          <a:xfrm>
-            <a:off x="600075" y="2532061"/>
-            <a:ext cx="6791325" cy="3436939"/>
-            <a:chOff x="4575175" y="2008447"/>
-            <a:chExt cx="6791325" cy="3436939"/>
-          </a:xfrm>
-        </p:grpSpPr>
-        <p:sp>
-          <p:nvSpPr>
-            <p:cNvPr id="26" name="矩形 25"/>
-            <p:cNvSpPr/>
-            <p:nvPr/>
-          </p:nvSpPr>
-          <p:spPr bwMode="auto">
-            <a:xfrm>
-              <a:off x="4575175" y="2372159"/>
-              <a:ext cx="6791325" cy="3073227"/>
-            </a:xfrm>
-            <a:prstGeom prst="rect">
-              <a:avLst/>
-            </a:prstGeom>
-            <a:solidFill>
-              <a:srgbClr val="FE5A3E"/>
-            </a:solidFill>
-            <a:ln>
-              <a:noFill/>
-            </a:ln>
-          </p:spPr>
-          <p:style>
-            <a:lnRef idx="2">
-              <a:schemeClr val="accent1">
-                <a:shade val="50000"/>
-              </a:schemeClr>
-            </a:lnRef>
-            <a:fillRef idx="1">
-              <a:schemeClr val="accent1"/>
-            </a:fillRef>
-            <a:effectRef idx="0">
-              <a:schemeClr val="accent1"/>
-            </a:effectRef>
-            <a:fontRef idx="minor">
-              <a:schemeClr val="lt1"/>
-            </a:fontRef>
-          </p:style>
-          <p:txBody>
-            <a:bodyPr anchor="ctr"/>
-            <a:lstStyle/>
-            <a:p>
-              <a:pPr algn="ctr" fontAlgn="auto">
-                <a:spcBef>
-                  <a:spcPts val="0"/>
-                </a:spcBef>
-                <a:spcAft>
-                  <a:spcPts val="0"/>
-                </a:spcAft>
-                <a:defRPr/>
-              </a:pPr>
-              <a:endParaRPr lang="zh-CN" altLang="en-US"/>
-            </a:p>
-          </p:txBody>
-        </p:sp>
-        <p:sp>
-          <p:nvSpPr>
-            <p:cNvPr id="2" name="文本框 1"/>
-            <p:cNvSpPr txBox="1"/>
-            <p:nvPr/>
-          </p:nvSpPr>
-          <p:spPr>
-            <a:xfrm>
-              <a:off x="4577916" y="2008447"/>
-              <a:ext cx="1594284" cy="369332"/>
-            </a:xfrm>
-            <a:prstGeom prst="rect">
-              <a:avLst/>
-            </a:prstGeom>
-            <a:solidFill>
-              <a:schemeClr val="bg1"/>
-            </a:solidFill>
-          </p:spPr>
-          <p:txBody>
-            <a:bodyPr wrap="square" rtlCol="0">
-              <a:spAutoFit/>
-            </a:bodyPr>
-            <a:lstStyle/>
-            <a:p>
-              <a:r>
-                <a:rPr lang="zh-CN" altLang="en-US" dirty="0" smtClean="0">
-                  <a:solidFill>
-                    <a:srgbClr val="FE5A3E"/>
-                  </a:solidFill>
-                  <a:latin typeface="微软雅黑" panose="020B0503020204020204" pitchFamily="34" charset="-122"/>
-                  <a:ea typeface="微软雅黑" panose="020B0503020204020204" pitchFamily="34" charset="-122"/>
-                </a:rPr>
-                <a:t>数据传递方式</a:t>
-              </a:r>
-              <a:endParaRPr lang="zh-CN" altLang="en-US" dirty="0">
-                <a:solidFill>
-                  <a:srgbClr val="FE5A3E"/>
-                </a:solidFill>
-                <a:latin typeface="微软雅黑" panose="020B0503020204020204" pitchFamily="34" charset="-122"/>
-                <a:ea typeface="微软雅黑" panose="020B0503020204020204" pitchFamily="34" charset="-122"/>
-              </a:endParaRPr>
-            </a:p>
-          </p:txBody>
-        </p:sp>
-        <p:sp>
-          <p:nvSpPr>
-            <p:cNvPr id="28" name="矩形 33"/>
-            <p:cNvSpPr>
-              <a:spLocks noChangeArrowheads="1"/>
-            </p:cNvSpPr>
-            <p:nvPr/>
-          </p:nvSpPr>
-          <p:spPr bwMode="auto">
-            <a:xfrm>
-              <a:off x="4668000" y="2685925"/>
-              <a:ext cx="6698500" cy="2585323"/>
-            </a:xfrm>
-            <a:prstGeom prst="rect">
-              <a:avLst/>
-            </a:prstGeom>
-            <a:noFill/>
-            <a:ln w="9525">
-              <a:noFill/>
-              <a:miter lim="800000"/>
-              <a:headEnd/>
-              <a:tailEnd/>
-            </a:ln>
-          </p:spPr>
-          <p:txBody>
-            <a:bodyPr wrap="none">
-              <a:spAutoFit/>
-            </a:bodyPr>
-            <a:lstStyle/>
-            <a:p>
-              <a:pPr marL="285750" indent="-285750">
-                <a:buFont typeface="Wingdings" panose="05000000000000000000" pitchFamily="2" charset="2"/>
-                <a:buChar char="Ø"/>
-              </a:pPr>
-              <a:r>
-                <a:rPr lang="en-US" altLang="zh-CN" b="1" dirty="0" smtClean="0">
-                  <a:solidFill>
-                    <a:schemeClr val="bg1"/>
-                  </a:solidFill>
-                  <a:latin typeface="Calibri" pitchFamily="34" charset="0"/>
-                  <a:ea typeface="微软雅黑" pitchFamily="34" charset="-122"/>
-                </a:rPr>
-                <a:t>Activity</a:t>
-              </a:r>
-              <a:r>
-                <a:rPr lang="zh-CN" altLang="en-US" b="1" dirty="0" smtClean="0">
-                  <a:solidFill>
-                    <a:schemeClr val="bg1"/>
-                  </a:solidFill>
-                  <a:latin typeface="Calibri" pitchFamily="34" charset="0"/>
-                  <a:ea typeface="微软雅黑" pitchFamily="34" charset="-122"/>
-                </a:rPr>
-                <a:t>向</a:t>
-              </a:r>
-              <a:r>
-                <a:rPr lang="en-US" altLang="zh-CN" b="1" dirty="0" smtClean="0">
-                  <a:solidFill>
-                    <a:schemeClr val="bg1"/>
-                  </a:solidFill>
-                  <a:latin typeface="Calibri" pitchFamily="34" charset="0"/>
-                  <a:ea typeface="微软雅黑" pitchFamily="34" charset="-122"/>
-                </a:rPr>
-                <a:t>Fragment</a:t>
-              </a:r>
-              <a:r>
-                <a:rPr lang="zh-CN" altLang="en-US" b="1" dirty="0" smtClean="0">
-                  <a:solidFill>
-                    <a:schemeClr val="bg1"/>
-                  </a:solidFill>
-                  <a:latin typeface="Calibri" pitchFamily="34" charset="0"/>
-                  <a:ea typeface="微软雅黑" pitchFamily="34" charset="-122"/>
-                </a:rPr>
-                <a:t>传递数据</a:t>
-              </a:r>
-              <a:r>
-                <a:rPr lang="zh-CN" altLang="en-US" dirty="0" smtClean="0">
-                  <a:solidFill>
-                    <a:schemeClr val="bg1"/>
-                  </a:solidFill>
-                  <a:latin typeface="Calibri" pitchFamily="34" charset="0"/>
-                  <a:ea typeface="微软雅黑" pitchFamily="34" charset="-122"/>
-                </a:rPr>
-                <a:t>：在</a:t>
-              </a:r>
-              <a:r>
-                <a:rPr lang="en-US" altLang="zh-CN" dirty="0" smtClean="0">
-                  <a:solidFill>
-                    <a:schemeClr val="bg1"/>
-                  </a:solidFill>
-                  <a:latin typeface="Calibri" pitchFamily="34" charset="0"/>
-                  <a:ea typeface="微软雅黑" pitchFamily="34" charset="-122"/>
-                </a:rPr>
-                <a:t>Activity</a:t>
-              </a:r>
-              <a:r>
-                <a:rPr lang="zh-CN" altLang="en-US" dirty="0" smtClean="0">
-                  <a:solidFill>
-                    <a:schemeClr val="bg1"/>
-                  </a:solidFill>
-                  <a:latin typeface="Calibri" pitchFamily="34" charset="0"/>
-                  <a:ea typeface="微软雅黑" pitchFamily="34" charset="-122"/>
-                </a:rPr>
-                <a:t>中创建</a:t>
-              </a:r>
-              <a:r>
-                <a:rPr lang="en-US" altLang="zh-CN" dirty="0" smtClean="0">
-                  <a:solidFill>
-                    <a:schemeClr val="bg1"/>
-                  </a:solidFill>
-                  <a:latin typeface="Calibri" pitchFamily="34" charset="0"/>
-                  <a:ea typeface="微软雅黑" pitchFamily="34" charset="-122"/>
-                </a:rPr>
-                <a:t>Bundle</a:t>
-              </a:r>
-              <a:r>
-                <a:rPr lang="zh-CN" altLang="en-US" dirty="0" smtClean="0">
-                  <a:solidFill>
-                    <a:schemeClr val="bg1"/>
-                  </a:solidFill>
-                  <a:latin typeface="Calibri" pitchFamily="34" charset="0"/>
-                  <a:ea typeface="微软雅黑" pitchFamily="34" charset="-122"/>
-                </a:rPr>
-                <a:t>数据包，</a:t>
-              </a:r>
-              <a:endParaRPr lang="en-US" altLang="zh-CN" dirty="0" smtClean="0">
-                <a:solidFill>
-                  <a:schemeClr val="bg1"/>
-                </a:solidFill>
-                <a:latin typeface="Calibri" pitchFamily="34" charset="0"/>
-                <a:ea typeface="微软雅黑" pitchFamily="34" charset="-122"/>
-              </a:endParaRPr>
-            </a:p>
-            <a:p>
-              <a:r>
-                <a:rPr lang="en-US" altLang="zh-CN" dirty="0">
-                  <a:solidFill>
-                    <a:schemeClr val="bg1"/>
-                  </a:solidFill>
-                  <a:latin typeface="Calibri" pitchFamily="34" charset="0"/>
-                  <a:ea typeface="微软雅黑" pitchFamily="34" charset="-122"/>
-                </a:rPr>
-                <a:t> </a:t>
-              </a:r>
-              <a:r>
-                <a:rPr lang="en-US" altLang="zh-CN" dirty="0" smtClean="0">
-                  <a:solidFill>
-                    <a:schemeClr val="bg1"/>
-                  </a:solidFill>
-                  <a:latin typeface="Calibri" pitchFamily="34" charset="0"/>
-                  <a:ea typeface="微软雅黑" pitchFamily="34" charset="-122"/>
-                </a:rPr>
-                <a:t>    </a:t>
-              </a:r>
-              <a:r>
-                <a:rPr lang="zh-CN" altLang="en-US" dirty="0" smtClean="0">
-                  <a:solidFill>
-                    <a:schemeClr val="bg1"/>
-                  </a:solidFill>
-                  <a:latin typeface="Calibri" pitchFamily="34" charset="0"/>
-                  <a:ea typeface="微软雅黑" pitchFamily="34" charset="-122"/>
-                </a:rPr>
-                <a:t>并调用</a:t>
-              </a:r>
-              <a:r>
-                <a:rPr lang="en-US" altLang="zh-CN" dirty="0" smtClean="0">
-                  <a:solidFill>
-                    <a:schemeClr val="bg1"/>
-                  </a:solidFill>
-                  <a:latin typeface="Calibri" pitchFamily="34" charset="0"/>
-                  <a:ea typeface="微软雅黑" pitchFamily="34" charset="-122"/>
-                </a:rPr>
-                <a:t>Fragment</a:t>
-              </a:r>
-              <a:r>
-                <a:rPr lang="zh-CN" altLang="en-US" dirty="0" smtClean="0">
-                  <a:solidFill>
-                    <a:schemeClr val="bg1"/>
-                  </a:solidFill>
-                  <a:latin typeface="Calibri" pitchFamily="34" charset="0"/>
-                  <a:ea typeface="微软雅黑" pitchFamily="34" charset="-122"/>
-                </a:rPr>
-                <a:t>的</a:t>
-              </a:r>
-              <a:r>
-                <a:rPr lang="en-US" altLang="zh-CN" dirty="0" err="1" smtClean="0">
-                  <a:solidFill>
-                    <a:schemeClr val="bg1"/>
-                  </a:solidFill>
-                  <a:latin typeface="Calibri" pitchFamily="34" charset="0"/>
-                  <a:ea typeface="微软雅黑" pitchFamily="34" charset="-122"/>
-                </a:rPr>
-                <a:t>setAguments</a:t>
-              </a:r>
-              <a:r>
-                <a:rPr lang="en-US" altLang="zh-CN" dirty="0" smtClean="0">
-                  <a:solidFill>
-                    <a:schemeClr val="bg1"/>
-                  </a:solidFill>
-                  <a:latin typeface="Calibri" pitchFamily="34" charset="0"/>
-                  <a:ea typeface="微软雅黑" pitchFamily="34" charset="-122"/>
-                </a:rPr>
-                <a:t>(Bundle bundle)</a:t>
-              </a:r>
-              <a:r>
-                <a:rPr lang="zh-CN" altLang="en-US" dirty="0" smtClean="0">
-                  <a:solidFill>
-                    <a:schemeClr val="bg1"/>
-                  </a:solidFill>
-                  <a:latin typeface="Calibri" pitchFamily="34" charset="0"/>
-                  <a:ea typeface="微软雅黑" pitchFamily="34" charset="-122"/>
-                </a:rPr>
-                <a:t>方法即可将</a:t>
-              </a:r>
-              <a:endParaRPr lang="en-US" altLang="zh-CN" dirty="0" smtClean="0">
-                <a:solidFill>
-                  <a:schemeClr val="bg1"/>
-                </a:solidFill>
-                <a:latin typeface="Calibri" pitchFamily="34" charset="0"/>
-                <a:ea typeface="微软雅黑" pitchFamily="34" charset="-122"/>
-              </a:endParaRPr>
-            </a:p>
-            <a:p>
-              <a:r>
-                <a:rPr lang="en-US" altLang="zh-CN" dirty="0">
-                  <a:solidFill>
-                    <a:schemeClr val="bg1"/>
-                  </a:solidFill>
-                  <a:latin typeface="Calibri" pitchFamily="34" charset="0"/>
-                  <a:ea typeface="微软雅黑" pitchFamily="34" charset="-122"/>
-                </a:rPr>
-                <a:t> </a:t>
-              </a:r>
-              <a:r>
-                <a:rPr lang="en-US" altLang="zh-CN" dirty="0" smtClean="0">
-                  <a:solidFill>
-                    <a:schemeClr val="bg1"/>
-                  </a:solidFill>
-                  <a:latin typeface="Calibri" pitchFamily="34" charset="0"/>
-                  <a:ea typeface="微软雅黑" pitchFamily="34" charset="-122"/>
-                </a:rPr>
-                <a:t>    Bundle</a:t>
-              </a:r>
-              <a:r>
-                <a:rPr lang="zh-CN" altLang="en-US" dirty="0" smtClean="0">
-                  <a:solidFill>
-                    <a:schemeClr val="bg1"/>
-                  </a:solidFill>
-                  <a:latin typeface="Calibri" pitchFamily="34" charset="0"/>
-                  <a:ea typeface="微软雅黑" pitchFamily="34" charset="-122"/>
-                </a:rPr>
-                <a:t>数据包传递给</a:t>
-              </a:r>
-              <a:r>
-                <a:rPr lang="en-US" altLang="zh-CN" dirty="0" smtClean="0">
-                  <a:solidFill>
-                    <a:schemeClr val="bg1"/>
-                  </a:solidFill>
-                  <a:latin typeface="Calibri" pitchFamily="34" charset="0"/>
-                  <a:ea typeface="微软雅黑" pitchFamily="34" charset="-122"/>
-                </a:rPr>
-                <a:t>Fragment</a:t>
-              </a:r>
-              <a:r>
-                <a:rPr lang="zh-CN" altLang="en-US" dirty="0" smtClean="0">
-                  <a:solidFill>
-                    <a:schemeClr val="bg1"/>
-                  </a:solidFill>
-                  <a:latin typeface="Calibri" pitchFamily="34" charset="0"/>
-                  <a:ea typeface="微软雅黑" pitchFamily="34" charset="-122"/>
-                </a:rPr>
-                <a:t>。</a:t>
-              </a:r>
-              <a:endParaRPr lang="en-US" altLang="zh-CN" dirty="0" smtClean="0">
-                <a:solidFill>
-                  <a:schemeClr val="bg1"/>
-                </a:solidFill>
-                <a:latin typeface="Calibri" pitchFamily="34" charset="0"/>
-                <a:ea typeface="微软雅黑" pitchFamily="34" charset="-122"/>
-              </a:endParaRPr>
-            </a:p>
-            <a:p>
-              <a:endParaRPr lang="en-US" altLang="zh-CN" dirty="0" smtClean="0">
-                <a:solidFill>
-                  <a:schemeClr val="bg1"/>
-                </a:solidFill>
-                <a:latin typeface="Calibri" pitchFamily="34" charset="0"/>
-                <a:ea typeface="微软雅黑" pitchFamily="34" charset="-122"/>
-              </a:endParaRPr>
-            </a:p>
-            <a:p>
-              <a:endParaRPr lang="en-US" altLang="zh-CN" dirty="0">
-                <a:solidFill>
-                  <a:schemeClr val="bg1"/>
-                </a:solidFill>
-                <a:latin typeface="Calibri" pitchFamily="34" charset="0"/>
-                <a:ea typeface="微软雅黑" pitchFamily="34" charset="-122"/>
-              </a:endParaRPr>
-            </a:p>
-            <a:p>
-              <a:pPr marL="285750" indent="-285750">
-                <a:buFont typeface="Wingdings" panose="05000000000000000000" pitchFamily="2" charset="2"/>
-                <a:buChar char="Ø"/>
-              </a:pPr>
-              <a:r>
-                <a:rPr lang="en-US" altLang="zh-CN" b="1" dirty="0" smtClean="0">
-                  <a:solidFill>
-                    <a:schemeClr val="bg1"/>
-                  </a:solidFill>
-                  <a:latin typeface="Calibri" pitchFamily="34" charset="0"/>
-                  <a:ea typeface="微软雅黑" pitchFamily="34" charset="-122"/>
-                </a:rPr>
-                <a:t>Fragment</a:t>
-              </a:r>
-              <a:r>
-                <a:rPr lang="zh-CN" altLang="en-US" b="1" dirty="0" smtClean="0">
-                  <a:solidFill>
-                    <a:schemeClr val="bg1"/>
-                  </a:solidFill>
-                  <a:latin typeface="Calibri" pitchFamily="34" charset="0"/>
-                  <a:ea typeface="微软雅黑" pitchFamily="34" charset="-122"/>
-                </a:rPr>
-                <a:t>向</a:t>
-              </a:r>
-              <a:r>
-                <a:rPr lang="en-US" altLang="zh-CN" b="1" dirty="0" smtClean="0">
-                  <a:solidFill>
-                    <a:schemeClr val="bg1"/>
-                  </a:solidFill>
-                  <a:latin typeface="Calibri" pitchFamily="34" charset="0"/>
-                  <a:ea typeface="微软雅黑" pitchFamily="34" charset="-122"/>
-                </a:rPr>
-                <a:t>Activity</a:t>
-              </a:r>
-              <a:r>
-                <a:rPr lang="zh-CN" altLang="en-US" b="1" dirty="0" smtClean="0">
-                  <a:solidFill>
-                    <a:schemeClr val="bg1"/>
-                  </a:solidFill>
-                  <a:latin typeface="Calibri" pitchFamily="34" charset="0"/>
-                  <a:ea typeface="微软雅黑" pitchFamily="34" charset="-122"/>
-                </a:rPr>
-                <a:t>传递数据或</a:t>
-              </a:r>
-              <a:r>
-                <a:rPr lang="en-US" altLang="zh-CN" b="1" dirty="0" smtClean="0">
-                  <a:solidFill>
-                    <a:schemeClr val="bg1"/>
-                  </a:solidFill>
-                  <a:latin typeface="Calibri" pitchFamily="34" charset="0"/>
-                  <a:ea typeface="微软雅黑" pitchFamily="34" charset="-122"/>
-                </a:rPr>
-                <a:t>Activity</a:t>
-              </a:r>
-              <a:r>
-                <a:rPr lang="zh-CN" altLang="en-US" b="1" dirty="0" smtClean="0">
-                  <a:solidFill>
-                    <a:schemeClr val="bg1"/>
-                  </a:solidFill>
-                  <a:latin typeface="Calibri" pitchFamily="34" charset="0"/>
-                  <a:ea typeface="微软雅黑" pitchFamily="34" charset="-122"/>
-                </a:rPr>
-                <a:t>需要在</a:t>
-              </a:r>
-              <a:r>
-                <a:rPr lang="en-US" altLang="zh-CN" b="1" dirty="0" smtClean="0">
-                  <a:solidFill>
-                    <a:schemeClr val="bg1"/>
-                  </a:solidFill>
-                  <a:latin typeface="Calibri" pitchFamily="34" charset="0"/>
-                  <a:ea typeface="微软雅黑" pitchFamily="34" charset="-122"/>
-                </a:rPr>
-                <a:t>Fragment</a:t>
-              </a:r>
-              <a:r>
-                <a:rPr lang="zh-CN" altLang="en-US" b="1" dirty="0" smtClean="0">
-                  <a:solidFill>
-                    <a:schemeClr val="bg1"/>
-                  </a:solidFill>
-                  <a:latin typeface="Calibri" pitchFamily="34" charset="0"/>
-                  <a:ea typeface="微软雅黑" pitchFamily="34" charset="-122"/>
-                </a:rPr>
-                <a:t>运行中</a:t>
-              </a:r>
-              <a:endParaRPr lang="en-US" altLang="zh-CN" b="1" dirty="0" smtClean="0">
-                <a:solidFill>
-                  <a:schemeClr val="bg1"/>
-                </a:solidFill>
-                <a:latin typeface="Calibri" pitchFamily="34" charset="0"/>
-                <a:ea typeface="微软雅黑" pitchFamily="34" charset="-122"/>
-              </a:endParaRPr>
-            </a:p>
-            <a:p>
-              <a:r>
-                <a:rPr lang="en-US" altLang="zh-CN" b="1" dirty="0">
-                  <a:solidFill>
-                    <a:schemeClr val="bg1"/>
-                  </a:solidFill>
-                  <a:latin typeface="Calibri" pitchFamily="34" charset="0"/>
-                  <a:ea typeface="微软雅黑" pitchFamily="34" charset="-122"/>
-                </a:rPr>
-                <a:t> </a:t>
-              </a:r>
-              <a:r>
-                <a:rPr lang="en-US" altLang="zh-CN" b="1" dirty="0" smtClean="0">
-                  <a:solidFill>
-                    <a:schemeClr val="bg1"/>
-                  </a:solidFill>
-                  <a:latin typeface="Calibri" pitchFamily="34" charset="0"/>
-                  <a:ea typeface="微软雅黑" pitchFamily="34" charset="-122"/>
-                </a:rPr>
-                <a:t>    </a:t>
-              </a:r>
-              <a:r>
-                <a:rPr lang="zh-CN" altLang="en-US" b="1" dirty="0" smtClean="0">
-                  <a:solidFill>
-                    <a:schemeClr val="bg1"/>
-                  </a:solidFill>
-                  <a:latin typeface="Calibri" pitchFamily="34" charset="0"/>
-                  <a:ea typeface="微软雅黑" pitchFamily="34" charset="-122"/>
-                </a:rPr>
-                <a:t>进行实时通信</a:t>
-              </a:r>
-              <a:r>
-                <a:rPr lang="zh-CN" altLang="en-US" dirty="0" smtClean="0">
-                  <a:solidFill>
-                    <a:schemeClr val="bg1"/>
-                  </a:solidFill>
-                  <a:latin typeface="Calibri" pitchFamily="34" charset="0"/>
-                  <a:ea typeface="微软雅黑" pitchFamily="34" charset="-122"/>
-                </a:rPr>
-                <a:t>：在</a:t>
-              </a:r>
-              <a:r>
-                <a:rPr lang="en-US" altLang="zh-CN" dirty="0" smtClean="0">
-                  <a:solidFill>
-                    <a:schemeClr val="bg1"/>
-                  </a:solidFill>
-                  <a:latin typeface="Calibri" pitchFamily="34" charset="0"/>
-                  <a:ea typeface="微软雅黑" pitchFamily="34" charset="-122"/>
-                </a:rPr>
-                <a:t>Fragment</a:t>
-              </a:r>
-              <a:r>
-                <a:rPr lang="zh-CN" altLang="en-US" dirty="0" smtClean="0">
-                  <a:solidFill>
-                    <a:schemeClr val="bg1"/>
-                  </a:solidFill>
-                  <a:latin typeface="Calibri" pitchFamily="34" charset="0"/>
-                  <a:ea typeface="微软雅黑" pitchFamily="34" charset="-122"/>
-                </a:rPr>
-                <a:t>中定义一个内部回调接口，再让</a:t>
-              </a:r>
-              <a:endParaRPr lang="en-US" altLang="zh-CN" dirty="0" smtClean="0">
-                <a:solidFill>
-                  <a:schemeClr val="bg1"/>
-                </a:solidFill>
-                <a:latin typeface="Calibri" pitchFamily="34" charset="0"/>
-                <a:ea typeface="微软雅黑" pitchFamily="34" charset="-122"/>
-              </a:endParaRPr>
-            </a:p>
-            <a:p>
-              <a:r>
-                <a:rPr lang="en-US" altLang="zh-CN" dirty="0">
-                  <a:solidFill>
-                    <a:schemeClr val="bg1"/>
-                  </a:solidFill>
-                  <a:latin typeface="Calibri" pitchFamily="34" charset="0"/>
-                  <a:ea typeface="微软雅黑" pitchFamily="34" charset="-122"/>
-                </a:rPr>
-                <a:t> </a:t>
-              </a:r>
-              <a:r>
-                <a:rPr lang="en-US" altLang="zh-CN" dirty="0" smtClean="0">
-                  <a:solidFill>
-                    <a:schemeClr val="bg1"/>
-                  </a:solidFill>
-                  <a:latin typeface="Calibri" pitchFamily="34" charset="0"/>
-                  <a:ea typeface="微软雅黑" pitchFamily="34" charset="-122"/>
-                </a:rPr>
-                <a:t>   </a:t>
-              </a:r>
-              <a:r>
-                <a:rPr lang="zh-CN" altLang="en-US" dirty="0" smtClean="0">
-                  <a:solidFill>
-                    <a:schemeClr val="bg1"/>
-                  </a:solidFill>
-                  <a:latin typeface="Calibri" pitchFamily="34" charset="0"/>
-                  <a:ea typeface="微软雅黑" pitchFamily="34" charset="-122"/>
-                </a:rPr>
-                <a:t>包含该</a:t>
-              </a:r>
-              <a:r>
-                <a:rPr lang="en-US" altLang="zh-CN" dirty="0" smtClean="0">
-                  <a:solidFill>
-                    <a:schemeClr val="bg1"/>
-                  </a:solidFill>
-                  <a:latin typeface="Calibri" pitchFamily="34" charset="0"/>
-                  <a:ea typeface="微软雅黑" pitchFamily="34" charset="-122"/>
-                </a:rPr>
-                <a:t>Fragment</a:t>
-              </a:r>
-              <a:r>
-                <a:rPr lang="zh-CN" altLang="en-US" dirty="0" smtClean="0">
-                  <a:solidFill>
-                    <a:schemeClr val="bg1"/>
-                  </a:solidFill>
-                  <a:latin typeface="Calibri" pitchFamily="34" charset="0"/>
-                  <a:ea typeface="微软雅黑" pitchFamily="34" charset="-122"/>
-                </a:rPr>
-                <a:t>的</a:t>
-              </a:r>
-              <a:r>
-                <a:rPr lang="en-US" altLang="zh-CN" dirty="0" smtClean="0">
-                  <a:solidFill>
-                    <a:schemeClr val="bg1"/>
-                  </a:solidFill>
-                  <a:latin typeface="Calibri" pitchFamily="34" charset="0"/>
-                  <a:ea typeface="微软雅黑" pitchFamily="34" charset="-122"/>
-                </a:rPr>
-                <a:t>Activity</a:t>
-              </a:r>
-              <a:r>
-                <a:rPr lang="zh-CN" altLang="en-US" dirty="0" smtClean="0">
-                  <a:solidFill>
-                    <a:schemeClr val="bg1"/>
-                  </a:solidFill>
-                  <a:latin typeface="Calibri" pitchFamily="34" charset="0"/>
-                  <a:ea typeface="微软雅黑" pitchFamily="34" charset="-122"/>
-                </a:rPr>
-                <a:t>实现该回调接口，这样</a:t>
-              </a:r>
-              <a:r>
-                <a:rPr lang="en-US" altLang="zh-CN" dirty="0" smtClean="0">
-                  <a:solidFill>
-                    <a:schemeClr val="bg1"/>
-                  </a:solidFill>
-                  <a:latin typeface="Calibri" pitchFamily="34" charset="0"/>
-                  <a:ea typeface="微软雅黑" pitchFamily="34" charset="-122"/>
-                </a:rPr>
-                <a:t>Fragment</a:t>
-              </a:r>
-              <a:r>
-                <a:rPr lang="zh-CN" altLang="en-US" dirty="0" smtClean="0">
-                  <a:solidFill>
-                    <a:schemeClr val="bg1"/>
-                  </a:solidFill>
-                  <a:latin typeface="Calibri" pitchFamily="34" charset="0"/>
-                  <a:ea typeface="微软雅黑" pitchFamily="34" charset="-122"/>
-                </a:rPr>
-                <a:t>即可</a:t>
-              </a:r>
-              <a:endParaRPr lang="en-US" altLang="zh-CN" dirty="0" smtClean="0">
-                <a:solidFill>
-                  <a:schemeClr val="bg1"/>
-                </a:solidFill>
-                <a:latin typeface="Calibri" pitchFamily="34" charset="0"/>
-                <a:ea typeface="微软雅黑" pitchFamily="34" charset="-122"/>
-              </a:endParaRPr>
-            </a:p>
-            <a:p>
-              <a:r>
-                <a:rPr lang="en-US" altLang="zh-CN" dirty="0">
-                  <a:solidFill>
-                    <a:schemeClr val="bg1"/>
-                  </a:solidFill>
-                  <a:latin typeface="Calibri" pitchFamily="34" charset="0"/>
-                  <a:ea typeface="微软雅黑" pitchFamily="34" charset="-122"/>
-                </a:rPr>
-                <a:t> </a:t>
-              </a:r>
-              <a:r>
-                <a:rPr lang="en-US" altLang="zh-CN" dirty="0" smtClean="0">
-                  <a:solidFill>
-                    <a:schemeClr val="bg1"/>
-                  </a:solidFill>
-                  <a:latin typeface="Calibri" pitchFamily="34" charset="0"/>
-                  <a:ea typeface="微软雅黑" pitchFamily="34" charset="-122"/>
-                </a:rPr>
-                <a:t>   </a:t>
-              </a:r>
-              <a:r>
-                <a:rPr lang="zh-CN" altLang="en-US" dirty="0" smtClean="0">
-                  <a:solidFill>
-                    <a:schemeClr val="bg1"/>
-                  </a:solidFill>
-                  <a:latin typeface="Calibri" pitchFamily="34" charset="0"/>
-                  <a:ea typeface="微软雅黑" pitchFamily="34" charset="-122"/>
-                </a:rPr>
-                <a:t>调用该回调方法将数据传递给</a:t>
-              </a:r>
-              <a:r>
-                <a:rPr lang="en-US" altLang="zh-CN" dirty="0" smtClean="0">
-                  <a:solidFill>
-                    <a:schemeClr val="bg1"/>
-                  </a:solidFill>
-                  <a:latin typeface="Calibri" pitchFamily="34" charset="0"/>
-                  <a:ea typeface="微软雅黑" pitchFamily="34" charset="-122"/>
-                </a:rPr>
-                <a:t>Activity</a:t>
-              </a:r>
-              <a:r>
-                <a:rPr lang="zh-CN" altLang="en-US" dirty="0" smtClean="0">
-                  <a:solidFill>
-                    <a:schemeClr val="bg1"/>
-                  </a:solidFill>
-                  <a:latin typeface="Calibri" pitchFamily="34" charset="0"/>
-                  <a:ea typeface="微软雅黑" pitchFamily="34" charset="-122"/>
-                </a:rPr>
-                <a:t>。</a:t>
-              </a:r>
-              <a:endParaRPr lang="en-US" altLang="zh-CN" dirty="0" smtClean="0">
-                <a:solidFill>
-                  <a:schemeClr val="bg1"/>
-                </a:solidFill>
-                <a:latin typeface="Calibri" pitchFamily="34" charset="0"/>
-                <a:ea typeface="微软雅黑" pitchFamily="34" charset="-122"/>
-              </a:endParaRPr>
-            </a:p>
-          </p:txBody>
-        </p:sp>
-      </p:grpSp>
-      <p:pic>
-        <p:nvPicPr>
-          <p:cNvPr id="4" name="图片 3"/>
-          <p:cNvPicPr>
-            <a:picLocks noChangeAspect="1"/>
-          </p:cNvPicPr>
-          <p:nvPr/>
-        </p:nvPicPr>
-        <p:blipFill>
-          <a:blip r:embed="rId2"/>
-          <a:stretch>
-            <a:fillRect/>
-          </a:stretch>
-        </p:blipFill>
-        <p:spPr>
-          <a:xfrm>
-            <a:off x="5445125" y="2136189"/>
-            <a:ext cx="6457129" cy="3644900"/>
-          </a:xfrm>
-          <a:prstGeom prst="rect">
-            <a:avLst/>
-          </a:prstGeom>
-        </p:spPr>
-      </p:pic>
-    </p:spTree>
-    <p:extLst>
-      <p:ext uri="{BB962C8B-B14F-4D97-AF65-F5344CB8AC3E}">
-        <p14:creationId xmlns:p14="http://schemas.microsoft.com/office/powerpoint/2010/main" val="1681527166"/>
-      </p:ext>
-    </p:extLst>
-  </p:cSld>
-  <p:clrMapOvr>
-    <a:masterClrMapping/>
-  </p:clrMapOvr>
-  <p:timing>
-    <p:tnLst>
-      <p:par>
-        <p:cTn id="1" dur="indefinite" restart="never" nodeType="tmRoot">
-          <p:childTnLst>
-            <p:seq concurrent="1" nextAc="seek">
-              <p:cTn id="2" dur="indefinite" nodeType="mainSeq">
-                <p:childTnLst>
-                  <p:par>
-                    <p:cTn id="3" fill="hold">
-                      <p:stCondLst>
-                        <p:cond delay="indefinite"/>
-                      </p:stCondLst>
-                      <p:childTnLst>
-                        <p:par>
-                          <p:cTn id="4" fill="hold">
-                            <p:stCondLst>
-                              <p:cond delay="0"/>
-                            </p:stCondLst>
-                            <p:childTnLst>
-                              <p:par>
-                                <p:cTn id="5" presetID="42" presetClass="entr" presetSubtype="0" fill="hold" nodeType="clickEffect">
-                                  <p:stCondLst>
-                                    <p:cond delay="0"/>
-                                  </p:stCondLst>
-                                  <p:childTnLst>
-                                    <p:set>
-                                      <p:cBhvr>
-                                        <p:cTn id="6" dur="1" fill="hold">
-                                          <p:stCondLst>
-                                            <p:cond delay="0"/>
-                                          </p:stCondLst>
-                                        </p:cTn>
-                                        <p:tgtEl>
-                                          <p:spTgt spid="4"/>
-                                        </p:tgtEl>
-                                        <p:attrNameLst>
-                                          <p:attrName>style.visibility</p:attrName>
-                                        </p:attrNameLst>
-                                      </p:cBhvr>
-                                      <p:to>
-                                        <p:strVal val="visible"/>
-                                      </p:to>
-                                    </p:set>
-                                    <p:animEffect transition="in" filter="fade">
-                                      <p:cBhvr>
-                                        <p:cTn id="7" dur="500"/>
-                                        <p:tgtEl>
-                                          <p:spTgt spid="4"/>
-                                        </p:tgtEl>
-                                      </p:cBhvr>
-                                    </p:animEffect>
-                                    <p:anim calcmode="lin" valueType="num">
-                                      <p:cBhvr>
-                                        <p:cTn id="8" dur="500" fill="hold"/>
-                                        <p:tgtEl>
-                                          <p:spTgt spid="4"/>
-                                        </p:tgtEl>
-                                        <p:attrNameLst>
-                                          <p:attrName>ppt_x</p:attrName>
-                                        </p:attrNameLst>
-                                      </p:cBhvr>
-                                      <p:tavLst>
-                                        <p:tav tm="0">
-                                          <p:val>
-                                            <p:strVal val="#ppt_x"/>
-                                          </p:val>
-                                        </p:tav>
-                                        <p:tav tm="100000">
-                                          <p:val>
-                                            <p:strVal val="#ppt_x"/>
-                                          </p:val>
-                                        </p:tav>
-                                      </p:tavLst>
-                                    </p:anim>
-                                    <p:anim calcmode="lin" valueType="num">
-                                      <p:cBhvr>
-                                        <p:cTn id="9" dur="500" fill="hold"/>
-                                        <p:tgtEl>
-                                          <p:spTgt spid="4"/>
-                                        </p:tgtEl>
-                                        <p:attrNameLst>
-                                          <p:attrName>ppt_y</p:attrName>
-                                        </p:attrNameLst>
-                                      </p:cBhvr>
-                                      <p:tavLst>
-                                        <p:tav tm="0">
-                                          <p:val>
-                                            <p:strVal val="#ppt_y+.1"/>
-                                          </p:val>
-                                        </p:tav>
-                                        <p:tav tm="100000">
-                                          <p:val>
-                                            <p:strVal val="#ppt_y"/>
-                                          </p:val>
-                                        </p:tav>
-                                      </p:tavLst>
-                                    </p:anim>
-                                  </p:childTnLst>
-                                </p:cTn>
-                              </p:par>
-                            </p:childTnLst>
-                          </p:cTn>
-                        </p:par>
-                      </p:childTnLst>
-                    </p:cTn>
-                  </p:par>
-                </p:childTnLst>
-              </p:cTn>
-              <p:prevCondLst>
-                <p:cond evt="onPrev" delay="0">
-                  <p:tgtEl>
-                    <p:sldTgt/>
-                  </p:tgtEl>
-                </p:cond>
-              </p:prevCondLst>
-              <p:nextCondLst>
-                <p:cond evt="onNext" delay="0">
-                  <p:tgtEl>
-                    <p:sldTgt/>
-                  </p:tgtEl>
-                </p:cond>
-              </p:nextCondLst>
-            </p:seq>
-          </p:childTnLst>
-        </p:cTn>
-      </p:par>
-    </p:tnLst>
-  </p:timing>
-</p:sld>
-</file>
-
 <file path=ppt/slides/slide2.xml><?xml version="1.0" encoding="utf-8"?>
 <p:sld xmlns:a="http://schemas.openxmlformats.org/drawingml/2006/main" xmlns:r="http://schemas.openxmlformats.org/officeDocument/2006/relationships" xmlns:p="http://schemas.openxmlformats.org/presentationml/2006/main">
   <p:cSld>
@@ -19356,14 +18913,14 @@
           </a:ln>
           <a:extLst>
             <a:ext uri="{909E8E84-426E-40dd-AFC4-6F175D3DCCD1}">
-              <a14:hiddenFill xmlns="" xmlns:a14="http://schemas.microsoft.com/office/drawing/2010/main">
+              <a14:hiddenFill xmlns:a14="http://schemas.microsoft.com/office/drawing/2010/main" xmlns="">
                 <a:solidFill>
                   <a:srgbClr val="FFFFFF"/>
                 </a:solidFill>
               </a14:hiddenFill>
             </a:ext>
             <a:ext uri="{91240B29-F687-4f45-9708-019B960494DF}">
-              <a14:hiddenLine xmlns="" xmlns:a14="http://schemas.microsoft.com/office/drawing/2010/main" w="9525">
+              <a14:hiddenLine xmlns:a14="http://schemas.microsoft.com/office/drawing/2010/main" xmlns="" w="9525">
                 <a:solidFill>
                   <a:srgbClr val="000000"/>
                 </a:solidFill>
@@ -23651,14 +23208,14 @@
           </a:ln>
           <a:extLst>
             <a:ext uri="{909E8E84-426E-40dd-AFC4-6F175D3DCCD1}">
-              <a14:hiddenFill xmlns="" xmlns:a14="http://schemas.microsoft.com/office/drawing/2010/main">
+              <a14:hiddenFill xmlns:a14="http://schemas.microsoft.com/office/drawing/2010/main" xmlns="">
                 <a:solidFill>
                   <a:srgbClr val="FFFFFF"/>
                 </a:solidFill>
               </a14:hiddenFill>
             </a:ext>
             <a:ext uri="{91240B29-F687-4f45-9708-019B960494DF}">
-              <a14:hiddenLine xmlns="" xmlns:a14="http://schemas.microsoft.com/office/drawing/2010/main" w="9525">
+              <a14:hiddenLine xmlns:a14="http://schemas.microsoft.com/office/drawing/2010/main" xmlns="" w="9525">
                 <a:solidFill>
                   <a:srgbClr val="000000"/>
                 </a:solidFill>
@@ -23857,14 +23414,14 @@
           </a:ln>
           <a:extLst>
             <a:ext uri="{909E8E84-426E-40dd-AFC4-6F175D3DCCD1}">
-              <a14:hiddenFill xmlns="" xmlns:a14="http://schemas.microsoft.com/office/drawing/2010/main">
+              <a14:hiddenFill xmlns:a14="http://schemas.microsoft.com/office/drawing/2010/main" xmlns="">
                 <a:solidFill>
                   <a:srgbClr val="FFFFFF"/>
                 </a:solidFill>
               </a14:hiddenFill>
             </a:ext>
             <a:ext uri="{91240B29-F687-4f45-9708-019B960494DF}">
-              <a14:hiddenLine xmlns="" xmlns:a14="http://schemas.microsoft.com/office/drawing/2010/main" w="9525">
+              <a14:hiddenLine xmlns:a14="http://schemas.microsoft.com/office/drawing/2010/main" xmlns="" w="9525">
                 <a:solidFill>
                   <a:srgbClr val="000000"/>
                 </a:solidFill>
@@ -24114,14 +23671,14 @@
           </a:ln>
           <a:extLst>
             <a:ext uri="{909E8E84-426E-40dd-AFC4-6F175D3DCCD1}">
-              <a14:hiddenFill xmlns="" xmlns:a14="http://schemas.microsoft.com/office/drawing/2010/main">
+              <a14:hiddenFill xmlns:a14="http://schemas.microsoft.com/office/drawing/2010/main" xmlns="">
                 <a:solidFill>
                   <a:srgbClr val="FFFFFF"/>
                 </a:solidFill>
               </a14:hiddenFill>
             </a:ext>
             <a:ext uri="{91240B29-F687-4f45-9708-019B960494DF}">
-              <a14:hiddenLine xmlns="" xmlns:a14="http://schemas.microsoft.com/office/drawing/2010/main" w="9525">
+              <a14:hiddenLine xmlns:a14="http://schemas.microsoft.com/office/drawing/2010/main" xmlns="" w="9525">
                 <a:solidFill>
                   <a:srgbClr val="000000"/>
                 </a:solidFill>
@@ -24326,14 +23883,14 @@
           </a:ln>
           <a:extLst>
             <a:ext uri="{909E8E84-426E-40dd-AFC4-6F175D3DCCD1}">
-              <a14:hiddenFill xmlns="" xmlns:a14="http://schemas.microsoft.com/office/drawing/2010/main">
+              <a14:hiddenFill xmlns:a14="http://schemas.microsoft.com/office/drawing/2010/main" xmlns="">
                 <a:solidFill>
                   <a:srgbClr val="FFFFFF"/>
                 </a:solidFill>
               </a14:hiddenFill>
             </a:ext>
             <a:ext uri="{91240B29-F687-4f45-9708-019B960494DF}">
-              <a14:hiddenLine xmlns="" xmlns:a14="http://schemas.microsoft.com/office/drawing/2010/main" w="9525">
+              <a14:hiddenLine xmlns:a14="http://schemas.microsoft.com/office/drawing/2010/main" xmlns="" w="9525">
                 <a:solidFill>
                   <a:srgbClr val="000000"/>
                 </a:solidFill>
@@ -24541,14 +24098,14 @@
           </a:ln>
           <a:extLst>
             <a:ext uri="{909E8E84-426E-40dd-AFC4-6F175D3DCCD1}">
-              <a14:hiddenFill xmlns="" xmlns:a14="http://schemas.microsoft.com/office/drawing/2010/main">
+              <a14:hiddenFill xmlns:a14="http://schemas.microsoft.com/office/drawing/2010/main" xmlns="">
                 <a:solidFill>
                   <a:srgbClr val="FFFFFF"/>
                 </a:solidFill>
               </a14:hiddenFill>
             </a:ext>
             <a:ext uri="{91240B29-F687-4f45-9708-019B960494DF}">
-              <a14:hiddenLine xmlns="" xmlns:a14="http://schemas.microsoft.com/office/drawing/2010/main" w="9525">
+              <a14:hiddenLine xmlns:a14="http://schemas.microsoft.com/office/drawing/2010/main" xmlns="" w="9525">
                 <a:solidFill>
                   <a:srgbClr val="000000"/>
                 </a:solidFill>
@@ -24774,14 +24331,14 @@
           </a:ln>
           <a:extLst>
             <a:ext uri="{909E8E84-426E-40dd-AFC4-6F175D3DCCD1}">
-              <a14:hiddenFill xmlns="" xmlns:a14="http://schemas.microsoft.com/office/drawing/2010/main">
+              <a14:hiddenFill xmlns:a14="http://schemas.microsoft.com/office/drawing/2010/main" xmlns="">
                 <a:solidFill>
                   <a:srgbClr val="FFFFFF"/>
                 </a:solidFill>
               </a14:hiddenFill>
             </a:ext>
             <a:ext uri="{91240B29-F687-4f45-9708-019B960494DF}">
-              <a14:hiddenLine xmlns="" xmlns:a14="http://schemas.microsoft.com/office/drawing/2010/main" w="9525">
+              <a14:hiddenLine xmlns:a14="http://schemas.microsoft.com/office/drawing/2010/main" xmlns="" w="9525">
                 <a:solidFill>
                   <a:srgbClr val="000000"/>
                 </a:solidFill>
@@ -25721,6 +25278,1327 @@
         </p:nvSpPr>
         <p:spPr>
           <a:xfrm>
+            <a:off x="2046535" y="304143"/>
+            <a:ext cx="6425926" cy="707886"/>
+          </a:xfrm>
+          <a:prstGeom prst="rect">
+            <a:avLst/>
+          </a:prstGeom>
+          <a:ln>
+            <a:noFill/>
+          </a:ln>
+        </p:spPr>
+        <p:style>
+          <a:lnRef idx="1">
+            <a:schemeClr val="accent1"/>
+          </a:lnRef>
+          <a:fillRef idx="0">
+            <a:schemeClr val="accent1"/>
+          </a:fillRef>
+          <a:effectRef idx="0">
+            <a:schemeClr val="accent1"/>
+          </a:effectRef>
+          <a:fontRef idx="minor">
+            <a:schemeClr val="tx1"/>
+          </a:fontRef>
+        </p:style>
+        <p:txBody>
+          <a:bodyPr wrap="none">
+            <a:spAutoFit/>
+          </a:bodyPr>
+          <a:lstStyle/>
+          <a:p>
+            <a:pPr algn="ctr" fontAlgn="auto">
+              <a:spcBef>
+                <a:spcPts val="0"/>
+              </a:spcBef>
+              <a:spcAft>
+                <a:spcPts val="0"/>
+              </a:spcAft>
+              <a:defRPr/>
+            </a:pPr>
+            <a:r>
+              <a:rPr lang="en-US" altLang="zh-CN" sz="4000" dirty="0" smtClean="0">
+                <a:solidFill>
+                  <a:schemeClr val="bg1"/>
+                </a:solidFill>
+                <a:ea typeface="方正大黑简体" panose="02010601030101010101"/>
+              </a:rPr>
+              <a:t>4.4.3 Fragment</a:t>
+            </a:r>
+            <a:r>
+              <a:rPr lang="zh-CN" altLang="en-US" sz="4000" dirty="0" smtClean="0">
+                <a:solidFill>
+                  <a:schemeClr val="bg1"/>
+                </a:solidFill>
+                <a:ea typeface="方正大黑简体" panose="02010601030101010101"/>
+              </a:rPr>
+              <a:t>与</a:t>
+            </a:r>
+            <a:r>
+              <a:rPr lang="en-US" altLang="zh-CN" sz="4000" dirty="0" smtClean="0">
+                <a:solidFill>
+                  <a:schemeClr val="bg1"/>
+                </a:solidFill>
+                <a:ea typeface="方正大黑简体" panose="02010601030101010101"/>
+              </a:rPr>
+              <a:t>Activity</a:t>
+            </a:r>
+            <a:r>
+              <a:rPr lang="zh-CN" altLang="en-US" sz="4000" dirty="0" smtClean="0">
+                <a:solidFill>
+                  <a:schemeClr val="bg1"/>
+                </a:solidFill>
+                <a:ea typeface="方正大黑简体" panose="02010601030101010101"/>
+              </a:rPr>
+              <a:t>通信</a:t>
+            </a:r>
+            <a:endParaRPr lang="zh-CN" altLang="en-US" sz="4000" dirty="0">
+              <a:solidFill>
+                <a:schemeClr val="bg1"/>
+              </a:solidFill>
+              <a:ea typeface="方正大黑简体" panose="02010601030101010101"/>
+            </a:endParaRPr>
+          </a:p>
+        </p:txBody>
+      </p:sp>
+      <p:grpSp>
+        <p:nvGrpSpPr>
+          <p:cNvPr id="14" name="组合 40"/>
+          <p:cNvGrpSpPr>
+            <a:grpSpLocks/>
+          </p:cNvGrpSpPr>
+          <p:nvPr/>
+        </p:nvGrpSpPr>
+        <p:grpSpPr bwMode="auto">
+          <a:xfrm>
+            <a:off x="-661987" y="314324"/>
+            <a:ext cx="11418887" cy="1223963"/>
+            <a:chOff x="200997" y="669775"/>
+            <a:chExt cx="11418853" cy="1223559"/>
+          </a:xfrm>
+        </p:grpSpPr>
+        <p:sp>
+          <p:nvSpPr>
+            <p:cNvPr id="15" name="矩形 14"/>
+            <p:cNvSpPr/>
+            <p:nvPr/>
+          </p:nvSpPr>
+          <p:spPr>
+            <a:xfrm>
+              <a:off x="2553665" y="1341067"/>
+              <a:ext cx="9066185" cy="552267"/>
+            </a:xfrm>
+            <a:prstGeom prst="rect">
+              <a:avLst/>
+            </a:prstGeom>
+            <a:solidFill>
+              <a:schemeClr val="bg1">
+                <a:alpha val="40000"/>
+              </a:schemeClr>
+            </a:solidFill>
+            <a:ln>
+              <a:noFill/>
+            </a:ln>
+          </p:spPr>
+          <p:style>
+            <a:lnRef idx="2">
+              <a:schemeClr val="accent1">
+                <a:shade val="50000"/>
+              </a:schemeClr>
+            </a:lnRef>
+            <a:fillRef idx="1">
+              <a:schemeClr val="accent1"/>
+            </a:fillRef>
+            <a:effectRef idx="0">
+              <a:schemeClr val="accent1"/>
+            </a:effectRef>
+            <a:fontRef idx="minor">
+              <a:schemeClr val="lt1"/>
+            </a:fontRef>
+          </p:style>
+          <p:txBody>
+            <a:bodyPr anchor="ctr"/>
+            <a:lstStyle/>
+            <a:p>
+              <a:pPr algn="ctr" fontAlgn="auto">
+                <a:spcBef>
+                  <a:spcPts val="0"/>
+                </a:spcBef>
+                <a:spcAft>
+                  <a:spcPts val="0"/>
+                </a:spcAft>
+                <a:defRPr/>
+              </a:pPr>
+              <a:endParaRPr lang="zh-CN" altLang="en-US"/>
+            </a:p>
+          </p:txBody>
+        </p:sp>
+        <p:cxnSp>
+          <p:nvCxnSpPr>
+            <p:cNvPr id="17" name="直接连接符 16"/>
+            <p:cNvCxnSpPr/>
+            <p:nvPr/>
+          </p:nvCxnSpPr>
+          <p:spPr>
+            <a:xfrm>
+              <a:off x="200997" y="1344241"/>
+              <a:ext cx="2479668" cy="0"/>
+            </a:xfrm>
+            <a:prstGeom prst="line">
+              <a:avLst/>
+            </a:prstGeom>
+            <a:ln>
+              <a:solidFill>
+                <a:schemeClr val="bg1"/>
+              </a:solidFill>
+            </a:ln>
+          </p:spPr>
+          <p:style>
+            <a:lnRef idx="1">
+              <a:schemeClr val="accent1"/>
+            </a:lnRef>
+            <a:fillRef idx="0">
+              <a:schemeClr val="accent1"/>
+            </a:fillRef>
+            <a:effectRef idx="0">
+              <a:schemeClr val="accent1"/>
+            </a:effectRef>
+            <a:fontRef idx="minor">
+              <a:schemeClr val="tx1"/>
+            </a:fontRef>
+          </p:style>
+        </p:cxnSp>
+        <p:sp>
+          <p:nvSpPr>
+            <p:cNvPr id="19" name="矩形 18"/>
+            <p:cNvSpPr/>
+            <p:nvPr/>
+          </p:nvSpPr>
+          <p:spPr>
+            <a:xfrm>
+              <a:off x="2553665" y="669775"/>
+              <a:ext cx="306386" cy="1223559"/>
+            </a:xfrm>
+            <a:prstGeom prst="rect">
+              <a:avLst/>
+            </a:prstGeom>
+            <a:solidFill>
+              <a:srgbClr val="FE5A3E"/>
+            </a:solidFill>
+            <a:ln>
+              <a:noFill/>
+            </a:ln>
+          </p:spPr>
+          <p:style>
+            <a:lnRef idx="2">
+              <a:schemeClr val="accent1">
+                <a:shade val="50000"/>
+              </a:schemeClr>
+            </a:lnRef>
+            <a:fillRef idx="1">
+              <a:schemeClr val="accent1"/>
+            </a:fillRef>
+            <a:effectRef idx="0">
+              <a:schemeClr val="accent1"/>
+            </a:effectRef>
+            <a:fontRef idx="minor">
+              <a:schemeClr val="lt1"/>
+            </a:fontRef>
+          </p:style>
+          <p:txBody>
+            <a:bodyPr anchor="ctr"/>
+            <a:lstStyle/>
+            <a:p>
+              <a:pPr algn="ctr" fontAlgn="auto">
+                <a:spcBef>
+                  <a:spcPts val="0"/>
+                </a:spcBef>
+                <a:spcAft>
+                  <a:spcPts val="0"/>
+                </a:spcAft>
+                <a:defRPr/>
+              </a:pPr>
+              <a:endParaRPr lang="zh-CN" altLang="en-US"/>
+            </a:p>
+          </p:txBody>
+        </p:sp>
+        <p:sp>
+          <p:nvSpPr>
+            <p:cNvPr id="21" name="文本框 20"/>
+            <p:cNvSpPr txBox="1"/>
+            <p:nvPr/>
+          </p:nvSpPr>
+          <p:spPr>
+            <a:xfrm>
+              <a:off x="2971176" y="1412480"/>
+              <a:ext cx="7443041" cy="399978"/>
+            </a:xfrm>
+            <a:prstGeom prst="rect">
+              <a:avLst/>
+            </a:prstGeom>
+            <a:noFill/>
+          </p:spPr>
+          <p:txBody>
+            <a:bodyPr wrap="none">
+              <a:spAutoFit/>
+            </a:bodyPr>
+            <a:lstStyle/>
+            <a:p>
+              <a:pPr fontAlgn="auto">
+                <a:spcBef>
+                  <a:spcPts val="0"/>
+                </a:spcBef>
+                <a:spcAft>
+                  <a:spcPts val="0"/>
+                </a:spcAft>
+                <a:defRPr/>
+              </a:pPr>
+              <a:r>
+                <a:rPr lang="zh-CN" altLang="en-US" sz="2000" dirty="0" smtClean="0">
+                  <a:solidFill>
+                    <a:schemeClr val="bg1">
+                      <a:lumMod val="50000"/>
+                    </a:schemeClr>
+                  </a:solidFill>
+                  <a:latin typeface="微软雅黑" panose="020B0503020204020204" pitchFamily="34" charset="-122"/>
+                  <a:ea typeface="微软雅黑" panose="020B0503020204020204" pitchFamily="34" charset="-122"/>
+                </a:rPr>
+                <a:t>在</a:t>
+              </a:r>
+              <a:r>
+                <a:rPr lang="en-US" altLang="zh-CN" sz="2000" dirty="0" smtClean="0">
+                  <a:solidFill>
+                    <a:schemeClr val="bg1">
+                      <a:lumMod val="50000"/>
+                    </a:schemeClr>
+                  </a:solidFill>
+                  <a:latin typeface="微软雅黑" panose="020B0503020204020204" pitchFamily="34" charset="-122"/>
+                  <a:ea typeface="微软雅黑" panose="020B0503020204020204" pitchFamily="34" charset="-122"/>
+                </a:rPr>
+                <a:t>Activity</a:t>
+              </a:r>
+              <a:r>
+                <a:rPr lang="zh-CN" altLang="en-US" sz="2000" dirty="0" smtClean="0">
+                  <a:solidFill>
+                    <a:schemeClr val="bg1">
+                      <a:lumMod val="50000"/>
+                    </a:schemeClr>
+                  </a:solidFill>
+                  <a:latin typeface="微软雅黑" panose="020B0503020204020204" pitchFamily="34" charset="-122"/>
+                  <a:ea typeface="微软雅黑" panose="020B0503020204020204" pitchFamily="34" charset="-122"/>
+                </a:rPr>
+                <a:t>中显示</a:t>
+              </a:r>
+              <a:r>
+                <a:rPr lang="en-US" altLang="zh-CN" sz="2000" dirty="0" smtClean="0">
+                  <a:solidFill>
+                    <a:schemeClr val="bg1">
+                      <a:lumMod val="50000"/>
+                    </a:schemeClr>
+                  </a:solidFill>
+                  <a:latin typeface="微软雅黑" panose="020B0503020204020204" pitchFamily="34" charset="-122"/>
+                  <a:ea typeface="微软雅黑" panose="020B0503020204020204" pitchFamily="34" charset="-122"/>
+                </a:rPr>
+                <a:t>Fragment</a:t>
+              </a:r>
+              <a:r>
+                <a:rPr lang="zh-CN" altLang="en-US" sz="2000" dirty="0" smtClean="0">
+                  <a:solidFill>
+                    <a:schemeClr val="bg1">
+                      <a:lumMod val="50000"/>
+                    </a:schemeClr>
+                  </a:solidFill>
+                  <a:latin typeface="微软雅黑" panose="020B0503020204020204" pitchFamily="34" charset="-122"/>
+                  <a:ea typeface="微软雅黑" panose="020B0503020204020204" pitchFamily="34" charset="-122"/>
+                </a:rPr>
+                <a:t>必须将</a:t>
+              </a:r>
+              <a:r>
+                <a:rPr lang="en-US" altLang="zh-CN" sz="2000" dirty="0" smtClean="0">
+                  <a:solidFill>
+                    <a:schemeClr val="bg1">
+                      <a:lumMod val="50000"/>
+                    </a:schemeClr>
+                  </a:solidFill>
+                  <a:latin typeface="微软雅黑" panose="020B0503020204020204" pitchFamily="34" charset="-122"/>
+                  <a:ea typeface="微软雅黑" panose="020B0503020204020204" pitchFamily="34" charset="-122"/>
+                </a:rPr>
+                <a:t>Fragment</a:t>
+              </a:r>
+              <a:r>
+                <a:rPr lang="zh-CN" altLang="en-US" sz="2000" dirty="0" smtClean="0">
+                  <a:solidFill>
+                    <a:schemeClr val="bg1">
+                      <a:lumMod val="50000"/>
+                    </a:schemeClr>
+                  </a:solidFill>
+                  <a:latin typeface="微软雅黑" panose="020B0503020204020204" pitchFamily="34" charset="-122"/>
+                  <a:ea typeface="微软雅黑" panose="020B0503020204020204" pitchFamily="34" charset="-122"/>
+                </a:rPr>
+                <a:t>添加到</a:t>
+              </a:r>
+              <a:r>
+                <a:rPr lang="en-US" altLang="zh-CN" sz="2000" dirty="0" smtClean="0">
+                  <a:solidFill>
+                    <a:schemeClr val="bg1">
+                      <a:lumMod val="50000"/>
+                    </a:schemeClr>
+                  </a:solidFill>
+                  <a:latin typeface="微软雅黑" panose="020B0503020204020204" pitchFamily="34" charset="-122"/>
+                  <a:ea typeface="微软雅黑" panose="020B0503020204020204" pitchFamily="34" charset="-122"/>
+                </a:rPr>
+                <a:t>Activity</a:t>
+              </a:r>
+              <a:r>
+                <a:rPr lang="zh-CN" altLang="en-US" sz="2000" dirty="0" smtClean="0">
+                  <a:solidFill>
+                    <a:schemeClr val="bg1">
+                      <a:lumMod val="50000"/>
+                    </a:schemeClr>
+                  </a:solidFill>
+                  <a:latin typeface="微软雅黑" panose="020B0503020204020204" pitchFamily="34" charset="-122"/>
+                  <a:ea typeface="微软雅黑" panose="020B0503020204020204" pitchFamily="34" charset="-122"/>
+                </a:rPr>
+                <a:t>中。</a:t>
+              </a:r>
+              <a:endParaRPr lang="zh-CN" altLang="en-US" sz="2000" dirty="0">
+                <a:solidFill>
+                  <a:schemeClr val="bg1">
+                    <a:lumMod val="50000"/>
+                  </a:schemeClr>
+                </a:solidFill>
+                <a:latin typeface="微软雅黑" panose="020B0503020204020204" pitchFamily="34" charset="-122"/>
+                <a:ea typeface="微软雅黑" panose="020B0503020204020204" pitchFamily="34" charset="-122"/>
+              </a:endParaRPr>
+            </a:p>
+          </p:txBody>
+        </p:sp>
+      </p:grpSp>
+      <p:grpSp>
+        <p:nvGrpSpPr>
+          <p:cNvPr id="3" name="组合 2"/>
+          <p:cNvGrpSpPr/>
+          <p:nvPr/>
+        </p:nvGrpSpPr>
+        <p:grpSpPr>
+          <a:xfrm>
+            <a:off x="600075" y="2532061"/>
+            <a:ext cx="6791325" cy="3436939"/>
+            <a:chOff x="4575175" y="2008447"/>
+            <a:chExt cx="6791325" cy="3436939"/>
+          </a:xfrm>
+        </p:grpSpPr>
+        <p:sp>
+          <p:nvSpPr>
+            <p:cNvPr id="26" name="矩形 25"/>
+            <p:cNvSpPr/>
+            <p:nvPr/>
+          </p:nvSpPr>
+          <p:spPr bwMode="auto">
+            <a:xfrm>
+              <a:off x="4575175" y="2372159"/>
+              <a:ext cx="6791325" cy="3073227"/>
+            </a:xfrm>
+            <a:prstGeom prst="rect">
+              <a:avLst/>
+            </a:prstGeom>
+            <a:solidFill>
+              <a:srgbClr val="FE5A3E"/>
+            </a:solidFill>
+            <a:ln>
+              <a:noFill/>
+            </a:ln>
+          </p:spPr>
+          <p:style>
+            <a:lnRef idx="2">
+              <a:schemeClr val="accent1">
+                <a:shade val="50000"/>
+              </a:schemeClr>
+            </a:lnRef>
+            <a:fillRef idx="1">
+              <a:schemeClr val="accent1"/>
+            </a:fillRef>
+            <a:effectRef idx="0">
+              <a:schemeClr val="accent1"/>
+            </a:effectRef>
+            <a:fontRef idx="minor">
+              <a:schemeClr val="lt1"/>
+            </a:fontRef>
+          </p:style>
+          <p:txBody>
+            <a:bodyPr anchor="ctr"/>
+            <a:lstStyle/>
+            <a:p>
+              <a:pPr algn="ctr" fontAlgn="auto">
+                <a:spcBef>
+                  <a:spcPts val="0"/>
+                </a:spcBef>
+                <a:spcAft>
+                  <a:spcPts val="0"/>
+                </a:spcAft>
+                <a:defRPr/>
+              </a:pPr>
+              <a:endParaRPr lang="zh-CN" altLang="en-US"/>
+            </a:p>
+          </p:txBody>
+        </p:sp>
+        <p:sp>
+          <p:nvSpPr>
+            <p:cNvPr id="2" name="文本框 1"/>
+            <p:cNvSpPr txBox="1"/>
+            <p:nvPr/>
+          </p:nvSpPr>
+          <p:spPr>
+            <a:xfrm>
+              <a:off x="4577916" y="2008447"/>
+              <a:ext cx="1594284" cy="369332"/>
+            </a:xfrm>
+            <a:prstGeom prst="rect">
+              <a:avLst/>
+            </a:prstGeom>
+            <a:solidFill>
+              <a:schemeClr val="bg1"/>
+            </a:solidFill>
+          </p:spPr>
+          <p:txBody>
+            <a:bodyPr wrap="square" rtlCol="0">
+              <a:spAutoFit/>
+            </a:bodyPr>
+            <a:lstStyle/>
+            <a:p>
+              <a:r>
+                <a:rPr lang="zh-CN" altLang="en-US" dirty="0" smtClean="0">
+                  <a:solidFill>
+                    <a:srgbClr val="FE5A3E"/>
+                  </a:solidFill>
+                  <a:latin typeface="微软雅黑" panose="020B0503020204020204" pitchFamily="34" charset="-122"/>
+                  <a:ea typeface="微软雅黑" panose="020B0503020204020204" pitchFamily="34" charset="-122"/>
+                </a:rPr>
+                <a:t>数据传递方式</a:t>
+              </a:r>
+              <a:endParaRPr lang="zh-CN" altLang="en-US" dirty="0">
+                <a:solidFill>
+                  <a:srgbClr val="FE5A3E"/>
+                </a:solidFill>
+                <a:latin typeface="微软雅黑" panose="020B0503020204020204" pitchFamily="34" charset="-122"/>
+                <a:ea typeface="微软雅黑" panose="020B0503020204020204" pitchFamily="34" charset="-122"/>
+              </a:endParaRPr>
+            </a:p>
+          </p:txBody>
+        </p:sp>
+        <p:sp>
+          <p:nvSpPr>
+            <p:cNvPr id="28" name="矩形 33"/>
+            <p:cNvSpPr>
+              <a:spLocks noChangeArrowheads="1"/>
+            </p:cNvSpPr>
+            <p:nvPr/>
+          </p:nvSpPr>
+          <p:spPr bwMode="auto">
+            <a:xfrm>
+              <a:off x="4668000" y="2685925"/>
+              <a:ext cx="6698500" cy="2585323"/>
+            </a:xfrm>
+            <a:prstGeom prst="rect">
+              <a:avLst/>
+            </a:prstGeom>
+            <a:noFill/>
+            <a:ln w="9525">
+              <a:noFill/>
+              <a:miter lim="800000"/>
+              <a:headEnd/>
+              <a:tailEnd/>
+            </a:ln>
+          </p:spPr>
+          <p:txBody>
+            <a:bodyPr wrap="none">
+              <a:spAutoFit/>
+            </a:bodyPr>
+            <a:lstStyle/>
+            <a:p>
+              <a:pPr marL="285750" indent="-285750">
+                <a:buFont typeface="Wingdings" panose="05000000000000000000" pitchFamily="2" charset="2"/>
+                <a:buChar char="Ø"/>
+              </a:pPr>
+              <a:r>
+                <a:rPr lang="en-US" altLang="zh-CN" b="1" dirty="0" smtClean="0">
+                  <a:solidFill>
+                    <a:schemeClr val="bg1"/>
+                  </a:solidFill>
+                  <a:latin typeface="Calibri" pitchFamily="34" charset="0"/>
+                  <a:ea typeface="微软雅黑" pitchFamily="34" charset="-122"/>
+                </a:rPr>
+                <a:t>Activity</a:t>
+              </a:r>
+              <a:r>
+                <a:rPr lang="zh-CN" altLang="en-US" b="1" dirty="0" smtClean="0">
+                  <a:solidFill>
+                    <a:schemeClr val="bg1"/>
+                  </a:solidFill>
+                  <a:latin typeface="Calibri" pitchFamily="34" charset="0"/>
+                  <a:ea typeface="微软雅黑" pitchFamily="34" charset="-122"/>
+                </a:rPr>
+                <a:t>向</a:t>
+              </a:r>
+              <a:r>
+                <a:rPr lang="en-US" altLang="zh-CN" b="1" dirty="0" smtClean="0">
+                  <a:solidFill>
+                    <a:schemeClr val="bg1"/>
+                  </a:solidFill>
+                  <a:latin typeface="Calibri" pitchFamily="34" charset="0"/>
+                  <a:ea typeface="微软雅黑" pitchFamily="34" charset="-122"/>
+                </a:rPr>
+                <a:t>Fragment</a:t>
+              </a:r>
+              <a:r>
+                <a:rPr lang="zh-CN" altLang="en-US" b="1" dirty="0" smtClean="0">
+                  <a:solidFill>
+                    <a:schemeClr val="bg1"/>
+                  </a:solidFill>
+                  <a:latin typeface="Calibri" pitchFamily="34" charset="0"/>
+                  <a:ea typeface="微软雅黑" pitchFamily="34" charset="-122"/>
+                </a:rPr>
+                <a:t>传递数据</a:t>
+              </a:r>
+              <a:r>
+                <a:rPr lang="zh-CN" altLang="en-US" dirty="0" smtClean="0">
+                  <a:solidFill>
+                    <a:schemeClr val="bg1"/>
+                  </a:solidFill>
+                  <a:latin typeface="Calibri" pitchFamily="34" charset="0"/>
+                  <a:ea typeface="微软雅黑" pitchFamily="34" charset="-122"/>
+                </a:rPr>
+                <a:t>：在</a:t>
+              </a:r>
+              <a:r>
+                <a:rPr lang="en-US" altLang="zh-CN" dirty="0" smtClean="0">
+                  <a:solidFill>
+                    <a:schemeClr val="bg1"/>
+                  </a:solidFill>
+                  <a:latin typeface="Calibri" pitchFamily="34" charset="0"/>
+                  <a:ea typeface="微软雅黑" pitchFamily="34" charset="-122"/>
+                </a:rPr>
+                <a:t>Activity</a:t>
+              </a:r>
+              <a:r>
+                <a:rPr lang="zh-CN" altLang="en-US" dirty="0" smtClean="0">
+                  <a:solidFill>
+                    <a:schemeClr val="bg1"/>
+                  </a:solidFill>
+                  <a:latin typeface="Calibri" pitchFamily="34" charset="0"/>
+                  <a:ea typeface="微软雅黑" pitchFamily="34" charset="-122"/>
+                </a:rPr>
+                <a:t>中创建</a:t>
+              </a:r>
+              <a:r>
+                <a:rPr lang="en-US" altLang="zh-CN" dirty="0" smtClean="0">
+                  <a:solidFill>
+                    <a:schemeClr val="bg1"/>
+                  </a:solidFill>
+                  <a:latin typeface="Calibri" pitchFamily="34" charset="0"/>
+                  <a:ea typeface="微软雅黑" pitchFamily="34" charset="-122"/>
+                </a:rPr>
+                <a:t>Bundle</a:t>
+              </a:r>
+              <a:r>
+                <a:rPr lang="zh-CN" altLang="en-US" dirty="0" smtClean="0">
+                  <a:solidFill>
+                    <a:schemeClr val="bg1"/>
+                  </a:solidFill>
+                  <a:latin typeface="Calibri" pitchFamily="34" charset="0"/>
+                  <a:ea typeface="微软雅黑" pitchFamily="34" charset="-122"/>
+                </a:rPr>
+                <a:t>数据包，</a:t>
+              </a:r>
+              <a:endParaRPr lang="en-US" altLang="zh-CN" dirty="0" smtClean="0">
+                <a:solidFill>
+                  <a:schemeClr val="bg1"/>
+                </a:solidFill>
+                <a:latin typeface="Calibri" pitchFamily="34" charset="0"/>
+                <a:ea typeface="微软雅黑" pitchFamily="34" charset="-122"/>
+              </a:endParaRPr>
+            </a:p>
+            <a:p>
+              <a:r>
+                <a:rPr lang="en-US" altLang="zh-CN" dirty="0">
+                  <a:solidFill>
+                    <a:schemeClr val="bg1"/>
+                  </a:solidFill>
+                  <a:latin typeface="Calibri" pitchFamily="34" charset="0"/>
+                  <a:ea typeface="微软雅黑" pitchFamily="34" charset="-122"/>
+                </a:rPr>
+                <a:t> </a:t>
+              </a:r>
+              <a:r>
+                <a:rPr lang="en-US" altLang="zh-CN" dirty="0" smtClean="0">
+                  <a:solidFill>
+                    <a:schemeClr val="bg1"/>
+                  </a:solidFill>
+                  <a:latin typeface="Calibri" pitchFamily="34" charset="0"/>
+                  <a:ea typeface="微软雅黑" pitchFamily="34" charset="-122"/>
+                </a:rPr>
+                <a:t>    </a:t>
+              </a:r>
+              <a:r>
+                <a:rPr lang="zh-CN" altLang="en-US" dirty="0" smtClean="0">
+                  <a:solidFill>
+                    <a:schemeClr val="bg1"/>
+                  </a:solidFill>
+                  <a:latin typeface="Calibri" pitchFamily="34" charset="0"/>
+                  <a:ea typeface="微软雅黑" pitchFamily="34" charset="-122"/>
+                </a:rPr>
+                <a:t>并调用</a:t>
+              </a:r>
+              <a:r>
+                <a:rPr lang="en-US" altLang="zh-CN" dirty="0" smtClean="0">
+                  <a:solidFill>
+                    <a:schemeClr val="bg1"/>
+                  </a:solidFill>
+                  <a:latin typeface="Calibri" pitchFamily="34" charset="0"/>
+                  <a:ea typeface="微软雅黑" pitchFamily="34" charset="-122"/>
+                </a:rPr>
+                <a:t>Fragment</a:t>
+              </a:r>
+              <a:r>
+                <a:rPr lang="zh-CN" altLang="en-US" dirty="0" smtClean="0">
+                  <a:solidFill>
+                    <a:schemeClr val="bg1"/>
+                  </a:solidFill>
+                  <a:latin typeface="Calibri" pitchFamily="34" charset="0"/>
+                  <a:ea typeface="微软雅黑" pitchFamily="34" charset="-122"/>
+                </a:rPr>
+                <a:t>的</a:t>
+              </a:r>
+              <a:r>
+                <a:rPr lang="en-US" altLang="zh-CN" dirty="0" err="1" smtClean="0">
+                  <a:solidFill>
+                    <a:schemeClr val="bg1"/>
+                  </a:solidFill>
+                  <a:latin typeface="Calibri" pitchFamily="34" charset="0"/>
+                  <a:ea typeface="微软雅黑" pitchFamily="34" charset="-122"/>
+                </a:rPr>
+                <a:t>setAguments</a:t>
+              </a:r>
+              <a:r>
+                <a:rPr lang="en-US" altLang="zh-CN" dirty="0" smtClean="0">
+                  <a:solidFill>
+                    <a:schemeClr val="bg1"/>
+                  </a:solidFill>
+                  <a:latin typeface="Calibri" pitchFamily="34" charset="0"/>
+                  <a:ea typeface="微软雅黑" pitchFamily="34" charset="-122"/>
+                </a:rPr>
+                <a:t>(Bundle bundle)</a:t>
+              </a:r>
+              <a:r>
+                <a:rPr lang="zh-CN" altLang="en-US" dirty="0" smtClean="0">
+                  <a:solidFill>
+                    <a:schemeClr val="bg1"/>
+                  </a:solidFill>
+                  <a:latin typeface="Calibri" pitchFamily="34" charset="0"/>
+                  <a:ea typeface="微软雅黑" pitchFamily="34" charset="-122"/>
+                </a:rPr>
+                <a:t>方法即可将</a:t>
+              </a:r>
+              <a:endParaRPr lang="en-US" altLang="zh-CN" dirty="0" smtClean="0">
+                <a:solidFill>
+                  <a:schemeClr val="bg1"/>
+                </a:solidFill>
+                <a:latin typeface="Calibri" pitchFamily="34" charset="0"/>
+                <a:ea typeface="微软雅黑" pitchFamily="34" charset="-122"/>
+              </a:endParaRPr>
+            </a:p>
+            <a:p>
+              <a:r>
+                <a:rPr lang="en-US" altLang="zh-CN" dirty="0">
+                  <a:solidFill>
+                    <a:schemeClr val="bg1"/>
+                  </a:solidFill>
+                  <a:latin typeface="Calibri" pitchFamily="34" charset="0"/>
+                  <a:ea typeface="微软雅黑" pitchFamily="34" charset="-122"/>
+                </a:rPr>
+                <a:t> </a:t>
+              </a:r>
+              <a:r>
+                <a:rPr lang="en-US" altLang="zh-CN" dirty="0" smtClean="0">
+                  <a:solidFill>
+                    <a:schemeClr val="bg1"/>
+                  </a:solidFill>
+                  <a:latin typeface="Calibri" pitchFamily="34" charset="0"/>
+                  <a:ea typeface="微软雅黑" pitchFamily="34" charset="-122"/>
+                </a:rPr>
+                <a:t>    Bundle</a:t>
+              </a:r>
+              <a:r>
+                <a:rPr lang="zh-CN" altLang="en-US" dirty="0" smtClean="0">
+                  <a:solidFill>
+                    <a:schemeClr val="bg1"/>
+                  </a:solidFill>
+                  <a:latin typeface="Calibri" pitchFamily="34" charset="0"/>
+                  <a:ea typeface="微软雅黑" pitchFamily="34" charset="-122"/>
+                </a:rPr>
+                <a:t>数据包传递给</a:t>
+              </a:r>
+              <a:r>
+                <a:rPr lang="en-US" altLang="zh-CN" dirty="0" smtClean="0">
+                  <a:solidFill>
+                    <a:schemeClr val="bg1"/>
+                  </a:solidFill>
+                  <a:latin typeface="Calibri" pitchFamily="34" charset="0"/>
+                  <a:ea typeface="微软雅黑" pitchFamily="34" charset="-122"/>
+                </a:rPr>
+                <a:t>Fragment</a:t>
+              </a:r>
+              <a:r>
+                <a:rPr lang="zh-CN" altLang="en-US" dirty="0" smtClean="0">
+                  <a:solidFill>
+                    <a:schemeClr val="bg1"/>
+                  </a:solidFill>
+                  <a:latin typeface="Calibri" pitchFamily="34" charset="0"/>
+                  <a:ea typeface="微软雅黑" pitchFamily="34" charset="-122"/>
+                </a:rPr>
+                <a:t>。</a:t>
+              </a:r>
+              <a:endParaRPr lang="en-US" altLang="zh-CN" dirty="0" smtClean="0">
+                <a:solidFill>
+                  <a:schemeClr val="bg1"/>
+                </a:solidFill>
+                <a:latin typeface="Calibri" pitchFamily="34" charset="0"/>
+                <a:ea typeface="微软雅黑" pitchFamily="34" charset="-122"/>
+              </a:endParaRPr>
+            </a:p>
+            <a:p>
+              <a:endParaRPr lang="en-US" altLang="zh-CN" dirty="0" smtClean="0">
+                <a:solidFill>
+                  <a:schemeClr val="bg1"/>
+                </a:solidFill>
+                <a:latin typeface="Calibri" pitchFamily="34" charset="0"/>
+                <a:ea typeface="微软雅黑" pitchFamily="34" charset="-122"/>
+              </a:endParaRPr>
+            </a:p>
+            <a:p>
+              <a:endParaRPr lang="en-US" altLang="zh-CN" dirty="0">
+                <a:solidFill>
+                  <a:schemeClr val="bg1"/>
+                </a:solidFill>
+                <a:latin typeface="Calibri" pitchFamily="34" charset="0"/>
+                <a:ea typeface="微软雅黑" pitchFamily="34" charset="-122"/>
+              </a:endParaRPr>
+            </a:p>
+            <a:p>
+              <a:pPr marL="285750" indent="-285750">
+                <a:buFont typeface="Wingdings" panose="05000000000000000000" pitchFamily="2" charset="2"/>
+                <a:buChar char="Ø"/>
+              </a:pPr>
+              <a:r>
+                <a:rPr lang="en-US" altLang="zh-CN" b="1" dirty="0" smtClean="0">
+                  <a:solidFill>
+                    <a:schemeClr val="bg1"/>
+                  </a:solidFill>
+                  <a:latin typeface="Calibri" pitchFamily="34" charset="0"/>
+                  <a:ea typeface="微软雅黑" pitchFamily="34" charset="-122"/>
+                </a:rPr>
+                <a:t>Fragment</a:t>
+              </a:r>
+              <a:r>
+                <a:rPr lang="zh-CN" altLang="en-US" b="1" dirty="0" smtClean="0">
+                  <a:solidFill>
+                    <a:schemeClr val="bg1"/>
+                  </a:solidFill>
+                  <a:latin typeface="Calibri" pitchFamily="34" charset="0"/>
+                  <a:ea typeface="微软雅黑" pitchFamily="34" charset="-122"/>
+                </a:rPr>
+                <a:t>向</a:t>
+              </a:r>
+              <a:r>
+                <a:rPr lang="en-US" altLang="zh-CN" b="1" dirty="0" smtClean="0">
+                  <a:solidFill>
+                    <a:schemeClr val="bg1"/>
+                  </a:solidFill>
+                  <a:latin typeface="Calibri" pitchFamily="34" charset="0"/>
+                  <a:ea typeface="微软雅黑" pitchFamily="34" charset="-122"/>
+                </a:rPr>
+                <a:t>Activity</a:t>
+              </a:r>
+              <a:r>
+                <a:rPr lang="zh-CN" altLang="en-US" b="1" dirty="0" smtClean="0">
+                  <a:solidFill>
+                    <a:schemeClr val="bg1"/>
+                  </a:solidFill>
+                  <a:latin typeface="Calibri" pitchFamily="34" charset="0"/>
+                  <a:ea typeface="微软雅黑" pitchFamily="34" charset="-122"/>
+                </a:rPr>
+                <a:t>传递数据或</a:t>
+              </a:r>
+              <a:r>
+                <a:rPr lang="en-US" altLang="zh-CN" b="1" dirty="0" smtClean="0">
+                  <a:solidFill>
+                    <a:schemeClr val="bg1"/>
+                  </a:solidFill>
+                  <a:latin typeface="Calibri" pitchFamily="34" charset="0"/>
+                  <a:ea typeface="微软雅黑" pitchFamily="34" charset="-122"/>
+                </a:rPr>
+                <a:t>Activity</a:t>
+              </a:r>
+              <a:r>
+                <a:rPr lang="zh-CN" altLang="en-US" b="1" dirty="0" smtClean="0">
+                  <a:solidFill>
+                    <a:schemeClr val="bg1"/>
+                  </a:solidFill>
+                  <a:latin typeface="Calibri" pitchFamily="34" charset="0"/>
+                  <a:ea typeface="微软雅黑" pitchFamily="34" charset="-122"/>
+                </a:rPr>
+                <a:t>需要在</a:t>
+              </a:r>
+              <a:r>
+                <a:rPr lang="en-US" altLang="zh-CN" b="1" dirty="0" smtClean="0">
+                  <a:solidFill>
+                    <a:schemeClr val="bg1"/>
+                  </a:solidFill>
+                  <a:latin typeface="Calibri" pitchFamily="34" charset="0"/>
+                  <a:ea typeface="微软雅黑" pitchFamily="34" charset="-122"/>
+                </a:rPr>
+                <a:t>Fragment</a:t>
+              </a:r>
+              <a:r>
+                <a:rPr lang="zh-CN" altLang="en-US" b="1" dirty="0" smtClean="0">
+                  <a:solidFill>
+                    <a:schemeClr val="bg1"/>
+                  </a:solidFill>
+                  <a:latin typeface="Calibri" pitchFamily="34" charset="0"/>
+                  <a:ea typeface="微软雅黑" pitchFamily="34" charset="-122"/>
+                </a:rPr>
+                <a:t>运行中</a:t>
+              </a:r>
+              <a:endParaRPr lang="en-US" altLang="zh-CN" b="1" dirty="0" smtClean="0">
+                <a:solidFill>
+                  <a:schemeClr val="bg1"/>
+                </a:solidFill>
+                <a:latin typeface="Calibri" pitchFamily="34" charset="0"/>
+                <a:ea typeface="微软雅黑" pitchFamily="34" charset="-122"/>
+              </a:endParaRPr>
+            </a:p>
+            <a:p>
+              <a:r>
+                <a:rPr lang="en-US" altLang="zh-CN" b="1" dirty="0">
+                  <a:solidFill>
+                    <a:schemeClr val="bg1"/>
+                  </a:solidFill>
+                  <a:latin typeface="Calibri" pitchFamily="34" charset="0"/>
+                  <a:ea typeface="微软雅黑" pitchFamily="34" charset="-122"/>
+                </a:rPr>
+                <a:t> </a:t>
+              </a:r>
+              <a:r>
+                <a:rPr lang="en-US" altLang="zh-CN" b="1" dirty="0" smtClean="0">
+                  <a:solidFill>
+                    <a:schemeClr val="bg1"/>
+                  </a:solidFill>
+                  <a:latin typeface="Calibri" pitchFamily="34" charset="0"/>
+                  <a:ea typeface="微软雅黑" pitchFamily="34" charset="-122"/>
+                </a:rPr>
+                <a:t>    </a:t>
+              </a:r>
+              <a:r>
+                <a:rPr lang="zh-CN" altLang="en-US" b="1" dirty="0" smtClean="0">
+                  <a:solidFill>
+                    <a:schemeClr val="bg1"/>
+                  </a:solidFill>
+                  <a:latin typeface="Calibri" pitchFamily="34" charset="0"/>
+                  <a:ea typeface="微软雅黑" pitchFamily="34" charset="-122"/>
+                </a:rPr>
+                <a:t>进行实时通信</a:t>
+              </a:r>
+              <a:r>
+                <a:rPr lang="zh-CN" altLang="en-US" dirty="0" smtClean="0">
+                  <a:solidFill>
+                    <a:schemeClr val="bg1"/>
+                  </a:solidFill>
+                  <a:latin typeface="Calibri" pitchFamily="34" charset="0"/>
+                  <a:ea typeface="微软雅黑" pitchFamily="34" charset="-122"/>
+                </a:rPr>
+                <a:t>：在</a:t>
+              </a:r>
+              <a:r>
+                <a:rPr lang="en-US" altLang="zh-CN" dirty="0" smtClean="0">
+                  <a:solidFill>
+                    <a:schemeClr val="bg1"/>
+                  </a:solidFill>
+                  <a:latin typeface="Calibri" pitchFamily="34" charset="0"/>
+                  <a:ea typeface="微软雅黑" pitchFamily="34" charset="-122"/>
+                </a:rPr>
+                <a:t>Fragment</a:t>
+              </a:r>
+              <a:r>
+                <a:rPr lang="zh-CN" altLang="en-US" dirty="0" smtClean="0">
+                  <a:solidFill>
+                    <a:schemeClr val="bg1"/>
+                  </a:solidFill>
+                  <a:latin typeface="Calibri" pitchFamily="34" charset="0"/>
+                  <a:ea typeface="微软雅黑" pitchFamily="34" charset="-122"/>
+                </a:rPr>
+                <a:t>中定义一个内部回调接口，再让</a:t>
+              </a:r>
+              <a:endParaRPr lang="en-US" altLang="zh-CN" dirty="0" smtClean="0">
+                <a:solidFill>
+                  <a:schemeClr val="bg1"/>
+                </a:solidFill>
+                <a:latin typeface="Calibri" pitchFamily="34" charset="0"/>
+                <a:ea typeface="微软雅黑" pitchFamily="34" charset="-122"/>
+              </a:endParaRPr>
+            </a:p>
+            <a:p>
+              <a:r>
+                <a:rPr lang="en-US" altLang="zh-CN" dirty="0">
+                  <a:solidFill>
+                    <a:schemeClr val="bg1"/>
+                  </a:solidFill>
+                  <a:latin typeface="Calibri" pitchFamily="34" charset="0"/>
+                  <a:ea typeface="微软雅黑" pitchFamily="34" charset="-122"/>
+                </a:rPr>
+                <a:t> </a:t>
+              </a:r>
+              <a:r>
+                <a:rPr lang="en-US" altLang="zh-CN" dirty="0" smtClean="0">
+                  <a:solidFill>
+                    <a:schemeClr val="bg1"/>
+                  </a:solidFill>
+                  <a:latin typeface="Calibri" pitchFamily="34" charset="0"/>
+                  <a:ea typeface="微软雅黑" pitchFamily="34" charset="-122"/>
+                </a:rPr>
+                <a:t>   </a:t>
+              </a:r>
+              <a:r>
+                <a:rPr lang="zh-CN" altLang="en-US" dirty="0" smtClean="0">
+                  <a:solidFill>
+                    <a:schemeClr val="bg1"/>
+                  </a:solidFill>
+                  <a:latin typeface="Calibri" pitchFamily="34" charset="0"/>
+                  <a:ea typeface="微软雅黑" pitchFamily="34" charset="-122"/>
+                </a:rPr>
+                <a:t>包含该</a:t>
+              </a:r>
+              <a:r>
+                <a:rPr lang="en-US" altLang="zh-CN" dirty="0" smtClean="0">
+                  <a:solidFill>
+                    <a:schemeClr val="bg1"/>
+                  </a:solidFill>
+                  <a:latin typeface="Calibri" pitchFamily="34" charset="0"/>
+                  <a:ea typeface="微软雅黑" pitchFamily="34" charset="-122"/>
+                </a:rPr>
+                <a:t>Fragment</a:t>
+              </a:r>
+              <a:r>
+                <a:rPr lang="zh-CN" altLang="en-US" dirty="0" smtClean="0">
+                  <a:solidFill>
+                    <a:schemeClr val="bg1"/>
+                  </a:solidFill>
+                  <a:latin typeface="Calibri" pitchFamily="34" charset="0"/>
+                  <a:ea typeface="微软雅黑" pitchFamily="34" charset="-122"/>
+                </a:rPr>
+                <a:t>的</a:t>
+              </a:r>
+              <a:r>
+                <a:rPr lang="en-US" altLang="zh-CN" dirty="0" smtClean="0">
+                  <a:solidFill>
+                    <a:schemeClr val="bg1"/>
+                  </a:solidFill>
+                  <a:latin typeface="Calibri" pitchFamily="34" charset="0"/>
+                  <a:ea typeface="微软雅黑" pitchFamily="34" charset="-122"/>
+                </a:rPr>
+                <a:t>Activity</a:t>
+              </a:r>
+              <a:r>
+                <a:rPr lang="zh-CN" altLang="en-US" dirty="0" smtClean="0">
+                  <a:solidFill>
+                    <a:schemeClr val="bg1"/>
+                  </a:solidFill>
+                  <a:latin typeface="Calibri" pitchFamily="34" charset="0"/>
+                  <a:ea typeface="微软雅黑" pitchFamily="34" charset="-122"/>
+                </a:rPr>
+                <a:t>实现该回调接口，这样</a:t>
+              </a:r>
+              <a:r>
+                <a:rPr lang="en-US" altLang="zh-CN" dirty="0" smtClean="0">
+                  <a:solidFill>
+                    <a:schemeClr val="bg1"/>
+                  </a:solidFill>
+                  <a:latin typeface="Calibri" pitchFamily="34" charset="0"/>
+                  <a:ea typeface="微软雅黑" pitchFamily="34" charset="-122"/>
+                </a:rPr>
+                <a:t>Fragment</a:t>
+              </a:r>
+              <a:r>
+                <a:rPr lang="zh-CN" altLang="en-US" dirty="0" smtClean="0">
+                  <a:solidFill>
+                    <a:schemeClr val="bg1"/>
+                  </a:solidFill>
+                  <a:latin typeface="Calibri" pitchFamily="34" charset="0"/>
+                  <a:ea typeface="微软雅黑" pitchFamily="34" charset="-122"/>
+                </a:rPr>
+                <a:t>即可</a:t>
+              </a:r>
+              <a:endParaRPr lang="en-US" altLang="zh-CN" dirty="0" smtClean="0">
+                <a:solidFill>
+                  <a:schemeClr val="bg1"/>
+                </a:solidFill>
+                <a:latin typeface="Calibri" pitchFamily="34" charset="0"/>
+                <a:ea typeface="微软雅黑" pitchFamily="34" charset="-122"/>
+              </a:endParaRPr>
+            </a:p>
+            <a:p>
+              <a:r>
+                <a:rPr lang="en-US" altLang="zh-CN" dirty="0">
+                  <a:solidFill>
+                    <a:schemeClr val="bg1"/>
+                  </a:solidFill>
+                  <a:latin typeface="Calibri" pitchFamily="34" charset="0"/>
+                  <a:ea typeface="微软雅黑" pitchFamily="34" charset="-122"/>
+                </a:rPr>
+                <a:t> </a:t>
+              </a:r>
+              <a:r>
+                <a:rPr lang="en-US" altLang="zh-CN" dirty="0" smtClean="0">
+                  <a:solidFill>
+                    <a:schemeClr val="bg1"/>
+                  </a:solidFill>
+                  <a:latin typeface="Calibri" pitchFamily="34" charset="0"/>
+                  <a:ea typeface="微软雅黑" pitchFamily="34" charset="-122"/>
+                </a:rPr>
+                <a:t>   </a:t>
+              </a:r>
+              <a:r>
+                <a:rPr lang="zh-CN" altLang="en-US" dirty="0" smtClean="0">
+                  <a:solidFill>
+                    <a:schemeClr val="bg1"/>
+                  </a:solidFill>
+                  <a:latin typeface="Calibri" pitchFamily="34" charset="0"/>
+                  <a:ea typeface="微软雅黑" pitchFamily="34" charset="-122"/>
+                </a:rPr>
+                <a:t>调用该回调方法将数据传递给</a:t>
+              </a:r>
+              <a:r>
+                <a:rPr lang="en-US" altLang="zh-CN" dirty="0" smtClean="0">
+                  <a:solidFill>
+                    <a:schemeClr val="bg1"/>
+                  </a:solidFill>
+                  <a:latin typeface="Calibri" pitchFamily="34" charset="0"/>
+                  <a:ea typeface="微软雅黑" pitchFamily="34" charset="-122"/>
+                </a:rPr>
+                <a:t>Activity</a:t>
+              </a:r>
+              <a:r>
+                <a:rPr lang="zh-CN" altLang="en-US" dirty="0" smtClean="0">
+                  <a:solidFill>
+                    <a:schemeClr val="bg1"/>
+                  </a:solidFill>
+                  <a:latin typeface="Calibri" pitchFamily="34" charset="0"/>
+                  <a:ea typeface="微软雅黑" pitchFamily="34" charset="-122"/>
+                </a:rPr>
+                <a:t>。</a:t>
+              </a:r>
+              <a:endParaRPr lang="en-US" altLang="zh-CN" dirty="0" smtClean="0">
+                <a:solidFill>
+                  <a:schemeClr val="bg1"/>
+                </a:solidFill>
+                <a:latin typeface="Calibri" pitchFamily="34" charset="0"/>
+                <a:ea typeface="微软雅黑" pitchFamily="34" charset="-122"/>
+              </a:endParaRPr>
+            </a:p>
+          </p:txBody>
+        </p:sp>
+      </p:grpSp>
+      <p:pic>
+        <p:nvPicPr>
+          <p:cNvPr id="4" name="图片 3"/>
+          <p:cNvPicPr>
+            <a:picLocks noChangeAspect="1"/>
+          </p:cNvPicPr>
+          <p:nvPr/>
+        </p:nvPicPr>
+        <p:blipFill>
+          <a:blip r:embed="rId2"/>
+          <a:stretch>
+            <a:fillRect/>
+          </a:stretch>
+        </p:blipFill>
+        <p:spPr>
+          <a:xfrm>
+            <a:off x="5445125" y="2136189"/>
+            <a:ext cx="6457129" cy="3644900"/>
+          </a:xfrm>
+          <a:prstGeom prst="rect">
+            <a:avLst/>
+          </a:prstGeom>
+        </p:spPr>
+      </p:pic>
+    </p:spTree>
+    <p:extLst>
+      <p:ext uri="{BB962C8B-B14F-4D97-AF65-F5344CB8AC3E}">
+        <p14:creationId xmlns:p14="http://schemas.microsoft.com/office/powerpoint/2010/main" val="1681527166"/>
+      </p:ext>
+    </p:extLst>
+  </p:cSld>
+  <p:clrMapOvr>
+    <a:masterClrMapping/>
+  </p:clrMapOvr>
+  <p:timing>
+    <p:tnLst>
+      <p:par>
+        <p:cTn id="1" dur="indefinite" restart="never" nodeType="tmRoot">
+          <p:childTnLst>
+            <p:seq concurrent="1" nextAc="seek">
+              <p:cTn id="2" dur="indefinite" nodeType="mainSeq">
+                <p:childTnLst>
+                  <p:par>
+                    <p:cTn id="3" fill="hold">
+                      <p:stCondLst>
+                        <p:cond delay="indefinite"/>
+                      </p:stCondLst>
+                      <p:childTnLst>
+                        <p:par>
+                          <p:cTn id="4" fill="hold">
+                            <p:stCondLst>
+                              <p:cond delay="0"/>
+                            </p:stCondLst>
+                            <p:childTnLst>
+                              <p:par>
+                                <p:cTn id="5" presetID="42" presetClass="entr" presetSubtype="0" fill="hold" nodeType="clickEffect">
+                                  <p:stCondLst>
+                                    <p:cond delay="0"/>
+                                  </p:stCondLst>
+                                  <p:childTnLst>
+                                    <p:set>
+                                      <p:cBhvr>
+                                        <p:cTn id="6" dur="1" fill="hold">
+                                          <p:stCondLst>
+                                            <p:cond delay="0"/>
+                                          </p:stCondLst>
+                                        </p:cTn>
+                                        <p:tgtEl>
+                                          <p:spTgt spid="4"/>
+                                        </p:tgtEl>
+                                        <p:attrNameLst>
+                                          <p:attrName>style.visibility</p:attrName>
+                                        </p:attrNameLst>
+                                      </p:cBhvr>
+                                      <p:to>
+                                        <p:strVal val="visible"/>
+                                      </p:to>
+                                    </p:set>
+                                    <p:animEffect transition="in" filter="fade">
+                                      <p:cBhvr>
+                                        <p:cTn id="7" dur="500"/>
+                                        <p:tgtEl>
+                                          <p:spTgt spid="4"/>
+                                        </p:tgtEl>
+                                      </p:cBhvr>
+                                    </p:animEffect>
+                                    <p:anim calcmode="lin" valueType="num">
+                                      <p:cBhvr>
+                                        <p:cTn id="8" dur="500" fill="hold"/>
+                                        <p:tgtEl>
+                                          <p:spTgt spid="4"/>
+                                        </p:tgtEl>
+                                        <p:attrNameLst>
+                                          <p:attrName>ppt_x</p:attrName>
+                                        </p:attrNameLst>
+                                      </p:cBhvr>
+                                      <p:tavLst>
+                                        <p:tav tm="0">
+                                          <p:val>
+                                            <p:strVal val="#ppt_x"/>
+                                          </p:val>
+                                        </p:tav>
+                                        <p:tav tm="100000">
+                                          <p:val>
+                                            <p:strVal val="#ppt_x"/>
+                                          </p:val>
+                                        </p:tav>
+                                      </p:tavLst>
+                                    </p:anim>
+                                    <p:anim calcmode="lin" valueType="num">
+                                      <p:cBhvr>
+                                        <p:cTn id="9" dur="500" fill="hold"/>
+                                        <p:tgtEl>
+                                          <p:spTgt spid="4"/>
+                                        </p:tgtEl>
+                                        <p:attrNameLst>
+                                          <p:attrName>ppt_y</p:attrName>
+                                        </p:attrNameLst>
+                                      </p:cBhvr>
+                                      <p:tavLst>
+                                        <p:tav tm="0">
+                                          <p:val>
+                                            <p:strVal val="#ppt_y+.1"/>
+                                          </p:val>
+                                        </p:tav>
+                                        <p:tav tm="100000">
+                                          <p:val>
+                                            <p:strVal val="#ppt_y"/>
+                                          </p:val>
+                                        </p:tav>
+                                      </p:tavLst>
+                                    </p:anim>
+                                  </p:childTnLst>
+                                </p:cTn>
+                              </p:par>
+                            </p:childTnLst>
+                          </p:cTn>
+                        </p:par>
+                      </p:childTnLst>
+                    </p:cTn>
+                  </p:par>
+                </p:childTnLst>
+              </p:cTn>
+              <p:prevCondLst>
+                <p:cond evt="onPrev" delay="0">
+                  <p:tgtEl>
+                    <p:sldTgt/>
+                  </p:tgtEl>
+                </p:cond>
+              </p:prevCondLst>
+              <p:nextCondLst>
+                <p:cond evt="onNext" delay="0">
+                  <p:tgtEl>
+                    <p:sldTgt/>
+                  </p:tgtEl>
+                </p:cond>
+              </p:nextCondLst>
+            </p:seq>
+          </p:childTnLst>
+        </p:cTn>
+      </p:par>
+    </p:tnLst>
+  </p:timing>
+</p:sld>
+</file>
+
+<file path=ppt/slides/slide21.xml><?xml version="1.0" encoding="utf-8"?>
+<p:sld xmlns:a="http://schemas.openxmlformats.org/drawingml/2006/main" xmlns:r="http://schemas.openxmlformats.org/officeDocument/2006/relationships" xmlns:p="http://schemas.openxmlformats.org/presentationml/2006/main">
+  <p:cSld>
+    <p:spTree>
+      <p:nvGrpSpPr>
+        <p:cNvPr id="1" name=""/>
+        <p:cNvGrpSpPr/>
+        <p:nvPr/>
+      </p:nvGrpSpPr>
+      <p:grpSpPr>
+        <a:xfrm>
+          <a:off x="0" y="0"/>
+          <a:ext cx="0" cy="0"/>
+          <a:chOff x="0" y="0"/>
+          <a:chExt cx="0" cy="0"/>
+        </a:xfrm>
+      </p:grpSpPr>
+      <p:sp>
+        <p:nvSpPr>
+          <p:cNvPr id="18" name="矩形 17"/>
+          <p:cNvSpPr/>
+          <p:nvPr/>
+        </p:nvSpPr>
+        <p:spPr>
+          <a:xfrm>
             <a:off x="1997075" y="288853"/>
             <a:ext cx="7890238" cy="707886"/>
           </a:xfrm>
@@ -26599,7 +27477,7 @@
 </p:sld>
 </file>
 
-<file path=ppt/slides/slide21.xml><?xml version="1.0" encoding="utf-8"?>
+<file path=ppt/slides/slide22.xml><?xml version="1.0" encoding="utf-8"?>
 <p:sld xmlns:a="http://schemas.openxmlformats.org/drawingml/2006/main" xmlns:r="http://schemas.openxmlformats.org/officeDocument/2006/relationships" xmlns:p="http://schemas.openxmlformats.org/presentationml/2006/main">
   <p:cSld>
     <p:spTree>
@@ -26920,7 +27798,7 @@
 </p:sld>
 </file>
 
-<file path=ppt/slides/slide22.xml><?xml version="1.0" encoding="utf-8"?>
+<file path=ppt/slides/slide23.xml><?xml version="1.0" encoding="utf-8"?>
 <p:sld xmlns:a="http://schemas.openxmlformats.org/drawingml/2006/main" xmlns:r="http://schemas.openxmlformats.org/officeDocument/2006/relationships" xmlns:p="http://schemas.openxmlformats.org/presentationml/2006/main">
   <p:cSld>
     <p:spTree>
@@ -28235,7 +29113,7 @@
 </p:sld>
 </file>
 
-<file path=ppt/slides/slide23.xml><?xml version="1.0" encoding="utf-8"?>
+<file path=ppt/slides/slide24.xml><?xml version="1.0" encoding="utf-8"?>
 <p:sld xmlns:a="http://schemas.openxmlformats.org/drawingml/2006/main" xmlns:r="http://schemas.openxmlformats.org/officeDocument/2006/relationships" xmlns:p="http://schemas.openxmlformats.org/presentationml/2006/main">
   <p:cSld>
     <p:spTree>
@@ -33432,8 +34310,8 @@
         </p:blipFill>
         <p:spPr>
           <a:xfrm>
-            <a:off x="977394" y="1788335"/>
-            <a:ext cx="4213111" cy="2316047"/>
+            <a:off x="1388225" y="1878890"/>
+            <a:ext cx="3760716" cy="2316047"/>
           </a:xfrm>
           <a:prstGeom prst="rect">
             <a:avLst/>
@@ -33448,7 +34326,7 @@
         </p:nvSpPr>
         <p:spPr>
           <a:xfrm>
-            <a:off x="971203" y="1388225"/>
+            <a:off x="1270461" y="1478780"/>
             <a:ext cx="2177199" cy="400110"/>
           </a:xfrm>
           <a:prstGeom prst="rect">
@@ -33981,7 +34859,7 @@
         </p:nvSpPr>
         <p:spPr bwMode="auto">
           <a:xfrm>
-            <a:off x="1742469" y="2239873"/>
+            <a:off x="1817284" y="2115180"/>
             <a:ext cx="4429418" cy="400110"/>
           </a:xfrm>
           <a:prstGeom prst="rect">
@@ -34057,8 +34935,8 @@
         </p:blipFill>
         <p:spPr>
           <a:xfrm>
-            <a:off x="1742469" y="2836804"/>
-            <a:ext cx="3686175" cy="3124200"/>
+            <a:off x="1844054" y="2545120"/>
+            <a:ext cx="3686175" cy="2583833"/>
           </a:xfrm>
           <a:prstGeom prst="rect">
             <a:avLst/>
@@ -34081,7 +34959,7 @@
         </p:blipFill>
         <p:spPr>
           <a:xfrm>
-            <a:off x="7087394" y="3300759"/>
+            <a:off x="6964601" y="2640477"/>
             <a:ext cx="3686175" cy="1819275"/>
           </a:xfrm>
           <a:prstGeom prst="rect">
@@ -34097,7 +34975,7 @@
         </p:nvSpPr>
         <p:spPr>
           <a:xfrm>
-            <a:off x="5626252" y="4044141"/>
+            <a:off x="5701067" y="3271056"/>
             <a:ext cx="1263534" cy="375544"/>
           </a:xfrm>
           <a:prstGeom prst="rightArrow">
@@ -34143,7 +35021,7 @@
         </p:nvSpPr>
         <p:spPr>
           <a:xfrm>
-            <a:off x="5626252" y="3674809"/>
+            <a:off x="5701067" y="2926663"/>
             <a:ext cx="1579418" cy="369332"/>
           </a:xfrm>
           <a:prstGeom prst="rect">
@@ -34177,6 +35055,66 @@
           </a:p>
         </p:txBody>
       </p:sp>
+      <p:pic>
+        <p:nvPicPr>
+          <p:cNvPr id="4" name="图片 3"/>
+          <p:cNvPicPr>
+            <a:picLocks noChangeAspect="1"/>
+          </p:cNvPicPr>
+          <p:nvPr/>
+        </p:nvPicPr>
+        <p:blipFill>
+          <a:blip r:embed="rId5">
+            <a:extLst>
+              <a:ext uri="{28A0092B-C50C-407E-A947-70E740481C1C}">
+                <a14:useLocalDpi xmlns:a14="http://schemas.microsoft.com/office/drawing/2010/main" val="0"/>
+              </a:ext>
+            </a:extLst>
+          </a:blip>
+          <a:stretch>
+            <a:fillRect/>
+          </a:stretch>
+        </p:blipFill>
+        <p:spPr>
+          <a:xfrm>
+            <a:off x="1844054" y="4936956"/>
+            <a:ext cx="4540761" cy="1688289"/>
+          </a:xfrm>
+          <a:prstGeom prst="rect">
+            <a:avLst/>
+          </a:prstGeom>
+        </p:spPr>
+      </p:pic>
+      <p:pic>
+        <p:nvPicPr>
+          <p:cNvPr id="5" name="图片 4"/>
+          <p:cNvPicPr>
+            <a:picLocks noChangeAspect="1"/>
+          </p:cNvPicPr>
+          <p:nvPr/>
+        </p:nvPicPr>
+        <p:blipFill>
+          <a:blip r:embed="rId6">
+            <a:extLst>
+              <a:ext uri="{28A0092B-C50C-407E-A947-70E740481C1C}">
+                <a14:useLocalDpi xmlns:a14="http://schemas.microsoft.com/office/drawing/2010/main" val="0"/>
+              </a:ext>
+            </a:extLst>
+          </a:blip>
+          <a:stretch>
+            <a:fillRect/>
+          </a:stretch>
+        </p:blipFill>
+        <p:spPr>
+          <a:xfrm>
+            <a:off x="6964601" y="4608805"/>
+            <a:ext cx="4033137" cy="2016440"/>
+          </a:xfrm>
+          <a:prstGeom prst="rect">
+            <a:avLst/>
+          </a:prstGeom>
+        </p:spPr>
+      </p:pic>
     </p:spTree>
     <p:extLst>
       <p:ext uri="{BB962C8B-B14F-4D97-AF65-F5344CB8AC3E}">
@@ -34214,433 +35152,75 @@
           <a:chExt cx="0" cy="0"/>
         </a:xfrm>
       </p:grpSpPr>
-      <p:grpSp>
-        <p:nvGrpSpPr>
-          <p:cNvPr id="27652" name="组合 40"/>
-          <p:cNvGrpSpPr>
-            <a:grpSpLocks/>
-          </p:cNvGrpSpPr>
-          <p:nvPr/>
-        </p:nvGrpSpPr>
-        <p:grpSpPr bwMode="auto">
-          <a:xfrm>
-            <a:off x="0" y="270566"/>
-            <a:ext cx="11418887" cy="1321891"/>
-            <a:chOff x="200997" y="571880"/>
-            <a:chExt cx="11418853" cy="1321454"/>
-          </a:xfrm>
-        </p:grpSpPr>
-        <p:sp>
-          <p:nvSpPr>
-            <p:cNvPr id="42" name="矩形 41"/>
-            <p:cNvSpPr/>
-            <p:nvPr/>
-          </p:nvSpPr>
-          <p:spPr>
-            <a:xfrm>
-              <a:off x="2553665" y="1341067"/>
-              <a:ext cx="9066185" cy="552267"/>
-            </a:xfrm>
-            <a:prstGeom prst="rect">
-              <a:avLst/>
-            </a:prstGeom>
-            <a:solidFill>
-              <a:schemeClr val="bg1">
-                <a:alpha val="40000"/>
-              </a:schemeClr>
-            </a:solidFill>
-            <a:ln>
-              <a:noFill/>
-            </a:ln>
-          </p:spPr>
-          <p:style>
-            <a:lnRef idx="2">
-              <a:schemeClr val="accent1">
-                <a:shade val="50000"/>
-              </a:schemeClr>
-            </a:lnRef>
-            <a:fillRef idx="1">
-              <a:schemeClr val="accent1"/>
-            </a:fillRef>
-            <a:effectRef idx="0">
-              <a:schemeClr val="accent1"/>
-            </a:effectRef>
-            <a:fontRef idx="minor">
-              <a:schemeClr val="lt1"/>
-            </a:fontRef>
-          </p:style>
-          <p:txBody>
-            <a:bodyPr anchor="ctr"/>
-            <a:lstStyle/>
-            <a:p>
-              <a:pPr algn="ctr" fontAlgn="auto">
-                <a:spcBef>
-                  <a:spcPts val="0"/>
-                </a:spcBef>
-                <a:spcAft>
-                  <a:spcPts val="0"/>
-                </a:spcAft>
-                <a:defRPr/>
-              </a:pPr>
-              <a:endParaRPr lang="zh-CN" altLang="en-US"/>
-            </a:p>
-          </p:txBody>
-        </p:sp>
-        <p:sp>
-          <p:nvSpPr>
-            <p:cNvPr id="27654" name="文本框 42"/>
-            <p:cNvSpPr txBox="1">
-              <a:spLocks noChangeArrowheads="1"/>
-            </p:cNvSpPr>
-            <p:nvPr/>
-          </p:nvSpPr>
-          <p:spPr bwMode="auto">
-            <a:xfrm>
-              <a:off x="2860051" y="571880"/>
-              <a:ext cx="8690173" cy="769187"/>
-            </a:xfrm>
-            <a:prstGeom prst="rect">
-              <a:avLst/>
-            </a:prstGeom>
-            <a:noFill/>
-            <a:ln w="9525">
-              <a:noFill/>
-              <a:miter lim="800000"/>
-              <a:headEnd/>
-              <a:tailEnd/>
-            </a:ln>
-          </p:spPr>
-          <p:txBody>
-            <a:bodyPr wrap="none">
-              <a:spAutoFit/>
-            </a:bodyPr>
-            <a:lstStyle/>
-            <a:p>
-              <a:r>
-                <a:rPr lang="en-US" altLang="zh-CN" sz="4400" dirty="0" smtClean="0">
-                  <a:solidFill>
-                    <a:schemeClr val="bg1"/>
-                  </a:solidFill>
-                  <a:latin typeface="微软雅黑" pitchFamily="34" charset="-122"/>
-                  <a:ea typeface="微软雅黑" pitchFamily="34" charset="-122"/>
-                </a:rPr>
-                <a:t>4.1.5 </a:t>
-              </a:r>
-              <a:r>
-                <a:rPr lang="zh-CN" altLang="en-US" sz="4400" dirty="0" smtClean="0">
-                  <a:solidFill>
-                    <a:schemeClr val="bg1"/>
-                  </a:solidFill>
-                  <a:latin typeface="微软雅黑" pitchFamily="34" charset="-122"/>
-                  <a:ea typeface="微软雅黑" pitchFamily="34" charset="-122"/>
-                </a:rPr>
-                <a:t>启动其他</a:t>
-              </a:r>
-              <a:r>
-                <a:rPr lang="en-US" altLang="zh-CN" sz="4400" dirty="0" smtClean="0">
-                  <a:solidFill>
-                    <a:schemeClr val="bg1"/>
-                  </a:solidFill>
-                  <a:latin typeface="微软雅黑" pitchFamily="34" charset="-122"/>
-                  <a:ea typeface="微软雅黑" pitchFamily="34" charset="-122"/>
-                </a:rPr>
-                <a:t>Activity</a:t>
-              </a:r>
-              <a:r>
-                <a:rPr lang="zh-CN" altLang="en-US" sz="4400" dirty="0" smtClean="0">
-                  <a:solidFill>
-                    <a:schemeClr val="bg1"/>
-                  </a:solidFill>
-                  <a:latin typeface="微软雅黑" pitchFamily="34" charset="-122"/>
-                  <a:ea typeface="微软雅黑" pitchFamily="34" charset="-122"/>
-                </a:rPr>
-                <a:t>并返回结果</a:t>
-              </a:r>
-              <a:endParaRPr lang="zh-CN" altLang="en-US" sz="4400" dirty="0">
+      <p:sp>
+        <p:nvSpPr>
+          <p:cNvPr id="2" name="标题 1"/>
+          <p:cNvSpPr>
+            <a:spLocks noGrp="1"/>
+          </p:cNvSpPr>
+          <p:nvPr>
+            <p:ph type="title"/>
+          </p:nvPr>
+        </p:nvSpPr>
+        <p:spPr/>
+        <p:txBody>
+          <a:bodyPr/>
+          <a:lstStyle/>
+          <a:p>
+            <a:r>
+              <a:rPr lang="en-US" altLang="zh-CN" dirty="0">
                 <a:solidFill>
                   <a:schemeClr val="bg1"/>
                 </a:solidFill>
                 <a:latin typeface="微软雅黑" pitchFamily="34" charset="-122"/>
                 <a:ea typeface="微软雅黑" pitchFamily="34" charset="-122"/>
-              </a:endParaRPr>
-            </a:p>
-          </p:txBody>
-        </p:sp>
-        <p:cxnSp>
-          <p:nvCxnSpPr>
-            <p:cNvPr id="44" name="直接连接符 43"/>
-            <p:cNvCxnSpPr/>
-            <p:nvPr/>
-          </p:nvCxnSpPr>
-          <p:spPr>
-            <a:xfrm>
-              <a:off x="200997" y="1344241"/>
-              <a:ext cx="2479668" cy="0"/>
-            </a:xfrm>
-            <a:prstGeom prst="line">
-              <a:avLst/>
-            </a:prstGeom>
-            <a:ln>
-              <a:solidFill>
-                <a:schemeClr val="bg1"/>
-              </a:solidFill>
-            </a:ln>
-          </p:spPr>
-          <p:style>
-            <a:lnRef idx="1">
-              <a:schemeClr val="accent1"/>
-            </a:lnRef>
-            <a:fillRef idx="0">
-              <a:schemeClr val="accent1"/>
-            </a:fillRef>
-            <a:effectRef idx="0">
-              <a:schemeClr val="accent1"/>
-            </a:effectRef>
-            <a:fontRef idx="minor">
-              <a:schemeClr val="tx1"/>
-            </a:fontRef>
-          </p:style>
-        </p:cxnSp>
-        <p:sp>
-          <p:nvSpPr>
-            <p:cNvPr id="45" name="矩形 44"/>
-            <p:cNvSpPr/>
-            <p:nvPr/>
-          </p:nvSpPr>
-          <p:spPr>
-            <a:xfrm>
-              <a:off x="2553665" y="669775"/>
-              <a:ext cx="306386" cy="1223559"/>
-            </a:xfrm>
-            <a:prstGeom prst="rect">
-              <a:avLst/>
-            </a:prstGeom>
-            <a:solidFill>
-              <a:srgbClr val="FE5A3E"/>
-            </a:solidFill>
-            <a:ln>
-              <a:noFill/>
-            </a:ln>
-          </p:spPr>
-          <p:style>
-            <a:lnRef idx="2">
-              <a:schemeClr val="accent1">
-                <a:shade val="50000"/>
-              </a:schemeClr>
-            </a:lnRef>
-            <a:fillRef idx="1">
-              <a:schemeClr val="accent1"/>
-            </a:fillRef>
-            <a:effectRef idx="0">
-              <a:schemeClr val="accent1"/>
-            </a:effectRef>
-            <a:fontRef idx="minor">
-              <a:schemeClr val="lt1"/>
-            </a:fontRef>
-          </p:style>
-          <p:txBody>
-            <a:bodyPr anchor="ctr"/>
-            <a:lstStyle/>
-            <a:p>
-              <a:pPr algn="ctr" fontAlgn="auto">
-                <a:spcBef>
-                  <a:spcPts val="0"/>
-                </a:spcBef>
-                <a:spcAft>
-                  <a:spcPts val="0"/>
-                </a:spcAft>
-                <a:defRPr/>
-              </a:pPr>
-              <a:endParaRPr lang="zh-CN" altLang="en-US"/>
-            </a:p>
-          </p:txBody>
-        </p:sp>
-        <p:sp>
-          <p:nvSpPr>
-            <p:cNvPr id="46" name="文本框 45"/>
-            <p:cNvSpPr txBox="1"/>
-            <p:nvPr/>
-          </p:nvSpPr>
-          <p:spPr>
-            <a:xfrm>
-              <a:off x="2971176" y="1412480"/>
-              <a:ext cx="7452659" cy="399978"/>
-            </a:xfrm>
-            <a:prstGeom prst="rect">
-              <a:avLst/>
-            </a:prstGeom>
-            <a:noFill/>
-          </p:spPr>
-          <p:txBody>
-            <a:bodyPr wrap="none">
-              <a:spAutoFit/>
-            </a:bodyPr>
-            <a:lstStyle/>
-            <a:p>
-              <a:pPr fontAlgn="auto">
-                <a:spcBef>
-                  <a:spcPts val="0"/>
-                </a:spcBef>
-                <a:spcAft>
-                  <a:spcPts val="0"/>
-                </a:spcAft>
-                <a:defRPr/>
-              </a:pPr>
-              <a:r>
-                <a:rPr lang="en-US" altLang="zh-CN" sz="2000" dirty="0" smtClean="0">
-                  <a:solidFill>
-                    <a:schemeClr val="bg1">
-                      <a:lumMod val="50000"/>
-                    </a:schemeClr>
-                  </a:solidFill>
-                  <a:latin typeface="微软雅黑" panose="020B0503020204020204" pitchFamily="34" charset="-122"/>
-                  <a:ea typeface="微软雅黑" panose="020B0503020204020204" pitchFamily="34" charset="-122"/>
-                </a:rPr>
-                <a:t>Bundle</a:t>
-              </a:r>
-              <a:r>
-                <a:rPr lang="zh-CN" altLang="en-US" sz="2000" dirty="0" smtClean="0">
-                  <a:solidFill>
-                    <a:schemeClr val="bg1">
-                      <a:lumMod val="50000"/>
-                    </a:schemeClr>
-                  </a:solidFill>
-                  <a:latin typeface="微软雅黑" panose="020B0503020204020204" pitchFamily="34" charset="-122"/>
-                  <a:ea typeface="微软雅黑" panose="020B0503020204020204" pitchFamily="34" charset="-122"/>
-                </a:rPr>
-                <a:t>是一个简单的数据携带包，包含了多个方法来存储数据。</a:t>
-              </a:r>
-              <a:endParaRPr lang="zh-CN" altLang="en-US" sz="2000" dirty="0">
-                <a:solidFill>
-                  <a:schemeClr val="bg1">
-                    <a:lumMod val="50000"/>
-                  </a:schemeClr>
-                </a:solidFill>
-                <a:latin typeface="微软雅黑" panose="020B0503020204020204" pitchFamily="34" charset="-122"/>
-                <a:ea typeface="微软雅黑" panose="020B0503020204020204" pitchFamily="34" charset="-122"/>
-              </a:endParaRPr>
-            </a:p>
-          </p:txBody>
-        </p:sp>
-      </p:grpSp>
-      <p:sp>
-        <p:nvSpPr>
-          <p:cNvPr id="15" name="文本框 56"/>
-          <p:cNvSpPr txBox="1">
-            <a:spLocks noChangeArrowheads="1"/>
-          </p:cNvSpPr>
-          <p:nvPr/>
-        </p:nvSpPr>
-        <p:spPr bwMode="auto">
-          <a:xfrm>
-            <a:off x="425203" y="2026259"/>
-            <a:ext cx="4685898" cy="400110"/>
-          </a:xfrm>
-          <a:prstGeom prst="rect">
-            <a:avLst/>
-          </a:prstGeom>
-          <a:noFill/>
-          <a:ln w="9525">
-            <a:noFill/>
-            <a:miter lim="800000"/>
-            <a:headEnd/>
-            <a:tailEnd/>
-          </a:ln>
-        </p:spPr>
-        <p:txBody>
-          <a:bodyPr wrap="none">
-            <a:spAutoFit/>
-          </a:bodyPr>
-          <a:lstStyle/>
-          <a:p>
-            <a:r>
-              <a:rPr lang="zh-CN" altLang="en-US" sz="2000" dirty="0" smtClean="0">
-                <a:solidFill>
-                  <a:srgbClr val="FE5A3E"/>
+              </a:rPr>
+              <a:t>4.1.4 </a:t>
+            </a:r>
+            <a:r>
+              <a:rPr lang="zh-CN" altLang="en-US" dirty="0">
+                <a:solidFill>
+                  <a:schemeClr val="bg1"/>
                 </a:solidFill>
                 <a:latin typeface="微软雅黑" pitchFamily="34" charset="-122"/>
                 <a:ea typeface="微软雅黑" pitchFamily="34" charset="-122"/>
               </a:rPr>
-              <a:t>案例：用第二个</a:t>
-            </a:r>
-            <a:r>
-              <a:rPr lang="en-US" altLang="zh-CN" sz="2000" dirty="0" smtClean="0">
-                <a:solidFill>
-                  <a:srgbClr val="FE5A3E"/>
+              <a:t>使用</a:t>
+            </a:r>
+            <a:r>
+              <a:rPr lang="en-US" altLang="zh-CN" dirty="0">
+                <a:solidFill>
+                  <a:schemeClr val="bg1"/>
                 </a:solidFill>
                 <a:latin typeface="微软雅黑" pitchFamily="34" charset="-122"/>
                 <a:ea typeface="微软雅黑" pitchFamily="34" charset="-122"/>
               </a:rPr>
-              <a:t>Activity</a:t>
-            </a:r>
-            <a:r>
-              <a:rPr lang="zh-CN" altLang="en-US" sz="2000" dirty="0" smtClean="0">
-                <a:solidFill>
-                  <a:srgbClr val="FE5A3E"/>
+              <a:t>Bundle</a:t>
+            </a:r>
+            <a:r>
+              <a:rPr lang="zh-CN" altLang="en-US" dirty="0">
+                <a:solidFill>
+                  <a:schemeClr val="bg1"/>
                 </a:solidFill>
                 <a:latin typeface="微软雅黑" pitchFamily="34" charset="-122"/>
                 <a:ea typeface="微软雅黑" pitchFamily="34" charset="-122"/>
               </a:rPr>
-              <a:t>让用户选择信息</a:t>
-            </a:r>
-            <a:endParaRPr lang="zh-CN" altLang="en-US" sz="2000" dirty="0">
-              <a:solidFill>
-                <a:srgbClr val="FE5A3E"/>
-              </a:solidFill>
-              <a:latin typeface="微软雅黑" pitchFamily="34" charset="-122"/>
-              <a:ea typeface="微软雅黑" pitchFamily="34" charset="-122"/>
-            </a:endParaRPr>
+              <a:t>交换</a:t>
+            </a:r>
+            <a:r>
+              <a:rPr lang="zh-CN" altLang="en-US" dirty="0" smtClean="0">
+                <a:solidFill>
+                  <a:schemeClr val="bg1"/>
+                </a:solidFill>
+                <a:latin typeface="微软雅黑" pitchFamily="34" charset="-122"/>
+                <a:ea typeface="微软雅黑" pitchFamily="34" charset="-122"/>
+              </a:rPr>
+              <a:t>数据</a:t>
+            </a:r>
+            <a:endParaRPr lang="zh-CN" altLang="en-US" dirty="0"/>
           </a:p>
         </p:txBody>
       </p:sp>
-      <p:pic>
-        <p:nvPicPr>
-          <p:cNvPr id="2" name="图片 1"/>
-          <p:cNvPicPr>
-            <a:picLocks noChangeAspect="1"/>
-          </p:cNvPicPr>
-          <p:nvPr/>
-        </p:nvPicPr>
-        <p:blipFill>
-          <a:blip r:embed="rId3"/>
-          <a:stretch>
-            <a:fillRect/>
-          </a:stretch>
-        </p:blipFill>
-        <p:spPr>
-          <a:xfrm>
-            <a:off x="413339" y="2545433"/>
-            <a:ext cx="3714750" cy="2219325"/>
-          </a:xfrm>
-          <a:prstGeom prst="rect">
-            <a:avLst/>
-          </a:prstGeom>
-        </p:spPr>
-      </p:pic>
-      <p:pic>
-        <p:nvPicPr>
-          <p:cNvPr id="3" name="图片 2"/>
-          <p:cNvPicPr>
-            <a:picLocks noChangeAspect="1"/>
-          </p:cNvPicPr>
-          <p:nvPr/>
-        </p:nvPicPr>
-        <p:blipFill>
-          <a:blip r:embed="rId4"/>
-          <a:stretch>
-            <a:fillRect/>
-          </a:stretch>
-        </p:blipFill>
-        <p:spPr>
-          <a:xfrm>
-            <a:off x="4389963" y="2580123"/>
-            <a:ext cx="3686175" cy="4124325"/>
-          </a:xfrm>
-          <a:prstGeom prst="rect">
-            <a:avLst/>
-          </a:prstGeom>
-        </p:spPr>
-      </p:pic>
       <p:pic>
         <p:nvPicPr>
           <p:cNvPr id="4" name="图片 3"/>
@@ -34650,427 +35230,61 @@
           <p:nvPr/>
         </p:nvPicPr>
         <p:blipFill>
-          <a:blip r:embed="rId5"/>
+          <a:blip r:embed="rId2"/>
           <a:stretch>
             <a:fillRect/>
           </a:stretch>
         </p:blipFill>
         <p:spPr>
           <a:xfrm>
-            <a:off x="8338012" y="4060766"/>
-            <a:ext cx="3695700" cy="2295525"/>
+            <a:off x="1237213" y="2038580"/>
+            <a:ext cx="4038095" cy="3863455"/>
           </a:xfrm>
           <a:prstGeom prst="rect">
             <a:avLst/>
           </a:prstGeom>
         </p:spPr>
       </p:pic>
-      <p:sp>
-        <p:nvSpPr>
-          <p:cNvPr id="19" name="弧形 18"/>
-          <p:cNvSpPr/>
+      <p:pic>
+        <p:nvPicPr>
+          <p:cNvPr id="5" name="图片 4"/>
+          <p:cNvPicPr>
+            <a:picLocks noChangeAspect="1"/>
+          </p:cNvPicPr>
           <p:nvPr/>
-        </p:nvSpPr>
-        <p:spPr bwMode="auto">
-          <a:xfrm rot="8100000">
-            <a:off x="1611313" y="4224629"/>
-            <a:ext cx="808038" cy="831850"/>
-          </a:xfrm>
-          <a:prstGeom prst="arc">
-            <a:avLst/>
-          </a:prstGeom>
-          <a:ln>
-            <a:solidFill>
-              <a:schemeClr val="bg1"/>
-            </a:solidFill>
-          </a:ln>
-        </p:spPr>
-        <p:style>
-          <a:lnRef idx="1">
-            <a:schemeClr val="accent1"/>
-          </a:lnRef>
-          <a:fillRef idx="0">
-            <a:schemeClr val="accent1"/>
-          </a:fillRef>
-          <a:effectRef idx="0">
-            <a:schemeClr val="accent1"/>
-          </a:effectRef>
-          <a:fontRef idx="minor">
-            <a:schemeClr val="tx1"/>
-          </a:fontRef>
-        </p:style>
-        <p:txBody>
-          <a:bodyPr anchor="ctr"/>
-          <a:lstStyle/>
-          <a:p>
-            <a:pPr algn="ctr" fontAlgn="auto">
-              <a:spcBef>
-                <a:spcPts val="0"/>
-              </a:spcBef>
-              <a:spcAft>
-                <a:spcPts val="0"/>
-              </a:spcAft>
-              <a:defRPr/>
-            </a:pPr>
-            <a:endParaRPr lang="zh-CN" altLang="en-US"/>
-          </a:p>
-        </p:txBody>
-      </p:sp>
-      <p:cxnSp>
-        <p:nvCxnSpPr>
-          <p:cNvPr id="20" name="直接连接符 19"/>
-          <p:cNvCxnSpPr/>
-          <p:nvPr/>
-        </p:nvCxnSpPr>
-        <p:spPr bwMode="auto">
-          <a:xfrm>
-            <a:off x="2020888" y="5050129"/>
-            <a:ext cx="0" cy="1031875"/>
-          </a:xfrm>
-          <a:prstGeom prst="line">
-            <a:avLst/>
-          </a:prstGeom>
-          <a:ln>
-            <a:solidFill>
-              <a:schemeClr val="bg1"/>
-            </a:solidFill>
-            <a:prstDash val="sysDash"/>
-          </a:ln>
-        </p:spPr>
-        <p:style>
-          <a:lnRef idx="1">
-            <a:schemeClr val="accent1"/>
-          </a:lnRef>
-          <a:fillRef idx="0">
-            <a:schemeClr val="accent1"/>
-          </a:fillRef>
-          <a:effectRef idx="0">
-            <a:schemeClr val="accent1"/>
-          </a:effectRef>
-          <a:fontRef idx="minor">
-            <a:schemeClr val="tx1"/>
-          </a:fontRef>
-        </p:style>
-      </p:cxnSp>
-      <p:cxnSp>
-        <p:nvCxnSpPr>
-          <p:cNvPr id="21" name="直接连接符 20"/>
-          <p:cNvCxnSpPr/>
-          <p:nvPr/>
-        </p:nvCxnSpPr>
-        <p:spPr bwMode="auto">
-          <a:xfrm>
-            <a:off x="2020888" y="6082004"/>
-            <a:ext cx="2369075" cy="0"/>
-          </a:xfrm>
-          <a:prstGeom prst="line">
-            <a:avLst/>
-          </a:prstGeom>
-          <a:ln>
-            <a:solidFill>
-              <a:schemeClr val="bg1"/>
-            </a:solidFill>
-            <a:prstDash val="sysDash"/>
-          </a:ln>
-        </p:spPr>
-        <p:style>
-          <a:lnRef idx="1">
-            <a:schemeClr val="accent1"/>
-          </a:lnRef>
-          <a:fillRef idx="0">
-            <a:schemeClr val="accent1"/>
-          </a:fillRef>
-          <a:effectRef idx="0">
-            <a:schemeClr val="accent1"/>
-          </a:effectRef>
-          <a:fontRef idx="minor">
-            <a:schemeClr val="tx1"/>
-          </a:fontRef>
-        </p:style>
-      </p:cxnSp>
-      <p:sp>
-        <p:nvSpPr>
-          <p:cNvPr id="23" name="文本框 22"/>
-          <p:cNvSpPr txBox="1"/>
-          <p:nvPr/>
-        </p:nvSpPr>
+        </p:nvPicPr>
+        <p:blipFill>
+          <a:blip r:embed="rId3">
+            <a:extLst>
+              <a:ext uri="{28A0092B-C50C-407E-A947-70E740481C1C}">
+                <a14:useLocalDpi xmlns:a14="http://schemas.microsoft.com/office/drawing/2010/main" val="0"/>
+              </a:ext>
+            </a:extLst>
+          </a:blip>
+          <a:stretch>
+            <a:fillRect/>
+          </a:stretch>
+        </p:blipFill>
         <p:spPr>
           <a:xfrm>
-            <a:off x="2016938" y="5423729"/>
-            <a:ext cx="1959538" cy="646331"/>
+            <a:off x="5992613" y="2038580"/>
+            <a:ext cx="4273607" cy="3863455"/>
           </a:xfrm>
           <a:prstGeom prst="rect">
             <a:avLst/>
           </a:prstGeom>
-          <a:noFill/>
         </p:spPr>
-        <p:txBody>
-          <a:bodyPr wrap="square" rtlCol="0">
-            <a:spAutoFit/>
-          </a:bodyPr>
-          <a:lstStyle/>
-          <a:p>
-            <a:r>
-              <a:rPr lang="zh-CN" altLang="en-US" dirty="0">
-                <a:solidFill>
-                  <a:srgbClr val="FE5A3E"/>
-                </a:solidFill>
-                <a:latin typeface="微软雅黑" pitchFamily="34" charset="-122"/>
-                <a:ea typeface="微软雅黑" pitchFamily="34" charset="-122"/>
-              </a:rPr>
-              <a:t>进入第二个</a:t>
-            </a:r>
-            <a:r>
-              <a:rPr lang="en-US" altLang="zh-CN" dirty="0">
-                <a:solidFill>
-                  <a:srgbClr val="FE5A3E"/>
-                </a:solidFill>
-                <a:latin typeface="微软雅黑" pitchFamily="34" charset="-122"/>
-                <a:ea typeface="微软雅黑" pitchFamily="34" charset="-122"/>
-              </a:rPr>
-              <a:t>Activity</a:t>
-            </a:r>
-            <a:r>
-              <a:rPr lang="zh-CN" altLang="en-US" dirty="0">
-                <a:solidFill>
-                  <a:srgbClr val="FE5A3E"/>
-                </a:solidFill>
-                <a:latin typeface="微软雅黑" pitchFamily="34" charset="-122"/>
-                <a:ea typeface="微软雅黑" pitchFamily="34" charset="-122"/>
-              </a:rPr>
-              <a:t>选择信息</a:t>
-            </a:r>
-          </a:p>
-        </p:txBody>
-      </p:sp>
-      <p:sp>
-        <p:nvSpPr>
-          <p:cNvPr id="24" name="弧形 23"/>
-          <p:cNvSpPr/>
-          <p:nvPr/>
-        </p:nvSpPr>
-        <p:spPr bwMode="auto">
-          <a:xfrm rot="2619305">
-            <a:off x="7628126" y="2630480"/>
-            <a:ext cx="809625" cy="809625"/>
-          </a:xfrm>
-          <a:prstGeom prst="arc">
-            <a:avLst/>
-          </a:prstGeom>
-          <a:ln>
-            <a:solidFill>
-              <a:schemeClr val="bg1"/>
-            </a:solidFill>
-          </a:ln>
-        </p:spPr>
-        <p:style>
-          <a:lnRef idx="1">
-            <a:schemeClr val="accent1"/>
-          </a:lnRef>
-          <a:fillRef idx="0">
-            <a:schemeClr val="accent1"/>
-          </a:fillRef>
-          <a:effectRef idx="0">
-            <a:schemeClr val="accent1"/>
-          </a:effectRef>
-          <a:fontRef idx="minor">
-            <a:schemeClr val="tx1"/>
-          </a:fontRef>
-        </p:style>
-        <p:txBody>
-          <a:bodyPr anchor="ctr"/>
-          <a:lstStyle/>
-          <a:p>
-            <a:pPr algn="ctr" fontAlgn="auto">
-              <a:spcBef>
-                <a:spcPts val="0"/>
-              </a:spcBef>
-              <a:spcAft>
-                <a:spcPts val="0"/>
-              </a:spcAft>
-              <a:defRPr/>
-            </a:pPr>
-            <a:endParaRPr lang="zh-CN" altLang="en-US"/>
-          </a:p>
-        </p:txBody>
-      </p:sp>
-      <p:cxnSp>
-        <p:nvCxnSpPr>
-          <p:cNvPr id="25" name="直接连接符 24"/>
-          <p:cNvCxnSpPr/>
-          <p:nvPr/>
-        </p:nvCxnSpPr>
-        <p:spPr bwMode="auto">
-          <a:xfrm>
-            <a:off x="12966809" y="2821524"/>
-            <a:ext cx="0" cy="238125"/>
-          </a:xfrm>
-          <a:prstGeom prst="line">
-            <a:avLst/>
-          </a:prstGeom>
-          <a:ln>
-            <a:solidFill>
-              <a:schemeClr val="bg1"/>
-            </a:solidFill>
-            <a:prstDash val="sysDash"/>
-          </a:ln>
-        </p:spPr>
-        <p:style>
-          <a:lnRef idx="1">
-            <a:schemeClr val="accent1"/>
-          </a:lnRef>
-          <a:fillRef idx="0">
-            <a:schemeClr val="accent1"/>
-          </a:fillRef>
-          <a:effectRef idx="0">
-            <a:schemeClr val="accent1"/>
-          </a:effectRef>
-          <a:fontRef idx="minor">
-            <a:schemeClr val="tx1"/>
-          </a:fontRef>
-        </p:style>
-      </p:cxnSp>
-      <p:cxnSp>
-        <p:nvCxnSpPr>
-          <p:cNvPr id="26" name="直接连接符 25"/>
-          <p:cNvCxnSpPr/>
-          <p:nvPr/>
-        </p:nvCxnSpPr>
-        <p:spPr bwMode="auto">
-          <a:xfrm>
-            <a:off x="8489625" y="3035292"/>
-            <a:ext cx="1658340" cy="0"/>
-          </a:xfrm>
-          <a:prstGeom prst="line">
-            <a:avLst/>
-          </a:prstGeom>
-          <a:ln>
-            <a:solidFill>
-              <a:schemeClr val="bg1"/>
-            </a:solidFill>
-            <a:prstDash val="sysDash"/>
-          </a:ln>
-        </p:spPr>
-        <p:style>
-          <a:lnRef idx="1">
-            <a:schemeClr val="accent1"/>
-          </a:lnRef>
-          <a:fillRef idx="0">
-            <a:schemeClr val="accent1"/>
-          </a:fillRef>
-          <a:effectRef idx="0">
-            <a:schemeClr val="accent1"/>
-          </a:effectRef>
-          <a:fontRef idx="minor">
-            <a:schemeClr val="tx1"/>
-          </a:fontRef>
-        </p:style>
-      </p:cxnSp>
-      <p:cxnSp>
-        <p:nvCxnSpPr>
-          <p:cNvPr id="31" name="直接连接符 30"/>
-          <p:cNvCxnSpPr/>
-          <p:nvPr/>
-        </p:nvCxnSpPr>
-        <p:spPr bwMode="auto">
-          <a:xfrm>
-            <a:off x="10147965" y="3007086"/>
-            <a:ext cx="0" cy="1031875"/>
-          </a:xfrm>
-          <a:prstGeom prst="line">
-            <a:avLst/>
-          </a:prstGeom>
-          <a:ln>
-            <a:solidFill>
-              <a:schemeClr val="bg1"/>
-            </a:solidFill>
-            <a:prstDash val="sysDash"/>
-          </a:ln>
-        </p:spPr>
-        <p:style>
-          <a:lnRef idx="1">
-            <a:schemeClr val="accent1"/>
-          </a:lnRef>
-          <a:fillRef idx="0">
-            <a:schemeClr val="accent1"/>
-          </a:fillRef>
-          <a:effectRef idx="0">
-            <a:schemeClr val="accent1"/>
-          </a:effectRef>
-          <a:fontRef idx="minor">
-            <a:schemeClr val="tx1"/>
-          </a:fontRef>
-        </p:style>
-      </p:cxnSp>
-      <p:sp>
-        <p:nvSpPr>
-          <p:cNvPr id="34" name="文本框 33"/>
-          <p:cNvSpPr txBox="1"/>
-          <p:nvPr/>
-        </p:nvSpPr>
-        <p:spPr>
-          <a:xfrm>
-            <a:off x="8618081" y="2351964"/>
-            <a:ext cx="1959538" cy="646331"/>
-          </a:xfrm>
-          <a:prstGeom prst="rect">
-            <a:avLst/>
-          </a:prstGeom>
-          <a:noFill/>
-        </p:spPr>
-        <p:txBody>
-          <a:bodyPr wrap="square" rtlCol="0">
-            <a:spAutoFit/>
-          </a:bodyPr>
-          <a:lstStyle/>
-          <a:p>
-            <a:r>
-              <a:rPr lang="zh-CN" altLang="en-US" dirty="0" smtClean="0">
-                <a:solidFill>
-                  <a:srgbClr val="FE5A3E"/>
-                </a:solidFill>
-                <a:latin typeface="微软雅黑" pitchFamily="34" charset="-122"/>
-                <a:ea typeface="微软雅黑" pitchFamily="34" charset="-122"/>
-              </a:rPr>
-              <a:t>返回结果到第一个</a:t>
-            </a:r>
-            <a:r>
-              <a:rPr lang="en-US" altLang="zh-CN" dirty="0" smtClean="0">
-                <a:solidFill>
-                  <a:srgbClr val="FE5A3E"/>
-                </a:solidFill>
-                <a:latin typeface="微软雅黑" pitchFamily="34" charset="-122"/>
-                <a:ea typeface="微软雅黑" pitchFamily="34" charset="-122"/>
-              </a:rPr>
-              <a:t>Activity</a:t>
-            </a:r>
-            <a:endParaRPr lang="zh-CN" altLang="en-US" dirty="0">
-              <a:solidFill>
-                <a:srgbClr val="FE5A3E"/>
-              </a:solidFill>
-              <a:latin typeface="微软雅黑" pitchFamily="34" charset="-122"/>
-              <a:ea typeface="微软雅黑" pitchFamily="34" charset="-122"/>
-            </a:endParaRPr>
-          </a:p>
-        </p:txBody>
-      </p:sp>
+      </p:pic>
     </p:spTree>
     <p:extLst>
       <p:ext uri="{BB962C8B-B14F-4D97-AF65-F5344CB8AC3E}">
-        <p14:creationId xmlns:p14="http://schemas.microsoft.com/office/powerpoint/2010/main" val="4030537488"/>
+        <p14:creationId xmlns:p14="http://schemas.microsoft.com/office/powerpoint/2010/main" val="2555512152"/>
       </p:ext>
     </p:extLst>
   </p:cSld>
   <p:clrMapOvr>
     <a:masterClrMapping/>
   </p:clrMapOvr>
-  <p:timing>
-    <p:tnLst>
-      <p:par>
-        <p:cTn id="1" dur="indefinite" restart="never" nodeType="tmRoot"/>
-      </p:par>
-    </p:tnLst>
-  </p:timing>
 </p:sld>
 </file>
 

--- a/ppt/ch4.pptx
+++ b/ppt/ch4.pptx
@@ -5,7 +5,7 @@
     <p:sldMasterId id="2147483648" r:id="rId1"/>
   </p:sldMasterIdLst>
   <p:notesMasterIdLst>
-    <p:notesMasterId r:id="rId26"/>
+    <p:notesMasterId r:id="rId27"/>
   </p:notesMasterIdLst>
   <p:sldIdLst>
     <p:sldId id="294" r:id="rId2"/>
@@ -32,6 +32,7 @@
     <p:sldId id="312" r:id="rId23"/>
     <p:sldId id="313" r:id="rId24"/>
     <p:sldId id="314" r:id="rId25"/>
+    <p:sldId id="317" r:id="rId26"/>
   </p:sldIdLst>
   <p:sldSz cx="12192000" cy="6858000"/>
   <p:notesSz cx="6858000" cy="9144000"/>
@@ -261,7 +262,7 @@
           <a:p>
             <a:fld id="{963DAE88-A3A9-4240-AF18-F08CEA3295EA}" type="datetimeFigureOut">
               <a:rPr lang="zh-CN" altLang="en-US" smtClean="0"/>
-              <a:t>2018/10/17</a:t>
+              <a:t>2018/10/22</a:t>
             </a:fld>
             <a:endParaRPr lang="zh-CN" altLang="en-US"/>
           </a:p>
@@ -3140,7 +3141,7 @@
               <a:pPr>
                 <a:defRPr/>
               </a:pPr>
-              <a:t>2018/10/17</a:t>
+              <a:t>2018/10/22</a:t>
             </a:fld>
             <a:endParaRPr lang="zh-CN" altLang="en-US"/>
           </a:p>
@@ -3332,7 +3333,7 @@
               <a:pPr>
                 <a:defRPr/>
               </a:pPr>
-              <a:t>2018/10/17</a:t>
+              <a:t>2018/10/22</a:t>
             </a:fld>
             <a:endParaRPr lang="zh-CN" altLang="en-US"/>
           </a:p>
@@ -3534,7 +3535,7 @@
               <a:pPr>
                 <a:defRPr/>
               </a:pPr>
-              <a:t>2018/10/17</a:t>
+              <a:t>2018/10/22</a:t>
             </a:fld>
             <a:endParaRPr lang="zh-CN" altLang="en-US"/>
           </a:p>
@@ -3726,7 +3727,7 @@
               <a:pPr>
                 <a:defRPr/>
               </a:pPr>
-              <a:t>2018/10/17</a:t>
+              <a:t>2018/10/22</a:t>
             </a:fld>
             <a:endParaRPr lang="zh-CN" altLang="en-US"/>
           </a:p>
@@ -3994,7 +3995,7 @@
               <a:pPr>
                 <a:defRPr/>
               </a:pPr>
-              <a:t>2018/10/17</a:t>
+              <a:t>2018/10/22</a:t>
             </a:fld>
             <a:endParaRPr lang="zh-CN" altLang="en-US"/>
           </a:p>
@@ -4248,7 +4249,7 @@
               <a:pPr>
                 <a:defRPr/>
               </a:pPr>
-              <a:t>2018/10/17</a:t>
+              <a:t>2018/10/22</a:t>
             </a:fld>
             <a:endParaRPr lang="zh-CN" altLang="en-US"/>
           </a:p>
@@ -4637,7 +4638,7 @@
               <a:pPr>
                 <a:defRPr/>
               </a:pPr>
-              <a:t>2018/10/17</a:t>
+              <a:t>2018/10/22</a:t>
             </a:fld>
             <a:endParaRPr lang="zh-CN" altLang="en-US"/>
           </a:p>
@@ -4777,7 +4778,7 @@
               <a:pPr>
                 <a:defRPr/>
               </a:pPr>
-              <a:t>2018/10/17</a:t>
+              <a:t>2018/10/22</a:t>
             </a:fld>
             <a:endParaRPr lang="zh-CN" altLang="en-US"/>
           </a:p>
@@ -4894,7 +4895,7 @@
               <a:pPr>
                 <a:defRPr/>
               </a:pPr>
-              <a:t>2018/10/17</a:t>
+              <a:t>2018/10/22</a:t>
             </a:fld>
             <a:endParaRPr lang="zh-CN" altLang="en-US"/>
           </a:p>
@@ -5193,7 +5194,7 @@
               <a:pPr>
                 <a:defRPr/>
               </a:pPr>
-              <a:t>2018/10/17</a:t>
+              <a:t>2018/10/22</a:t>
             </a:fld>
             <a:endParaRPr lang="zh-CN" altLang="en-US"/>
           </a:p>
@@ -5471,7 +5472,7 @@
               <a:pPr>
                 <a:defRPr/>
               </a:pPr>
-              <a:t>2018/10/17</a:t>
+              <a:t>2018/10/22</a:t>
             </a:fld>
             <a:endParaRPr lang="zh-CN" altLang="en-US"/>
           </a:p>
@@ -5734,7 +5735,7 @@
               <a:pPr>
                 <a:defRPr/>
               </a:pPr>
-              <a:t>2018/10/17</a:t>
+              <a:t>2018/10/22</a:t>
             </a:fld>
             <a:endParaRPr lang="zh-CN" altLang="en-US"/>
           </a:p>
@@ -7012,7 +7013,7 @@
           </a:ln>
           <a:extLst>
             <a:ext uri="{91240B29-F687-4f45-9708-019B960494DF}">
-              <a14:hiddenLine xmlns:a14="http://schemas.microsoft.com/office/drawing/2010/main" xmlns="" w="12700" cap="flat" cmpd="sng">
+              <a14:hiddenLine xmlns="" xmlns:a14="http://schemas.microsoft.com/office/drawing/2010/main" w="12700" cap="flat" cmpd="sng">
                 <a:solidFill>
                   <a:srgbClr val="42719B"/>
                 </a:solidFill>
@@ -18913,14 +18914,14 @@
           </a:ln>
           <a:extLst>
             <a:ext uri="{909E8E84-426E-40dd-AFC4-6F175D3DCCD1}">
-              <a14:hiddenFill xmlns:a14="http://schemas.microsoft.com/office/drawing/2010/main" xmlns="">
+              <a14:hiddenFill xmlns="" xmlns:a14="http://schemas.microsoft.com/office/drawing/2010/main">
                 <a:solidFill>
                   <a:srgbClr val="FFFFFF"/>
                 </a:solidFill>
               </a14:hiddenFill>
             </a:ext>
             <a:ext uri="{91240B29-F687-4f45-9708-019B960494DF}">
-              <a14:hiddenLine xmlns:a14="http://schemas.microsoft.com/office/drawing/2010/main" xmlns="" w="9525">
+              <a14:hiddenLine xmlns="" xmlns:a14="http://schemas.microsoft.com/office/drawing/2010/main" w="9525">
                 <a:solidFill>
                   <a:srgbClr val="000000"/>
                 </a:solidFill>
@@ -23208,14 +23209,14 @@
           </a:ln>
           <a:extLst>
             <a:ext uri="{909E8E84-426E-40dd-AFC4-6F175D3DCCD1}">
-              <a14:hiddenFill xmlns:a14="http://schemas.microsoft.com/office/drawing/2010/main" xmlns="">
+              <a14:hiddenFill xmlns="" xmlns:a14="http://schemas.microsoft.com/office/drawing/2010/main">
                 <a:solidFill>
                   <a:srgbClr val="FFFFFF"/>
                 </a:solidFill>
               </a14:hiddenFill>
             </a:ext>
             <a:ext uri="{91240B29-F687-4f45-9708-019B960494DF}">
-              <a14:hiddenLine xmlns:a14="http://schemas.microsoft.com/office/drawing/2010/main" xmlns="" w="9525">
+              <a14:hiddenLine xmlns="" xmlns:a14="http://schemas.microsoft.com/office/drawing/2010/main" w="9525">
                 <a:solidFill>
                   <a:srgbClr val="000000"/>
                 </a:solidFill>
@@ -23414,14 +23415,14 @@
           </a:ln>
           <a:extLst>
             <a:ext uri="{909E8E84-426E-40dd-AFC4-6F175D3DCCD1}">
-              <a14:hiddenFill xmlns:a14="http://schemas.microsoft.com/office/drawing/2010/main" xmlns="">
+              <a14:hiddenFill xmlns="" xmlns:a14="http://schemas.microsoft.com/office/drawing/2010/main">
                 <a:solidFill>
                   <a:srgbClr val="FFFFFF"/>
                 </a:solidFill>
               </a14:hiddenFill>
             </a:ext>
             <a:ext uri="{91240B29-F687-4f45-9708-019B960494DF}">
-              <a14:hiddenLine xmlns:a14="http://schemas.microsoft.com/office/drawing/2010/main" xmlns="" w="9525">
+              <a14:hiddenLine xmlns="" xmlns:a14="http://schemas.microsoft.com/office/drawing/2010/main" w="9525">
                 <a:solidFill>
                   <a:srgbClr val="000000"/>
                 </a:solidFill>
@@ -23671,14 +23672,14 @@
           </a:ln>
           <a:extLst>
             <a:ext uri="{909E8E84-426E-40dd-AFC4-6F175D3DCCD1}">
-              <a14:hiddenFill xmlns:a14="http://schemas.microsoft.com/office/drawing/2010/main" xmlns="">
+              <a14:hiddenFill xmlns="" xmlns:a14="http://schemas.microsoft.com/office/drawing/2010/main">
                 <a:solidFill>
                   <a:srgbClr val="FFFFFF"/>
                 </a:solidFill>
               </a14:hiddenFill>
             </a:ext>
             <a:ext uri="{91240B29-F687-4f45-9708-019B960494DF}">
-              <a14:hiddenLine xmlns:a14="http://schemas.microsoft.com/office/drawing/2010/main" xmlns="" w="9525">
+              <a14:hiddenLine xmlns="" xmlns:a14="http://schemas.microsoft.com/office/drawing/2010/main" w="9525">
                 <a:solidFill>
                   <a:srgbClr val="000000"/>
                 </a:solidFill>
@@ -23883,14 +23884,14 @@
           </a:ln>
           <a:extLst>
             <a:ext uri="{909E8E84-426E-40dd-AFC4-6F175D3DCCD1}">
-              <a14:hiddenFill xmlns:a14="http://schemas.microsoft.com/office/drawing/2010/main" xmlns="">
+              <a14:hiddenFill xmlns="" xmlns:a14="http://schemas.microsoft.com/office/drawing/2010/main">
                 <a:solidFill>
                   <a:srgbClr val="FFFFFF"/>
                 </a:solidFill>
               </a14:hiddenFill>
             </a:ext>
             <a:ext uri="{91240B29-F687-4f45-9708-019B960494DF}">
-              <a14:hiddenLine xmlns:a14="http://schemas.microsoft.com/office/drawing/2010/main" xmlns="" w="9525">
+              <a14:hiddenLine xmlns="" xmlns:a14="http://schemas.microsoft.com/office/drawing/2010/main" w="9525">
                 <a:solidFill>
                   <a:srgbClr val="000000"/>
                 </a:solidFill>
@@ -24098,14 +24099,14 @@
           </a:ln>
           <a:extLst>
             <a:ext uri="{909E8E84-426E-40dd-AFC4-6F175D3DCCD1}">
-              <a14:hiddenFill xmlns:a14="http://schemas.microsoft.com/office/drawing/2010/main" xmlns="">
+              <a14:hiddenFill xmlns="" xmlns:a14="http://schemas.microsoft.com/office/drawing/2010/main">
                 <a:solidFill>
                   <a:srgbClr val="FFFFFF"/>
                 </a:solidFill>
               </a14:hiddenFill>
             </a:ext>
             <a:ext uri="{91240B29-F687-4f45-9708-019B960494DF}">
-              <a14:hiddenLine xmlns:a14="http://schemas.microsoft.com/office/drawing/2010/main" xmlns="" w="9525">
+              <a14:hiddenLine xmlns="" xmlns:a14="http://schemas.microsoft.com/office/drawing/2010/main" w="9525">
                 <a:solidFill>
                   <a:srgbClr val="000000"/>
                 </a:solidFill>
@@ -24331,14 +24332,14 @@
           </a:ln>
           <a:extLst>
             <a:ext uri="{909E8E84-426E-40dd-AFC4-6F175D3DCCD1}">
-              <a14:hiddenFill xmlns:a14="http://schemas.microsoft.com/office/drawing/2010/main" xmlns="">
+              <a14:hiddenFill xmlns="" xmlns:a14="http://schemas.microsoft.com/office/drawing/2010/main">
                 <a:solidFill>
                   <a:srgbClr val="FFFFFF"/>
                 </a:solidFill>
               </a14:hiddenFill>
             </a:ext>
             <a:ext uri="{91240B29-F687-4f45-9708-019B960494DF}">
-              <a14:hiddenLine xmlns:a14="http://schemas.microsoft.com/office/drawing/2010/main" xmlns="" w="9525">
+              <a14:hiddenLine xmlns="" xmlns:a14="http://schemas.microsoft.com/office/drawing/2010/main" w="9525">
                 <a:solidFill>
                   <a:srgbClr val="000000"/>
                 </a:solidFill>
@@ -29966,6 +29967,133 @@
 </p:sld>
 </file>
 
+<file path=ppt/slides/slide25.xml><?xml version="1.0" encoding="utf-8"?>
+<p:sld xmlns:a="http://schemas.openxmlformats.org/drawingml/2006/main" xmlns:r="http://schemas.openxmlformats.org/officeDocument/2006/relationships" xmlns:p="http://schemas.openxmlformats.org/presentationml/2006/main">
+  <p:cSld>
+    <p:bg>
+      <p:bgPr>
+        <a:solidFill>
+          <a:schemeClr val="bg1"/>
+        </a:solidFill>
+        <a:effectLst/>
+      </p:bgPr>
+    </p:bg>
+    <p:spTree>
+      <p:nvGrpSpPr>
+        <p:cNvPr id="1" name=""/>
+        <p:cNvGrpSpPr/>
+        <p:nvPr/>
+      </p:nvGrpSpPr>
+      <p:grpSpPr>
+        <a:xfrm>
+          <a:off x="0" y="0"/>
+          <a:ext cx="0" cy="0"/>
+          <a:chOff x="0" y="0"/>
+          <a:chExt cx="0" cy="0"/>
+        </a:xfrm>
+      </p:grpSpPr>
+      <p:sp>
+        <p:nvSpPr>
+          <p:cNvPr id="2" name="标题 1"/>
+          <p:cNvSpPr>
+            <a:spLocks noGrp="1"/>
+          </p:cNvSpPr>
+          <p:nvPr>
+            <p:ph type="title"/>
+          </p:nvPr>
+        </p:nvSpPr>
+        <p:spPr/>
+        <p:txBody>
+          <a:bodyPr/>
+          <a:lstStyle/>
+          <a:p>
+            <a:r>
+              <a:rPr kumimoji="1" lang="en-US" altLang="zh-CN" dirty="0" smtClean="0"/>
+              <a:t>Home Work2 Android </a:t>
+            </a:r>
+            <a:r>
+              <a:rPr kumimoji="1" lang="zh-CN" altLang="en-US" dirty="0" smtClean="0"/>
+              <a:t>在现表单</a:t>
+            </a:r>
+            <a:endParaRPr kumimoji="1" lang="zh-CN" altLang="en-US" dirty="0"/>
+          </a:p>
+        </p:txBody>
+      </p:sp>
+      <p:sp>
+        <p:nvSpPr>
+          <p:cNvPr id="3" name="内容占位符 2"/>
+          <p:cNvSpPr>
+            <a:spLocks noGrp="1"/>
+          </p:cNvSpPr>
+          <p:nvPr>
+            <p:ph idx="1"/>
+          </p:nvPr>
+        </p:nvSpPr>
+        <p:spPr/>
+        <p:txBody>
+          <a:bodyPr/>
+          <a:lstStyle/>
+          <a:p>
+            <a:r>
+              <a:rPr kumimoji="1" lang="zh-CN" altLang="en-US" dirty="0" smtClean="0"/>
+              <a:t>参考</a:t>
+            </a:r>
+            <a:endParaRPr kumimoji="1" lang="en-US" altLang="zh-CN" dirty="0" smtClean="0"/>
+          </a:p>
+          <a:p>
+            <a:r>
+              <a:rPr kumimoji="1" lang="en-US" altLang="zh-CN" dirty="0"/>
+              <a:t>https://</a:t>
+            </a:r>
+            <a:r>
+              <a:rPr kumimoji="1" lang="en-US" altLang="zh-CN" dirty="0" err="1"/>
+              <a:t>www.ibm.com</a:t>
+            </a:r>
+            <a:r>
+              <a:rPr kumimoji="1" lang="en-US" altLang="zh-CN" dirty="0"/>
+              <a:t>/</a:t>
+            </a:r>
+            <a:r>
+              <a:rPr kumimoji="1" lang="en-US" altLang="zh-CN" dirty="0" err="1"/>
+              <a:t>developerworks</a:t>
+            </a:r>
+            <a:r>
+              <a:rPr kumimoji="1" lang="en-US" altLang="zh-CN" dirty="0"/>
+              <a:t>/</a:t>
+            </a:r>
+            <a:r>
+              <a:rPr kumimoji="1" lang="en-US" altLang="zh-CN" dirty="0" err="1"/>
+              <a:t>cn</a:t>
+            </a:r>
+            <a:r>
+              <a:rPr kumimoji="1" lang="en-US" altLang="zh-CN" dirty="0"/>
+              <a:t>/xml/tutorials/x-</a:t>
+            </a:r>
+            <a:r>
+              <a:rPr kumimoji="1" lang="en-US" altLang="zh-CN" dirty="0" err="1"/>
+              <a:t>andddyntut</a:t>
+            </a:r>
+            <a:r>
+              <a:rPr kumimoji="1" lang="en-US" altLang="zh-CN" dirty="0"/>
+              <a:t>/</a:t>
+            </a:r>
+            <a:endParaRPr kumimoji="1" lang="zh-CN" altLang="en-US" dirty="0"/>
+          </a:p>
+        </p:txBody>
+      </p:sp>
+    </p:spTree>
+    <p:extLst>
+      <p:ext uri="{BB962C8B-B14F-4D97-AF65-F5344CB8AC3E}">
+        <p14:creationId xmlns:p14="http://schemas.microsoft.com/office/powerpoint/2010/main" val="1254949056"/>
+      </p:ext>
+    </p:extLst>
+  </p:cSld>
+  <p:clrMapOvr>
+    <a:masterClrMapping/>
+  </p:clrMapOvr>
+</p:sld>
+</file>
+
 <file path=ppt/slides/slide3.xml><?xml version="1.0" encoding="utf-8"?>
 <p:sld xmlns:a="http://schemas.openxmlformats.org/drawingml/2006/main" xmlns:r="http://schemas.openxmlformats.org/officeDocument/2006/relationships" xmlns:p="http://schemas.openxmlformats.org/presentationml/2006/main">
   <p:cSld>

--- a/ppt/ch4.pptx
+++ b/ppt/ch4.pptx
@@ -30009,11 +30009,11 @@
           <a:p>
             <a:r>
               <a:rPr kumimoji="1" lang="en-US" altLang="zh-CN" dirty="0" smtClean="0"/>
-              <a:t>Home Work2 Android </a:t>
-            </a:r>
-            <a:r>
-              <a:rPr kumimoji="1" lang="zh-CN" altLang="en-US" dirty="0" smtClean="0"/>
-              <a:t>在现表单</a:t>
+              <a:t>Home Work2: Android </a:t>
+            </a:r>
+            <a:r>
+              <a:rPr kumimoji="1" lang="zh-CN" altLang="en-US" smtClean="0"/>
+              <a:t>在线表单</a:t>
             </a:r>
             <a:endParaRPr kumimoji="1" lang="zh-CN" altLang="en-US" dirty="0"/>
           </a:p>

--- a/ppt/ch4.pptx
+++ b/ppt/ch4.pptx
@@ -1,41 +1,41 @@
 
 <file path=ppt/presentation.xml><?xml version="1.0" encoding="utf-8"?>
-<p:presentation xmlns:a="http://schemas.openxmlformats.org/drawingml/2006/main" xmlns:r="http://schemas.openxmlformats.org/officeDocument/2006/relationships" xmlns:p="http://schemas.openxmlformats.org/presentationml/2006/main" xmlns:m="http://schemas.openxmlformats.org/officeDocument/2006/math" xmlns:a14="http://schemas.microsoft.com/office/drawing/2010/main">
+<p:presentation xmlns:a="http://schemas.openxmlformats.org/drawingml/2006/main" xmlns:r="http://schemas.openxmlformats.org/officeDocument/2006/relationships" xmlns:p="http://schemas.openxmlformats.org/presentationml/2006/main" saveSubsetFonts="1">
   <p:sldMasterIdLst>
-    <p:sldMasterId id="2147483648" r:id="rId5"/>
+    <p:sldMasterId id="2147483648" r:id="rId1"/>
   </p:sldMasterIdLst>
   <p:notesMasterIdLst>
-    <p:notesMasterId r:id="rId7"/>
+    <p:notesMasterId r:id="rId30"/>
   </p:notesMasterIdLst>
   <p:sldIdLst>
-    <p:sldId id="256" r:id="rId8"/>
-    <p:sldId id="257" r:id="rId9"/>
-    <p:sldId id="258" r:id="rId10"/>
-    <p:sldId id="259" r:id="rId11"/>
-    <p:sldId id="260" r:id="rId12"/>
-    <p:sldId id="261" r:id="rId13"/>
-    <p:sldId id="262" r:id="rId14"/>
-    <p:sldId id="263" r:id="rId15"/>
-    <p:sldId id="264" r:id="rId16"/>
-    <p:sldId id="265" r:id="rId17"/>
-    <p:sldId id="266" r:id="rId18"/>
-    <p:sldId id="267" r:id="rId19"/>
-    <p:sldId id="268" r:id="rId20"/>
-    <p:sldId id="269" r:id="rId21"/>
-    <p:sldId id="270" r:id="rId22"/>
-    <p:sldId id="271" r:id="rId23"/>
-    <p:sldId id="272" r:id="rId24"/>
-    <p:sldId id="273" r:id="rId25"/>
-    <p:sldId id="274" r:id="rId26"/>
-    <p:sldId id="275" r:id="rId27"/>
-    <p:sldId id="276" r:id="rId28"/>
-    <p:sldId id="277" r:id="rId29"/>
-    <p:sldId id="278" r:id="rId30"/>
-    <p:sldId id="279" r:id="rId31"/>
-    <p:sldId id="280" r:id="rId32"/>
-    <p:sldId id="281" r:id="rId33"/>
-    <p:sldId id="282" r:id="rId34"/>
-    <p:sldId id="283" r:id="rId35"/>
+    <p:sldId id="256" r:id="rId2"/>
+    <p:sldId id="257" r:id="rId3"/>
+    <p:sldId id="258" r:id="rId4"/>
+    <p:sldId id="259" r:id="rId5"/>
+    <p:sldId id="260" r:id="rId6"/>
+    <p:sldId id="261" r:id="rId7"/>
+    <p:sldId id="262" r:id="rId8"/>
+    <p:sldId id="263" r:id="rId9"/>
+    <p:sldId id="264" r:id="rId10"/>
+    <p:sldId id="265" r:id="rId11"/>
+    <p:sldId id="266" r:id="rId12"/>
+    <p:sldId id="267" r:id="rId13"/>
+    <p:sldId id="268" r:id="rId14"/>
+    <p:sldId id="269" r:id="rId15"/>
+    <p:sldId id="270" r:id="rId16"/>
+    <p:sldId id="271" r:id="rId17"/>
+    <p:sldId id="272" r:id="rId18"/>
+    <p:sldId id="273" r:id="rId19"/>
+    <p:sldId id="274" r:id="rId20"/>
+    <p:sldId id="275" r:id="rId21"/>
+    <p:sldId id="276" r:id="rId22"/>
+    <p:sldId id="277" r:id="rId23"/>
+    <p:sldId id="278" r:id="rId24"/>
+    <p:sldId id="279" r:id="rId25"/>
+    <p:sldId id="280" r:id="rId26"/>
+    <p:sldId id="282" r:id="rId27"/>
+    <p:sldId id="283" r:id="rId28"/>
+    <p:sldId id="284" r:id="rId29"/>
   </p:sldIdLst>
   <p:sldSz cx="12192000" cy="6858000"/>
   <p:notesSz cx="6858000" cy="9144000"/>
@@ -55,7 +55,7 @@
       <a:buFontTx/>
       <a:buNone/>
       <a:tabLst/>
-      <a:defRPr b="0" baseline="0" cap="none" i="0" spc="0" strike="noStrike" sz="1800" u="none" kumimoji="0" normalizeH="0">
+      <a:defRPr kumimoji="0" sz="1800" b="0" i="0" u="none" strike="noStrike" cap="none" spc="0" normalizeH="0" baseline="0">
         <a:ln>
           <a:noFill/>
         </a:ln>
@@ -81,7 +81,7 @@
       <a:buFontTx/>
       <a:buNone/>
       <a:tabLst/>
-      <a:defRPr b="0" baseline="0" cap="none" i="0" spc="0" strike="noStrike" sz="1800" u="none" kumimoji="0" normalizeH="0">
+      <a:defRPr kumimoji="0" sz="1800" b="0" i="0" u="none" strike="noStrike" cap="none" spc="0" normalizeH="0" baseline="0">
         <a:ln>
           <a:noFill/>
         </a:ln>
@@ -111,7 +111,7 @@
       <a:buFontTx/>
       <a:buNone/>
       <a:tabLst/>
-      <a:defRPr b="0" baseline="0" cap="none" i="0" spc="0" strike="noStrike" sz="1800" u="none" kumimoji="0" normalizeH="0">
+      <a:defRPr kumimoji="0" sz="1800" b="0" i="0" u="none" strike="noStrike" cap="none" spc="0" normalizeH="0" baseline="0">
         <a:ln>
           <a:noFill/>
         </a:ln>
@@ -141,7 +141,7 @@
       <a:buFontTx/>
       <a:buNone/>
       <a:tabLst/>
-      <a:defRPr b="0" baseline="0" cap="none" i="0" spc="0" strike="noStrike" sz="1800" u="none" kumimoji="0" normalizeH="0">
+      <a:defRPr kumimoji="0" sz="1800" b="0" i="0" u="none" strike="noStrike" cap="none" spc="0" normalizeH="0" baseline="0">
         <a:ln>
           <a:noFill/>
         </a:ln>
@@ -171,7 +171,7 @@
       <a:buFontTx/>
       <a:buNone/>
       <a:tabLst/>
-      <a:defRPr b="0" baseline="0" cap="none" i="0" spc="0" strike="noStrike" sz="1800" u="none" kumimoji="0" normalizeH="0">
+      <a:defRPr kumimoji="0" sz="1800" b="0" i="0" u="none" strike="noStrike" cap="none" spc="0" normalizeH="0" baseline="0">
         <a:ln>
           <a:noFill/>
         </a:ln>
@@ -201,7 +201,7 @@
       <a:buFontTx/>
       <a:buNone/>
       <a:tabLst/>
-      <a:defRPr b="0" baseline="0" cap="none" i="0" spc="0" strike="noStrike" sz="1800" u="none" kumimoji="0" normalizeH="0">
+      <a:defRPr kumimoji="0" sz="1800" b="0" i="0" u="none" strike="noStrike" cap="none" spc="0" normalizeH="0" baseline="0">
         <a:ln>
           <a:noFill/>
         </a:ln>
@@ -231,7 +231,7 @@
       <a:buFontTx/>
       <a:buNone/>
       <a:tabLst/>
-      <a:defRPr b="0" baseline="0" cap="none" i="0" spc="0" strike="noStrike" sz="1800" u="none" kumimoji="0" normalizeH="0">
+      <a:defRPr kumimoji="0" sz="1800" b="0" i="0" u="none" strike="noStrike" cap="none" spc="0" normalizeH="0" baseline="0">
         <a:ln>
           <a:noFill/>
         </a:ln>
@@ -261,7 +261,7 @@
       <a:buFontTx/>
       <a:buNone/>
       <a:tabLst/>
-      <a:defRPr b="0" baseline="0" cap="none" i="0" spc="0" strike="noStrike" sz="1800" u="none" kumimoji="0" normalizeH="0">
+      <a:defRPr kumimoji="0" sz="1800" b="0" i="0" u="none" strike="noStrike" cap="none" spc="0" normalizeH="0" baseline="0">
         <a:ln>
           <a:noFill/>
         </a:ln>
@@ -291,7 +291,7 @@
       <a:buFontTx/>
       <a:buNone/>
       <a:tabLst/>
-      <a:defRPr b="0" baseline="0" cap="none" i="0" spc="0" strike="noStrike" sz="1800" u="none" kumimoji="0" normalizeH="0">
+      <a:defRPr kumimoji="0" sz="1800" b="0" i="0" u="none" strike="noStrike" cap="none" spc="0" normalizeH="0" baseline="0">
         <a:ln>
           <a:noFill/>
         </a:ln>
@@ -321,7 +321,7 @@
       <a:buFontTx/>
       <a:buNone/>
       <a:tabLst/>
-      <a:defRPr b="0" baseline="0" cap="none" i="0" spc="0" strike="noStrike" sz="1800" u="none" kumimoji="0" normalizeH="0">
+      <a:defRPr kumimoji="0" sz="1800" b="0" i="0" u="none" strike="noStrike" cap="none" spc="0" normalizeH="0" baseline="0">
         <a:ln>
           <a:noFill/>
         </a:ln>
@@ -340,13 +340,14 @@
 </p:presentation>
 </file>
 
-<file path=ppt/commentAuthors.xml><?xml version="1.0" encoding="utf-8"?>
-<p:cmAuthorLst xmlns:a="http://schemas.openxmlformats.org/drawingml/2006/main" xmlns:r="http://schemas.openxmlformats.org/officeDocument/2006/relationships" xmlns:p="http://schemas.openxmlformats.org/presentationml/2006/main" xmlns:m="http://schemas.openxmlformats.org/officeDocument/2006/math" xmlns:a14="http://schemas.microsoft.com/office/drawing/2010/main"/>
-</file>
-
 <file path=ppt/notesMasters/notesMaster1.xml><?xml version="1.0" encoding="utf-8"?>
-<p:notesMaster xmlns:a="http://schemas.openxmlformats.org/drawingml/2006/main" xmlns:r="http://schemas.openxmlformats.org/officeDocument/2006/relationships" xmlns:p="http://schemas.openxmlformats.org/presentationml/2006/main" xmlns:m="http://schemas.openxmlformats.org/officeDocument/2006/math" xmlns:a14="http://schemas.microsoft.com/office/drawing/2010/main">
+<p:notesMaster xmlns:a="http://schemas.openxmlformats.org/drawingml/2006/main" xmlns:r="http://schemas.openxmlformats.org/officeDocument/2006/relationships" xmlns:p="http://schemas.openxmlformats.org/presentationml/2006/main">
   <p:cSld>
+    <p:bg>
+      <p:bgRef idx="1001">
+        <a:schemeClr val="bg1"/>
+      </p:bgRef>
+    </p:bg>
     <p:spTree>
       <p:nvGrpSpPr>
         <p:cNvPr id="1" name=""/>
@@ -364,7 +365,9 @@
       <p:sp>
         <p:nvSpPr>
           <p:cNvPr id="109" name="Shape 109"/>
-          <p:cNvSpPr/>
+          <p:cNvSpPr>
+            <a:spLocks noGrp="1" noRot="1" noChangeAspect="1"/>
+          </p:cNvSpPr>
           <p:nvPr>
             <p:ph type="sldImg"/>
           </p:nvPr>
@@ -382,14 +385,16 @@
           <a:bodyPr/>
           <a:lstStyle/>
           <a:p>
-            <a:pPr/>
+            <a:endParaRPr/>
           </a:p>
         </p:txBody>
       </p:sp>
       <p:sp>
         <p:nvSpPr>
           <p:cNvPr id="110" name="Shape 110"/>
-          <p:cNvSpPr/>
+          <p:cNvSpPr>
+            <a:spLocks noGrp="1"/>
+          </p:cNvSpPr>
           <p:nvPr>
             <p:ph type="body" sz="quarter" idx="1"/>
           </p:nvPr>
@@ -407,7 +412,7 @@
           <a:bodyPr/>
           <a:lstStyle/>
           <a:p>
-            <a:pPr/>
+            <a:endParaRPr/>
           </a:p>
         </p:txBody>
       </p:sp>
@@ -492,7 +497,7 @@
 </file>
 
 <file path=ppt/notesSlides/notesSlide1.xml><?xml version="1.0" encoding="utf-8"?>
-<p:notes xmlns:a="http://schemas.openxmlformats.org/drawingml/2006/main" xmlns:r="http://schemas.openxmlformats.org/officeDocument/2006/relationships" xmlns:p="http://schemas.openxmlformats.org/presentationml/2006/main" xmlns:m="http://schemas.openxmlformats.org/officeDocument/2006/math" xmlns:a14="http://schemas.microsoft.com/office/drawing/2010/main" showMasterSp="1" showMasterPhAnim="1">
+<p:notes xmlns:a="http://schemas.openxmlformats.org/drawingml/2006/main" xmlns:r="http://schemas.openxmlformats.org/officeDocument/2006/relationships" xmlns:p="http://schemas.openxmlformats.org/presentationml/2006/main">
   <p:cSld>
     <p:spTree>
       <p:nvGrpSpPr>
@@ -511,7 +516,9 @@
       <p:sp>
         <p:nvSpPr>
           <p:cNvPr id="173" name="Shape 173"/>
-          <p:cNvSpPr/>
+          <p:cNvSpPr>
+            <a:spLocks noGrp="1" noRot="1" noChangeAspect="1"/>
+          </p:cNvSpPr>
           <p:nvPr>
             <p:ph type="sldImg"/>
           </p:nvPr>
@@ -525,14 +532,16 @@
           <a:bodyPr/>
           <a:lstStyle/>
           <a:p>
-            <a:pPr/>
+            <a:endParaRPr/>
           </a:p>
         </p:txBody>
       </p:sp>
       <p:sp>
         <p:nvSpPr>
           <p:cNvPr id="174" name="Shape 174"/>
-          <p:cNvSpPr/>
+          <p:cNvSpPr>
+            <a:spLocks noGrp="1"/>
+          </p:cNvSpPr>
           <p:nvPr>
             <p:ph type="body" sz="quarter" idx="1"/>
           </p:nvPr>
@@ -546,7 +555,6 @@
           <a:bodyPr/>
           <a:lstStyle/>
           <a:p>
-            <a:pPr/>
             <a:r>
               <a:t>简单讲解一下Android提供的各种Activity基类，那个类图</a:t>
             </a:r>
@@ -562,7 +570,7 @@
 </file>
 
 <file path=ppt/notesSlides/notesSlide2.xml><?xml version="1.0" encoding="utf-8"?>
-<p:notes xmlns:a="http://schemas.openxmlformats.org/drawingml/2006/main" xmlns:r="http://schemas.openxmlformats.org/officeDocument/2006/relationships" xmlns:p="http://schemas.openxmlformats.org/presentationml/2006/main" xmlns:m="http://schemas.openxmlformats.org/officeDocument/2006/math" xmlns:a14="http://schemas.microsoft.com/office/drawing/2010/main" showMasterSp="1" showMasterPhAnim="1">
+<p:notes xmlns:a="http://schemas.openxmlformats.org/drawingml/2006/main" xmlns:r="http://schemas.openxmlformats.org/officeDocument/2006/relationships" xmlns:p="http://schemas.openxmlformats.org/presentationml/2006/main">
   <p:cSld>
     <p:spTree>
       <p:nvGrpSpPr>
@@ -581,7 +589,9 @@
       <p:sp>
         <p:nvSpPr>
           <p:cNvPr id="192" name="Shape 192"/>
-          <p:cNvSpPr/>
+          <p:cNvSpPr>
+            <a:spLocks noGrp="1" noRot="1" noChangeAspect="1"/>
+          </p:cNvSpPr>
           <p:nvPr>
             <p:ph type="sldImg"/>
           </p:nvPr>
@@ -595,14 +605,16 @@
           <a:bodyPr/>
           <a:lstStyle/>
           <a:p>
-            <a:pPr/>
+            <a:endParaRPr/>
           </a:p>
         </p:txBody>
       </p:sp>
       <p:sp>
         <p:nvSpPr>
           <p:cNvPr id="193" name="Shape 193"/>
-          <p:cNvSpPr/>
+          <p:cNvSpPr>
+            <a:spLocks noGrp="1"/>
+          </p:cNvSpPr>
           <p:nvPr>
             <p:ph type="body" sz="quarter" idx="1"/>
           </p:nvPr>
@@ -616,7 +628,6 @@
           <a:bodyPr/>
           <a:lstStyle/>
           <a:p>
-            <a:pPr/>
             <a:r>
               <a:t>单击“设置程序参数”将会启动PreferenceActivityTest，单击“查看星级兵种”将会启动ExpandableListActivityTest</a:t>
             </a:r>
@@ -632,7 +643,7 @@
 </file>
 
 <file path=ppt/notesSlides/notesSlide3.xml><?xml version="1.0" encoding="utf-8"?>
-<p:notes xmlns:a="http://schemas.openxmlformats.org/drawingml/2006/main" xmlns:r="http://schemas.openxmlformats.org/officeDocument/2006/relationships" xmlns:p="http://schemas.openxmlformats.org/presentationml/2006/main" xmlns:m="http://schemas.openxmlformats.org/officeDocument/2006/math" xmlns:a14="http://schemas.microsoft.com/office/drawing/2010/main" showMasterSp="1" showMasterPhAnim="1">
+<p:notes xmlns:a="http://schemas.openxmlformats.org/drawingml/2006/main" xmlns:r="http://schemas.openxmlformats.org/officeDocument/2006/relationships" xmlns:p="http://schemas.openxmlformats.org/presentationml/2006/main">
   <p:cSld>
     <p:spTree>
       <p:nvGrpSpPr>
@@ -651,7 +662,9 @@
       <p:sp>
         <p:nvSpPr>
           <p:cNvPr id="218" name="Shape 218"/>
-          <p:cNvSpPr/>
+          <p:cNvSpPr>
+            <a:spLocks noGrp="1" noRot="1" noChangeAspect="1"/>
+          </p:cNvSpPr>
           <p:nvPr>
             <p:ph type="sldImg"/>
           </p:nvPr>
@@ -665,14 +678,16 @@
           <a:bodyPr/>
           <a:lstStyle/>
           <a:p>
-            <a:pPr/>
+            <a:endParaRPr/>
           </a:p>
         </p:txBody>
       </p:sp>
       <p:sp>
         <p:nvSpPr>
           <p:cNvPr id="219" name="Shape 219"/>
-          <p:cNvSpPr/>
+          <p:cNvSpPr>
+            <a:spLocks noGrp="1"/>
+          </p:cNvSpPr>
           <p:nvPr>
             <p:ph type="body" sz="quarter" idx="1"/>
           </p:nvPr>
@@ -686,7 +701,6 @@
           <a:bodyPr/>
           <a:lstStyle/>
           <a:p>
-            <a:pPr/>
             <a:r>
               <a:t>启动</a:t>
             </a:r>
@@ -860,7 +874,7 @@
 </file>
 
 <file path=ppt/notesSlides/notesSlide4.xml><?xml version="1.0" encoding="utf-8"?>
-<p:notes xmlns:a="http://schemas.openxmlformats.org/drawingml/2006/main" xmlns:r="http://schemas.openxmlformats.org/officeDocument/2006/relationships" xmlns:p="http://schemas.openxmlformats.org/presentationml/2006/main" xmlns:m="http://schemas.openxmlformats.org/officeDocument/2006/math" xmlns:a14="http://schemas.microsoft.com/office/drawing/2010/main" showMasterSp="1" showMasterPhAnim="1">
+<p:notes xmlns:a="http://schemas.openxmlformats.org/drawingml/2006/main" xmlns:r="http://schemas.openxmlformats.org/officeDocument/2006/relationships" xmlns:p="http://schemas.openxmlformats.org/presentationml/2006/main">
   <p:cSld>
     <p:spTree>
       <p:nvGrpSpPr>
@@ -879,7 +893,9 @@
       <p:sp>
         <p:nvSpPr>
           <p:cNvPr id="242" name="Shape 242"/>
-          <p:cNvSpPr/>
+          <p:cNvSpPr>
+            <a:spLocks noGrp="1" noRot="1" noChangeAspect="1"/>
+          </p:cNvSpPr>
           <p:nvPr>
             <p:ph type="sldImg"/>
           </p:nvPr>
@@ -893,14 +909,16 @@
           <a:bodyPr/>
           <a:lstStyle/>
           <a:p>
-            <a:pPr/>
+            <a:endParaRPr/>
           </a:p>
         </p:txBody>
       </p:sp>
       <p:sp>
         <p:nvSpPr>
           <p:cNvPr id="243" name="Shape 243"/>
-          <p:cNvSpPr/>
+          <p:cNvSpPr>
+            <a:spLocks noGrp="1"/>
+          </p:cNvSpPr>
           <p:nvPr>
             <p:ph type="body" sz="quarter" idx="1"/>
           </p:nvPr>
@@ -914,7 +932,6 @@
           <a:bodyPr/>
           <a:lstStyle/>
           <a:p>
-            <a:pPr/>
             <a:r>
               <a:t>当用户单击“注册”按钮，程序将会启动ResultActvity，并将用户输入的数据传入该Activity</a:t>
             </a:r>
@@ -930,7 +947,7 @@
 </file>
 
 <file path=ppt/notesSlides/notesSlide5.xml><?xml version="1.0" encoding="utf-8"?>
-<p:notes xmlns:a="http://schemas.openxmlformats.org/drawingml/2006/main" xmlns:r="http://schemas.openxmlformats.org/officeDocument/2006/relationships" xmlns:p="http://schemas.openxmlformats.org/presentationml/2006/main" xmlns:m="http://schemas.openxmlformats.org/officeDocument/2006/math" xmlns:a14="http://schemas.microsoft.com/office/drawing/2010/main" showMasterSp="1" showMasterPhAnim="1">
+<p:notes xmlns:a="http://schemas.openxmlformats.org/drawingml/2006/main" xmlns:r="http://schemas.openxmlformats.org/officeDocument/2006/relationships" xmlns:p="http://schemas.openxmlformats.org/presentationml/2006/main">
   <p:cSld>
     <p:spTree>
       <p:nvGrpSpPr>
@@ -949,7 +966,9 @@
       <p:sp>
         <p:nvSpPr>
           <p:cNvPr id="268" name="Shape 268"/>
-          <p:cNvSpPr/>
+          <p:cNvSpPr>
+            <a:spLocks noGrp="1" noRot="1" noChangeAspect="1"/>
+          </p:cNvSpPr>
           <p:nvPr>
             <p:ph type="sldImg"/>
           </p:nvPr>
@@ -963,14 +982,16 @@
           <a:bodyPr/>
           <a:lstStyle/>
           <a:p>
-            <a:pPr/>
+            <a:endParaRPr/>
           </a:p>
         </p:txBody>
       </p:sp>
       <p:sp>
         <p:nvSpPr>
           <p:cNvPr id="269" name="Shape 269"/>
-          <p:cNvSpPr/>
+          <p:cNvSpPr>
+            <a:spLocks noGrp="1"/>
+          </p:cNvSpPr>
           <p:nvPr>
             <p:ph type="body" sz="quarter" idx="1"/>
           </p:nvPr>
@@ -984,7 +1005,6 @@
           <a:bodyPr/>
           <a:lstStyle/>
           <a:p>
-            <a:pPr/>
             <a:r>
               <a:t>为了获取被启动的Activity返回的结果，需从两方面着手：</a:t>
             </a:r>
@@ -1020,7 +1040,7 @@
 </file>
 
 <file path=ppt/notesSlides/notesSlide6.xml><?xml version="1.0" encoding="utf-8"?>
-<p:notes xmlns:a="http://schemas.openxmlformats.org/drawingml/2006/main" xmlns:r="http://schemas.openxmlformats.org/officeDocument/2006/relationships" xmlns:p="http://schemas.openxmlformats.org/presentationml/2006/main" xmlns:m="http://schemas.openxmlformats.org/officeDocument/2006/math" xmlns:a14="http://schemas.microsoft.com/office/drawing/2010/main" showMasterSp="1" showMasterPhAnim="1">
+<p:notes xmlns:a="http://schemas.openxmlformats.org/drawingml/2006/main" xmlns:r="http://schemas.openxmlformats.org/officeDocument/2006/relationships" xmlns:p="http://schemas.openxmlformats.org/presentationml/2006/main">
   <p:cSld>
     <p:spTree>
       <p:nvGrpSpPr>
@@ -1039,7 +1059,9 @@
       <p:sp>
         <p:nvSpPr>
           <p:cNvPr id="279" name="Shape 279"/>
-          <p:cNvSpPr/>
+          <p:cNvSpPr>
+            <a:spLocks noGrp="1" noRot="1" noChangeAspect="1"/>
+          </p:cNvSpPr>
           <p:nvPr>
             <p:ph type="sldImg"/>
           </p:nvPr>
@@ -1053,14 +1075,16 @@
           <a:bodyPr/>
           <a:lstStyle/>
           <a:p>
-            <a:pPr/>
+            <a:endParaRPr/>
           </a:p>
         </p:txBody>
       </p:sp>
       <p:sp>
         <p:nvSpPr>
           <p:cNvPr id="280" name="Shape 280"/>
-          <p:cNvSpPr/>
+          <p:cNvSpPr>
+            <a:spLocks noGrp="1"/>
+          </p:cNvSpPr>
           <p:nvPr>
             <p:ph type="body" sz="quarter" idx="1"/>
           </p:nvPr>
@@ -1074,19 +1098,16 @@
           <a:bodyPr/>
           <a:lstStyle/>
           <a:p>
-            <a:pPr/>
             <a:r>
               <a:t>Activity的回调机制：</a:t>
             </a:r>
           </a:p>
           <a:p>
-            <a:pPr/>
             <a:r>
               <a:t>当Activity部署在Android应用中之后，随着应用程序的运行，Activity会不断地在不同的状态之间切换，该Activity中特定的方法就会被回调——开发者就可以有选择性的重写这些方法来加入业务相关的处理。</a:t>
             </a:r>
           </a:p>
           <a:p>
-            <a:pPr/>
             <a:r>
               <a:t>Activity运行过程所处的不同状态也被称为生命周期。</a:t>
             </a:r>
@@ -1102,7 +1123,7 @@
 </file>
 
 <file path=ppt/notesSlides/notesSlide7.xml><?xml version="1.0" encoding="utf-8"?>
-<p:notes xmlns:a="http://schemas.openxmlformats.org/drawingml/2006/main" xmlns:r="http://schemas.openxmlformats.org/officeDocument/2006/relationships" xmlns:p="http://schemas.openxmlformats.org/presentationml/2006/main" xmlns:m="http://schemas.openxmlformats.org/officeDocument/2006/math" xmlns:a14="http://schemas.microsoft.com/office/drawing/2010/main" showMasterSp="1" showMasterPhAnim="1">
+<p:notes xmlns:a="http://schemas.openxmlformats.org/drawingml/2006/main" xmlns:r="http://schemas.openxmlformats.org/officeDocument/2006/relationships" xmlns:p="http://schemas.openxmlformats.org/presentationml/2006/main">
   <p:cSld>
     <p:spTree>
       <p:nvGrpSpPr>
@@ -1121,7 +1142,9 @@
       <p:sp>
         <p:nvSpPr>
           <p:cNvPr id="364" name="Shape 364"/>
-          <p:cNvSpPr/>
+          <p:cNvSpPr>
+            <a:spLocks noGrp="1" noRot="1" noChangeAspect="1"/>
+          </p:cNvSpPr>
           <p:nvPr>
             <p:ph type="sldImg"/>
           </p:nvPr>
@@ -1135,14 +1158,16 @@
           <a:bodyPr/>
           <a:lstStyle/>
           <a:p>
-            <a:pPr/>
+            <a:endParaRPr/>
           </a:p>
         </p:txBody>
       </p:sp>
       <p:sp>
         <p:nvSpPr>
           <p:cNvPr id="365" name="Shape 365"/>
-          <p:cNvSpPr/>
+          <p:cNvSpPr>
+            <a:spLocks noGrp="1"/>
+          </p:cNvSpPr>
           <p:nvPr>
             <p:ph type="body" sz="quarter" idx="1"/>
           </p:nvPr>
@@ -1156,13 +1181,11 @@
           <a:bodyPr/>
           <a:lstStyle/>
           <a:p>
-            <a:pPr/>
             <a:r>
               <a:t>配置Activity时可指定android:launchMode属性，用于配置Activity的加载模式。Activity的加载模式就是负责管理实例化、加载Activity的方式，并可以控制Activity与Task之间的加载方式。</a:t>
             </a:r>
           </a:p>
           <a:p>
-            <a:pPr/>
             <a:r>
               <a:t>采用singleTask模式加载Activity，有如下三种情况：</a:t>
             </a:r>
@@ -1203,9 +1226,9 @@
               <a:buFont typeface="Trebuchet MS"/>
               <a:buChar char="➢"/>
             </a:pPr>
-          </a:p>
-          <a:p>
-            <a:pPr/>
+            <a:endParaRPr/>
+          </a:p>
+          <a:p>
             <a:r>
               <a:t>采用singleInstance模式加载Activity，有如下两种情况：</a:t>
             </a:r>
@@ -1241,7 +1264,7 @@
 </file>
 
 <file path=ppt/notesSlides/notesSlide8.xml><?xml version="1.0" encoding="utf-8"?>
-<p:notes xmlns:a="http://schemas.openxmlformats.org/drawingml/2006/main" xmlns:r="http://schemas.openxmlformats.org/officeDocument/2006/relationships" xmlns:p="http://schemas.openxmlformats.org/presentationml/2006/main" xmlns:m="http://schemas.openxmlformats.org/officeDocument/2006/math" xmlns:a14="http://schemas.microsoft.com/office/drawing/2010/main" showMasterSp="1" showMasterPhAnim="1">
+<p:notes xmlns:a="http://schemas.openxmlformats.org/drawingml/2006/main" xmlns:r="http://schemas.openxmlformats.org/officeDocument/2006/relationships" xmlns:p="http://schemas.openxmlformats.org/presentationml/2006/main">
   <p:cSld>
     <p:spTree>
       <p:nvGrpSpPr>
@@ -1260,7 +1283,9 @@
       <p:sp>
         <p:nvSpPr>
           <p:cNvPr id="436" name="Shape 436"/>
-          <p:cNvSpPr/>
+          <p:cNvSpPr>
+            <a:spLocks noGrp="1" noRot="1" noChangeAspect="1"/>
+          </p:cNvSpPr>
           <p:nvPr>
             <p:ph type="sldImg"/>
           </p:nvPr>
@@ -1274,14 +1299,16 @@
           <a:bodyPr/>
           <a:lstStyle/>
           <a:p>
-            <a:pPr/>
+            <a:endParaRPr/>
           </a:p>
         </p:txBody>
       </p:sp>
       <p:sp>
         <p:nvSpPr>
           <p:cNvPr id="437" name="Shape 437"/>
-          <p:cNvSpPr/>
+          <p:cNvSpPr>
+            <a:spLocks noGrp="1"/>
+          </p:cNvSpPr>
           <p:nvPr>
             <p:ph type="body" sz="quarter" idx="1"/>
           </p:nvPr>
@@ -1295,13 +1322,11 @@
           <a:bodyPr/>
           <a:lstStyle/>
           <a:p>
-            <a:pPr/>
             <a:r>
               <a:t>onCreateView()方法返回的View将作为该Fragment显示的组件，当Fragment绘制界面组件时将会回到该方法。</a:t>
             </a:r>
           </a:p>
           <a:p>
-            <a:pPr/>
             <a:r>
               <a:t>开发ListFragment的子类，无须重写onCreateView()方法，只要调用ListFragment提供的setAdapter()方法，即可让该ListFragment显示Adapter提供的多个列表项。</a:t>
             </a:r>
@@ -1317,7 +1342,7 @@
 </file>
 
 <file path=ppt/notesSlides/notesSlide9.xml><?xml version="1.0" encoding="utf-8"?>
-<p:notes xmlns:a="http://schemas.openxmlformats.org/drawingml/2006/main" xmlns:r="http://schemas.openxmlformats.org/officeDocument/2006/relationships" xmlns:p="http://schemas.openxmlformats.org/presentationml/2006/main" xmlns:m="http://schemas.openxmlformats.org/officeDocument/2006/math" xmlns:a14="http://schemas.microsoft.com/office/drawing/2010/main" showMasterSp="1" showMasterPhAnim="1">
+<p:notes xmlns:a="http://schemas.openxmlformats.org/drawingml/2006/main" xmlns:r="http://schemas.openxmlformats.org/officeDocument/2006/relationships" xmlns:p="http://schemas.openxmlformats.org/presentationml/2006/main">
   <p:cSld>
     <p:spTree>
       <p:nvGrpSpPr>
@@ -1336,7 +1361,9 @@
       <p:sp>
         <p:nvSpPr>
           <p:cNvPr id="519" name="Shape 519"/>
-          <p:cNvSpPr/>
+          <p:cNvSpPr>
+            <a:spLocks noGrp="1" noRot="1" noChangeAspect="1"/>
+          </p:cNvSpPr>
           <p:nvPr>
             <p:ph type="sldImg"/>
           </p:nvPr>
@@ -1350,14 +1377,16 @@
           <a:bodyPr/>
           <a:lstStyle/>
           <a:p>
-            <a:pPr/>
+            <a:endParaRPr/>
           </a:p>
         </p:txBody>
       </p:sp>
       <p:sp>
         <p:nvSpPr>
           <p:cNvPr id="520" name="Shape 520"/>
-          <p:cNvSpPr/>
+          <p:cNvSpPr>
+            <a:spLocks noGrp="1"/>
+          </p:cNvSpPr>
           <p:nvPr>
             <p:ph type="body" sz="quarter" idx="1"/>
           </p:nvPr>
@@ -1371,7 +1400,6 @@
           <a:bodyPr/>
           <a:lstStyle/>
           <a:p>
-            <a:pPr/>
             <a:r>
               <a:t>在Fragment的生命周期中，如下方法会被系统回调：</a:t>
             </a:r>
@@ -1497,7 +1525,7 @@
 </file>
 
 <file path=ppt/slideLayouts/slideLayout1.xml><?xml version="1.0" encoding="utf-8"?>
-<p:sldLayout xmlns:a="http://schemas.openxmlformats.org/drawingml/2006/main" xmlns:r="http://schemas.openxmlformats.org/officeDocument/2006/relationships" xmlns:p="http://schemas.openxmlformats.org/presentationml/2006/main" xmlns:m="http://schemas.openxmlformats.org/officeDocument/2006/math" xmlns:a14="http://schemas.microsoft.com/office/drawing/2010/main" type="title" showMasterSp="1" showMasterPhAnim="1">
+<p:sldLayout xmlns:a="http://schemas.openxmlformats.org/drawingml/2006/main" xmlns:r="http://schemas.openxmlformats.org/officeDocument/2006/relationships" xmlns:p="http://schemas.openxmlformats.org/presentationml/2006/main" type="title">
   <p:cSld name="标题幻灯片">
     <p:spTree>
       <p:nvGrpSpPr>
@@ -1516,7 +1544,9 @@
       <p:sp>
         <p:nvSpPr>
           <p:cNvPr id="11" name="标题文本"/>
-          <p:cNvSpPr txBox="1"/>
+          <p:cNvSpPr txBox="1">
+            <a:spLocks noGrp="1"/>
+          </p:cNvSpPr>
           <p:nvPr>
             <p:ph type="title"/>
           </p:nvPr>
@@ -1538,7 +1568,6 @@
             </a:lvl1pPr>
           </a:lstStyle>
           <a:p>
-            <a:pPr/>
             <a:r>
               <a:t>标题文本</a:t>
             </a:r>
@@ -1548,7 +1577,9 @@
       <p:sp>
         <p:nvSpPr>
           <p:cNvPr id="12" name="正文级别 1…"/>
-          <p:cNvSpPr txBox="1"/>
+          <p:cNvSpPr txBox="1">
+            <a:spLocks noGrp="1"/>
+          </p:cNvSpPr>
           <p:nvPr>
             <p:ph type="body" sz="quarter" idx="1"/>
           </p:nvPr>
@@ -1597,7 +1628,6 @@
             </a:lvl5pPr>
           </a:lstStyle>
           <a:p>
-            <a:pPr/>
             <a:r>
               <a:t>正文级别 1</a:t>
             </a:r>
@@ -1631,7 +1661,9 @@
       <p:sp>
         <p:nvSpPr>
           <p:cNvPr id="13" name="幻灯片编号"/>
-          <p:cNvSpPr txBox="1"/>
+          <p:cNvSpPr txBox="1">
+            <a:spLocks noGrp="1"/>
+          </p:cNvSpPr>
           <p:nvPr>
             <p:ph type="sldNum" sz="quarter" idx="2"/>
           </p:nvPr>
@@ -1645,8 +1677,10 @@
           <a:bodyPr/>
           <a:lstStyle/>
           <a:p>
-            <a:pPr/>
-            <a:fld id="{86CB4B4D-7CA3-9044-876B-883B54F8677D}" type="slidenum"/>
+            <a:fld id="{86CB4B4D-7CA3-9044-876B-883B54F8677D}" type="slidenum">
+              <a:t>‹#›</a:t>
+            </a:fld>
+            <a:endParaRPr/>
           </a:p>
         </p:txBody>
       </p:sp>
@@ -1655,12 +1689,12 @@
   <p:clrMapOvr>
     <a:masterClrMapping/>
   </p:clrMapOvr>
-  <p:transition xmlns:p14="http://schemas.microsoft.com/office/powerpoint/2010/main" spd="med" advClick="1"/>
+  <p:transition spd="med"/>
 </p:sldLayout>
 </file>
 
 <file path=ppt/slideLayouts/slideLayout10.xml><?xml version="1.0" encoding="utf-8"?>
-<p:sldLayout xmlns:a="http://schemas.openxmlformats.org/drawingml/2006/main" xmlns:r="http://schemas.openxmlformats.org/officeDocument/2006/relationships" xmlns:p="http://schemas.openxmlformats.org/presentationml/2006/main" xmlns:m="http://schemas.openxmlformats.org/officeDocument/2006/math" xmlns:a14="http://schemas.microsoft.com/office/drawing/2010/main" type="tx" showMasterSp="1" showMasterPhAnim="1">
+<p:sldLayout xmlns:a="http://schemas.openxmlformats.org/drawingml/2006/main" xmlns:r="http://schemas.openxmlformats.org/officeDocument/2006/relationships" xmlns:p="http://schemas.openxmlformats.org/presentationml/2006/main" type="tx">
   <p:cSld name="标题和竖排文字">
     <p:spTree>
       <p:nvGrpSpPr>
@@ -1679,7 +1713,9 @@
       <p:sp>
         <p:nvSpPr>
           <p:cNvPr id="92" name="标题文本"/>
-          <p:cNvSpPr txBox="1"/>
+          <p:cNvSpPr txBox="1">
+            <a:spLocks noGrp="1"/>
+          </p:cNvSpPr>
           <p:nvPr>
             <p:ph type="title"/>
           </p:nvPr>
@@ -1693,7 +1729,6 @@
           <a:bodyPr/>
           <a:lstStyle/>
           <a:p>
-            <a:pPr/>
             <a:r>
               <a:t>标题文本</a:t>
             </a:r>
@@ -1703,7 +1738,9 @@
       <p:sp>
         <p:nvSpPr>
           <p:cNvPr id="93" name="正文级别 1…"/>
-          <p:cNvSpPr txBox="1"/>
+          <p:cNvSpPr txBox="1">
+            <a:spLocks noGrp="1"/>
+          </p:cNvSpPr>
           <p:nvPr>
             <p:ph type="body" idx="1"/>
           </p:nvPr>
@@ -1717,7 +1754,6 @@
           <a:bodyPr/>
           <a:lstStyle/>
           <a:p>
-            <a:pPr/>
             <a:r>
               <a:t>正文级别 1</a:t>
             </a:r>
@@ -1751,7 +1787,9 @@
       <p:sp>
         <p:nvSpPr>
           <p:cNvPr id="94" name="幻灯片编号"/>
-          <p:cNvSpPr txBox="1"/>
+          <p:cNvSpPr txBox="1">
+            <a:spLocks noGrp="1"/>
+          </p:cNvSpPr>
           <p:nvPr>
             <p:ph type="sldNum" sz="quarter" idx="2"/>
           </p:nvPr>
@@ -1765,8 +1803,10 @@
           <a:bodyPr/>
           <a:lstStyle/>
           <a:p>
-            <a:pPr/>
-            <a:fld id="{86CB4B4D-7CA3-9044-876B-883B54F8677D}" type="slidenum"/>
+            <a:fld id="{86CB4B4D-7CA3-9044-876B-883B54F8677D}" type="slidenum">
+              <a:t>‹#›</a:t>
+            </a:fld>
+            <a:endParaRPr/>
           </a:p>
         </p:txBody>
       </p:sp>
@@ -1775,12 +1815,12 @@
   <p:clrMapOvr>
     <a:masterClrMapping/>
   </p:clrMapOvr>
-  <p:transition xmlns:p14="http://schemas.microsoft.com/office/powerpoint/2010/main" spd="med" advClick="1"/>
+  <p:transition spd="med"/>
 </p:sldLayout>
 </file>
 
 <file path=ppt/slideLayouts/slideLayout11.xml><?xml version="1.0" encoding="utf-8"?>
-<p:sldLayout xmlns:a="http://schemas.openxmlformats.org/drawingml/2006/main" xmlns:r="http://schemas.openxmlformats.org/officeDocument/2006/relationships" xmlns:p="http://schemas.openxmlformats.org/presentationml/2006/main" xmlns:m="http://schemas.openxmlformats.org/officeDocument/2006/math" xmlns:a14="http://schemas.microsoft.com/office/drawing/2010/main" type="tx" showMasterSp="1" showMasterPhAnim="1">
+<p:sldLayout xmlns:a="http://schemas.openxmlformats.org/drawingml/2006/main" xmlns:r="http://schemas.openxmlformats.org/officeDocument/2006/relationships" xmlns:p="http://schemas.openxmlformats.org/presentationml/2006/main" type="tx">
   <p:cSld name="垂直排列标题与&#10;文本">
     <p:spTree>
       <p:nvGrpSpPr>
@@ -1799,7 +1839,9 @@
       <p:sp>
         <p:nvSpPr>
           <p:cNvPr id="101" name="标题文本"/>
-          <p:cNvSpPr txBox="1"/>
+          <p:cNvSpPr txBox="1">
+            <a:spLocks noGrp="1"/>
+          </p:cNvSpPr>
           <p:nvPr>
             <p:ph type="title"/>
           </p:nvPr>
@@ -1817,7 +1859,6 @@
           <a:bodyPr/>
           <a:lstStyle/>
           <a:p>
-            <a:pPr/>
             <a:r>
               <a:t>标题文本</a:t>
             </a:r>
@@ -1827,7 +1868,9 @@
       <p:sp>
         <p:nvSpPr>
           <p:cNvPr id="102" name="正文级别 1…"/>
-          <p:cNvSpPr txBox="1"/>
+          <p:cNvSpPr txBox="1">
+            <a:spLocks noGrp="1"/>
+          </p:cNvSpPr>
           <p:nvPr>
             <p:ph type="body" idx="1"/>
           </p:nvPr>
@@ -1845,7 +1888,6 @@
           <a:bodyPr/>
           <a:lstStyle/>
           <a:p>
-            <a:pPr/>
             <a:r>
               <a:t>正文级别 1</a:t>
             </a:r>
@@ -1879,7 +1921,9 @@
       <p:sp>
         <p:nvSpPr>
           <p:cNvPr id="103" name="幻灯片编号"/>
-          <p:cNvSpPr txBox="1"/>
+          <p:cNvSpPr txBox="1">
+            <a:spLocks noGrp="1"/>
+          </p:cNvSpPr>
           <p:nvPr>
             <p:ph type="sldNum" sz="quarter" idx="2"/>
           </p:nvPr>
@@ -1893,8 +1937,10 @@
           <a:bodyPr/>
           <a:lstStyle/>
           <a:p>
-            <a:pPr/>
-            <a:fld id="{86CB4B4D-7CA3-9044-876B-883B54F8677D}" type="slidenum"/>
+            <a:fld id="{86CB4B4D-7CA3-9044-876B-883B54F8677D}" type="slidenum">
+              <a:t>‹#›</a:t>
+            </a:fld>
+            <a:endParaRPr/>
           </a:p>
         </p:txBody>
       </p:sp>
@@ -1903,12 +1949,12 @@
   <p:clrMapOvr>
     <a:masterClrMapping/>
   </p:clrMapOvr>
-  <p:transition xmlns:p14="http://schemas.microsoft.com/office/powerpoint/2010/main" spd="med" advClick="1"/>
+  <p:transition spd="med"/>
 </p:sldLayout>
 </file>
 
 <file path=ppt/slideLayouts/slideLayout2.xml><?xml version="1.0" encoding="utf-8"?>
-<p:sldLayout xmlns:a="http://schemas.openxmlformats.org/drawingml/2006/main" xmlns:r="http://schemas.openxmlformats.org/officeDocument/2006/relationships" xmlns:p="http://schemas.openxmlformats.org/presentationml/2006/main" xmlns:m="http://schemas.openxmlformats.org/officeDocument/2006/math" xmlns:a14="http://schemas.microsoft.com/office/drawing/2010/main" type="tx" showMasterSp="1" showMasterPhAnim="1">
+<p:sldLayout xmlns:a="http://schemas.openxmlformats.org/drawingml/2006/main" xmlns:r="http://schemas.openxmlformats.org/officeDocument/2006/relationships" xmlns:p="http://schemas.openxmlformats.org/presentationml/2006/main" type="tx">
   <p:cSld name="标题和内容">
     <p:spTree>
       <p:nvGrpSpPr>
@@ -1927,7 +1973,9 @@
       <p:sp>
         <p:nvSpPr>
           <p:cNvPr id="20" name="标题文本"/>
-          <p:cNvSpPr txBox="1"/>
+          <p:cNvSpPr txBox="1">
+            <a:spLocks noGrp="1"/>
+          </p:cNvSpPr>
           <p:nvPr>
             <p:ph type="title"/>
           </p:nvPr>
@@ -1941,7 +1989,6 @@
           <a:bodyPr/>
           <a:lstStyle/>
           <a:p>
-            <a:pPr/>
             <a:r>
               <a:t>标题文本</a:t>
             </a:r>
@@ -1951,7 +1998,9 @@
       <p:sp>
         <p:nvSpPr>
           <p:cNvPr id="21" name="正文级别 1…"/>
-          <p:cNvSpPr txBox="1"/>
+          <p:cNvSpPr txBox="1">
+            <a:spLocks noGrp="1"/>
+          </p:cNvSpPr>
           <p:nvPr>
             <p:ph type="body" idx="1"/>
           </p:nvPr>
@@ -1965,7 +2014,6 @@
           <a:bodyPr/>
           <a:lstStyle/>
           <a:p>
-            <a:pPr/>
             <a:r>
               <a:t>正文级别 1</a:t>
             </a:r>
@@ -1999,7 +2047,9 @@
       <p:sp>
         <p:nvSpPr>
           <p:cNvPr id="22" name="幻灯片编号"/>
-          <p:cNvSpPr txBox="1"/>
+          <p:cNvSpPr txBox="1">
+            <a:spLocks noGrp="1"/>
+          </p:cNvSpPr>
           <p:nvPr>
             <p:ph type="sldNum" sz="quarter" idx="2"/>
           </p:nvPr>
@@ -2013,8 +2063,10 @@
           <a:bodyPr/>
           <a:lstStyle/>
           <a:p>
-            <a:pPr/>
-            <a:fld id="{86CB4B4D-7CA3-9044-876B-883B54F8677D}" type="slidenum"/>
+            <a:fld id="{86CB4B4D-7CA3-9044-876B-883B54F8677D}" type="slidenum">
+              <a:t>‹#›</a:t>
+            </a:fld>
+            <a:endParaRPr/>
           </a:p>
         </p:txBody>
       </p:sp>
@@ -2023,12 +2075,12 @@
   <p:clrMapOvr>
     <a:masterClrMapping/>
   </p:clrMapOvr>
-  <p:transition xmlns:p14="http://schemas.microsoft.com/office/powerpoint/2010/main" spd="med" advClick="1"/>
+  <p:transition spd="med"/>
 </p:sldLayout>
 </file>
 
 <file path=ppt/slideLayouts/slideLayout3.xml><?xml version="1.0" encoding="utf-8"?>
-<p:sldLayout xmlns:a="http://schemas.openxmlformats.org/drawingml/2006/main" xmlns:r="http://schemas.openxmlformats.org/officeDocument/2006/relationships" xmlns:p="http://schemas.openxmlformats.org/presentationml/2006/main" xmlns:m="http://schemas.openxmlformats.org/officeDocument/2006/math" xmlns:a14="http://schemas.microsoft.com/office/drawing/2010/main" type="tx" showMasterSp="1" showMasterPhAnim="1">
+<p:sldLayout xmlns:a="http://schemas.openxmlformats.org/drawingml/2006/main" xmlns:r="http://schemas.openxmlformats.org/officeDocument/2006/relationships" xmlns:p="http://schemas.openxmlformats.org/presentationml/2006/main" type="tx">
   <p:cSld name="节标题">
     <p:spTree>
       <p:nvGrpSpPr>
@@ -2047,7 +2099,9 @@
       <p:sp>
         <p:nvSpPr>
           <p:cNvPr id="29" name="标题文本"/>
-          <p:cNvSpPr txBox="1"/>
+          <p:cNvSpPr txBox="1">
+            <a:spLocks noGrp="1"/>
+          </p:cNvSpPr>
           <p:nvPr>
             <p:ph type="title"/>
           </p:nvPr>
@@ -2069,7 +2123,6 @@
             </a:lvl1pPr>
           </a:lstStyle>
           <a:p>
-            <a:pPr/>
             <a:r>
               <a:t>标题文本</a:t>
             </a:r>
@@ -2079,7 +2132,9 @@
       <p:sp>
         <p:nvSpPr>
           <p:cNvPr id="30" name="正文级别 1…"/>
-          <p:cNvSpPr txBox="1"/>
+          <p:cNvSpPr txBox="1">
+            <a:spLocks noGrp="1"/>
+          </p:cNvSpPr>
           <p:nvPr>
             <p:ph type="body" sz="quarter" idx="1"/>
           </p:nvPr>
@@ -2148,7 +2203,6 @@
             </a:lvl5pPr>
           </a:lstStyle>
           <a:p>
-            <a:pPr/>
             <a:r>
               <a:t>正文级别 1</a:t>
             </a:r>
@@ -2182,7 +2236,9 @@
       <p:sp>
         <p:nvSpPr>
           <p:cNvPr id="31" name="幻灯片编号"/>
-          <p:cNvSpPr txBox="1"/>
+          <p:cNvSpPr txBox="1">
+            <a:spLocks noGrp="1"/>
+          </p:cNvSpPr>
           <p:nvPr>
             <p:ph type="sldNum" sz="quarter" idx="2"/>
           </p:nvPr>
@@ -2196,8 +2252,10 @@
           <a:bodyPr/>
           <a:lstStyle/>
           <a:p>
-            <a:pPr/>
-            <a:fld id="{86CB4B4D-7CA3-9044-876B-883B54F8677D}" type="slidenum"/>
+            <a:fld id="{86CB4B4D-7CA3-9044-876B-883B54F8677D}" type="slidenum">
+              <a:t>‹#›</a:t>
+            </a:fld>
+            <a:endParaRPr/>
           </a:p>
         </p:txBody>
       </p:sp>
@@ -2206,12 +2264,12 @@
   <p:clrMapOvr>
     <a:masterClrMapping/>
   </p:clrMapOvr>
-  <p:transition xmlns:p14="http://schemas.microsoft.com/office/powerpoint/2010/main" spd="med" advClick="1"/>
+  <p:transition spd="med"/>
 </p:sldLayout>
 </file>
 
 <file path=ppt/slideLayouts/slideLayout4.xml><?xml version="1.0" encoding="utf-8"?>
-<p:sldLayout xmlns:a="http://schemas.openxmlformats.org/drawingml/2006/main" xmlns:r="http://schemas.openxmlformats.org/officeDocument/2006/relationships" xmlns:p="http://schemas.openxmlformats.org/presentationml/2006/main" xmlns:m="http://schemas.openxmlformats.org/officeDocument/2006/math" xmlns:a14="http://schemas.microsoft.com/office/drawing/2010/main" type="tx" showMasterSp="1" showMasterPhAnim="1">
+<p:sldLayout xmlns:a="http://schemas.openxmlformats.org/drawingml/2006/main" xmlns:r="http://schemas.openxmlformats.org/officeDocument/2006/relationships" xmlns:p="http://schemas.openxmlformats.org/presentationml/2006/main" type="tx">
   <p:cSld name="两栏内容">
     <p:spTree>
       <p:nvGrpSpPr>
@@ -2230,7 +2288,9 @@
       <p:sp>
         <p:nvSpPr>
           <p:cNvPr id="38" name="标题文本"/>
-          <p:cNvSpPr txBox="1"/>
+          <p:cNvSpPr txBox="1">
+            <a:spLocks noGrp="1"/>
+          </p:cNvSpPr>
           <p:nvPr>
             <p:ph type="title"/>
           </p:nvPr>
@@ -2244,7 +2304,6 @@
           <a:bodyPr/>
           <a:lstStyle/>
           <a:p>
-            <a:pPr/>
             <a:r>
               <a:t>标题文本</a:t>
             </a:r>
@@ -2254,7 +2313,9 @@
       <p:sp>
         <p:nvSpPr>
           <p:cNvPr id="39" name="正文级别 1…"/>
-          <p:cNvSpPr txBox="1"/>
+          <p:cNvSpPr txBox="1">
+            <a:spLocks noGrp="1"/>
+          </p:cNvSpPr>
           <p:nvPr>
             <p:ph type="body" sz="half" idx="1"/>
           </p:nvPr>
@@ -2272,7 +2333,6 @@
           <a:bodyPr/>
           <a:lstStyle/>
           <a:p>
-            <a:pPr/>
             <a:r>
               <a:t>正文级别 1</a:t>
             </a:r>
@@ -2306,7 +2366,9 @@
       <p:sp>
         <p:nvSpPr>
           <p:cNvPr id="40" name="幻灯片编号"/>
-          <p:cNvSpPr txBox="1"/>
+          <p:cNvSpPr txBox="1">
+            <a:spLocks noGrp="1"/>
+          </p:cNvSpPr>
           <p:nvPr>
             <p:ph type="sldNum" sz="quarter" idx="2"/>
           </p:nvPr>
@@ -2320,8 +2382,10 @@
           <a:bodyPr/>
           <a:lstStyle/>
           <a:p>
-            <a:pPr/>
-            <a:fld id="{86CB4B4D-7CA3-9044-876B-883B54F8677D}" type="slidenum"/>
+            <a:fld id="{86CB4B4D-7CA3-9044-876B-883B54F8677D}" type="slidenum">
+              <a:t>‹#›</a:t>
+            </a:fld>
+            <a:endParaRPr/>
           </a:p>
         </p:txBody>
       </p:sp>
@@ -2330,12 +2394,12 @@
   <p:clrMapOvr>
     <a:masterClrMapping/>
   </p:clrMapOvr>
-  <p:transition xmlns:p14="http://schemas.microsoft.com/office/powerpoint/2010/main" spd="med" advClick="1"/>
+  <p:transition spd="med"/>
 </p:sldLayout>
 </file>
 
 <file path=ppt/slideLayouts/slideLayout5.xml><?xml version="1.0" encoding="utf-8"?>
-<p:sldLayout xmlns:a="http://schemas.openxmlformats.org/drawingml/2006/main" xmlns:r="http://schemas.openxmlformats.org/officeDocument/2006/relationships" xmlns:p="http://schemas.openxmlformats.org/presentationml/2006/main" xmlns:m="http://schemas.openxmlformats.org/officeDocument/2006/math" xmlns:a14="http://schemas.microsoft.com/office/drawing/2010/main" type="tx" showMasterSp="1" showMasterPhAnim="1">
+<p:sldLayout xmlns:a="http://schemas.openxmlformats.org/drawingml/2006/main" xmlns:r="http://schemas.openxmlformats.org/officeDocument/2006/relationships" xmlns:p="http://schemas.openxmlformats.org/presentationml/2006/main" type="tx">
   <p:cSld name="比较">
     <p:spTree>
       <p:nvGrpSpPr>
@@ -2354,7 +2418,9 @@
       <p:sp>
         <p:nvSpPr>
           <p:cNvPr id="47" name="标题文本"/>
-          <p:cNvSpPr txBox="1"/>
+          <p:cNvSpPr txBox="1">
+            <a:spLocks noGrp="1"/>
+          </p:cNvSpPr>
           <p:nvPr>
             <p:ph type="title"/>
           </p:nvPr>
@@ -2372,7 +2438,6 @@
           <a:bodyPr/>
           <a:lstStyle/>
           <a:p>
-            <a:pPr/>
             <a:r>
               <a:t>标题文本</a:t>
             </a:r>
@@ -2382,7 +2447,9 @@
       <p:sp>
         <p:nvSpPr>
           <p:cNvPr id="48" name="正文级别 1…"/>
-          <p:cNvSpPr txBox="1"/>
+          <p:cNvSpPr txBox="1">
+            <a:spLocks noGrp="1"/>
+          </p:cNvSpPr>
           <p:nvPr>
             <p:ph type="body" sz="quarter" idx="1"/>
           </p:nvPr>
@@ -2403,35 +2470,34 @@
               <a:buSzTx/>
               <a:buFontTx/>
               <a:buNone/>
-              <a:defRPr b="1" sz="2400"/>
+              <a:defRPr sz="2400" b="1"/>
             </a:lvl1pPr>
             <a:lvl2pPr marL="0" indent="0">
               <a:buSzTx/>
               <a:buFontTx/>
               <a:buNone/>
-              <a:defRPr b="1" sz="2400"/>
+              <a:defRPr sz="2400" b="1"/>
             </a:lvl2pPr>
             <a:lvl3pPr marL="0" indent="0">
               <a:buSzTx/>
               <a:buFontTx/>
               <a:buNone/>
-              <a:defRPr b="1" sz="2400"/>
+              <a:defRPr sz="2400" b="1"/>
             </a:lvl3pPr>
             <a:lvl4pPr marL="0" indent="0">
               <a:buSzTx/>
               <a:buFontTx/>
               <a:buNone/>
-              <a:defRPr b="1" sz="2400"/>
+              <a:defRPr sz="2400" b="1"/>
             </a:lvl4pPr>
             <a:lvl5pPr marL="0" indent="0">
               <a:buSzTx/>
               <a:buFontTx/>
               <a:buNone/>
-              <a:defRPr b="1" sz="2400"/>
+              <a:defRPr sz="2400" b="1"/>
             </a:lvl5pPr>
           </a:lstStyle>
           <a:p>
-            <a:pPr/>
             <a:r>
               <a:t>正文级别 1</a:t>
             </a:r>
@@ -2465,7 +2531,9 @@
       <p:sp>
         <p:nvSpPr>
           <p:cNvPr id="49" name="文本占位符 4"/>
-          <p:cNvSpPr/>
+          <p:cNvSpPr>
+            <a:spLocks noGrp="1"/>
+          </p:cNvSpPr>
           <p:nvPr>
             <p:ph type="body" sz="quarter" idx="13"/>
           </p:nvPr>
@@ -2483,14 +2551,16 @@
           <a:bodyPr anchor="b"/>
           <a:lstStyle/>
           <a:p>
-            <a:pPr/>
+            <a:endParaRPr/>
           </a:p>
         </p:txBody>
       </p:sp>
       <p:sp>
         <p:nvSpPr>
           <p:cNvPr id="50" name="幻灯片编号"/>
-          <p:cNvSpPr txBox="1"/>
+          <p:cNvSpPr txBox="1">
+            <a:spLocks noGrp="1"/>
+          </p:cNvSpPr>
           <p:nvPr>
             <p:ph type="sldNum" sz="quarter" idx="2"/>
           </p:nvPr>
@@ -2504,8 +2574,10 @@
           <a:bodyPr/>
           <a:lstStyle/>
           <a:p>
-            <a:pPr/>
-            <a:fld id="{86CB4B4D-7CA3-9044-876B-883B54F8677D}" type="slidenum"/>
+            <a:fld id="{86CB4B4D-7CA3-9044-876B-883B54F8677D}" type="slidenum">
+              <a:t>‹#›</a:t>
+            </a:fld>
+            <a:endParaRPr/>
           </a:p>
         </p:txBody>
       </p:sp>
@@ -2514,12 +2586,12 @@
   <p:clrMapOvr>
     <a:masterClrMapping/>
   </p:clrMapOvr>
-  <p:transition xmlns:p14="http://schemas.microsoft.com/office/powerpoint/2010/main" spd="med" advClick="1"/>
+  <p:transition spd="med"/>
 </p:sldLayout>
 </file>
 
 <file path=ppt/slideLayouts/slideLayout6.xml><?xml version="1.0" encoding="utf-8"?>
-<p:sldLayout xmlns:a="http://schemas.openxmlformats.org/drawingml/2006/main" xmlns:r="http://schemas.openxmlformats.org/officeDocument/2006/relationships" xmlns:p="http://schemas.openxmlformats.org/presentationml/2006/main" xmlns:m="http://schemas.openxmlformats.org/officeDocument/2006/math" xmlns:a14="http://schemas.microsoft.com/office/drawing/2010/main" type="tx" showMasterSp="1" showMasterPhAnim="1">
+<p:sldLayout xmlns:a="http://schemas.openxmlformats.org/drawingml/2006/main" xmlns:r="http://schemas.openxmlformats.org/officeDocument/2006/relationships" xmlns:p="http://schemas.openxmlformats.org/presentationml/2006/main" type="tx">
   <p:cSld name="仅标题">
     <p:spTree>
       <p:nvGrpSpPr>
@@ -2538,7 +2610,9 @@
       <p:sp>
         <p:nvSpPr>
           <p:cNvPr id="57" name="标题文本"/>
-          <p:cNvSpPr txBox="1"/>
+          <p:cNvSpPr txBox="1">
+            <a:spLocks noGrp="1"/>
+          </p:cNvSpPr>
           <p:nvPr>
             <p:ph type="title"/>
           </p:nvPr>
@@ -2552,7 +2626,6 @@
           <a:bodyPr/>
           <a:lstStyle/>
           <a:p>
-            <a:pPr/>
             <a:r>
               <a:t>标题文本</a:t>
             </a:r>
@@ -2562,7 +2635,9 @@
       <p:sp>
         <p:nvSpPr>
           <p:cNvPr id="58" name="幻灯片编号"/>
-          <p:cNvSpPr txBox="1"/>
+          <p:cNvSpPr txBox="1">
+            <a:spLocks noGrp="1"/>
+          </p:cNvSpPr>
           <p:nvPr>
             <p:ph type="sldNum" sz="quarter" idx="2"/>
           </p:nvPr>
@@ -2576,8 +2651,10 @@
           <a:bodyPr/>
           <a:lstStyle/>
           <a:p>
-            <a:pPr/>
-            <a:fld id="{86CB4B4D-7CA3-9044-876B-883B54F8677D}" type="slidenum"/>
+            <a:fld id="{86CB4B4D-7CA3-9044-876B-883B54F8677D}" type="slidenum">
+              <a:t>‹#›</a:t>
+            </a:fld>
+            <a:endParaRPr/>
           </a:p>
         </p:txBody>
       </p:sp>
@@ -2586,12 +2663,12 @@
   <p:clrMapOvr>
     <a:masterClrMapping/>
   </p:clrMapOvr>
-  <p:transition xmlns:p14="http://schemas.microsoft.com/office/powerpoint/2010/main" spd="med" advClick="1"/>
+  <p:transition spd="med"/>
 </p:sldLayout>
 </file>
 
 <file path=ppt/slideLayouts/slideLayout7.xml><?xml version="1.0" encoding="utf-8"?>
-<p:sldLayout xmlns:a="http://schemas.openxmlformats.org/drawingml/2006/main" xmlns:r="http://schemas.openxmlformats.org/officeDocument/2006/relationships" xmlns:p="http://schemas.openxmlformats.org/presentationml/2006/main" xmlns:m="http://schemas.openxmlformats.org/officeDocument/2006/math" xmlns:a14="http://schemas.microsoft.com/office/drawing/2010/main" type="tx" showMasterSp="1" showMasterPhAnim="1">
+<p:sldLayout xmlns:a="http://schemas.openxmlformats.org/drawingml/2006/main" xmlns:r="http://schemas.openxmlformats.org/officeDocument/2006/relationships" xmlns:p="http://schemas.openxmlformats.org/presentationml/2006/main" type="tx">
   <p:cSld name="空白">
     <p:spTree>
       <p:nvGrpSpPr>
@@ -2610,7 +2687,9 @@
       <p:sp>
         <p:nvSpPr>
           <p:cNvPr id="65" name="幻灯片编号"/>
-          <p:cNvSpPr txBox="1"/>
+          <p:cNvSpPr txBox="1">
+            <a:spLocks noGrp="1"/>
+          </p:cNvSpPr>
           <p:nvPr>
             <p:ph type="sldNum" sz="quarter" idx="2"/>
           </p:nvPr>
@@ -2624,8 +2703,10 @@
           <a:bodyPr/>
           <a:lstStyle/>
           <a:p>
-            <a:pPr/>
-            <a:fld id="{86CB4B4D-7CA3-9044-876B-883B54F8677D}" type="slidenum"/>
+            <a:fld id="{86CB4B4D-7CA3-9044-876B-883B54F8677D}" type="slidenum">
+              <a:t>‹#›</a:t>
+            </a:fld>
+            <a:endParaRPr/>
           </a:p>
         </p:txBody>
       </p:sp>
@@ -2634,12 +2715,12 @@
   <p:clrMapOvr>
     <a:masterClrMapping/>
   </p:clrMapOvr>
-  <p:transition xmlns:p14="http://schemas.microsoft.com/office/powerpoint/2010/main" spd="med" advClick="1"/>
+  <p:transition spd="med"/>
 </p:sldLayout>
 </file>
 
 <file path=ppt/slideLayouts/slideLayout8.xml><?xml version="1.0" encoding="utf-8"?>
-<p:sldLayout xmlns:a="http://schemas.openxmlformats.org/drawingml/2006/main" xmlns:r="http://schemas.openxmlformats.org/officeDocument/2006/relationships" xmlns:p="http://schemas.openxmlformats.org/presentationml/2006/main" xmlns:m="http://schemas.openxmlformats.org/officeDocument/2006/math" xmlns:a14="http://schemas.microsoft.com/office/drawing/2010/main" type="tx" showMasterSp="1" showMasterPhAnim="1">
+<p:sldLayout xmlns:a="http://schemas.openxmlformats.org/drawingml/2006/main" xmlns:r="http://schemas.openxmlformats.org/officeDocument/2006/relationships" xmlns:p="http://schemas.openxmlformats.org/presentationml/2006/main" type="tx">
   <p:cSld name="内容与标题">
     <p:spTree>
       <p:nvGrpSpPr>
@@ -2658,7 +2739,9 @@
       <p:sp>
         <p:nvSpPr>
           <p:cNvPr id="72" name="标题文本"/>
-          <p:cNvSpPr txBox="1"/>
+          <p:cNvSpPr txBox="1">
+            <a:spLocks noGrp="1"/>
+          </p:cNvSpPr>
           <p:nvPr>
             <p:ph type="title"/>
           </p:nvPr>
@@ -2680,7 +2763,6 @@
             </a:lvl1pPr>
           </a:lstStyle>
           <a:p>
-            <a:pPr/>
             <a:r>
               <a:t>标题文本</a:t>
             </a:r>
@@ -2690,7 +2772,9 @@
       <p:sp>
         <p:nvSpPr>
           <p:cNvPr id="73" name="正文级别 1…"/>
-          <p:cNvSpPr txBox="1"/>
+          <p:cNvSpPr txBox="1">
+            <a:spLocks noGrp="1"/>
+          </p:cNvSpPr>
           <p:nvPr>
             <p:ph type="body" sz="half" idx="1"/>
           </p:nvPr>
@@ -2724,7 +2808,6 @@
             </a:lvl5pPr>
           </a:lstStyle>
           <a:p>
-            <a:pPr/>
             <a:r>
               <a:t>正文级别 1</a:t>
             </a:r>
@@ -2758,7 +2841,9 @@
       <p:sp>
         <p:nvSpPr>
           <p:cNvPr id="74" name="文本占位符 3"/>
-          <p:cNvSpPr/>
+          <p:cNvSpPr>
+            <a:spLocks noGrp="1"/>
+          </p:cNvSpPr>
           <p:nvPr>
             <p:ph type="body" sz="quarter" idx="13"/>
           </p:nvPr>
@@ -2776,14 +2861,16 @@
           <a:bodyPr/>
           <a:lstStyle/>
           <a:p>
-            <a:pPr/>
+            <a:endParaRPr/>
           </a:p>
         </p:txBody>
       </p:sp>
       <p:sp>
         <p:nvSpPr>
           <p:cNvPr id="75" name="幻灯片编号"/>
-          <p:cNvSpPr txBox="1"/>
+          <p:cNvSpPr txBox="1">
+            <a:spLocks noGrp="1"/>
+          </p:cNvSpPr>
           <p:nvPr>
             <p:ph type="sldNum" sz="quarter" idx="2"/>
           </p:nvPr>
@@ -2797,8 +2884,10 @@
           <a:bodyPr/>
           <a:lstStyle/>
           <a:p>
-            <a:pPr/>
-            <a:fld id="{86CB4B4D-7CA3-9044-876B-883B54F8677D}" type="slidenum"/>
+            <a:fld id="{86CB4B4D-7CA3-9044-876B-883B54F8677D}" type="slidenum">
+              <a:t>‹#›</a:t>
+            </a:fld>
+            <a:endParaRPr/>
           </a:p>
         </p:txBody>
       </p:sp>
@@ -2807,12 +2896,12 @@
   <p:clrMapOvr>
     <a:masterClrMapping/>
   </p:clrMapOvr>
-  <p:transition xmlns:p14="http://schemas.microsoft.com/office/powerpoint/2010/main" spd="med" advClick="1"/>
+  <p:transition spd="med"/>
 </p:sldLayout>
 </file>
 
 <file path=ppt/slideLayouts/slideLayout9.xml><?xml version="1.0" encoding="utf-8"?>
-<p:sldLayout xmlns:a="http://schemas.openxmlformats.org/drawingml/2006/main" xmlns:r="http://schemas.openxmlformats.org/officeDocument/2006/relationships" xmlns:p="http://schemas.openxmlformats.org/presentationml/2006/main" xmlns:m="http://schemas.openxmlformats.org/officeDocument/2006/math" xmlns:a14="http://schemas.microsoft.com/office/drawing/2010/main" type="tx" showMasterSp="1" showMasterPhAnim="1">
+<p:sldLayout xmlns:a="http://schemas.openxmlformats.org/drawingml/2006/main" xmlns:r="http://schemas.openxmlformats.org/officeDocument/2006/relationships" xmlns:p="http://schemas.openxmlformats.org/presentationml/2006/main" type="tx">
   <p:cSld name="图片与标题">
     <p:spTree>
       <p:nvGrpSpPr>
@@ -2831,7 +2920,9 @@
       <p:sp>
         <p:nvSpPr>
           <p:cNvPr id="82" name="标题文本"/>
-          <p:cNvSpPr txBox="1"/>
+          <p:cNvSpPr txBox="1">
+            <a:spLocks noGrp="1"/>
+          </p:cNvSpPr>
           <p:nvPr>
             <p:ph type="title"/>
           </p:nvPr>
@@ -2853,7 +2944,6 @@
             </a:lvl1pPr>
           </a:lstStyle>
           <a:p>
-            <a:pPr/>
             <a:r>
               <a:t>标题文本</a:t>
             </a:r>
@@ -2863,7 +2953,9 @@
       <p:sp>
         <p:nvSpPr>
           <p:cNvPr id="83" name="图片占位符 2"/>
-          <p:cNvSpPr/>
+          <p:cNvSpPr>
+            <a:spLocks noGrp="1"/>
+          </p:cNvSpPr>
           <p:nvPr>
             <p:ph type="pic" sz="half" idx="13"/>
           </p:nvPr>
@@ -2883,14 +2975,16 @@
           </a:bodyPr>
           <a:lstStyle/>
           <a:p>
-            <a:pPr/>
+            <a:endParaRPr/>
           </a:p>
         </p:txBody>
       </p:sp>
       <p:sp>
         <p:nvSpPr>
           <p:cNvPr id="84" name="正文级别 1…"/>
-          <p:cNvSpPr txBox="1"/>
+          <p:cNvSpPr txBox="1">
+            <a:spLocks noGrp="1"/>
+          </p:cNvSpPr>
           <p:nvPr>
             <p:ph type="body" sz="quarter" idx="1"/>
           </p:nvPr>
@@ -2939,7 +3033,6 @@
             </a:lvl5pPr>
           </a:lstStyle>
           <a:p>
-            <a:pPr/>
             <a:r>
               <a:t>正文级别 1</a:t>
             </a:r>
@@ -2973,7 +3066,9 @@
       <p:sp>
         <p:nvSpPr>
           <p:cNvPr id="85" name="幻灯片编号"/>
-          <p:cNvSpPr txBox="1"/>
+          <p:cNvSpPr txBox="1">
+            <a:spLocks noGrp="1"/>
+          </p:cNvSpPr>
           <p:nvPr>
             <p:ph type="sldNum" sz="quarter" idx="2"/>
           </p:nvPr>
@@ -2987,8 +3082,10 @@
           <a:bodyPr/>
           <a:lstStyle/>
           <a:p>
-            <a:pPr/>
-            <a:fld id="{86CB4B4D-7CA3-9044-876B-883B54F8677D}" type="slidenum"/>
+            <a:fld id="{86CB4B4D-7CA3-9044-876B-883B54F8677D}" type="slidenum">
+              <a:t>‹#›</a:t>
+            </a:fld>
+            <a:endParaRPr/>
           </a:p>
         </p:txBody>
       </p:sp>
@@ -2997,22 +3094,23 @@
   <p:clrMapOvr>
     <a:masterClrMapping/>
   </p:clrMapOvr>
-  <p:transition xmlns:p14="http://schemas.microsoft.com/office/powerpoint/2010/main" spd="med" advClick="1"/>
+  <p:transition spd="med"/>
 </p:sldLayout>
 </file>
 
 <file path=ppt/slideMasters/slideMaster1.xml><?xml version="1.0" encoding="utf-8"?>
-<p:sldMaster xmlns:a="http://schemas.openxmlformats.org/drawingml/2006/main" xmlns:r="http://schemas.openxmlformats.org/officeDocument/2006/relationships" xmlns:p="http://schemas.openxmlformats.org/presentationml/2006/main" xmlns:m="http://schemas.openxmlformats.org/officeDocument/2006/math" xmlns:a14="http://schemas.microsoft.com/office/drawing/2010/main">
+<p:sldMaster xmlns:a="http://schemas.openxmlformats.org/drawingml/2006/main" xmlns:r="http://schemas.openxmlformats.org/officeDocument/2006/relationships" xmlns:p="http://schemas.openxmlformats.org/presentationml/2006/main">
   <p:cSld>
     <p:bg>
       <p:bgPr>
         <a:blipFill rotWithShape="1">
-          <a:blip r:embed="rId2"/>
-          <a:srcRect l="0" t="0" r="0" b="0"/>
+          <a:blip r:embed="rId13"/>
+          <a:srcRect/>
           <a:stretch>
             <a:fillRect/>
           </a:stretch>
         </a:blipFill>
+        <a:effectLst/>
       </p:bgPr>
     </p:bg>
     <p:spTree>
@@ -3032,7 +3130,9 @@
       <p:sp>
         <p:nvSpPr>
           <p:cNvPr id="2" name="标题文本"/>
-          <p:cNvSpPr txBox="1"/>
+          <p:cNvSpPr txBox="1">
+            <a:spLocks noGrp="1"/>
+          </p:cNvSpPr>
           <p:nvPr>
             <p:ph type="title"/>
           </p:nvPr>
@@ -3056,11 +3156,10 @@
         </p:spPr>
         <p:txBody>
           <a:bodyPr lIns="45718" tIns="45718" rIns="45718" bIns="45718" anchor="ctr">
-            <a:normAutofit fontScale="100000" lnSpcReduction="0"/>
+            <a:normAutofit/>
           </a:bodyPr>
           <a:lstStyle/>
           <a:p>
-            <a:pPr/>
             <a:r>
               <a:t>标题文本</a:t>
             </a:r>
@@ -3070,7 +3169,9 @@
       <p:sp>
         <p:nvSpPr>
           <p:cNvPr id="3" name="正文级别 1…"/>
-          <p:cNvSpPr txBox="1"/>
+          <p:cNvSpPr txBox="1">
+            <a:spLocks noGrp="1"/>
+          </p:cNvSpPr>
           <p:nvPr>
             <p:ph type="body" idx="1"/>
           </p:nvPr>
@@ -3094,11 +3195,10 @@
         </p:spPr>
         <p:txBody>
           <a:bodyPr lIns="45718" tIns="45718" rIns="45718" bIns="45718">
-            <a:normAutofit fontScale="100000" lnSpcReduction="0"/>
+            <a:normAutofit/>
           </a:bodyPr>
           <a:lstStyle/>
           <a:p>
-            <a:pPr/>
             <a:r>
               <a:t>正文级别 1</a:t>
             </a:r>
@@ -3132,7 +3232,9 @@
       <p:sp>
         <p:nvSpPr>
           <p:cNvPr id="4" name="幻灯片编号"/>
-          <p:cNvSpPr txBox="1"/>
+          <p:cNvSpPr txBox="1">
+            <a:spLocks noGrp="1"/>
+          </p:cNvSpPr>
           <p:nvPr>
             <p:ph type="sldNum" sz="quarter" idx="2"/>
           </p:nvPr>
@@ -3163,8 +3265,10 @@
             </a:lvl1pPr>
           </a:lstStyle>
           <a:p>
-            <a:pPr/>
-            <a:fld id="{86CB4B4D-7CA3-9044-876B-883B54F8677D}" type="slidenum"/>
+            <a:fld id="{86CB4B4D-7CA3-9044-876B-883B54F8677D}" type="slidenum">
+              <a:t>‹#›</a:t>
+            </a:fld>
+            <a:endParaRPr/>
           </a:p>
         </p:txBody>
       </p:sp>
@@ -3172,19 +3276,19 @@
   </p:cSld>
   <p:clrMap bg1="lt1" tx1="dk1" bg2="lt2" tx2="dk2" accent1="accent1" accent2="accent2" accent3="accent3" accent4="accent4" accent5="accent5" accent6="accent6" hlink="hlink" folHlink="folHlink"/>
   <p:sldLayoutIdLst>
-    <p:sldLayoutId id="2147483649" r:id="rId3"/>
-    <p:sldLayoutId id="2147483650" r:id="rId4"/>
-    <p:sldLayoutId id="2147483651" r:id="rId5"/>
-    <p:sldLayoutId id="2147483652" r:id="rId6"/>
-    <p:sldLayoutId id="2147483653" r:id="rId7"/>
-    <p:sldLayoutId id="2147483654" r:id="rId8"/>
-    <p:sldLayoutId id="2147483655" r:id="rId9"/>
-    <p:sldLayoutId id="2147483656" r:id="rId10"/>
-    <p:sldLayoutId id="2147483657" r:id="rId11"/>
-    <p:sldLayoutId id="2147483658" r:id="rId12"/>
-    <p:sldLayoutId id="2147483659" r:id="rId13"/>
+    <p:sldLayoutId id="2147483649" r:id="rId1"/>
+    <p:sldLayoutId id="2147483650" r:id="rId2"/>
+    <p:sldLayoutId id="2147483651" r:id="rId3"/>
+    <p:sldLayoutId id="2147483652" r:id="rId4"/>
+    <p:sldLayoutId id="2147483653" r:id="rId5"/>
+    <p:sldLayoutId id="2147483654" r:id="rId6"/>
+    <p:sldLayoutId id="2147483655" r:id="rId7"/>
+    <p:sldLayoutId id="2147483656" r:id="rId8"/>
+    <p:sldLayoutId id="2147483657" r:id="rId9"/>
+    <p:sldLayoutId id="2147483658" r:id="rId10"/>
+    <p:sldLayoutId id="2147483659" r:id="rId11"/>
   </p:sldLayoutIdLst>
-  <p:transition xmlns:p14="http://schemas.microsoft.com/office/powerpoint/2010/main" spd="med" advClick="1"/>
+  <p:transition spd="med"/>
   <p:txStyles>
     <p:titleStyle>
       <a:lvl1pPr marL="0" marR="0" indent="0" algn="l" defTabSz="914400" rtl="0" latinLnBrk="0">
@@ -3202,7 +3306,7 @@
         <a:buFontTx/>
         <a:buNone/>
         <a:tabLst/>
-        <a:defRPr b="0" baseline="0" cap="none" i="0" spc="0" strike="noStrike" sz="4400" u="none">
+        <a:defRPr sz="4400" b="0" i="0" u="none" strike="noStrike" cap="none" spc="0" baseline="0">
           <a:ln>
             <a:noFill/>
           </a:ln>
@@ -3231,7 +3335,7 @@
         <a:buFontTx/>
         <a:buNone/>
         <a:tabLst/>
-        <a:defRPr b="0" baseline="0" cap="none" i="0" spc="0" strike="noStrike" sz="4400" u="none">
+        <a:defRPr sz="4400" b="0" i="0" u="none" strike="noStrike" cap="none" spc="0" baseline="0">
           <a:ln>
             <a:noFill/>
           </a:ln>
@@ -3260,7 +3364,7 @@
         <a:buFontTx/>
         <a:buNone/>
         <a:tabLst/>
-        <a:defRPr b="0" baseline="0" cap="none" i="0" spc="0" strike="noStrike" sz="4400" u="none">
+        <a:defRPr sz="4400" b="0" i="0" u="none" strike="noStrike" cap="none" spc="0" baseline="0">
           <a:ln>
             <a:noFill/>
           </a:ln>
@@ -3289,7 +3393,7 @@
         <a:buFontTx/>
         <a:buNone/>
         <a:tabLst/>
-        <a:defRPr b="0" baseline="0" cap="none" i="0" spc="0" strike="noStrike" sz="4400" u="none">
+        <a:defRPr sz="4400" b="0" i="0" u="none" strike="noStrike" cap="none" spc="0" baseline="0">
           <a:ln>
             <a:noFill/>
           </a:ln>
@@ -3318,7 +3422,7 @@
         <a:buFontTx/>
         <a:buNone/>
         <a:tabLst/>
-        <a:defRPr b="0" baseline="0" cap="none" i="0" spc="0" strike="noStrike" sz="4400" u="none">
+        <a:defRPr sz="4400" b="0" i="0" u="none" strike="noStrike" cap="none" spc="0" baseline="0">
           <a:ln>
             <a:noFill/>
           </a:ln>
@@ -3347,7 +3451,7 @@
         <a:buFontTx/>
         <a:buNone/>
         <a:tabLst/>
-        <a:defRPr b="0" baseline="0" cap="none" i="0" spc="0" strike="noStrike" sz="4400" u="none">
+        <a:defRPr sz="4400" b="0" i="0" u="none" strike="noStrike" cap="none" spc="0" baseline="0">
           <a:ln>
             <a:noFill/>
           </a:ln>
@@ -3376,7 +3480,7 @@
         <a:buFontTx/>
         <a:buNone/>
         <a:tabLst/>
-        <a:defRPr b="0" baseline="0" cap="none" i="0" spc="0" strike="noStrike" sz="4400" u="none">
+        <a:defRPr sz="4400" b="0" i="0" u="none" strike="noStrike" cap="none" spc="0" baseline="0">
           <a:ln>
             <a:noFill/>
           </a:ln>
@@ -3405,7 +3509,7 @@
         <a:buFontTx/>
         <a:buNone/>
         <a:tabLst/>
-        <a:defRPr b="0" baseline="0" cap="none" i="0" spc="0" strike="noStrike" sz="4400" u="none">
+        <a:defRPr sz="4400" b="0" i="0" u="none" strike="noStrike" cap="none" spc="0" baseline="0">
           <a:ln>
             <a:noFill/>
           </a:ln>
@@ -3434,7 +3538,7 @@
         <a:buFontTx/>
         <a:buNone/>
         <a:tabLst/>
-        <a:defRPr b="0" baseline="0" cap="none" i="0" spc="0" strike="noStrike" sz="4400" u="none">
+        <a:defRPr sz="4400" b="0" i="0" u="none" strike="noStrike" cap="none" spc="0" baseline="0">
           <a:ln>
             <a:noFill/>
           </a:ln>
@@ -3465,7 +3569,7 @@
         <a:buFont typeface="Arial"/>
         <a:buChar char="•"/>
         <a:tabLst/>
-        <a:defRPr b="0" baseline="0" cap="none" i="0" spc="0" strike="noStrike" sz="2800" u="none">
+        <a:defRPr sz="2800" b="0" i="0" u="none" strike="noStrike" cap="none" spc="0" baseline="0">
           <a:ln>
             <a:noFill/>
           </a:ln>
@@ -3494,7 +3598,7 @@
         <a:buFont typeface="Arial"/>
         <a:buChar char="•"/>
         <a:tabLst/>
-        <a:defRPr b="0" baseline="0" cap="none" i="0" spc="0" strike="noStrike" sz="2800" u="none">
+        <a:defRPr sz="2800" b="0" i="0" u="none" strike="noStrike" cap="none" spc="0" baseline="0">
           <a:ln>
             <a:noFill/>
           </a:ln>
@@ -3523,7 +3627,7 @@
         <a:buFont typeface="Arial"/>
         <a:buChar char="•"/>
         <a:tabLst/>
-        <a:defRPr b="0" baseline="0" cap="none" i="0" spc="0" strike="noStrike" sz="2800" u="none">
+        <a:defRPr sz="2800" b="0" i="0" u="none" strike="noStrike" cap="none" spc="0" baseline="0">
           <a:ln>
             <a:noFill/>
           </a:ln>
@@ -3552,7 +3656,7 @@
         <a:buFont typeface="Arial"/>
         <a:buChar char="•"/>
         <a:tabLst/>
-        <a:defRPr b="0" baseline="0" cap="none" i="0" spc="0" strike="noStrike" sz="2800" u="none">
+        <a:defRPr sz="2800" b="0" i="0" u="none" strike="noStrike" cap="none" spc="0" baseline="0">
           <a:ln>
             <a:noFill/>
           </a:ln>
@@ -3581,7 +3685,7 @@
         <a:buFont typeface="Arial"/>
         <a:buChar char="•"/>
         <a:tabLst/>
-        <a:defRPr b="0" baseline="0" cap="none" i="0" spc="0" strike="noStrike" sz="2800" u="none">
+        <a:defRPr sz="2800" b="0" i="0" u="none" strike="noStrike" cap="none" spc="0" baseline="0">
           <a:ln>
             <a:noFill/>
           </a:ln>
@@ -3610,7 +3714,7 @@
         <a:buFont typeface="Arial"/>
         <a:buChar char="•"/>
         <a:tabLst/>
-        <a:defRPr b="0" baseline="0" cap="none" i="0" spc="0" strike="noStrike" sz="2800" u="none">
+        <a:defRPr sz="2800" b="0" i="0" u="none" strike="noStrike" cap="none" spc="0" baseline="0">
           <a:ln>
             <a:noFill/>
           </a:ln>
@@ -3639,7 +3743,7 @@
         <a:buFont typeface="Arial"/>
         <a:buChar char="•"/>
         <a:tabLst/>
-        <a:defRPr b="0" baseline="0" cap="none" i="0" spc="0" strike="noStrike" sz="2800" u="none">
+        <a:defRPr sz="2800" b="0" i="0" u="none" strike="noStrike" cap="none" spc="0" baseline="0">
           <a:ln>
             <a:noFill/>
           </a:ln>
@@ -3668,7 +3772,7 @@
         <a:buFont typeface="Arial"/>
         <a:buChar char="•"/>
         <a:tabLst/>
-        <a:defRPr b="0" baseline="0" cap="none" i="0" spc="0" strike="noStrike" sz="2800" u="none">
+        <a:defRPr sz="2800" b="0" i="0" u="none" strike="noStrike" cap="none" spc="0" baseline="0">
           <a:ln>
             <a:noFill/>
           </a:ln>
@@ -3697,7 +3801,7 @@
         <a:buFont typeface="Arial"/>
         <a:buChar char="•"/>
         <a:tabLst/>
-        <a:defRPr b="0" baseline="0" cap="none" i="0" spc="0" strike="noStrike" sz="2800" u="none">
+        <a:defRPr sz="2800" b="0" i="0" u="none" strike="noStrike" cap="none" spc="0" baseline="0">
           <a:ln>
             <a:noFill/>
           </a:ln>
@@ -3728,7 +3832,7 @@
         <a:buFontTx/>
         <a:buNone/>
         <a:tabLst/>
-        <a:defRPr b="0" baseline="0" cap="none" i="0" spc="0" strike="noStrike" sz="1200" u="none">
+        <a:defRPr sz="1200" b="0" i="0" u="none" strike="noStrike" cap="none" spc="0" baseline="0">
           <a:ln>
             <a:noFill/>
           </a:ln>
@@ -3757,7 +3861,7 @@
         <a:buFontTx/>
         <a:buNone/>
         <a:tabLst/>
-        <a:defRPr b="0" baseline="0" cap="none" i="0" spc="0" strike="noStrike" sz="1200" u="none">
+        <a:defRPr sz="1200" b="0" i="0" u="none" strike="noStrike" cap="none" spc="0" baseline="0">
           <a:ln>
             <a:noFill/>
           </a:ln>
@@ -3786,7 +3890,7 @@
         <a:buFontTx/>
         <a:buNone/>
         <a:tabLst/>
-        <a:defRPr b="0" baseline="0" cap="none" i="0" spc="0" strike="noStrike" sz="1200" u="none">
+        <a:defRPr sz="1200" b="0" i="0" u="none" strike="noStrike" cap="none" spc="0" baseline="0">
           <a:ln>
             <a:noFill/>
           </a:ln>
@@ -3815,7 +3919,7 @@
         <a:buFontTx/>
         <a:buNone/>
         <a:tabLst/>
-        <a:defRPr b="0" baseline="0" cap="none" i="0" spc="0" strike="noStrike" sz="1200" u="none">
+        <a:defRPr sz="1200" b="0" i="0" u="none" strike="noStrike" cap="none" spc="0" baseline="0">
           <a:ln>
             <a:noFill/>
           </a:ln>
@@ -3844,7 +3948,7 @@
         <a:buFontTx/>
         <a:buNone/>
         <a:tabLst/>
-        <a:defRPr b="0" baseline="0" cap="none" i="0" spc="0" strike="noStrike" sz="1200" u="none">
+        <a:defRPr sz="1200" b="0" i="0" u="none" strike="noStrike" cap="none" spc="0" baseline="0">
           <a:ln>
             <a:noFill/>
           </a:ln>
@@ -3873,7 +3977,7 @@
         <a:buFontTx/>
         <a:buNone/>
         <a:tabLst/>
-        <a:defRPr b="0" baseline="0" cap="none" i="0" spc="0" strike="noStrike" sz="1200" u="none">
+        <a:defRPr sz="1200" b="0" i="0" u="none" strike="noStrike" cap="none" spc="0" baseline="0">
           <a:ln>
             <a:noFill/>
           </a:ln>
@@ -3902,7 +4006,7 @@
         <a:buFontTx/>
         <a:buNone/>
         <a:tabLst/>
-        <a:defRPr b="0" baseline="0" cap="none" i="0" spc="0" strike="noStrike" sz="1200" u="none">
+        <a:defRPr sz="1200" b="0" i="0" u="none" strike="noStrike" cap="none" spc="0" baseline="0">
           <a:ln>
             <a:noFill/>
           </a:ln>
@@ -3931,7 +4035,7 @@
         <a:buFontTx/>
         <a:buNone/>
         <a:tabLst/>
-        <a:defRPr b="0" baseline="0" cap="none" i="0" spc="0" strike="noStrike" sz="1200" u="none">
+        <a:defRPr sz="1200" b="0" i="0" u="none" strike="noStrike" cap="none" spc="0" baseline="0">
           <a:ln>
             <a:noFill/>
           </a:ln>
@@ -3960,7 +4064,7 @@
         <a:buFontTx/>
         <a:buNone/>
         <a:tabLst/>
-        <a:defRPr b="0" baseline="0" cap="none" i="0" spc="0" strike="noStrike" sz="1200" u="none">
+        <a:defRPr sz="1200" b="0" i="0" u="none" strike="noStrike" cap="none" spc="0" baseline="0">
           <a:ln>
             <a:noFill/>
           </a:ln>
@@ -3980,7 +4084,7 @@
 </file>
 
 <file path=ppt/slides/slide1.xml><?xml version="1.0" encoding="utf-8"?>
-<p:sld xmlns:a="http://schemas.openxmlformats.org/drawingml/2006/main" xmlns:r="http://schemas.openxmlformats.org/officeDocument/2006/relationships" xmlns:p="http://schemas.openxmlformats.org/presentationml/2006/main" xmlns:m="http://schemas.openxmlformats.org/officeDocument/2006/math" xmlns:a14="http://schemas.microsoft.com/office/drawing/2010/main" showMasterSp="1" showMasterPhAnim="1">
+<p:sld xmlns:a="http://schemas.openxmlformats.org/drawingml/2006/main" xmlns:r="http://schemas.openxmlformats.org/officeDocument/2006/relationships" xmlns:p="http://schemas.openxmlformats.org/presentationml/2006/main">
   <p:cSld>
     <p:spTree>
       <p:nvGrpSpPr>
@@ -4030,6 +4134,7 @@
                 </a:solidFill>
               </a:defRPr>
             </a:pPr>
+            <a:endParaRPr/>
           </a:p>
         </p:txBody>
       </p:sp>
@@ -4074,7 +4179,6 @@
             </a:lvl1pPr>
           </a:lstStyle>
           <a:p>
-            <a:pPr/>
             <a:r>
               <a:t>第四章</a:t>
             </a:r>
@@ -4106,7 +4210,7 @@
           <a:bodyPr lIns="45718" tIns="45718" rIns="45718" bIns="45718"/>
           <a:lstStyle/>
           <a:p>
-            <a:pPr/>
+            <a:endParaRPr/>
           </a:p>
         </p:txBody>
       </p:sp>
@@ -4151,7 +4255,6 @@
             </a:lvl1pPr>
           </a:lstStyle>
           <a:p>
-            <a:pPr/>
             <a:r>
               <a:t>教师：代立云  </a:t>
             </a:r>
@@ -4190,6 +4293,7 @@
                 </a:solidFill>
               </a:defRPr>
             </a:pPr>
+            <a:endParaRPr/>
           </a:p>
         </p:txBody>
       </p:sp>
@@ -4218,7 +4322,7 @@
           <a:bodyPr lIns="45718" tIns="45718" rIns="45718" bIns="45718"/>
           <a:lstStyle/>
           <a:p>
-            <a:pPr/>
+            <a:endParaRPr/>
           </a:p>
         </p:txBody>
       </p:sp>
@@ -4254,6 +4358,7 @@
                 </a:solidFill>
               </a:defRPr>
             </a:pPr>
+            <a:endParaRPr/>
           </a:p>
         </p:txBody>
       </p:sp>
@@ -4288,7 +4393,7 @@
             </a:cxnLst>
             <a:rect l="0" t="0" r="r" b="b"/>
             <a:pathLst>
-              <a:path w="21600" h="21600" fill="norm" stroke="1" extrusionOk="0">
+              <a:path w="21600" h="21600" extrusionOk="0">
                 <a:moveTo>
                   <a:pt x="15817" y="8740"/>
                 </a:moveTo>
@@ -4613,6 +4718,7 @@
                 <a:sym typeface="宋体"/>
               </a:defRPr>
             </a:pPr>
+            <a:endParaRPr/>
           </a:p>
         </p:txBody>
       </p:sp>
@@ -4686,7 +4792,6 @@
             </a:lvl1pPr>
           </a:lstStyle>
           <a:p>
-            <a:pPr/>
             <a:r>
               <a:t>深入理解Activity与Fragment</a:t>
             </a:r>
@@ -4698,12 +4803,12 @@
   <p:clrMapOvr>
     <a:masterClrMapping/>
   </p:clrMapOvr>
-  <p:transition xmlns:p14="http://schemas.microsoft.com/office/powerpoint/2010/main" spd="med" advClick="1"/>
+  <p:transition spd="med"/>
 </p:sld>
 </file>
 
 <file path=ppt/slides/slide10.xml><?xml version="1.0" encoding="utf-8"?>
-<p:sld xmlns:a="http://schemas.openxmlformats.org/drawingml/2006/main" xmlns:r="http://schemas.openxmlformats.org/officeDocument/2006/relationships" xmlns:p="http://schemas.openxmlformats.org/presentationml/2006/main" xmlns:m="http://schemas.openxmlformats.org/officeDocument/2006/math" xmlns:a14="http://schemas.microsoft.com/office/drawing/2010/main" showMasterSp="1" showMasterPhAnim="1">
+<p:sld xmlns:a="http://schemas.openxmlformats.org/drawingml/2006/main" xmlns:r="http://schemas.openxmlformats.org/officeDocument/2006/relationships" xmlns:p="http://schemas.openxmlformats.org/presentationml/2006/main">
   <p:cSld>
     <p:spTree>
       <p:nvGrpSpPr>
@@ -4771,6 +4876,7 @@
                   </a:solidFill>
                 </a:defRPr>
               </a:pPr>
+              <a:endParaRPr/>
             </a:p>
           </p:txBody>
         </p:sp>
@@ -4818,7 +4924,6 @@
               </a:lvl1pPr>
             </a:lstStyle>
             <a:p>
-              <a:pPr/>
               <a:r>
                 <a:t>4.1.5 启动其他Activity并返回结果</a:t>
               </a:r>
@@ -4855,7 +4960,7 @@
             </a:bodyPr>
             <a:lstStyle/>
             <a:p>
-              <a:pPr/>
+              <a:endParaRPr/>
             </a:p>
           </p:txBody>
         </p:sp>
@@ -4895,6 +5000,7 @@
                   </a:solidFill>
                 </a:defRPr>
               </a:pPr>
+              <a:endParaRPr/>
             </a:p>
           </p:txBody>
         </p:sp>
@@ -4942,7 +5048,6 @@
               </a:lvl1pPr>
             </a:lstStyle>
             <a:p>
-              <a:pPr/>
               <a:r>
                 <a:t>Bundle是一个简单的数据携带包，包含了多个方法来存储数据。</a:t>
               </a:r>
@@ -4991,7 +5096,6 @@
             </a:lvl1pPr>
           </a:lstStyle>
           <a:p>
-            <a:pPr/>
             <a:r>
               <a:t>案例：用第二个Activity让用户选择信息</a:t>
             </a:r>
@@ -5116,7 +5220,7 @@
             </a:cxnLst>
             <a:rect l="0" t="0" r="r" b="b"/>
             <a:pathLst>
-              <a:path w="21600" h="21600" fill="norm" stroke="1" extrusionOk="0">
+              <a:path w="21600" h="21600" extrusionOk="0">
                 <a:moveTo>
                   <a:pt x="0" y="0"/>
                 </a:moveTo>
@@ -5140,6 +5244,7 @@
           <a:lstStyle/>
           <a:p>
             <a:pPr algn="ctr"/>
+            <a:endParaRPr/>
           </a:p>
         </p:txBody>
       </p:sp>
@@ -5169,7 +5274,7 @@
           <a:bodyPr lIns="45718" tIns="45718" rIns="45718" bIns="45718"/>
           <a:lstStyle/>
           <a:p>
-            <a:pPr/>
+            <a:endParaRPr/>
           </a:p>
         </p:txBody>
       </p:sp>
@@ -5199,7 +5304,7 @@
           <a:bodyPr lIns="45718" tIns="45718" rIns="45718" bIns="45718"/>
           <a:lstStyle/>
           <a:p>
-            <a:pPr/>
+            <a:endParaRPr/>
           </a:p>
         </p:txBody>
       </p:sp>
@@ -5244,7 +5349,6 @@
             </a:lvl1pPr>
           </a:lstStyle>
           <a:p>
-            <a:pPr/>
             <a:r>
               <a:t>进入第二个Activity选择信息</a:t>
             </a:r>
@@ -5282,7 +5386,7 @@
             </a:cxnLst>
             <a:rect l="0" t="0" r="r" b="b"/>
             <a:pathLst>
-              <a:path w="21600" h="21600" fill="norm" stroke="1" extrusionOk="0">
+              <a:path w="21600" h="21600" extrusionOk="0">
                 <a:moveTo>
                   <a:pt x="0" y="0"/>
                 </a:moveTo>
@@ -5306,6 +5410,7 @@
           <a:lstStyle/>
           <a:p>
             <a:pPr algn="ctr"/>
+            <a:endParaRPr/>
           </a:p>
         </p:txBody>
       </p:sp>
@@ -5335,7 +5440,7 @@
           <a:bodyPr lIns="45718" tIns="45718" rIns="45718" bIns="45718"/>
           <a:lstStyle/>
           <a:p>
-            <a:pPr/>
+            <a:endParaRPr/>
           </a:p>
         </p:txBody>
       </p:sp>
@@ -5365,7 +5470,7 @@
           <a:bodyPr lIns="45718" tIns="45718" rIns="45718" bIns="45718"/>
           <a:lstStyle/>
           <a:p>
-            <a:pPr/>
+            <a:endParaRPr/>
           </a:p>
         </p:txBody>
       </p:sp>
@@ -5395,7 +5500,7 @@
           <a:bodyPr lIns="45718" tIns="45718" rIns="45718" bIns="45718"/>
           <a:lstStyle/>
           <a:p>
-            <a:pPr/>
+            <a:endParaRPr/>
           </a:p>
         </p:txBody>
       </p:sp>
@@ -5440,7 +5545,6 @@
             </a:lvl1pPr>
           </a:lstStyle>
           <a:p>
-            <a:pPr/>
             <a:r>
               <a:t>返回结果到第一个Activity</a:t>
             </a:r>
@@ -5452,12 +5556,12 @@
   <p:clrMapOvr>
     <a:masterClrMapping/>
   </p:clrMapOvr>
-  <p:transition xmlns:p14="http://schemas.microsoft.com/office/powerpoint/2010/main" spd="med" advClick="1"/>
+  <p:transition spd="med"/>
 </p:sld>
 </file>
 
 <file path=ppt/slides/slide11.xml><?xml version="1.0" encoding="utf-8"?>
-<p:sld xmlns:a="http://schemas.openxmlformats.org/drawingml/2006/main" xmlns:r="http://schemas.openxmlformats.org/officeDocument/2006/relationships" xmlns:p="http://schemas.openxmlformats.org/presentationml/2006/main" xmlns:m="http://schemas.openxmlformats.org/officeDocument/2006/math" xmlns:a14="http://schemas.microsoft.com/office/drawing/2010/main" showMasterSp="1" showMasterPhAnim="1">
+<p:sld xmlns:a="http://schemas.openxmlformats.org/drawingml/2006/main" xmlns:r="http://schemas.openxmlformats.org/officeDocument/2006/relationships" xmlns:p="http://schemas.openxmlformats.org/presentationml/2006/main">
   <p:cSld>
     <p:spTree>
       <p:nvGrpSpPr>
@@ -5524,6 +5628,7 @@
                   </a:solidFill>
                 </a:defRPr>
               </a:pPr>
+              <a:endParaRPr/>
             </a:p>
           </p:txBody>
         </p:sp>
@@ -5567,7 +5672,6 @@
               </a:lvl1pPr>
             </a:lstStyle>
             <a:p>
-              <a:pPr/>
               <a:r>
                 <a:t>4.2</a:t>
               </a:r>
@@ -5606,7 +5710,7 @@
             </a:cxnLst>
             <a:rect l="0" t="0" r="r" b="b"/>
             <a:pathLst>
-              <a:path w="19059" h="21600" fill="norm" stroke="1" extrusionOk="0">
+              <a:path w="19059" h="21600" extrusionOk="0">
                 <a:moveTo>
                   <a:pt x="3662" y="21600"/>
                 </a:moveTo>
@@ -5644,6 +5748,7 @@
                 </a:solidFill>
               </a:defRPr>
             </a:pPr>
+            <a:endParaRPr/>
           </a:p>
         </p:txBody>
       </p:sp>
@@ -5672,7 +5777,7 @@
           <a:bodyPr lIns="45718" tIns="45718" rIns="45718" bIns="45718"/>
           <a:lstStyle/>
           <a:p>
-            <a:pPr/>
+            <a:endParaRPr/>
           </a:p>
         </p:txBody>
       </p:sp>
@@ -5717,7 +5822,6 @@
             </a:lvl1pPr>
           </a:lstStyle>
           <a:p>
-            <a:pPr/>
             <a:r>
               <a:t>Activity的回调机制</a:t>
             </a:r>
@@ -5749,7 +5853,7 @@
           <a:bodyPr lIns="45718" tIns="45718" rIns="45718" bIns="45718"/>
           <a:lstStyle/>
           <a:p>
-            <a:pPr/>
+            <a:endParaRPr/>
           </a:p>
         </p:txBody>
       </p:sp>
@@ -5778,7 +5882,7 @@
           <a:bodyPr lIns="45718" tIns="45718" rIns="45718" bIns="45718"/>
           <a:lstStyle/>
           <a:p>
-            <a:pPr/>
+            <a:endParaRPr/>
           </a:p>
         </p:txBody>
       </p:sp>
@@ -5787,12 +5891,12 @@
   <p:clrMapOvr>
     <a:masterClrMapping/>
   </p:clrMapOvr>
-  <p:transition xmlns:p14="http://schemas.microsoft.com/office/powerpoint/2010/main" spd="med" advClick="1"/>
+  <p:transition spd="med"/>
 </p:sld>
 </file>
 
 <file path=ppt/slides/slide12.xml><?xml version="1.0" encoding="utf-8"?>
-<p:sld xmlns:a="http://schemas.openxmlformats.org/drawingml/2006/main" xmlns:r="http://schemas.openxmlformats.org/officeDocument/2006/relationships" xmlns:p="http://schemas.openxmlformats.org/presentationml/2006/main" xmlns:m="http://schemas.openxmlformats.org/officeDocument/2006/math" xmlns:a14="http://schemas.microsoft.com/office/drawing/2010/main" showMasterSp="1" showMasterPhAnim="1">
+<p:sld xmlns:a="http://schemas.openxmlformats.org/drawingml/2006/main" xmlns:r="http://schemas.openxmlformats.org/officeDocument/2006/relationships" xmlns:p="http://schemas.openxmlformats.org/presentationml/2006/main">
   <p:cSld>
     <p:spTree>
       <p:nvGrpSpPr>
@@ -5859,6 +5963,7 @@
                   </a:solidFill>
                 </a:defRPr>
               </a:pPr>
+              <a:endParaRPr/>
             </a:p>
           </p:txBody>
         </p:sp>
@@ -5902,7 +6007,6 @@
               </a:lvl1pPr>
             </a:lstStyle>
             <a:p>
-              <a:pPr/>
               <a:r>
                 <a:t>4.3</a:t>
               </a:r>
@@ -5941,7 +6045,7 @@
             </a:cxnLst>
             <a:rect l="0" t="0" r="r" b="b"/>
             <a:pathLst>
-              <a:path w="19059" h="21600" fill="norm" stroke="1" extrusionOk="0">
+              <a:path w="19059" h="21600" extrusionOk="0">
                 <a:moveTo>
                   <a:pt x="3662" y="21600"/>
                 </a:moveTo>
@@ -5979,6 +6083,7 @@
                 </a:solidFill>
               </a:defRPr>
             </a:pPr>
+            <a:endParaRPr/>
           </a:p>
         </p:txBody>
       </p:sp>
@@ -6007,7 +6112,7 @@
           <a:bodyPr lIns="45718" tIns="45718" rIns="45718" bIns="45718"/>
           <a:lstStyle/>
           <a:p>
-            <a:pPr/>
+            <a:endParaRPr/>
           </a:p>
         </p:txBody>
       </p:sp>
@@ -6052,7 +6157,6 @@
             </a:lvl1pPr>
           </a:lstStyle>
           <a:p>
-            <a:pPr/>
             <a:r>
               <a:t>Activity生命周期与加载模式</a:t>
             </a:r>
@@ -6084,7 +6188,7 @@
           <a:bodyPr lIns="45718" tIns="45718" rIns="45718" bIns="45718"/>
           <a:lstStyle/>
           <a:p>
-            <a:pPr/>
+            <a:endParaRPr/>
           </a:p>
         </p:txBody>
       </p:sp>
@@ -6113,7 +6217,7 @@
           <a:bodyPr lIns="45718" tIns="45718" rIns="45718" bIns="45718"/>
           <a:lstStyle/>
           <a:p>
-            <a:pPr/>
+            <a:endParaRPr/>
           </a:p>
         </p:txBody>
       </p:sp>
@@ -6122,12 +6226,12 @@
   <p:clrMapOvr>
     <a:masterClrMapping/>
   </p:clrMapOvr>
-  <p:transition xmlns:p14="http://schemas.microsoft.com/office/powerpoint/2010/main" spd="med" advClick="1"/>
+  <p:transition spd="med"/>
 </p:sld>
 </file>
 
 <file path=ppt/slides/slide13.xml><?xml version="1.0" encoding="utf-8"?>
-<p:sld xmlns:a="http://schemas.openxmlformats.org/drawingml/2006/main" xmlns:r="http://schemas.openxmlformats.org/officeDocument/2006/relationships" xmlns:p="http://schemas.openxmlformats.org/presentationml/2006/main" xmlns:m="http://schemas.openxmlformats.org/officeDocument/2006/math" xmlns:a14="http://schemas.microsoft.com/office/drawing/2010/main" showMasterSp="1" showMasterPhAnim="1">
+<p:sld xmlns:a="http://schemas.openxmlformats.org/drawingml/2006/main" xmlns:r="http://schemas.openxmlformats.org/officeDocument/2006/relationships" xmlns:p="http://schemas.openxmlformats.org/presentationml/2006/main">
   <p:cSld>
     <p:spTree>
       <p:nvGrpSpPr>
@@ -6177,6 +6281,7 @@
                 </a:solidFill>
               </a:defRPr>
             </a:pPr>
+            <a:endParaRPr/>
           </a:p>
         </p:txBody>
       </p:sp>
@@ -6205,7 +6310,7 @@
           <a:bodyPr lIns="45718" tIns="45718" rIns="45718" bIns="45718"/>
           <a:lstStyle/>
           <a:p>
-            <a:pPr/>
+            <a:endParaRPr/>
           </a:p>
         </p:txBody>
       </p:sp>
@@ -6234,7 +6339,7 @@
           <a:bodyPr lIns="45718" tIns="45718" rIns="45718" bIns="45718"/>
           <a:lstStyle/>
           <a:p>
-            <a:pPr/>
+            <a:endParaRPr/>
           </a:p>
         </p:txBody>
       </p:sp>
@@ -6288,6 +6393,7 @@
                   </a:solidFill>
                 </a:defRPr>
               </a:pPr>
+              <a:endParaRPr/>
             </a:p>
           </p:txBody>
         </p:sp>
@@ -6335,7 +6441,6 @@
               </a:lvl1pPr>
             </a:lstStyle>
             <a:p>
-              <a:pPr/>
               <a:r>
                 <a:t>回调方法</a:t>
               </a:r>
@@ -6387,7 +6492,7 @@
             </a:bodyPr>
             <a:lstStyle/>
             <a:p>
-              <a:pPr/>
+              <a:endParaRPr/>
             </a:p>
           </p:txBody>
         </p:sp>
@@ -6421,7 +6526,7 @@
             </a:bodyPr>
             <a:lstStyle/>
             <a:p>
-              <a:pPr/>
+              <a:endParaRPr/>
             </a:p>
           </p:txBody>
         </p:sp>
@@ -6455,7 +6560,7 @@
             </a:bodyPr>
             <a:lstStyle/>
             <a:p>
-              <a:pPr/>
+              <a:endParaRPr/>
             </a:p>
           </p:txBody>
         </p:sp>
@@ -6489,7 +6594,7 @@
             </a:bodyPr>
             <a:lstStyle/>
             <a:p>
-              <a:pPr/>
+              <a:endParaRPr/>
             </a:p>
           </p:txBody>
         </p:sp>
@@ -6531,6 +6636,7 @@
                   </a:solidFill>
                 </a:defRPr>
               </a:pPr>
+              <a:endParaRPr/>
             </a:p>
           </p:txBody>
         </p:sp>
@@ -6570,6 +6676,7 @@
                   </a:solidFill>
                 </a:defRPr>
               </a:pPr>
+              <a:endParaRPr/>
             </a:p>
           </p:txBody>
         </p:sp>
@@ -6609,6 +6716,7 @@
                   </a:solidFill>
                 </a:defRPr>
               </a:pPr>
+              <a:endParaRPr/>
             </a:p>
           </p:txBody>
         </p:sp>
@@ -6650,6 +6758,7 @@
                   </a:solidFill>
                 </a:defRPr>
               </a:pPr>
+              <a:endParaRPr/>
             </a:p>
           </p:txBody>
         </p:sp>
@@ -6762,7 +6871,6 @@
               </a:lvl1pPr>
             </a:lstStyle>
             <a:p>
-              <a:pPr/>
               <a:r>
                 <a:t>停止状态</a:t>
               </a:r>
@@ -6813,7 +6921,6 @@
               </a:lvl1pPr>
             </a:lstStyle>
             <a:p>
-              <a:pPr/>
               <a:r>
                 <a:t>暂停状态</a:t>
               </a:r>
@@ -6864,7 +6971,6 @@
               </a:lvl1pPr>
             </a:lstStyle>
             <a:p>
-              <a:pPr/>
               <a:r>
                 <a:t>销毁状态</a:t>
               </a:r>
@@ -6902,7 +7008,7 @@
               </a:cxnLst>
               <a:rect l="0" t="0" r="r" b="b"/>
               <a:pathLst>
-                <a:path w="21600" h="21600" fill="norm" stroke="1" extrusionOk="0">
+                <a:path w="21600" h="21600" extrusionOk="0">
                   <a:moveTo>
                     <a:pt x="0" y="0"/>
                   </a:moveTo>
@@ -6931,6 +7037,7 @@
             <a:lstStyle/>
             <a:p>
               <a:pPr algn="ctr"/>
+              <a:endParaRPr/>
             </a:p>
           </p:txBody>
         </p:sp>
@@ -6965,7 +7072,7 @@
               </a:cxnLst>
               <a:rect l="0" t="0" r="r" b="b"/>
               <a:pathLst>
-                <a:path w="21600" h="21600" fill="norm" stroke="1" extrusionOk="0">
+                <a:path w="21600" h="21600" extrusionOk="0">
                   <a:moveTo>
                     <a:pt x="0" y="0"/>
                   </a:moveTo>
@@ -6994,6 +7101,7 @@
             <a:lstStyle/>
             <a:p>
               <a:pPr algn="ctr"/>
+              <a:endParaRPr/>
             </a:p>
           </p:txBody>
         </p:sp>
@@ -7028,7 +7136,7 @@
               </a:cxnLst>
               <a:rect l="0" t="0" r="r" b="b"/>
               <a:pathLst>
-                <a:path w="21600" h="21600" fill="norm" stroke="1" extrusionOk="0">
+                <a:path w="21600" h="21600" extrusionOk="0">
                   <a:moveTo>
                     <a:pt x="0" y="0"/>
                   </a:moveTo>
@@ -7057,6 +7165,7 @@
             <a:lstStyle/>
             <a:p>
               <a:pPr algn="ctr"/>
+              <a:endParaRPr/>
             </a:p>
           </p:txBody>
         </p:sp>
@@ -7091,7 +7200,7 @@
               </a:cxnLst>
               <a:rect l="0" t="0" r="r" b="b"/>
               <a:pathLst>
-                <a:path w="21600" h="21600" fill="norm" stroke="1" extrusionOk="0">
+                <a:path w="21600" h="21600" extrusionOk="0">
                   <a:moveTo>
                     <a:pt x="0" y="0"/>
                   </a:moveTo>
@@ -7120,6 +7229,7 @@
             <a:lstStyle/>
             <a:p>
               <a:pPr algn="ctr"/>
+              <a:endParaRPr/>
             </a:p>
           </p:txBody>
         </p:sp>
@@ -7214,6 +7324,12 @@
                 </a:solidFill>
               </a:defRPr>
             </a:pPr>
+            <a:endParaRPr>
+              <a:latin typeface="微软雅黑"/>
+              <a:ea typeface="微软雅黑"/>
+              <a:cs typeface="微软雅黑"/>
+              <a:sym typeface="微软雅黑"/>
+            </a:endParaRPr>
           </a:p>
           <a:p>
             <a:pPr>
@@ -7289,6 +7405,12 @@
                 </a:solidFill>
               </a:defRPr>
             </a:pPr>
+            <a:endParaRPr>
+              <a:latin typeface="微软雅黑"/>
+              <a:ea typeface="微软雅黑"/>
+              <a:cs typeface="微软雅黑"/>
+              <a:sym typeface="微软雅黑"/>
+            </a:endParaRPr>
           </a:p>
           <a:p>
             <a:pPr>
@@ -7355,6 +7477,12 @@
                 </a:solidFill>
               </a:defRPr>
             </a:pPr>
+            <a:endParaRPr>
+              <a:latin typeface="微软雅黑"/>
+              <a:ea typeface="微软雅黑"/>
+              <a:cs typeface="微软雅黑"/>
+              <a:sym typeface="微软雅黑"/>
+            </a:endParaRPr>
           </a:p>
           <a:p>
             <a:pPr>
@@ -7576,12 +7704,12 @@
   <p:clrMapOvr>
     <a:masterClrMapping/>
   </p:clrMapOvr>
-  <p:transition xmlns:p14="http://schemas.microsoft.com/office/powerpoint/2010/main" spd="med" advClick="1"/>
+  <p:transition spd="med"/>
 </p:sld>
 </file>
 
 <file path=ppt/slides/slide14.xml><?xml version="1.0" encoding="utf-8"?>
-<p:sld xmlns:a="http://schemas.openxmlformats.org/drawingml/2006/main" xmlns:r="http://schemas.openxmlformats.org/officeDocument/2006/relationships" xmlns:p="http://schemas.openxmlformats.org/presentationml/2006/main" xmlns:m="http://schemas.openxmlformats.org/officeDocument/2006/math" xmlns:a14="http://schemas.microsoft.com/office/drawing/2010/main" showMasterSp="1" showMasterPhAnim="1">
+<p:sld xmlns:a="http://schemas.openxmlformats.org/drawingml/2006/main" xmlns:r="http://schemas.openxmlformats.org/officeDocument/2006/relationships" xmlns:p="http://schemas.openxmlformats.org/presentationml/2006/main">
   <p:cSld>
     <p:spTree>
       <p:nvGrpSpPr>
@@ -7631,6 +7759,7 @@
                 </a:solidFill>
               </a:defRPr>
             </a:pPr>
+            <a:endParaRPr/>
           </a:p>
         </p:txBody>
       </p:sp>
@@ -7659,7 +7788,7 @@
           <a:bodyPr lIns="45718" tIns="45718" rIns="45718" bIns="45718"/>
           <a:lstStyle/>
           <a:p>
-            <a:pPr/>
+            <a:endParaRPr/>
           </a:p>
         </p:txBody>
       </p:sp>
@@ -7688,7 +7817,7 @@
           <a:bodyPr lIns="45718" tIns="45718" rIns="45718" bIns="45718"/>
           <a:lstStyle/>
           <a:p>
-            <a:pPr/>
+            <a:endParaRPr/>
           </a:p>
         </p:txBody>
       </p:sp>
@@ -7717,7 +7846,7 @@
           <a:bodyPr lIns="45718" tIns="45718" rIns="45718" bIns="45718"/>
           <a:lstStyle/>
           <a:p>
-            <a:pPr/>
+            <a:endParaRPr/>
           </a:p>
         </p:txBody>
       </p:sp>
@@ -7775,6 +7904,7 @@
                   <a:sym typeface="方正兰亭超细黑简体"/>
                 </a:defRPr>
               </a:pPr>
+              <a:endParaRPr/>
             </a:p>
           </p:txBody>
         </p:sp>
@@ -7822,7 +7952,6 @@
               </a:lvl1pPr>
             </a:lstStyle>
             <a:p>
-              <a:pPr/>
               <a:r>
                 <a:t>VS</a:t>
               </a:r>
@@ -7862,6 +7991,7 @@
                 </a:solidFill>
               </a:defRPr>
             </a:pPr>
+            <a:endParaRPr/>
           </a:p>
         </p:txBody>
       </p:sp>
@@ -7897,6 +8027,7 @@
                 </a:solidFill>
               </a:defRPr>
             </a:pPr>
+            <a:endParaRPr/>
           </a:p>
         </p:txBody>
       </p:sp>
@@ -8004,7 +8135,6 @@
             </a:lvl1pPr>
           </a:lstStyle>
           <a:p>
-            <a:pPr/>
             <a:r>
               <a:t>相似</a:t>
             </a:r>
@@ -8052,7 +8182,6 @@
             </a:lvl1pPr>
           </a:lstStyle>
           <a:p>
-            <a:pPr/>
             <a:r>
               <a:t>区别</a:t>
             </a:r>
@@ -8273,6 +8402,12 @@
                 </a:solidFill>
               </a:defRPr>
             </a:pPr>
+            <a:endParaRPr>
+              <a:latin typeface="微软雅黑"/>
+              <a:ea typeface="微软雅黑"/>
+              <a:cs typeface="微软雅黑"/>
+              <a:sym typeface="微软雅黑"/>
+            </a:endParaRPr>
           </a:p>
           <a:p>
             <a:pPr marL="285750" indent="-285750">
@@ -8285,6 +8420,12 @@
                 </a:solidFill>
               </a:defRPr>
             </a:pPr>
+            <a:endParaRPr>
+              <a:latin typeface="微软雅黑"/>
+              <a:ea typeface="微软雅黑"/>
+              <a:cs typeface="微软雅黑"/>
+              <a:sym typeface="微软雅黑"/>
+            </a:endParaRPr>
           </a:p>
           <a:p>
             <a:pPr marL="285750" indent="-285750">
@@ -8297,6 +8438,12 @@
                 </a:solidFill>
               </a:defRPr>
             </a:pPr>
+            <a:endParaRPr>
+              <a:latin typeface="微软雅黑"/>
+              <a:ea typeface="微软雅黑"/>
+              <a:cs typeface="微软雅黑"/>
+              <a:sym typeface="微软雅黑"/>
+            </a:endParaRPr>
           </a:p>
           <a:p>
             <a:pPr marL="285750" indent="-285750">
@@ -8309,6 +8456,12 @@
                 </a:solidFill>
               </a:defRPr>
             </a:pPr>
+            <a:endParaRPr>
+              <a:latin typeface="微软雅黑"/>
+              <a:ea typeface="微软雅黑"/>
+              <a:cs typeface="微软雅黑"/>
+              <a:sym typeface="微软雅黑"/>
+            </a:endParaRPr>
           </a:p>
           <a:p>
             <a:pPr marL="285750" indent="-285750">
@@ -8321,6 +8474,12 @@
                 </a:solidFill>
               </a:defRPr>
             </a:pPr>
+            <a:endParaRPr>
+              <a:latin typeface="微软雅黑"/>
+              <a:ea typeface="微软雅黑"/>
+              <a:cs typeface="微软雅黑"/>
+              <a:sym typeface="微软雅黑"/>
+            </a:endParaRPr>
           </a:p>
           <a:p>
             <a:pPr marL="285750" indent="-285750">
@@ -8333,6 +8492,12 @@
                 </a:solidFill>
               </a:defRPr>
             </a:pPr>
+            <a:endParaRPr>
+              <a:latin typeface="微软雅黑"/>
+              <a:ea typeface="微软雅黑"/>
+              <a:cs typeface="微软雅黑"/>
+              <a:sym typeface="微软雅黑"/>
+            </a:endParaRPr>
           </a:p>
           <a:p>
             <a:pPr>
@@ -8342,6 +8507,12 @@
                 </a:solidFill>
               </a:defRPr>
             </a:pPr>
+            <a:endParaRPr>
+              <a:latin typeface="微软雅黑"/>
+              <a:ea typeface="微软雅黑"/>
+              <a:cs typeface="微软雅黑"/>
+              <a:sym typeface="微软雅黑"/>
+            </a:endParaRPr>
           </a:p>
           <a:p>
             <a:pPr marL="285750" indent="-285750">
@@ -8552,6 +8723,12 @@
                 </a:solidFill>
               </a:defRPr>
             </a:pPr>
+            <a:endParaRPr>
+              <a:latin typeface="微软雅黑"/>
+              <a:ea typeface="微软雅黑"/>
+              <a:cs typeface="微软雅黑"/>
+              <a:sym typeface="微软雅黑"/>
+            </a:endParaRPr>
           </a:p>
           <a:p>
             <a:pPr marL="285750" indent="-285750">
@@ -8564,6 +8741,12 @@
                 </a:solidFill>
               </a:defRPr>
             </a:pPr>
+            <a:endParaRPr>
+              <a:latin typeface="微软雅黑"/>
+              <a:ea typeface="微软雅黑"/>
+              <a:cs typeface="微软雅黑"/>
+              <a:sym typeface="微软雅黑"/>
+            </a:endParaRPr>
           </a:p>
           <a:p>
             <a:pPr marL="285750" indent="-285750">
@@ -8576,6 +8759,12 @@
                 </a:solidFill>
               </a:defRPr>
             </a:pPr>
+            <a:endParaRPr>
+              <a:latin typeface="微软雅黑"/>
+              <a:ea typeface="微软雅黑"/>
+              <a:cs typeface="微软雅黑"/>
+              <a:sym typeface="微软雅黑"/>
+            </a:endParaRPr>
           </a:p>
           <a:p>
             <a:pPr marL="285750" indent="-285750">
@@ -8657,6 +8846,12 @@
                 </a:solidFill>
               </a:defRPr>
             </a:pPr>
+            <a:endParaRPr>
+              <a:latin typeface="微软雅黑"/>
+              <a:ea typeface="微软雅黑"/>
+              <a:cs typeface="微软雅黑"/>
+              <a:sym typeface="微软雅黑"/>
+            </a:endParaRPr>
           </a:p>
           <a:p>
             <a:pPr marL="285750" indent="-285750">
@@ -8669,6 +8864,12 @@
                 </a:solidFill>
               </a:defRPr>
             </a:pPr>
+            <a:endParaRPr>
+              <a:latin typeface="微软雅黑"/>
+              <a:ea typeface="微软雅黑"/>
+              <a:cs typeface="微软雅黑"/>
+              <a:sym typeface="微软雅黑"/>
+            </a:endParaRPr>
           </a:p>
           <a:p>
             <a:pPr marL="285750" indent="-285750">
@@ -8725,12 +8926,12 @@
   <p:clrMapOvr>
     <a:masterClrMapping/>
   </p:clrMapOvr>
-  <p:transition xmlns:p14="http://schemas.microsoft.com/office/powerpoint/2010/main" spd="med" advClick="1"/>
+  <p:transition spd="med"/>
 </p:sld>
 </file>
 
 <file path=ppt/slides/slide15.xml><?xml version="1.0" encoding="utf-8"?>
-<p:sld xmlns:a="http://schemas.openxmlformats.org/drawingml/2006/main" xmlns:r="http://schemas.openxmlformats.org/officeDocument/2006/relationships" xmlns:p="http://schemas.openxmlformats.org/presentationml/2006/main" xmlns:m="http://schemas.openxmlformats.org/officeDocument/2006/math" xmlns:a14="http://schemas.microsoft.com/office/drawing/2010/main" showMasterSp="1" showMasterPhAnim="1">
+<p:sld xmlns:a="http://schemas.openxmlformats.org/drawingml/2006/main" xmlns:r="http://schemas.openxmlformats.org/officeDocument/2006/relationships" xmlns:p="http://schemas.openxmlformats.org/presentationml/2006/main">
   <p:cSld>
     <p:spTree>
       <p:nvGrpSpPr>
@@ -8771,7 +8972,7 @@
           <a:bodyPr lIns="45718" tIns="45718" rIns="45718" bIns="45718"/>
           <a:lstStyle/>
           <a:p>
-            <a:pPr/>
+            <a:endParaRPr/>
           </a:p>
         </p:txBody>
       </p:sp>
@@ -8800,7 +9001,7 @@
           <a:bodyPr lIns="45718" tIns="45718" rIns="45718" bIns="45718"/>
           <a:lstStyle/>
           <a:p>
-            <a:pPr/>
+            <a:endParaRPr/>
           </a:p>
         </p:txBody>
       </p:sp>
@@ -8892,7 +9093,7 @@
           <a:bodyPr lIns="45718" tIns="45718" rIns="45718" bIns="45718"/>
           <a:lstStyle/>
           <a:p>
-            <a:pPr/>
+            <a:endParaRPr/>
           </a:p>
         </p:txBody>
       </p:sp>
@@ -8921,7 +9122,7 @@
           <a:bodyPr lIns="45718" tIns="45718" rIns="45718" bIns="45718"/>
           <a:lstStyle/>
           <a:p>
-            <a:pPr/>
+            <a:endParaRPr/>
           </a:p>
         </p:txBody>
       </p:sp>
@@ -8979,6 +9180,7 @@
                   <a:sym typeface="Broadway"/>
                 </a:defRPr>
               </a:pPr>
+              <a:endParaRPr/>
             </a:p>
           </p:txBody>
         </p:sp>
@@ -9026,7 +9228,6 @@
               </a:lvl1pPr>
             </a:lstStyle>
             <a:p>
-              <a:pPr/>
               <a:r>
                 <a:t>1</a:t>
               </a:r>
@@ -9088,6 +9289,7 @@
                   <a:sym typeface="Broadway"/>
                 </a:defRPr>
               </a:pPr>
+              <a:endParaRPr/>
             </a:p>
           </p:txBody>
         </p:sp>
@@ -9135,7 +9337,6 @@
               </a:lvl1pPr>
             </a:lstStyle>
             <a:p>
-              <a:pPr/>
               <a:r>
                 <a:t>2</a:t>
               </a:r>
@@ -9197,6 +9398,7 @@
                   <a:sym typeface="Broadway"/>
                 </a:defRPr>
               </a:pPr>
+              <a:endParaRPr/>
             </a:p>
           </p:txBody>
         </p:sp>
@@ -9244,7 +9446,6 @@
               </a:lvl1pPr>
             </a:lstStyle>
             <a:p>
-              <a:pPr/>
               <a:r>
                 <a:t>3</a:t>
               </a:r>
@@ -9306,6 +9507,7 @@
                   <a:sym typeface="Broadway"/>
                 </a:defRPr>
               </a:pPr>
+              <a:endParaRPr/>
             </a:p>
           </p:txBody>
         </p:sp>
@@ -9353,7 +9555,6 @@
               </a:lvl1pPr>
             </a:lstStyle>
             <a:p>
-              <a:pPr/>
               <a:r>
                 <a:t>4</a:t>
               </a:r>
@@ -9386,7 +9587,7 @@
           <a:bodyPr lIns="45718" tIns="45718" rIns="45718" bIns="45718"/>
           <a:lstStyle/>
           <a:p>
-            <a:pPr/>
+            <a:endParaRPr/>
           </a:p>
         </p:txBody>
       </p:sp>
@@ -9415,7 +9616,7 @@
           <a:bodyPr lIns="45718" tIns="45718" rIns="45718" bIns="45718"/>
           <a:lstStyle/>
           <a:p>
-            <a:pPr/>
+            <a:endParaRPr/>
           </a:p>
         </p:txBody>
       </p:sp>
@@ -9451,6 +9652,7 @@
                 </a:solidFill>
               </a:defRPr>
             </a:pPr>
+            <a:endParaRPr/>
           </a:p>
         </p:txBody>
       </p:sp>
@@ -9486,6 +9688,7 @@
                 </a:solidFill>
               </a:defRPr>
             </a:pPr>
+            <a:endParaRPr/>
           </a:p>
         </p:txBody>
       </p:sp>
@@ -9524,6 +9727,7 @@
                 </a:solidFill>
               </a:defRPr>
             </a:pPr>
+            <a:endParaRPr/>
           </a:p>
         </p:txBody>
       </p:sp>
@@ -9562,6 +9766,7 @@
                 </a:solidFill>
               </a:defRPr>
             </a:pPr>
+            <a:endParaRPr/>
           </a:p>
         </p:txBody>
       </p:sp>
@@ -10126,12 +10331,12 @@
   <p:clrMapOvr>
     <a:masterClrMapping/>
   </p:clrMapOvr>
-  <p:transition xmlns:p14="http://schemas.microsoft.com/office/powerpoint/2010/main" spd="med" advClick="1"/>
+  <p:transition spd="med"/>
 </p:sld>
 </file>
 
 <file path=ppt/slides/slide16.xml><?xml version="1.0" encoding="utf-8"?>
-<p:sld xmlns:a="http://schemas.openxmlformats.org/drawingml/2006/main" xmlns:r="http://schemas.openxmlformats.org/officeDocument/2006/relationships" xmlns:p="http://schemas.openxmlformats.org/presentationml/2006/main" xmlns:m="http://schemas.openxmlformats.org/officeDocument/2006/math" xmlns:a14="http://schemas.microsoft.com/office/drawing/2010/main" showMasterSp="1" showMasterPhAnim="1">
+<p:sld xmlns:a="http://schemas.openxmlformats.org/drawingml/2006/main" xmlns:r="http://schemas.openxmlformats.org/officeDocument/2006/relationships" xmlns:p="http://schemas.openxmlformats.org/presentationml/2006/main">
   <p:cSld>
     <p:spTree>
       <p:nvGrpSpPr>
@@ -10198,6 +10403,7 @@
                   </a:solidFill>
                 </a:defRPr>
               </a:pPr>
+              <a:endParaRPr/>
             </a:p>
           </p:txBody>
         </p:sp>
@@ -10241,7 +10447,6 @@
               </a:lvl1pPr>
             </a:lstStyle>
             <a:p>
-              <a:pPr/>
               <a:r>
                 <a:t>4.4</a:t>
               </a:r>
@@ -10280,7 +10485,7 @@
             </a:cxnLst>
             <a:rect l="0" t="0" r="r" b="b"/>
             <a:pathLst>
-              <a:path w="19059" h="21600" fill="norm" stroke="1" extrusionOk="0">
+              <a:path w="19059" h="21600" extrusionOk="0">
                 <a:moveTo>
                   <a:pt x="3662" y="21600"/>
                 </a:moveTo>
@@ -10318,6 +10523,7 @@
                 </a:solidFill>
               </a:defRPr>
             </a:pPr>
+            <a:endParaRPr/>
           </a:p>
         </p:txBody>
       </p:sp>
@@ -10346,7 +10552,7 @@
           <a:bodyPr lIns="45718" tIns="45718" rIns="45718" bIns="45718"/>
           <a:lstStyle/>
           <a:p>
-            <a:pPr/>
+            <a:endParaRPr/>
           </a:p>
         </p:txBody>
       </p:sp>
@@ -10391,7 +10597,6 @@
             </a:lvl1pPr>
           </a:lstStyle>
           <a:p>
-            <a:pPr/>
             <a:r>
               <a:t>Fragment详解</a:t>
             </a:r>
@@ -10423,7 +10628,7 @@
           <a:bodyPr lIns="45718" tIns="45718" rIns="45718" bIns="45718"/>
           <a:lstStyle/>
           <a:p>
-            <a:pPr/>
+            <a:endParaRPr/>
           </a:p>
         </p:txBody>
       </p:sp>
@@ -10452,7 +10657,7 @@
           <a:bodyPr lIns="45718" tIns="45718" rIns="45718" bIns="45718"/>
           <a:lstStyle/>
           <a:p>
-            <a:pPr/>
+            <a:endParaRPr/>
           </a:p>
         </p:txBody>
       </p:sp>
@@ -10461,12 +10666,12 @@
   <p:clrMapOvr>
     <a:masterClrMapping/>
   </p:clrMapOvr>
-  <p:transition xmlns:p14="http://schemas.microsoft.com/office/powerpoint/2010/main" spd="med" advClick="1"/>
+  <p:transition spd="med"/>
 </p:sld>
 </file>
 
 <file path=ppt/slides/slide17.xml><?xml version="1.0" encoding="utf-8"?>
-<p:sld xmlns:a="http://schemas.openxmlformats.org/drawingml/2006/main" xmlns:r="http://schemas.openxmlformats.org/officeDocument/2006/relationships" xmlns:p="http://schemas.openxmlformats.org/presentationml/2006/main" xmlns:m="http://schemas.openxmlformats.org/officeDocument/2006/math" xmlns:a14="http://schemas.microsoft.com/office/drawing/2010/main" showMasterSp="1" showMasterPhAnim="1">
+<p:sld xmlns:a="http://schemas.openxmlformats.org/drawingml/2006/main" xmlns:r="http://schemas.openxmlformats.org/officeDocument/2006/relationships" xmlns:p="http://schemas.openxmlformats.org/presentationml/2006/main">
   <p:cSld>
     <p:spTree>
       <p:nvGrpSpPr>
@@ -10585,6 +10790,7 @@
                   </a:solidFill>
                 </a:defRPr>
               </a:pPr>
+              <a:endParaRPr/>
             </a:p>
           </p:txBody>
         </p:sp>
@@ -10618,7 +10824,7 @@
             </a:bodyPr>
             <a:lstStyle/>
             <a:p>
-              <a:pPr/>
+              <a:endParaRPr/>
             </a:p>
           </p:txBody>
         </p:sp>
@@ -10658,6 +10864,7 @@
                   </a:solidFill>
                 </a:defRPr>
               </a:pPr>
+              <a:endParaRPr/>
             </a:p>
           </p:txBody>
         </p:sp>
@@ -10705,7 +10912,6 @@
               </a:lvl1pPr>
             </a:lstStyle>
             <a:p>
-              <a:pPr/>
               <a:r>
                 <a:t>Fragment必须“嵌入”Activity且受Activity生命周期的控制。</a:t>
               </a:r>
@@ -10763,6 +10969,7 @@
                   </a:solidFill>
                 </a:defRPr>
               </a:pPr>
+              <a:endParaRPr/>
             </a:p>
           </p:txBody>
         </p:sp>
@@ -11058,6 +11265,12 @@
                   </a:solidFill>
                 </a:defRPr>
               </a:pPr>
+              <a:endParaRPr>
+                <a:latin typeface="微软雅黑"/>
+                <a:ea typeface="微软雅黑"/>
+                <a:cs typeface="微软雅黑"/>
+                <a:sym typeface="微软雅黑"/>
+              </a:endParaRPr>
             </a:p>
             <a:p>
               <a:pPr marL="285750" indent="-285750">
@@ -11182,6 +11395,12 @@
                   </a:solidFill>
                 </a:defRPr>
               </a:pPr>
+              <a:endParaRPr>
+                <a:latin typeface="微软雅黑"/>
+                <a:ea typeface="微软雅黑"/>
+                <a:cs typeface="微软雅黑"/>
+                <a:sym typeface="微软雅黑"/>
+              </a:endParaRPr>
             </a:p>
             <a:p>
               <a:pPr marL="285750" indent="-285750">
@@ -11267,6 +11486,12 @@
                   </a:solidFill>
                 </a:defRPr>
               </a:pPr>
+              <a:endParaRPr>
+                <a:latin typeface="微软雅黑"/>
+                <a:ea typeface="微软雅黑"/>
+                <a:cs typeface="微软雅黑"/>
+                <a:sym typeface="微软雅黑"/>
+              </a:endParaRPr>
             </a:p>
             <a:p>
               <a:pPr marL="285750" indent="-285750">
@@ -11333,12 +11558,12 @@
   <p:clrMapOvr>
     <a:masterClrMapping/>
   </p:clrMapOvr>
-  <p:transition xmlns:p14="http://schemas.microsoft.com/office/powerpoint/2010/main" spd="med" advClick="1"/>
+  <p:transition spd="med"/>
 </p:sld>
 </file>
 
 <file path=ppt/slides/slide18.xml><?xml version="1.0" encoding="utf-8"?>
-<p:sld xmlns:a="http://schemas.openxmlformats.org/drawingml/2006/main" xmlns:r="http://schemas.openxmlformats.org/officeDocument/2006/relationships" xmlns:p="http://schemas.openxmlformats.org/presentationml/2006/main" xmlns:m="http://schemas.openxmlformats.org/officeDocument/2006/math" xmlns:a14="http://schemas.microsoft.com/office/drawing/2010/main" showMasterSp="1" showMasterPhAnim="1">
+<p:sld xmlns:a="http://schemas.openxmlformats.org/drawingml/2006/main" xmlns:r="http://schemas.openxmlformats.org/officeDocument/2006/relationships" xmlns:p="http://schemas.openxmlformats.org/presentationml/2006/main">
   <p:cSld>
     <p:spTree>
       <p:nvGrpSpPr>
@@ -11406,6 +11631,7 @@
                   </a:solidFill>
                 </a:defRPr>
               </a:pPr>
+              <a:endParaRPr/>
             </a:p>
           </p:txBody>
         </p:sp>
@@ -11440,7 +11666,7 @@
               </a:cxnLst>
               <a:rect l="0" t="0" r="r" b="b"/>
               <a:pathLst>
-                <a:path w="21600" h="21600" fill="norm" stroke="1" extrusionOk="0">
+                <a:path w="21600" h="21600" extrusionOk="0">
                   <a:moveTo>
                     <a:pt x="20941" y="21600"/>
                   </a:moveTo>
@@ -11485,6 +11711,7 @@
                   </a:solidFill>
                 </a:defRPr>
               </a:pPr>
+              <a:endParaRPr/>
             </a:p>
           </p:txBody>
         </p:sp>
@@ -11532,7 +11759,6 @@
               </a:lvl1pPr>
             </a:lstStyle>
             <a:p>
-              <a:pPr/>
               <a:r>
                 <a:t>实现方法</a:t>
               </a:r>
@@ -11646,6 +11872,7 @@
                   </a:solidFill>
                 </a:defRPr>
               </a:pPr>
+              <a:endParaRPr/>
             </a:p>
           </p:txBody>
         </p:sp>
@@ -11679,7 +11906,7 @@
             </a:bodyPr>
             <a:lstStyle/>
             <a:p>
-              <a:pPr/>
+              <a:endParaRPr/>
             </a:p>
           </p:txBody>
         </p:sp>
@@ -11719,6 +11946,7 @@
                   </a:solidFill>
                 </a:defRPr>
               </a:pPr>
+              <a:endParaRPr/>
             </a:p>
           </p:txBody>
         </p:sp>
@@ -11766,7 +11994,6 @@
               </a:lvl1pPr>
             </a:lstStyle>
             <a:p>
-              <a:pPr/>
               <a:r>
                 <a:t>与创建Activity类似，Fragment必须继承Fragment基类。</a:t>
               </a:r>
@@ -11838,6 +12065,7 @@
                     </a:solidFill>
                   </a:defRPr>
                 </a:pPr>
+                <a:endParaRPr/>
               </a:p>
             </p:txBody>
           </p:sp>
@@ -11871,7 +12099,7 @@
               </a:bodyPr>
               <a:lstStyle/>
               <a:p>
-                <a:pPr/>
+                <a:endParaRPr/>
               </a:p>
             </p:txBody>
           </p:sp>
@@ -11905,7 +12133,7 @@
               </a:bodyPr>
               <a:lstStyle/>
               <a:p>
-                <a:pPr/>
+                <a:endParaRPr/>
               </a:p>
             </p:txBody>
           </p:sp>
@@ -11949,7 +12177,6 @@
                 </a:lvl1pPr>
               </a:lstStyle>
               <a:p>
-                <a:pPr/>
                 <a:r>
                   <a:t>Fragment</a:t>
                 </a:r>
@@ -12007,6 +12234,7 @@
                     </a:solidFill>
                   </a:defRPr>
                 </a:pPr>
+                <a:endParaRPr/>
               </a:p>
             </p:txBody>
           </p:sp>
@@ -12040,7 +12268,7 @@
               </a:bodyPr>
               <a:lstStyle/>
               <a:p>
-                <a:pPr/>
+                <a:endParaRPr/>
               </a:p>
             </p:txBody>
           </p:sp>
@@ -12074,7 +12302,7 @@
               </a:bodyPr>
               <a:lstStyle/>
               <a:p>
-                <a:pPr/>
+                <a:endParaRPr/>
               </a:p>
             </p:txBody>
           </p:sp>
@@ -12118,7 +12346,6 @@
                 </a:lvl1pPr>
               </a:lstStyle>
               <a:p>
-                <a:pPr/>
                 <a:r>
                   <a:t>ListFragment</a:t>
                 </a:r>
@@ -12176,6 +12403,7 @@
                     </a:solidFill>
                   </a:defRPr>
                 </a:pPr>
+                <a:endParaRPr/>
               </a:p>
             </p:txBody>
           </p:sp>
@@ -12209,7 +12437,7 @@
               </a:bodyPr>
               <a:lstStyle/>
               <a:p>
-                <a:pPr/>
+                <a:endParaRPr/>
               </a:p>
             </p:txBody>
           </p:sp>
@@ -12243,7 +12471,7 @@
               </a:bodyPr>
               <a:lstStyle/>
               <a:p>
-                <a:pPr/>
+                <a:endParaRPr/>
               </a:p>
             </p:txBody>
           </p:sp>
@@ -12287,7 +12515,6 @@
                 </a:lvl1pPr>
               </a:lstStyle>
               <a:p>
-                <a:pPr/>
                 <a:r>
                   <a:t>PreferenceFragment</a:t>
                 </a:r>
@@ -12345,6 +12572,7 @@
                     </a:solidFill>
                   </a:defRPr>
                 </a:pPr>
+                <a:endParaRPr/>
               </a:p>
             </p:txBody>
           </p:sp>
@@ -12378,7 +12606,7 @@
               </a:bodyPr>
               <a:lstStyle/>
               <a:p>
-                <a:pPr/>
+                <a:endParaRPr/>
               </a:p>
             </p:txBody>
           </p:sp>
@@ -12412,7 +12640,7 @@
               </a:bodyPr>
               <a:lstStyle/>
               <a:p>
-                <a:pPr/>
+                <a:endParaRPr/>
               </a:p>
             </p:txBody>
           </p:sp>
@@ -12456,7 +12684,6 @@
                 </a:lvl1pPr>
               </a:lstStyle>
               <a:p>
-                <a:pPr/>
                 <a:r>
                   <a:t>DialogFragment</a:t>
                 </a:r>
@@ -12514,6 +12741,7 @@
                     </a:solidFill>
                   </a:defRPr>
                 </a:pPr>
+                <a:endParaRPr/>
               </a:p>
             </p:txBody>
           </p:sp>
@@ -12547,7 +12775,7 @@
               </a:bodyPr>
               <a:lstStyle/>
               <a:p>
-                <a:pPr/>
+                <a:endParaRPr/>
               </a:p>
             </p:txBody>
           </p:sp>
@@ -12581,7 +12809,7 @@
               </a:bodyPr>
               <a:lstStyle/>
               <a:p>
-                <a:pPr/>
+                <a:endParaRPr/>
               </a:p>
             </p:txBody>
           </p:sp>
@@ -12625,7 +12853,6 @@
                 </a:lvl1pPr>
               </a:lstStyle>
               <a:p>
-                <a:pPr/>
                 <a:r>
                   <a:t>WebViewFragment</a:t>
                 </a:r>
@@ -12686,6 +12913,7 @@
                     </a:solidFill>
                   </a:defRPr>
                 </a:pPr>
+                <a:endParaRPr/>
               </a:p>
             </p:txBody>
           </p:sp>
@@ -12719,7 +12947,7 @@
               </a:bodyPr>
               <a:lstStyle/>
               <a:p>
-                <a:pPr/>
+                <a:endParaRPr/>
               </a:p>
             </p:txBody>
           </p:sp>
@@ -12777,6 +13005,7 @@
                     </a:solidFill>
                   </a:defRPr>
                 </a:pPr>
+                <a:endParaRPr/>
               </a:p>
             </p:txBody>
           </p:sp>
@@ -12810,7 +13039,7 @@
               </a:bodyPr>
               <a:lstStyle/>
               <a:p>
-                <a:pPr/>
+                <a:endParaRPr/>
               </a:p>
             </p:txBody>
           </p:sp>
@@ -12868,6 +13097,7 @@
                     </a:solidFill>
                   </a:defRPr>
                 </a:pPr>
+                <a:endParaRPr/>
               </a:p>
             </p:txBody>
           </p:sp>
@@ -12901,7 +13131,7 @@
               </a:bodyPr>
               <a:lstStyle/>
               <a:p>
-                <a:pPr/>
+                <a:endParaRPr/>
               </a:p>
             </p:txBody>
           </p:sp>
@@ -12959,6 +13189,7 @@
                     </a:solidFill>
                   </a:defRPr>
                 </a:pPr>
+                <a:endParaRPr/>
               </a:p>
             </p:txBody>
           </p:sp>
@@ -12992,7 +13223,7 @@
               </a:bodyPr>
               <a:lstStyle/>
               <a:p>
-                <a:pPr/>
+                <a:endParaRPr/>
               </a:p>
             </p:txBody>
           </p:sp>
@@ -13094,6 +13325,12 @@
                 </a:solidFill>
               </a:defRPr>
             </a:pPr>
+            <a:endParaRPr>
+              <a:latin typeface="微软雅黑"/>
+              <a:ea typeface="微软雅黑"/>
+              <a:cs typeface="微软雅黑"/>
+              <a:sym typeface="微软雅黑"/>
+            </a:endParaRPr>
           </a:p>
           <a:p>
             <a:pPr marL="285750" indent="-285750">
@@ -13163,6 +13400,12 @@
                 </a:solidFill>
               </a:defRPr>
             </a:pPr>
+            <a:endParaRPr>
+              <a:latin typeface="微软雅黑"/>
+              <a:ea typeface="微软雅黑"/>
+              <a:cs typeface="微软雅黑"/>
+              <a:sym typeface="微软雅黑"/>
+            </a:endParaRPr>
           </a:p>
           <a:p>
             <a:pPr marL="285750" indent="-285750">
@@ -13228,12 +13471,12 @@
   <p:clrMapOvr>
     <a:masterClrMapping/>
   </p:clrMapOvr>
-  <p:transition xmlns:p14="http://schemas.microsoft.com/office/powerpoint/2010/main" spd="med" advClick="1"/>
+  <p:transition spd="med"/>
 </p:sld>
 </file>
 
 <file path=ppt/slides/slide19.xml><?xml version="1.0" encoding="utf-8"?>
-<p:sld xmlns:a="http://schemas.openxmlformats.org/drawingml/2006/main" xmlns:r="http://schemas.openxmlformats.org/officeDocument/2006/relationships" xmlns:p="http://schemas.openxmlformats.org/presentationml/2006/main" xmlns:m="http://schemas.openxmlformats.org/officeDocument/2006/math" xmlns:a14="http://schemas.microsoft.com/office/drawing/2010/main" showMasterSp="1" showMasterPhAnim="1">
+<p:sld xmlns:a="http://schemas.openxmlformats.org/drawingml/2006/main" xmlns:r="http://schemas.openxmlformats.org/officeDocument/2006/relationships" xmlns:p="http://schemas.openxmlformats.org/presentationml/2006/main">
   <p:cSld>
     <p:spTree>
       <p:nvGrpSpPr>
@@ -13364,6 +13607,7 @@
                   </a:solidFill>
                 </a:defRPr>
               </a:pPr>
+              <a:endParaRPr/>
             </a:p>
           </p:txBody>
         </p:sp>
@@ -13397,7 +13641,7 @@
             </a:bodyPr>
             <a:lstStyle/>
             <a:p>
-              <a:pPr/>
+              <a:endParaRPr/>
             </a:p>
           </p:txBody>
         </p:sp>
@@ -13437,6 +13681,7 @@
                   </a:solidFill>
                 </a:defRPr>
               </a:pPr>
+              <a:endParaRPr/>
             </a:p>
           </p:txBody>
         </p:sp>
@@ -13484,7 +13729,6 @@
               </a:lvl1pPr>
             </a:lstStyle>
             <a:p>
-              <a:pPr/>
               <a:r>
                 <a:t>在Activity中显示Fragment必须将Fragment添加到Activity中。</a:t>
               </a:r>
@@ -13517,7 +13761,7 @@
           <a:bodyPr lIns="45718" tIns="45718" rIns="45718" bIns="45718"/>
           <a:lstStyle/>
           <a:p>
-            <a:pPr/>
+            <a:endParaRPr/>
           </a:p>
         </p:txBody>
       </p:sp>
@@ -13640,7 +13884,7 @@
           <a:bodyPr lIns="45718" tIns="45718" rIns="45718" bIns="45718"/>
           <a:lstStyle/>
           <a:p>
-            <a:pPr/>
+            <a:endParaRPr/>
           </a:p>
         </p:txBody>
       </p:sp>
@@ -13669,7 +13913,7 @@
           <a:bodyPr lIns="45718" tIns="45718" rIns="45718" bIns="45718"/>
           <a:lstStyle/>
           <a:p>
-            <a:pPr/>
+            <a:endParaRPr/>
           </a:p>
         </p:txBody>
       </p:sp>
@@ -13714,7 +13958,6 @@
             </a:lvl1pPr>
           </a:lstStyle>
           <a:p>
-            <a:pPr/>
             <a:r>
               <a:t>两种方式添加</a:t>
             </a:r>
@@ -13855,7 +14098,7 @@
           <a:bodyPr lIns="45718" tIns="45718" rIns="45718" bIns="45718"/>
           <a:lstStyle/>
           <a:p>
-            <a:pPr/>
+            <a:endParaRPr/>
           </a:p>
         </p:txBody>
       </p:sp>
@@ -13884,7 +14127,7 @@
           <a:bodyPr lIns="45718" tIns="45718" rIns="45718" bIns="45718"/>
           <a:lstStyle/>
           <a:p>
-            <a:pPr/>
+            <a:endParaRPr/>
           </a:p>
         </p:txBody>
       </p:sp>
@@ -13938,6 +14181,7 @@
                   </a:solidFill>
                 </a:defRPr>
               </a:pPr>
+              <a:endParaRPr/>
             </a:p>
           </p:txBody>
         </p:sp>
@@ -13987,7 +14231,6 @@
               </a:lvl1pPr>
             </a:lstStyle>
             <a:p>
-              <a:pPr/>
               <a:r>
                 <a:t>通信方式</a:t>
               </a:r>
@@ -14125,6 +14368,12 @@
                   </a:solidFill>
                 </a:defRPr>
               </a:pPr>
+              <a:endParaRPr>
+                <a:latin typeface="微软雅黑"/>
+                <a:ea typeface="微软雅黑"/>
+                <a:cs typeface="微软雅黑"/>
+                <a:sym typeface="微软雅黑"/>
+              </a:endParaRPr>
             </a:p>
             <a:p>
               <a:pPr marL="285750" indent="-285750">
@@ -14258,12 +14507,12 @@
   <p:clrMapOvr>
     <a:masterClrMapping/>
   </p:clrMapOvr>
-  <p:transition xmlns:p14="http://schemas.microsoft.com/office/powerpoint/2010/main" spd="med" advClick="1"/>
+  <p:transition spd="med"/>
 </p:sld>
 </file>
 
 <file path=ppt/slides/slide2.xml><?xml version="1.0" encoding="utf-8"?>
-<p:sld xmlns:a="http://schemas.openxmlformats.org/drawingml/2006/main" xmlns:r="http://schemas.openxmlformats.org/officeDocument/2006/relationships" xmlns:p="http://schemas.openxmlformats.org/presentationml/2006/main" xmlns:m="http://schemas.openxmlformats.org/officeDocument/2006/math" xmlns:a14="http://schemas.microsoft.com/office/drawing/2010/main" showMasterSp="1" showMasterPhAnim="1">
+<p:sld xmlns:a="http://schemas.openxmlformats.org/drawingml/2006/main" xmlns:r="http://schemas.openxmlformats.org/officeDocument/2006/relationships" xmlns:p="http://schemas.openxmlformats.org/presentationml/2006/main">
   <p:cSld>
     <p:spTree>
       <p:nvGrpSpPr>
@@ -14320,7 +14569,6 @@
             </a:lvl1pPr>
           </a:lstStyle>
           <a:p>
-            <a:pPr/>
             <a:r>
               <a:t>本章学习要点：</a:t>
             </a:r>
@@ -14362,7 +14610,7 @@
               <p:nvPr/>
             </p:nvSpPr>
             <p:spPr>
-              <a:xfrm flipH="1" rot="13926129">
+              <a:xfrm rot="13926129" flipH="1">
                 <a:off x="110163" y="1002771"/>
                 <a:ext cx="1120777" cy="827089"/>
               </a:xfrm>
@@ -14386,7 +14634,7 @@
                 </a:cxnLst>
                 <a:rect l="0" t="0" r="r" b="b"/>
                 <a:pathLst>
-                  <a:path w="21600" h="21600" fill="norm" stroke="1" extrusionOk="0">
+                  <a:path w="21600" h="21600" extrusionOk="0">
                     <a:moveTo>
                       <a:pt x="0" y="21600"/>
                     </a:moveTo>
@@ -14432,7 +14680,7 @@
               <a:lstStyle/>
               <a:p>
                 <a:pPr algn="ctr">
-                  <a:defRPr b="1" sz="2800">
+                  <a:defRPr sz="2800" b="1">
                     <a:solidFill>
                       <a:srgbClr val="FFFFFF"/>
                     </a:solidFill>
@@ -14442,6 +14690,7 @@
                     <a:sym typeface="隶书"/>
                   </a:defRPr>
                 </a:pPr>
+                <a:endParaRPr/>
               </a:p>
             </p:txBody>
           </p:sp>
@@ -14452,7 +14701,7 @@
               <p:nvPr/>
             </p:nvSpPr>
             <p:spPr>
-              <a:xfrm flipH="1" rot="10597657">
+              <a:xfrm rot="10597657" flipH="1">
                 <a:off x="1288882" y="2738702"/>
                 <a:ext cx="1038228" cy="730253"/>
               </a:xfrm>
@@ -14476,7 +14725,7 @@
                 </a:cxnLst>
                 <a:rect l="0" t="0" r="r" b="b"/>
                 <a:pathLst>
-                  <a:path w="21600" h="21600" fill="norm" stroke="1" extrusionOk="0">
+                  <a:path w="21600" h="21600" extrusionOk="0">
                     <a:moveTo>
                       <a:pt x="0" y="21600"/>
                     </a:moveTo>
@@ -14522,7 +14771,7 @@
               <a:lstStyle/>
               <a:p>
                 <a:pPr algn="ctr">
-                  <a:defRPr b="1" sz="2800">
+                  <a:defRPr sz="2800" b="1">
                     <a:solidFill>
                       <a:srgbClr val="FFFFFF"/>
                     </a:solidFill>
@@ -14532,6 +14781,7 @@
                     <a:sym typeface="隶书"/>
                   </a:defRPr>
                 </a:pPr>
+                <a:endParaRPr/>
               </a:p>
             </p:txBody>
           </p:sp>
@@ -14542,7 +14792,7 @@
               <p:nvPr/>
             </p:nvSpPr>
             <p:spPr>
-              <a:xfrm flipH="1" rot="3362433">
+              <a:xfrm rot="3362433" flipH="1">
                 <a:off x="4164641" y="309033"/>
                 <a:ext cx="1128714" cy="720727"/>
               </a:xfrm>
@@ -14566,7 +14816,7 @@
                 </a:cxnLst>
                 <a:rect l="0" t="0" r="r" b="b"/>
                 <a:pathLst>
-                  <a:path w="21600" h="21600" fill="norm" stroke="1" extrusionOk="0">
+                  <a:path w="21600" h="21600" extrusionOk="0">
                     <a:moveTo>
                       <a:pt x="0" y="21600"/>
                     </a:moveTo>
@@ -14612,7 +14862,7 @@
               <a:lstStyle/>
               <a:p>
                 <a:pPr algn="ctr">
-                  <a:defRPr b="1" sz="2800">
+                  <a:defRPr sz="2800" b="1">
                     <a:solidFill>
                       <a:srgbClr val="FFFFFF"/>
                     </a:solidFill>
@@ -14622,6 +14872,7 @@
                     <a:sym typeface="隶书"/>
                   </a:defRPr>
                 </a:pPr>
+                <a:endParaRPr/>
               </a:p>
             </p:txBody>
           </p:sp>
@@ -14655,7 +14906,7 @@
               <a:lstStyle/>
               <a:p>
                 <a:pPr algn="ctr">
-                  <a:defRPr b="1" sz="2800">
+                  <a:defRPr sz="2800" b="1">
                     <a:solidFill>
                       <a:srgbClr val="FFFFFF"/>
                     </a:solidFill>
@@ -14665,6 +14916,7 @@
                     <a:sym typeface="隶书"/>
                   </a:defRPr>
                 </a:pPr>
+                <a:endParaRPr/>
               </a:p>
             </p:txBody>
           </p:sp>
@@ -14676,7 +14928,7 @@
             <p:nvPr/>
           </p:nvSpPr>
           <p:spPr>
-            <a:xfrm flipH="1" rot="19778450">
+            <a:xfrm rot="19778450" flipH="1">
               <a:off x="1796883" y="235821"/>
               <a:ext cx="1128715" cy="720727"/>
             </a:xfrm>
@@ -14700,7 +14952,7 @@
               </a:cxnLst>
               <a:rect l="0" t="0" r="r" b="b"/>
               <a:pathLst>
-                <a:path w="21600" h="21600" fill="norm" stroke="1" extrusionOk="0">
+                <a:path w="21600" h="21600" extrusionOk="0">
                   <a:moveTo>
                     <a:pt x="0" y="21600"/>
                   </a:moveTo>
@@ -14746,7 +14998,7 @@
             <a:lstStyle/>
             <a:p>
               <a:pPr algn="ctr">
-                <a:defRPr b="1" sz="2800">
+                <a:defRPr sz="2800" b="1">
                   <a:solidFill>
                     <a:srgbClr val="FFFFFF"/>
                   </a:solidFill>
@@ -14756,6 +15008,7 @@
                   <a:sym typeface="隶书"/>
                 </a:defRPr>
               </a:pPr>
+              <a:endParaRPr/>
             </a:p>
           </p:txBody>
         </p:sp>
@@ -14766,7 +15019,7 @@
             <p:nvPr/>
           </p:nvSpPr>
           <p:spPr>
-            <a:xfrm flipH="1" rot="6306812">
+            <a:xfrm rot="6306812" flipH="1">
               <a:off x="3964615" y="3313189"/>
               <a:ext cx="1128713" cy="720728"/>
             </a:xfrm>
@@ -14790,7 +15043,7 @@
               </a:cxnLst>
               <a:rect l="0" t="0" r="r" b="b"/>
               <a:pathLst>
-                <a:path w="21600" h="21600" fill="norm" stroke="1" extrusionOk="0">
+                <a:path w="21600" h="21600" extrusionOk="0">
                   <a:moveTo>
                     <a:pt x="0" y="21600"/>
                   </a:moveTo>
@@ -14836,7 +15089,7 @@
             <a:lstStyle/>
             <a:p>
               <a:pPr algn="ctr">
-                <a:defRPr b="1" sz="2800">
+                <a:defRPr sz="2800" b="1">
                   <a:solidFill>
                     <a:srgbClr val="FFFFFF"/>
                   </a:solidFill>
@@ -14846,6 +15099,7 @@
                   <a:sym typeface="隶书"/>
                 </a:defRPr>
               </a:pPr>
+              <a:endParaRPr/>
             </a:p>
           </p:txBody>
         </p:sp>
@@ -14891,7 +15145,6 @@
             </a:lvl1pPr>
           </a:lstStyle>
           <a:p>
-            <a:pPr/>
             <a:r>
               <a:t>学习要点</a:t>
             </a:r>
@@ -15001,7 +15254,6 @@
             </a:lvl1pPr>
           </a:lstStyle>
           <a:p>
-            <a:pPr/>
             <a:r>
               <a:t>2. Activity的回调机制</a:t>
             </a:r>
@@ -15049,7 +15301,6 @@
             </a:lvl1pPr>
           </a:lstStyle>
           <a:p>
-            <a:pPr/>
             <a:r>
               <a:t>3. Activity的生命周期</a:t>
             </a:r>
@@ -15152,7 +15403,6 @@
             </a:lvl1pPr>
           </a:lstStyle>
           <a:p>
-            <a:pPr/>
             <a:r>
               <a:t>5. Fragment的生命周期</a:t>
             </a:r>
@@ -15184,7 +15434,7 @@
           <a:bodyPr lIns="45718" tIns="45718" rIns="45718" bIns="45718"/>
           <a:lstStyle/>
           <a:p>
-            <a:pPr/>
+            <a:endParaRPr/>
           </a:p>
         </p:txBody>
       </p:sp>
@@ -15213,7 +15463,7 @@
           <a:bodyPr lIns="45718" tIns="45718" rIns="45718" bIns="45718"/>
           <a:lstStyle/>
           <a:p>
-            <a:pPr/>
+            <a:endParaRPr/>
           </a:p>
         </p:txBody>
       </p:sp>
@@ -15222,20 +15472,20 @@
   <p:clrMapOvr>
     <a:masterClrMapping/>
   </p:clrMapOvr>
-  <p:transition xmlns:p14="http://schemas.microsoft.com/office/powerpoint/2010/main" spd="med" advClick="1"/>
+  <p:transition spd="med"/>
   <p:timing>
     <p:tnLst>
       <p:par>
-        <p:cTn id="1" nodeType="tmRoot" restart="never" dur="indefinite" fill="hold">
+        <p:cTn id="1" dur="indefinite" restart="never" fill="hold" nodeType="tmRoot">
           <p:childTnLst>
             <p:seq concurrent="1" prevAc="none" nextAc="seek">
-              <p:cTn id="2" nodeType="mainSeq" dur="indefinite" fill="hold">
+              <p:cTn id="2" dur="indefinite" fill="hold" nodeType="mainSeq">
                 <p:childTnLst>
                   <p:par>
                     <p:cTn id="3" fill="hold">
                       <p:stCondLst>
                         <p:cond delay="indefinite"/>
-                        <p:cond evt="onBegin">
+                        <p:cond evt="onBegin" delay="0">
                           <p:tn val="2"/>
                         </p:cond>
                       </p:stCondLst>
@@ -15247,11 +15497,11 @@
                             </p:stCondLst>
                             <p:childTnLst>
                               <p:par>
-                                <p:cTn id="5" presetClass="entr" nodeType="afterEffect" presetSubtype="4" presetID="2" grpId="1" fill="hold">
+                                <p:cTn id="5" presetID="2" presetClass="entr" presetSubtype="4" fill="hold" grpId="1" nodeType="afterEffect">
                                   <p:stCondLst>
                                     <p:cond delay="0"/>
                                   </p:stCondLst>
-                                  <p:iterate type="el" backwards="0">
+                                  <p:iterate>
                                     <p:tmAbs val="0"/>
                                   </p:iterate>
                                   <p:childTnLst>
@@ -15328,11 +15578,11 @@
                             </p:stCondLst>
                             <p:childTnLst>
                               <p:par>
-                                <p:cTn id="10" presetClass="entr" nodeType="afterEffect" presetSubtype="4" presetID="2" grpId="2" fill="hold">
+                                <p:cTn id="10" presetID="2" presetClass="entr" presetSubtype="4" fill="hold" grpId="2" nodeType="afterEffect">
                                   <p:stCondLst>
                                     <p:cond delay="0"/>
                                   </p:stCondLst>
-                                  <p:iterate type="el" backwards="0">
+                                  <p:iterate>
                                     <p:tmAbs val="0"/>
                                   </p:iterate>
                                   <p:childTnLst>
@@ -15409,11 +15659,11 @@
                             </p:stCondLst>
                             <p:childTnLst>
                               <p:par>
-                                <p:cTn id="15" presetClass="entr" nodeType="afterEffect" presetSubtype="4" presetID="2" grpId="3" fill="hold">
+                                <p:cTn id="15" presetID="2" presetClass="entr" presetSubtype="4" fill="hold" grpId="3" nodeType="afterEffect">
                                   <p:stCondLst>
                                     <p:cond delay="0"/>
                                   </p:stCondLst>
-                                  <p:iterate type="el" backwards="0">
+                                  <p:iterate>
                                     <p:tmAbs val="0"/>
                                   </p:iterate>
                                   <p:childTnLst>
@@ -15490,11 +15740,11 @@
                             </p:stCondLst>
                             <p:childTnLst>
                               <p:par>
-                                <p:cTn id="20" presetClass="entr" nodeType="afterEffect" presetSubtype="4" presetID="2" grpId="4" fill="hold">
+                                <p:cTn id="20" presetID="2" presetClass="entr" presetSubtype="4" fill="hold" grpId="4" nodeType="afterEffect">
                                   <p:stCondLst>
                                     <p:cond delay="0"/>
                                   </p:stCondLst>
-                                  <p:iterate type="el" backwards="0">
+                                  <p:iterate>
                                     <p:tmAbs val="0"/>
                                   </p:iterate>
                                   <p:childTnLst>
@@ -15571,11 +15821,11 @@
                             </p:stCondLst>
                             <p:childTnLst>
                               <p:par>
-                                <p:cTn id="25" presetClass="entr" nodeType="afterEffect" presetSubtype="4" presetID="2" grpId="5" fill="hold">
+                                <p:cTn id="25" presetID="2" presetClass="entr" presetSubtype="4" fill="hold" grpId="5" nodeType="afterEffect">
                                   <p:stCondLst>
                                     <p:cond delay="0"/>
                                   </p:stCondLst>
-                                  <p:iterate type="el" backwards="0">
+                                  <p:iterate>
                                     <p:tmAbs val="0"/>
                                   </p:iterate>
                                   <p:childTnLst>
@@ -15652,11 +15902,11 @@
                             </p:stCondLst>
                             <p:childTnLst>
                               <p:par>
-                                <p:cTn id="30" presetClass="entr" nodeType="afterEffect" presetSubtype="4" presetID="2" grpId="6" fill="hold">
+                                <p:cTn id="30" presetID="2" presetClass="entr" presetSubtype="4" fill="hold" grpId="6" nodeType="afterEffect">
                                   <p:stCondLst>
                                     <p:cond delay="0"/>
                                   </p:stCondLst>
-                                  <p:iterate type="el" backwards="0">
+                                  <p:iterate>
                                     <p:tmAbs val="0"/>
                                   </p:iterate>
                                   <p:childTnLst>
@@ -15733,7 +15983,7 @@
                             </p:stCondLst>
                             <p:childTnLst>
                               <p:par>
-                                <p:cTn id="35" presetClass="emph" nodeType="afterEffect" presetSubtype="0" presetID="8" grpId="7" fill="hold">
+                                <p:cTn id="35" presetID="8" presetClass="emph" presetSubtype="0" fill="hold" grpId="7" nodeType="afterEffect">
                                   <p:stCondLst>
                                     <p:cond delay="0"/>
                                   </p:stCondLst>
@@ -15762,11 +16012,11 @@
                             </p:stCondLst>
                             <p:childTnLst>
                               <p:par>
-                                <p:cTn id="38" presetClass="entr" nodeType="afterEffect" presetSubtype="16" presetID="23" grpId="8" fill="hold">
+                                <p:cTn id="38" presetID="23" presetClass="entr" presetSubtype="16" fill="hold" grpId="8" nodeType="afterEffect">
                                   <p:stCondLst>
                                     <p:cond delay="250"/>
                                   </p:stCondLst>
-                                  <p:iterate type="el" backwards="0">
+                                  <p:iterate>
                                     <p:tmAbs val="0"/>
                                   </p:iterate>
                                   <p:childTnLst>
@@ -15842,14 +16092,14 @@
                 </p:childTnLst>
               </p:cTn>
               <p:prevCondLst>
-                <p:cond evt="onPrev">
+                <p:cond evt="onPrev" delay="0">
                   <p:tgtEl>
                     <p:sldTgt/>
                   </p:tgtEl>
                 </p:cond>
               </p:prevCondLst>
               <p:nextCondLst>
-                <p:cond evt="onNext">
+                <p:cond evt="onNext" delay="0">
                   <p:tgtEl>
                     <p:sldTgt/>
                   </p:tgtEl>
@@ -15861,21 +16111,21 @@
       </p:par>
     </p:tnLst>
     <p:bldLst>
-      <p:bldP build="whole" bldLvl="1" animBg="1" rev="0" advAuto="0" spid="134" grpId="2"/>
-      <p:bldP build="whole" bldLvl="1" animBg="1" rev="0" advAuto="0" spid="133" grpId="1"/>
-      <p:bldP build="whole" bldLvl="1" animBg="1" rev="0" advAuto="0" spid="131" grpId="6"/>
-      <p:bldP build="whole" bldLvl="1" animBg="1" rev="0" advAuto="0" spid="137" grpId="5"/>
-      <p:bldP build="whole" bldLvl="1" animBg="1" rev="0" advAuto="0" spid="131" grpId="7"/>
-      <p:bldP build="whole" bldLvl="1" animBg="1" rev="0" advAuto="0" spid="132" grpId="8"/>
-      <p:bldP build="whole" bldLvl="1" animBg="1" rev="0" advAuto="0" spid="136" grpId="4"/>
-      <p:bldP build="whole" bldLvl="1" animBg="1" rev="0" advAuto="0" spid="135" grpId="3"/>
+      <p:bldP spid="131" grpId="6" animBg="1" advAuto="0"/>
+      <p:bldP spid="131" grpId="7" animBg="1" advAuto="0"/>
+      <p:bldP spid="132" grpId="8" animBg="1" advAuto="0"/>
+      <p:bldP spid="133" grpId="1" animBg="1" advAuto="0"/>
+      <p:bldP spid="134" grpId="2" animBg="1" advAuto="0"/>
+      <p:bldP spid="135" grpId="3" animBg="1" advAuto="0"/>
+      <p:bldP spid="136" grpId="4" animBg="1" advAuto="0"/>
+      <p:bldP spid="137" grpId="5" animBg="1" advAuto="0"/>
     </p:bldLst>
   </p:timing>
 </p:sld>
 </file>
 
 <file path=ppt/slides/slide20.xml><?xml version="1.0" encoding="utf-8"?>
-<p:sld xmlns:a="http://schemas.openxmlformats.org/drawingml/2006/main" xmlns:r="http://schemas.openxmlformats.org/officeDocument/2006/relationships" xmlns:p="http://schemas.openxmlformats.org/presentationml/2006/main" xmlns:m="http://schemas.openxmlformats.org/officeDocument/2006/math" xmlns:a14="http://schemas.microsoft.com/office/drawing/2010/main" showMasterSp="1" showMasterPhAnim="1">
+<p:sld xmlns:a="http://schemas.openxmlformats.org/drawingml/2006/main" xmlns:r="http://schemas.openxmlformats.org/officeDocument/2006/relationships" xmlns:p="http://schemas.openxmlformats.org/presentationml/2006/main">
   <p:cSld>
     <p:spTree>
       <p:nvGrpSpPr>
@@ -16006,6 +16256,7 @@
                   </a:solidFill>
                 </a:defRPr>
               </a:pPr>
+              <a:endParaRPr/>
             </a:p>
           </p:txBody>
         </p:sp>
@@ -16039,7 +16290,7 @@
             </a:bodyPr>
             <a:lstStyle/>
             <a:p>
-              <a:pPr/>
+              <a:endParaRPr/>
             </a:p>
           </p:txBody>
         </p:sp>
@@ -16079,6 +16330,7 @@
                   </a:solidFill>
                 </a:defRPr>
               </a:pPr>
+              <a:endParaRPr/>
             </a:p>
           </p:txBody>
         </p:sp>
@@ -16126,7 +16378,6 @@
               </a:lvl1pPr>
             </a:lstStyle>
             <a:p>
-              <a:pPr/>
               <a:r>
                 <a:t>在Activity中显示Fragment必须将Fragment添加到Activity中。</a:t>
               </a:r>
@@ -16184,6 +16435,7 @@
                   </a:solidFill>
                 </a:defRPr>
               </a:pPr>
+              <a:endParaRPr/>
             </a:p>
           </p:txBody>
         </p:sp>
@@ -16233,7 +16485,6 @@
               </a:lvl1pPr>
             </a:lstStyle>
             <a:p>
-              <a:pPr/>
               <a:r>
                 <a:t>数据传递方式</a:t>
               </a:r>
@@ -16428,6 +16679,12 @@
                   </a:solidFill>
                 </a:defRPr>
               </a:pPr>
+              <a:endParaRPr>
+                <a:latin typeface="微软雅黑"/>
+                <a:ea typeface="微软雅黑"/>
+                <a:cs typeface="微软雅黑"/>
+                <a:sym typeface="微软雅黑"/>
+              </a:endParaRPr>
             </a:p>
             <a:p>
               <a:pPr>
@@ -16437,6 +16694,12 @@
                   </a:solidFill>
                 </a:defRPr>
               </a:pPr>
+              <a:endParaRPr>
+                <a:latin typeface="微软雅黑"/>
+                <a:ea typeface="微软雅黑"/>
+                <a:cs typeface="微软雅黑"/>
+                <a:sym typeface="微软雅黑"/>
+              </a:endParaRPr>
             </a:p>
             <a:p>
               <a:pPr marL="285750" indent="-285750">
@@ -16668,14 +16931,14 @@
   <p:clrMapOvr>
     <a:masterClrMapping/>
   </p:clrMapOvr>
-  <p:transition xmlns:p14="http://schemas.microsoft.com/office/powerpoint/2010/main" spd="med" advClick="1"/>
+  <p:transition spd="med"/>
   <p:timing>
     <p:tnLst>
       <p:par>
-        <p:cTn id="1" nodeType="tmRoot" restart="never" dur="indefinite" fill="hold">
+        <p:cTn id="1" dur="indefinite" restart="never" fill="hold" nodeType="tmRoot">
           <p:childTnLst>
             <p:seq concurrent="1" prevAc="none" nextAc="seek">
-              <p:cTn id="2" nodeType="mainSeq" dur="indefinite" fill="hold">
+              <p:cTn id="2" dur="indefinite" fill="hold" nodeType="mainSeq">
                 <p:childTnLst>
                   <p:par>
                     <p:cTn id="3" fill="hold">
@@ -16690,11 +16953,11 @@
                             </p:stCondLst>
                             <p:childTnLst>
                               <p:par>
-                                <p:cTn id="5" presetClass="entr" nodeType="clickEffect" presetSubtype="4" presetID="2" grpId="1" fill="hold">
+                                <p:cTn id="5" presetID="2" presetClass="entr" presetSubtype="4" fill="hold" grpId="1" nodeType="clickEffect">
                                   <p:stCondLst>
                                     <p:cond delay="0"/>
                                   </p:stCondLst>
-                                  <p:iterate type="el" backwards="0">
+                                  <p:iterate>
                                     <p:tmAbs val="0"/>
                                   </p:iterate>
                                   <p:childTnLst>
@@ -16770,14 +17033,14 @@
                 </p:childTnLst>
               </p:cTn>
               <p:prevCondLst>
-                <p:cond evt="onPrev">
+                <p:cond evt="onPrev" delay="0">
                   <p:tgtEl>
                     <p:sldTgt/>
                   </p:tgtEl>
                 </p:cond>
               </p:prevCondLst>
               <p:nextCondLst>
-                <p:cond evt="onNext">
+                <p:cond evt="onNext" delay="0">
                   <p:tgtEl>
                     <p:sldTgt/>
                   </p:tgtEl>
@@ -16789,14 +17052,14 @@
       </p:par>
     </p:tnLst>
     <p:bldLst>
-      <p:bldP build="whole" bldLvl="1" animBg="1" rev="0" advAuto="0" spid="468" grpId="1"/>
+      <p:bldP spid="468" grpId="1" animBg="1" advAuto="0"/>
     </p:bldLst>
   </p:timing>
 </p:sld>
 </file>
 
 <file path=ppt/slides/slide21.xml><?xml version="1.0" encoding="utf-8"?>
-<p:sld xmlns:a="http://schemas.openxmlformats.org/drawingml/2006/main" xmlns:r="http://schemas.openxmlformats.org/officeDocument/2006/relationships" xmlns:p="http://schemas.openxmlformats.org/presentationml/2006/main" xmlns:m="http://schemas.openxmlformats.org/officeDocument/2006/math" xmlns:a14="http://schemas.microsoft.com/office/drawing/2010/main" showMasterSp="1" showMasterPhAnim="1">
+<p:sld xmlns:a="http://schemas.openxmlformats.org/drawingml/2006/main" xmlns:r="http://schemas.openxmlformats.org/officeDocument/2006/relationships" xmlns:p="http://schemas.openxmlformats.org/presentationml/2006/main">
   <p:cSld>
     <p:spTree>
       <p:nvGrpSpPr>
@@ -16927,6 +17190,7 @@
                   </a:solidFill>
                 </a:defRPr>
               </a:pPr>
+              <a:endParaRPr/>
             </a:p>
           </p:txBody>
         </p:sp>
@@ -16960,7 +17224,7 @@
             </a:bodyPr>
             <a:lstStyle/>
             <a:p>
-              <a:pPr/>
+              <a:endParaRPr/>
             </a:p>
           </p:txBody>
         </p:sp>
@@ -17000,6 +17264,7 @@
                   </a:solidFill>
                 </a:defRPr>
               </a:pPr>
+              <a:endParaRPr/>
             </a:p>
           </p:txBody>
         </p:sp>
@@ -17047,7 +17312,6 @@
               </a:lvl1pPr>
             </a:lstStyle>
             <a:p>
-              <a:pPr/>
               <a:r>
                 <a:t>Activity管理Fragment主要依靠FragmentManager。</a:t>
               </a:r>
@@ -17099,7 +17363,7 @@
             </a:bodyPr>
             <a:lstStyle/>
             <a:p>
-              <a:pPr/>
+              <a:endParaRPr/>
             </a:p>
           </p:txBody>
         </p:sp>
@@ -17133,7 +17397,7 @@
             </a:bodyPr>
             <a:lstStyle/>
             <a:p>
-              <a:pPr/>
+              <a:endParaRPr/>
             </a:p>
           </p:txBody>
         </p:sp>
@@ -17234,6 +17498,7 @@
                   </a:solidFill>
                 </a:defRPr>
               </a:pPr>
+              <a:endParaRPr/>
             </a:p>
             <a:p>
               <a:pPr marL="285750" indent="-285750">
@@ -17289,6 +17554,7 @@
                   </a:solidFill>
                 </a:defRPr>
               </a:pPr>
+              <a:endParaRPr/>
             </a:p>
             <a:p>
               <a:pPr marL="285750" indent="-285750">
@@ -17376,6 +17642,7 @@
                   </a:solidFill>
                 </a:defRPr>
               </a:pPr>
+              <a:endParaRPr/>
             </a:p>
           </p:txBody>
         </p:sp>
@@ -17468,12 +17735,12 @@
   <p:clrMapOvr>
     <a:masterClrMapping/>
   </p:clrMapOvr>
-  <p:transition xmlns:p14="http://schemas.microsoft.com/office/powerpoint/2010/main" spd="med" advClick="1"/>
+  <p:transition spd="med"/>
 </p:sld>
 </file>
 
 <file path=ppt/slides/slide22.xml><?xml version="1.0" encoding="utf-8"?>
-<p:sld xmlns:a="http://schemas.openxmlformats.org/drawingml/2006/main" xmlns:r="http://schemas.openxmlformats.org/officeDocument/2006/relationships" xmlns:p="http://schemas.openxmlformats.org/presentationml/2006/main" xmlns:m="http://schemas.openxmlformats.org/officeDocument/2006/math" xmlns:a14="http://schemas.microsoft.com/office/drawing/2010/main" showMasterSp="1" showMasterPhAnim="1">
+<p:sld xmlns:a="http://schemas.openxmlformats.org/drawingml/2006/main" xmlns:r="http://schemas.openxmlformats.org/officeDocument/2006/relationships" xmlns:p="http://schemas.openxmlformats.org/presentationml/2006/main">
   <p:cSld>
     <p:spTree>
       <p:nvGrpSpPr>
@@ -17540,6 +17807,7 @@
                   </a:solidFill>
                 </a:defRPr>
               </a:pPr>
+              <a:endParaRPr/>
             </a:p>
           </p:txBody>
         </p:sp>
@@ -17583,7 +17851,6 @@
               </a:lvl1pPr>
             </a:lstStyle>
             <a:p>
-              <a:pPr/>
               <a:r>
                 <a:t>4.5</a:t>
               </a:r>
@@ -17622,7 +17889,7 @@
             </a:cxnLst>
             <a:rect l="0" t="0" r="r" b="b"/>
             <a:pathLst>
-              <a:path w="19059" h="21600" fill="norm" stroke="1" extrusionOk="0">
+              <a:path w="19059" h="21600" extrusionOk="0">
                 <a:moveTo>
                   <a:pt x="3662" y="21600"/>
                 </a:moveTo>
@@ -17660,6 +17927,7 @@
                 </a:solidFill>
               </a:defRPr>
             </a:pPr>
+            <a:endParaRPr/>
           </a:p>
         </p:txBody>
       </p:sp>
@@ -17688,7 +17956,7 @@
           <a:bodyPr lIns="45718" tIns="45718" rIns="45718" bIns="45718"/>
           <a:lstStyle/>
           <a:p>
-            <a:pPr/>
+            <a:endParaRPr/>
           </a:p>
         </p:txBody>
       </p:sp>
@@ -17733,7 +18001,6 @@
             </a:lvl1pPr>
           </a:lstStyle>
           <a:p>
-            <a:pPr/>
             <a:r>
               <a:t>Fragment的生命周期</a:t>
             </a:r>
@@ -17765,7 +18032,7 @@
           <a:bodyPr lIns="45718" tIns="45718" rIns="45718" bIns="45718"/>
           <a:lstStyle/>
           <a:p>
-            <a:pPr/>
+            <a:endParaRPr/>
           </a:p>
         </p:txBody>
       </p:sp>
@@ -17794,7 +18061,7 @@
           <a:bodyPr lIns="45718" tIns="45718" rIns="45718" bIns="45718"/>
           <a:lstStyle/>
           <a:p>
-            <a:pPr/>
+            <a:endParaRPr/>
           </a:p>
         </p:txBody>
       </p:sp>
@@ -17803,12 +18070,12 @@
   <p:clrMapOvr>
     <a:masterClrMapping/>
   </p:clrMapOvr>
-  <p:transition xmlns:p14="http://schemas.microsoft.com/office/powerpoint/2010/main" spd="med" advClick="1"/>
+  <p:transition spd="med"/>
 </p:sld>
 </file>
 
 <file path=ppt/slides/slide23.xml><?xml version="1.0" encoding="utf-8"?>
-<p:sld xmlns:a="http://schemas.openxmlformats.org/drawingml/2006/main" xmlns:r="http://schemas.openxmlformats.org/officeDocument/2006/relationships" xmlns:p="http://schemas.openxmlformats.org/presentationml/2006/main" xmlns:m="http://schemas.openxmlformats.org/officeDocument/2006/math" xmlns:a14="http://schemas.microsoft.com/office/drawing/2010/main" showMasterSp="1" showMasterPhAnim="1">
+<p:sld xmlns:a="http://schemas.openxmlformats.org/drawingml/2006/main" xmlns:r="http://schemas.openxmlformats.org/officeDocument/2006/relationships" xmlns:p="http://schemas.openxmlformats.org/presentationml/2006/main">
   <p:cSld>
     <p:spTree>
       <p:nvGrpSpPr>
@@ -17868,7 +18135,7 @@
             </a:bodyPr>
             <a:lstStyle/>
             <a:p>
-              <a:pPr/>
+              <a:endParaRPr/>
             </a:p>
           </p:txBody>
         </p:sp>
@@ -17902,7 +18169,7 @@
             </a:bodyPr>
             <a:lstStyle/>
             <a:p>
-              <a:pPr/>
+              <a:endParaRPr/>
             </a:p>
           </p:txBody>
         </p:sp>
@@ -17936,7 +18203,7 @@
             </a:bodyPr>
             <a:lstStyle/>
             <a:p>
-              <a:pPr/>
+              <a:endParaRPr/>
             </a:p>
           </p:txBody>
         </p:sp>
@@ -17970,7 +18237,7 @@
             </a:bodyPr>
             <a:lstStyle/>
             <a:p>
-              <a:pPr/>
+              <a:endParaRPr/>
             </a:p>
           </p:txBody>
         </p:sp>
@@ -18012,6 +18279,7 @@
                   </a:solidFill>
                 </a:defRPr>
               </a:pPr>
+              <a:endParaRPr/>
             </a:p>
           </p:txBody>
         </p:sp>
@@ -18051,6 +18319,7 @@
                   </a:solidFill>
                 </a:defRPr>
               </a:pPr>
+              <a:endParaRPr/>
             </a:p>
           </p:txBody>
         </p:sp>
@@ -18090,6 +18359,7 @@
                   </a:solidFill>
                 </a:defRPr>
               </a:pPr>
+              <a:endParaRPr/>
             </a:p>
           </p:txBody>
         </p:sp>
@@ -18131,6 +18401,7 @@
                   </a:solidFill>
                 </a:defRPr>
               </a:pPr>
+              <a:endParaRPr/>
             </a:p>
           </p:txBody>
         </p:sp>
@@ -18243,7 +18514,6 @@
               </a:lvl1pPr>
             </a:lstStyle>
             <a:p>
-              <a:pPr/>
               <a:r>
                 <a:t>停止状态</a:t>
               </a:r>
@@ -18294,7 +18564,6 @@
               </a:lvl1pPr>
             </a:lstStyle>
             <a:p>
-              <a:pPr/>
               <a:r>
                 <a:t>暂停状态</a:t>
               </a:r>
@@ -18345,7 +18614,6 @@
               </a:lvl1pPr>
             </a:lstStyle>
             <a:p>
-              <a:pPr/>
               <a:r>
                 <a:t>销毁状态</a:t>
               </a:r>
@@ -18383,7 +18651,7 @@
               </a:cxnLst>
               <a:rect l="0" t="0" r="r" b="b"/>
               <a:pathLst>
-                <a:path w="21600" h="21600" fill="norm" stroke="1" extrusionOk="0">
+                <a:path w="21600" h="21600" extrusionOk="0">
                   <a:moveTo>
                     <a:pt x="0" y="0"/>
                   </a:moveTo>
@@ -18412,6 +18680,7 @@
             <a:lstStyle/>
             <a:p>
               <a:pPr algn="ctr"/>
+              <a:endParaRPr/>
             </a:p>
           </p:txBody>
         </p:sp>
@@ -18446,7 +18715,7 @@
               </a:cxnLst>
               <a:rect l="0" t="0" r="r" b="b"/>
               <a:pathLst>
-                <a:path w="21600" h="21600" fill="norm" stroke="1" extrusionOk="0">
+                <a:path w="21600" h="21600" extrusionOk="0">
                   <a:moveTo>
                     <a:pt x="0" y="0"/>
                   </a:moveTo>
@@ -18475,6 +18744,7 @@
             <a:lstStyle/>
             <a:p>
               <a:pPr algn="ctr"/>
+              <a:endParaRPr/>
             </a:p>
           </p:txBody>
         </p:sp>
@@ -18509,7 +18779,7 @@
               </a:cxnLst>
               <a:rect l="0" t="0" r="r" b="b"/>
               <a:pathLst>
-                <a:path w="21600" h="21600" fill="norm" stroke="1" extrusionOk="0">
+                <a:path w="21600" h="21600" extrusionOk="0">
                   <a:moveTo>
                     <a:pt x="0" y="0"/>
                   </a:moveTo>
@@ -18538,6 +18808,7 @@
             <a:lstStyle/>
             <a:p>
               <a:pPr algn="ctr"/>
+              <a:endParaRPr/>
             </a:p>
           </p:txBody>
         </p:sp>
@@ -18572,7 +18843,7 @@
               </a:cxnLst>
               <a:rect l="0" t="0" r="r" b="b"/>
               <a:pathLst>
-                <a:path w="21600" h="21600" fill="norm" stroke="1" extrusionOk="0">
+                <a:path w="21600" h="21600" extrusionOk="0">
                   <a:moveTo>
                     <a:pt x="0" y="0"/>
                   </a:moveTo>
@@ -18601,6 +18872,7 @@
             <a:lstStyle/>
             <a:p>
               <a:pPr algn="ctr"/>
+              <a:endParaRPr/>
             </a:p>
           </p:txBody>
         </p:sp>
@@ -18630,7 +18902,7 @@
           <a:bodyPr lIns="45718" tIns="45718" rIns="45718" bIns="45718"/>
           <a:lstStyle/>
           <a:p>
-            <a:pPr/>
+            <a:endParaRPr/>
           </a:p>
         </p:txBody>
       </p:sp>
@@ -18659,7 +18931,7 @@
           <a:bodyPr lIns="45718" tIns="45718" rIns="45718" bIns="45718"/>
           <a:lstStyle/>
           <a:p>
-            <a:pPr/>
+            <a:endParaRPr/>
           </a:p>
         </p:txBody>
       </p:sp>
@@ -18704,7 +18976,6 @@
             </a:lvl1pPr>
           </a:lstStyle>
           <a:p>
-            <a:pPr/>
             <a:r>
               <a:t>生命周期</a:t>
             </a:r>
@@ -19013,12 +19284,12 @@
   <p:clrMapOvr>
     <a:masterClrMapping/>
   </p:clrMapOvr>
-  <p:transition xmlns:p14="http://schemas.microsoft.com/office/powerpoint/2010/main" spd="med" advClick="1"/>
+  <p:transition spd="med"/>
 </p:sld>
 </file>
 
 <file path=ppt/slides/slide24.xml><?xml version="1.0" encoding="utf-8"?>
-<p:sld xmlns:a="http://schemas.openxmlformats.org/drawingml/2006/main" xmlns:r="http://schemas.openxmlformats.org/officeDocument/2006/relationships" xmlns:p="http://schemas.openxmlformats.org/presentationml/2006/main" xmlns:m="http://schemas.openxmlformats.org/officeDocument/2006/math" xmlns:a14="http://schemas.microsoft.com/office/drawing/2010/main" showMasterSp="1" showMasterPhAnim="1">
+<p:sld xmlns:a="http://schemas.openxmlformats.org/drawingml/2006/main" xmlns:r="http://schemas.openxmlformats.org/officeDocument/2006/relationships" xmlns:p="http://schemas.openxmlformats.org/presentationml/2006/main">
   <p:cSld>
     <p:spTree>
       <p:nvGrpSpPr>
@@ -19099,6 +19370,7 @@
                     </a:solidFill>
                   </a:defRPr>
                 </a:pPr>
+                <a:endParaRPr/>
               </a:p>
             </p:txBody>
           </p:sp>
@@ -19142,7 +19414,6 @@
                 </a:lvl1pPr>
               </a:lstStyle>
               <a:p>
-                <a:pPr/>
                 <a:r>
                   <a:t>4.6</a:t>
                 </a:r>
@@ -19181,7 +19452,7 @@
               </a:cxnLst>
               <a:rect l="0" t="0" r="r" b="b"/>
               <a:pathLst>
-                <a:path w="19059" h="21600" fill="norm" stroke="1" extrusionOk="0">
+                <a:path w="19059" h="21600" extrusionOk="0">
                   <a:moveTo>
                     <a:pt x="3662" y="21600"/>
                   </a:moveTo>
@@ -19223,6 +19494,7 @@
                   </a:solidFill>
                 </a:defRPr>
               </a:pPr>
+              <a:endParaRPr/>
             </a:p>
           </p:txBody>
         </p:sp>
@@ -19256,7 +19528,7 @@
             </a:bodyPr>
             <a:lstStyle/>
             <a:p>
-              <a:pPr/>
+              <a:endParaRPr/>
             </a:p>
           </p:txBody>
         </p:sp>
@@ -19302,7 +19574,6 @@
             </a:lvl1pPr>
           </a:lstStyle>
           <a:p>
-            <a:pPr/>
             <a:r>
               <a:t>本章小结</a:t>
             </a:r>
@@ -19334,7 +19605,7 @@
           <a:bodyPr lIns="45718" tIns="45718" rIns="45718" bIns="45718"/>
           <a:lstStyle/>
           <a:p>
-            <a:pPr/>
+            <a:endParaRPr/>
           </a:p>
         </p:txBody>
       </p:sp>
@@ -19363,7 +19634,7 @@
           <a:bodyPr lIns="45718" tIns="45718" rIns="45718" bIns="45718"/>
           <a:lstStyle/>
           <a:p>
-            <a:pPr/>
+            <a:endParaRPr/>
           </a:p>
         </p:txBody>
       </p:sp>
@@ -19411,12 +19682,13 @@
             <a:lstStyle/>
             <a:p>
               <a:pPr algn="ctr">
-                <a:defRPr b="1" sz="2800">
+                <a:defRPr sz="2800" b="1">
                   <a:solidFill>
                     <a:srgbClr val="FFFFFF"/>
                   </a:solidFill>
                 </a:defRPr>
               </a:pPr>
+              <a:endParaRPr/>
             </a:p>
           </p:txBody>
         </p:sp>
@@ -19467,7 +19739,7 @@
                 <a:t>深入理解</a:t>
               </a:r>
               <a:r>
-                <a:rPr b="1" sz="2800">
+                <a:rPr sz="2800" b="1">
                   <a:latin typeface="+mj-lt"/>
                   <a:ea typeface="+mj-ea"/>
                   <a:cs typeface="+mj-cs"/>
@@ -19479,7 +19751,7 @@
                 <a:t>与</a:t>
               </a:r>
               <a:r>
-                <a:rPr b="1" sz="2800">
+                <a:rPr sz="2800" b="1">
                   <a:latin typeface="+mj-lt"/>
                   <a:ea typeface="+mj-ea"/>
                   <a:cs typeface="+mj-cs"/>
@@ -19702,18 +19974,19 @@
   <p:clrMapOvr>
     <a:masterClrMapping/>
   </p:clrMapOvr>
-  <p:transition xmlns:p14="http://schemas.microsoft.com/office/powerpoint/2010/main" spd="med" advClick="1"/>
+  <p:transition spd="med"/>
 </p:sld>
 </file>
 
 <file path=ppt/slides/slide25.xml><?xml version="1.0" encoding="utf-8"?>
-<p:sld xmlns:a="http://schemas.openxmlformats.org/drawingml/2006/main" xmlns:r="http://schemas.openxmlformats.org/officeDocument/2006/relationships" xmlns:p="http://schemas.openxmlformats.org/presentationml/2006/main" xmlns:m="http://schemas.openxmlformats.org/officeDocument/2006/math" xmlns:a14="http://schemas.microsoft.com/office/drawing/2010/main" showMasterSp="1" showMasterPhAnim="1">
+<p:sld xmlns:a="http://schemas.openxmlformats.org/drawingml/2006/main" xmlns:r="http://schemas.openxmlformats.org/officeDocument/2006/relationships" xmlns:p="http://schemas.openxmlformats.org/presentationml/2006/main">
   <p:cSld>
     <p:bg>
       <p:bgPr>
         <a:solidFill>
           <a:srgbClr val="FFFFFF"/>
         </a:solidFill>
+        <a:effectLst/>
       </p:bgPr>
     </p:bg>
     <p:spTree>
@@ -19733,7 +20006,9 @@
       <p:sp>
         <p:nvSpPr>
           <p:cNvPr id="536" name="标题 1"/>
-          <p:cNvSpPr txBox="1"/>
+          <p:cNvSpPr txBox="1">
+            <a:spLocks noGrp="1"/>
+          </p:cNvSpPr>
           <p:nvPr>
             <p:ph type="title"/>
           </p:nvPr>
@@ -19747,7 +20022,6 @@
           <a:bodyPr/>
           <a:lstStyle/>
           <a:p>
-            <a:pPr/>
             <a:r>
               <a:t>Home Work2: Android </a:t>
             </a:r>
@@ -19766,7 +20040,9 @@
       <p:sp>
         <p:nvSpPr>
           <p:cNvPr id="537" name="内容占位符 2"/>
-          <p:cNvSpPr txBox="1"/>
+          <p:cNvSpPr txBox="1">
+            <a:spLocks noGrp="1"/>
+          </p:cNvSpPr>
           <p:nvPr>
             <p:ph type="body" idx="1"/>
           </p:nvPr>
@@ -19793,7 +20069,6 @@
             </a:r>
           </a:p>
           <a:p>
-            <a:pPr/>
             <a:r>
               <a:rPr u="sng">
                 <a:solidFill>
@@ -19804,25 +20079,33 @@
                     <a:srgbClr val="0000FF"/>
                   </a:solidFill>
                 </a:uFill>
-                <a:hlinkClick r:id="rId2" invalidUrl="" action="" tgtFrame="" tooltip="" history="1" highlightClick="0" endSnd="0"/>
+                <a:hlinkClick r:id="rId2"/>
               </a:rPr>
               <a:t>https://www.ibm.com/developerworks/cn/xml/tutorials/x-andddyntut/</a:t>
             </a:r>
           </a:p>
           <a:p>
-            <a:pPr/>
-          </a:p>
-          <a:p>
-            <a:pPr/>
+            <a:endParaRPr u="sng">
+              <a:solidFill>
+                <a:srgbClr val="0000FF"/>
+              </a:solidFill>
+              <a:uFill>
+                <a:solidFill>
+                  <a:srgbClr val="0000FF"/>
+                </a:solidFill>
+              </a:uFill>
+              <a:hlinkClick r:id="rId2"/>
+            </a:endParaRPr>
+          </a:p>
+          <a:p>
             <a:r>
               <a:t>作业截止时间北京时间11月30后23:59</a:t>
             </a:r>
           </a:p>
           <a:p>
-            <a:pPr/>
-          </a:p>
-          <a:p>
-            <a:pPr/>
+            <a:endParaRPr/>
+          </a:p>
+          <a:p>
             <a:r>
               <a:t>作业提交内容（1）实验报告；（2）源代码（</a:t>
             </a:r>
@@ -19845,293 +20128,19 @@
   <p:clrMapOvr>
     <a:masterClrMapping/>
   </p:clrMapOvr>
-  <p:transition xmlns:p14="http://schemas.microsoft.com/office/powerpoint/2010/main" spd="med" advClick="1"/>
+  <p:transition spd="med"/>
 </p:sld>
 </file>
 
 <file path=ppt/slides/slide26.xml><?xml version="1.0" encoding="utf-8"?>
-<p:sld xmlns:a="http://schemas.openxmlformats.org/drawingml/2006/main" xmlns:r="http://schemas.openxmlformats.org/officeDocument/2006/relationships" xmlns:p="http://schemas.openxmlformats.org/presentationml/2006/main" xmlns:m="http://schemas.openxmlformats.org/officeDocument/2006/math" xmlns:a14="http://schemas.microsoft.com/office/drawing/2010/main" showMasterSp="1" showMasterPhAnim="1">
+<p:sld xmlns:a="http://schemas.openxmlformats.org/drawingml/2006/main" xmlns:r="http://schemas.openxmlformats.org/officeDocument/2006/relationships" xmlns:p="http://schemas.openxmlformats.org/presentationml/2006/main">
   <p:cSld>
     <p:bg>
       <p:bgPr>
         <a:solidFill>
           <a:srgbClr val="FFFFFF"/>
         </a:solidFill>
-      </p:bgPr>
-    </p:bg>
-    <p:spTree>
-      <p:nvGrpSpPr>
-        <p:cNvPr id="1" name=""/>
-        <p:cNvGrpSpPr/>
-        <p:nvPr/>
-      </p:nvGrpSpPr>
-      <p:grpSpPr>
-        <a:xfrm>
-          <a:off x="0" y="0"/>
-          <a:ext cx="0" cy="0"/>
-          <a:chOff x="0" y="0"/>
-          <a:chExt cx="0" cy="0"/>
-        </a:xfrm>
-      </p:grpSpPr>
-      <p:sp>
-        <p:nvSpPr>
-          <p:cNvPr id="539" name="标题"/>
-          <p:cNvSpPr txBox="1"/>
-          <p:nvPr>
-            <p:ph type="title"/>
-          </p:nvPr>
-        </p:nvSpPr>
-        <p:spPr>
-          <a:prstGeom prst="rect">
-            <a:avLst/>
-          </a:prstGeom>
-        </p:spPr>
-        <p:txBody>
-          <a:bodyPr/>
-          <a:lstStyle/>
-          <a:p>
-            <a:pPr/>
-          </a:p>
-        </p:txBody>
-      </p:sp>
-      <p:sp>
-        <p:nvSpPr>
-          <p:cNvPr id="540" name="正文"/>
-          <p:cNvSpPr txBox="1"/>
-          <p:nvPr>
-            <p:ph type="body" idx="1"/>
-          </p:nvPr>
-        </p:nvSpPr>
-        <p:spPr>
-          <a:prstGeom prst="rect">
-            <a:avLst/>
-          </a:prstGeom>
-        </p:spPr>
-        <p:txBody>
-          <a:bodyPr/>
-          <a:lstStyle/>
-          <a:p>
-            <a:pPr/>
-          </a:p>
-        </p:txBody>
-      </p:sp>
-      <p:sp>
-        <p:nvSpPr>
-          <p:cNvPr id="541" name="内容占位符 2"/>
-          <p:cNvSpPr txBox="1"/>
-          <p:nvPr/>
-        </p:nvSpPr>
-        <p:spPr>
-          <a:xfrm>
-            <a:off x="838200" y="1825625"/>
-            <a:ext cx="10515600" cy="4351338"/>
-          </a:xfrm>
-          <a:prstGeom prst="rect">
-            <a:avLst/>
-          </a:prstGeom>
-          <a:ln w="12700">
-            <a:miter lim="400000"/>
-          </a:ln>
-          <a:extLst>
-            <a:ext uri="{C572A759-6A51-4108-AA02-DFA0A04FC94B}">
-              <ma14:wrappingTextBoxFlag xmlns:ma14="http://schemas.microsoft.com/office/mac/drawingml/2011/main" val="1"/>
-            </a:ext>
-          </a:extLst>
-        </p:spPr>
-        <p:txBody>
-          <a:bodyPr lIns="45719" rIns="45719">
-            <a:normAutofit fontScale="100000" lnSpcReduction="0"/>
-          </a:bodyPr>
-          <a:lstStyle/>
-          <a:p>
-            <a:pPr marL="228600" indent="-228600">
-              <a:lnSpc>
-                <a:spcPct val="90000"/>
-              </a:lnSpc>
-              <a:spcBef>
-                <a:spcPts val="1000"/>
-              </a:spcBef>
-              <a:buSzPct val="100000"/>
-              <a:buFont typeface="Arial"/>
-              <a:buChar char="•"/>
-              <a:defRPr sz="4800">
-                <a:solidFill>
-                  <a:srgbClr val="FF0000"/>
-                </a:solidFill>
-              </a:defRPr>
-            </a:pPr>
-            <a:r>
-              <a:rPr>
-                <a:solidFill>
-                  <a:srgbClr val="000000"/>
-                </a:solidFill>
-              </a:rPr>
-              <a:t>ftp 提交网站：</a:t>
-            </a:r>
-            <a:r>
-              <a:rPr>
-                <a:solidFill>
-                  <a:srgbClr val="0563C1"/>
-                </a:solidFill>
-                <a:uFill>
-                  <a:solidFill>
-                    <a:srgbClr val="0563C1"/>
-                  </a:solidFill>
-                </a:uFill>
-              </a:rPr>
-              <a:t>http://</a:t>
-            </a:r>
-            <a:r>
-              <a:rPr u="sng">
-                <a:solidFill>
-                  <a:srgbClr val="0563C1"/>
-                </a:solidFill>
-                <a:uFill>
-                  <a:solidFill>
-                    <a:srgbClr val="0563C1"/>
-                  </a:solidFill>
-                </a:uFill>
-                <a:hlinkClick r:id="rId2" invalidUrl="" action="" tgtFrame="" tooltip="" history="1" highlightClick="0" endSnd="0"/>
-              </a:rPr>
-              <a:t>172.18.5.102</a:t>
-            </a:r>
-          </a:p>
-          <a:p>
-            <a:pPr marL="228600" indent="-228600">
-              <a:lnSpc>
-                <a:spcPct val="90000"/>
-              </a:lnSpc>
-              <a:spcBef>
-                <a:spcPts val="1000"/>
-              </a:spcBef>
-              <a:buSzPct val="100000"/>
-              <a:buFont typeface="Arial"/>
-              <a:buChar char="•"/>
-              <a:defRPr sz="4800"/>
-            </a:pPr>
-            <a:r>
-              <a:t>User dailiyun password dailiyun</a:t>
-            </a:r>
-          </a:p>
-          <a:p>
-            <a:pPr marL="228600" indent="-228600">
-              <a:lnSpc>
-                <a:spcPct val="90000"/>
-              </a:lnSpc>
-              <a:spcBef>
-                <a:spcPts val="1000"/>
-              </a:spcBef>
-              <a:buSzPct val="100000"/>
-              <a:buFont typeface="Arial"/>
-              <a:buChar char="•"/>
-              <a:defRPr sz="4800"/>
-            </a:pPr>
-            <a:r>
-              <a:rPr>
-                <a:latin typeface="微软雅黑"/>
-                <a:ea typeface="微软雅黑"/>
-                <a:cs typeface="微软雅黑"/>
-                <a:sym typeface="微软雅黑"/>
-              </a:rPr>
-              <a:t>内容：</a:t>
-            </a:r>
-          </a:p>
-          <a:p>
-            <a:pPr lvl="1" marL="685800" indent="-228600">
-              <a:lnSpc>
-                <a:spcPct val="90000"/>
-              </a:lnSpc>
-              <a:spcBef>
-                <a:spcPts val="500"/>
-              </a:spcBef>
-              <a:buSzPct val="100000"/>
-              <a:buFont typeface="Arial"/>
-              <a:buChar char="•"/>
-              <a:defRPr sz="4400"/>
-            </a:pPr>
-            <a:r>
-              <a:rPr>
-                <a:latin typeface="微软雅黑"/>
-                <a:ea typeface="微软雅黑"/>
-                <a:cs typeface="微软雅黑"/>
-                <a:sym typeface="微软雅黑"/>
-              </a:rPr>
-              <a:t>实验报告。 学号</a:t>
-            </a:r>
-            <a:r>
-              <a:t>-</a:t>
-            </a:r>
-            <a:r>
-              <a:rPr>
-                <a:latin typeface="微软雅黑"/>
-                <a:ea typeface="微软雅黑"/>
-                <a:cs typeface="微软雅黑"/>
-                <a:sym typeface="微软雅黑"/>
-              </a:rPr>
-              <a:t>姓名</a:t>
-            </a:r>
-            <a:r>
-              <a:t>.doc</a:t>
-            </a:r>
-            <a:endParaRPr sz="2400"/>
-          </a:p>
-          <a:p>
-            <a:pPr lvl="1" marL="685800" indent="-228600">
-              <a:lnSpc>
-                <a:spcPct val="90000"/>
-              </a:lnSpc>
-              <a:spcBef>
-                <a:spcPts val="500"/>
-              </a:spcBef>
-              <a:buSzPct val="100000"/>
-              <a:buFont typeface="Arial"/>
-              <a:buChar char="•"/>
-              <a:defRPr sz="4400"/>
-            </a:pPr>
-            <a:r>
-              <a:rPr>
-                <a:latin typeface="微软雅黑"/>
-                <a:ea typeface="微软雅黑"/>
-                <a:cs typeface="微软雅黑"/>
-                <a:sym typeface="微软雅黑"/>
-              </a:rPr>
-              <a:t>代码。学号</a:t>
-            </a:r>
-            <a:r>
-              <a:t>-</a:t>
-            </a:r>
-            <a:r>
-              <a:rPr>
-                <a:latin typeface="微软雅黑"/>
-                <a:ea typeface="微软雅黑"/>
-                <a:cs typeface="微软雅黑"/>
-                <a:sym typeface="微软雅黑"/>
-              </a:rPr>
-              <a:t>姓名</a:t>
-            </a:r>
-            <a:r>
-              <a:t>.zip(rar)</a:t>
-            </a:r>
-          </a:p>
-        </p:txBody>
-      </p:sp>
-    </p:spTree>
-  </p:cSld>
-  <p:clrMapOvr>
-    <a:masterClrMapping/>
-  </p:clrMapOvr>
-  <p:transition xmlns:p14="http://schemas.microsoft.com/office/powerpoint/2010/main" spd="med" advClick="1"/>
-</p:sld>
-</file>
-
-<file path=ppt/slides/slide27.xml><?xml version="1.0" encoding="utf-8"?>
-<p:sld xmlns:a="http://schemas.openxmlformats.org/drawingml/2006/main" xmlns:r="http://schemas.openxmlformats.org/officeDocument/2006/relationships" xmlns:p="http://schemas.openxmlformats.org/presentationml/2006/main" xmlns:m="http://schemas.openxmlformats.org/officeDocument/2006/math" xmlns:a14="http://schemas.microsoft.com/office/drawing/2010/main" showMasterSp="1" showMasterPhAnim="1">
-  <p:cSld>
-    <p:bg>
-      <p:bgPr>
-        <a:solidFill>
-          <a:srgbClr val="FFFFFF"/>
-        </a:solidFill>
+        <a:effectLst/>
       </p:bgPr>
     </p:bg>
     <p:spTree>
@@ -20151,7 +20160,9 @@
       <p:sp>
         <p:nvSpPr>
           <p:cNvPr id="543" name="Home Work2: Android 在线表单要求"/>
-          <p:cNvSpPr txBox="1"/>
+          <p:cNvSpPr txBox="1">
+            <a:spLocks noGrp="1"/>
+          </p:cNvSpPr>
           <p:nvPr>
             <p:ph type="title"/>
           </p:nvPr>
@@ -20165,7 +20176,6 @@
           <a:bodyPr/>
           <a:lstStyle/>
           <a:p>
-            <a:pPr/>
             <a:r>
               <a:t>Home Work2: Android </a:t>
             </a:r>
@@ -20210,7 +20220,6 @@
           </a:bodyPr>
           <a:lstStyle/>
           <a:p>
-            <a:pPr/>
             <a:r>
               <a:t>1.分析清楚IBM已有代码的流程和各部分的作用。初步认识实际app开发的方式。</a:t>
             </a:r>
@@ -20246,7 +20255,6 @@
           </a:bodyPr>
           <a:lstStyle/>
           <a:p>
-            <a:pPr/>
             <a:r>
               <a:t>3.当xml表单的扩展：当表单中含有1中的相应属性时app在在线渲染时自动填充相应内容（属性设置内容）。</a:t>
             </a:r>
@@ -20282,7 +20290,6 @@
           </a:bodyPr>
           <a:lstStyle/>
           <a:p>
-            <a:pPr/>
             <a:r>
               <a:t>2. 拥有一个属性设置界面设置。完成设置姓名，学号，出生年月，年龄，民族，籍贯等信息的配置。</a:t>
             </a:r>
@@ -20294,18 +20301,19 @@
   <p:clrMapOvr>
     <a:masterClrMapping/>
   </p:clrMapOvr>
-  <p:transition xmlns:p14="http://schemas.microsoft.com/office/powerpoint/2010/main" spd="med" advClick="1"/>
+  <p:transition spd="med"/>
 </p:sld>
 </file>
 
-<file path=ppt/slides/slide28.xml><?xml version="1.0" encoding="utf-8"?>
-<p:sld xmlns:a="http://schemas.openxmlformats.org/drawingml/2006/main" xmlns:r="http://schemas.openxmlformats.org/officeDocument/2006/relationships" xmlns:p="http://schemas.openxmlformats.org/presentationml/2006/main" xmlns:m="http://schemas.openxmlformats.org/officeDocument/2006/math" xmlns:a14="http://schemas.microsoft.com/office/drawing/2010/main" showMasterSp="1" showMasterPhAnim="1">
+<file path=ppt/slides/slide27.xml><?xml version="1.0" encoding="utf-8"?>
+<p:sld xmlns:a="http://schemas.openxmlformats.org/drawingml/2006/main" xmlns:r="http://schemas.openxmlformats.org/officeDocument/2006/relationships" xmlns:p="http://schemas.openxmlformats.org/presentationml/2006/main">
   <p:cSld>
     <p:bg>
       <p:bgPr>
         <a:solidFill>
           <a:srgbClr val="FFFFFF"/>
         </a:solidFill>
+        <a:effectLst/>
       </p:bgPr>
     </p:bg>
     <p:spTree>
@@ -20325,7 +20333,9 @@
       <p:sp>
         <p:nvSpPr>
           <p:cNvPr id="548" name="3.当XML表单的具体扩展"/>
-          <p:cNvSpPr txBox="1"/>
+          <p:cNvSpPr txBox="1">
+            <a:spLocks noGrp="1"/>
+          </p:cNvSpPr>
           <p:nvPr>
             <p:ph type="title"/>
           </p:nvPr>
@@ -20347,7 +20357,6 @@
             </a:lvl1pPr>
           </a:lstStyle>
           <a:p>
-            <a:pPr/>
             <a:r>
               <a:t>3.当XML表单的具体扩展</a:t>
             </a:r>
@@ -20357,7 +20366,9 @@
       <p:sp>
         <p:nvSpPr>
           <p:cNvPr id="549" name="&lt;?xml version=&quot;1.0&quot; encoding=&quot;utf-8&quot;?&gt;…"/>
-          <p:cNvSpPr txBox="1"/>
+          <p:cNvSpPr txBox="1">
+            <a:spLocks noGrp="1"/>
+          </p:cNvSpPr>
           <p:nvPr>
             <p:ph type="body" idx="1"/>
           </p:nvPr>
@@ -20396,10 +20407,7 @@
               </a:defRPr>
             </a:pPr>
             <a:r>
-              <a:t>&lt;?xml</a:t>
-            </a:r>
-            <a:r>
-              <a:t> </a:t>
+              <a:t>&lt;?xml </a:t>
             </a:r>
             <a:r>
               <a:rPr>
@@ -20410,10 +20418,7 @@
               <a:t>version</a:t>
             </a:r>
             <a:r>
-              <a:t>="1.0"</a:t>
-            </a:r>
-            <a:r>
-              <a:t> </a:t>
+              <a:t>="1.0" </a:t>
             </a:r>
             <a:r>
               <a:rPr>
@@ -20474,10 +20479,7 @@
               </a:defRPr>
             </a:pPr>
             <a:r>
-              <a:t>&lt;form</a:t>
-            </a:r>
-            <a:r>
-              <a:t> </a:t>
+              <a:t>&lt;form </a:t>
             </a:r>
             <a:r>
               <a:rPr>
@@ -20488,10 +20490,7 @@
               <a:t>id</a:t>
             </a:r>
             <a:r>
-              <a:t>="1"</a:t>
-            </a:r>
-            <a:r>
-              <a:t> </a:t>
+              <a:t>="1" </a:t>
             </a:r>
             <a:r>
               <a:rPr>
@@ -20538,13 +20537,7 @@
               <a:t>submitTo</a:t>
             </a:r>
             <a:r>
-              <a:t>="http://serverurl/xmlgui1-post.php"</a:t>
-            </a:r>
-            <a:r>
-              <a:t> </a:t>
-            </a:r>
-            <a:r>
-              <a:t>&gt;</a:t>
+              <a:t>="http://serverurl/xmlgui1-post.php" &gt;</a:t>
             </a:r>
           </a:p>
           <a:p>
@@ -20569,10 +20562,7 @@
               </a:defRPr>
             </a:pPr>
             <a:r>
-              <a:t>&lt;field</a:t>
-            </a:r>
-            <a:r>
-              <a:t> </a:t>
+              <a:t>&lt;field </a:t>
             </a:r>
             <a:r>
               <a:rPr>
@@ -20583,10 +20573,7 @@
               <a:t>name</a:t>
             </a:r>
             <a:r>
-              <a:t>="fname"</a:t>
-            </a:r>
-            <a:r>
-              <a:t> </a:t>
+              <a:t>="fname" </a:t>
             </a:r>
             <a:r>
               <a:rPr>
@@ -20597,10 +20584,7 @@
               <a:t>label</a:t>
             </a:r>
             <a:r>
-              <a:t>="Name"</a:t>
-            </a:r>
-            <a:r>
-              <a:t> </a:t>
+              <a:t>="Name" </a:t>
             </a:r>
             <a:r>
               <a:rPr>
@@ -20611,10 +20595,7 @@
               <a:t>type</a:t>
             </a:r>
             <a:r>
-              <a:t>="text"</a:t>
-            </a:r>
-            <a:r>
-              <a:t> </a:t>
+              <a:t>="text" </a:t>
             </a:r>
             <a:r>
               <a:rPr>
@@ -20636,10 +20617,7 @@
               <a:t>required</a:t>
             </a:r>
             <a:r>
-              <a:t>="Y"</a:t>
-            </a:r>
-            <a:r>
-              <a:t> </a:t>
+              <a:t>="Y" </a:t>
             </a:r>
             <a:r>
               <a:rPr>
@@ -20675,10 +20653,7 @@
               </a:defRPr>
             </a:pPr>
             <a:r>
-              <a:t>&lt;field</a:t>
-            </a:r>
-            <a:r>
-              <a:t> </a:t>
+              <a:t>&lt;field </a:t>
             </a:r>
             <a:r>
               <a:rPr>
@@ -20689,10 +20664,7 @@
               <a:t>name</a:t>
             </a:r>
             <a:r>
-              <a:t>="学号"</a:t>
-            </a:r>
-            <a:r>
-              <a:t> </a:t>
+              <a:t>="学号" </a:t>
             </a:r>
             <a:r>
               <a:rPr>
@@ -20703,10 +20675,7 @@
               <a:t>label</a:t>
             </a:r>
             <a:r>
-              <a:t>=“id"</a:t>
-            </a:r>
-            <a:r>
-              <a:t> </a:t>
+              <a:t>=“id" </a:t>
             </a:r>
             <a:r>
               <a:rPr>
@@ -20717,10 +20686,7 @@
               <a:t>type</a:t>
             </a:r>
             <a:r>
-              <a:t>="text"</a:t>
-            </a:r>
-            <a:r>
-              <a:t> </a:t>
+              <a:t>="text" </a:t>
             </a:r>
             <a:r>
               <a:rPr>
@@ -20739,10 +20705,7 @@
               <a:t>required</a:t>
             </a:r>
             <a:r>
-              <a:t>="Y"</a:t>
-            </a:r>
-            <a:r>
-              <a:t> </a:t>
+              <a:t>="Y" </a:t>
             </a:r>
             <a:r>
               <a:rPr>
@@ -20778,10 +20741,7 @@
               </a:defRPr>
             </a:pPr>
             <a:r>
-              <a:t>&lt;field</a:t>
-            </a:r>
-            <a:r>
-              <a:t> </a:t>
+              <a:t>&lt;field </a:t>
             </a:r>
             <a:r>
               <a:rPr>
@@ -20792,10 +20752,7 @@
               <a:t>name</a:t>
             </a:r>
             <a:r>
-              <a:t>="gender"</a:t>
-            </a:r>
-            <a:r>
-              <a:t> </a:t>
+              <a:t>="gender" </a:t>
             </a:r>
             <a:r>
               <a:rPr>
@@ -20806,10 +20763,7 @@
               <a:t>label</a:t>
             </a:r>
             <a:r>
-              <a:t>="Gender"</a:t>
-            </a:r>
-            <a:r>
-              <a:t> </a:t>
+              <a:t>="Gender" </a:t>
             </a:r>
             <a:r>
               <a:rPr>
@@ -20820,10 +20774,7 @@
               <a:t>type</a:t>
             </a:r>
             <a:r>
-              <a:t>="choice"</a:t>
-            </a:r>
-            <a:r>
-              <a:t> </a:t>
+              <a:t>="choice" </a:t>
             </a:r>
             <a:r>
               <a:rPr>
@@ -20834,10 +20785,7 @@
               <a:t>required</a:t>
             </a:r>
             <a:r>
-              <a:t>="Y"</a:t>
-            </a:r>
-            <a:r>
-              <a:t> </a:t>
+              <a:t>="Y" </a:t>
             </a:r>
             <a:r>
               <a:rPr>
@@ -20873,10 +20821,7 @@
               </a:defRPr>
             </a:pPr>
             <a:r>
-              <a:t>&lt;field</a:t>
-            </a:r>
-            <a:r>
-              <a:t> </a:t>
+              <a:t>&lt;field </a:t>
             </a:r>
             <a:r>
               <a:rPr>
@@ -20887,10 +20832,7 @@
               <a:t>name</a:t>
             </a:r>
             <a:r>
-              <a:t>="age"</a:t>
-            </a:r>
-            <a:r>
-              <a:t> </a:t>
+              <a:t>="age" </a:t>
             </a:r>
             <a:r>
               <a:rPr>
@@ -20901,10 +20843,7 @@
               <a:t>label</a:t>
             </a:r>
             <a:r>
-              <a:t>="Age on 15 Oct. 2010"</a:t>
-            </a:r>
-            <a:r>
-              <a:t> </a:t>
+              <a:t>="Age on 15 Oct. 2010" </a:t>
             </a:r>
             <a:r>
               <a:rPr>
@@ -20915,10 +20854,7 @@
               <a:t>type</a:t>
             </a:r>
             <a:r>
-              <a:t>="numeric"</a:t>
-            </a:r>
-            <a:r>
-              <a:t> </a:t>
+              <a:t>="numeric" </a:t>
             </a:r>
             <a:r>
               <a:rPr>
@@ -20929,10 +20865,7 @@
               <a:t>required</a:t>
             </a:r>
             <a:r>
-              <a:t>="N"</a:t>
-            </a:r>
-            <a:r>
-              <a:t> </a:t>
+              <a:t>="N" </a:t>
             </a:r>
             <a:r>
               <a:rPr>
@@ -21034,7 +20967,6 @@
             </a:lvl1pPr>
           </a:lstStyle>
           <a:p>
-            <a:pPr/>
             <a:r>
               <a:t>当app渲染是自动在这个文本框中填入属性设置中“姓名”的内容。例如这里会自动填充“张三”</a:t>
             </a:r>
@@ -21066,7 +20998,7 @@
           <a:bodyPr lIns="45718" tIns="45718" rIns="45718" bIns="45718"/>
           <a:lstStyle/>
           <a:p>
-            <a:pPr/>
+            <a:endParaRPr/>
           </a:p>
         </p:txBody>
       </p:sp>
@@ -21075,12 +21007,283 @@
   <p:clrMapOvr>
     <a:masterClrMapping/>
   </p:clrMapOvr>
-  <p:transition xmlns:p14="http://schemas.microsoft.com/office/powerpoint/2010/main" spd="med" advClick="1"/>
+  <p:transition spd="med"/>
+</p:sld>
+</file>
+
+<file path=ppt/slides/slide28.xml><?xml version="1.0" encoding="utf-8"?>
+<p:sld xmlns:a="http://schemas.openxmlformats.org/drawingml/2006/main" xmlns:r="http://schemas.openxmlformats.org/officeDocument/2006/relationships" xmlns:p="http://schemas.openxmlformats.org/presentationml/2006/main">
+  <p:cSld>
+    <p:bg>
+      <p:bgPr>
+        <a:solidFill>
+          <a:schemeClr val="bg1"/>
+        </a:solidFill>
+        <a:effectLst/>
+      </p:bgPr>
+    </p:bg>
+    <p:spTree>
+      <p:nvGrpSpPr>
+        <p:cNvPr id="1" name=""/>
+        <p:cNvGrpSpPr/>
+        <p:nvPr/>
+      </p:nvGrpSpPr>
+      <p:grpSpPr>
+        <a:xfrm>
+          <a:off x="0" y="0"/>
+          <a:ext cx="0" cy="0"/>
+          <a:chOff x="0" y="0"/>
+          <a:chExt cx="0" cy="0"/>
+        </a:xfrm>
+      </p:grpSpPr>
+      <p:sp>
+        <p:nvSpPr>
+          <p:cNvPr id="539" name="标题"/>
+          <p:cNvSpPr txBox="1">
+            <a:spLocks noGrp="1"/>
+          </p:cNvSpPr>
+          <p:nvPr>
+            <p:ph type="title"/>
+          </p:nvPr>
+        </p:nvSpPr>
+        <p:spPr>
+          <a:prstGeom prst="rect">
+            <a:avLst/>
+          </a:prstGeom>
+        </p:spPr>
+        <p:txBody>
+          <a:bodyPr/>
+          <a:lstStyle/>
+          <a:p>
+            <a:r>
+              <a:rPr lang="zh-CN" altLang="en-US" dirty="0" smtClean="0"/>
+              <a:t>作业提交</a:t>
+            </a:r>
+            <a:endParaRPr dirty="0"/>
+          </a:p>
+        </p:txBody>
+      </p:sp>
+      <p:sp>
+        <p:nvSpPr>
+          <p:cNvPr id="541" name="内容占位符 2"/>
+          <p:cNvSpPr txBox="1"/>
+          <p:nvPr/>
+        </p:nvSpPr>
+        <p:spPr>
+          <a:xfrm>
+            <a:off x="838200" y="1690688"/>
+            <a:ext cx="10515600" cy="4351338"/>
+          </a:xfrm>
+          <a:prstGeom prst="rect">
+            <a:avLst/>
+          </a:prstGeom>
+          <a:ln w="12700">
+            <a:miter lim="400000"/>
+          </a:ln>
+          <a:extLst>
+            <a:ext uri="{C572A759-6A51-4108-AA02-DFA0A04FC94B}">
+              <ma14:wrappingTextBoxFlag xmlns:ma14="http://schemas.microsoft.com/office/mac/drawingml/2011/main" val="1"/>
+            </a:ext>
+          </a:extLst>
+        </p:spPr>
+        <p:txBody>
+          <a:bodyPr lIns="45719" rIns="45719">
+            <a:normAutofit/>
+          </a:bodyPr>
+          <a:lstStyle/>
+          <a:p>
+            <a:pPr marL="228600" indent="-228600">
+              <a:lnSpc>
+                <a:spcPct val="90000"/>
+              </a:lnSpc>
+              <a:spcBef>
+                <a:spcPts val="1000"/>
+              </a:spcBef>
+              <a:buSzPct val="100000"/>
+              <a:buFont typeface="Arial"/>
+              <a:buChar char="•"/>
+              <a:defRPr sz="4800">
+                <a:solidFill>
+                  <a:srgbClr val="FF0000"/>
+                </a:solidFill>
+              </a:defRPr>
+            </a:pPr>
+            <a:r>
+              <a:rPr>
+                <a:solidFill>
+                  <a:srgbClr val="000000"/>
+                </a:solidFill>
+              </a:rPr>
+              <a:t>ftp 提交网站：</a:t>
+            </a:r>
+            <a:r>
+              <a:rPr>
+                <a:solidFill>
+                  <a:srgbClr val="0563C1"/>
+                </a:solidFill>
+                <a:uFill>
+                  <a:solidFill>
+                    <a:srgbClr val="0563C1"/>
+                  </a:solidFill>
+                </a:uFill>
+              </a:rPr>
+              <a:t>http://</a:t>
+            </a:r>
+            <a:r>
+              <a:rPr u="sng">
+                <a:solidFill>
+                  <a:srgbClr val="0563C1"/>
+                </a:solidFill>
+                <a:uFill>
+                  <a:solidFill>
+                    <a:srgbClr val="0563C1"/>
+                  </a:solidFill>
+                </a:uFill>
+                <a:hlinkClick r:id="rId2"/>
+              </a:rPr>
+              <a:t>172.18.5.102</a:t>
+            </a:r>
+          </a:p>
+          <a:p>
+            <a:pPr marL="228600" indent="-228600">
+              <a:lnSpc>
+                <a:spcPct val="90000"/>
+              </a:lnSpc>
+              <a:spcBef>
+                <a:spcPts val="1000"/>
+              </a:spcBef>
+              <a:buSzPct val="100000"/>
+              <a:buFont typeface="Arial"/>
+              <a:buChar char="•"/>
+              <a:defRPr sz="4800"/>
+            </a:pPr>
+            <a:r>
+              <a:rPr dirty="0"/>
+              <a:t>User dailiyun password dailiyun</a:t>
+            </a:r>
+          </a:p>
+          <a:p>
+            <a:pPr marL="228600" indent="-228600">
+              <a:lnSpc>
+                <a:spcPct val="90000"/>
+              </a:lnSpc>
+              <a:spcBef>
+                <a:spcPts val="1000"/>
+              </a:spcBef>
+              <a:buSzPct val="100000"/>
+              <a:buFont typeface="Arial"/>
+              <a:buChar char="•"/>
+              <a:defRPr sz="4800"/>
+            </a:pPr>
+            <a:r>
+              <a:rPr dirty="0">
+                <a:latin typeface="微软雅黑"/>
+                <a:ea typeface="微软雅黑"/>
+                <a:cs typeface="微软雅黑"/>
+                <a:sym typeface="微软雅黑"/>
+              </a:rPr>
+              <a:t>内容：</a:t>
+            </a:r>
+          </a:p>
+          <a:p>
+            <a:pPr marL="685800" lvl="1" indent="-228600">
+              <a:lnSpc>
+                <a:spcPct val="90000"/>
+              </a:lnSpc>
+              <a:spcBef>
+                <a:spcPts val="500"/>
+              </a:spcBef>
+              <a:buSzPct val="100000"/>
+              <a:buFont typeface="Arial"/>
+              <a:buChar char="•"/>
+              <a:defRPr sz="4400"/>
+            </a:pPr>
+            <a:r>
+              <a:rPr dirty="0">
+                <a:latin typeface="微软雅黑"/>
+                <a:ea typeface="微软雅黑"/>
+                <a:cs typeface="微软雅黑"/>
+                <a:sym typeface="微软雅黑"/>
+              </a:rPr>
+              <a:t>实验报告。 学号</a:t>
+            </a:r>
+            <a:r>
+              <a:rPr dirty="0"/>
+              <a:t>-</a:t>
+            </a:r>
+            <a:r>
+              <a:rPr dirty="0">
+                <a:latin typeface="微软雅黑"/>
+                <a:ea typeface="微软雅黑"/>
+                <a:cs typeface="微软雅黑"/>
+                <a:sym typeface="微软雅黑"/>
+              </a:rPr>
+              <a:t>姓名</a:t>
+            </a:r>
+            <a:r>
+              <a:rPr dirty="0"/>
+              <a:t>.doc</a:t>
+            </a:r>
+            <a:endParaRPr sz="2400" dirty="0"/>
+          </a:p>
+          <a:p>
+            <a:pPr marL="685800" lvl="1" indent="-228600">
+              <a:lnSpc>
+                <a:spcPct val="90000"/>
+              </a:lnSpc>
+              <a:spcBef>
+                <a:spcPts val="500"/>
+              </a:spcBef>
+              <a:buSzPct val="100000"/>
+              <a:buFont typeface="Arial"/>
+              <a:buChar char="•"/>
+              <a:defRPr sz="4400"/>
+            </a:pPr>
+            <a:r>
+              <a:rPr dirty="0">
+                <a:latin typeface="微软雅黑"/>
+                <a:ea typeface="微软雅黑"/>
+                <a:cs typeface="微软雅黑"/>
+                <a:sym typeface="微软雅黑"/>
+              </a:rPr>
+              <a:t>代码。学号</a:t>
+            </a:r>
+            <a:r>
+              <a:rPr dirty="0"/>
+              <a:t>-</a:t>
+            </a:r>
+            <a:r>
+              <a:rPr dirty="0">
+                <a:latin typeface="微软雅黑"/>
+                <a:ea typeface="微软雅黑"/>
+                <a:cs typeface="微软雅黑"/>
+                <a:sym typeface="微软雅黑"/>
+              </a:rPr>
+              <a:t>姓名</a:t>
+            </a:r>
+            <a:r>
+              <a:rPr dirty="0"/>
+              <a:t>.zip(rar)</a:t>
+            </a:r>
+          </a:p>
+        </p:txBody>
+      </p:sp>
+    </p:spTree>
+    <p:extLst>
+      <p:ext uri="{BB962C8B-B14F-4D97-AF65-F5344CB8AC3E}">
+        <p14:creationId xmlns:p14="http://schemas.microsoft.com/office/powerpoint/2010/main" val="142185325"/>
+      </p:ext>
+    </p:extLst>
+  </p:cSld>
+  <p:clrMapOvr>
+    <a:masterClrMapping/>
+  </p:clrMapOvr>
+  <p:transition spd="med"/>
 </p:sld>
 </file>
 
 <file path=ppt/slides/slide3.xml><?xml version="1.0" encoding="utf-8"?>
-<p:sld xmlns:a="http://schemas.openxmlformats.org/drawingml/2006/main" xmlns:r="http://schemas.openxmlformats.org/officeDocument/2006/relationships" xmlns:p="http://schemas.openxmlformats.org/presentationml/2006/main" xmlns:m="http://schemas.openxmlformats.org/officeDocument/2006/math" xmlns:a14="http://schemas.microsoft.com/office/drawing/2010/main" showMasterSp="1" showMasterPhAnim="1">
+<p:sld xmlns:a="http://schemas.openxmlformats.org/drawingml/2006/main" xmlns:r="http://schemas.openxmlformats.org/officeDocument/2006/relationships" xmlns:p="http://schemas.openxmlformats.org/presentationml/2006/main">
   <p:cSld>
     <p:spTree>
       <p:nvGrpSpPr>
@@ -21147,6 +21350,7 @@
                   </a:solidFill>
                 </a:defRPr>
               </a:pPr>
+              <a:endParaRPr/>
             </a:p>
           </p:txBody>
         </p:sp>
@@ -21190,7 +21394,6 @@
               </a:lvl1pPr>
             </a:lstStyle>
             <a:p>
-              <a:pPr/>
               <a:r>
                 <a:t>4.1</a:t>
               </a:r>
@@ -21229,7 +21432,7 @@
             </a:cxnLst>
             <a:rect l="0" t="0" r="r" b="b"/>
             <a:pathLst>
-              <a:path w="19059" h="21600" fill="norm" stroke="1" extrusionOk="0">
+              <a:path w="19059" h="21600" extrusionOk="0">
                 <a:moveTo>
                   <a:pt x="3662" y="21600"/>
                 </a:moveTo>
@@ -21267,6 +21470,7 @@
                 </a:solidFill>
               </a:defRPr>
             </a:pPr>
+            <a:endParaRPr/>
           </a:p>
         </p:txBody>
       </p:sp>
@@ -21295,7 +21499,7 @@
           <a:bodyPr lIns="45718" tIns="45718" rIns="45718" bIns="45718"/>
           <a:lstStyle/>
           <a:p>
-            <a:pPr/>
+            <a:endParaRPr/>
           </a:p>
         </p:txBody>
       </p:sp>
@@ -21340,7 +21544,6 @@
             </a:lvl1pPr>
           </a:lstStyle>
           <a:p>
-            <a:pPr/>
             <a:r>
               <a:t>建立、配置和使用Activity</a:t>
             </a:r>
@@ -21372,7 +21575,7 @@
           <a:bodyPr lIns="45718" tIns="45718" rIns="45718" bIns="45718"/>
           <a:lstStyle/>
           <a:p>
-            <a:pPr/>
+            <a:endParaRPr/>
           </a:p>
         </p:txBody>
       </p:sp>
@@ -21401,7 +21604,7 @@
           <a:bodyPr lIns="45718" tIns="45718" rIns="45718" bIns="45718"/>
           <a:lstStyle/>
           <a:p>
-            <a:pPr/>
+            <a:endParaRPr/>
           </a:p>
         </p:txBody>
       </p:sp>
@@ -21410,22 +21613,23 @@
   <p:clrMapOvr>
     <a:masterClrMapping/>
   </p:clrMapOvr>
-  <p:transition xmlns:p14="http://schemas.microsoft.com/office/powerpoint/2010/main" spd="med" advClick="1"/>
+  <p:transition spd="med"/>
 </p:sld>
 </file>
 
 <file path=ppt/slides/slide4.xml><?xml version="1.0" encoding="utf-8"?>
-<p:sld xmlns:a="http://schemas.openxmlformats.org/drawingml/2006/main" xmlns:r="http://schemas.openxmlformats.org/officeDocument/2006/relationships" xmlns:p="http://schemas.openxmlformats.org/presentationml/2006/main" xmlns:m="http://schemas.openxmlformats.org/officeDocument/2006/math" xmlns:a14="http://schemas.microsoft.com/office/drawing/2010/main" showMasterSp="1" showMasterPhAnim="1">
+<p:sld xmlns:a="http://schemas.openxmlformats.org/drawingml/2006/main" xmlns:r="http://schemas.openxmlformats.org/officeDocument/2006/relationships" xmlns:p="http://schemas.openxmlformats.org/presentationml/2006/main">
   <p:cSld>
     <p:bg>
       <p:bgPr>
         <a:blipFill rotWithShape="1">
           <a:blip r:embed="rId3"/>
-          <a:srcRect l="0" t="0" r="0" b="0"/>
+          <a:srcRect/>
           <a:stretch>
             <a:fillRect/>
           </a:stretch>
         </a:blipFill>
+        <a:effectLst/>
       </p:bgPr>
     </p:bg>
     <p:spTree>
@@ -21494,6 +21698,7 @@
                   </a:solidFill>
                 </a:defRPr>
               </a:pPr>
+              <a:endParaRPr/>
             </a:p>
           </p:txBody>
         </p:sp>
@@ -21541,7 +21746,6 @@
               </a:lvl1pPr>
             </a:lstStyle>
             <a:p>
-              <a:pPr/>
               <a:r>
                 <a:t>4.1.1 Activity</a:t>
               </a:r>
@@ -21578,7 +21782,7 @@
             </a:bodyPr>
             <a:lstStyle/>
             <a:p>
-              <a:pPr/>
+              <a:endParaRPr/>
             </a:p>
           </p:txBody>
         </p:sp>
@@ -21618,6 +21822,7 @@
                   </a:solidFill>
                 </a:defRPr>
               </a:pPr>
+              <a:endParaRPr/>
             </a:p>
           </p:txBody>
         </p:sp>
@@ -21665,7 +21870,6 @@
               </a:lvl1pPr>
             </a:lstStyle>
             <a:p>
-              <a:pPr/>
               <a:r>
                 <a:t>Activity是Android应用中负责与用户交互的组件。</a:t>
               </a:r>
@@ -21738,6 +21942,7 @@
                     </a:solidFill>
                   </a:defRPr>
                 </a:pPr>
+                <a:endParaRPr/>
               </a:p>
             </p:txBody>
           </p:sp>
@@ -21778,6 +21983,7 @@
                     </a:solidFill>
                   </a:defRPr>
                 </a:pPr>
+                <a:endParaRPr/>
               </a:p>
             </p:txBody>
           </p:sp>
@@ -21818,6 +22024,7 @@
                     </a:solidFill>
                   </a:defRPr>
                 </a:pPr>
+                <a:endParaRPr/>
               </a:p>
             </p:txBody>
           </p:sp>
@@ -21858,6 +22065,7 @@
                   </a:solidFill>
                 </a:defRPr>
               </a:pPr>
+              <a:endParaRPr/>
             </a:p>
           </p:txBody>
         </p:sp>
@@ -21897,6 +22105,7 @@
                   </a:solidFill>
                 </a:defRPr>
               </a:pPr>
+              <a:endParaRPr/>
             </a:p>
           </p:txBody>
         </p:sp>
@@ -21936,6 +22145,7 @@
                   </a:solidFill>
                 </a:defRPr>
               </a:pPr>
+              <a:endParaRPr/>
             </a:p>
           </p:txBody>
         </p:sp>
@@ -21971,7 +22181,7 @@
             </a:bodyPr>
             <a:lstStyle>
               <a:lvl1pPr>
-                <a:defRPr b="1" sz="4000">
+                <a:defRPr sz="4000" b="1">
                   <a:solidFill>
                     <a:srgbClr val="FFFFFF"/>
                   </a:solidFill>
@@ -21983,7 +22193,6 @@
               </a:lvl1pPr>
             </a:lstStyle>
             <a:p>
-              <a:pPr/>
               <a:r>
                 <a:t>案例</a:t>
               </a:r>
@@ -22095,7 +22304,7 @@
             </a:bodyPr>
             <a:lstStyle>
               <a:lvl1pPr>
-                <a:defRPr b="1" sz="4000">
+                <a:defRPr sz="4000" b="1">
                   <a:solidFill>
                     <a:srgbClr val="FFFFFF"/>
                   </a:solidFill>
@@ -22107,7 +22316,6 @@
               </a:lvl1pPr>
             </a:lstStyle>
             <a:p>
-              <a:pPr/>
               <a:r>
                 <a:t>案例</a:t>
               </a:r>
@@ -22219,7 +22427,7 @@
             </a:bodyPr>
             <a:lstStyle>
               <a:lvl1pPr>
-                <a:defRPr b="1" sz="4000">
+                <a:defRPr sz="4000" b="1">
                   <a:solidFill>
                     <a:srgbClr val="FFFFFF"/>
                   </a:solidFill>
@@ -22231,7 +22439,6 @@
               </a:lvl1pPr>
             </a:lstStyle>
             <a:p>
-              <a:pPr/>
               <a:r>
                 <a:t>案例</a:t>
               </a:r>
@@ -22335,7 +22542,7 @@
               </a:cxnLst>
               <a:rect l="0" t="0" r="r" b="b"/>
               <a:pathLst>
-                <a:path w="21600" h="21600" fill="norm" stroke="1" extrusionOk="0">
+                <a:path w="21600" h="21600" extrusionOk="0">
                   <a:moveTo>
                     <a:pt x="21600" y="21600"/>
                   </a:moveTo>
@@ -22377,6 +22584,7 @@
                   </a:solidFill>
                 </a:defRPr>
               </a:pPr>
+              <a:endParaRPr/>
             </a:p>
           </p:txBody>
         </p:sp>
@@ -22411,7 +22619,7 @@
               </a:cxnLst>
               <a:rect l="0" t="0" r="r" b="b"/>
               <a:pathLst>
-                <a:path w="21600" h="21600" fill="norm" stroke="1" extrusionOk="0">
+                <a:path w="21600" h="21600" extrusionOk="0">
                   <a:moveTo>
                     <a:pt x="21600" y="21600"/>
                   </a:moveTo>
@@ -22453,6 +22661,7 @@
                   </a:solidFill>
                 </a:defRPr>
               </a:pPr>
+              <a:endParaRPr/>
             </a:p>
           </p:txBody>
         </p:sp>
@@ -22487,7 +22696,7 @@
               </a:cxnLst>
               <a:rect l="0" t="0" r="r" b="b"/>
               <a:pathLst>
-                <a:path w="21600" h="21600" fill="norm" stroke="1" extrusionOk="0">
+                <a:path w="21600" h="21600" extrusionOk="0">
                   <a:moveTo>
                     <a:pt x="21600" y="21600"/>
                   </a:moveTo>
@@ -22529,6 +22738,7 @@
                   </a:solidFill>
                 </a:defRPr>
               </a:pPr>
+              <a:endParaRPr/>
             </a:p>
           </p:txBody>
         </p:sp>
@@ -22538,12 +22748,12 @@
   <p:clrMapOvr>
     <a:masterClrMapping/>
   </p:clrMapOvr>
-  <p:transition xmlns:p14="http://schemas.microsoft.com/office/powerpoint/2010/main" spd="med" advClick="1"/>
+  <p:transition spd="med"/>
 </p:sld>
 </file>
 
 <file path=ppt/slides/slide5.xml><?xml version="1.0" encoding="utf-8"?>
-<p:sld xmlns:a="http://schemas.openxmlformats.org/drawingml/2006/main" xmlns:r="http://schemas.openxmlformats.org/officeDocument/2006/relationships" xmlns:p="http://schemas.openxmlformats.org/presentationml/2006/main" xmlns:m="http://schemas.openxmlformats.org/officeDocument/2006/math" xmlns:a14="http://schemas.microsoft.com/office/drawing/2010/main" showMasterSp="1" showMasterPhAnim="1">
+<p:sld xmlns:a="http://schemas.openxmlformats.org/drawingml/2006/main" xmlns:r="http://schemas.openxmlformats.org/officeDocument/2006/relationships" xmlns:p="http://schemas.openxmlformats.org/presentationml/2006/main">
   <p:cSld>
     <p:spTree>
       <p:nvGrpSpPr>
@@ -22590,7 +22800,7 @@
             </a:cxnLst>
             <a:rect l="0" t="0" r="r" b="b"/>
             <a:pathLst>
-              <a:path w="21600" h="21600" fill="norm" stroke="1" extrusionOk="0">
+              <a:path w="21600" h="21600" extrusionOk="0">
                 <a:moveTo>
                   <a:pt x="11875" y="0"/>
                 </a:moveTo>
@@ -22640,6 +22850,7 @@
                 </a:solidFill>
               </a:defRPr>
             </a:pPr>
+            <a:endParaRPr/>
           </a:p>
         </p:txBody>
       </p:sp>
@@ -22695,6 +22906,7 @@
                   </a:solidFill>
                 </a:defRPr>
               </a:pPr>
+              <a:endParaRPr/>
             </a:p>
           </p:txBody>
         </p:sp>
@@ -22742,7 +22954,6 @@
               </a:lvl1pPr>
             </a:lstStyle>
             <a:p>
-              <a:pPr/>
               <a:r>
                 <a:t>4.1.2 配置Activity</a:t>
               </a:r>
@@ -22779,7 +22990,7 @@
             </a:bodyPr>
             <a:lstStyle/>
             <a:p>
-              <a:pPr/>
+              <a:endParaRPr/>
             </a:p>
           </p:txBody>
         </p:sp>
@@ -22819,6 +23030,7 @@
                   </a:solidFill>
                 </a:defRPr>
               </a:pPr>
+              <a:endParaRPr/>
             </a:p>
           </p:txBody>
         </p:sp>
@@ -22866,7 +23078,6 @@
               </a:lvl1pPr>
             </a:lstStyle>
             <a:p>
-              <a:pPr/>
               <a:r>
                 <a:t>Android应用要求所有应用程序组件都必须显示进行配置。</a:t>
               </a:r>
@@ -22926,6 +23137,7 @@
                   </a:solidFill>
                 </a:defRPr>
               </a:pPr>
+              <a:endParaRPr/>
             </a:p>
           </p:txBody>
         </p:sp>
@@ -22960,7 +23172,7 @@
               </a:cxnLst>
               <a:rect l="0" t="0" r="r" b="b"/>
               <a:pathLst>
-                <a:path w="21600" h="21600" fill="norm" stroke="1" extrusionOk="0">
+                <a:path w="21600" h="21600" extrusionOk="0">
                   <a:moveTo>
                     <a:pt x="20941" y="21600"/>
                   </a:moveTo>
@@ -23005,6 +23217,7 @@
                   </a:solidFill>
                 </a:defRPr>
               </a:pPr>
+              <a:endParaRPr/>
             </a:p>
           </p:txBody>
         </p:sp>
@@ -23432,12 +23645,12 @@
   <p:clrMapOvr>
     <a:masterClrMapping/>
   </p:clrMapOvr>
-  <p:transition xmlns:p14="http://schemas.microsoft.com/office/powerpoint/2010/main" spd="med" advClick="1"/>
+  <p:transition spd="med"/>
 </p:sld>
 </file>
 
 <file path=ppt/slides/slide6.xml><?xml version="1.0" encoding="utf-8"?>
-<p:sld xmlns:a="http://schemas.openxmlformats.org/drawingml/2006/main" xmlns:r="http://schemas.openxmlformats.org/officeDocument/2006/relationships" xmlns:p="http://schemas.openxmlformats.org/presentationml/2006/main" xmlns:m="http://schemas.openxmlformats.org/officeDocument/2006/math" xmlns:a14="http://schemas.microsoft.com/office/drawing/2010/main" showMasterSp="1" showMasterPhAnim="1">
+<p:sld xmlns:a="http://schemas.openxmlformats.org/drawingml/2006/main" xmlns:r="http://schemas.openxmlformats.org/officeDocument/2006/relationships" xmlns:p="http://schemas.openxmlformats.org/presentationml/2006/main">
   <p:cSld>
     <p:spTree>
       <p:nvGrpSpPr>
@@ -23505,6 +23718,7 @@
                   </a:solidFill>
                 </a:defRPr>
               </a:pPr>
+              <a:endParaRPr/>
             </a:p>
           </p:txBody>
         </p:sp>
@@ -23552,7 +23766,6 @@
               </a:lvl1pPr>
             </a:lstStyle>
             <a:p>
-              <a:pPr/>
               <a:r>
                 <a:t>4.1.3 启动、关闭Activity</a:t>
               </a:r>
@@ -23589,7 +23802,7 @@
             </a:bodyPr>
             <a:lstStyle/>
             <a:p>
-              <a:pPr/>
+              <a:endParaRPr/>
             </a:p>
           </p:txBody>
         </p:sp>
@@ -23629,6 +23842,7 @@
                   </a:solidFill>
                 </a:defRPr>
               </a:pPr>
+              <a:endParaRPr/>
             </a:p>
           </p:txBody>
         </p:sp>
@@ -23676,7 +23890,6 @@
               </a:lvl1pPr>
             </a:lstStyle>
             <a:p>
-              <a:pPr/>
               <a:r>
                 <a:t>只有一个Activity作为程序的入口，并启动其他Activity。</a:t>
               </a:r>
@@ -23729,7 +23942,7 @@
               </a:cxnLst>
               <a:rect l="0" t="0" r="r" b="b"/>
               <a:pathLst>
-                <a:path w="21600" h="21600" fill="norm" stroke="1" extrusionOk="0">
+                <a:path w="21600" h="21600" extrusionOk="0">
                   <a:moveTo>
                     <a:pt x="0" y="0"/>
                   </a:moveTo>
@@ -23785,6 +23998,7 @@
                   </a:solidFill>
                 </a:defRPr>
               </a:pPr>
+              <a:endParaRPr/>
             </a:p>
           </p:txBody>
         </p:sp>
@@ -23819,7 +24033,7 @@
               </a:cxnLst>
               <a:rect l="0" t="0" r="r" b="b"/>
               <a:pathLst>
-                <a:path w="21600" h="21600" fill="norm" stroke="1" extrusionOk="0">
+                <a:path w="21600" h="21600" extrusionOk="0">
                   <a:moveTo>
                     <a:pt x="3184" y="0"/>
                   </a:moveTo>
@@ -23872,6 +24086,7 @@
                   </a:solidFill>
                 </a:defRPr>
               </a:pPr>
+              <a:endParaRPr/>
             </a:p>
           </p:txBody>
         </p:sp>
@@ -23927,6 +24142,7 @@
                     </a:solidFill>
                   </a:defRPr>
                 </a:pPr>
+                <a:endParaRPr/>
               </a:p>
             </p:txBody>
           </p:sp>
@@ -23974,7 +24190,6 @@
                 </a:lvl1pPr>
               </a:lstStyle>
               <a:p>
-                <a:pPr/>
                 <a:r>
                   <a:t>启动</a:t>
                 </a:r>
@@ -24034,6 +24249,7 @@
                     </a:solidFill>
                   </a:defRPr>
                 </a:pPr>
+                <a:endParaRPr/>
               </a:p>
             </p:txBody>
           </p:sp>
@@ -24081,7 +24297,6 @@
                 </a:lvl1pPr>
               </a:lstStyle>
               <a:p>
-                <a:pPr/>
                 <a:r>
                   <a:t>关闭</a:t>
                 </a:r>
@@ -24188,7 +24403,7 @@
             </a:bodyPr>
             <a:lstStyle/>
             <a:p>
-              <a:pPr/>
+              <a:endParaRPr/>
             </a:p>
           </p:txBody>
         </p:sp>
@@ -24222,7 +24437,7 @@
             </a:bodyPr>
             <a:lstStyle/>
             <a:p>
-              <a:pPr/>
+              <a:endParaRPr/>
             </a:p>
           </p:txBody>
         </p:sp>
@@ -24262,6 +24477,7 @@
                   </a:solidFill>
                 </a:defRPr>
               </a:pPr>
+              <a:endParaRPr/>
             </a:p>
           </p:txBody>
         </p:sp>
@@ -24301,6 +24517,7 @@
                   </a:solidFill>
                 </a:defRPr>
               </a:pPr>
+              <a:endParaRPr/>
             </a:p>
           </p:txBody>
         </p:sp>
@@ -24520,12 +24737,12 @@
   <p:clrMapOvr>
     <a:masterClrMapping/>
   </p:clrMapOvr>
-  <p:transition xmlns:p14="http://schemas.microsoft.com/office/powerpoint/2010/main" spd="med" advClick="1"/>
+  <p:transition spd="med"/>
 </p:sld>
 </file>
 
 <file path=ppt/slides/slide7.xml><?xml version="1.0" encoding="utf-8"?>
-<p:sld xmlns:a="http://schemas.openxmlformats.org/drawingml/2006/main" xmlns:r="http://schemas.openxmlformats.org/officeDocument/2006/relationships" xmlns:p="http://schemas.openxmlformats.org/presentationml/2006/main" xmlns:m="http://schemas.openxmlformats.org/officeDocument/2006/math" xmlns:a14="http://schemas.microsoft.com/office/drawing/2010/main" showMasterSp="1" showMasterPhAnim="1">
+<p:sld xmlns:a="http://schemas.openxmlformats.org/drawingml/2006/main" xmlns:r="http://schemas.openxmlformats.org/officeDocument/2006/relationships" xmlns:p="http://schemas.openxmlformats.org/presentationml/2006/main">
   <p:cSld>
     <p:spTree>
       <p:nvGrpSpPr>
@@ -24544,7 +24761,9 @@
       <p:sp>
         <p:nvSpPr>
           <p:cNvPr id="221" name="标题 1"/>
-          <p:cNvSpPr txBox="1"/>
+          <p:cNvSpPr txBox="1">
+            <a:spLocks noGrp="1"/>
+          </p:cNvSpPr>
           <p:nvPr>
             <p:ph type="title"/>
           </p:nvPr>
@@ -24570,7 +24789,6 @@
             </a:lvl1pPr>
           </a:lstStyle>
           <a:p>
-            <a:pPr/>
             <a:r>
               <a:t>4.1.3 启动、关闭Activity</a:t>
             </a:r>
@@ -24815,7 +25033,6 @@
             </a:lvl1pPr>
           </a:lstStyle>
           <a:p>
-            <a:pPr/>
             <a:r>
               <a:t>打开网页</a:t>
             </a:r>
@@ -24827,12 +25044,12 @@
   <p:clrMapOvr>
     <a:masterClrMapping/>
   </p:clrMapOvr>
-  <p:transition xmlns:p14="http://schemas.microsoft.com/office/powerpoint/2010/main" spd="med" advClick="1"/>
+  <p:transition spd="med"/>
 </p:sld>
 </file>
 
 <file path=ppt/slides/slide8.xml><?xml version="1.0" encoding="utf-8"?>
-<p:sld xmlns:a="http://schemas.openxmlformats.org/drawingml/2006/main" xmlns:r="http://schemas.openxmlformats.org/officeDocument/2006/relationships" xmlns:p="http://schemas.openxmlformats.org/presentationml/2006/main" xmlns:m="http://schemas.openxmlformats.org/officeDocument/2006/math" xmlns:a14="http://schemas.microsoft.com/office/drawing/2010/main" showMasterSp="1" showMasterPhAnim="1">
+<p:sld xmlns:a="http://schemas.openxmlformats.org/drawingml/2006/main" xmlns:r="http://schemas.openxmlformats.org/officeDocument/2006/relationships" xmlns:p="http://schemas.openxmlformats.org/presentationml/2006/main">
   <p:cSld>
     <p:spTree>
       <p:nvGrpSpPr>
@@ -24900,6 +25117,7 @@
                   </a:solidFill>
                 </a:defRPr>
               </a:pPr>
+              <a:endParaRPr/>
             </a:p>
           </p:txBody>
         </p:sp>
@@ -24947,7 +25165,6 @@
               </a:lvl1pPr>
             </a:lstStyle>
             <a:p>
-              <a:pPr/>
               <a:r>
                 <a:t>4.1.4 使用Bundle交换数据</a:t>
               </a:r>
@@ -24984,7 +25201,7 @@
             </a:bodyPr>
             <a:lstStyle/>
             <a:p>
-              <a:pPr/>
+              <a:endParaRPr/>
             </a:p>
           </p:txBody>
         </p:sp>
@@ -25024,6 +25241,7 @@
                   </a:solidFill>
                 </a:defRPr>
               </a:pPr>
+              <a:endParaRPr/>
             </a:p>
           </p:txBody>
         </p:sp>
@@ -25071,7 +25289,6 @@
               </a:lvl1pPr>
             </a:lstStyle>
             <a:p>
-              <a:pPr/>
               <a:r>
                 <a:t>Bundle是一个简单的数据携带包，包含了多个方法来存储数据。</a:t>
               </a:r>
@@ -25120,7 +25337,6 @@
             </a:lvl1pPr>
           </a:lstStyle>
           <a:p>
-            <a:pPr/>
             <a:r>
               <a:t>案例：用第二个Activity处理注册信息</a:t>
             </a:r>
@@ -25220,6 +25436,7 @@
                 </a:solidFill>
               </a:defRPr>
             </a:pPr>
+            <a:endParaRPr/>
           </a:p>
         </p:txBody>
       </p:sp>
@@ -25264,7 +25481,6 @@
             </a:lvl1pPr>
           </a:lstStyle>
           <a:p>
-            <a:pPr/>
             <a:r>
               <a:t>注册结果</a:t>
             </a:r>
@@ -25334,12 +25550,12 @@
   <p:clrMapOvr>
     <a:masterClrMapping/>
   </p:clrMapOvr>
-  <p:transition xmlns:p14="http://schemas.microsoft.com/office/powerpoint/2010/main" spd="med" advClick="1"/>
+  <p:transition spd="med"/>
 </p:sld>
 </file>
 
 <file path=ppt/slides/slide9.xml><?xml version="1.0" encoding="utf-8"?>
-<p:sld xmlns:a="http://schemas.openxmlformats.org/drawingml/2006/main" xmlns:r="http://schemas.openxmlformats.org/officeDocument/2006/relationships" xmlns:p="http://schemas.openxmlformats.org/presentationml/2006/main" xmlns:m="http://schemas.openxmlformats.org/officeDocument/2006/math" xmlns:a14="http://schemas.microsoft.com/office/drawing/2010/main" showMasterSp="1" showMasterPhAnim="1">
+<p:sld xmlns:a="http://schemas.openxmlformats.org/drawingml/2006/main" xmlns:r="http://schemas.openxmlformats.org/officeDocument/2006/relationships" xmlns:p="http://schemas.openxmlformats.org/presentationml/2006/main">
   <p:cSld>
     <p:spTree>
       <p:nvGrpSpPr>
@@ -25358,7 +25574,9 @@
       <p:sp>
         <p:nvSpPr>
           <p:cNvPr id="245" name="标题 1"/>
-          <p:cNvSpPr txBox="1"/>
+          <p:cNvSpPr txBox="1">
+            <a:spLocks noGrp="1"/>
+          </p:cNvSpPr>
           <p:nvPr>
             <p:ph type="title"/>
           </p:nvPr>
@@ -25384,7 +25602,6 @@
             </a:lvl1pPr>
           </a:lstStyle>
           <a:p>
-            <a:pPr/>
             <a:r>
               <a:t>4.1.4 使用Bundle交换数据</a:t>
             </a:r>
@@ -25454,12 +25671,12 @@
   <p:clrMapOvr>
     <a:masterClrMapping/>
   </p:clrMapOvr>
-  <p:transition xmlns:p14="http://schemas.microsoft.com/office/powerpoint/2010/main" spd="med" advClick="1"/>
+  <p:transition spd="med"/>
 </p:sld>
 </file>
 
 <file path=ppt/theme/theme1.xml><?xml version="1.0" encoding="utf-8"?>
-<a:theme xmlns:a="http://schemas.openxmlformats.org/drawingml/2006/main" xmlns:r="http://schemas.openxmlformats.org/officeDocument/2006/relationships" name="Office 主题">
+<a:theme xmlns:a="http://schemas.openxmlformats.org/drawingml/2006/main" name="Office 主题">
   <a:themeElements>
     <a:clrScheme name="Office 主题">
       <a:dk1>
@@ -25661,7 +25878,7 @@
         <a:effectLst/>
         <a:sp3d/>
       </a:spPr>
-      <a:bodyPr rot="0" spcFirstLastPara="1" vertOverflow="overflow" horzOverflow="overflow" vert="horz" wrap="square" lIns="45718" tIns="45718" rIns="45718" bIns="45718" numCol="1" spcCol="38100" rtlCol="0" anchor="ctr" upright="0">
+      <a:bodyPr rot="0" spcFirstLastPara="1" vertOverflow="overflow" horzOverflow="overflow" vert="horz" wrap="square" lIns="45718" tIns="45718" rIns="45718" bIns="45718" numCol="1" spcCol="38100" rtlCol="0" anchor="ctr">
         <a:spAutoFit/>
       </a:bodyPr>
       <a:lstStyle>
@@ -25680,7 +25897,7 @@
           <a:buFontTx/>
           <a:buNone/>
           <a:tabLst/>
-          <a:defRPr b="0" baseline="0" cap="none" i="0" spc="0" strike="noStrike" sz="1800" u="none" kumimoji="0" normalizeH="0">
+          <a:defRPr kumimoji="0" sz="1800" b="0" i="0" u="none" strike="noStrike" cap="none" spc="0" normalizeH="0" baseline="0">
             <a:ln>
               <a:noFill/>
             </a:ln>
@@ -25710,7 +25927,7 @@
           <a:buFontTx/>
           <a:buNone/>
           <a:tabLst/>
-          <a:defRPr b="0" baseline="0" cap="none" i="0" spc="0" strike="noStrike" sz="1800" u="none" kumimoji="0" normalizeH="0">
+          <a:defRPr kumimoji="0" sz="1800" b="0" i="0" u="none" strike="noStrike" cap="none" spc="0" normalizeH="0" baseline="0">
             <a:ln>
               <a:noFill/>
             </a:ln>
@@ -25736,7 +25953,7 @@
           <a:buFontTx/>
           <a:buNone/>
           <a:tabLst/>
-          <a:defRPr b="0" baseline="0" cap="none" i="0" spc="0" strike="noStrike" sz="1800" u="none" kumimoji="0" normalizeH="0">
+          <a:defRPr kumimoji="0" sz="1800" b="0" i="0" u="none" strike="noStrike" cap="none" spc="0" normalizeH="0" baseline="0">
             <a:ln>
               <a:noFill/>
             </a:ln>
@@ -25762,7 +25979,7 @@
           <a:buFontTx/>
           <a:buNone/>
           <a:tabLst/>
-          <a:defRPr b="0" baseline="0" cap="none" i="0" spc="0" strike="noStrike" sz="1800" u="none" kumimoji="0" normalizeH="0">
+          <a:defRPr kumimoji="0" sz="1800" b="0" i="0" u="none" strike="noStrike" cap="none" spc="0" normalizeH="0" baseline="0">
             <a:ln>
               <a:noFill/>
             </a:ln>
@@ -25788,7 +26005,7 @@
           <a:buFontTx/>
           <a:buNone/>
           <a:tabLst/>
-          <a:defRPr b="0" baseline="0" cap="none" i="0" spc="0" strike="noStrike" sz="1800" u="none" kumimoji="0" normalizeH="0">
+          <a:defRPr kumimoji="0" sz="1800" b="0" i="0" u="none" strike="noStrike" cap="none" spc="0" normalizeH="0" baseline="0">
             <a:ln>
               <a:noFill/>
             </a:ln>
@@ -25814,7 +26031,7 @@
           <a:buFontTx/>
           <a:buNone/>
           <a:tabLst/>
-          <a:defRPr b="0" baseline="0" cap="none" i="0" spc="0" strike="noStrike" sz="1800" u="none" kumimoji="0" normalizeH="0">
+          <a:defRPr kumimoji="0" sz="1800" b="0" i="0" u="none" strike="noStrike" cap="none" spc="0" normalizeH="0" baseline="0">
             <a:ln>
               <a:noFill/>
             </a:ln>
@@ -25840,7 +26057,7 @@
           <a:buFontTx/>
           <a:buNone/>
           <a:tabLst/>
-          <a:defRPr b="0" baseline="0" cap="none" i="0" spc="0" strike="noStrike" sz="1800" u="none" kumimoji="0" normalizeH="0">
+          <a:defRPr kumimoji="0" sz="1800" b="0" i="0" u="none" strike="noStrike" cap="none" spc="0" normalizeH="0" baseline="0">
             <a:ln>
               <a:noFill/>
             </a:ln>
@@ -25866,7 +26083,7 @@
           <a:buFontTx/>
           <a:buNone/>
           <a:tabLst/>
-          <a:defRPr b="0" baseline="0" cap="none" i="0" spc="0" strike="noStrike" sz="1800" u="none" kumimoji="0" normalizeH="0">
+          <a:defRPr kumimoji="0" sz="1800" b="0" i="0" u="none" strike="noStrike" cap="none" spc="0" normalizeH="0" baseline="0">
             <a:ln>
               <a:noFill/>
             </a:ln>
@@ -25892,7 +26109,7 @@
           <a:buFontTx/>
           <a:buNone/>
           <a:tabLst/>
-          <a:defRPr b="0" baseline="0" cap="none" i="0" spc="0" strike="noStrike" sz="1800" u="none" kumimoji="0" normalizeH="0">
+          <a:defRPr kumimoji="0" sz="1800" b="0" i="0" u="none" strike="noStrike" cap="none" spc="0" normalizeH="0" baseline="0">
             <a:ln>
               <a:noFill/>
             </a:ln>
@@ -25918,7 +26135,7 @@
           <a:buFontTx/>
           <a:buNone/>
           <a:tabLst/>
-          <a:defRPr b="0" baseline="0" cap="none" i="0" spc="0" strike="noStrike" sz="1800" u="none" kumimoji="0" normalizeH="0">
+          <a:defRPr kumimoji="0" sz="1800" b="0" i="0" u="none" strike="noStrike" cap="none" spc="0" normalizeH="0" baseline="0">
             <a:ln>
               <a:noFill/>
             </a:ln>
@@ -25931,9 +26148,15 @@
         </a:lvl9pPr>
       </a:lstStyle>
       <a:style>
-        <a:lnRef idx="0"/>
-        <a:fillRef idx="0"/>
-        <a:effectRef idx="0"/>
+        <a:lnRef idx="0">
+          <a:scrgbClr r="0" g="0" b="0"/>
+        </a:lnRef>
+        <a:fillRef idx="0">
+          <a:scrgbClr r="0" g="0" b="0"/>
+        </a:fillRef>
+        <a:effectRef idx="0">
+          <a:scrgbClr r="0" g="0" b="0"/>
+        </a:effectRef>
         <a:fontRef idx="none"/>
       </a:style>
     </a:spDef>
@@ -25950,7 +26173,7 @@
         <a:effectLst/>
         <a:sp3d/>
       </a:spPr>
-      <a:bodyPr rot="0" spcFirstLastPara="1" vertOverflow="overflow" horzOverflow="overflow" vert="horz" wrap="square" lIns="91439" tIns="45719" rIns="91439" bIns="45719" numCol="1" spcCol="38100" rtlCol="0" anchor="t" upright="0">
+      <a:bodyPr rot="0" spcFirstLastPara="1" vertOverflow="overflow" horzOverflow="overflow" vert="horz" wrap="square" lIns="91439" tIns="45719" rIns="91439" bIns="45719" numCol="1" spcCol="38100" rtlCol="0" anchor="t">
         <a:noAutofit/>
       </a:bodyPr>
       <a:lstStyle>
@@ -25969,7 +26192,7 @@
           <a:buFontTx/>
           <a:buNone/>
           <a:tabLst/>
-          <a:defRPr b="0" baseline="0" cap="none" i="0" spc="0" strike="noStrike" sz="1800" u="none" kumimoji="0" normalizeH="0">
+          <a:defRPr kumimoji="0" sz="1800" b="0" i="0" u="none" strike="noStrike" cap="none" spc="0" normalizeH="0" baseline="0">
             <a:ln>
               <a:noFill/>
             </a:ln>
@@ -25995,7 +26218,7 @@
           <a:buFontTx/>
           <a:buNone/>
           <a:tabLst/>
-          <a:defRPr b="0" baseline="0" cap="none" i="0" spc="0" strike="noStrike" sz="1800" u="none" kumimoji="0" normalizeH="0">
+          <a:defRPr kumimoji="0" sz="1800" b="0" i="0" u="none" strike="noStrike" cap="none" spc="0" normalizeH="0" baseline="0">
             <a:ln>
               <a:noFill/>
             </a:ln>
@@ -26021,7 +26244,7 @@
           <a:buFontTx/>
           <a:buNone/>
           <a:tabLst/>
-          <a:defRPr b="0" baseline="0" cap="none" i="0" spc="0" strike="noStrike" sz="1800" u="none" kumimoji="0" normalizeH="0">
+          <a:defRPr kumimoji="0" sz="1800" b="0" i="0" u="none" strike="noStrike" cap="none" spc="0" normalizeH="0" baseline="0">
             <a:ln>
               <a:noFill/>
             </a:ln>
@@ -26047,7 +26270,7 @@
           <a:buFontTx/>
           <a:buNone/>
           <a:tabLst/>
-          <a:defRPr b="0" baseline="0" cap="none" i="0" spc="0" strike="noStrike" sz="1800" u="none" kumimoji="0" normalizeH="0">
+          <a:defRPr kumimoji="0" sz="1800" b="0" i="0" u="none" strike="noStrike" cap="none" spc="0" normalizeH="0" baseline="0">
             <a:ln>
               <a:noFill/>
             </a:ln>
@@ -26073,7 +26296,7 @@
           <a:buFontTx/>
           <a:buNone/>
           <a:tabLst/>
-          <a:defRPr b="0" baseline="0" cap="none" i="0" spc="0" strike="noStrike" sz="1800" u="none" kumimoji="0" normalizeH="0">
+          <a:defRPr kumimoji="0" sz="1800" b="0" i="0" u="none" strike="noStrike" cap="none" spc="0" normalizeH="0" baseline="0">
             <a:ln>
               <a:noFill/>
             </a:ln>
@@ -26099,7 +26322,7 @@
           <a:buFontTx/>
           <a:buNone/>
           <a:tabLst/>
-          <a:defRPr b="0" baseline="0" cap="none" i="0" spc="0" strike="noStrike" sz="1800" u="none" kumimoji="0" normalizeH="0">
+          <a:defRPr kumimoji="0" sz="1800" b="0" i="0" u="none" strike="noStrike" cap="none" spc="0" normalizeH="0" baseline="0">
             <a:ln>
               <a:noFill/>
             </a:ln>
@@ -26125,7 +26348,7 @@
           <a:buFontTx/>
           <a:buNone/>
           <a:tabLst/>
-          <a:defRPr b="0" baseline="0" cap="none" i="0" spc="0" strike="noStrike" sz="1800" u="none" kumimoji="0" normalizeH="0">
+          <a:defRPr kumimoji="0" sz="1800" b="0" i="0" u="none" strike="noStrike" cap="none" spc="0" normalizeH="0" baseline="0">
             <a:ln>
               <a:noFill/>
             </a:ln>
@@ -26151,7 +26374,7 @@
           <a:buFontTx/>
           <a:buNone/>
           <a:tabLst/>
-          <a:defRPr b="0" baseline="0" cap="none" i="0" spc="0" strike="noStrike" sz="1800" u="none" kumimoji="0" normalizeH="0">
+          <a:defRPr kumimoji="0" sz="1800" b="0" i="0" u="none" strike="noStrike" cap="none" spc="0" normalizeH="0" baseline="0">
             <a:ln>
               <a:noFill/>
             </a:ln>
@@ -26177,7 +26400,7 @@
           <a:buFontTx/>
           <a:buNone/>
           <a:tabLst/>
-          <a:defRPr b="0" baseline="0" cap="none" i="0" spc="0" strike="noStrike" sz="1800" u="none" kumimoji="0" normalizeH="0">
+          <a:defRPr kumimoji="0" sz="1800" b="0" i="0" u="none" strike="noStrike" cap="none" spc="0" normalizeH="0" baseline="0">
             <a:ln>
               <a:noFill/>
             </a:ln>
@@ -26203,7 +26426,7 @@
           <a:buFontTx/>
           <a:buNone/>
           <a:tabLst/>
-          <a:defRPr b="0" baseline="0" cap="none" i="0" spc="0" strike="noStrike" sz="1800" u="none" kumimoji="0" normalizeH="0">
+          <a:defRPr kumimoji="0" sz="1800" b="0" i="0" u="none" strike="noStrike" cap="none" spc="0" normalizeH="0" baseline="0">
             <a:ln>
               <a:noFill/>
             </a:ln>
@@ -26216,9 +26439,15 @@
         </a:lvl9pPr>
       </a:lstStyle>
       <a:style>
-        <a:lnRef idx="0"/>
-        <a:fillRef idx="0"/>
-        <a:effectRef idx="0"/>
+        <a:lnRef idx="0">
+          <a:scrgbClr r="0" g="0" b="0"/>
+        </a:lnRef>
+        <a:fillRef idx="0">
+          <a:scrgbClr r="0" g="0" b="0"/>
+        </a:fillRef>
+        <a:effectRef idx="0">
+          <a:scrgbClr r="0" g="0" b="0"/>
+        </a:effectRef>
         <a:fontRef idx="none"/>
       </a:style>
     </a:lnDef>
@@ -26232,7 +26461,7 @@
         <a:effectLst/>
         <a:sp3d/>
       </a:spPr>
-      <a:bodyPr rot="0" spcFirstLastPara="1" vertOverflow="overflow" horzOverflow="overflow" vert="horz" wrap="square" lIns="45718" tIns="45718" rIns="45718" bIns="45718" numCol="1" spcCol="38100" rtlCol="0" anchor="t" upright="0">
+      <a:bodyPr rot="0" spcFirstLastPara="1" vertOverflow="overflow" horzOverflow="overflow" vert="horz" wrap="square" lIns="45718" tIns="45718" rIns="45718" bIns="45718" numCol="1" spcCol="38100" rtlCol="0" anchor="t">
         <a:spAutoFit/>
       </a:bodyPr>
       <a:lstStyle>
@@ -26251,7 +26480,7 @@
           <a:buFontTx/>
           <a:buNone/>
           <a:tabLst/>
-          <a:defRPr b="0" baseline="0" cap="none" i="0" spc="0" strike="noStrike" sz="1800" u="none" kumimoji="0" normalizeH="0">
+          <a:defRPr kumimoji="0" sz="1800" b="0" i="0" u="none" strike="noStrike" cap="none" spc="0" normalizeH="0" baseline="0">
             <a:ln>
               <a:noFill/>
             </a:ln>
@@ -26281,7 +26510,7 @@
           <a:buFontTx/>
           <a:buNone/>
           <a:tabLst/>
-          <a:defRPr b="0" baseline="0" cap="none" i="0" spc="0" strike="noStrike" sz="1800" u="none" kumimoji="0" normalizeH="0">
+          <a:defRPr kumimoji="0" sz="1800" b="0" i="0" u="none" strike="noStrike" cap="none" spc="0" normalizeH="0" baseline="0">
             <a:ln>
               <a:noFill/>
             </a:ln>
@@ -26307,7 +26536,7 @@
           <a:buFontTx/>
           <a:buNone/>
           <a:tabLst/>
-          <a:defRPr b="0" baseline="0" cap="none" i="0" spc="0" strike="noStrike" sz="1800" u="none" kumimoji="0" normalizeH="0">
+          <a:defRPr kumimoji="0" sz="1800" b="0" i="0" u="none" strike="noStrike" cap="none" spc="0" normalizeH="0" baseline="0">
             <a:ln>
               <a:noFill/>
             </a:ln>
@@ -26333,7 +26562,7 @@
           <a:buFontTx/>
           <a:buNone/>
           <a:tabLst/>
-          <a:defRPr b="0" baseline="0" cap="none" i="0" spc="0" strike="noStrike" sz="1800" u="none" kumimoji="0" normalizeH="0">
+          <a:defRPr kumimoji="0" sz="1800" b="0" i="0" u="none" strike="noStrike" cap="none" spc="0" normalizeH="0" baseline="0">
             <a:ln>
               <a:noFill/>
             </a:ln>
@@ -26359,7 +26588,7 @@
           <a:buFontTx/>
           <a:buNone/>
           <a:tabLst/>
-          <a:defRPr b="0" baseline="0" cap="none" i="0" spc="0" strike="noStrike" sz="1800" u="none" kumimoji="0" normalizeH="0">
+          <a:defRPr kumimoji="0" sz="1800" b="0" i="0" u="none" strike="noStrike" cap="none" spc="0" normalizeH="0" baseline="0">
             <a:ln>
               <a:noFill/>
             </a:ln>
@@ -26385,7 +26614,7 @@
           <a:buFontTx/>
           <a:buNone/>
           <a:tabLst/>
-          <a:defRPr b="0" baseline="0" cap="none" i="0" spc="0" strike="noStrike" sz="1800" u="none" kumimoji="0" normalizeH="0">
+          <a:defRPr kumimoji="0" sz="1800" b="0" i="0" u="none" strike="noStrike" cap="none" spc="0" normalizeH="0" baseline="0">
             <a:ln>
               <a:noFill/>
             </a:ln>
@@ -26411,7 +26640,7 @@
           <a:buFontTx/>
           <a:buNone/>
           <a:tabLst/>
-          <a:defRPr b="0" baseline="0" cap="none" i="0" spc="0" strike="noStrike" sz="1800" u="none" kumimoji="0" normalizeH="0">
+          <a:defRPr kumimoji="0" sz="1800" b="0" i="0" u="none" strike="noStrike" cap="none" spc="0" normalizeH="0" baseline="0">
             <a:ln>
               <a:noFill/>
             </a:ln>
@@ -26437,7 +26666,7 @@
           <a:buFontTx/>
           <a:buNone/>
           <a:tabLst/>
-          <a:defRPr b="0" baseline="0" cap="none" i="0" spc="0" strike="noStrike" sz="1800" u="none" kumimoji="0" normalizeH="0">
+          <a:defRPr kumimoji="0" sz="1800" b="0" i="0" u="none" strike="noStrike" cap="none" spc="0" normalizeH="0" baseline="0">
             <a:ln>
               <a:noFill/>
             </a:ln>
@@ -26463,7 +26692,7 @@
           <a:buFontTx/>
           <a:buNone/>
           <a:tabLst/>
-          <a:defRPr b="0" baseline="0" cap="none" i="0" spc="0" strike="noStrike" sz="1800" u="none" kumimoji="0" normalizeH="0">
+          <a:defRPr kumimoji="0" sz="1800" b="0" i="0" u="none" strike="noStrike" cap="none" spc="0" normalizeH="0" baseline="0">
             <a:ln>
               <a:noFill/>
             </a:ln>
@@ -26489,7 +26718,7 @@
           <a:buFontTx/>
           <a:buNone/>
           <a:tabLst/>
-          <a:defRPr b="0" baseline="0" cap="none" i="0" spc="0" strike="noStrike" sz="1800" u="none" kumimoji="0" normalizeH="0">
+          <a:defRPr kumimoji="0" sz="1800" b="0" i="0" u="none" strike="noStrike" cap="none" spc="0" normalizeH="0" baseline="0">
             <a:ln>
               <a:noFill/>
             </a:ln>
@@ -26502,18 +26731,25 @@
         </a:lvl9pPr>
       </a:lstStyle>
       <a:style>
-        <a:lnRef idx="0"/>
-        <a:fillRef idx="0"/>
-        <a:effectRef idx="0"/>
+        <a:lnRef idx="0">
+          <a:scrgbClr r="0" g="0" b="0"/>
+        </a:lnRef>
+        <a:fillRef idx="0">
+          <a:scrgbClr r="0" g="0" b="0"/>
+        </a:fillRef>
+        <a:effectRef idx="0">
+          <a:scrgbClr r="0" g="0" b="0"/>
+        </a:effectRef>
         <a:fontRef idx="none"/>
       </a:style>
     </a:txDef>
   </a:objectDefaults>
+  <a:extraClrSchemeLst/>
 </a:theme>
 </file>
 
 <file path=ppt/theme/theme2.xml><?xml version="1.0" encoding="utf-8"?>
-<a:theme xmlns:a="http://schemas.openxmlformats.org/drawingml/2006/main" xmlns:r="http://schemas.openxmlformats.org/officeDocument/2006/relationships" name="Office 主题">
+<a:theme xmlns:a="http://schemas.openxmlformats.org/drawingml/2006/main" name="Office 主题">
   <a:themeElements>
     <a:clrScheme name="Office 主题">
       <a:dk1>
@@ -26715,7 +26951,7 @@
         <a:effectLst/>
         <a:sp3d/>
       </a:spPr>
-      <a:bodyPr rot="0" spcFirstLastPara="1" vertOverflow="overflow" horzOverflow="overflow" vert="horz" wrap="square" lIns="45718" tIns="45718" rIns="45718" bIns="45718" numCol="1" spcCol="38100" rtlCol="0" anchor="ctr" upright="0">
+      <a:bodyPr rot="0" spcFirstLastPara="1" vertOverflow="overflow" horzOverflow="overflow" vert="horz" wrap="square" lIns="45718" tIns="45718" rIns="45718" bIns="45718" numCol="1" spcCol="38100" rtlCol="0" anchor="ctr">
         <a:spAutoFit/>
       </a:bodyPr>
       <a:lstStyle>
@@ -26734,7 +26970,7 @@
           <a:buFontTx/>
           <a:buNone/>
           <a:tabLst/>
-          <a:defRPr b="0" baseline="0" cap="none" i="0" spc="0" strike="noStrike" sz="1800" u="none" kumimoji="0" normalizeH="0">
+          <a:defRPr kumimoji="0" sz="1800" b="0" i="0" u="none" strike="noStrike" cap="none" spc="0" normalizeH="0" baseline="0">
             <a:ln>
               <a:noFill/>
             </a:ln>
@@ -26764,7 +27000,7 @@
           <a:buFontTx/>
           <a:buNone/>
           <a:tabLst/>
-          <a:defRPr b="0" baseline="0" cap="none" i="0" spc="0" strike="noStrike" sz="1800" u="none" kumimoji="0" normalizeH="0">
+          <a:defRPr kumimoji="0" sz="1800" b="0" i="0" u="none" strike="noStrike" cap="none" spc="0" normalizeH="0" baseline="0">
             <a:ln>
               <a:noFill/>
             </a:ln>
@@ -26790,7 +27026,7 @@
           <a:buFontTx/>
           <a:buNone/>
           <a:tabLst/>
-          <a:defRPr b="0" baseline="0" cap="none" i="0" spc="0" strike="noStrike" sz="1800" u="none" kumimoji="0" normalizeH="0">
+          <a:defRPr kumimoji="0" sz="1800" b="0" i="0" u="none" strike="noStrike" cap="none" spc="0" normalizeH="0" baseline="0">
             <a:ln>
               <a:noFill/>
             </a:ln>
@@ -26816,7 +27052,7 @@
           <a:buFontTx/>
           <a:buNone/>
           <a:tabLst/>
-          <a:defRPr b="0" baseline="0" cap="none" i="0" spc="0" strike="noStrike" sz="1800" u="none" kumimoji="0" normalizeH="0">
+          <a:defRPr kumimoji="0" sz="1800" b="0" i="0" u="none" strike="noStrike" cap="none" spc="0" normalizeH="0" baseline="0">
             <a:ln>
               <a:noFill/>
             </a:ln>
@@ -26842,7 +27078,7 @@
           <a:buFontTx/>
           <a:buNone/>
           <a:tabLst/>
-          <a:defRPr b="0" baseline="0" cap="none" i="0" spc="0" strike="noStrike" sz="1800" u="none" kumimoji="0" normalizeH="0">
+          <a:defRPr kumimoji="0" sz="1800" b="0" i="0" u="none" strike="noStrike" cap="none" spc="0" normalizeH="0" baseline="0">
             <a:ln>
               <a:noFill/>
             </a:ln>
@@ -26868,7 +27104,7 @@
           <a:buFontTx/>
           <a:buNone/>
           <a:tabLst/>
-          <a:defRPr b="0" baseline="0" cap="none" i="0" spc="0" strike="noStrike" sz="1800" u="none" kumimoji="0" normalizeH="0">
+          <a:defRPr kumimoji="0" sz="1800" b="0" i="0" u="none" strike="noStrike" cap="none" spc="0" normalizeH="0" baseline="0">
             <a:ln>
               <a:noFill/>
             </a:ln>
@@ -26894,7 +27130,7 @@
           <a:buFontTx/>
           <a:buNone/>
           <a:tabLst/>
-          <a:defRPr b="0" baseline="0" cap="none" i="0" spc="0" strike="noStrike" sz="1800" u="none" kumimoji="0" normalizeH="0">
+          <a:defRPr kumimoji="0" sz="1800" b="0" i="0" u="none" strike="noStrike" cap="none" spc="0" normalizeH="0" baseline="0">
             <a:ln>
               <a:noFill/>
             </a:ln>
@@ -26920,7 +27156,7 @@
           <a:buFontTx/>
           <a:buNone/>
           <a:tabLst/>
-          <a:defRPr b="0" baseline="0" cap="none" i="0" spc="0" strike="noStrike" sz="1800" u="none" kumimoji="0" normalizeH="0">
+          <a:defRPr kumimoji="0" sz="1800" b="0" i="0" u="none" strike="noStrike" cap="none" spc="0" normalizeH="0" baseline="0">
             <a:ln>
               <a:noFill/>
             </a:ln>
@@ -26946,7 +27182,7 @@
           <a:buFontTx/>
           <a:buNone/>
           <a:tabLst/>
-          <a:defRPr b="0" baseline="0" cap="none" i="0" spc="0" strike="noStrike" sz="1800" u="none" kumimoji="0" normalizeH="0">
+          <a:defRPr kumimoji="0" sz="1800" b="0" i="0" u="none" strike="noStrike" cap="none" spc="0" normalizeH="0" baseline="0">
             <a:ln>
               <a:noFill/>
             </a:ln>
@@ -26972,7 +27208,7 @@
           <a:buFontTx/>
           <a:buNone/>
           <a:tabLst/>
-          <a:defRPr b="0" baseline="0" cap="none" i="0" spc="0" strike="noStrike" sz="1800" u="none" kumimoji="0" normalizeH="0">
+          <a:defRPr kumimoji="0" sz="1800" b="0" i="0" u="none" strike="noStrike" cap="none" spc="0" normalizeH="0" baseline="0">
             <a:ln>
               <a:noFill/>
             </a:ln>
@@ -26985,9 +27221,15 @@
         </a:lvl9pPr>
       </a:lstStyle>
       <a:style>
-        <a:lnRef idx="0"/>
-        <a:fillRef idx="0"/>
-        <a:effectRef idx="0"/>
+        <a:lnRef idx="0">
+          <a:scrgbClr r="0" g="0" b="0"/>
+        </a:lnRef>
+        <a:fillRef idx="0">
+          <a:scrgbClr r="0" g="0" b="0"/>
+        </a:fillRef>
+        <a:effectRef idx="0">
+          <a:scrgbClr r="0" g="0" b="0"/>
+        </a:effectRef>
         <a:fontRef idx="none"/>
       </a:style>
     </a:spDef>
@@ -27004,7 +27246,7 @@
         <a:effectLst/>
         <a:sp3d/>
       </a:spPr>
-      <a:bodyPr rot="0" spcFirstLastPara="1" vertOverflow="overflow" horzOverflow="overflow" vert="horz" wrap="square" lIns="91439" tIns="45719" rIns="91439" bIns="45719" numCol="1" spcCol="38100" rtlCol="0" anchor="t" upright="0">
+      <a:bodyPr rot="0" spcFirstLastPara="1" vertOverflow="overflow" horzOverflow="overflow" vert="horz" wrap="square" lIns="91439" tIns="45719" rIns="91439" bIns="45719" numCol="1" spcCol="38100" rtlCol="0" anchor="t">
         <a:noAutofit/>
       </a:bodyPr>
       <a:lstStyle>
@@ -27023,7 +27265,7 @@
           <a:buFontTx/>
           <a:buNone/>
           <a:tabLst/>
-          <a:defRPr b="0" baseline="0" cap="none" i="0" spc="0" strike="noStrike" sz="1800" u="none" kumimoji="0" normalizeH="0">
+          <a:defRPr kumimoji="0" sz="1800" b="0" i="0" u="none" strike="noStrike" cap="none" spc="0" normalizeH="0" baseline="0">
             <a:ln>
               <a:noFill/>
             </a:ln>
@@ -27049,7 +27291,7 @@
           <a:buFontTx/>
           <a:buNone/>
           <a:tabLst/>
-          <a:defRPr b="0" baseline="0" cap="none" i="0" spc="0" strike="noStrike" sz="1800" u="none" kumimoji="0" normalizeH="0">
+          <a:defRPr kumimoji="0" sz="1800" b="0" i="0" u="none" strike="noStrike" cap="none" spc="0" normalizeH="0" baseline="0">
             <a:ln>
               <a:noFill/>
             </a:ln>
@@ -27075,7 +27317,7 @@
           <a:buFontTx/>
           <a:buNone/>
           <a:tabLst/>
-          <a:defRPr b="0" baseline="0" cap="none" i="0" spc="0" strike="noStrike" sz="1800" u="none" kumimoji="0" normalizeH="0">
+          <a:defRPr kumimoji="0" sz="1800" b="0" i="0" u="none" strike="noStrike" cap="none" spc="0" normalizeH="0" baseline="0">
             <a:ln>
               <a:noFill/>
             </a:ln>
@@ -27101,7 +27343,7 @@
           <a:buFontTx/>
           <a:buNone/>
           <a:tabLst/>
-          <a:defRPr b="0" baseline="0" cap="none" i="0" spc="0" strike="noStrike" sz="1800" u="none" kumimoji="0" normalizeH="0">
+          <a:defRPr kumimoji="0" sz="1800" b="0" i="0" u="none" strike="noStrike" cap="none" spc="0" normalizeH="0" baseline="0">
             <a:ln>
               <a:noFill/>
             </a:ln>
@@ -27127,7 +27369,7 @@
           <a:buFontTx/>
           <a:buNone/>
           <a:tabLst/>
-          <a:defRPr b="0" baseline="0" cap="none" i="0" spc="0" strike="noStrike" sz="1800" u="none" kumimoji="0" normalizeH="0">
+          <a:defRPr kumimoji="0" sz="1800" b="0" i="0" u="none" strike="noStrike" cap="none" spc="0" normalizeH="0" baseline="0">
             <a:ln>
               <a:noFill/>
             </a:ln>
@@ -27153,7 +27395,7 @@
           <a:buFontTx/>
           <a:buNone/>
           <a:tabLst/>
-          <a:defRPr b="0" baseline="0" cap="none" i="0" spc="0" strike="noStrike" sz="1800" u="none" kumimoji="0" normalizeH="0">
+          <a:defRPr kumimoji="0" sz="1800" b="0" i="0" u="none" strike="noStrike" cap="none" spc="0" normalizeH="0" baseline="0">
             <a:ln>
               <a:noFill/>
             </a:ln>
@@ -27179,7 +27421,7 @@
           <a:buFontTx/>
           <a:buNone/>
           <a:tabLst/>
-          <a:defRPr b="0" baseline="0" cap="none" i="0" spc="0" strike="noStrike" sz="1800" u="none" kumimoji="0" normalizeH="0">
+          <a:defRPr kumimoji="0" sz="1800" b="0" i="0" u="none" strike="noStrike" cap="none" spc="0" normalizeH="0" baseline="0">
             <a:ln>
               <a:noFill/>
             </a:ln>
@@ -27205,7 +27447,7 @@
           <a:buFontTx/>
           <a:buNone/>
           <a:tabLst/>
-          <a:defRPr b="0" baseline="0" cap="none" i="0" spc="0" strike="noStrike" sz="1800" u="none" kumimoji="0" normalizeH="0">
+          <a:defRPr kumimoji="0" sz="1800" b="0" i="0" u="none" strike="noStrike" cap="none" spc="0" normalizeH="0" baseline="0">
             <a:ln>
               <a:noFill/>
             </a:ln>
@@ -27231,7 +27473,7 @@
           <a:buFontTx/>
           <a:buNone/>
           <a:tabLst/>
-          <a:defRPr b="0" baseline="0" cap="none" i="0" spc="0" strike="noStrike" sz="1800" u="none" kumimoji="0" normalizeH="0">
+          <a:defRPr kumimoji="0" sz="1800" b="0" i="0" u="none" strike="noStrike" cap="none" spc="0" normalizeH="0" baseline="0">
             <a:ln>
               <a:noFill/>
             </a:ln>
@@ -27257,7 +27499,7 @@
           <a:buFontTx/>
           <a:buNone/>
           <a:tabLst/>
-          <a:defRPr b="0" baseline="0" cap="none" i="0" spc="0" strike="noStrike" sz="1800" u="none" kumimoji="0" normalizeH="0">
+          <a:defRPr kumimoji="0" sz="1800" b="0" i="0" u="none" strike="noStrike" cap="none" spc="0" normalizeH="0" baseline="0">
             <a:ln>
               <a:noFill/>
             </a:ln>
@@ -27270,9 +27512,15 @@
         </a:lvl9pPr>
       </a:lstStyle>
       <a:style>
-        <a:lnRef idx="0"/>
-        <a:fillRef idx="0"/>
-        <a:effectRef idx="0"/>
+        <a:lnRef idx="0">
+          <a:scrgbClr r="0" g="0" b="0"/>
+        </a:lnRef>
+        <a:fillRef idx="0">
+          <a:scrgbClr r="0" g="0" b="0"/>
+        </a:fillRef>
+        <a:effectRef idx="0">
+          <a:scrgbClr r="0" g="0" b="0"/>
+        </a:effectRef>
         <a:fontRef idx="none"/>
       </a:style>
     </a:lnDef>
@@ -27286,7 +27534,7 @@
         <a:effectLst/>
         <a:sp3d/>
       </a:spPr>
-      <a:bodyPr rot="0" spcFirstLastPara="1" vertOverflow="overflow" horzOverflow="overflow" vert="horz" wrap="square" lIns="45718" tIns="45718" rIns="45718" bIns="45718" numCol="1" spcCol="38100" rtlCol="0" anchor="t" upright="0">
+      <a:bodyPr rot="0" spcFirstLastPara="1" vertOverflow="overflow" horzOverflow="overflow" vert="horz" wrap="square" lIns="45718" tIns="45718" rIns="45718" bIns="45718" numCol="1" spcCol="38100" rtlCol="0" anchor="t">
         <a:spAutoFit/>
       </a:bodyPr>
       <a:lstStyle>
@@ -27305,7 +27553,7 @@
           <a:buFontTx/>
           <a:buNone/>
           <a:tabLst/>
-          <a:defRPr b="0" baseline="0" cap="none" i="0" spc="0" strike="noStrike" sz="1800" u="none" kumimoji="0" normalizeH="0">
+          <a:defRPr kumimoji="0" sz="1800" b="0" i="0" u="none" strike="noStrike" cap="none" spc="0" normalizeH="0" baseline="0">
             <a:ln>
               <a:noFill/>
             </a:ln>
@@ -27335,7 +27583,7 @@
           <a:buFontTx/>
           <a:buNone/>
           <a:tabLst/>
-          <a:defRPr b="0" baseline="0" cap="none" i="0" spc="0" strike="noStrike" sz="1800" u="none" kumimoji="0" normalizeH="0">
+          <a:defRPr kumimoji="0" sz="1800" b="0" i="0" u="none" strike="noStrike" cap="none" spc="0" normalizeH="0" baseline="0">
             <a:ln>
               <a:noFill/>
             </a:ln>
@@ -27361,7 +27609,7 @@
           <a:buFontTx/>
           <a:buNone/>
           <a:tabLst/>
-          <a:defRPr b="0" baseline="0" cap="none" i="0" spc="0" strike="noStrike" sz="1800" u="none" kumimoji="0" normalizeH="0">
+          <a:defRPr kumimoji="0" sz="1800" b="0" i="0" u="none" strike="noStrike" cap="none" spc="0" normalizeH="0" baseline="0">
             <a:ln>
               <a:noFill/>
             </a:ln>
@@ -27387,7 +27635,7 @@
           <a:buFontTx/>
           <a:buNone/>
           <a:tabLst/>
-          <a:defRPr b="0" baseline="0" cap="none" i="0" spc="0" strike="noStrike" sz="1800" u="none" kumimoji="0" normalizeH="0">
+          <a:defRPr kumimoji="0" sz="1800" b="0" i="0" u="none" strike="noStrike" cap="none" spc="0" normalizeH="0" baseline="0">
             <a:ln>
               <a:noFill/>
             </a:ln>
@@ -27413,7 +27661,7 @@
           <a:buFontTx/>
           <a:buNone/>
           <a:tabLst/>
-          <a:defRPr b="0" baseline="0" cap="none" i="0" spc="0" strike="noStrike" sz="1800" u="none" kumimoji="0" normalizeH="0">
+          <a:defRPr kumimoji="0" sz="1800" b="0" i="0" u="none" strike="noStrike" cap="none" spc="0" normalizeH="0" baseline="0">
             <a:ln>
               <a:noFill/>
             </a:ln>
@@ -27439,7 +27687,7 @@
           <a:buFontTx/>
           <a:buNone/>
           <a:tabLst/>
-          <a:defRPr b="0" baseline="0" cap="none" i="0" spc="0" strike="noStrike" sz="1800" u="none" kumimoji="0" normalizeH="0">
+          <a:defRPr kumimoji="0" sz="1800" b="0" i="0" u="none" strike="noStrike" cap="none" spc="0" normalizeH="0" baseline="0">
             <a:ln>
               <a:noFill/>
             </a:ln>
@@ -27465,7 +27713,7 @@
           <a:buFontTx/>
           <a:buNone/>
           <a:tabLst/>
-          <a:defRPr b="0" baseline="0" cap="none" i="0" spc="0" strike="noStrike" sz="1800" u="none" kumimoji="0" normalizeH="0">
+          <a:defRPr kumimoji="0" sz="1800" b="0" i="0" u="none" strike="noStrike" cap="none" spc="0" normalizeH="0" baseline="0">
             <a:ln>
               <a:noFill/>
             </a:ln>
@@ -27491,7 +27739,7 @@
           <a:buFontTx/>
           <a:buNone/>
           <a:tabLst/>
-          <a:defRPr b="0" baseline="0" cap="none" i="0" spc="0" strike="noStrike" sz="1800" u="none" kumimoji="0" normalizeH="0">
+          <a:defRPr kumimoji="0" sz="1800" b="0" i="0" u="none" strike="noStrike" cap="none" spc="0" normalizeH="0" baseline="0">
             <a:ln>
               <a:noFill/>
             </a:ln>
@@ -27517,7 +27765,7 @@
           <a:buFontTx/>
           <a:buNone/>
           <a:tabLst/>
-          <a:defRPr b="0" baseline="0" cap="none" i="0" spc="0" strike="noStrike" sz="1800" u="none" kumimoji="0" normalizeH="0">
+          <a:defRPr kumimoji="0" sz="1800" b="0" i="0" u="none" strike="noStrike" cap="none" spc="0" normalizeH="0" baseline="0">
             <a:ln>
               <a:noFill/>
             </a:ln>
@@ -27543,7 +27791,7 @@
           <a:buFontTx/>
           <a:buNone/>
           <a:tabLst/>
-          <a:defRPr b="0" baseline="0" cap="none" i="0" spc="0" strike="noStrike" sz="1800" u="none" kumimoji="0" normalizeH="0">
+          <a:defRPr kumimoji="0" sz="1800" b="0" i="0" u="none" strike="noStrike" cap="none" spc="0" normalizeH="0" baseline="0">
             <a:ln>
               <a:noFill/>
             </a:ln>
@@ -27556,12 +27804,19 @@
         </a:lvl9pPr>
       </a:lstStyle>
       <a:style>
-        <a:lnRef idx="0"/>
-        <a:fillRef idx="0"/>
-        <a:effectRef idx="0"/>
+        <a:lnRef idx="0">
+          <a:scrgbClr r="0" g="0" b="0"/>
+        </a:lnRef>
+        <a:fillRef idx="0">
+          <a:scrgbClr r="0" g="0" b="0"/>
+        </a:fillRef>
+        <a:effectRef idx="0">
+          <a:scrgbClr r="0" g="0" b="0"/>
+        </a:effectRef>
         <a:fontRef idx="none"/>
       </a:style>
     </a:txDef>
   </a:objectDefaults>
+  <a:extraClrSchemeLst/>
 </a:theme>
 </file>
--- a/ppt/ch4.pptx
+++ b/ppt/ch4.pptx
@@ -90,10 +90,10 @@
         </a:solidFill>
         <a:effectLst/>
         <a:uFillTx/>
-        <a:latin typeface="+mj-lt"/>
-        <a:ea typeface="+mj-ea"/>
-        <a:cs typeface="+mj-cs"/>
-        <a:sym typeface="Calibri"/>
+        <a:latin typeface="+mn-lt"/>
+        <a:ea typeface="+mn-ea"/>
+        <a:cs typeface="+mn-cs"/>
+        <a:sym typeface="Helvetica"/>
       </a:defRPr>
     </a:lvl1pPr>
     <a:lvl2pPr marL="0" marR="0" indent="0" algn="l" defTabSz="914400" rtl="0" fontAlgn="auto" latinLnBrk="0" hangingPunct="0">
@@ -120,10 +120,10 @@
         </a:solidFill>
         <a:effectLst/>
         <a:uFillTx/>
-        <a:latin typeface="+mj-lt"/>
-        <a:ea typeface="+mj-ea"/>
-        <a:cs typeface="+mj-cs"/>
-        <a:sym typeface="Calibri"/>
+        <a:latin typeface="+mn-lt"/>
+        <a:ea typeface="+mn-ea"/>
+        <a:cs typeface="+mn-cs"/>
+        <a:sym typeface="Helvetica"/>
       </a:defRPr>
     </a:lvl2pPr>
     <a:lvl3pPr marL="0" marR="0" indent="0" algn="l" defTabSz="914400" rtl="0" fontAlgn="auto" latinLnBrk="0" hangingPunct="0">
@@ -150,10 +150,10 @@
         </a:solidFill>
         <a:effectLst/>
         <a:uFillTx/>
-        <a:latin typeface="+mj-lt"/>
-        <a:ea typeface="+mj-ea"/>
-        <a:cs typeface="+mj-cs"/>
-        <a:sym typeface="Calibri"/>
+        <a:latin typeface="+mn-lt"/>
+        <a:ea typeface="+mn-ea"/>
+        <a:cs typeface="+mn-cs"/>
+        <a:sym typeface="Helvetica"/>
       </a:defRPr>
     </a:lvl3pPr>
     <a:lvl4pPr marL="0" marR="0" indent="0" algn="l" defTabSz="914400" rtl="0" fontAlgn="auto" latinLnBrk="0" hangingPunct="0">
@@ -180,10 +180,10 @@
         </a:solidFill>
         <a:effectLst/>
         <a:uFillTx/>
-        <a:latin typeface="+mj-lt"/>
-        <a:ea typeface="+mj-ea"/>
-        <a:cs typeface="+mj-cs"/>
-        <a:sym typeface="Calibri"/>
+        <a:latin typeface="+mn-lt"/>
+        <a:ea typeface="+mn-ea"/>
+        <a:cs typeface="+mn-cs"/>
+        <a:sym typeface="Helvetica"/>
       </a:defRPr>
     </a:lvl4pPr>
     <a:lvl5pPr marL="0" marR="0" indent="0" algn="l" defTabSz="914400" rtl="0" fontAlgn="auto" latinLnBrk="0" hangingPunct="0">
@@ -210,10 +210,10 @@
         </a:solidFill>
         <a:effectLst/>
         <a:uFillTx/>
-        <a:latin typeface="+mj-lt"/>
-        <a:ea typeface="+mj-ea"/>
-        <a:cs typeface="+mj-cs"/>
-        <a:sym typeface="Calibri"/>
+        <a:latin typeface="+mn-lt"/>
+        <a:ea typeface="+mn-ea"/>
+        <a:cs typeface="+mn-cs"/>
+        <a:sym typeface="Helvetica"/>
       </a:defRPr>
     </a:lvl5pPr>
     <a:lvl6pPr marL="0" marR="0" indent="0" algn="l" defTabSz="914400" rtl="0" fontAlgn="auto" latinLnBrk="0" hangingPunct="0">
@@ -240,10 +240,10 @@
         </a:solidFill>
         <a:effectLst/>
         <a:uFillTx/>
-        <a:latin typeface="+mj-lt"/>
-        <a:ea typeface="+mj-ea"/>
-        <a:cs typeface="+mj-cs"/>
-        <a:sym typeface="Calibri"/>
+        <a:latin typeface="+mn-lt"/>
+        <a:ea typeface="+mn-ea"/>
+        <a:cs typeface="+mn-cs"/>
+        <a:sym typeface="Helvetica"/>
       </a:defRPr>
     </a:lvl6pPr>
     <a:lvl7pPr marL="0" marR="0" indent="0" algn="l" defTabSz="914400" rtl="0" fontAlgn="auto" latinLnBrk="0" hangingPunct="0">
@@ -270,10 +270,10 @@
         </a:solidFill>
         <a:effectLst/>
         <a:uFillTx/>
-        <a:latin typeface="+mj-lt"/>
-        <a:ea typeface="+mj-ea"/>
-        <a:cs typeface="+mj-cs"/>
-        <a:sym typeface="Calibri"/>
+        <a:latin typeface="+mn-lt"/>
+        <a:ea typeface="+mn-ea"/>
+        <a:cs typeface="+mn-cs"/>
+        <a:sym typeface="Helvetica"/>
       </a:defRPr>
     </a:lvl7pPr>
     <a:lvl8pPr marL="0" marR="0" indent="0" algn="l" defTabSz="914400" rtl="0" fontAlgn="auto" latinLnBrk="0" hangingPunct="0">
@@ -300,10 +300,10 @@
         </a:solidFill>
         <a:effectLst/>
         <a:uFillTx/>
-        <a:latin typeface="+mj-lt"/>
-        <a:ea typeface="+mj-ea"/>
-        <a:cs typeface="+mj-cs"/>
-        <a:sym typeface="Calibri"/>
+        <a:latin typeface="+mn-lt"/>
+        <a:ea typeface="+mn-ea"/>
+        <a:cs typeface="+mn-cs"/>
+        <a:sym typeface="Helvetica"/>
       </a:defRPr>
     </a:lvl8pPr>
     <a:lvl9pPr marL="0" marR="0" indent="0" algn="l" defTabSz="914400" rtl="0" fontAlgn="auto" latinLnBrk="0" hangingPunct="0">
@@ -330,10 +330,10 @@
         </a:solidFill>
         <a:effectLst/>
         <a:uFillTx/>
-        <a:latin typeface="+mj-lt"/>
-        <a:ea typeface="+mj-ea"/>
-        <a:cs typeface="+mj-cs"/>
-        <a:sym typeface="Calibri"/>
+        <a:latin typeface="+mn-lt"/>
+        <a:ea typeface="+mn-ea"/>
+        <a:cs typeface="+mn-cs"/>
+        <a:sym typeface="Helvetica"/>
       </a:defRPr>
     </a:lvl9pPr>
   </p:defaultTextStyle>
@@ -1556,7 +1556,7 @@
         <p:spPr>
           <a:xfrm>
             <a:off x="1524000" y="3602037"/>
-            <a:ext cx="9144000" cy="1655764"/>
+            <a:ext cx="9144000" cy="1655765"/>
           </a:xfrm>
           <a:prstGeom prst="rect">
             <a:avLst/>
@@ -2087,7 +2087,7 @@
         <p:spPr>
           <a:xfrm>
             <a:off x="831850" y="4589462"/>
-            <a:ext cx="10515600" cy="1500189"/>
+            <a:ext cx="10515600" cy="1500190"/>
           </a:xfrm>
           <a:prstGeom prst="rect">
             <a:avLst/>
@@ -2390,7 +2390,7 @@
         <p:spPr>
           <a:xfrm>
             <a:off x="839787" y="1681163"/>
-            <a:ext cx="5157790" cy="823914"/>
+            <a:ext cx="5157790" cy="823915"/>
           </a:xfrm>
           <a:prstGeom prst="rect">
             <a:avLst/>
@@ -2698,7 +2698,7 @@
         <p:spPr>
           <a:xfrm>
             <a:off x="5183187" y="987425"/>
-            <a:ext cx="6172202" cy="4873625"/>
+            <a:ext cx="6172203" cy="4873625"/>
           </a:xfrm>
           <a:prstGeom prst="rect">
             <a:avLst/>
@@ -2765,8 +2765,8 @@
         </p:nvSpPr>
         <p:spPr>
           <a:xfrm>
-            <a:off x="839787" y="2057400"/>
-            <a:ext cx="3932240" cy="3811588"/>
+            <a:off x="839786" y="2057400"/>
+            <a:ext cx="3932241" cy="3811588"/>
           </a:xfrm>
           <a:prstGeom prst="rect">
             <a:avLst/>
@@ -2871,7 +2871,7 @@
         <p:spPr>
           <a:xfrm>
             <a:off x="5183187" y="987425"/>
-            <a:ext cx="6172202" cy="4873625"/>
+            <a:ext cx="6172203" cy="4873625"/>
           </a:xfrm>
           <a:prstGeom prst="rect">
             <a:avLst/>
@@ -3139,8 +3139,8 @@
         </p:nvSpPr>
         <p:spPr>
           <a:xfrm>
-            <a:off x="11089821" y="6404293"/>
-            <a:ext cx="263980" cy="269239"/>
+            <a:off x="11089823" y="6404294"/>
+            <a:ext cx="263978" cy="269237"/>
           </a:xfrm>
           <a:prstGeom prst="rect">
             <a:avLst/>
@@ -3159,6 +3159,10 @@
                 <a:solidFill>
                   <a:srgbClr val="888888"/>
                 </a:solidFill>
+                <a:latin typeface="+mj-lt"/>
+                <a:ea typeface="+mj-ea"/>
+                <a:cs typeface="+mj-cs"/>
+                <a:sym typeface="Calibri"/>
               </a:defRPr>
             </a:lvl1pPr>
           </a:lstStyle>
@@ -4005,7 +4009,7 @@
         <p:spPr>
           <a:xfrm>
             <a:off x="4789487" y="4836109"/>
-            <a:ext cx="4000502" cy="695327"/>
+            <a:ext cx="4000503" cy="695328"/>
           </a:xfrm>
           <a:prstGeom prst="rect">
             <a:avLst/>
@@ -4028,6 +4032,10 @@
                 <a:solidFill>
                   <a:srgbClr val="FFFFFF"/>
                 </a:solidFill>
+                <a:latin typeface="+mj-lt"/>
+                <a:ea typeface="+mj-ea"/>
+                <a:cs typeface="+mj-cs"/>
+                <a:sym typeface="Calibri"/>
               </a:defRPr>
             </a:pPr>
           </a:p>
@@ -4042,7 +4050,7 @@
         <p:spPr>
           <a:xfrm>
             <a:off x="3187275" y="776351"/>
-            <a:ext cx="2847339" cy="1361439"/>
+            <a:ext cx="2847337" cy="1361437"/>
           </a:xfrm>
           <a:prstGeom prst="rect">
             <a:avLst/>
@@ -4089,8 +4097,8 @@
         </p:nvSpPr>
         <p:spPr>
           <a:xfrm>
-            <a:off x="3106312" y="2163652"/>
-            <a:ext cx="5683677" cy="38797"/>
+            <a:off x="3106311" y="2163652"/>
+            <a:ext cx="5683678" cy="38798"/>
           </a:xfrm>
           <a:prstGeom prst="line">
             <a:avLst/>
@@ -4119,7 +4127,7 @@
         <p:spPr>
           <a:xfrm>
             <a:off x="5081587" y="4983746"/>
-            <a:ext cx="1769277" cy="447039"/>
+            <a:ext cx="1769275" cy="447037"/>
           </a:xfrm>
           <a:prstGeom prst="rect">
             <a:avLst/>
@@ -4166,8 +4174,8 @@
         </p:nvSpPr>
         <p:spPr>
           <a:xfrm>
-            <a:off x="8789988" y="1893846"/>
-            <a:ext cx="3057527" cy="3816129"/>
+            <a:off x="8789988" y="1893845"/>
+            <a:ext cx="3057528" cy="3816131"/>
           </a:xfrm>
           <a:prstGeom prst="rect">
             <a:avLst/>
@@ -4188,6 +4196,10 @@
                 <a:solidFill>
                   <a:srgbClr val="FFFFFF"/>
                 </a:solidFill>
+                <a:latin typeface="+mj-lt"/>
+                <a:ea typeface="+mj-ea"/>
+                <a:cs typeface="+mj-cs"/>
+                <a:sym typeface="Calibri"/>
               </a:defRPr>
             </a:pPr>
           </a:p>
@@ -4202,7 +4214,7 @@
         <p:spPr>
           <a:xfrm>
             <a:off x="3414712" y="5183771"/>
-            <a:ext cx="1350964" cy="1"/>
+            <a:ext cx="1350965" cy="2"/>
           </a:xfrm>
           <a:prstGeom prst="line">
             <a:avLst/>
@@ -4231,7 +4243,7 @@
         <p:spPr>
           <a:xfrm>
             <a:off x="4765675" y="4836109"/>
-            <a:ext cx="234950" cy="695327"/>
+            <a:ext cx="234950" cy="695328"/>
           </a:xfrm>
           <a:prstGeom prst="rect">
             <a:avLst/>
@@ -4252,6 +4264,10 @@
                 <a:solidFill>
                   <a:srgbClr val="FFFFFF"/>
                 </a:solidFill>
+                <a:latin typeface="+mj-lt"/>
+                <a:ea typeface="+mj-ea"/>
+                <a:cs typeface="+mj-cs"/>
+                <a:sym typeface="Calibri"/>
               </a:defRPr>
             </a:pPr>
           </a:p>
@@ -4265,8 +4281,8 @@
         </p:nvSpPr>
         <p:spPr>
           <a:xfrm>
-            <a:off x="325012" y="436287"/>
-            <a:ext cx="2781302" cy="2781302"/>
+            <a:off x="325011" y="436286"/>
+            <a:ext cx="2781303" cy="2781303"/>
           </a:xfrm>
           <a:custGeom>
             <a:avLst/>
@@ -4634,8 +4650,8 @@
         </p:blipFill>
         <p:spPr>
           <a:xfrm>
-            <a:off x="8870952" y="1976678"/>
-            <a:ext cx="2900340" cy="3668902"/>
+            <a:off x="8870952" y="1976677"/>
+            <a:ext cx="2900341" cy="3668904"/>
           </a:xfrm>
           <a:prstGeom prst="rect">
             <a:avLst/>
@@ -4653,8 +4669,8 @@
         </p:nvSpPr>
         <p:spPr>
           <a:xfrm>
-            <a:off x="643612" y="3657451"/>
-            <a:ext cx="7691397" cy="942339"/>
+            <a:off x="643611" y="3657451"/>
+            <a:ext cx="7691395" cy="942337"/>
           </a:xfrm>
           <a:prstGeom prst="rect">
             <a:avLst/>
@@ -4727,10 +4743,10 @@
         </p:nvGrpSpPr>
         <p:grpSpPr>
           <a:xfrm>
-            <a:off x="-3" y="270564"/>
-            <a:ext cx="11418893" cy="1321894"/>
+            <a:off x="-5" y="270563"/>
+            <a:ext cx="11418896" cy="1321896"/>
             <a:chOff x="-1" y="0"/>
-            <a:chExt cx="11418891" cy="1321893"/>
+            <a:chExt cx="11418895" cy="1321894"/>
           </a:xfrm>
         </p:grpSpPr>
         <p:sp>
@@ -4741,8 +4757,8 @@
           </p:nvSpPr>
           <p:spPr>
             <a:xfrm>
-              <a:off x="2352674" y="769442"/>
-              <a:ext cx="9066217" cy="552451"/>
+              <a:off x="2352675" y="769442"/>
+              <a:ext cx="9066219" cy="552452"/>
             </a:xfrm>
             <a:prstGeom prst="rect">
               <a:avLst/>
@@ -4769,6 +4785,10 @@
                   <a:solidFill>
                     <a:srgbClr val="FFFFFF"/>
                   </a:solidFill>
+                  <a:latin typeface="+mj-lt"/>
+                  <a:ea typeface="+mj-ea"/>
+                  <a:cs typeface="+mj-cs"/>
+                  <a:sym typeface="Calibri"/>
                 </a:defRPr>
               </a:pPr>
             </a:p>
@@ -4782,8 +4802,8 @@
           </p:nvSpPr>
           <p:spPr>
             <a:xfrm>
-              <a:off x="2659061" y="-1"/>
-              <a:ext cx="8301145" cy="878839"/>
+              <a:off x="2659062" y="-1"/>
+              <a:ext cx="8301144" cy="878837"/>
             </a:xfrm>
             <a:prstGeom prst="rect">
               <a:avLst/>
@@ -4834,7 +4854,7 @@
           <p:spPr>
             <a:xfrm>
               <a:off x="-2" y="772617"/>
-              <a:ext cx="2479677" cy="2"/>
+              <a:ext cx="2479678" cy="3"/>
             </a:xfrm>
             <a:prstGeom prst="line">
               <a:avLst/>
@@ -4867,8 +4887,8 @@
           </p:nvSpPr>
           <p:spPr>
             <a:xfrm>
-              <a:off x="2352674" y="97927"/>
-              <a:ext cx="306388" cy="1223966"/>
+              <a:off x="2352675" y="97927"/>
+              <a:ext cx="306389" cy="1223967"/>
             </a:xfrm>
             <a:prstGeom prst="rect">
               <a:avLst/>
@@ -4893,6 +4913,10 @@
                   <a:solidFill>
                     <a:srgbClr val="FFFFFF"/>
                   </a:solidFill>
+                  <a:latin typeface="+mj-lt"/>
+                  <a:ea typeface="+mj-ea"/>
+                  <a:cs typeface="+mj-cs"/>
+                  <a:sym typeface="Calibri"/>
                 </a:defRPr>
               </a:pPr>
             </a:p>
@@ -4906,8 +4930,8 @@
           </p:nvSpPr>
           <p:spPr>
             <a:xfrm>
-              <a:off x="2770187" y="840878"/>
-              <a:ext cx="7245036" cy="447039"/>
+              <a:off x="2770188" y="840878"/>
+              <a:ext cx="7245034" cy="447037"/>
             </a:xfrm>
             <a:prstGeom prst="rect">
               <a:avLst/>
@@ -4958,8 +4982,8 @@
         </p:nvSpPr>
         <p:spPr>
           <a:xfrm>
-            <a:off x="425202" y="2026259"/>
-            <a:ext cx="4464555" cy="447039"/>
+            <a:off x="425201" y="2026259"/>
+            <a:ext cx="4464554" cy="447037"/>
           </a:xfrm>
           <a:prstGeom prst="rect">
             <a:avLst/>
@@ -5046,7 +5070,7 @@
         <p:spPr>
           <a:xfrm>
             <a:off x="4389963" y="2580121"/>
-            <a:ext cx="3686177" cy="4124328"/>
+            <a:ext cx="3686177" cy="4124329"/>
           </a:xfrm>
           <a:prstGeom prst="rect">
             <a:avLst/>
@@ -5075,7 +5099,7 @@
         <p:spPr>
           <a:xfrm>
             <a:off x="8338011" y="4060766"/>
-            <a:ext cx="3695702" cy="2295527"/>
+            <a:ext cx="3695703" cy="2295528"/>
           </a:xfrm>
           <a:prstGeom prst="rect">
             <a:avLst/>
@@ -5093,8 +5117,8 @@
         </p:nvSpPr>
         <p:spPr>
           <a:xfrm rot="8100000">
-            <a:off x="1817530" y="4722485"/>
-            <a:ext cx="404021" cy="415927"/>
+            <a:off x="1817529" y="4722485"/>
+            <a:ext cx="404022" cy="415927"/>
           </a:xfrm>
           <a:custGeom>
             <a:avLst/>
@@ -5139,7 +5163,14 @@
           <a:bodyPr lIns="45718" tIns="45718" rIns="45718" bIns="45718" anchor="ctr"/>
           <a:lstStyle/>
           <a:p>
-            <a:pPr algn="ctr"/>
+            <a:pPr algn="ctr">
+              <a:defRPr>
+                <a:latin typeface="+mj-lt"/>
+                <a:ea typeface="+mj-ea"/>
+                <a:cs typeface="+mj-cs"/>
+                <a:sym typeface="Calibri"/>
+              </a:defRPr>
+            </a:pPr>
           </a:p>
         </p:txBody>
       </p:sp>
@@ -5152,7 +5183,7 @@
         <p:spPr>
           <a:xfrm flipH="1">
             <a:off x="2020888" y="5050128"/>
-            <a:ext cx="2" cy="1031877"/>
+            <a:ext cx="3" cy="1031878"/>
           </a:xfrm>
           <a:prstGeom prst="line">
             <a:avLst/>
@@ -5182,7 +5213,7 @@
         <p:spPr>
           <a:xfrm>
             <a:off x="2020888" y="6082002"/>
-            <a:ext cx="2369077" cy="3"/>
+            <a:ext cx="2369077" cy="4"/>
           </a:xfrm>
           <a:prstGeom prst="line">
             <a:avLst/>
@@ -5212,7 +5243,7 @@
         <p:spPr>
           <a:xfrm>
             <a:off x="2016936" y="5423729"/>
-            <a:ext cx="1959539" cy="726439"/>
+            <a:ext cx="1959538" cy="726437"/>
           </a:xfrm>
           <a:prstGeom prst="rect">
             <a:avLst/>
@@ -5260,7 +5291,7 @@
         <p:spPr>
           <a:xfrm rot="2619305">
             <a:off x="8116698" y="2826167"/>
-            <a:ext cx="404815" cy="404815"/>
+            <a:ext cx="404816" cy="404816"/>
           </a:xfrm>
           <a:custGeom>
             <a:avLst/>
@@ -5305,7 +5336,14 @@
           <a:bodyPr lIns="45718" tIns="45718" rIns="45718" bIns="45718" anchor="ctr"/>
           <a:lstStyle/>
           <a:p>
-            <a:pPr algn="ctr"/>
+            <a:pPr algn="ctr">
+              <a:defRPr>
+                <a:latin typeface="+mj-lt"/>
+                <a:ea typeface="+mj-ea"/>
+                <a:cs typeface="+mj-cs"/>
+                <a:sym typeface="Calibri"/>
+              </a:defRPr>
+            </a:pPr>
           </a:p>
         </p:txBody>
       </p:sp>
@@ -5318,7 +5356,7 @@
         <p:spPr>
           <a:xfrm>
             <a:off x="12966809" y="2821524"/>
-            <a:ext cx="2" cy="238127"/>
+            <a:ext cx="3" cy="238128"/>
           </a:xfrm>
           <a:prstGeom prst="line">
             <a:avLst/>
@@ -5348,7 +5386,7 @@
         <p:spPr>
           <a:xfrm>
             <a:off x="8489625" y="3035292"/>
-            <a:ext cx="1658342" cy="2"/>
+            <a:ext cx="1658343" cy="3"/>
           </a:xfrm>
           <a:prstGeom prst="line">
             <a:avLst/>
@@ -5378,7 +5416,7 @@
         <p:spPr>
           <a:xfrm>
             <a:off x="10147965" y="3007086"/>
-            <a:ext cx="2" cy="1031877"/>
+            <a:ext cx="3" cy="1031878"/>
           </a:xfrm>
           <a:prstGeom prst="line">
             <a:avLst/>
@@ -5408,7 +5446,7 @@
         <p:spPr>
           <a:xfrm>
             <a:off x="8618080" y="2351963"/>
-            <a:ext cx="1959539" cy="688339"/>
+            <a:ext cx="1959539" cy="688337"/>
           </a:xfrm>
           <a:prstGeom prst="rect">
             <a:avLst/>
@@ -5481,10 +5519,10 @@
         </p:nvGrpSpPr>
         <p:grpSpPr>
           <a:xfrm>
-            <a:off x="4127500" y="550860"/>
-            <a:ext cx="3376615" cy="3375031"/>
-            <a:chOff x="0" y="-1"/>
-            <a:chExt cx="3376614" cy="3375030"/>
+            <a:off x="4127500" y="550859"/>
+            <a:ext cx="3376617" cy="3375033"/>
+            <a:chOff x="0" y="0"/>
+            <a:chExt cx="3376615" cy="3375031"/>
           </a:xfrm>
         </p:grpSpPr>
         <p:sp>
@@ -5495,8 +5533,8 @@
           </p:nvSpPr>
           <p:spPr>
             <a:xfrm>
-              <a:off x="0" y="-2"/>
-              <a:ext cx="3376615" cy="3375031"/>
+              <a:off x="0" y="-1"/>
+              <a:ext cx="3376617" cy="3375033"/>
             </a:xfrm>
             <a:prstGeom prst="ellipse">
               <a:avLst/>
@@ -5522,6 +5560,10 @@
                   <a:solidFill>
                     <a:srgbClr val="FFFFFF"/>
                   </a:solidFill>
+                  <a:latin typeface="+mj-lt"/>
+                  <a:ea typeface="+mj-ea"/>
+                  <a:cs typeface="+mj-cs"/>
+                  <a:sym typeface="Calibri"/>
                 </a:defRPr>
               </a:pPr>
             </a:p>
@@ -5535,8 +5577,8 @@
           </p:nvSpPr>
           <p:spPr>
             <a:xfrm>
-              <a:off x="494494" y="936942"/>
-              <a:ext cx="2387626" cy="1501139"/>
+              <a:off x="494494" y="936943"/>
+              <a:ext cx="2387627" cy="1501137"/>
             </a:xfrm>
             <a:prstGeom prst="rect">
               <a:avLst/>
@@ -5563,6 +5605,10 @@
                   <a:solidFill>
                     <a:srgbClr val="FFFFFF"/>
                   </a:solidFill>
+                  <a:latin typeface="+mj-lt"/>
+                  <a:ea typeface="+mj-ea"/>
+                  <a:cs typeface="+mj-cs"/>
+                  <a:sym typeface="Calibri"/>
                 </a:defRPr>
               </a:lvl1pPr>
             </a:lstStyle>
@@ -5583,8 +5629,8 @@
         </p:nvSpPr>
         <p:spPr>
           <a:xfrm rot="17100000">
-            <a:off x="4401121" y="1615749"/>
-            <a:ext cx="1709107" cy="2716059"/>
+            <a:off x="4401094" y="1615769"/>
+            <a:ext cx="1709150" cy="2716060"/>
           </a:xfrm>
           <a:custGeom>
             <a:avLst/>
@@ -5642,6 +5688,10 @@
                 <a:solidFill>
                   <a:srgbClr val="FFFFFF"/>
                 </a:solidFill>
+                <a:latin typeface="+mj-lt"/>
+                <a:ea typeface="+mj-ea"/>
+                <a:cs typeface="+mj-cs"/>
+                <a:sym typeface="Calibri"/>
               </a:defRPr>
             </a:pPr>
           </a:p>
@@ -5655,8 +5705,8 @@
         </p:nvSpPr>
         <p:spPr>
           <a:xfrm>
-            <a:off x="3517899" y="1239837"/>
-            <a:ext cx="3595691" cy="3211513"/>
+            <a:off x="3517898" y="1239836"/>
+            <a:ext cx="3595692" cy="3211515"/>
           </a:xfrm>
           <a:prstGeom prst="line">
             <a:avLst/>
@@ -5685,7 +5735,7 @@
         <p:spPr>
           <a:xfrm>
             <a:off x="2989838" y="4714042"/>
-            <a:ext cx="5082737" cy="942339"/>
+            <a:ext cx="5082735" cy="942337"/>
           </a:xfrm>
           <a:prstGeom prst="rect">
             <a:avLst/>
@@ -5732,8 +5782,8 @@
         </p:nvSpPr>
         <p:spPr>
           <a:xfrm>
-            <a:off x="851127" y="5176836"/>
-            <a:ext cx="1975201" cy="3"/>
+            <a:off x="851127" y="5176835"/>
+            <a:ext cx="1975202" cy="4"/>
           </a:xfrm>
           <a:prstGeom prst="line">
             <a:avLst/>
@@ -5761,8 +5811,8 @@
         </p:nvSpPr>
         <p:spPr>
           <a:xfrm>
-            <a:off x="8877992" y="5176836"/>
-            <a:ext cx="2297328" cy="3"/>
+            <a:off x="8877992" y="5176835"/>
+            <a:ext cx="2297329" cy="4"/>
           </a:xfrm>
           <a:prstGeom prst="line">
             <a:avLst/>
@@ -5816,10 +5866,10 @@
         </p:nvGrpSpPr>
         <p:grpSpPr>
           <a:xfrm>
-            <a:off x="4127500" y="550860"/>
-            <a:ext cx="3376615" cy="3375031"/>
-            <a:chOff x="0" y="-1"/>
-            <a:chExt cx="3376614" cy="3375030"/>
+            <a:off x="4127500" y="550859"/>
+            <a:ext cx="3376617" cy="3375033"/>
+            <a:chOff x="0" y="0"/>
+            <a:chExt cx="3376615" cy="3375031"/>
           </a:xfrm>
         </p:grpSpPr>
         <p:sp>
@@ -5830,8 +5880,8 @@
           </p:nvSpPr>
           <p:spPr>
             <a:xfrm>
-              <a:off x="0" y="-2"/>
-              <a:ext cx="3376615" cy="3375031"/>
+              <a:off x="0" y="-1"/>
+              <a:ext cx="3376617" cy="3375033"/>
             </a:xfrm>
             <a:prstGeom prst="ellipse">
               <a:avLst/>
@@ -5857,6 +5907,10 @@
                   <a:solidFill>
                     <a:srgbClr val="FFFFFF"/>
                   </a:solidFill>
+                  <a:latin typeface="+mj-lt"/>
+                  <a:ea typeface="+mj-ea"/>
+                  <a:cs typeface="+mj-cs"/>
+                  <a:sym typeface="Calibri"/>
                 </a:defRPr>
               </a:pPr>
             </a:p>
@@ -5870,8 +5924,8 @@
           </p:nvSpPr>
           <p:spPr>
             <a:xfrm>
-              <a:off x="494494" y="936942"/>
-              <a:ext cx="2387626" cy="1501139"/>
+              <a:off x="494494" y="936943"/>
+              <a:ext cx="2387627" cy="1501137"/>
             </a:xfrm>
             <a:prstGeom prst="rect">
               <a:avLst/>
@@ -5898,6 +5952,10 @@
                   <a:solidFill>
                     <a:srgbClr val="FFFFFF"/>
                   </a:solidFill>
+                  <a:latin typeface="+mj-lt"/>
+                  <a:ea typeface="+mj-ea"/>
+                  <a:cs typeface="+mj-cs"/>
+                  <a:sym typeface="Calibri"/>
                 </a:defRPr>
               </a:lvl1pPr>
             </a:lstStyle>
@@ -5918,8 +5976,8 @@
         </p:nvSpPr>
         <p:spPr>
           <a:xfrm rot="17100000">
-            <a:off x="4401121" y="1615749"/>
-            <a:ext cx="1709107" cy="2716059"/>
+            <a:off x="4401094" y="1615769"/>
+            <a:ext cx="1709150" cy="2716060"/>
           </a:xfrm>
           <a:custGeom>
             <a:avLst/>
@@ -5977,6 +6035,10 @@
                 <a:solidFill>
                   <a:srgbClr val="FFFFFF"/>
                 </a:solidFill>
+                <a:latin typeface="+mj-lt"/>
+                <a:ea typeface="+mj-ea"/>
+                <a:cs typeface="+mj-cs"/>
+                <a:sym typeface="Calibri"/>
               </a:defRPr>
             </a:pPr>
           </a:p>
@@ -5990,8 +6052,8 @@
         </p:nvSpPr>
         <p:spPr>
           <a:xfrm>
-            <a:off x="3517899" y="1239837"/>
-            <a:ext cx="3595691" cy="3211513"/>
+            <a:off x="3517898" y="1239836"/>
+            <a:ext cx="3595692" cy="3211515"/>
           </a:xfrm>
           <a:prstGeom prst="line">
             <a:avLst/>
@@ -6020,7 +6082,7 @@
         <p:spPr>
           <a:xfrm>
             <a:off x="1842091" y="4714042"/>
-            <a:ext cx="7521138" cy="942339"/>
+            <a:ext cx="7521135" cy="942337"/>
           </a:xfrm>
           <a:prstGeom prst="rect">
             <a:avLst/>
@@ -6067,8 +6129,8 @@
         </p:nvSpPr>
         <p:spPr>
           <a:xfrm>
-            <a:off x="851127" y="5176836"/>
-            <a:ext cx="1170858" cy="3"/>
+            <a:off x="851127" y="5176835"/>
+            <a:ext cx="1170859" cy="4"/>
           </a:xfrm>
           <a:prstGeom prst="line">
             <a:avLst/>
@@ -6097,7 +6159,7 @@
         <p:spPr>
           <a:xfrm>
             <a:off x="9749307" y="5176837"/>
-            <a:ext cx="1426014" cy="1"/>
+            <a:ext cx="1426015" cy="2"/>
           </a:xfrm>
           <a:prstGeom prst="line">
             <a:avLst/>
@@ -6151,8 +6213,8 @@
         </p:nvSpPr>
         <p:spPr>
           <a:xfrm>
-            <a:off x="6196245" y="1607690"/>
-            <a:ext cx="4992573" cy="4847437"/>
+            <a:off x="6196245" y="1607689"/>
+            <a:ext cx="4992575" cy="4847440"/>
           </a:xfrm>
           <a:prstGeom prst="ellipse">
             <a:avLst/>
@@ -6175,6 +6237,10 @@
                 <a:solidFill>
                   <a:srgbClr val="FFFFFF"/>
                 </a:solidFill>
+                <a:latin typeface="+mj-lt"/>
+                <a:ea typeface="+mj-ea"/>
+                <a:cs typeface="+mj-cs"/>
+                <a:sym typeface="Calibri"/>
               </a:defRPr>
             </a:pPr>
           </a:p>
@@ -6188,8 +6254,8 @@
         </p:nvSpPr>
         <p:spPr>
           <a:xfrm>
-            <a:off x="-1" y="446086"/>
-            <a:ext cx="3321053" cy="3"/>
+            <a:off x="-2" y="446085"/>
+            <a:ext cx="3321054" cy="4"/>
           </a:xfrm>
           <a:prstGeom prst="line">
             <a:avLst/>
@@ -6217,8 +6283,8 @@
         </p:nvSpPr>
         <p:spPr>
           <a:xfrm>
-            <a:off x="-1" y="1271587"/>
-            <a:ext cx="11591928" cy="1"/>
+            <a:off x="-2" y="1271587"/>
+            <a:ext cx="11591930" cy="2"/>
           </a:xfrm>
           <a:prstGeom prst="line">
             <a:avLst/>
@@ -6247,9 +6313,9 @@
         <p:grpSpPr>
           <a:xfrm>
             <a:off x="7976378" y="1419169"/>
-            <a:ext cx="1432306" cy="510539"/>
+            <a:ext cx="1432308" cy="510536"/>
             <a:chOff x="0" y="0"/>
-            <a:chExt cx="1432305" cy="510538"/>
+            <a:chExt cx="1432306" cy="510535"/>
           </a:xfrm>
         </p:grpSpPr>
         <p:sp>
@@ -6261,7 +6327,7 @@
           <p:spPr>
             <a:xfrm>
               <a:off x="0" y="13023"/>
-              <a:ext cx="1432306" cy="484495"/>
+              <a:ext cx="1432307" cy="484496"/>
             </a:xfrm>
             <a:prstGeom prst="rect">
               <a:avLst/>
@@ -6286,6 +6352,10 @@
                   <a:solidFill>
                     <a:srgbClr val="FFFFFF"/>
                   </a:solidFill>
+                  <a:latin typeface="+mj-lt"/>
+                  <a:ea typeface="+mj-ea"/>
+                  <a:cs typeface="+mj-cs"/>
+                  <a:sym typeface="Calibri"/>
                 </a:defRPr>
               </a:pPr>
             </a:p>
@@ -6300,7 +6370,7 @@
           <p:spPr>
             <a:xfrm>
               <a:off x="0" y="0"/>
-              <a:ext cx="1432306" cy="510538"/>
+              <a:ext cx="1432307" cy="510537"/>
             </a:xfrm>
             <a:prstGeom prst="rect">
               <a:avLst/>
@@ -6351,10 +6421,10 @@
         </p:nvGrpSpPr>
         <p:grpSpPr>
           <a:xfrm>
-            <a:off x="448942" y="1263533"/>
-            <a:ext cx="4852956" cy="5191594"/>
-            <a:chOff x="-1" y="-1"/>
-            <a:chExt cx="4852954" cy="5191592"/>
+            <a:off x="448940" y="1263531"/>
+            <a:ext cx="4852960" cy="5191598"/>
+            <a:chOff x="-1" y="0"/>
+            <a:chExt cx="4852958" cy="5191596"/>
           </a:xfrm>
         </p:grpSpPr>
         <p:sp>
@@ -6365,8 +6435,8 @@
           </p:nvSpPr>
           <p:spPr>
             <a:xfrm flipH="1">
-              <a:off x="712777" y="8052"/>
-              <a:ext cx="2" cy="1700213"/>
+              <a:off x="712778" y="8052"/>
+              <a:ext cx="3" cy="1700214"/>
             </a:xfrm>
             <a:prstGeom prst="line">
               <a:avLst/>
@@ -6399,8 +6469,8 @@
           </p:nvSpPr>
           <p:spPr>
             <a:xfrm>
-              <a:off x="2028252" y="-2"/>
-              <a:ext cx="11827" cy="3119147"/>
+              <a:off x="2028253" y="-1"/>
+              <a:ext cx="11828" cy="3119149"/>
             </a:xfrm>
             <a:prstGeom prst="line">
               <a:avLst/>
@@ -6433,8 +6503,8 @@
           </p:nvSpPr>
           <p:spPr>
             <a:xfrm>
-              <a:off x="4227951" y="56025"/>
-              <a:ext cx="36030" cy="3792541"/>
+              <a:off x="4227953" y="56025"/>
+              <a:ext cx="36031" cy="3792543"/>
             </a:xfrm>
             <a:prstGeom prst="line">
               <a:avLst/>
@@ -6467,8 +6537,8 @@
           </p:nvSpPr>
           <p:spPr>
             <a:xfrm flipH="1">
-              <a:off x="3101362" y="2453"/>
-              <a:ext cx="10321" cy="1024117"/>
+              <a:off x="3101364" y="2453"/>
+              <a:ext cx="10322" cy="1024118"/>
             </a:xfrm>
             <a:prstGeom prst="line">
               <a:avLst/>
@@ -6501,8 +6571,8 @@
           </p:nvSpPr>
           <p:spPr>
             <a:xfrm>
-              <a:off x="-2" y="1967027"/>
-              <a:ext cx="1438282" cy="1439865"/>
+              <a:off x="-2" y="1967028"/>
+              <a:ext cx="1438283" cy="1439867"/>
             </a:xfrm>
             <a:prstGeom prst="ellipse">
               <a:avLst/>
@@ -6529,6 +6599,10 @@
                   <a:solidFill>
                     <a:srgbClr val="FFFFFF"/>
                   </a:solidFill>
+                  <a:latin typeface="+mj-lt"/>
+                  <a:ea typeface="+mj-ea"/>
+                  <a:cs typeface="+mj-cs"/>
+                  <a:sym typeface="Calibri"/>
                 </a:defRPr>
               </a:pPr>
             </a:p>
@@ -6542,8 +6616,8 @@
           </p:nvSpPr>
           <p:spPr>
             <a:xfrm>
-              <a:off x="1481276" y="3301705"/>
-              <a:ext cx="1117605" cy="1119191"/>
+              <a:off x="1481277" y="3301707"/>
+              <a:ext cx="1117607" cy="1119193"/>
             </a:xfrm>
             <a:prstGeom prst="ellipse">
               <a:avLst/>
@@ -6568,6 +6642,10 @@
                   <a:solidFill>
                     <a:srgbClr val="FFFFFF"/>
                   </a:solidFill>
+                  <a:latin typeface="+mj-lt"/>
+                  <a:ea typeface="+mj-ea"/>
+                  <a:cs typeface="+mj-cs"/>
+                  <a:sym typeface="Calibri"/>
                 </a:defRPr>
               </a:pPr>
             </a:p>
@@ -6581,8 +6659,8 @@
           </p:nvSpPr>
           <p:spPr>
             <a:xfrm>
-              <a:off x="2561609" y="1207541"/>
-              <a:ext cx="1117605" cy="1117603"/>
+              <a:off x="2561611" y="1207542"/>
+              <a:ext cx="1117607" cy="1117605"/>
             </a:xfrm>
             <a:prstGeom prst="ellipse">
               <a:avLst/>
@@ -6607,6 +6685,10 @@
                   <a:solidFill>
                     <a:srgbClr val="FFFFFF"/>
                   </a:solidFill>
+                  <a:latin typeface="+mj-lt"/>
+                  <a:ea typeface="+mj-ea"/>
+                  <a:cs typeface="+mj-cs"/>
+                  <a:sym typeface="Calibri"/>
                 </a:defRPr>
               </a:pPr>
             </a:p>
@@ -6620,8 +6702,8 @@
           </p:nvSpPr>
           <p:spPr>
             <a:xfrm>
-              <a:off x="3735349" y="4073989"/>
-              <a:ext cx="1117605" cy="1117603"/>
+              <a:off x="3735351" y="4073991"/>
+              <a:ext cx="1117607" cy="1117605"/>
             </a:xfrm>
             <a:prstGeom prst="ellipse">
               <a:avLst/>
@@ -6648,6 +6730,10 @@
                   <a:solidFill>
                     <a:srgbClr val="FFFFFF"/>
                   </a:solidFill>
+                  <a:latin typeface="+mj-lt"/>
+                  <a:ea typeface="+mj-ea"/>
+                  <a:cs typeface="+mj-cs"/>
+                  <a:sym typeface="Calibri"/>
                 </a:defRPr>
               </a:pPr>
             </a:p>
@@ -6661,8 +6747,8 @@
           </p:nvSpPr>
           <p:spPr>
             <a:xfrm>
-              <a:off x="133372" y="2289470"/>
-              <a:ext cx="1171533" cy="929639"/>
+              <a:off x="133372" y="2289471"/>
+              <a:ext cx="1171534" cy="929637"/>
             </a:xfrm>
             <a:prstGeom prst="rect">
               <a:avLst/>
@@ -6726,8 +6812,8 @@
           </p:nvSpPr>
           <p:spPr>
             <a:xfrm>
-              <a:off x="2668764" y="1304919"/>
-              <a:ext cx="890664" cy="929639"/>
+              <a:off x="2668766" y="1304920"/>
+              <a:ext cx="890665" cy="929637"/>
             </a:xfrm>
             <a:prstGeom prst="rect">
               <a:avLst/>
@@ -6777,8 +6863,8 @@
           </p:nvSpPr>
           <p:spPr>
             <a:xfrm>
-              <a:off x="1594923" y="3399374"/>
-              <a:ext cx="890664" cy="929639"/>
+              <a:off x="1594924" y="3399376"/>
+              <a:ext cx="890665" cy="929637"/>
             </a:xfrm>
             <a:prstGeom prst="rect">
               <a:avLst/>
@@ -6828,8 +6914,8 @@
           </p:nvSpPr>
           <p:spPr>
             <a:xfrm>
-              <a:off x="3848731" y="4226319"/>
-              <a:ext cx="890664" cy="929639"/>
+              <a:off x="3848733" y="4226321"/>
+              <a:ext cx="890665" cy="929637"/>
             </a:xfrm>
             <a:prstGeom prst="rect">
               <a:avLst/>
@@ -6879,8 +6965,8 @@
           </p:nvSpPr>
           <p:spPr>
             <a:xfrm rot="18900000">
-              <a:off x="422672" y="1616341"/>
-              <a:ext cx="581822" cy="581821"/>
+              <a:off x="422673" y="1616342"/>
+              <a:ext cx="581823" cy="581822"/>
             </a:xfrm>
             <a:custGeom>
               <a:avLst/>
@@ -6930,7 +7016,14 @@
             </a:bodyPr>
             <a:lstStyle/>
             <a:p>
-              <a:pPr algn="ctr"/>
+              <a:pPr algn="ctr">
+                <a:defRPr>
+                  <a:latin typeface="+mj-lt"/>
+                  <a:ea typeface="+mj-ea"/>
+                  <a:cs typeface="+mj-cs"/>
+                  <a:sym typeface="Calibri"/>
+                </a:defRPr>
+              </a:pPr>
             </a:p>
           </p:txBody>
         </p:sp>
@@ -6942,8 +7035,8 @@
           </p:nvSpPr>
           <p:spPr>
             <a:xfrm rot="18900000">
-              <a:off x="1844931" y="3048286"/>
-              <a:ext cx="404021" cy="404814"/>
+              <a:off x="1844932" y="3048288"/>
+              <a:ext cx="404022" cy="404815"/>
             </a:xfrm>
             <a:custGeom>
               <a:avLst/>
@@ -6993,7 +7086,14 @@
             </a:bodyPr>
             <a:lstStyle/>
             <a:p>
-              <a:pPr algn="ctr"/>
+              <a:pPr algn="ctr">
+                <a:defRPr>
+                  <a:latin typeface="+mj-lt"/>
+                  <a:ea typeface="+mj-ea"/>
+                  <a:cs typeface="+mj-cs"/>
+                  <a:sym typeface="Calibri"/>
+                </a:defRPr>
+              </a:pPr>
             </a:p>
           </p:txBody>
         </p:sp>
@@ -7005,8 +7105,8 @@
           </p:nvSpPr>
           <p:spPr>
             <a:xfrm rot="18900000">
-              <a:off x="2909672" y="944482"/>
-              <a:ext cx="404022" cy="404020"/>
+              <a:off x="2909674" y="944483"/>
+              <a:ext cx="404023" cy="404021"/>
             </a:xfrm>
             <a:custGeom>
               <a:avLst/>
@@ -7056,7 +7156,14 @@
             </a:bodyPr>
             <a:lstStyle/>
             <a:p>
-              <a:pPr algn="ctr"/>
+              <a:pPr algn="ctr">
+                <a:defRPr>
+                  <a:latin typeface="+mj-lt"/>
+                  <a:ea typeface="+mj-ea"/>
+                  <a:cs typeface="+mj-cs"/>
+                  <a:sym typeface="Calibri"/>
+                </a:defRPr>
+              </a:pPr>
             </a:p>
           </p:txBody>
         </p:sp>
@@ -7068,8 +7175,8 @@
           </p:nvSpPr>
           <p:spPr>
             <a:xfrm rot="18900000">
-              <a:off x="4070706" y="3788702"/>
-              <a:ext cx="404021" cy="404020"/>
+              <a:off x="4070708" y="3788704"/>
+              <a:ext cx="404023" cy="404021"/>
             </a:xfrm>
             <a:custGeom>
               <a:avLst/>
@@ -7119,7 +7226,14 @@
             </a:bodyPr>
             <a:lstStyle/>
             <a:p>
-              <a:pPr algn="ctr"/>
+              <a:pPr algn="ctr">
+                <a:defRPr>
+                  <a:latin typeface="+mj-lt"/>
+                  <a:ea typeface="+mj-ea"/>
+                  <a:cs typeface="+mj-cs"/>
+                  <a:sym typeface="Calibri"/>
+                </a:defRPr>
+              </a:pPr>
             </a:p>
           </p:txBody>
         </p:sp>
@@ -7133,7 +7247,7 @@
         <p:spPr>
           <a:xfrm>
             <a:off x="6553468" y="2092181"/>
-            <a:ext cx="4278123" cy="4333239"/>
+            <a:ext cx="4278124" cy="4333237"/>
           </a:xfrm>
           <a:prstGeom prst="rect">
             <a:avLst/>
@@ -7158,6 +7272,10 @@
                 <a:solidFill>
                   <a:srgbClr val="FFFFFF"/>
                 </a:solidFill>
+                <a:latin typeface="+mj-lt"/>
+                <a:ea typeface="+mj-ea"/>
+                <a:cs typeface="+mj-cs"/>
+                <a:sym typeface="Calibri"/>
               </a:defRPr>
             </a:pPr>
             <a:r>
@@ -7191,6 +7309,10 @@
                 <a:solidFill>
                   <a:srgbClr val="FFFFFF"/>
                 </a:solidFill>
+                <a:latin typeface="+mj-lt"/>
+                <a:ea typeface="+mj-ea"/>
+                <a:cs typeface="+mj-cs"/>
+                <a:sym typeface="Calibri"/>
               </a:defRPr>
             </a:pPr>
             <a:r>
@@ -7212,6 +7334,10 @@
                 <a:solidFill>
                   <a:srgbClr val="FFFFFF"/>
                 </a:solidFill>
+                <a:latin typeface="+mj-lt"/>
+                <a:ea typeface="+mj-ea"/>
+                <a:cs typeface="+mj-cs"/>
+                <a:sym typeface="Calibri"/>
               </a:defRPr>
             </a:pPr>
           </a:p>
@@ -7221,6 +7347,10 @@
                 <a:solidFill>
                   <a:srgbClr val="FFFFFF"/>
                 </a:solidFill>
+                <a:latin typeface="+mj-lt"/>
+                <a:ea typeface="+mj-ea"/>
+                <a:cs typeface="+mj-cs"/>
+                <a:sym typeface="Calibri"/>
               </a:defRPr>
             </a:pPr>
             <a:r>
@@ -7254,6 +7384,10 @@
                 <a:solidFill>
                   <a:srgbClr val="FFFFFF"/>
                 </a:solidFill>
+                <a:latin typeface="+mj-lt"/>
+                <a:ea typeface="+mj-ea"/>
+                <a:cs typeface="+mj-cs"/>
+                <a:sym typeface="Calibri"/>
               </a:defRPr>
             </a:pPr>
             <a:r>
@@ -7287,6 +7421,10 @@
                 <a:solidFill>
                   <a:srgbClr val="FFFFFF"/>
                 </a:solidFill>
+                <a:latin typeface="+mj-lt"/>
+                <a:ea typeface="+mj-ea"/>
+                <a:cs typeface="+mj-cs"/>
+                <a:sym typeface="Calibri"/>
               </a:defRPr>
             </a:pPr>
           </a:p>
@@ -7296,6 +7434,10 @@
                 <a:solidFill>
                   <a:srgbClr val="FFFFFF"/>
                 </a:solidFill>
+                <a:latin typeface="+mj-lt"/>
+                <a:ea typeface="+mj-ea"/>
+                <a:cs typeface="+mj-cs"/>
+                <a:sym typeface="Calibri"/>
               </a:defRPr>
             </a:pPr>
             <a:r>
@@ -7353,6 +7495,10 @@
                 <a:solidFill>
                   <a:srgbClr val="FFFFFF"/>
                 </a:solidFill>
+                <a:latin typeface="+mj-lt"/>
+                <a:ea typeface="+mj-ea"/>
+                <a:cs typeface="+mj-cs"/>
+                <a:sym typeface="Calibri"/>
               </a:defRPr>
             </a:pPr>
           </a:p>
@@ -7362,6 +7508,10 @@
                 <a:solidFill>
                   <a:srgbClr val="FFFFFF"/>
                 </a:solidFill>
+                <a:latin typeface="+mj-lt"/>
+                <a:ea typeface="+mj-ea"/>
+                <a:cs typeface="+mj-cs"/>
+                <a:sym typeface="Calibri"/>
               </a:defRPr>
             </a:pPr>
             <a:r>
@@ -7395,6 +7545,10 @@
                 <a:solidFill>
                   <a:srgbClr val="FFFFFF"/>
                 </a:solidFill>
+                <a:latin typeface="+mj-lt"/>
+                <a:ea typeface="+mj-ea"/>
+                <a:cs typeface="+mj-cs"/>
+                <a:sym typeface="Calibri"/>
               </a:defRPr>
             </a:pPr>
             <a:r>
@@ -7428,6 +7582,10 @@
                 <a:solidFill>
                   <a:srgbClr val="FFFFFF"/>
                 </a:solidFill>
+                <a:latin typeface="+mj-lt"/>
+                <a:ea typeface="+mj-ea"/>
+                <a:cs typeface="+mj-cs"/>
+                <a:sym typeface="Calibri"/>
               </a:defRPr>
             </a:pPr>
             <a:r>
@@ -7444,8 +7602,8 @@
         </p:nvSpPr>
         <p:spPr>
           <a:xfrm>
-            <a:off x="-107992" y="502094"/>
-            <a:ext cx="6700449" cy="802639"/>
+            <a:off x="-107993" y="502094"/>
+            <a:ext cx="6700448" cy="802637"/>
           </a:xfrm>
           <a:prstGeom prst="rect">
             <a:avLst/>
@@ -7470,6 +7628,10 @@
                 <a:solidFill>
                   <a:srgbClr val="FFFFFF"/>
                 </a:solidFill>
+                <a:latin typeface="+mj-lt"/>
+                <a:ea typeface="+mj-ea"/>
+                <a:cs typeface="+mj-cs"/>
+                <a:sym typeface="Calibri"/>
               </a:defRPr>
             </a:pPr>
             <a:r>
@@ -7496,7 +7658,7 @@
         <p:spPr>
           <a:xfrm>
             <a:off x="7204539" y="5464966"/>
-            <a:ext cx="3196764" cy="1043939"/>
+            <a:ext cx="3196765" cy="1043937"/>
           </a:xfrm>
           <a:prstGeom prst="rect">
             <a:avLst/>
@@ -7521,6 +7683,10 @@
                 <a:solidFill>
                   <a:srgbClr val="FFFFFF"/>
                 </a:solidFill>
+                <a:latin typeface="+mj-lt"/>
+                <a:ea typeface="+mj-ea"/>
+                <a:cs typeface="+mj-cs"/>
+                <a:sym typeface="Calibri"/>
               </a:defRPr>
             </a:pPr>
             <a:r>
@@ -7554,6 +7720,10 @@
                 <a:solidFill>
                   <a:srgbClr val="FFFFFF"/>
                 </a:solidFill>
+                <a:latin typeface="+mj-lt"/>
+                <a:ea typeface="+mj-ea"/>
+                <a:cs typeface="+mj-cs"/>
+                <a:sym typeface="Calibri"/>
               </a:defRPr>
             </a:pPr>
             <a:r>
@@ -7629,6 +7799,10 @@
                 <a:solidFill>
                   <a:srgbClr val="FFFFFF"/>
                 </a:solidFill>
+                <a:latin typeface="+mj-lt"/>
+                <a:ea typeface="+mj-ea"/>
+                <a:cs typeface="+mj-cs"/>
+                <a:sym typeface="Calibri"/>
               </a:defRPr>
             </a:pPr>
           </a:p>
@@ -7643,7 +7817,7 @@
         <p:spPr>
           <a:xfrm flipH="1">
             <a:off x="6024562" y="2073274"/>
-            <a:ext cx="1" cy="3971927"/>
+            <a:ext cx="2" cy="3971928"/>
           </a:xfrm>
           <a:prstGeom prst="line">
             <a:avLst/>
@@ -7671,8 +7845,8 @@
         </p:nvSpPr>
         <p:spPr>
           <a:xfrm>
-            <a:off x="-1" y="446086"/>
-            <a:ext cx="3321053" cy="3"/>
+            <a:off x="-2" y="446085"/>
+            <a:ext cx="3321054" cy="4"/>
           </a:xfrm>
           <a:prstGeom prst="line">
             <a:avLst/>
@@ -7700,8 +7874,8 @@
         </p:nvSpPr>
         <p:spPr>
           <a:xfrm>
-            <a:off x="-1" y="1271587"/>
-            <a:ext cx="11591928" cy="1"/>
+            <a:off x="-2" y="1271587"/>
+            <a:ext cx="11591930" cy="2"/>
           </a:xfrm>
           <a:prstGeom prst="line">
             <a:avLst/>
@@ -7729,10 +7903,10 @@
         </p:nvGrpSpPr>
         <p:grpSpPr>
           <a:xfrm>
-            <a:off x="4424362" y="3530600"/>
-            <a:ext cx="3254377" cy="1236664"/>
+            <a:off x="4424361" y="3530599"/>
+            <a:ext cx="3254380" cy="1236666"/>
             <a:chOff x="0" y="0"/>
-            <a:chExt cx="3254376" cy="1236663"/>
+            <a:chExt cx="3254378" cy="1236664"/>
           </a:xfrm>
         </p:grpSpPr>
         <p:sp>
@@ -7743,8 +7917,8 @@
           </p:nvSpPr>
           <p:spPr>
             <a:xfrm>
-              <a:off x="-1" y="0"/>
-              <a:ext cx="3254378" cy="1236664"/>
+              <a:off x="-1" y="-1"/>
+              <a:ext cx="3254379" cy="1236666"/>
             </a:xfrm>
             <a:prstGeom prst="rect">
               <a:avLst/>
@@ -7787,7 +7961,7 @@
           <p:spPr>
             <a:xfrm>
               <a:off x="-1" y="26511"/>
-              <a:ext cx="3254378" cy="1183639"/>
+              <a:ext cx="3254379" cy="1183637"/>
             </a:xfrm>
             <a:prstGeom prst="rect">
               <a:avLst/>
@@ -7839,7 +8013,7 @@
         <p:spPr>
           <a:xfrm>
             <a:off x="5895975" y="3367087"/>
-            <a:ext cx="257176" cy="257179"/>
+            <a:ext cx="257176" cy="257181"/>
           </a:xfrm>
           <a:prstGeom prst="ellipse">
             <a:avLst/>
@@ -7860,6 +8034,10 @@
                 <a:solidFill>
                   <a:srgbClr val="FFFFFF"/>
                 </a:solidFill>
+                <a:latin typeface="+mj-lt"/>
+                <a:ea typeface="+mj-ea"/>
+                <a:cs typeface="+mj-cs"/>
+                <a:sym typeface="Calibri"/>
               </a:defRPr>
             </a:pPr>
           </a:p>
@@ -7874,7 +8052,7 @@
         <p:spPr>
           <a:xfrm>
             <a:off x="5895975" y="4618037"/>
-            <a:ext cx="257176" cy="257179"/>
+            <a:ext cx="257176" cy="257181"/>
           </a:xfrm>
           <a:prstGeom prst="ellipse">
             <a:avLst/>
@@ -7895,6 +8073,10 @@
                 <a:solidFill>
                   <a:srgbClr val="FFFFFF"/>
                 </a:solidFill>
+                <a:latin typeface="+mj-lt"/>
+                <a:ea typeface="+mj-ea"/>
+                <a:cs typeface="+mj-cs"/>
+                <a:sym typeface="Calibri"/>
               </a:defRPr>
             </a:pPr>
           </a:p>
@@ -7908,8 +8090,8 @@
         </p:nvSpPr>
         <p:spPr>
           <a:xfrm>
-            <a:off x="-179531" y="451924"/>
-            <a:ext cx="8804384" cy="802639"/>
+            <a:off x="-179532" y="451924"/>
+            <a:ext cx="8804381" cy="802637"/>
           </a:xfrm>
           <a:prstGeom prst="rect">
             <a:avLst/>
@@ -7934,6 +8116,10 @@
                 <a:solidFill>
                   <a:srgbClr val="FFFFFF"/>
                 </a:solidFill>
+                <a:latin typeface="+mj-lt"/>
+                <a:ea typeface="+mj-ea"/>
+                <a:cs typeface="+mj-cs"/>
+                <a:sym typeface="Calibri"/>
               </a:defRPr>
             </a:pPr>
             <a:r>
@@ -7971,8 +8157,8 @@
         </p:nvSpPr>
         <p:spPr>
           <a:xfrm rot="5400000">
-            <a:off x="4400890" y="3947338"/>
-            <a:ext cx="561339" cy="408939"/>
+            <a:off x="4400892" y="3947338"/>
+            <a:ext cx="561337" cy="408937"/>
           </a:xfrm>
           <a:prstGeom prst="rect">
             <a:avLst/>
@@ -8019,8 +8205,8 @@
         </p:nvSpPr>
         <p:spPr>
           <a:xfrm rot="5400000">
-            <a:off x="7150093" y="3947338"/>
-            <a:ext cx="561339" cy="408939"/>
+            <a:off x="7150096" y="3947338"/>
+            <a:ext cx="561337" cy="408937"/>
           </a:xfrm>
           <a:prstGeom prst="rect">
             <a:avLst/>
@@ -8067,8 +8253,8 @@
         </p:nvSpPr>
         <p:spPr>
           <a:xfrm>
-            <a:off x="599280" y="2009089"/>
-            <a:ext cx="3897316" cy="5412739"/>
+            <a:off x="599279" y="2009088"/>
+            <a:ext cx="3897317" cy="5412737"/>
           </a:xfrm>
           <a:prstGeom prst="rect">
             <a:avLst/>
@@ -8096,6 +8282,10 @@
                 <a:solidFill>
                   <a:srgbClr val="FFFFFF"/>
                 </a:solidFill>
+                <a:latin typeface="+mj-lt"/>
+                <a:ea typeface="+mj-ea"/>
+                <a:cs typeface="+mj-cs"/>
+                <a:sym typeface="Calibri"/>
               </a:defRPr>
             </a:pPr>
             <a:r>
@@ -8175,6 +8365,10 @@
                 <a:solidFill>
                   <a:srgbClr val="FFFFFF"/>
                 </a:solidFill>
+                <a:latin typeface="+mj-lt"/>
+                <a:ea typeface="+mj-ea"/>
+                <a:cs typeface="+mj-cs"/>
+                <a:sym typeface="Calibri"/>
               </a:defRPr>
             </a:pPr>
             <a:r>
@@ -8211,6 +8405,10 @@
                 <a:solidFill>
                   <a:srgbClr val="FFFFFF"/>
                 </a:solidFill>
+                <a:latin typeface="+mj-lt"/>
+                <a:ea typeface="+mj-ea"/>
+                <a:cs typeface="+mj-cs"/>
+                <a:sym typeface="Calibri"/>
               </a:defRPr>
             </a:pPr>
             <a:r>
@@ -8271,6 +8469,10 @@
                 <a:solidFill>
                   <a:srgbClr val="FFFFFF"/>
                 </a:solidFill>
+                <a:latin typeface="+mj-lt"/>
+                <a:ea typeface="+mj-ea"/>
+                <a:cs typeface="+mj-cs"/>
+                <a:sym typeface="Calibri"/>
               </a:defRPr>
             </a:pPr>
           </a:p>
@@ -8283,6 +8485,10 @@
                 <a:solidFill>
                   <a:srgbClr val="FFFFFF"/>
                 </a:solidFill>
+                <a:latin typeface="+mj-lt"/>
+                <a:ea typeface="+mj-ea"/>
+                <a:cs typeface="+mj-cs"/>
+                <a:sym typeface="Calibri"/>
               </a:defRPr>
             </a:pPr>
           </a:p>
@@ -8295,6 +8501,10 @@
                 <a:solidFill>
                   <a:srgbClr val="FFFFFF"/>
                 </a:solidFill>
+                <a:latin typeface="+mj-lt"/>
+                <a:ea typeface="+mj-ea"/>
+                <a:cs typeface="+mj-cs"/>
+                <a:sym typeface="Calibri"/>
               </a:defRPr>
             </a:pPr>
           </a:p>
@@ -8307,6 +8517,10 @@
                 <a:solidFill>
                   <a:srgbClr val="FFFFFF"/>
                 </a:solidFill>
+                <a:latin typeface="+mj-lt"/>
+                <a:ea typeface="+mj-ea"/>
+                <a:cs typeface="+mj-cs"/>
+                <a:sym typeface="Calibri"/>
               </a:defRPr>
             </a:pPr>
           </a:p>
@@ -8319,6 +8533,10 @@
                 <a:solidFill>
                   <a:srgbClr val="FFFFFF"/>
                 </a:solidFill>
+                <a:latin typeface="+mj-lt"/>
+                <a:ea typeface="+mj-ea"/>
+                <a:cs typeface="+mj-cs"/>
+                <a:sym typeface="Calibri"/>
               </a:defRPr>
             </a:pPr>
           </a:p>
@@ -8331,6 +8549,10 @@
                 <a:solidFill>
                   <a:srgbClr val="FFFFFF"/>
                 </a:solidFill>
+                <a:latin typeface="+mj-lt"/>
+                <a:ea typeface="+mj-ea"/>
+                <a:cs typeface="+mj-cs"/>
+                <a:sym typeface="Calibri"/>
               </a:defRPr>
             </a:pPr>
           </a:p>
@@ -8340,6 +8562,10 @@
                 <a:solidFill>
                   <a:srgbClr val="FFFFFF"/>
                 </a:solidFill>
+                <a:latin typeface="+mj-lt"/>
+                <a:ea typeface="+mj-ea"/>
+                <a:cs typeface="+mj-cs"/>
+                <a:sym typeface="Calibri"/>
               </a:defRPr>
             </a:pPr>
           </a:p>
@@ -8352,6 +8578,10 @@
                 <a:solidFill>
                   <a:srgbClr val="FFFFFF"/>
                 </a:solidFill>
+                <a:latin typeface="+mj-lt"/>
+                <a:ea typeface="+mj-ea"/>
+                <a:cs typeface="+mj-cs"/>
+                <a:sym typeface="Calibri"/>
               </a:defRPr>
             </a:pPr>
             <a:r>
@@ -8388,6 +8618,10 @@
                 <a:solidFill>
                   <a:srgbClr val="FFFFFF"/>
                 </a:solidFill>
+                <a:latin typeface="+mj-lt"/>
+                <a:ea typeface="+mj-ea"/>
+                <a:cs typeface="+mj-cs"/>
+                <a:sym typeface="Calibri"/>
               </a:defRPr>
             </a:pPr>
             <a:r>
@@ -8424,6 +8658,10 @@
                 <a:solidFill>
                   <a:srgbClr val="FFFFFF"/>
                 </a:solidFill>
+                <a:latin typeface="+mj-lt"/>
+                <a:ea typeface="+mj-ea"/>
+                <a:cs typeface="+mj-cs"/>
+                <a:sym typeface="Calibri"/>
               </a:defRPr>
             </a:pPr>
             <a:r>
@@ -8461,8 +8699,8 @@
         </p:nvSpPr>
         <p:spPr>
           <a:xfrm>
-            <a:off x="7774781" y="2009089"/>
-            <a:ext cx="3897315" cy="4650739"/>
+            <a:off x="7774781" y="2009088"/>
+            <a:ext cx="3897315" cy="4650737"/>
           </a:xfrm>
           <a:prstGeom prst="rect">
             <a:avLst/>
@@ -8490,6 +8728,10 @@
                 <a:solidFill>
                   <a:srgbClr val="FFFFFF"/>
                 </a:solidFill>
+                <a:latin typeface="+mj-lt"/>
+                <a:ea typeface="+mj-ea"/>
+                <a:cs typeface="+mj-cs"/>
+                <a:sym typeface="Calibri"/>
               </a:defRPr>
             </a:pPr>
             <a:r>
@@ -8550,6 +8792,10 @@
                 <a:solidFill>
                   <a:srgbClr val="FFFFFF"/>
                 </a:solidFill>
+                <a:latin typeface="+mj-lt"/>
+                <a:ea typeface="+mj-ea"/>
+                <a:cs typeface="+mj-cs"/>
+                <a:sym typeface="Calibri"/>
               </a:defRPr>
             </a:pPr>
           </a:p>
@@ -8562,6 +8808,10 @@
                 <a:solidFill>
                   <a:srgbClr val="FFFFFF"/>
                 </a:solidFill>
+                <a:latin typeface="+mj-lt"/>
+                <a:ea typeface="+mj-ea"/>
+                <a:cs typeface="+mj-cs"/>
+                <a:sym typeface="Calibri"/>
               </a:defRPr>
             </a:pPr>
           </a:p>
@@ -8574,6 +8824,10 @@
                 <a:solidFill>
                   <a:srgbClr val="FFFFFF"/>
                 </a:solidFill>
+                <a:latin typeface="+mj-lt"/>
+                <a:ea typeface="+mj-ea"/>
+                <a:cs typeface="+mj-cs"/>
+                <a:sym typeface="Calibri"/>
               </a:defRPr>
             </a:pPr>
           </a:p>
@@ -8586,6 +8840,10 @@
                 <a:solidFill>
                   <a:srgbClr val="FFFFFF"/>
                 </a:solidFill>
+                <a:latin typeface="+mj-lt"/>
+                <a:ea typeface="+mj-ea"/>
+                <a:cs typeface="+mj-cs"/>
+                <a:sym typeface="Calibri"/>
               </a:defRPr>
             </a:pPr>
             <a:r>
@@ -8655,6 +8913,10 @@
                 <a:solidFill>
                   <a:srgbClr val="FFFFFF"/>
                 </a:solidFill>
+                <a:latin typeface="+mj-lt"/>
+                <a:ea typeface="+mj-ea"/>
+                <a:cs typeface="+mj-cs"/>
+                <a:sym typeface="Calibri"/>
               </a:defRPr>
             </a:pPr>
           </a:p>
@@ -8667,6 +8929,10 @@
                 <a:solidFill>
                   <a:srgbClr val="FFFFFF"/>
                 </a:solidFill>
+                <a:latin typeface="+mj-lt"/>
+                <a:ea typeface="+mj-ea"/>
+                <a:cs typeface="+mj-cs"/>
+                <a:sym typeface="Calibri"/>
               </a:defRPr>
             </a:pPr>
           </a:p>
@@ -8679,6 +8945,10 @@
                 <a:solidFill>
                   <a:srgbClr val="FFFFFF"/>
                 </a:solidFill>
+                <a:latin typeface="+mj-lt"/>
+                <a:ea typeface="+mj-ea"/>
+                <a:cs typeface="+mj-cs"/>
+                <a:sym typeface="Calibri"/>
               </a:defRPr>
             </a:pPr>
             <a:r>
@@ -8754,8 +9024,8 @@
         </p:nvSpPr>
         <p:spPr>
           <a:xfrm>
-            <a:off x="-1" y="446086"/>
-            <a:ext cx="3321053" cy="3"/>
+            <a:off x="-2" y="446085"/>
+            <a:ext cx="3321054" cy="4"/>
           </a:xfrm>
           <a:prstGeom prst="line">
             <a:avLst/>
@@ -8783,8 +9053,8 @@
         </p:nvSpPr>
         <p:spPr>
           <a:xfrm>
-            <a:off x="-1" y="1271587"/>
-            <a:ext cx="11591928" cy="1"/>
+            <a:off x="-2" y="1271587"/>
+            <a:ext cx="11591930" cy="2"/>
           </a:xfrm>
           <a:prstGeom prst="line">
             <a:avLst/>
@@ -8812,8 +9082,8 @@
         </p:nvSpPr>
         <p:spPr>
           <a:xfrm>
-            <a:off x="-90365" y="516074"/>
-            <a:ext cx="6458852" cy="802639"/>
+            <a:off x="-90366" y="516074"/>
+            <a:ext cx="6458850" cy="802637"/>
           </a:xfrm>
           <a:prstGeom prst="rect">
             <a:avLst/>
@@ -8838,6 +9108,10 @@
                 <a:solidFill>
                   <a:srgbClr val="FFFFFF"/>
                 </a:solidFill>
+                <a:latin typeface="+mj-lt"/>
+                <a:ea typeface="+mj-ea"/>
+                <a:cs typeface="+mj-cs"/>
+                <a:sym typeface="Calibri"/>
               </a:defRPr>
             </a:pPr>
             <a:r>
@@ -8875,8 +9149,8 @@
         </p:nvSpPr>
         <p:spPr>
           <a:xfrm>
-            <a:off x="1158874" y="4159250"/>
-            <a:ext cx="4152903" cy="0"/>
+            <a:off x="1158873" y="4159250"/>
+            <a:ext cx="4152905" cy="0"/>
           </a:xfrm>
           <a:prstGeom prst="line">
             <a:avLst/>
@@ -8904,8 +9178,8 @@
         </p:nvSpPr>
         <p:spPr>
           <a:xfrm>
-            <a:off x="5819774" y="2303463"/>
-            <a:ext cx="1" cy="1347789"/>
+            <a:off x="5819773" y="2303463"/>
+            <a:ext cx="2" cy="1347790"/>
           </a:xfrm>
           <a:prstGeom prst="line">
             <a:avLst/>
@@ -8933,10 +9207,10 @@
         </p:nvGrpSpPr>
         <p:grpSpPr>
           <a:xfrm>
-            <a:off x="5033962" y="2237898"/>
-            <a:ext cx="785814" cy="916940"/>
-            <a:chOff x="0" y="0"/>
-            <a:chExt cx="785813" cy="916938"/>
+            <a:off x="5033961" y="2237897"/>
+            <a:ext cx="785817" cy="916937"/>
+            <a:chOff x="0" y="-1"/>
+            <a:chExt cx="785815" cy="916935"/>
           </a:xfrm>
         </p:grpSpPr>
         <p:sp>
@@ -8948,7 +9222,7 @@
           <p:spPr>
             <a:xfrm>
               <a:off x="-1" y="65563"/>
-              <a:ext cx="785815" cy="785816"/>
+              <a:ext cx="785816" cy="785818"/>
             </a:xfrm>
             <a:prstGeom prst="rect">
               <a:avLst/>
@@ -8990,8 +9264,8 @@
           </p:nvSpPr>
           <p:spPr>
             <a:xfrm>
-              <a:off x="-1" y="-1"/>
-              <a:ext cx="785815" cy="916939"/>
+              <a:off x="-1" y="-2"/>
+              <a:ext cx="785816" cy="916937"/>
             </a:xfrm>
             <a:prstGeom prst="rect">
               <a:avLst/>
@@ -9042,10 +9316,10 @@
         </p:nvGrpSpPr>
         <p:grpSpPr>
           <a:xfrm>
-            <a:off x="1158874" y="4107972"/>
-            <a:ext cx="785816" cy="916939"/>
-            <a:chOff x="0" y="0"/>
-            <a:chExt cx="785815" cy="916938"/>
+            <a:off x="1158874" y="4107971"/>
+            <a:ext cx="785817" cy="916937"/>
+            <a:chOff x="0" y="-1"/>
+            <a:chExt cx="785815" cy="916935"/>
           </a:xfrm>
         </p:grpSpPr>
         <p:sp>
@@ -9057,7 +9331,7 @@
           <p:spPr>
             <a:xfrm>
               <a:off x="0" y="65563"/>
-              <a:ext cx="785816" cy="785816"/>
+              <a:ext cx="785817" cy="785817"/>
             </a:xfrm>
             <a:prstGeom prst="rect">
               <a:avLst/>
@@ -9099,8 +9373,8 @@
           </p:nvSpPr>
           <p:spPr>
             <a:xfrm>
-              <a:off x="0" y="-1"/>
-              <a:ext cx="785816" cy="916939"/>
+              <a:off x="0" y="-2"/>
+              <a:ext cx="785817" cy="916937"/>
             </a:xfrm>
             <a:prstGeom prst="rect">
               <a:avLst/>
@@ -9151,10 +9425,10 @@
         </p:nvGrpSpPr>
         <p:grpSpPr>
           <a:xfrm>
-            <a:off x="5840412" y="5252561"/>
-            <a:ext cx="785814" cy="916939"/>
-            <a:chOff x="0" y="0"/>
-            <a:chExt cx="785813" cy="916938"/>
+            <a:off x="5840411" y="5252560"/>
+            <a:ext cx="785817" cy="916937"/>
+            <a:chOff x="0" y="-1"/>
+            <a:chExt cx="785815" cy="916935"/>
           </a:xfrm>
         </p:grpSpPr>
         <p:sp>
@@ -9166,7 +9440,7 @@
           <p:spPr>
             <a:xfrm>
               <a:off x="-1" y="65563"/>
-              <a:ext cx="785815" cy="785816"/>
+              <a:ext cx="785816" cy="785817"/>
             </a:xfrm>
             <a:prstGeom prst="rect">
               <a:avLst/>
@@ -9208,8 +9482,8 @@
           </p:nvSpPr>
           <p:spPr>
             <a:xfrm>
-              <a:off x="-1" y="-1"/>
-              <a:ext cx="785815" cy="916939"/>
+              <a:off x="-1" y="-2"/>
+              <a:ext cx="785816" cy="916937"/>
             </a:xfrm>
             <a:prstGeom prst="rect">
               <a:avLst/>
@@ -9260,10 +9534,10 @@
         </p:nvGrpSpPr>
         <p:grpSpPr>
           <a:xfrm>
-            <a:off x="9810749" y="3322161"/>
-            <a:ext cx="785817" cy="916939"/>
-            <a:chOff x="0" y="0"/>
-            <a:chExt cx="785815" cy="916938"/>
+            <a:off x="9810749" y="3322160"/>
+            <a:ext cx="785819" cy="916937"/>
+            <a:chOff x="0" y="-1"/>
+            <a:chExt cx="785817" cy="916935"/>
           </a:xfrm>
         </p:grpSpPr>
         <p:sp>
@@ -9275,7 +9549,7 @@
           <p:spPr>
             <a:xfrm>
               <a:off x="0" y="65563"/>
-              <a:ext cx="785816" cy="785816"/>
+              <a:ext cx="785818" cy="785817"/>
             </a:xfrm>
             <a:prstGeom prst="rect">
               <a:avLst/>
@@ -9317,8 +9591,8 @@
           </p:nvSpPr>
           <p:spPr>
             <a:xfrm>
-              <a:off x="0" y="-1"/>
-              <a:ext cx="785816" cy="916939"/>
+              <a:off x="0" y="-2"/>
+              <a:ext cx="785818" cy="916937"/>
             </a:xfrm>
             <a:prstGeom prst="rect">
               <a:avLst/>
@@ -9370,7 +9644,7 @@
         <p:spPr>
           <a:xfrm>
             <a:off x="6326187" y="4173537"/>
-            <a:ext cx="4270377" cy="1"/>
+            <a:ext cx="4270378" cy="2"/>
           </a:xfrm>
           <a:prstGeom prst="line">
             <a:avLst/>
@@ -9398,8 +9672,8 @@
         </p:nvSpPr>
         <p:spPr>
           <a:xfrm>
-            <a:off x="5819775" y="4665661"/>
-            <a:ext cx="1" cy="1438278"/>
+            <a:off x="5819774" y="4665660"/>
+            <a:ext cx="3" cy="1438279"/>
           </a:xfrm>
           <a:prstGeom prst="line">
             <a:avLst/>
@@ -9449,6 +9723,10 @@
                 <a:solidFill>
                   <a:srgbClr val="FFFFFF"/>
                 </a:solidFill>
+                <a:latin typeface="+mj-lt"/>
+                <a:ea typeface="+mj-ea"/>
+                <a:cs typeface="+mj-cs"/>
+                <a:sym typeface="Calibri"/>
               </a:defRPr>
             </a:pPr>
           </a:p>
@@ -9484,6 +9762,10 @@
                 <a:solidFill>
                   <a:srgbClr val="FFFFFF"/>
                 </a:solidFill>
+                <a:latin typeface="+mj-lt"/>
+                <a:ea typeface="+mj-ea"/>
+                <a:cs typeface="+mj-cs"/>
+                <a:sym typeface="Calibri"/>
               </a:defRPr>
             </a:pPr>
           </a:p>
@@ -9498,7 +9780,7 @@
         <p:spPr>
           <a:xfrm>
             <a:off x="6100762" y="3719512"/>
-            <a:ext cx="101603" cy="101603"/>
+            <a:ext cx="101605" cy="101605"/>
           </a:xfrm>
           <a:prstGeom prst="ellipse">
             <a:avLst/>
@@ -9522,6 +9804,10 @@
                 <a:solidFill>
                   <a:srgbClr val="FFFFFF"/>
                 </a:solidFill>
+                <a:latin typeface="+mj-lt"/>
+                <a:ea typeface="+mj-ea"/>
+                <a:cs typeface="+mj-cs"/>
+                <a:sym typeface="Calibri"/>
               </a:defRPr>
             </a:pPr>
           </a:p>
@@ -9536,7 +9822,7 @@
         <p:spPr>
           <a:xfrm>
             <a:off x="5940425" y="4278312"/>
-            <a:ext cx="103188" cy="101603"/>
+            <a:ext cx="103188" cy="101605"/>
           </a:xfrm>
           <a:prstGeom prst="ellipse">
             <a:avLst/>
@@ -9560,6 +9846,10 @@
                 <a:solidFill>
                   <a:srgbClr val="FFFFFF"/>
                 </a:solidFill>
+                <a:latin typeface="+mj-lt"/>
+                <a:ea typeface="+mj-ea"/>
+                <a:cs typeface="+mj-cs"/>
+                <a:sym typeface="Calibri"/>
               </a:defRPr>
             </a:pPr>
           </a:p>
@@ -9574,7 +9864,7 @@
         <p:spPr>
           <a:xfrm>
             <a:off x="1004887" y="1829223"/>
-            <a:ext cx="3015209" cy="802639"/>
+            <a:ext cx="3015210" cy="802637"/>
           </a:xfrm>
           <a:prstGeom prst="rect">
             <a:avLst/>
@@ -9599,6 +9889,10 @@
                 <a:solidFill>
                   <a:srgbClr val="FFFFFF"/>
                 </a:solidFill>
+                <a:latin typeface="+mj-lt"/>
+                <a:ea typeface="+mj-ea"/>
+                <a:cs typeface="+mj-cs"/>
+                <a:sym typeface="Calibri"/>
               </a:defRPr>
             </a:pPr>
             <a:r>
@@ -9625,7 +9919,7 @@
         <p:spPr>
           <a:xfrm>
             <a:off x="6565875" y="1829223"/>
-            <a:ext cx="4289178" cy="1120139"/>
+            <a:ext cx="4289179" cy="1120137"/>
           </a:xfrm>
           <a:prstGeom prst="rect">
             <a:avLst/>
@@ -9650,6 +9944,10 @@
                 <a:solidFill>
                   <a:srgbClr val="FFFFFF"/>
                 </a:solidFill>
+                <a:latin typeface="+mj-lt"/>
+                <a:ea typeface="+mj-ea"/>
+                <a:cs typeface="+mj-cs"/>
+                <a:sym typeface="Calibri"/>
               </a:defRPr>
             </a:pPr>
             <a:r>
@@ -9676,7 +9974,7 @@
         <p:spPr>
           <a:xfrm>
             <a:off x="7567165" y="5516262"/>
-            <a:ext cx="3273676" cy="802639"/>
+            <a:ext cx="3273677" cy="802637"/>
           </a:xfrm>
           <a:prstGeom prst="rect">
             <a:avLst/>
@@ -9701,6 +9999,10 @@
                 <a:solidFill>
                   <a:srgbClr val="FFFFFF"/>
                 </a:solidFill>
+                <a:latin typeface="+mj-lt"/>
+                <a:ea typeface="+mj-ea"/>
+                <a:cs typeface="+mj-cs"/>
+                <a:sym typeface="Calibri"/>
               </a:defRPr>
             </a:pPr>
             <a:r>
@@ -9726,8 +10028,8 @@
         </p:nvSpPr>
         <p:spPr>
           <a:xfrm>
-            <a:off x="1047284" y="5516262"/>
-            <a:ext cx="3015210" cy="1120139"/>
+            <a:off x="1047283" y="5516262"/>
+            <a:ext cx="3015212" cy="1120137"/>
           </a:xfrm>
           <a:prstGeom prst="rect">
             <a:avLst/>
@@ -9752,6 +10054,10 @@
                 <a:solidFill>
                   <a:srgbClr val="FFFFFF"/>
                 </a:solidFill>
+                <a:latin typeface="+mj-lt"/>
+                <a:ea typeface="+mj-ea"/>
+                <a:cs typeface="+mj-cs"/>
+                <a:sym typeface="Calibri"/>
               </a:defRPr>
             </a:pPr>
             <a:r>
@@ -9778,7 +10084,7 @@
         <p:spPr>
           <a:xfrm>
             <a:off x="1226716" y="2811328"/>
-            <a:ext cx="3623519" cy="1043939"/>
+            <a:ext cx="3623519" cy="1043937"/>
           </a:xfrm>
           <a:prstGeom prst="rect">
             <a:avLst/>
@@ -9860,7 +10166,7 @@
         <p:spPr>
           <a:xfrm>
             <a:off x="2002439" y="4583841"/>
-            <a:ext cx="3481772" cy="1043939"/>
+            <a:ext cx="3481772" cy="1043937"/>
           </a:xfrm>
           <a:prstGeom prst="rect">
             <a:avLst/>
@@ -9954,7 +10260,7 @@
         <p:spPr>
           <a:xfrm>
             <a:off x="6569495" y="2815960"/>
-            <a:ext cx="3317081" cy="726439"/>
+            <a:ext cx="3317081" cy="726437"/>
           </a:xfrm>
           <a:prstGeom prst="rect">
             <a:avLst/>
@@ -10024,7 +10330,7 @@
         <p:spPr>
           <a:xfrm>
             <a:off x="6746254" y="4513943"/>
-            <a:ext cx="4094586" cy="1361439"/>
+            <a:ext cx="4094587" cy="1361437"/>
           </a:xfrm>
           <a:prstGeom prst="rect">
             <a:avLst/>
@@ -10155,10 +10461,10 @@
         </p:nvGrpSpPr>
         <p:grpSpPr>
           <a:xfrm>
-            <a:off x="4127500" y="550860"/>
-            <a:ext cx="3376615" cy="3375031"/>
-            <a:chOff x="0" y="-1"/>
-            <a:chExt cx="3376614" cy="3375030"/>
+            <a:off x="4127500" y="550859"/>
+            <a:ext cx="3376617" cy="3375033"/>
+            <a:chOff x="0" y="0"/>
+            <a:chExt cx="3376615" cy="3375031"/>
           </a:xfrm>
         </p:grpSpPr>
         <p:sp>
@@ -10169,8 +10475,8 @@
           </p:nvSpPr>
           <p:spPr>
             <a:xfrm>
-              <a:off x="0" y="-2"/>
-              <a:ext cx="3376615" cy="3375031"/>
+              <a:off x="0" y="-1"/>
+              <a:ext cx="3376617" cy="3375033"/>
             </a:xfrm>
             <a:prstGeom prst="ellipse">
               <a:avLst/>
@@ -10196,6 +10502,10 @@
                   <a:solidFill>
                     <a:srgbClr val="FFFFFF"/>
                   </a:solidFill>
+                  <a:latin typeface="+mj-lt"/>
+                  <a:ea typeface="+mj-ea"/>
+                  <a:cs typeface="+mj-cs"/>
+                  <a:sym typeface="Calibri"/>
                 </a:defRPr>
               </a:pPr>
             </a:p>
@@ -10209,8 +10519,8 @@
           </p:nvSpPr>
           <p:spPr>
             <a:xfrm>
-              <a:off x="494494" y="936942"/>
-              <a:ext cx="2387626" cy="1501139"/>
+              <a:off x="494494" y="936943"/>
+              <a:ext cx="2387627" cy="1501137"/>
             </a:xfrm>
             <a:prstGeom prst="rect">
               <a:avLst/>
@@ -10237,6 +10547,10 @@
                   <a:solidFill>
                     <a:srgbClr val="FFFFFF"/>
                   </a:solidFill>
+                  <a:latin typeface="+mj-lt"/>
+                  <a:ea typeface="+mj-ea"/>
+                  <a:cs typeface="+mj-cs"/>
+                  <a:sym typeface="Calibri"/>
                 </a:defRPr>
               </a:lvl1pPr>
             </a:lstStyle>
@@ -10257,8 +10571,8 @@
         </p:nvSpPr>
         <p:spPr>
           <a:xfrm rot="17100000">
-            <a:off x="4401121" y="1615749"/>
-            <a:ext cx="1709107" cy="2716059"/>
+            <a:off x="4401094" y="1615769"/>
+            <a:ext cx="1709150" cy="2716060"/>
           </a:xfrm>
           <a:custGeom>
             <a:avLst/>
@@ -10316,6 +10630,10 @@
                 <a:solidFill>
                   <a:srgbClr val="FFFFFF"/>
                 </a:solidFill>
+                <a:latin typeface="+mj-lt"/>
+                <a:ea typeface="+mj-ea"/>
+                <a:cs typeface="+mj-cs"/>
+                <a:sym typeface="Calibri"/>
               </a:defRPr>
             </a:pPr>
           </a:p>
@@ -10329,8 +10647,8 @@
         </p:nvSpPr>
         <p:spPr>
           <a:xfrm>
-            <a:off x="3517899" y="1239837"/>
-            <a:ext cx="3595691" cy="3211513"/>
+            <a:off x="3517898" y="1239836"/>
+            <a:ext cx="3595692" cy="3211515"/>
           </a:xfrm>
           <a:prstGeom prst="line">
             <a:avLst/>
@@ -10358,8 +10676,8 @@
         </p:nvSpPr>
         <p:spPr>
           <a:xfrm>
-            <a:off x="3876811" y="4751947"/>
-            <a:ext cx="3931999" cy="942339"/>
+            <a:off x="3876810" y="4751947"/>
+            <a:ext cx="3931997" cy="942337"/>
           </a:xfrm>
           <a:prstGeom prst="rect">
             <a:avLst/>
@@ -10406,8 +10724,8 @@
         </p:nvSpPr>
         <p:spPr>
           <a:xfrm>
-            <a:off x="851127" y="5278436"/>
-            <a:ext cx="3025687" cy="3"/>
+            <a:off x="851127" y="5278435"/>
+            <a:ext cx="3025688" cy="4"/>
           </a:xfrm>
           <a:prstGeom prst="line">
             <a:avLst/>
@@ -10435,8 +10753,8 @@
         </p:nvSpPr>
         <p:spPr>
           <a:xfrm>
-            <a:off x="7754797" y="5253036"/>
-            <a:ext cx="3420522" cy="3"/>
+            <a:off x="7754797" y="5253035"/>
+            <a:ext cx="3420522" cy="4"/>
           </a:xfrm>
           <a:prstGeom prst="line">
             <a:avLst/>
@@ -10491,7 +10809,7 @@
         <p:spPr>
           <a:xfrm>
             <a:off x="1886399" y="263730"/>
-            <a:ext cx="7657167" cy="802639"/>
+            <a:ext cx="7657164" cy="802637"/>
           </a:xfrm>
           <a:prstGeom prst="rect">
             <a:avLst/>
@@ -10516,6 +10834,10 @@
                 <a:solidFill>
                   <a:srgbClr val="FFFFFF"/>
                 </a:solidFill>
+                <a:latin typeface="+mj-lt"/>
+                <a:ea typeface="+mj-ea"/>
+                <a:cs typeface="+mj-cs"/>
+                <a:sym typeface="Calibri"/>
               </a:defRPr>
             </a:pPr>
             <a:r>
@@ -10541,10 +10863,10 @@
         </p:nvGrpSpPr>
         <p:grpSpPr>
           <a:xfrm>
-            <a:off x="-661990" y="314323"/>
-            <a:ext cx="11418893" cy="1223965"/>
+            <a:off x="-661992" y="314322"/>
+            <a:ext cx="11418896" cy="1223966"/>
             <a:chOff x="-1" y="0"/>
-            <a:chExt cx="11418891" cy="1223964"/>
+            <a:chExt cx="11418895" cy="1223965"/>
           </a:xfrm>
         </p:grpSpPr>
         <p:sp>
@@ -10555,8 +10877,8 @@
           </p:nvSpPr>
           <p:spPr>
             <a:xfrm>
-              <a:off x="2352674" y="671513"/>
-              <a:ext cx="9066217" cy="552451"/>
+              <a:off x="2352675" y="671513"/>
+              <a:ext cx="9066219" cy="552452"/>
             </a:xfrm>
             <a:prstGeom prst="rect">
               <a:avLst/>
@@ -10583,6 +10905,10 @@
                   <a:solidFill>
                     <a:srgbClr val="FFFFFF"/>
                   </a:solidFill>
+                  <a:latin typeface="+mj-lt"/>
+                  <a:ea typeface="+mj-ea"/>
+                  <a:cs typeface="+mj-cs"/>
+                  <a:sym typeface="Calibri"/>
                 </a:defRPr>
               </a:pPr>
             </a:p>
@@ -10597,7 +10923,7 @@
           <p:spPr>
             <a:xfrm>
               <a:off x="-2" y="674688"/>
-              <a:ext cx="2479677" cy="2"/>
+              <a:ext cx="2479678" cy="3"/>
             </a:xfrm>
             <a:prstGeom prst="line">
               <a:avLst/>
@@ -10630,8 +10956,8 @@
           </p:nvSpPr>
           <p:spPr>
             <a:xfrm>
-              <a:off x="2352674" y="-1"/>
-              <a:ext cx="306388" cy="1223965"/>
+              <a:off x="2352675" y="-1"/>
+              <a:ext cx="306389" cy="1223967"/>
             </a:xfrm>
             <a:prstGeom prst="rect">
               <a:avLst/>
@@ -10656,6 +10982,10 @@
                   <a:solidFill>
                     <a:srgbClr val="FFFFFF"/>
                   </a:solidFill>
+                  <a:latin typeface="+mj-lt"/>
+                  <a:ea typeface="+mj-ea"/>
+                  <a:cs typeface="+mj-cs"/>
+                  <a:sym typeface="Calibri"/>
                 </a:defRPr>
               </a:pPr>
             </a:p>
@@ -10669,8 +10999,8 @@
           </p:nvSpPr>
           <p:spPr>
             <a:xfrm>
-              <a:off x="2770187" y="742950"/>
-              <a:ext cx="6525080" cy="447039"/>
+              <a:off x="2770188" y="742950"/>
+              <a:ext cx="6525078" cy="447037"/>
             </a:xfrm>
             <a:prstGeom prst="rect">
               <a:avLst/>
@@ -10721,10 +11051,10 @@
         </p:nvGrpSpPr>
         <p:grpSpPr>
           <a:xfrm>
-            <a:off x="538931" y="2349499"/>
-            <a:ext cx="11918752" cy="4028439"/>
+            <a:off x="538931" y="2349498"/>
+            <a:ext cx="11918751" cy="4028438"/>
             <a:chOff x="0" y="0"/>
-            <a:chExt cx="11918751" cy="4028437"/>
+            <a:chExt cx="11918750" cy="4028436"/>
           </a:xfrm>
         </p:grpSpPr>
         <p:sp>
@@ -10735,8 +11065,8 @@
           </p:nvSpPr>
           <p:spPr>
             <a:xfrm>
-              <a:off x="3118669" y="0"/>
-              <a:ext cx="8534402" cy="3873522"/>
+              <a:off x="3118669" y="-1"/>
+              <a:ext cx="8534404" cy="3873525"/>
             </a:xfrm>
             <a:prstGeom prst="rect">
               <a:avLst/>
@@ -10761,6 +11091,10 @@
                   <a:solidFill>
                     <a:srgbClr val="FFFFFF"/>
                   </a:solidFill>
+                  <a:latin typeface="+mj-lt"/>
+                  <a:ea typeface="+mj-ea"/>
+                  <a:cs typeface="+mj-cs"/>
+                  <a:sym typeface="Calibri"/>
                 </a:defRPr>
               </a:pPr>
             </a:p>
@@ -10775,7 +11109,7 @@
           <p:spPr>
             <a:xfrm>
               <a:off x="0" y="48567"/>
-              <a:ext cx="3015209" cy="2212339"/>
+              <a:ext cx="3015209" cy="2212337"/>
             </a:xfrm>
             <a:prstGeom prst="rect">
               <a:avLst/>
@@ -10819,6 +11153,10 @@
                   <a:solidFill>
                     <a:srgbClr val="FFFFFF"/>
                   </a:solidFill>
+                  <a:latin typeface="+mj-lt"/>
+                  <a:ea typeface="+mj-ea"/>
+                  <a:cs typeface="+mj-cs"/>
+                  <a:sym typeface="Calibri"/>
                 </a:defRPr>
               </a:pPr>
               <a:r>
@@ -10869,7 +11207,7 @@
           <p:spPr>
             <a:xfrm>
               <a:off x="3222133" y="279400"/>
-              <a:ext cx="8696619" cy="3749039"/>
+              <a:ext cx="8696617" cy="3749037"/>
             </a:xfrm>
             <a:prstGeom prst="rect">
               <a:avLst/>
@@ -10900,6 +11238,10 @@
                   <a:solidFill>
                     <a:srgbClr val="FFFFFF"/>
                   </a:solidFill>
+                  <a:latin typeface="+mj-lt"/>
+                  <a:ea typeface="+mj-ea"/>
+                  <a:cs typeface="+mj-cs"/>
+                  <a:sym typeface="Calibri"/>
                 </a:defRPr>
               </a:pPr>
               <a:r>
@@ -10957,6 +11299,10 @@
                   <a:solidFill>
                     <a:srgbClr val="FFFFFF"/>
                   </a:solidFill>
+                  <a:latin typeface="+mj-lt"/>
+                  <a:ea typeface="+mj-ea"/>
+                  <a:cs typeface="+mj-cs"/>
+                  <a:sym typeface="Calibri"/>
                 </a:defRPr>
               </a:pPr>
               <a:r>
@@ -11023,6 +11369,10 @@
                   <a:solidFill>
                     <a:srgbClr val="FFFFFF"/>
                   </a:solidFill>
+                  <a:latin typeface="+mj-lt"/>
+                  <a:ea typeface="+mj-ea"/>
+                  <a:cs typeface="+mj-cs"/>
+                  <a:sym typeface="Calibri"/>
                 </a:defRPr>
               </a:pPr>
               <a:r>
@@ -11056,6 +11406,10 @@
                   <a:solidFill>
                     <a:srgbClr val="FFFFFF"/>
                   </a:solidFill>
+                  <a:latin typeface="+mj-lt"/>
+                  <a:ea typeface="+mj-ea"/>
+                  <a:cs typeface="+mj-cs"/>
+                  <a:sym typeface="Calibri"/>
                 </a:defRPr>
               </a:pPr>
             </a:p>
@@ -11147,6 +11501,10 @@
                   <a:solidFill>
                     <a:srgbClr val="FFFFFF"/>
                   </a:solidFill>
+                  <a:latin typeface="+mj-lt"/>
+                  <a:ea typeface="+mj-ea"/>
+                  <a:cs typeface="+mj-cs"/>
+                  <a:sym typeface="Calibri"/>
                 </a:defRPr>
               </a:pPr>
               <a:r>
@@ -11180,6 +11538,10 @@
                   <a:solidFill>
                     <a:srgbClr val="FFFFFF"/>
                   </a:solidFill>
+                  <a:latin typeface="+mj-lt"/>
+                  <a:ea typeface="+mj-ea"/>
+                  <a:cs typeface="+mj-cs"/>
+                  <a:sym typeface="Calibri"/>
                 </a:defRPr>
               </a:pPr>
             </a:p>
@@ -11244,6 +11606,10 @@
                   <a:solidFill>
                     <a:srgbClr val="FFFFFF"/>
                   </a:solidFill>
+                  <a:latin typeface="+mj-lt"/>
+                  <a:ea typeface="+mj-ea"/>
+                  <a:cs typeface="+mj-cs"/>
+                  <a:sym typeface="Calibri"/>
                 </a:defRPr>
               </a:pPr>
               <a:r>
@@ -11265,6 +11631,10 @@
                   <a:solidFill>
                     <a:srgbClr val="FFFFFF"/>
                   </a:solidFill>
+                  <a:latin typeface="+mj-lt"/>
+                  <a:ea typeface="+mj-ea"/>
+                  <a:cs typeface="+mj-cs"/>
+                  <a:sym typeface="Calibri"/>
                 </a:defRPr>
               </a:pPr>
             </a:p>
@@ -11277,6 +11647,10 @@
                   <a:solidFill>
                     <a:srgbClr val="FFFFFF"/>
                   </a:solidFill>
+                  <a:latin typeface="+mj-lt"/>
+                  <a:ea typeface="+mj-ea"/>
+                  <a:cs typeface="+mj-cs"/>
+                  <a:sym typeface="Calibri"/>
                 </a:defRPr>
               </a:pPr>
               <a:r>
@@ -11298,6 +11672,10 @@
                   <a:solidFill>
                     <a:srgbClr val="FFFFFF"/>
                   </a:solidFill>
+                  <a:latin typeface="+mj-lt"/>
+                  <a:ea typeface="+mj-ea"/>
+                  <a:cs typeface="+mj-cs"/>
+                  <a:sym typeface="Calibri"/>
                 </a:defRPr>
               </a:pPr>
               <a:r>
@@ -11362,10 +11740,10 @@
         </p:nvGrpSpPr>
         <p:grpSpPr>
           <a:xfrm>
-            <a:off x="6252500" y="2600861"/>
-            <a:ext cx="5554945" cy="3049592"/>
+            <a:off x="6252500" y="2600860"/>
+            <a:ext cx="5554947" cy="3049595"/>
             <a:chOff x="0" y="0"/>
-            <a:chExt cx="5554944" cy="3049590"/>
+            <a:chExt cx="5554946" cy="3049594"/>
           </a:xfrm>
         </p:grpSpPr>
         <p:sp>
@@ -11376,8 +11754,8 @@
           </p:nvSpPr>
           <p:spPr>
             <a:xfrm>
-              <a:off x="47903" y="0"/>
-              <a:ext cx="5507042" cy="3049592"/>
+              <a:off x="47903" y="-1"/>
+              <a:ext cx="5507044" cy="3049595"/>
             </a:xfrm>
             <a:prstGeom prst="rect">
               <a:avLst/>
@@ -11404,6 +11782,10 @@
                   <a:solidFill>
                     <a:srgbClr val="FFFFFF"/>
                   </a:solidFill>
+                  <a:latin typeface="+mj-lt"/>
+                  <a:ea typeface="+mj-ea"/>
+                  <a:cs typeface="+mj-cs"/>
+                  <a:sym typeface="Calibri"/>
                 </a:defRPr>
               </a:pPr>
             </a:p>
@@ -11417,8 +11799,8 @@
           </p:nvSpPr>
           <p:spPr>
             <a:xfrm rot="10800000">
-              <a:off x="26367" y="595385"/>
-              <a:ext cx="995561" cy="1928815"/>
+              <a:off x="26366" y="595385"/>
+              <a:ext cx="995563" cy="1928817"/>
             </a:xfrm>
             <a:custGeom>
               <a:avLst/>
@@ -11483,6 +11865,10 @@
                   <a:solidFill>
                     <a:srgbClr val="FFFFFF"/>
                   </a:solidFill>
+                  <a:latin typeface="+mj-lt"/>
+                  <a:ea typeface="+mj-ea"/>
+                  <a:cs typeface="+mj-cs"/>
+                  <a:sym typeface="Calibri"/>
                 </a:defRPr>
               </a:pPr>
             </a:p>
@@ -11496,8 +11882,8 @@
           </p:nvSpPr>
           <p:spPr>
             <a:xfrm>
-              <a:off x="0" y="1021110"/>
-              <a:ext cx="1030289" cy="1234439"/>
+              <a:off x="-1" y="1021110"/>
+              <a:ext cx="1030290" cy="1234437"/>
             </a:xfrm>
             <a:prstGeom prst="rect">
               <a:avLst/>
@@ -11548,8 +11934,8 @@
         </p:nvSpPr>
         <p:spPr>
           <a:xfrm>
-            <a:off x="1893375" y="275027"/>
-            <a:ext cx="4609167" cy="802639"/>
+            <a:off x="1893374" y="275027"/>
+            <a:ext cx="4609165" cy="802637"/>
           </a:xfrm>
           <a:prstGeom prst="rect">
             <a:avLst/>
@@ -11574,6 +11960,10 @@
                 <a:solidFill>
                   <a:srgbClr val="FFFFFF"/>
                 </a:solidFill>
+                <a:latin typeface="+mj-lt"/>
+                <a:ea typeface="+mj-ea"/>
+                <a:cs typeface="+mj-cs"/>
+                <a:sym typeface="Calibri"/>
               </a:defRPr>
             </a:pPr>
             <a:r>
@@ -11602,10 +11992,10 @@
         </p:nvGrpSpPr>
         <p:grpSpPr>
           <a:xfrm>
-            <a:off x="-661990" y="314323"/>
-            <a:ext cx="11418893" cy="1223965"/>
+            <a:off x="-661992" y="314322"/>
+            <a:ext cx="11418896" cy="1223966"/>
             <a:chOff x="-1" y="0"/>
-            <a:chExt cx="11418891" cy="1223964"/>
+            <a:chExt cx="11418895" cy="1223965"/>
           </a:xfrm>
         </p:grpSpPr>
         <p:sp>
@@ -11616,8 +12006,8 @@
           </p:nvSpPr>
           <p:spPr>
             <a:xfrm>
-              <a:off x="2352674" y="671513"/>
-              <a:ext cx="9066217" cy="552451"/>
+              <a:off x="2352675" y="671513"/>
+              <a:ext cx="9066219" cy="552452"/>
             </a:xfrm>
             <a:prstGeom prst="rect">
               <a:avLst/>
@@ -11644,6 +12034,10 @@
                   <a:solidFill>
                     <a:srgbClr val="FFFFFF"/>
                   </a:solidFill>
+                  <a:latin typeface="+mj-lt"/>
+                  <a:ea typeface="+mj-ea"/>
+                  <a:cs typeface="+mj-cs"/>
+                  <a:sym typeface="Calibri"/>
                 </a:defRPr>
               </a:pPr>
             </a:p>
@@ -11658,7 +12052,7 @@
           <p:spPr>
             <a:xfrm>
               <a:off x="-2" y="674688"/>
-              <a:ext cx="2479677" cy="2"/>
+              <a:ext cx="2479678" cy="3"/>
             </a:xfrm>
             <a:prstGeom prst="line">
               <a:avLst/>
@@ -11691,8 +12085,8 @@
           </p:nvSpPr>
           <p:spPr>
             <a:xfrm>
-              <a:off x="2352674" y="-1"/>
-              <a:ext cx="306388" cy="1223965"/>
+              <a:off x="2352675" y="-1"/>
+              <a:ext cx="306389" cy="1223967"/>
             </a:xfrm>
             <a:prstGeom prst="rect">
               <a:avLst/>
@@ -11717,6 +12111,10 @@
                   <a:solidFill>
                     <a:srgbClr val="FFFFFF"/>
                   </a:solidFill>
+                  <a:latin typeface="+mj-lt"/>
+                  <a:ea typeface="+mj-ea"/>
+                  <a:cs typeface="+mj-cs"/>
+                  <a:sym typeface="Calibri"/>
                 </a:defRPr>
               </a:pPr>
             </a:p>
@@ -11730,8 +12128,8 @@
           </p:nvSpPr>
           <p:spPr>
             <a:xfrm>
-              <a:off x="2770186" y="742950"/>
-              <a:ext cx="6384438" cy="447039"/>
+              <a:off x="2770187" y="742950"/>
+              <a:ext cx="6384436" cy="447037"/>
             </a:xfrm>
             <a:prstGeom prst="rect">
               <a:avLst/>
@@ -11782,10 +12180,10 @@
         </p:nvGrpSpPr>
         <p:grpSpPr>
           <a:xfrm>
-            <a:off x="211041" y="2418279"/>
-            <a:ext cx="5748851" cy="3055236"/>
-            <a:chOff x="0" y="-1"/>
-            <a:chExt cx="5748850" cy="3055235"/>
+            <a:off x="211039" y="2418276"/>
+            <a:ext cx="5748855" cy="3055240"/>
+            <a:chOff x="-1" y="-1"/>
+            <a:chExt cx="5748853" cy="3055238"/>
           </a:xfrm>
         </p:grpSpPr>
         <p:grpSp>
@@ -11796,10 +12194,10 @@
           </p:nvGrpSpPr>
           <p:grpSpPr>
             <a:xfrm>
-              <a:off x="2413641" y="-2"/>
-              <a:ext cx="1195955" cy="763326"/>
-              <a:chOff x="0" y="0"/>
-              <a:chExt cx="1195954" cy="763325"/>
+              <a:off x="2413640" y="-2"/>
+              <a:ext cx="1195957" cy="763328"/>
+              <a:chOff x="-1" y="0"/>
+              <a:chExt cx="1195956" cy="763327"/>
             </a:xfrm>
           </p:grpSpPr>
           <p:sp>
@@ -11811,7 +12209,7 @@
             <p:spPr>
               <a:xfrm>
                 <a:off x="10867" y="23576"/>
-                <a:ext cx="1119437" cy="739749"/>
+                <a:ext cx="1119438" cy="739751"/>
               </a:xfrm>
               <a:prstGeom prst="rect">
                 <a:avLst/>
@@ -11836,6 +12234,10 @@
                     <a:solidFill>
                       <a:srgbClr val="FFFFFF"/>
                     </a:solidFill>
+                    <a:latin typeface="+mj-lt"/>
+                    <a:ea typeface="+mj-ea"/>
+                    <a:cs typeface="+mj-cs"/>
+                    <a:sym typeface="Calibri"/>
                   </a:defRPr>
                 </a:pPr>
               </a:p>
@@ -11849,8 +12251,8 @@
             </p:nvSpPr>
             <p:spPr>
               <a:xfrm>
-                <a:off x="-1" y="324290"/>
-                <a:ext cx="1108566" cy="3"/>
+                <a:off x="-2" y="324290"/>
+                <a:ext cx="1108568" cy="4"/>
               </a:xfrm>
               <a:prstGeom prst="line">
                 <a:avLst/>
@@ -11883,8 +12285,8 @@
             </p:nvSpPr>
             <p:spPr>
               <a:xfrm>
-                <a:off x="-1" y="564208"/>
-                <a:ext cx="1108566" cy="2"/>
+                <a:off x="-2" y="564208"/>
+                <a:ext cx="1108568" cy="3"/>
               </a:xfrm>
               <a:prstGeom prst="line">
                 <a:avLst/>
@@ -11918,7 +12320,7 @@
             <p:spPr>
               <a:xfrm>
                 <a:off x="89266" y="-1"/>
-                <a:ext cx="1106688" cy="332739"/>
+                <a:ext cx="1106690" cy="332737"/>
               </a:xfrm>
               <a:prstGeom prst="rect">
                 <a:avLst/>
@@ -11945,6 +12347,10 @@
                     <a:solidFill>
                       <a:srgbClr val="FFFFFF"/>
                     </a:solidFill>
+                    <a:latin typeface="+mj-lt"/>
+                    <a:ea typeface="+mj-ea"/>
+                    <a:cs typeface="+mj-cs"/>
+                    <a:sym typeface="Calibri"/>
                   </a:defRPr>
                 </a:lvl1pPr>
               </a:lstStyle>
@@ -11965,10 +12371,10 @@
           </p:nvGrpSpPr>
           <p:grpSpPr>
             <a:xfrm>
-              <a:off x="4292440" y="1128692"/>
-              <a:ext cx="1456411" cy="765233"/>
-              <a:chOff x="-1" y="0"/>
-              <a:chExt cx="1456410" cy="765232"/>
+              <a:off x="4292439" y="1128693"/>
+              <a:ext cx="1456414" cy="765235"/>
+              <a:chOff x="0" y="0"/>
+              <a:chExt cx="1456413" cy="765234"/>
             </a:xfrm>
           </p:grpSpPr>
           <p:sp>
@@ -11979,8 +12385,8 @@
             </p:nvSpPr>
             <p:spPr>
               <a:xfrm>
-                <a:off x="77092" y="25486"/>
-                <a:ext cx="1119433" cy="739747"/>
+                <a:off x="77093" y="25486"/>
+                <a:ext cx="1119434" cy="739749"/>
               </a:xfrm>
               <a:prstGeom prst="rect">
                 <a:avLst/>
@@ -12005,6 +12411,10 @@
                     <a:solidFill>
                       <a:srgbClr val="FFFFFF"/>
                     </a:solidFill>
+                    <a:latin typeface="+mj-lt"/>
+                    <a:ea typeface="+mj-ea"/>
+                    <a:cs typeface="+mj-cs"/>
+                    <a:sym typeface="Calibri"/>
                   </a:defRPr>
                 </a:pPr>
               </a:p>
@@ -12018,8 +12428,8 @@
             </p:nvSpPr>
             <p:spPr>
               <a:xfrm>
-                <a:off x="66224" y="326199"/>
-                <a:ext cx="1108564" cy="2"/>
+                <a:off x="66225" y="326199"/>
+                <a:ext cx="1108565" cy="3"/>
               </a:xfrm>
               <a:prstGeom prst="line">
                 <a:avLst/>
@@ -12052,8 +12462,8 @@
             </p:nvSpPr>
             <p:spPr>
               <a:xfrm>
-                <a:off x="66224" y="566117"/>
-                <a:ext cx="1108564" cy="2"/>
+                <a:off x="66225" y="566117"/>
+                <a:ext cx="1108565" cy="3"/>
               </a:xfrm>
               <a:prstGeom prst="line">
                 <a:avLst/>
@@ -12086,8 +12496,8 @@
             </p:nvSpPr>
             <p:spPr>
               <a:xfrm>
-                <a:off x="-2" y="0"/>
-                <a:ext cx="1456412" cy="332739"/>
+                <a:off x="-1" y="0"/>
+                <a:ext cx="1456414" cy="332737"/>
               </a:xfrm>
               <a:prstGeom prst="rect">
                 <a:avLst/>
@@ -12114,6 +12524,10 @@
                     <a:solidFill>
                       <a:srgbClr val="FFFFFF"/>
                     </a:solidFill>
+                    <a:latin typeface="+mj-lt"/>
+                    <a:ea typeface="+mj-ea"/>
+                    <a:cs typeface="+mj-cs"/>
+                    <a:sym typeface="Calibri"/>
                   </a:defRPr>
                 </a:lvl1pPr>
               </a:lstStyle>
@@ -12134,10 +12548,10 @@
           </p:nvGrpSpPr>
           <p:grpSpPr>
             <a:xfrm>
-              <a:off x="688941" y="2288871"/>
-              <a:ext cx="1937013" cy="752100"/>
-              <a:chOff x="0" y="0"/>
-              <a:chExt cx="1937011" cy="752099"/>
+              <a:off x="688940" y="2288871"/>
+              <a:ext cx="1937016" cy="752102"/>
+              <a:chOff x="-1" y="0"/>
+              <a:chExt cx="1937015" cy="752100"/>
             </a:xfrm>
           </p:grpSpPr>
           <p:sp>
@@ -12149,7 +12563,7 @@
             <p:spPr>
               <a:xfrm>
                 <a:off x="51473" y="12353"/>
-                <a:ext cx="1758597" cy="739746"/>
+                <a:ext cx="1758600" cy="739748"/>
               </a:xfrm>
               <a:prstGeom prst="rect">
                 <a:avLst/>
@@ -12174,6 +12588,10 @@
                     <a:solidFill>
                       <a:srgbClr val="FFFFFF"/>
                     </a:solidFill>
+                    <a:latin typeface="+mj-lt"/>
+                    <a:ea typeface="+mj-ea"/>
+                    <a:cs typeface="+mj-cs"/>
+                    <a:sym typeface="Calibri"/>
                   </a:defRPr>
                 </a:pPr>
               </a:p>
@@ -12188,7 +12606,7 @@
             <p:spPr>
               <a:xfrm>
                 <a:off x="34400" y="313066"/>
-                <a:ext cx="1741522" cy="2"/>
+                <a:ext cx="1741524" cy="3"/>
               </a:xfrm>
               <a:prstGeom prst="line">
                 <a:avLst/>
@@ -12222,7 +12640,7 @@
             <p:spPr>
               <a:xfrm>
                 <a:off x="34400" y="552984"/>
-                <a:ext cx="1741522" cy="2"/>
+                <a:ext cx="1741524" cy="3"/>
               </a:xfrm>
               <a:prstGeom prst="line">
                 <a:avLst/>
@@ -12255,8 +12673,8 @@
             </p:nvSpPr>
             <p:spPr>
               <a:xfrm>
-                <a:off x="-1" y="-1"/>
-                <a:ext cx="1937013" cy="574039"/>
+                <a:off x="-2" y="-1"/>
+                <a:ext cx="1937017" cy="574037"/>
               </a:xfrm>
               <a:prstGeom prst="rect">
                 <a:avLst/>
@@ -12283,6 +12701,10 @@
                     <a:solidFill>
                       <a:srgbClr val="FFFFFF"/>
                     </a:solidFill>
+                    <a:latin typeface="+mj-lt"/>
+                    <a:ea typeface="+mj-ea"/>
+                    <a:cs typeface="+mj-cs"/>
+                    <a:sym typeface="Calibri"/>
                   </a:defRPr>
                 </a:lvl1pPr>
               </a:lstStyle>
@@ -12303,10 +12725,10 @@
           </p:nvGrpSpPr>
           <p:grpSpPr>
             <a:xfrm>
-              <a:off x="0" y="1166742"/>
-              <a:ext cx="1558660" cy="739749"/>
-              <a:chOff x="0" y="-1"/>
-              <a:chExt cx="1558659" cy="739748"/>
+              <a:off x="-2" y="1166742"/>
+              <a:ext cx="1558662" cy="739751"/>
+              <a:chOff x="-1" y="-1"/>
+              <a:chExt cx="1558661" cy="739750"/>
             </a:xfrm>
           </p:grpSpPr>
           <p:sp>
@@ -12318,7 +12740,7 @@
             <p:spPr>
               <a:xfrm>
                 <a:off x="70694" y="-2"/>
-                <a:ext cx="1412952" cy="739749"/>
+                <a:ext cx="1412953" cy="739751"/>
               </a:xfrm>
               <a:prstGeom prst="rect">
                 <a:avLst/>
@@ -12343,6 +12765,10 @@
                     <a:solidFill>
                       <a:srgbClr val="FFFFFF"/>
                     </a:solidFill>
+                    <a:latin typeface="+mj-lt"/>
+                    <a:ea typeface="+mj-ea"/>
+                    <a:cs typeface="+mj-cs"/>
+                    <a:sym typeface="Calibri"/>
                   </a:defRPr>
                 </a:pPr>
               </a:p>
@@ -12356,8 +12782,8 @@
             </p:nvSpPr>
             <p:spPr>
               <a:xfrm>
-                <a:off x="56976" y="300713"/>
-                <a:ext cx="1399234" cy="2"/>
+                <a:off x="56975" y="300714"/>
+                <a:ext cx="1399237" cy="3"/>
               </a:xfrm>
               <a:prstGeom prst="line">
                 <a:avLst/>
@@ -12390,8 +12816,8 @@
             </p:nvSpPr>
             <p:spPr>
               <a:xfrm>
-                <a:off x="56976" y="540631"/>
-                <a:ext cx="1399234" cy="1"/>
+                <a:off x="56975" y="540632"/>
+                <a:ext cx="1399237" cy="2"/>
               </a:xfrm>
               <a:prstGeom prst="line">
                 <a:avLst/>
@@ -12424,8 +12850,8 @@
             </p:nvSpPr>
             <p:spPr>
               <a:xfrm>
-                <a:off x="-1" y="13689"/>
-                <a:ext cx="1558660" cy="332739"/>
+                <a:off x="-2" y="13690"/>
+                <a:ext cx="1558662" cy="332737"/>
               </a:xfrm>
               <a:prstGeom prst="rect">
                 <a:avLst/>
@@ -12452,6 +12878,10 @@
                     <a:solidFill>
                       <a:srgbClr val="FFFFFF"/>
                     </a:solidFill>
+                    <a:latin typeface="+mj-lt"/>
+                    <a:ea typeface="+mj-ea"/>
+                    <a:cs typeface="+mj-cs"/>
+                    <a:sym typeface="Calibri"/>
                   </a:defRPr>
                 </a:lvl1pPr>
               </a:lstStyle>
@@ -12472,10 +12902,10 @@
           </p:nvGrpSpPr>
           <p:grpSpPr>
             <a:xfrm>
-              <a:off x="2999736" y="2301222"/>
-              <a:ext cx="1806061" cy="754012"/>
-              <a:chOff x="0" y="-1"/>
-              <a:chExt cx="1806060" cy="754011"/>
+              <a:off x="2999735" y="2301222"/>
+              <a:ext cx="1806064" cy="754015"/>
+              <a:chOff x="0" y="0"/>
+              <a:chExt cx="1806063" cy="754014"/>
             </a:xfrm>
           </p:grpSpPr>
           <p:sp>
@@ -12486,8 +12916,8 @@
             </p:nvSpPr>
             <p:spPr>
               <a:xfrm>
-                <a:off x="41373" y="14262"/>
-                <a:ext cx="1645418" cy="739749"/>
+                <a:off x="41373" y="14263"/>
+                <a:ext cx="1645420" cy="739751"/>
               </a:xfrm>
               <a:prstGeom prst="rect">
                 <a:avLst/>
@@ -12512,6 +12942,10 @@
                     <a:solidFill>
                       <a:srgbClr val="FFFFFF"/>
                     </a:solidFill>
+                    <a:latin typeface="+mj-lt"/>
+                    <a:ea typeface="+mj-ea"/>
+                    <a:cs typeface="+mj-cs"/>
+                    <a:sym typeface="Calibri"/>
                   </a:defRPr>
                 </a:pPr>
               </a:p>
@@ -12525,8 +12959,8 @@
             </p:nvSpPr>
             <p:spPr>
               <a:xfrm>
-                <a:off x="25397" y="314975"/>
-                <a:ext cx="1629442" cy="2"/>
+                <a:off x="25397" y="314976"/>
+                <a:ext cx="1629444" cy="3"/>
               </a:xfrm>
               <a:prstGeom prst="line">
                 <a:avLst/>
@@ -12559,8 +12993,8 @@
             </p:nvSpPr>
             <p:spPr>
               <a:xfrm>
-                <a:off x="25397" y="554893"/>
-                <a:ext cx="1629442" cy="2"/>
+                <a:off x="25397" y="554894"/>
+                <a:ext cx="1629444" cy="3"/>
               </a:xfrm>
               <a:prstGeom prst="line">
                 <a:avLst/>
@@ -12593,8 +13027,8 @@
             </p:nvSpPr>
             <p:spPr>
               <a:xfrm>
-                <a:off x="-1" y="-2"/>
-                <a:ext cx="1806062" cy="332739"/>
+                <a:off x="-1" y="-1"/>
+                <a:ext cx="1806064" cy="332737"/>
               </a:xfrm>
               <a:prstGeom prst="rect">
                 <a:avLst/>
@@ -12621,6 +13055,10 @@
                     <a:solidFill>
                       <a:srgbClr val="FFFFFF"/>
                     </a:solidFill>
+                    <a:latin typeface="+mj-lt"/>
+                    <a:ea typeface="+mj-ea"/>
+                    <a:cs typeface="+mj-cs"/>
+                    <a:sym typeface="Calibri"/>
                   </a:defRPr>
                 </a:lvl1pPr>
               </a:lstStyle>
@@ -12641,10 +13079,10 @@
           </p:nvGrpSpPr>
           <p:grpSpPr>
             <a:xfrm>
-              <a:off x="1770886" y="807281"/>
-              <a:ext cx="1208685" cy="1503525"/>
+              <a:off x="1770886" y="807282"/>
+              <a:ext cx="1208687" cy="1503528"/>
               <a:chOff x="0" y="8538"/>
-              <a:chExt cx="1208684" cy="1503524"/>
+              <a:chExt cx="1208686" cy="1503526"/>
             </a:xfrm>
           </p:grpSpPr>
           <p:sp>
@@ -12656,7 +13094,7 @@
             <p:spPr>
               <a:xfrm rot="2324941">
                 <a:off x="1010830" y="49354"/>
-                <a:ext cx="176371" cy="130672"/>
+                <a:ext cx="176373" cy="130673"/>
               </a:xfrm>
               <a:prstGeom prst="triangle">
                 <a:avLst/>
@@ -12684,6 +13122,10 @@
                     <a:solidFill>
                       <a:srgbClr val="FFFFFF"/>
                     </a:solidFill>
+                    <a:latin typeface="+mj-lt"/>
+                    <a:ea typeface="+mj-ea"/>
+                    <a:cs typeface="+mj-cs"/>
+                    <a:sym typeface="Calibri"/>
                   </a:defRPr>
                 </a:pPr>
               </a:p>
@@ -12698,7 +13140,7 @@
             <p:spPr>
               <a:xfrm flipH="1">
                 <a:off x="0" y="165645"/>
-                <a:ext cx="1058122" cy="1346419"/>
+                <a:ext cx="1058124" cy="1346421"/>
               </a:xfrm>
               <a:prstGeom prst="line">
                 <a:avLst/>
@@ -12732,10 +13174,10 @@
           </p:nvGrpSpPr>
           <p:grpSpPr>
             <a:xfrm>
-              <a:off x="1510533" y="726801"/>
-              <a:ext cx="1124839" cy="946002"/>
-              <a:chOff x="0" y="11221"/>
-              <a:chExt cx="1124838" cy="946000"/>
+              <a:off x="1510533" y="726802"/>
+              <a:ext cx="1124842" cy="946004"/>
+              <a:chOff x="0" y="11222"/>
+              <a:chExt cx="1124840" cy="946003"/>
             </a:xfrm>
           </p:grpSpPr>
           <p:sp>
@@ -12746,8 +13188,8 @@
             </p:nvSpPr>
             <p:spPr>
               <a:xfrm rot="3320674">
-                <a:off x="932763" y="55578"/>
-                <a:ext cx="176372" cy="130672"/>
+                <a:off x="932763" y="55579"/>
+                <a:ext cx="176374" cy="130673"/>
               </a:xfrm>
               <a:prstGeom prst="triangle">
                 <a:avLst/>
@@ -12775,6 +13217,10 @@
                     <a:solidFill>
                       <a:srgbClr val="FFFFFF"/>
                     </a:solidFill>
+                    <a:latin typeface="+mj-lt"/>
+                    <a:ea typeface="+mj-ea"/>
+                    <a:cs typeface="+mj-cs"/>
+                    <a:sym typeface="Calibri"/>
                   </a:defRPr>
                 </a:pPr>
               </a:p>
@@ -12788,8 +13234,8 @@
             </p:nvSpPr>
             <p:spPr>
               <a:xfrm flipH="1">
-                <a:off x="0" y="156491"/>
-                <a:ext cx="960103" cy="800732"/>
+                <a:off x="0" y="156492"/>
+                <a:ext cx="960105" cy="800734"/>
               </a:xfrm>
               <a:prstGeom prst="line">
                 <a:avLst/>
@@ -12823,10 +13269,10 @@
           </p:nvGrpSpPr>
           <p:grpSpPr>
             <a:xfrm>
-              <a:off x="3363293" y="773498"/>
-              <a:ext cx="905813" cy="785250"/>
+              <a:off x="3363293" y="773499"/>
+              <a:ext cx="905816" cy="785252"/>
               <a:chOff x="9967" y="9314"/>
-              <a:chExt cx="905812" cy="785249"/>
+              <a:chExt cx="905815" cy="785251"/>
             </a:xfrm>
           </p:grpSpPr>
           <p:sp>
@@ -12837,8 +13283,8 @@
             </p:nvSpPr>
             <p:spPr>
               <a:xfrm rot="19016398">
-                <a:off x="30822" y="51925"/>
-                <a:ext cx="176372" cy="130672"/>
+                <a:off x="30823" y="51925"/>
+                <a:ext cx="176373" cy="130674"/>
               </a:xfrm>
               <a:prstGeom prst="triangle">
                 <a:avLst/>
@@ -12866,6 +13312,10 @@
                     <a:solidFill>
                       <a:srgbClr val="FFFFFF"/>
                     </a:solidFill>
+                    <a:latin typeface="+mj-lt"/>
+                    <a:ea typeface="+mj-ea"/>
+                    <a:cs typeface="+mj-cs"/>
+                    <a:sym typeface="Calibri"/>
                   </a:defRPr>
                 </a:pPr>
               </a:p>
@@ -12879,8 +13329,8 @@
             </p:nvSpPr>
             <p:spPr>
               <a:xfrm>
-                <a:off x="163616" y="164996"/>
-                <a:ext cx="752165" cy="629568"/>
+                <a:off x="163617" y="164997"/>
+                <a:ext cx="752167" cy="629570"/>
               </a:xfrm>
               <a:prstGeom prst="line">
                 <a:avLst/>
@@ -12915,9 +13365,9 @@
           <p:grpSpPr>
             <a:xfrm>
               <a:off x="3057825" y="822602"/>
-              <a:ext cx="805995" cy="1454809"/>
+              <a:ext cx="805998" cy="1454812"/>
               <a:chOff x="11814" y="6821"/>
-              <a:chExt cx="805994" cy="1454807"/>
+              <a:chExt cx="805997" cy="1454810"/>
             </a:xfrm>
           </p:grpSpPr>
           <p:sp>
@@ -12928,8 +13378,8 @@
             </p:nvSpPr>
             <p:spPr>
               <a:xfrm rot="19800000">
-                <a:off x="32667" y="42160"/>
-                <a:ext cx="176372" cy="130672"/>
+                <a:off x="32668" y="42160"/>
+                <a:ext cx="176373" cy="130674"/>
               </a:xfrm>
               <a:prstGeom prst="triangle">
                 <a:avLst/>
@@ -12957,6 +13407,10 @@
                     <a:solidFill>
                       <a:srgbClr val="FFFFFF"/>
                     </a:solidFill>
+                    <a:latin typeface="+mj-lt"/>
+                    <a:ea typeface="+mj-ea"/>
+                    <a:cs typeface="+mj-cs"/>
+                    <a:sym typeface="Calibri"/>
                   </a:defRPr>
                 </a:pPr>
               </a:p>
@@ -12970,8 +13424,8 @@
             </p:nvSpPr>
             <p:spPr>
               <a:xfrm>
-                <a:off x="131923" y="139026"/>
-                <a:ext cx="685887" cy="1322603"/>
+                <a:off x="131924" y="139026"/>
+                <a:ext cx="685889" cy="1322606"/>
               </a:xfrm>
               <a:prstGeom prst="line">
                 <a:avLst/>
@@ -13007,7 +13461,7 @@
         <p:spPr>
           <a:xfrm>
             <a:off x="7240871" y="2938359"/>
-            <a:ext cx="4623901" cy="2529839"/>
+            <a:ext cx="4623898" cy="2529837"/>
           </a:xfrm>
           <a:prstGeom prst="rect">
             <a:avLst/>
@@ -13035,6 +13489,10 @@
                 <a:solidFill>
                   <a:srgbClr val="FFFFFF"/>
                 </a:solidFill>
+                <a:latin typeface="+mj-lt"/>
+                <a:ea typeface="+mj-ea"/>
+                <a:cs typeface="+mj-cs"/>
+                <a:sym typeface="Calibri"/>
               </a:defRPr>
             </a:pPr>
             <a:r>
@@ -13068,6 +13526,10 @@
                 <a:solidFill>
                   <a:srgbClr val="FFFFFF"/>
                 </a:solidFill>
+                <a:latin typeface="+mj-lt"/>
+                <a:ea typeface="+mj-ea"/>
+                <a:cs typeface="+mj-cs"/>
+                <a:sym typeface="Calibri"/>
               </a:defRPr>
             </a:pPr>
             <a:r>
@@ -13092,6 +13554,10 @@
                 <a:solidFill>
                   <a:srgbClr val="FFFFFF"/>
                 </a:solidFill>
+                <a:latin typeface="+mj-lt"/>
+                <a:ea typeface="+mj-ea"/>
+                <a:cs typeface="+mj-cs"/>
+                <a:sym typeface="Calibri"/>
               </a:defRPr>
             </a:pPr>
           </a:p>
@@ -13104,6 +13570,10 @@
                 <a:solidFill>
                   <a:srgbClr val="FFFFFF"/>
                 </a:solidFill>
+                <a:latin typeface="+mj-lt"/>
+                <a:ea typeface="+mj-ea"/>
+                <a:cs typeface="+mj-cs"/>
+                <a:sym typeface="Calibri"/>
               </a:defRPr>
             </a:pPr>
             <a:r>
@@ -13137,6 +13607,10 @@
                 <a:solidFill>
                   <a:srgbClr val="FFFFFF"/>
                 </a:solidFill>
+                <a:latin typeface="+mj-lt"/>
+                <a:ea typeface="+mj-ea"/>
+                <a:cs typeface="+mj-cs"/>
+                <a:sym typeface="Calibri"/>
               </a:defRPr>
             </a:pPr>
             <a:r>
@@ -13161,6 +13635,10 @@
                 <a:solidFill>
                   <a:srgbClr val="FFFFFF"/>
                 </a:solidFill>
+                <a:latin typeface="+mj-lt"/>
+                <a:ea typeface="+mj-ea"/>
+                <a:cs typeface="+mj-cs"/>
+                <a:sym typeface="Calibri"/>
               </a:defRPr>
             </a:pPr>
           </a:p>
@@ -13173,6 +13651,10 @@
                 <a:solidFill>
                   <a:srgbClr val="FFFFFF"/>
                 </a:solidFill>
+                <a:latin typeface="+mj-lt"/>
+                <a:ea typeface="+mj-ea"/>
+                <a:cs typeface="+mj-cs"/>
+                <a:sym typeface="Calibri"/>
               </a:defRPr>
             </a:pPr>
             <a:r>
@@ -13206,6 +13688,10 @@
                 <a:solidFill>
                   <a:srgbClr val="FFFFFF"/>
                 </a:solidFill>
+                <a:latin typeface="+mj-lt"/>
+                <a:ea typeface="+mj-ea"/>
+                <a:cs typeface="+mj-cs"/>
+                <a:sym typeface="Calibri"/>
               </a:defRPr>
             </a:pPr>
             <a:r>
@@ -13257,8 +13743,8 @@
         </p:nvSpPr>
         <p:spPr>
           <a:xfrm>
-            <a:off x="1829401" y="304141"/>
-            <a:ext cx="6860191" cy="802639"/>
+            <a:off x="1829400" y="304141"/>
+            <a:ext cx="6860190" cy="802637"/>
           </a:xfrm>
           <a:prstGeom prst="rect">
             <a:avLst/>
@@ -13283,6 +13769,10 @@
                 <a:solidFill>
                   <a:srgbClr val="FFFFFF"/>
                 </a:solidFill>
+                <a:latin typeface="+mj-lt"/>
+                <a:ea typeface="+mj-ea"/>
+                <a:cs typeface="+mj-cs"/>
+                <a:sym typeface="Calibri"/>
               </a:defRPr>
             </a:pPr>
             <a:r>
@@ -13320,10 +13810,10 @@
         </p:nvGrpSpPr>
         <p:grpSpPr>
           <a:xfrm>
-            <a:off x="-661990" y="314323"/>
-            <a:ext cx="11418893" cy="1223965"/>
+            <a:off x="-661992" y="314322"/>
+            <a:ext cx="11418896" cy="1223966"/>
             <a:chOff x="-1" y="0"/>
-            <a:chExt cx="11418891" cy="1223964"/>
+            <a:chExt cx="11418895" cy="1223965"/>
           </a:xfrm>
         </p:grpSpPr>
         <p:sp>
@@ -13334,8 +13824,8 @@
           </p:nvSpPr>
           <p:spPr>
             <a:xfrm>
-              <a:off x="2352674" y="671513"/>
-              <a:ext cx="9066217" cy="552451"/>
+              <a:off x="2352675" y="671513"/>
+              <a:ext cx="9066219" cy="552452"/>
             </a:xfrm>
             <a:prstGeom prst="rect">
               <a:avLst/>
@@ -13362,6 +13852,10 @@
                   <a:solidFill>
                     <a:srgbClr val="FFFFFF"/>
                   </a:solidFill>
+                  <a:latin typeface="+mj-lt"/>
+                  <a:ea typeface="+mj-ea"/>
+                  <a:cs typeface="+mj-cs"/>
+                  <a:sym typeface="Calibri"/>
                 </a:defRPr>
               </a:pPr>
             </a:p>
@@ -13376,7 +13870,7 @@
           <p:spPr>
             <a:xfrm>
               <a:off x="-2" y="674688"/>
-              <a:ext cx="2479677" cy="2"/>
+              <a:ext cx="2479678" cy="3"/>
             </a:xfrm>
             <a:prstGeom prst="line">
               <a:avLst/>
@@ -13409,8 +13903,8 @@
           </p:nvSpPr>
           <p:spPr>
             <a:xfrm>
-              <a:off x="2352674" y="-1"/>
-              <a:ext cx="306388" cy="1223965"/>
+              <a:off x="2352675" y="-1"/>
+              <a:ext cx="306389" cy="1223967"/>
             </a:xfrm>
             <a:prstGeom prst="rect">
               <a:avLst/>
@@ -13435,6 +13929,10 @@
                   <a:solidFill>
                     <a:srgbClr val="FFFFFF"/>
                   </a:solidFill>
+                  <a:latin typeface="+mj-lt"/>
+                  <a:ea typeface="+mj-ea"/>
+                  <a:cs typeface="+mj-cs"/>
+                  <a:sym typeface="Calibri"/>
                 </a:defRPr>
               </a:pPr>
             </a:p>
@@ -13448,8 +13946,8 @@
           </p:nvSpPr>
           <p:spPr>
             <a:xfrm>
-              <a:off x="2770187" y="742950"/>
-              <a:ext cx="6934854" cy="447039"/>
+              <a:off x="2770188" y="742950"/>
+              <a:ext cx="6934852" cy="447037"/>
             </a:xfrm>
             <a:prstGeom prst="rect">
               <a:avLst/>
@@ -13501,7 +13999,7 @@
         <p:spPr>
           <a:xfrm flipH="1">
             <a:off x="466723" y="1871658"/>
-            <a:ext cx="4" cy="1046164"/>
+            <a:ext cx="5" cy="1046164"/>
           </a:xfrm>
           <a:prstGeom prst="line">
             <a:avLst/>
@@ -13529,8 +14027,8 @@
         </p:nvSpPr>
         <p:spPr>
           <a:xfrm>
-            <a:off x="808036" y="1994492"/>
-            <a:ext cx="3273428" cy="1043939"/>
+            <a:off x="808035" y="1994492"/>
+            <a:ext cx="3273430" cy="1043937"/>
           </a:xfrm>
           <a:prstGeom prst="rect">
             <a:avLst/>
@@ -13624,7 +14122,7 @@
         <p:spPr>
           <a:xfrm>
             <a:off x="2216149" y="3176583"/>
-            <a:ext cx="1" cy="539752"/>
+            <a:ext cx="2" cy="539753"/>
           </a:xfrm>
           <a:prstGeom prst="line">
             <a:avLst/>
@@ -13653,7 +14151,7 @@
         <p:spPr>
           <a:xfrm>
             <a:off x="1196975" y="3179759"/>
-            <a:ext cx="1930401" cy="2"/>
+            <a:ext cx="1930402" cy="3"/>
           </a:xfrm>
           <a:prstGeom prst="line">
             <a:avLst/>
@@ -13681,8 +14179,8 @@
         </p:nvSpPr>
         <p:spPr>
           <a:xfrm>
-            <a:off x="579436" y="3948181"/>
-            <a:ext cx="3273428" cy="802639"/>
+            <a:off x="579435" y="3948181"/>
+            <a:ext cx="3273430" cy="802637"/>
           </a:xfrm>
           <a:prstGeom prst="rect">
             <a:avLst/>
@@ -13730,7 +14228,7 @@
         <p:spPr>
           <a:xfrm>
             <a:off x="1084262" y="5479193"/>
-            <a:ext cx="10490201" cy="821689"/>
+            <a:ext cx="10490201" cy="821687"/>
           </a:xfrm>
           <a:prstGeom prst="rect">
             <a:avLst/>
@@ -13839,7 +14337,7 @@
         <p:spPr>
           <a:xfrm>
             <a:off x="2216149" y="4897435"/>
-            <a:ext cx="1" cy="504827"/>
+            <a:ext cx="2" cy="504828"/>
           </a:xfrm>
           <a:prstGeom prst="line">
             <a:avLst/>
@@ -13867,8 +14365,8 @@
         </p:nvSpPr>
         <p:spPr>
           <a:xfrm>
-            <a:off x="642936" y="5424487"/>
-            <a:ext cx="10931528" cy="9526"/>
+            <a:off x="642935" y="5424487"/>
+            <a:ext cx="10931530" cy="9527"/>
           </a:xfrm>
           <a:prstGeom prst="line">
             <a:avLst/>
@@ -13896,10 +14394,10 @@
         </p:nvGrpSpPr>
         <p:grpSpPr>
           <a:xfrm>
-            <a:off x="4651375" y="2163759"/>
-            <a:ext cx="7128343" cy="2656786"/>
+            <a:off x="4651374" y="2163758"/>
+            <a:ext cx="7128342" cy="2656788"/>
             <a:chOff x="0" y="0"/>
-            <a:chExt cx="7128342" cy="2656784"/>
+            <a:chExt cx="7128341" cy="2656787"/>
           </a:xfrm>
         </p:grpSpPr>
         <p:sp>
@@ -13910,8 +14408,8 @@
           </p:nvSpPr>
           <p:spPr>
             <a:xfrm>
-              <a:off x="0" y="363711"/>
-              <a:ext cx="6791326" cy="2293074"/>
+              <a:off x="-1" y="363711"/>
+              <a:ext cx="6791329" cy="2293076"/>
             </a:xfrm>
             <a:prstGeom prst="rect">
               <a:avLst/>
@@ -13936,6 +14434,10 @@
                   <a:solidFill>
                     <a:srgbClr val="FFFFFF"/>
                   </a:solidFill>
+                  <a:latin typeface="+mj-lt"/>
+                  <a:ea typeface="+mj-ea"/>
+                  <a:cs typeface="+mj-cs"/>
+                  <a:sym typeface="Calibri"/>
                 </a:defRPr>
               </a:pPr>
             </a:p>
@@ -13949,8 +14451,8 @@
           </p:nvSpPr>
           <p:spPr>
             <a:xfrm>
-              <a:off x="2739" y="-1"/>
-              <a:ext cx="1180992" cy="408939"/>
+              <a:off x="2738" y="-1"/>
+              <a:ext cx="1180993" cy="408937"/>
             </a:xfrm>
             <a:prstGeom prst="rect">
               <a:avLst/>
@@ -14002,8 +14504,8 @@
           </p:nvSpPr>
           <p:spPr>
             <a:xfrm>
-              <a:off x="228601" y="595052"/>
-              <a:ext cx="6899742" cy="1945639"/>
+              <a:off x="228600" y="595052"/>
+              <a:ext cx="6899741" cy="1945637"/>
             </a:xfrm>
             <a:prstGeom prst="rect">
               <a:avLst/>
@@ -14034,6 +14536,10 @@
                   <a:solidFill>
                     <a:srgbClr val="FFFFFF"/>
                   </a:solidFill>
+                  <a:latin typeface="+mj-lt"/>
+                  <a:ea typeface="+mj-ea"/>
+                  <a:cs typeface="+mj-cs"/>
+                  <a:sym typeface="Calibri"/>
                 </a:defRPr>
               </a:pPr>
               <a:r>
@@ -14090,6 +14596,10 @@
                   <a:solidFill>
                     <a:srgbClr val="FFFFFF"/>
                   </a:solidFill>
+                  <a:latin typeface="+mj-lt"/>
+                  <a:ea typeface="+mj-ea"/>
+                  <a:cs typeface="+mj-cs"/>
+                  <a:sym typeface="Calibri"/>
                 </a:defRPr>
               </a:pPr>
               <a:r>
@@ -14123,6 +14633,10 @@
                   <a:solidFill>
                     <a:srgbClr val="FFFFFF"/>
                   </a:solidFill>
+                  <a:latin typeface="+mj-lt"/>
+                  <a:ea typeface="+mj-ea"/>
+                  <a:cs typeface="+mj-cs"/>
+                  <a:sym typeface="Calibri"/>
                 </a:defRPr>
               </a:pPr>
             </a:p>
@@ -14135,6 +14649,10 @@
                   <a:solidFill>
                     <a:srgbClr val="FFFFFF"/>
                   </a:solidFill>
+                  <a:latin typeface="+mj-lt"/>
+                  <a:ea typeface="+mj-ea"/>
+                  <a:cs typeface="+mj-cs"/>
+                  <a:sym typeface="Calibri"/>
                 </a:defRPr>
               </a:pPr>
               <a:r>
@@ -14181,6 +14699,10 @@
                   <a:solidFill>
                     <a:srgbClr val="FFFFFF"/>
                   </a:solidFill>
+                  <a:latin typeface="+mj-lt"/>
+                  <a:ea typeface="+mj-ea"/>
+                  <a:cs typeface="+mj-cs"/>
+                  <a:sym typeface="Calibri"/>
                 </a:defRPr>
               </a:pPr>
               <a:r>
@@ -14223,6 +14745,10 @@
                   <a:solidFill>
                     <a:srgbClr val="FFFFFF"/>
                   </a:solidFill>
+                  <a:latin typeface="+mj-lt"/>
+                  <a:ea typeface="+mj-ea"/>
+                  <a:cs typeface="+mj-cs"/>
+                  <a:sym typeface="Calibri"/>
                 </a:defRPr>
               </a:pPr>
               <a:r>
@@ -14288,7 +14814,7 @@
         <p:spPr>
           <a:xfrm>
             <a:off x="20297" y="452200"/>
-            <a:ext cx="4015739" cy="878839"/>
+            <a:ext cx="4015737" cy="878837"/>
           </a:xfrm>
           <a:prstGeom prst="rect">
             <a:avLst/>
@@ -14335,10 +14861,10 @@
         </p:nvGrpSpPr>
         <p:grpSpPr>
           <a:xfrm>
-            <a:off x="3229140" y="1288404"/>
-            <a:ext cx="5343150" cy="4559917"/>
+            <a:off x="3229138" y="1288403"/>
+            <a:ext cx="5343153" cy="4559919"/>
             <a:chOff x="-1" y="0"/>
-            <a:chExt cx="5343149" cy="4559916"/>
+            <a:chExt cx="5343152" cy="4559918"/>
           </a:xfrm>
         </p:grpSpPr>
         <p:grpSp>
@@ -14350,9 +14876,9 @@
           <p:grpSpPr>
             <a:xfrm>
               <a:off x="-2" y="1061055"/>
-              <a:ext cx="5343150" cy="3498861"/>
-              <a:chOff x="-1" y="-1"/>
-              <a:chExt cx="5343149" cy="3498860"/>
+              <a:ext cx="5343153" cy="3498863"/>
+              <a:chOff x="0" y="0"/>
+              <a:chExt cx="5343151" cy="3498862"/>
             </a:xfrm>
           </p:grpSpPr>
           <p:sp>
@@ -14363,8 +14889,8 @@
             </p:nvSpPr>
             <p:spPr>
               <a:xfrm flipH="1" rot="13926129">
-                <a:off x="110163" y="1002771"/>
-                <a:ext cx="1120777" cy="827089"/>
+                <a:off x="110163" y="1002772"/>
+                <a:ext cx="1120779" cy="827090"/>
               </a:xfrm>
               <a:custGeom>
                 <a:avLst/>
@@ -14453,8 +14979,8 @@
             </p:nvSpPr>
             <p:spPr>
               <a:xfrm flipH="1" rot="10597657">
-                <a:off x="1288882" y="2738702"/>
-                <a:ext cx="1038228" cy="730253"/>
+                <a:off x="1288883" y="2738704"/>
+                <a:ext cx="1038229" cy="730254"/>
               </a:xfrm>
               <a:custGeom>
                 <a:avLst/>
@@ -14543,8 +15069,8 @@
             </p:nvSpPr>
             <p:spPr>
               <a:xfrm flipH="1" rot="3362433">
-                <a:off x="4164641" y="309033"/>
-                <a:ext cx="1128714" cy="720727"/>
+                <a:off x="4164643" y="309034"/>
+                <a:ext cx="1128716" cy="720728"/>
               </a:xfrm>
               <a:custGeom>
                 <a:avLst/>
@@ -14633,8 +15159,8 @@
             </p:nvSpPr>
             <p:spPr>
               <a:xfrm>
-                <a:off x="1500020" y="11376"/>
-                <a:ext cx="2663827" cy="2663829"/>
+                <a:off x="1500021" y="11376"/>
+                <a:ext cx="2663829" cy="2663832"/>
               </a:xfrm>
               <a:prstGeom prst="ellipse">
                 <a:avLst/>
@@ -14677,8 +15203,8 @@
           </p:nvSpPr>
           <p:spPr>
             <a:xfrm flipH="1" rot="19778450">
-              <a:off x="1796883" y="235821"/>
-              <a:ext cx="1128715" cy="720727"/>
+              <a:off x="1796884" y="235821"/>
+              <a:ext cx="1128716" cy="720728"/>
             </a:xfrm>
             <a:custGeom>
               <a:avLst/>
@@ -14767,8 +15293,8 @@
           </p:nvSpPr>
           <p:spPr>
             <a:xfrm flipH="1" rot="6306812">
-              <a:off x="3964615" y="3313189"/>
-              <a:ext cx="1128713" cy="720728"/>
+              <a:off x="3964616" y="3313189"/>
+              <a:ext cx="1128714" cy="720729"/>
             </a:xfrm>
             <a:custGeom>
               <a:avLst/>
@@ -14859,7 +15385,7 @@
         <p:spPr>
           <a:xfrm>
             <a:off x="5301548" y="3018857"/>
-            <a:ext cx="1500190" cy="1513839"/>
+            <a:ext cx="1500191" cy="1513837"/>
           </a:xfrm>
           <a:prstGeom prst="rect">
             <a:avLst/>
@@ -14907,7 +15433,7 @@
         <p:spPr>
           <a:xfrm>
             <a:off x="2894850" y="2244049"/>
-            <a:ext cx="1768074" cy="726439"/>
+            <a:ext cx="1768072" cy="726437"/>
           </a:xfrm>
           <a:prstGeom prst="rect">
             <a:avLst/>
@@ -14968,8 +15494,8 @@
         </p:nvSpPr>
         <p:spPr>
           <a:xfrm>
-            <a:off x="2515292" y="4666710"/>
-            <a:ext cx="2212774" cy="408939"/>
+            <a:off x="2515291" y="4666710"/>
+            <a:ext cx="2212772" cy="408937"/>
           </a:xfrm>
           <a:prstGeom prst="rect">
             <a:avLst/>
@@ -15016,8 +15542,8 @@
         </p:nvSpPr>
         <p:spPr>
           <a:xfrm>
-            <a:off x="5629275" y="5532663"/>
-            <a:ext cx="2212773" cy="408939"/>
+            <a:off x="5629274" y="5532663"/>
+            <a:ext cx="2212772" cy="408937"/>
           </a:xfrm>
           <a:prstGeom prst="rect">
             <a:avLst/>
@@ -15065,7 +15591,7 @@
         <p:spPr>
           <a:xfrm>
             <a:off x="7758113" y="3765777"/>
-            <a:ext cx="2479547" cy="408939"/>
+            <a:ext cx="2479545" cy="408937"/>
           </a:xfrm>
           <a:prstGeom prst="rect">
             <a:avLst/>
@@ -15120,7 +15646,7 @@
         <p:spPr>
           <a:xfrm>
             <a:off x="6801735" y="1874927"/>
-            <a:ext cx="2479548" cy="408939"/>
+            <a:ext cx="2479545" cy="408937"/>
           </a:xfrm>
           <a:prstGeom prst="rect">
             <a:avLst/>
@@ -15167,8 +15693,8 @@
         </p:nvSpPr>
         <p:spPr>
           <a:xfrm>
-            <a:off x="-1" y="446086"/>
-            <a:ext cx="3321053" cy="3"/>
+            <a:off x="-2" y="446085"/>
+            <a:ext cx="3321054" cy="4"/>
           </a:xfrm>
           <a:prstGeom prst="line">
             <a:avLst/>
@@ -15196,8 +15722,8 @@
         </p:nvSpPr>
         <p:spPr>
           <a:xfrm>
-            <a:off x="-1" y="1271587"/>
-            <a:ext cx="11591928" cy="1"/>
+            <a:off x="-2" y="1271587"/>
+            <a:ext cx="11591930" cy="2"/>
           </a:xfrm>
           <a:prstGeom prst="line">
             <a:avLst/>
@@ -15862,13 +16388,13 @@
     </p:tnLst>
     <p:bldLst>
       <p:bldP build="whole" bldLvl="1" animBg="1" rev="0" advAuto="0" spid="134" grpId="2"/>
+      <p:bldP build="whole" bldLvl="1" animBg="1" rev="0" advAuto="0" spid="136" grpId="4"/>
+      <p:bldP build="whole" bldLvl="1" animBg="1" rev="0" advAuto="0" spid="132" grpId="8"/>
+      <p:bldP build="whole" bldLvl="1" animBg="1" rev="0" advAuto="0" spid="131" grpId="6"/>
+      <p:bldP build="whole" bldLvl="1" animBg="1" rev="0" advAuto="0" spid="135" grpId="3"/>
+      <p:bldP build="whole" bldLvl="1" animBg="1" rev="0" advAuto="0" spid="131" grpId="7"/>
       <p:bldP build="whole" bldLvl="1" animBg="1" rev="0" advAuto="0" spid="133" grpId="1"/>
-      <p:bldP build="whole" bldLvl="1" animBg="1" rev="0" advAuto="0" spid="131" grpId="6"/>
       <p:bldP build="whole" bldLvl="1" animBg="1" rev="0" advAuto="0" spid="137" grpId="5"/>
-      <p:bldP build="whole" bldLvl="1" animBg="1" rev="0" advAuto="0" spid="131" grpId="7"/>
-      <p:bldP build="whole" bldLvl="1" animBg="1" rev="0" advAuto="0" spid="132" grpId="8"/>
-      <p:bldP build="whole" bldLvl="1" animBg="1" rev="0" advAuto="0" spid="136" grpId="4"/>
-      <p:bldP build="whole" bldLvl="1" animBg="1" rev="0" advAuto="0" spid="135" grpId="3"/>
     </p:bldLst>
   </p:timing>
 </p:sld>
@@ -15899,8 +16425,8 @@
         </p:nvSpPr>
         <p:spPr>
           <a:xfrm>
-            <a:off x="1829401" y="304141"/>
-            <a:ext cx="6860191" cy="802639"/>
+            <a:off x="1829400" y="304141"/>
+            <a:ext cx="6860190" cy="802637"/>
           </a:xfrm>
           <a:prstGeom prst="rect">
             <a:avLst/>
@@ -15925,6 +16451,10 @@
                 <a:solidFill>
                   <a:srgbClr val="FFFFFF"/>
                 </a:solidFill>
+                <a:latin typeface="+mj-lt"/>
+                <a:ea typeface="+mj-ea"/>
+                <a:cs typeface="+mj-cs"/>
+                <a:sym typeface="Calibri"/>
               </a:defRPr>
             </a:pPr>
             <a:r>
@@ -15962,10 +16492,10 @@
         </p:nvGrpSpPr>
         <p:grpSpPr>
           <a:xfrm>
-            <a:off x="-661990" y="314323"/>
-            <a:ext cx="11418893" cy="1223965"/>
+            <a:off x="-661992" y="314322"/>
+            <a:ext cx="11418896" cy="1223966"/>
             <a:chOff x="-1" y="0"/>
-            <a:chExt cx="11418891" cy="1223964"/>
+            <a:chExt cx="11418895" cy="1223965"/>
           </a:xfrm>
         </p:grpSpPr>
         <p:sp>
@@ -15976,8 +16506,8 @@
           </p:nvSpPr>
           <p:spPr>
             <a:xfrm>
-              <a:off x="2352674" y="671513"/>
-              <a:ext cx="9066217" cy="552451"/>
+              <a:off x="2352675" y="671513"/>
+              <a:ext cx="9066219" cy="552452"/>
             </a:xfrm>
             <a:prstGeom prst="rect">
               <a:avLst/>
@@ -16004,6 +16534,10 @@
                   <a:solidFill>
                     <a:srgbClr val="FFFFFF"/>
                   </a:solidFill>
+                  <a:latin typeface="+mj-lt"/>
+                  <a:ea typeface="+mj-ea"/>
+                  <a:cs typeface="+mj-cs"/>
+                  <a:sym typeface="Calibri"/>
                 </a:defRPr>
               </a:pPr>
             </a:p>
@@ -16018,7 +16552,7 @@
           <p:spPr>
             <a:xfrm>
               <a:off x="-2" y="674688"/>
-              <a:ext cx="2479677" cy="2"/>
+              <a:ext cx="2479678" cy="3"/>
             </a:xfrm>
             <a:prstGeom prst="line">
               <a:avLst/>
@@ -16051,8 +16585,8 @@
           </p:nvSpPr>
           <p:spPr>
             <a:xfrm>
-              <a:off x="2352674" y="-1"/>
-              <a:ext cx="306388" cy="1223965"/>
+              <a:off x="2352675" y="-1"/>
+              <a:ext cx="306389" cy="1223967"/>
             </a:xfrm>
             <a:prstGeom prst="rect">
               <a:avLst/>
@@ -16077,6 +16611,10 @@
                   <a:solidFill>
                     <a:srgbClr val="FFFFFF"/>
                   </a:solidFill>
+                  <a:latin typeface="+mj-lt"/>
+                  <a:ea typeface="+mj-ea"/>
+                  <a:cs typeface="+mj-cs"/>
+                  <a:sym typeface="Calibri"/>
                 </a:defRPr>
               </a:pPr>
             </a:p>
@@ -16090,8 +16628,8 @@
           </p:nvSpPr>
           <p:spPr>
             <a:xfrm>
-              <a:off x="2770187" y="742950"/>
-              <a:ext cx="6934854" cy="447039"/>
+              <a:off x="2770188" y="742950"/>
+              <a:ext cx="6934852" cy="447037"/>
             </a:xfrm>
             <a:prstGeom prst="rect">
               <a:avLst/>
@@ -16142,10 +16680,10 @@
         </p:nvGrpSpPr>
         <p:grpSpPr>
           <a:xfrm>
-            <a:off x="600075" y="2532059"/>
-            <a:ext cx="7077956" cy="3524818"/>
-            <a:chOff x="0" y="0"/>
-            <a:chExt cx="7077955" cy="3524816"/>
+            <a:off x="600074" y="2532057"/>
+            <a:ext cx="7077956" cy="3524817"/>
+            <a:chOff x="0" y="-1"/>
+            <a:chExt cx="7077954" cy="3524815"/>
           </a:xfrm>
         </p:grpSpPr>
         <p:sp>
@@ -16156,8 +16694,8 @@
           </p:nvSpPr>
           <p:spPr>
             <a:xfrm>
-              <a:off x="0" y="363712"/>
-              <a:ext cx="6791326" cy="3073229"/>
+              <a:off x="-1" y="363712"/>
+              <a:ext cx="6791329" cy="3073232"/>
             </a:xfrm>
             <a:prstGeom prst="rect">
               <a:avLst/>
@@ -16182,6 +16720,10 @@
                   <a:solidFill>
                     <a:srgbClr val="FFFFFF"/>
                   </a:solidFill>
+                  <a:latin typeface="+mj-lt"/>
+                  <a:ea typeface="+mj-ea"/>
+                  <a:cs typeface="+mj-cs"/>
+                  <a:sym typeface="Calibri"/>
                 </a:defRPr>
               </a:pPr>
             </a:p>
@@ -16195,8 +16737,8 @@
           </p:nvSpPr>
           <p:spPr>
             <a:xfrm>
-              <a:off x="2739" y="-1"/>
-              <a:ext cx="1594286" cy="408939"/>
+              <a:off x="2738" y="-2"/>
+              <a:ext cx="1594287" cy="408937"/>
             </a:xfrm>
             <a:prstGeom prst="rect">
               <a:avLst/>
@@ -16249,7 +16791,7 @@
           <p:spPr>
             <a:xfrm>
               <a:off x="92824" y="677478"/>
-              <a:ext cx="6985133" cy="2847339"/>
+              <a:ext cx="6985131" cy="2847337"/>
             </a:xfrm>
             <a:prstGeom prst="rect">
               <a:avLst/>
@@ -16280,6 +16822,10 @@
                   <a:solidFill>
                     <a:srgbClr val="FFFFFF"/>
                   </a:solidFill>
+                  <a:latin typeface="+mj-lt"/>
+                  <a:ea typeface="+mj-ea"/>
+                  <a:cs typeface="+mj-cs"/>
+                  <a:sym typeface="Calibri"/>
                 </a:defRPr>
               </a:pPr>
               <a:r>
@@ -16348,6 +16894,10 @@
                   <a:solidFill>
                     <a:srgbClr val="FFFFFF"/>
                   </a:solidFill>
+                  <a:latin typeface="+mj-lt"/>
+                  <a:ea typeface="+mj-ea"/>
+                  <a:cs typeface="+mj-cs"/>
+                  <a:sym typeface="Calibri"/>
                 </a:defRPr>
               </a:pPr>
               <a:r>
@@ -16393,6 +16943,10 @@
                   <a:solidFill>
                     <a:srgbClr val="FFFFFF"/>
                   </a:solidFill>
+                  <a:latin typeface="+mj-lt"/>
+                  <a:ea typeface="+mj-ea"/>
+                  <a:cs typeface="+mj-cs"/>
+                  <a:sym typeface="Calibri"/>
                 </a:defRPr>
               </a:pPr>
               <a:r>
@@ -16426,6 +16980,10 @@
                   <a:solidFill>
                     <a:srgbClr val="FFFFFF"/>
                   </a:solidFill>
+                  <a:latin typeface="+mj-lt"/>
+                  <a:ea typeface="+mj-ea"/>
+                  <a:cs typeface="+mj-cs"/>
+                  <a:sym typeface="Calibri"/>
                 </a:defRPr>
               </a:pPr>
             </a:p>
@@ -16435,6 +16993,10 @@
                   <a:solidFill>
                     <a:srgbClr val="FFFFFF"/>
                   </a:solidFill>
+                  <a:latin typeface="+mj-lt"/>
+                  <a:ea typeface="+mj-ea"/>
+                  <a:cs typeface="+mj-cs"/>
+                  <a:sym typeface="Calibri"/>
                 </a:defRPr>
               </a:pPr>
             </a:p>
@@ -16447,6 +17009,10 @@
                   <a:solidFill>
                     <a:srgbClr val="FFFFFF"/>
                   </a:solidFill>
+                  <a:latin typeface="+mj-lt"/>
+                  <a:ea typeface="+mj-ea"/>
+                  <a:cs typeface="+mj-cs"/>
+                  <a:sym typeface="Calibri"/>
                 </a:defRPr>
               </a:pPr>
               <a:r>
@@ -16504,6 +17070,10 @@
                   <a:solidFill>
                     <a:srgbClr val="FFFFFF"/>
                   </a:solidFill>
+                  <a:latin typeface="+mj-lt"/>
+                  <a:ea typeface="+mj-ea"/>
+                  <a:cs typeface="+mj-cs"/>
+                  <a:sym typeface="Calibri"/>
                 </a:defRPr>
               </a:pPr>
               <a:r>
@@ -16547,6 +17117,10 @@
                   <a:solidFill>
                     <a:srgbClr val="FFFFFF"/>
                   </a:solidFill>
+                  <a:latin typeface="+mj-lt"/>
+                  <a:ea typeface="+mj-ea"/>
+                  <a:cs typeface="+mj-cs"/>
+                  <a:sym typeface="Calibri"/>
                 </a:defRPr>
               </a:pPr>
               <a:r>
@@ -16604,6 +17178,10 @@
                   <a:solidFill>
                     <a:srgbClr val="FFFFFF"/>
                   </a:solidFill>
+                  <a:latin typeface="+mj-lt"/>
+                  <a:ea typeface="+mj-ea"/>
+                  <a:cs typeface="+mj-cs"/>
+                  <a:sym typeface="Calibri"/>
                 </a:defRPr>
               </a:pPr>
               <a:r>
@@ -16820,8 +17398,8 @@
         </p:nvSpPr>
         <p:spPr>
           <a:xfrm>
-            <a:off x="1793752" y="288852"/>
-            <a:ext cx="8296880" cy="802639"/>
+            <a:off x="1793752" y="288851"/>
+            <a:ext cx="8296877" cy="802637"/>
           </a:xfrm>
           <a:prstGeom prst="rect">
             <a:avLst/>
@@ -16846,6 +17424,10 @@
                 <a:solidFill>
                   <a:srgbClr val="FFFFFF"/>
                 </a:solidFill>
+                <a:latin typeface="+mj-lt"/>
+                <a:ea typeface="+mj-ea"/>
+                <a:cs typeface="+mj-cs"/>
+                <a:sym typeface="Calibri"/>
               </a:defRPr>
             </a:pPr>
             <a:r>
@@ -16883,10 +17465,10 @@
         </p:nvGrpSpPr>
         <p:grpSpPr>
           <a:xfrm>
-            <a:off x="-661990" y="314323"/>
-            <a:ext cx="11418893" cy="1223965"/>
+            <a:off x="-661992" y="314322"/>
+            <a:ext cx="11418896" cy="1223966"/>
             <a:chOff x="-1" y="0"/>
-            <a:chExt cx="11418891" cy="1223964"/>
+            <a:chExt cx="11418895" cy="1223965"/>
           </a:xfrm>
         </p:grpSpPr>
         <p:sp>
@@ -16897,8 +17479,8 @@
           </p:nvSpPr>
           <p:spPr>
             <a:xfrm>
-              <a:off x="2352674" y="671513"/>
-              <a:ext cx="9066217" cy="552451"/>
+              <a:off x="2352675" y="671513"/>
+              <a:ext cx="9066219" cy="552452"/>
             </a:xfrm>
             <a:prstGeom prst="rect">
               <a:avLst/>
@@ -16925,6 +17507,10 @@
                   <a:solidFill>
                     <a:srgbClr val="FFFFFF"/>
                   </a:solidFill>
+                  <a:latin typeface="+mj-lt"/>
+                  <a:ea typeface="+mj-ea"/>
+                  <a:cs typeface="+mj-cs"/>
+                  <a:sym typeface="Calibri"/>
                 </a:defRPr>
               </a:pPr>
             </a:p>
@@ -16939,7 +17525,7 @@
           <p:spPr>
             <a:xfrm>
               <a:off x="-2" y="674688"/>
-              <a:ext cx="2479677" cy="2"/>
+              <a:ext cx="2479678" cy="3"/>
             </a:xfrm>
             <a:prstGeom prst="line">
               <a:avLst/>
@@ -16972,8 +17558,8 @@
           </p:nvSpPr>
           <p:spPr>
             <a:xfrm>
-              <a:off x="2352674" y="-1"/>
-              <a:ext cx="306388" cy="1223965"/>
+              <a:off x="2352675" y="-1"/>
+              <a:ext cx="306389" cy="1223967"/>
             </a:xfrm>
             <a:prstGeom prst="rect">
               <a:avLst/>
@@ -16998,6 +17584,10 @@
                   <a:solidFill>
                     <a:srgbClr val="FFFFFF"/>
                   </a:solidFill>
+                  <a:latin typeface="+mj-lt"/>
+                  <a:ea typeface="+mj-ea"/>
+                  <a:cs typeface="+mj-cs"/>
+                  <a:sym typeface="Calibri"/>
                 </a:defRPr>
               </a:pPr>
             </a:p>
@@ -17011,8 +17601,8 @@
           </p:nvSpPr>
           <p:spPr>
             <a:xfrm>
-              <a:off x="2770186" y="742950"/>
-              <a:ext cx="5862919" cy="447039"/>
+              <a:off x="2770187" y="742950"/>
+              <a:ext cx="5862917" cy="447037"/>
             </a:xfrm>
             <a:prstGeom prst="rect">
               <a:avLst/>
@@ -17063,10 +17653,10 @@
         </p:nvGrpSpPr>
         <p:grpSpPr>
           <a:xfrm>
-            <a:off x="577848" y="3268667"/>
-            <a:ext cx="5631659" cy="2673844"/>
+            <a:off x="577847" y="3268667"/>
+            <a:ext cx="5631661" cy="2673842"/>
             <a:chOff x="0" y="0"/>
-            <a:chExt cx="5631658" cy="2673843"/>
+            <a:chExt cx="5631660" cy="2673841"/>
           </a:xfrm>
         </p:grpSpPr>
         <p:sp>
@@ -17077,8 +17667,8 @@
           </p:nvSpPr>
           <p:spPr>
             <a:xfrm>
-              <a:off x="26193" y="0"/>
-              <a:ext cx="5392741" cy="1"/>
+              <a:off x="26192" y="-1"/>
+              <a:ext cx="5392743" cy="2"/>
             </a:xfrm>
             <a:prstGeom prst="line">
               <a:avLst/>
@@ -17112,7 +17702,7 @@
           <p:spPr>
             <a:xfrm>
               <a:off x="119458" y="2319338"/>
-              <a:ext cx="5392742" cy="1"/>
+              <a:ext cx="5392744" cy="2"/>
             </a:xfrm>
             <a:prstGeom prst="line">
               <a:avLst/>
@@ -17146,7 +17736,7 @@
           <p:spPr>
             <a:xfrm>
               <a:off x="-1" y="144005"/>
-              <a:ext cx="5631660" cy="2529839"/>
+              <a:ext cx="5631661" cy="2529837"/>
             </a:xfrm>
             <a:prstGeom prst="rect">
               <a:avLst/>
@@ -17232,6 +17822,10 @@
                   <a:solidFill>
                     <a:srgbClr val="FFFFFF"/>
                   </a:solidFill>
+                  <a:latin typeface="+mj-lt"/>
+                  <a:ea typeface="+mj-ea"/>
+                  <a:cs typeface="+mj-cs"/>
+                  <a:sym typeface="Calibri"/>
                 </a:defRPr>
               </a:pPr>
             </a:p>
@@ -17287,6 +17881,10 @@
                   <a:solidFill>
                     <a:srgbClr val="FFFFFF"/>
                   </a:solidFill>
+                  <a:latin typeface="+mj-lt"/>
+                  <a:ea typeface="+mj-ea"/>
+                  <a:cs typeface="+mj-cs"/>
+                  <a:sym typeface="Calibri"/>
                 </a:defRPr>
               </a:pPr>
             </a:p>
@@ -17332,10 +17930,10 @@
         </p:nvGrpSpPr>
         <p:grpSpPr>
           <a:xfrm>
-            <a:off x="604043" y="2517481"/>
-            <a:ext cx="2965451" cy="546102"/>
+            <a:off x="604042" y="2517480"/>
+            <a:ext cx="2965454" cy="546105"/>
             <a:chOff x="0" y="0"/>
-            <a:chExt cx="2965450" cy="546101"/>
+            <a:chExt cx="2965452" cy="546103"/>
           </a:xfrm>
         </p:grpSpPr>
         <p:sp>
@@ -17346,8 +17944,8 @@
           </p:nvSpPr>
           <p:spPr>
             <a:xfrm>
-              <a:off x="0" y="-1"/>
-              <a:ext cx="2965451" cy="546103"/>
+              <a:off x="-1" y="-1"/>
+              <a:ext cx="2965454" cy="546104"/>
             </a:xfrm>
             <a:prstGeom prst="rect">
               <a:avLst/>
@@ -17374,6 +17972,10 @@
                   <a:solidFill>
                     <a:srgbClr val="333F50"/>
                   </a:solidFill>
+                  <a:latin typeface="+mj-lt"/>
+                  <a:ea typeface="+mj-ea"/>
+                  <a:cs typeface="+mj-cs"/>
+                  <a:sym typeface="Calibri"/>
                 </a:defRPr>
               </a:pPr>
             </a:p>
@@ -17387,8 +17989,8 @@
           </p:nvSpPr>
           <p:spPr>
             <a:xfrm>
-              <a:off x="0" y="49530"/>
-              <a:ext cx="2965451" cy="447039"/>
+              <a:off x="-1" y="49530"/>
+              <a:ext cx="2965454" cy="447037"/>
             </a:xfrm>
             <a:prstGeom prst="rect">
               <a:avLst/>
@@ -17416,6 +18018,10 @@
                   <a:solidFill>
                     <a:srgbClr val="333F50"/>
                   </a:solidFill>
+                  <a:latin typeface="+mj-lt"/>
+                  <a:ea typeface="+mj-ea"/>
+                  <a:cs typeface="+mj-cs"/>
+                  <a:sym typeface="Calibri"/>
                 </a:defRPr>
               </a:pPr>
               <a:r>
@@ -17453,7 +18059,7 @@
         <p:spPr>
           <a:xfrm>
             <a:off x="7216775" y="3268667"/>
-            <a:ext cx="3705225" cy="2324102"/>
+            <a:ext cx="3705225" cy="2324103"/>
           </a:xfrm>
           <a:prstGeom prst="rect">
             <a:avLst/>
@@ -17497,10 +18103,10 @@
         </p:nvGrpSpPr>
         <p:grpSpPr>
           <a:xfrm>
-            <a:off x="4127500" y="550860"/>
-            <a:ext cx="3376615" cy="3375031"/>
-            <a:chOff x="0" y="-1"/>
-            <a:chExt cx="3376614" cy="3375030"/>
+            <a:off x="4127500" y="550859"/>
+            <a:ext cx="3376617" cy="3375033"/>
+            <a:chOff x="0" y="0"/>
+            <a:chExt cx="3376615" cy="3375031"/>
           </a:xfrm>
         </p:grpSpPr>
         <p:sp>
@@ -17511,8 +18117,8 @@
           </p:nvSpPr>
           <p:spPr>
             <a:xfrm>
-              <a:off x="0" y="-2"/>
-              <a:ext cx="3376615" cy="3375031"/>
+              <a:off x="0" y="-1"/>
+              <a:ext cx="3376617" cy="3375033"/>
             </a:xfrm>
             <a:prstGeom prst="ellipse">
               <a:avLst/>
@@ -17538,6 +18144,10 @@
                   <a:solidFill>
                     <a:srgbClr val="FFFFFF"/>
                   </a:solidFill>
+                  <a:latin typeface="+mj-lt"/>
+                  <a:ea typeface="+mj-ea"/>
+                  <a:cs typeface="+mj-cs"/>
+                  <a:sym typeface="Calibri"/>
                 </a:defRPr>
               </a:pPr>
             </a:p>
@@ -17551,8 +18161,8 @@
           </p:nvSpPr>
           <p:spPr>
             <a:xfrm>
-              <a:off x="494494" y="936942"/>
-              <a:ext cx="2387626" cy="1501139"/>
+              <a:off x="494494" y="936943"/>
+              <a:ext cx="2387627" cy="1501137"/>
             </a:xfrm>
             <a:prstGeom prst="rect">
               <a:avLst/>
@@ -17579,6 +18189,10 @@
                   <a:solidFill>
                     <a:srgbClr val="FFFFFF"/>
                   </a:solidFill>
+                  <a:latin typeface="+mj-lt"/>
+                  <a:ea typeface="+mj-ea"/>
+                  <a:cs typeface="+mj-cs"/>
+                  <a:sym typeface="Calibri"/>
                 </a:defRPr>
               </a:lvl1pPr>
             </a:lstStyle>
@@ -17599,8 +18213,8 @@
         </p:nvSpPr>
         <p:spPr>
           <a:xfrm rot="17100000">
-            <a:off x="4401121" y="1615749"/>
-            <a:ext cx="1709107" cy="2716059"/>
+            <a:off x="4401094" y="1615769"/>
+            <a:ext cx="1709150" cy="2716060"/>
           </a:xfrm>
           <a:custGeom>
             <a:avLst/>
@@ -17658,6 +18272,10 @@
                 <a:solidFill>
                   <a:srgbClr val="FFFFFF"/>
                 </a:solidFill>
+                <a:latin typeface="+mj-lt"/>
+                <a:ea typeface="+mj-ea"/>
+                <a:cs typeface="+mj-cs"/>
+                <a:sym typeface="Calibri"/>
               </a:defRPr>
             </a:pPr>
           </a:p>
@@ -17671,8 +18289,8 @@
         </p:nvSpPr>
         <p:spPr>
           <a:xfrm>
-            <a:off x="3517899" y="1239837"/>
-            <a:ext cx="3595691" cy="3211513"/>
+            <a:off x="3517898" y="1239836"/>
+            <a:ext cx="3595692" cy="3211515"/>
           </a:xfrm>
           <a:prstGeom prst="line">
             <a:avLst/>
@@ -17701,7 +18319,7 @@
         <p:spPr>
           <a:xfrm>
             <a:off x="3009900" y="4850238"/>
-            <a:ext cx="5760798" cy="942339"/>
+            <a:ext cx="5760796" cy="942337"/>
           </a:xfrm>
           <a:prstGeom prst="rect">
             <a:avLst/>
@@ -17749,7 +18367,7 @@
         <p:spPr>
           <a:xfrm flipV="1">
             <a:off x="851128" y="5253037"/>
-            <a:ext cx="2158772" cy="25403"/>
+            <a:ext cx="2158772" cy="25404"/>
           </a:xfrm>
           <a:prstGeom prst="line">
             <a:avLst/>
@@ -17777,8 +18395,8 @@
         </p:nvSpPr>
         <p:spPr>
           <a:xfrm flipV="1">
-            <a:off x="8734544" y="5253036"/>
-            <a:ext cx="2440777" cy="12703"/>
+            <a:off x="8734544" y="5253035"/>
+            <a:ext cx="2440778" cy="12704"/>
           </a:xfrm>
           <a:prstGeom prst="line">
             <a:avLst/>
@@ -17832,10 +18450,10 @@
         </p:nvGrpSpPr>
         <p:grpSpPr>
           <a:xfrm>
-            <a:off x="1426471" y="-283981"/>
-            <a:ext cx="7081760" cy="5910930"/>
-            <a:chOff x="-1" y="0"/>
-            <a:chExt cx="7081758" cy="5910928"/>
+            <a:off x="1426469" y="-283983"/>
+            <a:ext cx="7081764" cy="5910934"/>
+            <a:chOff x="-1" y="-1"/>
+            <a:chExt cx="7081762" cy="5910932"/>
           </a:xfrm>
         </p:grpSpPr>
         <p:sp>
@@ -17846,8 +18464,8 @@
           </p:nvSpPr>
           <p:spPr>
             <a:xfrm flipH="1">
-              <a:off x="712774" y="255048"/>
-              <a:ext cx="2" cy="1700213"/>
+              <a:off x="712775" y="255048"/>
+              <a:ext cx="3" cy="1700214"/>
             </a:xfrm>
             <a:prstGeom prst="line">
               <a:avLst/>
@@ -17880,8 +18498,8 @@
           </p:nvSpPr>
           <p:spPr>
             <a:xfrm>
-              <a:off x="2645879" y="181937"/>
-              <a:ext cx="17688" cy="4419281"/>
+              <a:off x="2645880" y="181937"/>
+              <a:ext cx="17689" cy="4419283"/>
             </a:xfrm>
             <a:prstGeom prst="line">
               <a:avLst/>
@@ -17914,8 +18532,8 @@
           </p:nvSpPr>
           <p:spPr>
             <a:xfrm>
-              <a:off x="6456752" y="-1"/>
-              <a:ext cx="36029" cy="3792541"/>
+              <a:off x="6456754" y="-2"/>
+              <a:ext cx="36030" cy="3792544"/>
             </a:xfrm>
             <a:prstGeom prst="line">
               <a:avLst/>
@@ -17948,8 +18566,8 @@
           </p:nvSpPr>
           <p:spPr>
             <a:xfrm flipH="1">
-              <a:off x="4439880" y="196058"/>
-              <a:ext cx="1846" cy="1074861"/>
+              <a:off x="4439882" y="196058"/>
+              <a:ext cx="1847" cy="1074862"/>
             </a:xfrm>
             <a:prstGeom prst="line">
               <a:avLst/>
@@ -17983,7 +18601,7 @@
           <p:spPr>
             <a:xfrm>
               <a:off x="-2" y="2214024"/>
-              <a:ext cx="1438282" cy="1439865"/>
+              <a:ext cx="1438283" cy="1439867"/>
             </a:xfrm>
             <a:prstGeom prst="ellipse">
               <a:avLst/>
@@ -18010,6 +18628,10 @@
                   <a:solidFill>
                     <a:srgbClr val="FFFFFF"/>
                   </a:solidFill>
+                  <a:latin typeface="+mj-lt"/>
+                  <a:ea typeface="+mj-ea"/>
+                  <a:cs typeface="+mj-cs"/>
+                  <a:sym typeface="Calibri"/>
                 </a:defRPr>
               </a:pPr>
             </a:p>
@@ -18023,8 +18645,8 @@
           </p:nvSpPr>
           <p:spPr>
             <a:xfrm>
-              <a:off x="2098902" y="4791738"/>
-              <a:ext cx="1117607" cy="1119191"/>
+              <a:off x="2098903" y="4791739"/>
+              <a:ext cx="1117609" cy="1119193"/>
             </a:xfrm>
             <a:prstGeom prst="ellipse">
               <a:avLst/>
@@ -18049,6 +18671,10 @@
                   <a:solidFill>
                     <a:srgbClr val="FFFFFF"/>
                   </a:solidFill>
+                  <a:latin typeface="+mj-lt"/>
+                  <a:ea typeface="+mj-ea"/>
+                  <a:cs typeface="+mj-cs"/>
+                  <a:sym typeface="Calibri"/>
                 </a:defRPr>
               </a:pPr>
             </a:p>
@@ -18062,8 +18688,8 @@
           </p:nvSpPr>
           <p:spPr>
             <a:xfrm>
-              <a:off x="3900127" y="1451890"/>
-              <a:ext cx="1117606" cy="1117603"/>
+              <a:off x="3900129" y="1451890"/>
+              <a:ext cx="1117607" cy="1117605"/>
             </a:xfrm>
             <a:prstGeom prst="ellipse">
               <a:avLst/>
@@ -18088,6 +18714,10 @@
                   <a:solidFill>
                     <a:srgbClr val="FFFFFF"/>
                   </a:solidFill>
+                  <a:latin typeface="+mj-lt"/>
+                  <a:ea typeface="+mj-ea"/>
+                  <a:cs typeface="+mj-cs"/>
+                  <a:sym typeface="Calibri"/>
                 </a:defRPr>
               </a:pPr>
             </a:p>
@@ -18101,8 +18731,8 @@
           </p:nvSpPr>
           <p:spPr>
             <a:xfrm>
-              <a:off x="5964151" y="4017962"/>
-              <a:ext cx="1117607" cy="1117603"/>
+              <a:off x="5964153" y="4017963"/>
+              <a:ext cx="1117609" cy="1117605"/>
             </a:xfrm>
             <a:prstGeom prst="ellipse">
               <a:avLst/>
@@ -18129,6 +18759,10 @@
                   <a:solidFill>
                     <a:srgbClr val="FFFFFF"/>
                   </a:solidFill>
+                  <a:latin typeface="+mj-lt"/>
+                  <a:ea typeface="+mj-ea"/>
+                  <a:cs typeface="+mj-cs"/>
+                  <a:sym typeface="Calibri"/>
                 </a:defRPr>
               </a:pPr>
             </a:p>
@@ -18142,8 +18776,8 @@
           </p:nvSpPr>
           <p:spPr>
             <a:xfrm>
-              <a:off x="133361" y="2536467"/>
-              <a:ext cx="1171534" cy="929639"/>
+              <a:off x="133362" y="2536467"/>
+              <a:ext cx="1171535" cy="929637"/>
             </a:xfrm>
             <a:prstGeom prst="rect">
               <a:avLst/>
@@ -18207,8 +18841,8 @@
           </p:nvSpPr>
           <p:spPr>
             <a:xfrm>
-              <a:off x="4007280" y="1549269"/>
-              <a:ext cx="890665" cy="929639"/>
+              <a:off x="4007282" y="1549269"/>
+              <a:ext cx="890666" cy="929637"/>
             </a:xfrm>
             <a:prstGeom prst="rect">
               <a:avLst/>
@@ -18258,8 +18892,8 @@
           </p:nvSpPr>
           <p:spPr>
             <a:xfrm>
-              <a:off x="2212548" y="4889410"/>
-              <a:ext cx="890665" cy="929639"/>
+              <a:off x="2212549" y="4889411"/>
+              <a:ext cx="890666" cy="929637"/>
             </a:xfrm>
             <a:prstGeom prst="rect">
               <a:avLst/>
@@ -18309,8 +18943,8 @@
           </p:nvSpPr>
           <p:spPr>
             <a:xfrm>
-              <a:off x="6077528" y="4170291"/>
-              <a:ext cx="890665" cy="929639"/>
+              <a:off x="6077530" y="4170292"/>
+              <a:ext cx="890666" cy="929637"/>
             </a:xfrm>
             <a:prstGeom prst="rect">
               <a:avLst/>
@@ -18360,8 +18994,8 @@
           </p:nvSpPr>
           <p:spPr>
             <a:xfrm rot="18900000">
-              <a:off x="422666" y="1863336"/>
-              <a:ext cx="581822" cy="581821"/>
+              <a:off x="422667" y="1863336"/>
+              <a:ext cx="581823" cy="581822"/>
             </a:xfrm>
             <a:custGeom>
               <a:avLst/>
@@ -18411,7 +19045,14 @@
             </a:bodyPr>
             <a:lstStyle/>
             <a:p>
-              <a:pPr algn="ctr"/>
+              <a:pPr algn="ctr">
+                <a:defRPr>
+                  <a:latin typeface="+mj-lt"/>
+                  <a:ea typeface="+mj-ea"/>
+                  <a:cs typeface="+mj-cs"/>
+                  <a:sym typeface="Calibri"/>
+                </a:defRPr>
+              </a:pPr>
             </a:p>
           </p:txBody>
         </p:sp>
@@ -18423,8 +19064,8 @@
           </p:nvSpPr>
           <p:spPr>
             <a:xfrm rot="18900000">
-              <a:off x="2462556" y="4538324"/>
-              <a:ext cx="404022" cy="404815"/>
+              <a:off x="2462557" y="4538325"/>
+              <a:ext cx="404023" cy="404816"/>
             </a:xfrm>
             <a:custGeom>
               <a:avLst/>
@@ -18474,7 +19115,14 @@
             </a:bodyPr>
             <a:lstStyle/>
             <a:p>
-              <a:pPr algn="ctr"/>
+              <a:pPr algn="ctr">
+                <a:defRPr>
+                  <a:latin typeface="+mj-lt"/>
+                  <a:ea typeface="+mj-ea"/>
+                  <a:cs typeface="+mj-cs"/>
+                  <a:sym typeface="Calibri"/>
+                </a:defRPr>
+              </a:pPr>
             </a:p>
           </p:txBody>
         </p:sp>
@@ -18486,8 +19134,8 @@
           </p:nvSpPr>
           <p:spPr>
             <a:xfrm rot="18900000">
-              <a:off x="4248190" y="1188831"/>
-              <a:ext cx="404022" cy="404020"/>
+              <a:off x="4248192" y="1188831"/>
+              <a:ext cx="404023" cy="404021"/>
             </a:xfrm>
             <a:custGeom>
               <a:avLst/>
@@ -18537,7 +19185,14 @@
             </a:bodyPr>
             <a:lstStyle/>
             <a:p>
-              <a:pPr algn="ctr"/>
+              <a:pPr algn="ctr">
+                <a:defRPr>
+                  <a:latin typeface="+mj-lt"/>
+                  <a:ea typeface="+mj-ea"/>
+                  <a:cs typeface="+mj-cs"/>
+                  <a:sym typeface="Calibri"/>
+                </a:defRPr>
+              </a:pPr>
             </a:p>
           </p:txBody>
         </p:sp>
@@ -18549,8 +19204,8 @@
           </p:nvSpPr>
           <p:spPr>
             <a:xfrm rot="18900000">
-              <a:off x="6299505" y="3732675"/>
-              <a:ext cx="404022" cy="404020"/>
+              <a:off x="6299507" y="3732676"/>
+              <a:ext cx="404023" cy="404021"/>
             </a:xfrm>
             <a:custGeom>
               <a:avLst/>
@@ -18600,7 +19255,14 @@
             </a:bodyPr>
             <a:lstStyle/>
             <a:p>
-              <a:pPr algn="ctr"/>
+              <a:pPr algn="ctr">
+                <a:defRPr>
+                  <a:latin typeface="+mj-lt"/>
+                  <a:ea typeface="+mj-ea"/>
+                  <a:cs typeface="+mj-cs"/>
+                  <a:sym typeface="Calibri"/>
+                </a:defRPr>
+              </a:pPr>
             </a:p>
           </p:txBody>
         </p:sp>
@@ -18613,8 +19275,8 @@
         </p:nvSpPr>
         <p:spPr>
           <a:xfrm flipH="1">
-            <a:off x="634998" y="-120652"/>
-            <a:ext cx="4" cy="2030415"/>
+            <a:off x="634998" y="-120653"/>
+            <a:ext cx="5" cy="2030417"/>
           </a:xfrm>
           <a:prstGeom prst="line">
             <a:avLst/>
@@ -18643,7 +19305,7 @@
         <p:spPr>
           <a:xfrm flipH="1">
             <a:off x="657223" y="4827587"/>
-            <a:ext cx="4" cy="2030412"/>
+            <a:ext cx="5" cy="2030412"/>
           </a:xfrm>
           <a:prstGeom prst="line">
             <a:avLst/>
@@ -18671,8 +19333,8 @@
         </p:nvSpPr>
         <p:spPr>
           <a:xfrm rot="5400000">
-            <a:off x="-427451" y="2927585"/>
-            <a:ext cx="2136139" cy="802639"/>
+            <a:off x="-427449" y="2927585"/>
+            <a:ext cx="2136137" cy="802637"/>
           </a:xfrm>
           <a:prstGeom prst="rect">
             <a:avLst/>
@@ -18719,8 +19381,8 @@
         </p:nvSpPr>
         <p:spPr>
           <a:xfrm>
-            <a:off x="1298429" y="3426936"/>
-            <a:ext cx="2169995" cy="1043939"/>
+            <a:off x="1298428" y="3426936"/>
+            <a:ext cx="2169997" cy="1043937"/>
           </a:xfrm>
           <a:prstGeom prst="rect">
             <a:avLst/>
@@ -18777,8 +19439,8 @@
         </p:nvSpPr>
         <p:spPr>
           <a:xfrm>
-            <a:off x="2935977" y="5651620"/>
-            <a:ext cx="2555771" cy="1043939"/>
+            <a:off x="2935976" y="5651620"/>
+            <a:ext cx="2555773" cy="1043937"/>
           </a:xfrm>
           <a:prstGeom prst="rect">
             <a:avLst/>
@@ -18847,8 +19509,8 @@
         </p:nvSpPr>
         <p:spPr>
           <a:xfrm>
-            <a:off x="4938145" y="2310184"/>
-            <a:ext cx="2169994" cy="726439"/>
+            <a:off x="4938145" y="2310183"/>
+            <a:ext cx="2169995" cy="726437"/>
           </a:xfrm>
           <a:prstGeom prst="rect">
             <a:avLst/>
@@ -18906,7 +19568,7 @@
         <p:spPr>
           <a:xfrm>
             <a:off x="5208551" y="4170784"/>
-            <a:ext cx="2423333" cy="1043939"/>
+            <a:ext cx="2423334" cy="1043937"/>
           </a:xfrm>
           <a:prstGeom prst="rect">
             <a:avLst/>
@@ -18998,7 +19660,7 @@
         <p:spPr>
           <a:xfrm>
             <a:off x="9025963" y="-3175"/>
-            <a:ext cx="2730501" cy="6858002"/>
+            <a:ext cx="2730501" cy="6858003"/>
           </a:xfrm>
           <a:prstGeom prst="rect">
             <a:avLst/>
@@ -19042,10 +19704,10 @@
         </p:nvGrpSpPr>
         <p:grpSpPr>
           <a:xfrm>
-            <a:off x="462465" y="305535"/>
-            <a:ext cx="3986218" cy="3900489"/>
-            <a:chOff x="0" y="0"/>
-            <a:chExt cx="3986216" cy="3900488"/>
+            <a:off x="462463" y="305533"/>
+            <a:ext cx="3986222" cy="3900492"/>
+            <a:chOff x="-1" y="-1"/>
+            <a:chExt cx="3986220" cy="3900491"/>
           </a:xfrm>
         </p:grpSpPr>
         <p:grpSp>
@@ -19056,10 +19718,10 @@
           </p:nvGrpSpPr>
           <p:grpSpPr>
             <a:xfrm>
-              <a:off x="609600" y="-1"/>
-              <a:ext cx="3376617" cy="3375031"/>
+              <a:off x="609599" y="-2"/>
+              <a:ext cx="3376621" cy="3375033"/>
               <a:chOff x="0" y="0"/>
-              <a:chExt cx="3376615" cy="3375030"/>
+              <a:chExt cx="3376619" cy="3375031"/>
             </a:xfrm>
           </p:grpSpPr>
           <p:sp>
@@ -19071,7 +19733,7 @@
             <p:spPr>
               <a:xfrm>
                 <a:off x="-1" y="-1"/>
-                <a:ext cx="3376617" cy="3375031"/>
+                <a:ext cx="3376620" cy="3375033"/>
               </a:xfrm>
               <a:prstGeom prst="ellipse">
                 <a:avLst/>
@@ -19097,6 +19759,10 @@
                     <a:solidFill>
                       <a:srgbClr val="FFFFFF"/>
                     </a:solidFill>
+                    <a:latin typeface="+mj-lt"/>
+                    <a:ea typeface="+mj-ea"/>
+                    <a:cs typeface="+mj-cs"/>
+                    <a:sym typeface="Calibri"/>
                   </a:defRPr>
                 </a:pPr>
               </a:p>
@@ -19111,7 +19777,7 @@
             <p:spPr>
               <a:xfrm>
                 <a:off x="494494" y="936942"/>
-                <a:ext cx="2387627" cy="1501139"/>
+                <a:ext cx="2387630" cy="1501137"/>
               </a:xfrm>
               <a:prstGeom prst="rect">
                 <a:avLst/>
@@ -19138,6 +19804,10 @@
                     <a:solidFill>
                       <a:srgbClr val="FFFFFF"/>
                     </a:solidFill>
+                    <a:latin typeface="+mj-lt"/>
+                    <a:ea typeface="+mj-ea"/>
+                    <a:cs typeface="+mj-cs"/>
+                    <a:sym typeface="Calibri"/>
                   </a:defRPr>
                 </a:lvl1pPr>
               </a:lstStyle>
@@ -19158,8 +19828,8 @@
           </p:nvSpPr>
           <p:spPr>
             <a:xfrm rot="17100000">
-              <a:off x="883221" y="1064886"/>
-              <a:ext cx="1709108" cy="2716061"/>
+              <a:off x="883195" y="1064906"/>
+              <a:ext cx="1709151" cy="2716063"/>
             </a:xfrm>
             <a:custGeom>
               <a:avLst/>
@@ -19221,6 +19891,10 @@
                   <a:solidFill>
                     <a:srgbClr val="FFFFFF"/>
                   </a:solidFill>
+                  <a:latin typeface="+mj-lt"/>
+                  <a:ea typeface="+mj-ea"/>
+                  <a:cs typeface="+mj-cs"/>
+                  <a:sym typeface="Calibri"/>
                 </a:defRPr>
               </a:pPr>
             </a:p>
@@ -19235,7 +19909,7 @@
           <p:spPr>
             <a:xfrm>
               <a:off x="-1" y="688974"/>
-              <a:ext cx="3595691" cy="3211514"/>
+              <a:ext cx="3595693" cy="3211516"/>
             </a:xfrm>
             <a:prstGeom prst="line">
               <a:avLst/>
@@ -19270,7 +19944,7 @@
         <p:spPr>
           <a:xfrm>
             <a:off x="4853392" y="579011"/>
-            <a:ext cx="2542539" cy="942339"/>
+            <a:ext cx="2542537" cy="942337"/>
           </a:xfrm>
           <a:prstGeom prst="rect">
             <a:avLst/>
@@ -19318,7 +19992,7 @@
         <p:spPr>
           <a:xfrm>
             <a:off x="7500270" y="994510"/>
-            <a:ext cx="2151065" cy="3"/>
+            <a:ext cx="2151066" cy="4"/>
           </a:xfrm>
           <a:prstGeom prst="line">
             <a:avLst/>
@@ -19346,8 +20020,8 @@
         </p:nvSpPr>
         <p:spPr>
           <a:xfrm flipH="1">
-            <a:off x="5532422" y="2681596"/>
-            <a:ext cx="3" cy="3683251"/>
+            <a:off x="5532421" y="2681595"/>
+            <a:ext cx="4" cy="3683252"/>
           </a:xfrm>
           <a:prstGeom prst="line">
             <a:avLst/>
@@ -19375,10 +20049,10 @@
         </p:nvGrpSpPr>
         <p:grpSpPr>
           <a:xfrm>
-            <a:off x="5532423" y="5632820"/>
-            <a:ext cx="4118912" cy="911597"/>
-            <a:chOff x="0" y="0"/>
-            <a:chExt cx="4118910" cy="911595"/>
+            <a:off x="5532422" y="5632820"/>
+            <a:ext cx="4118915" cy="911594"/>
+            <a:chOff x="-1" y="0"/>
+            <a:chExt cx="4118914" cy="911593"/>
           </a:xfrm>
         </p:grpSpPr>
         <p:sp>
@@ -19389,8 +20063,8 @@
           </p:nvSpPr>
           <p:spPr>
             <a:xfrm>
-              <a:off x="-1" y="179573"/>
-              <a:ext cx="4118912" cy="552452"/>
+              <a:off x="-2" y="179573"/>
+              <a:ext cx="4118916" cy="552454"/>
             </a:xfrm>
             <a:prstGeom prst="rect">
               <a:avLst/>
@@ -19415,6 +20089,10 @@
                   <a:solidFill>
                     <a:srgbClr val="FFFFFF"/>
                   </a:solidFill>
+                  <a:latin typeface="+mj-lt"/>
+                  <a:ea typeface="+mj-ea"/>
+                  <a:cs typeface="+mj-cs"/>
+                  <a:sym typeface="Calibri"/>
                 </a:defRPr>
               </a:pPr>
             </a:p>
@@ -19428,8 +20106,8 @@
           </p:nvSpPr>
           <p:spPr>
             <a:xfrm>
-              <a:off x="-1" y="0"/>
-              <a:ext cx="4118912" cy="911596"/>
+              <a:off x="-2" y="0"/>
+              <a:ext cx="4118916" cy="911594"/>
             </a:xfrm>
             <a:prstGeom prst="rect">
               <a:avLst/>
@@ -19500,7 +20178,7 @@
         <p:spPr>
           <a:xfrm>
             <a:off x="5622699" y="2440257"/>
-            <a:ext cx="6086701" cy="3682998"/>
+            <a:ext cx="6086702" cy="3682996"/>
           </a:xfrm>
           <a:prstGeom prst="rect">
             <a:avLst/>
@@ -19739,6 +20417,10 @@
           </p:nvPr>
         </p:nvSpPr>
         <p:spPr>
+          <a:xfrm>
+            <a:off x="838200" y="365125"/>
+            <a:ext cx="10515600" cy="1325563"/>
+          </a:xfrm>
           <a:prstGeom prst="rect">
             <a:avLst/>
           </a:prstGeom>
@@ -19772,6 +20454,10 @@
           </p:nvPr>
         </p:nvSpPr>
         <p:spPr>
+          <a:xfrm>
+            <a:off x="759250" y="1853821"/>
+            <a:ext cx="10515601" cy="4351339"/>
+          </a:xfrm>
           <a:prstGeom prst="rect">
             <a:avLst/>
           </a:prstGeom>
@@ -19780,8 +20466,11 @@
           <a:bodyPr/>
           <a:lstStyle/>
           <a:p>
-            <a:pPr>
-              <a:defRPr>
+            <a:pPr marL="203454" indent="-203454" defTabSz="813816">
+              <a:spcBef>
+                <a:spcPts val="800"/>
+              </a:spcBef>
+              <a:defRPr sz="2492">
                 <a:latin typeface="微软雅黑"/>
                 <a:ea typeface="微软雅黑"/>
                 <a:cs typeface="微软雅黑"/>
@@ -19793,7 +20482,79 @@
             </a:r>
           </a:p>
           <a:p>
-            <a:pPr/>
+            <a:pPr marL="203454" indent="-203454" defTabSz="813816">
+              <a:spcBef>
+                <a:spcPts val="800"/>
+              </a:spcBef>
+              <a:defRPr sz="2492" u="sng">
+                <a:solidFill>
+                  <a:srgbClr val="0000FF"/>
+                </a:solidFill>
+                <a:uFill>
+                  <a:solidFill>
+                    <a:srgbClr val="0000FF"/>
+                  </a:solidFill>
+                </a:uFill>
+              </a:defRPr>
+            </a:pPr>
+            <a:r>
+              <a:rPr>
+                <a:hlinkClick r:id="rId2" invalidUrl="" action="" tgtFrame="" tooltip="" history="1" highlightClick="0" endSnd="0"/>
+              </a:rPr>
+              <a:t>https://www.ibm.com/developerworks/cn/xml/tutorials/x-andddyntut/</a:t>
+            </a:r>
+          </a:p>
+          <a:p>
+            <a:pPr marL="203454" indent="-203454" defTabSz="813816">
+              <a:spcBef>
+                <a:spcPts val="800"/>
+              </a:spcBef>
+              <a:defRPr sz="2492"/>
+            </a:pPr>
+            <a:r>
+              <a:t>服务器端信息：</a:t>
+            </a:r>
+          </a:p>
+          <a:p>
+            <a:pPr marL="0" indent="0">
+              <a:lnSpc>
+                <a:spcPct val="100000"/>
+              </a:lnSpc>
+              <a:spcBef>
+                <a:spcPts val="0"/>
+              </a:spcBef>
+              <a:buSzTx/>
+              <a:buFontTx/>
+              <a:buNone/>
+              <a:tabLst>
+                <a:tab pos="304800" algn="l"/>
+                <a:tab pos="622300" algn="l"/>
+                <a:tab pos="939800" algn="l"/>
+                <a:tab pos="1257300" algn="l"/>
+                <a:tab pos="1574800" algn="l"/>
+                <a:tab pos="1892300" algn="l"/>
+                <a:tab pos="2209800" algn="l"/>
+                <a:tab pos="2527300" algn="l"/>
+                <a:tab pos="2844800" algn="l"/>
+                <a:tab pos="3162300" algn="l"/>
+                <a:tab pos="3479800" algn="l"/>
+                <a:tab pos="3797300" algn="l"/>
+              </a:tabLst>
+              <a:defRPr sz="1513">
+                <a:solidFill>
+                  <a:schemeClr val="accent3">
+                    <a:lumOff val="30981"/>
+                  </a:schemeClr>
+                </a:solidFill>
+                <a:latin typeface="Monaco"/>
+                <a:ea typeface="Monaco"/>
+                <a:cs typeface="Monaco"/>
+                <a:sym typeface="Monaco"/>
+              </a:defRPr>
+            </a:pPr>
+            <a:r>
+              <a:t>xmlgui1.xml:   </a:t>
+            </a:r>
             <a:r>
               <a:rPr u="sng">
                 <a:solidFill>
@@ -19804,25 +20565,171 @@
                     <a:srgbClr val="0000FF"/>
                   </a:solidFill>
                 </a:uFill>
-                <a:hlinkClick r:id="rId2" invalidUrl="" action="" tgtFrame="" tooltip="" history="1" highlightClick="0" endSnd="0"/>
+                <a:hlinkClick r:id="rId3" invalidUrl="" action="" tgtFrame="" tooltip="" history="1" highlightClick="0" endSnd="0"/>
               </a:rPr>
-              <a:t>https://www.ibm.com/developerworks/cn/xml/tutorials/x-andddyntut/</a:t>
-            </a:r>
-          </a:p>
-          <a:p>
-            <a:pPr/>
-          </a:p>
-          <a:p>
-            <a:pPr/>
+              <a:t>http://47.95.215.87:8080/onlinetable/xmlgui1.xml</a:t>
+            </a:r>
+          </a:p>
+          <a:p>
+            <a:pPr marL="0" indent="0">
+              <a:lnSpc>
+                <a:spcPct val="100000"/>
+              </a:lnSpc>
+              <a:spcBef>
+                <a:spcPts val="0"/>
+              </a:spcBef>
+              <a:buSzTx/>
+              <a:buFontTx/>
+              <a:buNone/>
+              <a:tabLst>
+                <a:tab pos="304800" algn="l"/>
+                <a:tab pos="622300" algn="l"/>
+                <a:tab pos="939800" algn="l"/>
+                <a:tab pos="1257300" algn="l"/>
+                <a:tab pos="1574800" algn="l"/>
+                <a:tab pos="1892300" algn="l"/>
+                <a:tab pos="2209800" algn="l"/>
+                <a:tab pos="2527300" algn="l"/>
+                <a:tab pos="2844800" algn="l"/>
+                <a:tab pos="3162300" algn="l"/>
+                <a:tab pos="3479800" algn="l"/>
+                <a:tab pos="3797300" algn="l"/>
+              </a:tabLst>
+              <a:defRPr sz="1513">
+                <a:solidFill>
+                  <a:schemeClr val="accent3">
+                    <a:lumOff val="30981"/>
+                  </a:schemeClr>
+                </a:solidFill>
+                <a:latin typeface="Monaco"/>
+                <a:ea typeface="Monaco"/>
+                <a:cs typeface="Monaco"/>
+                <a:sym typeface="Monaco"/>
+              </a:defRPr>
+            </a:pPr>
+            <a:r>
+              <a:t>xmlgui2.xml:   </a:t>
+            </a:r>
+            <a:r>
+              <a:rPr u="sng">
+                <a:solidFill>
+                  <a:srgbClr val="0000FF"/>
+                </a:solidFill>
+                <a:uFill>
+                  <a:solidFill>
+                    <a:srgbClr val="0000FF"/>
+                  </a:solidFill>
+                </a:uFill>
+                <a:hlinkClick r:id="rId4" invalidUrl="" action="" tgtFrame="" tooltip="" history="1" highlightClick="0" endSnd="0"/>
+              </a:rPr>
+              <a:t>http://47.95.215.87:8080/onlinetable/xmlgui2.xml</a:t>
+            </a:r>
+          </a:p>
+          <a:p>
+            <a:pPr marL="0" indent="0">
+              <a:lnSpc>
+                <a:spcPct val="100000"/>
+              </a:lnSpc>
+              <a:spcBef>
+                <a:spcPts val="0"/>
+              </a:spcBef>
+              <a:buSzTx/>
+              <a:buFontTx/>
+              <a:buNone/>
+              <a:tabLst>
+                <a:tab pos="304800" algn="l"/>
+                <a:tab pos="622300" algn="l"/>
+                <a:tab pos="939800" algn="l"/>
+                <a:tab pos="1257300" algn="l"/>
+                <a:tab pos="1574800" algn="l"/>
+                <a:tab pos="1892300" algn="l"/>
+                <a:tab pos="2209800" algn="l"/>
+                <a:tab pos="2527300" algn="l"/>
+                <a:tab pos="2844800" algn="l"/>
+                <a:tab pos="3162300" algn="l"/>
+                <a:tab pos="3479800" algn="l"/>
+                <a:tab pos="3797300" algn="l"/>
+              </a:tabLst>
+              <a:defRPr sz="1513">
+                <a:solidFill>
+                  <a:schemeClr val="accent3">
+                    <a:lumOff val="30981"/>
+                  </a:schemeClr>
+                </a:solidFill>
+                <a:latin typeface="Monaco"/>
+                <a:ea typeface="Monaco"/>
+                <a:cs typeface="Monaco"/>
+                <a:sym typeface="Monaco"/>
+              </a:defRPr>
+            </a:pPr>
+            <a:r>
+              <a:t>xmlgui1-post.php http://47.95.215.87:8080/onlinetable/xmlgui1-post.php</a:t>
+            </a:r>
+          </a:p>
+          <a:p>
+            <a:pPr marL="0" indent="0">
+              <a:lnSpc>
+                <a:spcPct val="100000"/>
+              </a:lnSpc>
+              <a:spcBef>
+                <a:spcPts val="0"/>
+              </a:spcBef>
+              <a:buSzTx/>
+              <a:buFontTx/>
+              <a:buNone/>
+              <a:tabLst>
+                <a:tab pos="304800" algn="l"/>
+                <a:tab pos="622300" algn="l"/>
+                <a:tab pos="939800" algn="l"/>
+                <a:tab pos="1257300" algn="l"/>
+                <a:tab pos="1574800" algn="l"/>
+                <a:tab pos="1892300" algn="l"/>
+                <a:tab pos="2209800" algn="l"/>
+                <a:tab pos="2527300" algn="l"/>
+                <a:tab pos="2844800" algn="l"/>
+                <a:tab pos="3162300" algn="l"/>
+                <a:tab pos="3479800" algn="l"/>
+                <a:tab pos="3797300" algn="l"/>
+              </a:tabLst>
+              <a:defRPr sz="1513">
+                <a:solidFill>
+                  <a:schemeClr val="accent3">
+                    <a:lumOff val="30981"/>
+                  </a:schemeClr>
+                </a:solidFill>
+                <a:latin typeface="Monaco"/>
+                <a:ea typeface="Monaco"/>
+                <a:cs typeface="Monaco"/>
+                <a:sym typeface="Monaco"/>
+              </a:defRPr>
+            </a:pPr>
+          </a:p>
+          <a:p>
+            <a:pPr marL="203454" indent="-203454" defTabSz="813816">
+              <a:spcBef>
+                <a:spcPts val="800"/>
+              </a:spcBef>
+              <a:defRPr sz="2492"/>
+            </a:pPr>
             <a:r>
               <a:t>作业截止时间北京时间11月30后23:59</a:t>
             </a:r>
           </a:p>
           <a:p>
-            <a:pPr/>
-          </a:p>
-          <a:p>
-            <a:pPr/>
+            <a:pPr marL="203454" indent="-203454" defTabSz="813816">
+              <a:spcBef>
+                <a:spcPts val="800"/>
+              </a:spcBef>
+              <a:defRPr sz="2492"/>
+            </a:pPr>
+          </a:p>
+          <a:p>
+            <a:pPr marL="203454" indent="-203454" defTabSz="813816">
+              <a:spcBef>
+                <a:spcPts val="800"/>
+              </a:spcBef>
+              <a:defRPr sz="2492"/>
+            </a:pPr>
             <a:r>
               <a:t>作业提交内容（1）实验报告；（2）源代码（</a:t>
             </a:r>
@@ -19882,6 +20789,10 @@
           </p:nvPr>
         </p:nvSpPr>
         <p:spPr>
+          <a:xfrm>
+            <a:off x="838200" y="365125"/>
+            <a:ext cx="10515600" cy="1325563"/>
+          </a:xfrm>
           <a:prstGeom prst="rect">
             <a:avLst/>
           </a:prstGeom>
@@ -19903,6 +20814,10 @@
           </p:nvPr>
         </p:nvSpPr>
         <p:spPr>
+          <a:xfrm>
+            <a:off x="838200" y="1825625"/>
+            <a:ext cx="10515600" cy="4351338"/>
+          </a:xfrm>
           <a:prstGeom prst="rect">
             <a:avLst/>
           </a:prstGeom>
@@ -19939,7 +20854,7 @@
           </a:extLst>
         </p:spPr>
         <p:txBody>
-          <a:bodyPr lIns="45719" rIns="45719">
+          <a:bodyPr lIns="45718" tIns="45718" rIns="45718" bIns="45718">
             <a:normAutofit fontScale="100000" lnSpcReduction="0"/>
           </a:bodyPr>
           <a:lstStyle/>
@@ -19955,17 +20870,13 @@
               <a:buFont typeface="Arial"/>
               <a:buChar char="•"/>
               <a:defRPr sz="4800">
-                <a:solidFill>
-                  <a:srgbClr val="FF0000"/>
-                </a:solidFill>
+                <a:latin typeface="+mj-lt"/>
+                <a:ea typeface="+mj-ea"/>
+                <a:cs typeface="+mj-cs"/>
+                <a:sym typeface="Calibri"/>
               </a:defRPr>
             </a:pPr>
             <a:r>
-              <a:rPr>
-                <a:solidFill>
-                  <a:srgbClr val="000000"/>
-                </a:solidFill>
-              </a:rPr>
               <a:t>ftp 提交网站：</a:t>
             </a:r>
             <a:r>
@@ -19984,17 +20895,22 @@
             <a:r>
               <a:rPr u="sng">
                 <a:solidFill>
-                  <a:srgbClr val="0563C1"/>
+                  <a:srgbClr val="0000FF"/>
                 </a:solidFill>
                 <a:uFill>
                   <a:solidFill>
-                    <a:srgbClr val="0563C1"/>
+                    <a:srgbClr val="0000FF"/>
                   </a:solidFill>
                 </a:uFill>
                 <a:hlinkClick r:id="rId2" invalidUrl="" action="" tgtFrame="" tooltip="" history="1" highlightClick="0" endSnd="0"/>
               </a:rPr>
               <a:t>172.18.5.102</a:t>
             </a:r>
+            <a:endParaRPr>
+              <a:solidFill>
+                <a:srgbClr val="FF0000"/>
+              </a:solidFill>
+            </a:endParaRPr>
           </a:p>
           <a:p>
             <a:pPr marL="228600" indent="-228600">
@@ -20007,7 +20923,12 @@
               <a:buSzPct val="100000"/>
               <a:buFont typeface="Arial"/>
               <a:buChar char="•"/>
-              <a:defRPr sz="4800"/>
+              <a:defRPr sz="4800">
+                <a:latin typeface="+mj-lt"/>
+                <a:ea typeface="+mj-ea"/>
+                <a:cs typeface="+mj-cs"/>
+                <a:sym typeface="Calibri"/>
+              </a:defRPr>
             </a:pPr>
             <a:r>
               <a:t>User dailiyun password dailiyun</a:t>
@@ -20024,17 +20945,22 @@
               <a:buSzPct val="100000"/>
               <a:buFont typeface="Arial"/>
               <a:buChar char="•"/>
-              <a:defRPr sz="4800"/>
-            </a:pPr>
-            <a:r>
-              <a:rPr>
+              <a:defRPr sz="4800">
                 <a:latin typeface="微软雅黑"/>
                 <a:ea typeface="微软雅黑"/>
                 <a:cs typeface="微软雅黑"/>
                 <a:sym typeface="微软雅黑"/>
-              </a:rPr>
+              </a:defRPr>
+            </a:pPr>
+            <a:r>
               <a:t>内容：</a:t>
             </a:r>
+            <a:endParaRPr>
+              <a:latin typeface="+mj-lt"/>
+              <a:ea typeface="+mj-ea"/>
+              <a:cs typeface="+mj-cs"/>
+              <a:sym typeface="Calibri"/>
+            </a:endParaRPr>
           </a:p>
           <a:p>
             <a:pPr lvl="1" marL="685800" indent="-228600">
@@ -20047,33 +20973,43 @@
               <a:buSzPct val="100000"/>
               <a:buFont typeface="Arial"/>
               <a:buChar char="•"/>
-              <a:defRPr sz="4400"/>
-            </a:pPr>
-            <a:r>
-              <a:rPr>
+              <a:defRPr sz="4400">
                 <a:latin typeface="微软雅黑"/>
                 <a:ea typeface="微软雅黑"/>
                 <a:cs typeface="微软雅黑"/>
                 <a:sym typeface="微软雅黑"/>
+              </a:defRPr>
+            </a:pPr>
+            <a:r>
+              <a:t>实验报告。 学号</a:t>
+            </a:r>
+            <a:r>
+              <a:rPr>
+                <a:latin typeface="+mj-lt"/>
+                <a:ea typeface="+mj-ea"/>
+                <a:cs typeface="+mj-cs"/>
+                <a:sym typeface="Calibri"/>
               </a:rPr>
-              <a:t>实验报告。 学号</a:t>
-            </a:r>
-            <a:r>
               <a:t>-</a:t>
             </a:r>
             <a:r>
+              <a:t>姓名</a:t>
+            </a:r>
+            <a:r>
               <a:rPr>
-                <a:latin typeface="微软雅黑"/>
-                <a:ea typeface="微软雅黑"/>
-                <a:cs typeface="微软雅黑"/>
-                <a:sym typeface="微软雅黑"/>
+                <a:latin typeface="+mj-lt"/>
+                <a:ea typeface="+mj-ea"/>
+                <a:cs typeface="+mj-cs"/>
+                <a:sym typeface="Calibri"/>
               </a:rPr>
-              <a:t>姓名</a:t>
-            </a:r>
-            <a:r>
               <a:t>.doc</a:t>
             </a:r>
-            <a:endParaRPr sz="2400"/>
+            <a:endParaRPr sz="2400">
+              <a:latin typeface="+mj-lt"/>
+              <a:ea typeface="+mj-ea"/>
+              <a:cs typeface="+mj-cs"/>
+              <a:sym typeface="Calibri"/>
+            </a:endParaRPr>
           </a:p>
           <a:p>
             <a:pPr lvl="1" marL="685800" indent="-228600">
@@ -20086,30 +21022,35 @@
               <a:buSzPct val="100000"/>
               <a:buFont typeface="Arial"/>
               <a:buChar char="•"/>
-              <a:defRPr sz="4400"/>
-            </a:pPr>
-            <a:r>
-              <a:rPr>
+              <a:defRPr sz="4400">
                 <a:latin typeface="微软雅黑"/>
                 <a:ea typeface="微软雅黑"/>
                 <a:cs typeface="微软雅黑"/>
                 <a:sym typeface="微软雅黑"/>
+              </a:defRPr>
+            </a:pPr>
+            <a:r>
+              <a:t>代码。学号</a:t>
+            </a:r>
+            <a:r>
+              <a:rPr>
+                <a:latin typeface="+mj-lt"/>
+                <a:ea typeface="+mj-ea"/>
+                <a:cs typeface="+mj-cs"/>
+                <a:sym typeface="Calibri"/>
               </a:rPr>
-              <a:t>代码。学号</a:t>
-            </a:r>
-            <a:r>
               <a:t>-</a:t>
             </a:r>
             <a:r>
+              <a:t>姓名</a:t>
+            </a:r>
+            <a:r>
               <a:rPr>
-                <a:latin typeface="微软雅黑"/>
-                <a:ea typeface="微软雅黑"/>
-                <a:cs typeface="微软雅黑"/>
-                <a:sym typeface="微软雅黑"/>
+                <a:latin typeface="+mj-lt"/>
+                <a:ea typeface="+mj-ea"/>
+                <a:cs typeface="+mj-cs"/>
+                <a:sym typeface="Calibri"/>
               </a:rPr>
-              <a:t>姓名</a:t>
-            </a:r>
-            <a:r>
               <a:t>.zip(rar)</a:t>
             </a:r>
           </a:p>
@@ -20157,6 +21098,10 @@
           </p:nvPr>
         </p:nvSpPr>
         <p:spPr>
+          <a:xfrm>
+            <a:off x="838200" y="365125"/>
+            <a:ext cx="10515600" cy="1325563"/>
+          </a:xfrm>
           <a:prstGeom prst="rect">
             <a:avLst/>
           </a:prstGeom>
@@ -20190,7 +21135,7 @@
         <p:spPr>
           <a:xfrm>
             <a:off x="1326507" y="2277140"/>
-            <a:ext cx="8393371" cy="408939"/>
+            <a:ext cx="8393371" cy="408937"/>
           </a:xfrm>
           <a:prstGeom prst="rect">
             <a:avLst/>
@@ -20208,7 +21153,16 @@
           <a:bodyPr lIns="45718" tIns="45718" rIns="45718" bIns="45718">
             <a:spAutoFit/>
           </a:bodyPr>
-          <a:lstStyle/>
+          <a:lstStyle>
+            <a:lvl1pPr>
+              <a:defRPr>
+                <a:latin typeface="+mj-lt"/>
+                <a:ea typeface="+mj-ea"/>
+                <a:cs typeface="+mj-cs"/>
+                <a:sym typeface="Calibri"/>
+              </a:defRPr>
+            </a:lvl1pPr>
+          </a:lstStyle>
           <a:p>
             <a:pPr/>
             <a:r>
@@ -20226,7 +21180,7 @@
         <p:spPr>
           <a:xfrm>
             <a:off x="1298311" y="4557090"/>
-            <a:ext cx="11004162" cy="408939"/>
+            <a:ext cx="11004160" cy="408937"/>
           </a:xfrm>
           <a:prstGeom prst="rect">
             <a:avLst/>
@@ -20244,7 +21198,16 @@
           <a:bodyPr wrap="none" lIns="45718" tIns="45718" rIns="45718" bIns="45718">
             <a:spAutoFit/>
           </a:bodyPr>
-          <a:lstStyle/>
+          <a:lstStyle>
+            <a:lvl1pPr>
+              <a:defRPr>
+                <a:latin typeface="+mj-lt"/>
+                <a:ea typeface="+mj-ea"/>
+                <a:cs typeface="+mj-cs"/>
+                <a:sym typeface="Calibri"/>
+              </a:defRPr>
+            </a:lvl1pPr>
+          </a:lstStyle>
           <a:p>
             <a:pPr/>
             <a:r>
@@ -20261,8 +21224,8 @@
         </p:nvSpPr>
         <p:spPr>
           <a:xfrm>
-            <a:off x="1326507" y="3471803"/>
-            <a:ext cx="8393371" cy="726439"/>
+            <a:off x="1326507" y="3471802"/>
+            <a:ext cx="8393371" cy="726437"/>
           </a:xfrm>
           <a:prstGeom prst="rect">
             <a:avLst/>
@@ -20280,7 +21243,16 @@
           <a:bodyPr lIns="45718" tIns="45718" rIns="45718" bIns="45718">
             <a:spAutoFit/>
           </a:bodyPr>
-          <a:lstStyle/>
+          <a:lstStyle>
+            <a:lvl1pPr>
+              <a:defRPr>
+                <a:latin typeface="+mj-lt"/>
+                <a:ea typeface="+mj-ea"/>
+                <a:cs typeface="+mj-cs"/>
+                <a:sym typeface="Calibri"/>
+              </a:defRPr>
+            </a:lvl1pPr>
+          </a:lstStyle>
           <a:p>
             <a:pPr/>
             <a:r>
@@ -20364,8 +21336,8 @@
         </p:nvSpPr>
         <p:spPr>
           <a:xfrm>
-            <a:off x="838200" y="1870738"/>
-            <a:ext cx="10515600" cy="4351339"/>
+            <a:off x="838200" y="1870737"/>
+            <a:ext cx="10515600" cy="4351340"/>
           </a:xfrm>
           <a:prstGeom prst="rect">
             <a:avLst/>
@@ -20383,7 +21355,6 @@
                 <a:spcPts val="0"/>
               </a:spcBef>
               <a:buSzTx/>
-              <a:buFontTx/>
               <a:buNone/>
               <a:defRPr sz="1400">
                 <a:solidFill>
@@ -20396,10 +21367,7 @@
               </a:defRPr>
             </a:pPr>
             <a:r>
-              <a:t>&lt;?xml</a:t>
-            </a:r>
-            <a:r>
-              <a:t> </a:t>
+              <a:t>&lt;?xml </a:t>
             </a:r>
             <a:r>
               <a:rPr>
@@ -20410,10 +21378,7 @@
               <a:t>version</a:t>
             </a:r>
             <a:r>
-              <a:t>="1.0"</a:t>
-            </a:r>
-            <a:r>
-              <a:t> </a:t>
+              <a:t>="1.0" </a:t>
             </a:r>
             <a:r>
               <a:rPr>
@@ -20436,7 +21401,6 @@
                 <a:spcPts val="0"/>
               </a:spcBef>
               <a:buSzTx/>
-              <a:buFontTx/>
               <a:buNone/>
               <a:defRPr sz="1400">
                 <a:solidFill>
@@ -20461,7 +21425,6 @@
                 <a:spcPts val="0"/>
               </a:spcBef>
               <a:buSzTx/>
-              <a:buFontTx/>
               <a:buNone/>
               <a:defRPr sz="1400">
                 <a:solidFill>
@@ -20474,10 +21437,7 @@
               </a:defRPr>
             </a:pPr>
             <a:r>
-              <a:t>&lt;form</a:t>
-            </a:r>
-            <a:r>
-              <a:t> </a:t>
+              <a:t>&lt;form </a:t>
             </a:r>
             <a:r>
               <a:rPr>
@@ -20488,10 +21448,7 @@
               <a:t>id</a:t>
             </a:r>
             <a:r>
-              <a:t>="1"</a:t>
-            </a:r>
-            <a:r>
-              <a:t> </a:t>
+              <a:t>="1" </a:t>
             </a:r>
             <a:r>
               <a:rPr>
@@ -20514,7 +21471,6 @@
                 <a:spcPts val="0"/>
               </a:spcBef>
               <a:buSzTx/>
-              <a:buFontTx/>
               <a:buNone/>
               <a:defRPr sz="1400">
                 <a:solidFill>
@@ -20538,13 +21494,7 @@
               <a:t>submitTo</a:t>
             </a:r>
             <a:r>
-              <a:t>="http://serverurl/xmlgui1-post.php"</a:t>
-            </a:r>
-            <a:r>
-              <a:t> </a:t>
-            </a:r>
-            <a:r>
-              <a:t>&gt;</a:t>
+              <a:t>="http://serverurl/xmlgui1-post.php" &gt;</a:t>
             </a:r>
           </a:p>
           <a:p>
@@ -20556,7 +21506,6 @@
                 <a:spcPts val="0"/>
               </a:spcBef>
               <a:buSzTx/>
-              <a:buFontTx/>
               <a:buNone/>
               <a:defRPr sz="1400">
                 <a:solidFill>
@@ -20569,10 +21518,7 @@
               </a:defRPr>
             </a:pPr>
             <a:r>
-              <a:t>&lt;field</a:t>
-            </a:r>
-            <a:r>
-              <a:t> </a:t>
+              <a:t>&lt;field </a:t>
             </a:r>
             <a:r>
               <a:rPr>
@@ -20583,10 +21529,7 @@
               <a:t>name</a:t>
             </a:r>
             <a:r>
-              <a:t>="fname"</a:t>
-            </a:r>
-            <a:r>
-              <a:t> </a:t>
+              <a:t>="fname" </a:t>
             </a:r>
             <a:r>
               <a:rPr>
@@ -20597,10 +21540,7 @@
               <a:t>label</a:t>
             </a:r>
             <a:r>
-              <a:t>="Name"</a:t>
-            </a:r>
-            <a:r>
-              <a:t> </a:t>
+              <a:t>="Name" </a:t>
             </a:r>
             <a:r>
               <a:rPr>
@@ -20611,10 +21551,7 @@
               <a:t>type</a:t>
             </a:r>
             <a:r>
-              <a:t>="text"</a:t>
-            </a:r>
-            <a:r>
-              <a:t> </a:t>
+              <a:t>="text" </a:t>
             </a:r>
             <a:r>
               <a:rPr>
@@ -20636,10 +21573,7 @@
               <a:t>required</a:t>
             </a:r>
             <a:r>
-              <a:t>="Y"</a:t>
-            </a:r>
-            <a:r>
-              <a:t> </a:t>
+              <a:t>="Y" </a:t>
             </a:r>
             <a:r>
               <a:rPr>
@@ -20662,7 +21596,6 @@
                 <a:spcPts val="0"/>
               </a:spcBef>
               <a:buSzTx/>
-              <a:buFontTx/>
               <a:buNone/>
               <a:defRPr sz="1400">
                 <a:solidFill>
@@ -20675,10 +21608,7 @@
               </a:defRPr>
             </a:pPr>
             <a:r>
-              <a:t>&lt;field</a:t>
-            </a:r>
-            <a:r>
-              <a:t> </a:t>
+              <a:t>&lt;field </a:t>
             </a:r>
             <a:r>
               <a:rPr>
@@ -20689,10 +21619,7 @@
               <a:t>name</a:t>
             </a:r>
             <a:r>
-              <a:t>="学号"</a:t>
-            </a:r>
-            <a:r>
-              <a:t> </a:t>
+              <a:t>="学号" </a:t>
             </a:r>
             <a:r>
               <a:rPr>
@@ -20703,10 +21630,7 @@
               <a:t>label</a:t>
             </a:r>
             <a:r>
-              <a:t>=“id"</a:t>
-            </a:r>
-            <a:r>
-              <a:t> </a:t>
+              <a:t>=“id" </a:t>
             </a:r>
             <a:r>
               <a:rPr>
@@ -20717,10 +21641,7 @@
               <a:t>type</a:t>
             </a:r>
             <a:r>
-              <a:t>="text"</a:t>
-            </a:r>
-            <a:r>
-              <a:t> </a:t>
+              <a:t>="text" </a:t>
             </a:r>
             <a:r>
               <a:rPr>
@@ -20739,10 +21660,7 @@
               <a:t>required</a:t>
             </a:r>
             <a:r>
-              <a:t>="Y"</a:t>
-            </a:r>
-            <a:r>
-              <a:t> </a:t>
+              <a:t>="Y" </a:t>
             </a:r>
             <a:r>
               <a:rPr>
@@ -20765,7 +21683,6 @@
                 <a:spcPts val="0"/>
               </a:spcBef>
               <a:buSzTx/>
-              <a:buFontTx/>
               <a:buNone/>
               <a:defRPr sz="1400">
                 <a:solidFill>
@@ -20778,10 +21695,7 @@
               </a:defRPr>
             </a:pPr>
             <a:r>
-              <a:t>&lt;field</a:t>
-            </a:r>
-            <a:r>
-              <a:t> </a:t>
+              <a:t>&lt;field </a:t>
             </a:r>
             <a:r>
               <a:rPr>
@@ -20792,10 +21706,7 @@
               <a:t>name</a:t>
             </a:r>
             <a:r>
-              <a:t>="gender"</a:t>
-            </a:r>
-            <a:r>
-              <a:t> </a:t>
+              <a:t>="gender" </a:t>
             </a:r>
             <a:r>
               <a:rPr>
@@ -20806,10 +21717,7 @@
               <a:t>label</a:t>
             </a:r>
             <a:r>
-              <a:t>="Gender"</a:t>
-            </a:r>
-            <a:r>
-              <a:t> </a:t>
+              <a:t>="Gender" </a:t>
             </a:r>
             <a:r>
               <a:rPr>
@@ -20820,10 +21728,7 @@
               <a:t>type</a:t>
             </a:r>
             <a:r>
-              <a:t>="choice"</a:t>
-            </a:r>
-            <a:r>
-              <a:t> </a:t>
+              <a:t>="choice" </a:t>
             </a:r>
             <a:r>
               <a:rPr>
@@ -20834,10 +21739,7 @@
               <a:t>required</a:t>
             </a:r>
             <a:r>
-              <a:t>="Y"</a:t>
-            </a:r>
-            <a:r>
-              <a:t> </a:t>
+              <a:t>="Y" </a:t>
             </a:r>
             <a:r>
               <a:rPr>
@@ -20860,7 +21762,6 @@
                 <a:spcPts val="0"/>
               </a:spcBef>
               <a:buSzTx/>
-              <a:buFontTx/>
               <a:buNone/>
               <a:defRPr sz="1400">
                 <a:solidFill>
@@ -20873,10 +21774,7 @@
               </a:defRPr>
             </a:pPr>
             <a:r>
-              <a:t>&lt;field</a:t>
-            </a:r>
-            <a:r>
-              <a:t> </a:t>
+              <a:t>&lt;field </a:t>
             </a:r>
             <a:r>
               <a:rPr>
@@ -20887,10 +21785,7 @@
               <a:t>name</a:t>
             </a:r>
             <a:r>
-              <a:t>="age"</a:t>
-            </a:r>
-            <a:r>
-              <a:t> </a:t>
+              <a:t>="age" </a:t>
             </a:r>
             <a:r>
               <a:rPr>
@@ -20901,10 +21796,7 @@
               <a:t>label</a:t>
             </a:r>
             <a:r>
-              <a:t>="Age on 15 Oct. 2010"</a:t>
-            </a:r>
-            <a:r>
-              <a:t> </a:t>
+              <a:t>="Age on 15 Oct. 2010" </a:t>
             </a:r>
             <a:r>
               <a:rPr>
@@ -20915,10 +21807,7 @@
               <a:t>type</a:t>
             </a:r>
             <a:r>
-              <a:t>="numeric"</a:t>
-            </a:r>
-            <a:r>
-              <a:t> </a:t>
+              <a:t>="numeric" </a:t>
             </a:r>
             <a:r>
               <a:rPr>
@@ -20929,10 +21818,7 @@
               <a:t>required</a:t>
             </a:r>
             <a:r>
-              <a:t>="N"</a:t>
-            </a:r>
-            <a:r>
-              <a:t> </a:t>
+              <a:t>="N" </a:t>
             </a:r>
             <a:r>
               <a:rPr>
@@ -20955,7 +21841,6 @@
                 <a:spcPts val="0"/>
               </a:spcBef>
               <a:buSzTx/>
-              <a:buFontTx/>
               <a:buNone/>
               <a:defRPr sz="1400">
                 <a:solidFill>
@@ -20980,7 +21865,6 @@
                 <a:spcPts val="0"/>
               </a:spcBef>
               <a:buSzTx/>
-              <a:buFontTx/>
               <a:buNone/>
               <a:defRPr sz="1400">
                 <a:solidFill>
@@ -20998,59 +21882,122 @@
           </a:p>
         </p:txBody>
       </p:sp>
+      <p:grpSp>
+        <p:nvGrpSpPr>
+          <p:cNvPr id="552" name="当app渲染是自动在这个文本框中填入属性设置中“姓名”的内容。例如这里会自动填充“张三”"/>
+          <p:cNvGrpSpPr/>
+          <p:nvPr/>
+        </p:nvGrpSpPr>
+        <p:grpSpPr>
+          <a:xfrm>
+            <a:off x="7085096" y="1702920"/>
+            <a:ext cx="2262571" cy="934358"/>
+            <a:chOff x="0" y="0"/>
+            <a:chExt cx="2262570" cy="934357"/>
+          </a:xfrm>
+        </p:grpSpPr>
+        <p:sp>
+          <p:nvSpPr>
+            <p:cNvPr id="550" name="矩形"/>
+            <p:cNvSpPr/>
+            <p:nvPr/>
+          </p:nvSpPr>
+          <p:spPr>
+            <a:xfrm>
+              <a:off x="-1" y="-1"/>
+              <a:ext cx="2262572" cy="934359"/>
+            </a:xfrm>
+            <a:prstGeom prst="rect">
+              <a:avLst/>
+            </a:prstGeom>
+            <a:solidFill>
+              <a:srgbClr val="FFFFFF"/>
+            </a:solidFill>
+            <a:ln w="25400" cap="flat">
+              <a:solidFill>
+                <a:schemeClr val="accent1"/>
+              </a:solidFill>
+              <a:prstDash val="solid"/>
+              <a:round/>
+            </a:ln>
+            <a:effectLst/>
+          </p:spPr>
+          <p:txBody>
+            <a:bodyPr wrap="square" lIns="45718" tIns="45718" rIns="45718" bIns="45718" numCol="1" anchor="ctr">
+              <a:noAutofit/>
+            </a:bodyPr>
+            <a:lstStyle/>
+            <a:p>
+              <a:pPr>
+                <a:defRPr sz="1100">
+                  <a:latin typeface="+mj-lt"/>
+                  <a:ea typeface="+mj-ea"/>
+                  <a:cs typeface="+mj-cs"/>
+                  <a:sym typeface="Calibri"/>
+                </a:defRPr>
+              </a:pPr>
+            </a:p>
+          </p:txBody>
+        </p:sp>
+        <p:sp>
+          <p:nvSpPr>
+            <p:cNvPr id="551" name="当app渲染是自动在这个文本框中填入属性设置中“姓名”的内容。例如这里会自动填充“张三”"/>
+            <p:cNvSpPr txBox="1"/>
+            <p:nvPr/>
+          </p:nvSpPr>
+          <p:spPr>
+            <a:xfrm>
+              <a:off x="-1" y="116660"/>
+              <a:ext cx="2262572" cy="701037"/>
+            </a:xfrm>
+            <a:prstGeom prst="rect">
+              <a:avLst/>
+            </a:prstGeom>
+            <a:noFill/>
+            <a:ln w="12700" cap="flat">
+              <a:noFill/>
+              <a:miter lim="400000"/>
+            </a:ln>
+            <a:effectLst/>
+            <a:extLst>
+              <a:ext uri="{C572A759-6A51-4108-AA02-DFA0A04FC94B}">
+                <ma14:wrappingTextBoxFlag xmlns:ma14="http://schemas.microsoft.com/office/mac/drawingml/2011/main" val="1"/>
+              </a:ext>
+            </a:extLst>
+          </p:spPr>
+          <p:txBody>
+            <a:bodyPr wrap="square" lIns="45718" tIns="45718" rIns="45718" bIns="45718" numCol="1" anchor="ctr">
+              <a:spAutoFit/>
+            </a:bodyPr>
+            <a:lstStyle>
+              <a:lvl1pPr>
+                <a:defRPr sz="1100">
+                  <a:latin typeface="+mj-lt"/>
+                  <a:ea typeface="+mj-ea"/>
+                  <a:cs typeface="+mj-cs"/>
+                  <a:sym typeface="Calibri"/>
+                </a:defRPr>
+              </a:lvl1pPr>
+            </a:lstStyle>
+            <a:p>
+              <a:pPr/>
+              <a:r>
+                <a:t>当app渲染是自动在这个文本框中填入属性设置中“姓名”的内容。例如这里会自动填充“张三”</a:t>
+              </a:r>
+            </a:p>
+          </p:txBody>
+        </p:sp>
+      </p:grpSp>
       <p:sp>
         <p:nvSpPr>
-          <p:cNvPr id="550" name="当app渲染是自动在这个文本框中填入属性设置中“姓名”的内容。例如这里会自动填充“张三”"/>
-          <p:cNvSpPr/>
-          <p:nvPr/>
-        </p:nvSpPr>
-        <p:spPr>
-          <a:xfrm>
-            <a:off x="7085096" y="1702920"/>
-            <a:ext cx="2262570" cy="934357"/>
-          </a:xfrm>
-          <a:prstGeom prst="rect">
-            <a:avLst/>
-          </a:prstGeom>
-          <a:solidFill>
-            <a:srgbClr val="FFFFFF"/>
-          </a:solidFill>
-          <a:ln w="25400">
-            <a:solidFill>
-              <a:schemeClr val="accent1"/>
-            </a:solidFill>
-          </a:ln>
-          <a:extLst>
-            <a:ext uri="{C572A759-6A51-4108-AA02-DFA0A04FC94B}">
-              <ma14:wrappingTextBoxFlag xmlns:ma14="http://schemas.microsoft.com/office/mac/drawingml/2011/main" val="1"/>
-            </a:ext>
-          </a:extLst>
-        </p:spPr>
-        <p:txBody>
-          <a:bodyPr lIns="45718" tIns="45718" rIns="45718" bIns="45718" anchor="ctr"/>
-          <a:lstStyle>
-            <a:lvl1pPr>
-              <a:defRPr sz="1100"/>
-            </a:lvl1pPr>
-          </a:lstStyle>
-          <a:p>
-            <a:pPr/>
-            <a:r>
-              <a:t>当app渲染是自动在这个文本框中填入属性设置中“姓名”的内容。例如这里会自动填充“张三”</a:t>
-            </a:r>
-          </a:p>
-        </p:txBody>
-      </p:sp>
-      <p:sp>
-        <p:nvSpPr>
-          <p:cNvPr id="551" name="线条"/>
+          <p:cNvPr id="553" name="线条"/>
           <p:cNvSpPr/>
           <p:nvPr/>
         </p:nvSpPr>
         <p:spPr>
           <a:xfrm flipH="1">
-            <a:off x="5283216" y="2141024"/>
-            <a:ext cx="1749210" cy="598280"/>
+            <a:off x="5283216" y="2141023"/>
+            <a:ext cx="1749211" cy="598281"/>
           </a:xfrm>
           <a:prstGeom prst="line">
             <a:avLst/>
@@ -21104,10 +22051,10 @@
         </p:nvGrpSpPr>
         <p:grpSpPr>
           <a:xfrm>
-            <a:off x="4127500" y="550860"/>
-            <a:ext cx="3376615" cy="3375031"/>
-            <a:chOff x="0" y="-1"/>
-            <a:chExt cx="3376614" cy="3375030"/>
+            <a:off x="4127500" y="550859"/>
+            <a:ext cx="3376617" cy="3375033"/>
+            <a:chOff x="0" y="0"/>
+            <a:chExt cx="3376615" cy="3375031"/>
           </a:xfrm>
         </p:grpSpPr>
         <p:sp>
@@ -21118,8 +22065,8 @@
           </p:nvSpPr>
           <p:spPr>
             <a:xfrm>
-              <a:off x="0" y="-2"/>
-              <a:ext cx="3376615" cy="3375031"/>
+              <a:off x="0" y="-1"/>
+              <a:ext cx="3376617" cy="3375033"/>
             </a:xfrm>
             <a:prstGeom prst="ellipse">
               <a:avLst/>
@@ -21145,6 +22092,10 @@
                   <a:solidFill>
                     <a:srgbClr val="FFFFFF"/>
                   </a:solidFill>
+                  <a:latin typeface="+mj-lt"/>
+                  <a:ea typeface="+mj-ea"/>
+                  <a:cs typeface="+mj-cs"/>
+                  <a:sym typeface="Calibri"/>
                 </a:defRPr>
               </a:pPr>
             </a:p>
@@ -21158,8 +22109,8 @@
           </p:nvSpPr>
           <p:spPr>
             <a:xfrm>
-              <a:off x="494494" y="936942"/>
-              <a:ext cx="2387626" cy="1501139"/>
+              <a:off x="494494" y="936943"/>
+              <a:ext cx="2387627" cy="1501137"/>
             </a:xfrm>
             <a:prstGeom prst="rect">
               <a:avLst/>
@@ -21186,6 +22137,10 @@
                   <a:solidFill>
                     <a:srgbClr val="FFFFFF"/>
                   </a:solidFill>
+                  <a:latin typeface="+mj-lt"/>
+                  <a:ea typeface="+mj-ea"/>
+                  <a:cs typeface="+mj-cs"/>
+                  <a:sym typeface="Calibri"/>
                 </a:defRPr>
               </a:lvl1pPr>
             </a:lstStyle>
@@ -21206,8 +22161,8 @@
         </p:nvSpPr>
         <p:spPr>
           <a:xfrm rot="17100000">
-            <a:off x="4401121" y="1615749"/>
-            <a:ext cx="1709107" cy="2716059"/>
+            <a:off x="4401094" y="1615769"/>
+            <a:ext cx="1709150" cy="2716060"/>
           </a:xfrm>
           <a:custGeom>
             <a:avLst/>
@@ -21265,6 +22220,10 @@
                 <a:solidFill>
                   <a:srgbClr val="FFFFFF"/>
                 </a:solidFill>
+                <a:latin typeface="+mj-lt"/>
+                <a:ea typeface="+mj-ea"/>
+                <a:cs typeface="+mj-cs"/>
+                <a:sym typeface="Calibri"/>
               </a:defRPr>
             </a:pPr>
           </a:p>
@@ -21278,8 +22237,8 @@
         </p:nvSpPr>
         <p:spPr>
           <a:xfrm>
-            <a:off x="3517899" y="1239837"/>
-            <a:ext cx="3595691" cy="3211513"/>
+            <a:off x="3517898" y="1239836"/>
+            <a:ext cx="3595692" cy="3211515"/>
           </a:xfrm>
           <a:prstGeom prst="line">
             <a:avLst/>
@@ -21308,7 +22267,7 @@
         <p:spPr>
           <a:xfrm>
             <a:off x="2178003" y="4714042"/>
-            <a:ext cx="6911538" cy="942339"/>
+            <a:ext cx="6911535" cy="942337"/>
           </a:xfrm>
           <a:prstGeom prst="rect">
             <a:avLst/>
@@ -21355,8 +22314,8 @@
         </p:nvSpPr>
         <p:spPr>
           <a:xfrm>
-            <a:off x="851127" y="5176836"/>
-            <a:ext cx="1170858" cy="3"/>
+            <a:off x="851127" y="5176835"/>
+            <a:ext cx="1170859" cy="4"/>
           </a:xfrm>
           <a:prstGeom prst="line">
             <a:avLst/>
@@ -21385,7 +22344,7 @@
         <p:spPr>
           <a:xfrm>
             <a:off x="9749307" y="5176837"/>
-            <a:ext cx="1426014" cy="1"/>
+            <a:ext cx="1426015" cy="2"/>
           </a:xfrm>
           <a:prstGeom prst="line">
             <a:avLst/>
@@ -21450,10 +22409,10 @@
         </p:nvGrpSpPr>
         <p:grpSpPr>
           <a:xfrm>
-            <a:off x="201610" y="571497"/>
-            <a:ext cx="11418893" cy="1322392"/>
+            <a:off x="201608" y="571495"/>
+            <a:ext cx="11418896" cy="1322395"/>
             <a:chOff x="-1" y="-1"/>
-            <a:chExt cx="11418891" cy="1322390"/>
+            <a:chExt cx="11418895" cy="1322393"/>
           </a:xfrm>
         </p:grpSpPr>
         <p:sp>
@@ -21464,8 +22423,8 @@
           </p:nvSpPr>
           <p:spPr>
             <a:xfrm>
-              <a:off x="2352674" y="769939"/>
-              <a:ext cx="9066217" cy="552451"/>
+              <a:off x="2352675" y="769941"/>
+              <a:ext cx="9066219" cy="552452"/>
             </a:xfrm>
             <a:prstGeom prst="rect">
               <a:avLst/>
@@ -21492,6 +22451,10 @@
                   <a:solidFill>
                     <a:srgbClr val="FFFFFF"/>
                   </a:solidFill>
+                  <a:latin typeface="+mj-lt"/>
+                  <a:ea typeface="+mj-ea"/>
+                  <a:cs typeface="+mj-cs"/>
+                  <a:sym typeface="Calibri"/>
                 </a:defRPr>
               </a:pPr>
             </a:p>
@@ -21505,8 +22468,8 @@
           </p:nvSpPr>
           <p:spPr>
             <a:xfrm>
-              <a:off x="2770340" y="-2"/>
-              <a:ext cx="3241386" cy="764539"/>
+              <a:off x="2770341" y="-2"/>
+              <a:ext cx="3241384" cy="764537"/>
             </a:xfrm>
             <a:prstGeom prst="rect">
               <a:avLst/>
@@ -21556,8 +22519,8 @@
           </p:nvSpPr>
           <p:spPr>
             <a:xfrm>
-              <a:off x="-2" y="773113"/>
-              <a:ext cx="2479677" cy="3"/>
+              <a:off x="-2" y="773115"/>
+              <a:ext cx="2479678" cy="4"/>
             </a:xfrm>
             <a:prstGeom prst="line">
               <a:avLst/>
@@ -21590,8 +22553,8 @@
           </p:nvSpPr>
           <p:spPr>
             <a:xfrm>
-              <a:off x="2352674" y="98424"/>
-              <a:ext cx="306388" cy="1223966"/>
+              <a:off x="2352675" y="98425"/>
+              <a:ext cx="306389" cy="1223968"/>
             </a:xfrm>
             <a:prstGeom prst="rect">
               <a:avLst/>
@@ -21616,6 +22579,10 @@
                   <a:solidFill>
                     <a:srgbClr val="FFFFFF"/>
                   </a:solidFill>
+                  <a:latin typeface="+mj-lt"/>
+                  <a:ea typeface="+mj-ea"/>
+                  <a:cs typeface="+mj-cs"/>
+                  <a:sym typeface="Calibri"/>
                 </a:defRPr>
               </a:pPr>
             </a:p>
@@ -21629,8 +22596,8 @@
           </p:nvSpPr>
           <p:spPr>
             <a:xfrm>
-              <a:off x="2770187" y="841376"/>
-              <a:ext cx="5594036" cy="447039"/>
+              <a:off x="2770188" y="841378"/>
+              <a:ext cx="5594034" cy="447037"/>
             </a:xfrm>
             <a:prstGeom prst="rect">
               <a:avLst/>
@@ -21681,10 +22648,10 @@
         </p:nvGrpSpPr>
         <p:grpSpPr>
           <a:xfrm>
-            <a:off x="1607674" y="2565401"/>
-            <a:ext cx="9126541" cy="3498853"/>
+            <a:off x="1607673" y="2565401"/>
+            <a:ext cx="9126544" cy="3498854"/>
             <a:chOff x="0" y="0"/>
-            <a:chExt cx="9126539" cy="3498852"/>
+            <a:chExt cx="9126543" cy="3498853"/>
           </a:xfrm>
         </p:grpSpPr>
         <p:grpSp>
@@ -21695,10 +22662,10 @@
           </p:nvGrpSpPr>
           <p:grpSpPr>
             <a:xfrm>
-              <a:off x="-1" y="111124"/>
-              <a:ext cx="9126541" cy="3387729"/>
+              <a:off x="-1" y="111123"/>
+              <a:ext cx="9126544" cy="3387731"/>
               <a:chOff x="0" y="0"/>
-              <a:chExt cx="9126540" cy="3387728"/>
+              <a:chExt cx="9126543" cy="3387730"/>
             </a:xfrm>
           </p:grpSpPr>
           <p:sp>
@@ -21710,7 +22677,7 @@
             <p:spPr>
               <a:xfrm>
                 <a:off x="0" y="-1"/>
-                <a:ext cx="3389315" cy="3387729"/>
+                <a:ext cx="3389316" cy="3387731"/>
               </a:xfrm>
               <a:prstGeom prst="ellipse">
                 <a:avLst/>
@@ -21736,6 +22703,10 @@
                     <a:solidFill>
                       <a:srgbClr val="FFFFFF"/>
                     </a:solidFill>
+                    <a:latin typeface="+mj-lt"/>
+                    <a:ea typeface="+mj-ea"/>
+                    <a:cs typeface="+mj-cs"/>
+                    <a:sym typeface="Calibri"/>
                   </a:defRPr>
                 </a:pPr>
               </a:p>
@@ -21749,8 +22720,8 @@
             </p:nvSpPr>
             <p:spPr>
               <a:xfrm>
-                <a:off x="2876550" y="-1"/>
-                <a:ext cx="3389315" cy="3387729"/>
+                <a:off x="2876551" y="-1"/>
+                <a:ext cx="3389316" cy="3387731"/>
               </a:xfrm>
               <a:prstGeom prst="ellipse">
                 <a:avLst/>
@@ -21776,6 +22747,10 @@
                     <a:solidFill>
                       <a:srgbClr val="FFFFFF"/>
                     </a:solidFill>
+                    <a:latin typeface="+mj-lt"/>
+                    <a:ea typeface="+mj-ea"/>
+                    <a:cs typeface="+mj-cs"/>
+                    <a:sym typeface="Calibri"/>
                   </a:defRPr>
                 </a:pPr>
               </a:p>
@@ -21789,8 +22764,8 @@
             </p:nvSpPr>
             <p:spPr>
               <a:xfrm>
-                <a:off x="5737226" y="-1"/>
-                <a:ext cx="3389315" cy="3387729"/>
+                <a:off x="5737228" y="-1"/>
+                <a:ext cx="3389317" cy="3387731"/>
               </a:xfrm>
               <a:prstGeom prst="ellipse">
                 <a:avLst/>
@@ -21816,6 +22791,10 @@
                     <a:solidFill>
                       <a:srgbClr val="FFFFFF"/>
                     </a:solidFill>
+                    <a:latin typeface="+mj-lt"/>
+                    <a:ea typeface="+mj-ea"/>
+                    <a:cs typeface="+mj-cs"/>
+                    <a:sym typeface="Calibri"/>
                   </a:defRPr>
                 </a:pPr>
               </a:p>
@@ -21830,8 +22809,8 @@
           </p:nvSpPr>
           <p:spPr>
             <a:xfrm>
-              <a:off x="6107112" y="14287"/>
-              <a:ext cx="1158877" cy="1158878"/>
+              <a:off x="6107113" y="14287"/>
+              <a:ext cx="1158879" cy="1158879"/>
             </a:xfrm>
             <a:prstGeom prst="ellipse">
               <a:avLst/>
@@ -21856,6 +22835,10 @@
                   <a:solidFill>
                     <a:srgbClr val="FFFFFF"/>
                   </a:solidFill>
+                  <a:latin typeface="+mj-lt"/>
+                  <a:ea typeface="+mj-ea"/>
+                  <a:cs typeface="+mj-cs"/>
+                  <a:sym typeface="Calibri"/>
                 </a:defRPr>
               </a:pPr>
             </a:p>
@@ -21870,7 +22853,7 @@
           <p:spPr>
             <a:xfrm>
               <a:off x="3130550" y="0"/>
-              <a:ext cx="1158877" cy="1158878"/>
+              <a:ext cx="1158879" cy="1158879"/>
             </a:xfrm>
             <a:prstGeom prst="ellipse">
               <a:avLst/>
@@ -21895,6 +22878,10 @@
                   <a:solidFill>
                     <a:srgbClr val="FFFFFF"/>
                   </a:solidFill>
+                  <a:latin typeface="+mj-lt"/>
+                  <a:ea typeface="+mj-ea"/>
+                  <a:cs typeface="+mj-cs"/>
+                  <a:sym typeface="Calibri"/>
                 </a:defRPr>
               </a:pPr>
             </a:p>
@@ -21908,8 +22895,8 @@
           </p:nvSpPr>
           <p:spPr>
             <a:xfrm>
-              <a:off x="177798" y="23810"/>
-              <a:ext cx="1158877" cy="1157292"/>
+              <a:off x="177797" y="23810"/>
+              <a:ext cx="1158879" cy="1157293"/>
             </a:xfrm>
             <a:prstGeom prst="ellipse">
               <a:avLst/>
@@ -21934,6 +22921,10 @@
                   <a:solidFill>
                     <a:srgbClr val="FFFFFF"/>
                   </a:solidFill>
+                  <a:latin typeface="+mj-lt"/>
+                  <a:ea typeface="+mj-ea"/>
+                  <a:cs typeface="+mj-cs"/>
+                  <a:sym typeface="Calibri"/>
                 </a:defRPr>
               </a:pPr>
             </a:p>
@@ -21947,8 +22938,8 @@
           </p:nvSpPr>
           <p:spPr>
             <a:xfrm>
-              <a:off x="125938" y="224324"/>
-              <a:ext cx="1120139" cy="802639"/>
+              <a:off x="125937" y="224324"/>
+              <a:ext cx="1120137" cy="802637"/>
             </a:xfrm>
             <a:prstGeom prst="rect">
               <a:avLst/>
@@ -21998,8 +22989,8 @@
           </p:nvSpPr>
           <p:spPr>
             <a:xfrm>
-              <a:off x="531244" y="1497349"/>
-              <a:ext cx="2205417" cy="1450339"/>
+              <a:off x="531243" y="1497349"/>
+              <a:ext cx="2205419" cy="1450337"/>
             </a:xfrm>
             <a:prstGeom prst="rect">
               <a:avLst/>
@@ -22072,7 +23063,7 @@
           <p:spPr>
             <a:xfrm>
               <a:off x="3116254" y="224324"/>
-              <a:ext cx="1120139" cy="802639"/>
+              <a:ext cx="1120137" cy="802637"/>
             </a:xfrm>
             <a:prstGeom prst="rect">
               <a:avLst/>
@@ -22123,7 +23114,7 @@
           <p:spPr>
             <a:xfrm>
               <a:off x="3574836" y="1445184"/>
-              <a:ext cx="2038377" cy="1450339"/>
+              <a:ext cx="2038378" cy="1450337"/>
             </a:xfrm>
             <a:prstGeom prst="rect">
               <a:avLst/>
@@ -22195,8 +23186,8 @@
           </p:nvSpPr>
           <p:spPr>
             <a:xfrm>
-              <a:off x="6070077" y="224324"/>
-              <a:ext cx="1120139" cy="802639"/>
+              <a:off x="6070078" y="224324"/>
+              <a:ext cx="1120137" cy="802637"/>
             </a:xfrm>
             <a:prstGeom prst="rect">
               <a:avLst/>
@@ -22246,8 +23237,8 @@
           </p:nvSpPr>
           <p:spPr>
             <a:xfrm>
-              <a:off x="6536494" y="1367830"/>
-              <a:ext cx="2319416" cy="1386839"/>
+              <a:off x="6536495" y="1367830"/>
+              <a:ext cx="2319417" cy="1386837"/>
             </a:xfrm>
             <a:prstGeom prst="rect">
               <a:avLst/>
@@ -22275,6 +23266,10 @@
                   <a:solidFill>
                     <a:srgbClr val="FFFFFF"/>
                   </a:solidFill>
+                  <a:latin typeface="+mj-lt"/>
+                  <a:ea typeface="+mj-ea"/>
+                  <a:cs typeface="+mj-cs"/>
+                  <a:sym typeface="Calibri"/>
                 </a:defRPr>
               </a:pPr>
               <a:r>
@@ -22312,8 +23307,8 @@
           </p:nvSpPr>
           <p:spPr>
             <a:xfrm>
-              <a:off x="180767" y="14278"/>
-              <a:ext cx="579440" cy="1158878"/>
+              <a:off x="180766" y="14278"/>
+              <a:ext cx="579442" cy="1158879"/>
             </a:xfrm>
             <a:custGeom>
               <a:avLst/>
@@ -22375,6 +23370,10 @@
                   <a:solidFill>
                     <a:srgbClr val="FFFFFF"/>
                   </a:solidFill>
+                  <a:latin typeface="+mj-lt"/>
+                  <a:ea typeface="+mj-ea"/>
+                  <a:cs typeface="+mj-cs"/>
+                  <a:sym typeface="Calibri"/>
                 </a:defRPr>
               </a:pPr>
             </a:p>
@@ -22388,8 +23387,8 @@
           </p:nvSpPr>
           <p:spPr>
             <a:xfrm rot="5400000">
-              <a:off x="3420673" y="-283973"/>
-              <a:ext cx="578645" cy="1158877"/>
+              <a:off x="3420673" y="-283974"/>
+              <a:ext cx="578647" cy="1158879"/>
             </a:xfrm>
             <a:custGeom>
               <a:avLst/>
@@ -22451,6 +23450,10 @@
                   <a:solidFill>
                     <a:srgbClr val="FFFFFF"/>
                   </a:solidFill>
+                  <a:latin typeface="+mj-lt"/>
+                  <a:ea typeface="+mj-ea"/>
+                  <a:cs typeface="+mj-cs"/>
+                  <a:sym typeface="Calibri"/>
                 </a:defRPr>
               </a:pPr>
             </a:p>
@@ -22464,8 +23467,8 @@
           </p:nvSpPr>
           <p:spPr>
             <a:xfrm rot="10800000">
-              <a:off x="6683581" y="9533"/>
-              <a:ext cx="579440" cy="1158878"/>
+              <a:off x="6683582" y="9533"/>
+              <a:ext cx="579441" cy="1158879"/>
             </a:xfrm>
             <a:custGeom>
               <a:avLst/>
@@ -22527,6 +23530,10 @@
                   <a:solidFill>
                     <a:srgbClr val="FFFFFF"/>
                   </a:solidFill>
+                  <a:latin typeface="+mj-lt"/>
+                  <a:ea typeface="+mj-ea"/>
+                  <a:cs typeface="+mj-cs"/>
+                  <a:sym typeface="Calibri"/>
                 </a:defRPr>
               </a:pPr>
             </a:p>
@@ -22567,8 +23574,8 @@
         </p:nvSpPr>
         <p:spPr>
           <a:xfrm>
-            <a:off x="965199" y="2293978"/>
-            <a:ext cx="619127" cy="677865"/>
+            <a:off x="965199" y="2293977"/>
+            <a:ext cx="619128" cy="677867"/>
           </a:xfrm>
           <a:custGeom>
             <a:avLst/>
@@ -22638,6 +23645,10 @@
                 <a:solidFill>
                   <a:srgbClr val="FFFFFF"/>
                 </a:solidFill>
+                <a:latin typeface="+mj-lt"/>
+                <a:ea typeface="+mj-ea"/>
+                <a:cs typeface="+mj-cs"/>
+                <a:sym typeface="Calibri"/>
               </a:defRPr>
             </a:pPr>
           </a:p>
@@ -22651,10 +23662,10 @@
         </p:nvGrpSpPr>
         <p:grpSpPr>
           <a:xfrm>
-            <a:off x="201610" y="571498"/>
-            <a:ext cx="11418893" cy="1322391"/>
+            <a:off x="201608" y="571496"/>
+            <a:ext cx="11418896" cy="1322394"/>
             <a:chOff x="-1" y="-1"/>
-            <a:chExt cx="11418891" cy="1322389"/>
+            <a:chExt cx="11418895" cy="1322392"/>
           </a:xfrm>
         </p:grpSpPr>
         <p:sp>
@@ -22665,8 +23676,8 @@
           </p:nvSpPr>
           <p:spPr>
             <a:xfrm>
-              <a:off x="2352674" y="769938"/>
-              <a:ext cx="9066217" cy="552451"/>
+              <a:off x="2352675" y="769940"/>
+              <a:ext cx="9066219" cy="552452"/>
             </a:xfrm>
             <a:prstGeom prst="rect">
               <a:avLst/>
@@ -22693,6 +23704,10 @@
                   <a:solidFill>
                     <a:srgbClr val="FFFFFF"/>
                   </a:solidFill>
+                  <a:latin typeface="+mj-lt"/>
+                  <a:ea typeface="+mj-ea"/>
+                  <a:cs typeface="+mj-cs"/>
+                  <a:sym typeface="Calibri"/>
                 </a:defRPr>
               </a:pPr>
             </a:p>
@@ -22706,8 +23721,8 @@
           </p:nvSpPr>
           <p:spPr>
             <a:xfrm>
-              <a:off x="2770339" y="-2"/>
-              <a:ext cx="4389546" cy="878839"/>
+              <a:off x="2770340" y="-2"/>
+              <a:ext cx="4389544" cy="878837"/>
             </a:xfrm>
             <a:prstGeom prst="rect">
               <a:avLst/>
@@ -22757,8 +23772,8 @@
           </p:nvSpPr>
           <p:spPr>
             <a:xfrm>
-              <a:off x="-2" y="773113"/>
-              <a:ext cx="2479677" cy="2"/>
+              <a:off x="-2" y="773115"/>
+              <a:ext cx="2479678" cy="3"/>
             </a:xfrm>
             <a:prstGeom prst="line">
               <a:avLst/>
@@ -22791,8 +23806,8 @@
           </p:nvSpPr>
           <p:spPr>
             <a:xfrm>
-              <a:off x="2352674" y="98424"/>
-              <a:ext cx="306388" cy="1223965"/>
+              <a:off x="2352675" y="98425"/>
+              <a:ext cx="306389" cy="1223967"/>
             </a:xfrm>
             <a:prstGeom prst="rect">
               <a:avLst/>
@@ -22817,6 +23832,10 @@
                   <a:solidFill>
                     <a:srgbClr val="FFFFFF"/>
                   </a:solidFill>
+                  <a:latin typeface="+mj-lt"/>
+                  <a:ea typeface="+mj-ea"/>
+                  <a:cs typeface="+mj-cs"/>
+                  <a:sym typeface="Calibri"/>
                 </a:defRPr>
               </a:pPr>
             </a:p>
@@ -22830,8 +23849,8 @@
           </p:nvSpPr>
           <p:spPr>
             <a:xfrm>
-              <a:off x="2770186" y="841375"/>
-              <a:ext cx="6567621" cy="447039"/>
+              <a:off x="2770187" y="841377"/>
+              <a:ext cx="6567618" cy="447037"/>
             </a:xfrm>
             <a:prstGeom prst="rect">
               <a:avLst/>
@@ -22882,10 +23901,10 @@
         </p:nvGrpSpPr>
         <p:grpSpPr>
           <a:xfrm>
-            <a:off x="1124636" y="3304075"/>
-            <a:ext cx="5528579" cy="3049592"/>
-            <a:chOff x="0" y="0"/>
-            <a:chExt cx="5528578" cy="3049591"/>
+            <a:off x="1124634" y="3304074"/>
+            <a:ext cx="5528581" cy="3049595"/>
+            <a:chOff x="-1" y="0"/>
+            <a:chExt cx="5528579" cy="3049594"/>
           </a:xfrm>
         </p:grpSpPr>
         <p:sp>
@@ -22896,8 +23915,8 @@
           </p:nvSpPr>
           <p:spPr>
             <a:xfrm>
-              <a:off x="21536" y="0"/>
-              <a:ext cx="5507042" cy="3049592"/>
+              <a:off x="21536" y="-1"/>
+              <a:ext cx="5507043" cy="3049595"/>
             </a:xfrm>
             <a:prstGeom prst="rect">
               <a:avLst/>
@@ -22924,6 +23943,10 @@
                   <a:solidFill>
                     <a:srgbClr val="FFFFFF"/>
                   </a:solidFill>
+                  <a:latin typeface="+mj-lt"/>
+                  <a:ea typeface="+mj-ea"/>
+                  <a:cs typeface="+mj-cs"/>
+                  <a:sym typeface="Calibri"/>
                 </a:defRPr>
               </a:pPr>
             </a:p>
@@ -22938,7 +23961,7 @@
           <p:spPr>
             <a:xfrm rot="10800000">
               <a:off x="-1" y="595385"/>
-              <a:ext cx="995562" cy="1928815"/>
+              <a:ext cx="995563" cy="1928816"/>
             </a:xfrm>
             <a:custGeom>
               <a:avLst/>
@@ -23003,6 +24026,10 @@
                   <a:solidFill>
                     <a:srgbClr val="FFFFFF"/>
                   </a:solidFill>
+                  <a:latin typeface="+mj-lt"/>
+                  <a:ea typeface="+mj-ea"/>
+                  <a:cs typeface="+mj-cs"/>
+                  <a:sym typeface="Calibri"/>
                 </a:defRPr>
               </a:pPr>
             </a:p>
@@ -23017,7 +24044,7 @@
           <p:spPr>
             <a:xfrm>
               <a:off x="150123" y="969963"/>
-              <a:ext cx="1030289" cy="1234439"/>
+              <a:ext cx="1030290" cy="1234437"/>
             </a:xfrm>
             <a:prstGeom prst="rect">
               <a:avLst/>
@@ -23082,7 +24109,7 @@
           <p:spPr>
             <a:xfrm>
               <a:off x="1127231" y="-1"/>
-              <a:ext cx="4281491" cy="2948939"/>
+              <a:ext cx="4281492" cy="2948937"/>
             </a:xfrm>
             <a:prstGeom prst="rect">
               <a:avLst/>
@@ -23116,6 +24143,10 @@
                   <a:solidFill>
                     <a:srgbClr val="FFFFFF"/>
                   </a:solidFill>
+                  <a:latin typeface="+mj-lt"/>
+                  <a:ea typeface="+mj-ea"/>
+                  <a:cs typeface="+mj-cs"/>
+                  <a:sym typeface="Calibri"/>
                 </a:defRPr>
               </a:pPr>
               <a:r>
@@ -23155,6 +24186,10 @@
                   <a:solidFill>
                     <a:srgbClr val="FFFFFF"/>
                   </a:solidFill>
+                  <a:latin typeface="+mj-lt"/>
+                  <a:ea typeface="+mj-ea"/>
+                  <a:cs typeface="+mj-cs"/>
+                  <a:sym typeface="Calibri"/>
                 </a:defRPr>
               </a:pPr>
               <a:r>
@@ -23182,6 +24217,10 @@
                   <a:solidFill>
                     <a:srgbClr val="FFFFFF"/>
                   </a:solidFill>
+                  <a:latin typeface="+mj-lt"/>
+                  <a:ea typeface="+mj-ea"/>
+                  <a:cs typeface="+mj-cs"/>
+                  <a:sym typeface="Calibri"/>
                 </a:defRPr>
               </a:pPr>
               <a:r>
@@ -23221,6 +24260,10 @@
                   <a:solidFill>
                     <a:srgbClr val="FFFFFF"/>
                   </a:solidFill>
+                  <a:latin typeface="+mj-lt"/>
+                  <a:ea typeface="+mj-ea"/>
+                  <a:cs typeface="+mj-cs"/>
+                  <a:sym typeface="Calibri"/>
                 </a:defRPr>
               </a:pPr>
               <a:r>
@@ -23260,6 +24303,10 @@
                   <a:solidFill>
                     <a:srgbClr val="FFFFFF"/>
                   </a:solidFill>
+                  <a:latin typeface="+mj-lt"/>
+                  <a:ea typeface="+mj-ea"/>
+                  <a:cs typeface="+mj-cs"/>
+                  <a:sym typeface="Calibri"/>
                 </a:defRPr>
               </a:pPr>
               <a:r>
@@ -23299,7 +24346,7 @@
         <p:spPr>
           <a:xfrm>
             <a:off x="965199" y="2392177"/>
-            <a:ext cx="4477249" cy="955039"/>
+            <a:ext cx="4477249" cy="955037"/>
           </a:xfrm>
           <a:prstGeom prst="rect">
             <a:avLst/>
@@ -23359,7 +24406,7 @@
         <p:spPr>
           <a:xfrm>
             <a:off x="7483140" y="2008102"/>
-            <a:ext cx="3648078" cy="2057402"/>
+            <a:ext cx="3648079" cy="2057402"/>
           </a:xfrm>
           <a:prstGeom prst="rect">
             <a:avLst/>
@@ -23388,7 +24435,7 @@
         <p:spPr>
           <a:xfrm>
             <a:off x="7454565" y="4274039"/>
-            <a:ext cx="3676653" cy="2343152"/>
+            <a:ext cx="3676654" cy="2343153"/>
           </a:xfrm>
           <a:prstGeom prst="rect">
             <a:avLst/>
@@ -23461,10 +24508,10 @@
         </p:nvGrpSpPr>
         <p:grpSpPr>
           <a:xfrm>
-            <a:off x="161128" y="172606"/>
-            <a:ext cx="11418893" cy="1322391"/>
+            <a:off x="161126" y="172604"/>
+            <a:ext cx="11418896" cy="1322394"/>
             <a:chOff x="-1" y="-1"/>
-            <a:chExt cx="11418891" cy="1322389"/>
+            <a:chExt cx="11418895" cy="1322392"/>
           </a:xfrm>
         </p:grpSpPr>
         <p:sp>
@@ -23475,8 +24522,8 @@
           </p:nvSpPr>
           <p:spPr>
             <a:xfrm>
-              <a:off x="2352674" y="769938"/>
-              <a:ext cx="9066217" cy="552451"/>
+              <a:off x="2352675" y="769940"/>
+              <a:ext cx="9066219" cy="552452"/>
             </a:xfrm>
             <a:prstGeom prst="rect">
               <a:avLst/>
@@ -23503,6 +24550,10 @@
                   <a:solidFill>
                     <a:srgbClr val="FFFFFF"/>
                   </a:solidFill>
+                  <a:latin typeface="+mj-lt"/>
+                  <a:ea typeface="+mj-ea"/>
+                  <a:cs typeface="+mj-cs"/>
+                  <a:sym typeface="Calibri"/>
                 </a:defRPr>
               </a:pPr>
             </a:p>
@@ -23516,8 +24567,8 @@
           </p:nvSpPr>
           <p:spPr>
             <a:xfrm>
-              <a:off x="2770340" y="-2"/>
-              <a:ext cx="6065946" cy="878839"/>
+              <a:off x="2770341" y="-2"/>
+              <a:ext cx="6065943" cy="878837"/>
             </a:xfrm>
             <a:prstGeom prst="rect">
               <a:avLst/>
@@ -23567,8 +24618,8 @@
           </p:nvSpPr>
           <p:spPr>
             <a:xfrm>
-              <a:off x="-2" y="773113"/>
-              <a:ext cx="2479677" cy="2"/>
+              <a:off x="-2" y="773115"/>
+              <a:ext cx="2479678" cy="3"/>
             </a:xfrm>
             <a:prstGeom prst="line">
               <a:avLst/>
@@ -23601,8 +24652,8 @@
           </p:nvSpPr>
           <p:spPr>
             <a:xfrm>
-              <a:off x="2352674" y="98424"/>
-              <a:ext cx="306388" cy="1223965"/>
+              <a:off x="2352675" y="98425"/>
+              <a:ext cx="306389" cy="1223967"/>
             </a:xfrm>
             <a:prstGeom prst="rect">
               <a:avLst/>
@@ -23627,6 +24678,10 @@
                   <a:solidFill>
                     <a:srgbClr val="FFFFFF"/>
                   </a:solidFill>
+                  <a:latin typeface="+mj-lt"/>
+                  <a:ea typeface="+mj-ea"/>
+                  <a:cs typeface="+mj-cs"/>
+                  <a:sym typeface="Calibri"/>
                 </a:defRPr>
               </a:pPr>
             </a:p>
@@ -23640,8 +24695,8 @@
           </p:nvSpPr>
           <p:spPr>
             <a:xfrm>
-              <a:off x="2770186" y="841375"/>
-              <a:ext cx="6284971" cy="447039"/>
+              <a:off x="2770187" y="841377"/>
+              <a:ext cx="6284969" cy="447037"/>
             </a:xfrm>
             <a:prstGeom prst="rect">
               <a:avLst/>
@@ -23692,10 +24747,10 @@
         </p:nvGrpSpPr>
         <p:grpSpPr>
           <a:xfrm>
-            <a:off x="1274429" y="1867249"/>
-            <a:ext cx="9747254" cy="4507322"/>
-            <a:chOff x="-1" y="0"/>
-            <a:chExt cx="9747253" cy="4507320"/>
+            <a:off x="1274428" y="1867248"/>
+            <a:ext cx="9747256" cy="4507325"/>
+            <a:chOff x="0" y="-1"/>
+            <a:chExt cx="9747255" cy="4507324"/>
           </a:xfrm>
         </p:grpSpPr>
         <p:sp>
@@ -23706,8 +24761,8 @@
           </p:nvSpPr>
           <p:spPr>
             <a:xfrm>
-              <a:off x="-2" y="-1"/>
-              <a:ext cx="3771904" cy="4507322"/>
+              <a:off x="-2" y="-2"/>
+              <a:ext cx="3771906" cy="4507326"/>
             </a:xfrm>
             <a:custGeom>
               <a:avLst/>
@@ -23783,6 +24838,10 @@
                   <a:solidFill>
                     <a:srgbClr val="FFFFFF"/>
                   </a:solidFill>
+                  <a:latin typeface="+mj-lt"/>
+                  <a:ea typeface="+mj-ea"/>
+                  <a:cs typeface="+mj-cs"/>
+                  <a:sym typeface="Calibri"/>
                 </a:defRPr>
               </a:pPr>
             </a:p>
@@ -23796,8 +24855,8 @@
           </p:nvSpPr>
           <p:spPr>
             <a:xfrm>
-              <a:off x="5322887" y="-1"/>
-              <a:ext cx="4424365" cy="4507322"/>
+              <a:off x="5322888" y="-2"/>
+              <a:ext cx="4424367" cy="4507326"/>
             </a:xfrm>
             <a:custGeom>
               <a:avLst/>
@@ -23870,6 +24929,10 @@
                   <a:solidFill>
                     <a:srgbClr val="FFFFFF"/>
                   </a:solidFill>
+                  <a:latin typeface="+mj-lt"/>
+                  <a:ea typeface="+mj-ea"/>
+                  <a:cs typeface="+mj-cs"/>
+                  <a:sym typeface="Calibri"/>
                 </a:defRPr>
               </a:pPr>
             </a:p>
@@ -23883,10 +24946,10 @@
           </p:nvGrpSpPr>
           <p:grpSpPr>
             <a:xfrm>
-              <a:off x="3204453" y="1596591"/>
-              <a:ext cx="1027119" cy="1027117"/>
-              <a:chOff x="-1" y="0"/>
-              <a:chExt cx="1027118" cy="1027115"/>
+              <a:off x="3204453" y="1596590"/>
+              <a:ext cx="1027121" cy="1027121"/>
+              <a:chOff x="-1" y="-1"/>
+              <a:chExt cx="1027120" cy="1027120"/>
             </a:xfrm>
           </p:grpSpPr>
           <p:sp>
@@ -23897,8 +24960,8 @@
             </p:nvSpPr>
             <p:spPr>
               <a:xfrm>
-                <a:off x="-2" y="-1"/>
-                <a:ext cx="1027119" cy="1027117"/>
+                <a:off x="-2" y="-2"/>
+                <a:ext cx="1027122" cy="1027122"/>
               </a:xfrm>
               <a:prstGeom prst="ellipse">
                 <a:avLst/>
@@ -23925,6 +24988,10 @@
                     <a:solidFill>
                       <a:srgbClr val="FFFFFF"/>
                     </a:solidFill>
+                    <a:latin typeface="+mj-lt"/>
+                    <a:ea typeface="+mj-ea"/>
+                    <a:cs typeface="+mj-cs"/>
+                    <a:sym typeface="Calibri"/>
                   </a:defRPr>
                 </a:pPr>
               </a:p>
@@ -23938,8 +25005,8 @@
             </p:nvSpPr>
             <p:spPr>
               <a:xfrm>
-                <a:off x="150416" y="290036"/>
-                <a:ext cx="726283" cy="447039"/>
+                <a:off x="150417" y="290036"/>
+                <a:ext cx="726284" cy="447037"/>
               </a:xfrm>
               <a:prstGeom prst="rect">
                 <a:avLst/>
@@ -23990,10 +25057,10 @@
           </p:nvGrpSpPr>
           <p:grpSpPr>
             <a:xfrm>
-              <a:off x="5398291" y="1593546"/>
-              <a:ext cx="1027117" cy="1027119"/>
-              <a:chOff x="0" y="-1"/>
-              <a:chExt cx="1027115" cy="1027118"/>
+              <a:off x="5398291" y="1593545"/>
+              <a:ext cx="1027121" cy="1027121"/>
+              <a:chOff x="-1" y="-1"/>
+              <a:chExt cx="1027120" cy="1027120"/>
             </a:xfrm>
           </p:grpSpPr>
           <p:sp>
@@ -24004,8 +25071,8 @@
             </p:nvSpPr>
             <p:spPr>
               <a:xfrm>
-                <a:off x="-1" y="-2"/>
-                <a:ext cx="1027117" cy="1027119"/>
+                <a:off x="-2" y="-2"/>
+                <a:ext cx="1027122" cy="1027122"/>
               </a:xfrm>
               <a:prstGeom prst="ellipse">
                 <a:avLst/>
@@ -24032,6 +25099,10 @@
                     <a:solidFill>
                       <a:srgbClr val="FFFFFF"/>
                     </a:solidFill>
+                    <a:latin typeface="+mj-lt"/>
+                    <a:ea typeface="+mj-ea"/>
+                    <a:cs typeface="+mj-cs"/>
+                    <a:sym typeface="Calibri"/>
                   </a:defRPr>
                 </a:pPr>
               </a:p>
@@ -24045,8 +25116,8 @@
             </p:nvSpPr>
             <p:spPr>
               <a:xfrm>
-                <a:off x="150416" y="290036"/>
-                <a:ext cx="726282" cy="447039"/>
+                <a:off x="150416" y="290037"/>
+                <a:ext cx="726284" cy="447037"/>
               </a:xfrm>
               <a:prstGeom prst="rect">
                 <a:avLst/>
@@ -24098,7 +25169,7 @@
           <p:spPr>
             <a:xfrm>
               <a:off x="123637" y="534852"/>
-              <a:ext cx="3471864" cy="726439"/>
+              <a:ext cx="3471865" cy="726437"/>
             </a:xfrm>
             <a:prstGeom prst="rect">
               <a:avLst/>
@@ -24129,6 +25200,10 @@
                   <a:solidFill>
                     <a:srgbClr val="FFFFFF"/>
                   </a:solidFill>
+                  <a:latin typeface="+mj-lt"/>
+                  <a:ea typeface="+mj-ea"/>
+                  <a:cs typeface="+mj-cs"/>
+                  <a:sym typeface="Calibri"/>
                 </a:defRPr>
               </a:pPr>
               <a:r>
@@ -24166,8 +25241,8 @@
           </p:nvSpPr>
           <p:spPr>
             <a:xfrm>
-              <a:off x="1170821" y="2107104"/>
-              <a:ext cx="1957390" cy="2"/>
+              <a:off x="1170822" y="2107105"/>
+              <a:ext cx="1957391" cy="3"/>
             </a:xfrm>
             <a:prstGeom prst="line">
               <a:avLst/>
@@ -24200,8 +25275,8 @@
           </p:nvSpPr>
           <p:spPr>
             <a:xfrm>
-              <a:off x="6425404" y="2107104"/>
-              <a:ext cx="1957390" cy="2"/>
+              <a:off x="6425405" y="2107105"/>
+              <a:ext cx="1957391" cy="3"/>
             </a:xfrm>
             <a:prstGeom prst="line">
               <a:avLst/>
@@ -24235,7 +25310,7 @@
           <p:spPr>
             <a:xfrm>
               <a:off x="735009" y="1881678"/>
-              <a:ext cx="452441" cy="450853"/>
+              <a:ext cx="452444" cy="450855"/>
             </a:xfrm>
             <a:prstGeom prst="ellipse">
               <a:avLst/>
@@ -24260,6 +25335,10 @@
                   <a:solidFill>
                     <a:srgbClr val="FFFFFF"/>
                   </a:solidFill>
+                  <a:latin typeface="+mj-lt"/>
+                  <a:ea typeface="+mj-ea"/>
+                  <a:cs typeface="+mj-cs"/>
+                  <a:sym typeface="Calibri"/>
                 </a:defRPr>
               </a:pPr>
             </a:p>
@@ -24273,8 +25352,8 @@
           </p:nvSpPr>
           <p:spPr>
             <a:xfrm>
-              <a:off x="8395493" y="1881678"/>
-              <a:ext cx="452441" cy="450853"/>
+              <a:off x="8395494" y="1881678"/>
+              <a:ext cx="452443" cy="450855"/>
             </a:xfrm>
             <a:prstGeom prst="ellipse">
               <a:avLst/>
@@ -24299,6 +25378,10 @@
                   <a:solidFill>
                     <a:srgbClr val="FFFFFF"/>
                   </a:solidFill>
+                  <a:latin typeface="+mj-lt"/>
+                  <a:ea typeface="+mj-ea"/>
+                  <a:cs typeface="+mj-cs"/>
+                  <a:sym typeface="Calibri"/>
                 </a:defRPr>
               </a:pPr>
             </a:p>
@@ -24313,8 +25396,8 @@
         </p:nvSpPr>
         <p:spPr>
           <a:xfrm>
-            <a:off x="1398069" y="4895884"/>
-            <a:ext cx="3471865" cy="993139"/>
+            <a:off x="1398068" y="4895884"/>
+            <a:ext cx="3471866" cy="993137"/>
           </a:xfrm>
           <a:prstGeom prst="rect">
             <a:avLst/>
@@ -24342,6 +25425,10 @@
                 <a:solidFill>
                   <a:srgbClr val="FFFFFF"/>
                 </a:solidFill>
+                <a:latin typeface="+mj-lt"/>
+                <a:ea typeface="+mj-ea"/>
+                <a:cs typeface="+mj-cs"/>
+                <a:sym typeface="Calibri"/>
               </a:defRPr>
             </a:pPr>
             <a:r>
@@ -24380,7 +25467,7 @@
         <p:spPr>
           <a:xfrm>
             <a:off x="7628711" y="2429184"/>
-            <a:ext cx="3471863" cy="408939"/>
+            <a:ext cx="3471864" cy="408937"/>
           </a:xfrm>
           <a:prstGeom prst="rect">
             <a:avLst/>
@@ -24408,6 +25495,10 @@
                 <a:solidFill>
                   <a:srgbClr val="FFFFFF"/>
                 </a:solidFill>
+                <a:latin typeface="+mj-lt"/>
+                <a:ea typeface="+mj-ea"/>
+                <a:cs typeface="+mj-cs"/>
+                <a:sym typeface="Calibri"/>
               </a:defRPr>
             </a:pPr>
             <a:r>
@@ -24446,7 +25537,7 @@
         <p:spPr>
           <a:xfrm>
             <a:off x="7386004" y="4730679"/>
-            <a:ext cx="3471865" cy="1577339"/>
+            <a:ext cx="3471865" cy="1577337"/>
           </a:xfrm>
           <a:prstGeom prst="rect">
             <a:avLst/>
@@ -24474,6 +25565,10 @@
                 <a:solidFill>
                   <a:srgbClr val="FFFFFF"/>
                 </a:solidFill>
+                <a:latin typeface="+mj-lt"/>
+                <a:ea typeface="+mj-ea"/>
+                <a:cs typeface="+mj-cs"/>
+                <a:sym typeface="Calibri"/>
               </a:defRPr>
             </a:pPr>
             <a:r>
@@ -24550,6 +25645,10 @@
           </p:nvPr>
         </p:nvSpPr>
         <p:spPr>
+          <a:xfrm>
+            <a:off x="838200" y="365125"/>
+            <a:ext cx="10515600" cy="1325563"/>
+          </a:xfrm>
           <a:prstGeom prst="rect">
             <a:avLst/>
           </a:prstGeom>
@@ -24596,7 +25695,7 @@
         <p:spPr>
           <a:xfrm>
             <a:off x="1388223" y="1878888"/>
-            <a:ext cx="3760720" cy="2316049"/>
+            <a:ext cx="3760721" cy="2316049"/>
           </a:xfrm>
           <a:prstGeom prst="rect">
             <a:avLst/>
@@ -24614,8 +25713,8 @@
         </p:nvSpPr>
         <p:spPr>
           <a:xfrm>
-            <a:off x="1270459" y="1478779"/>
-            <a:ext cx="2080205" cy="447039"/>
+            <a:off x="1270458" y="1478779"/>
+            <a:ext cx="2080203" cy="447037"/>
           </a:xfrm>
           <a:prstGeom prst="rect">
             <a:avLst/>
@@ -24680,7 +25779,7 @@
         <p:spPr>
           <a:xfrm>
             <a:off x="5428210" y="1774781"/>
-            <a:ext cx="5925590" cy="1171577"/>
+            <a:ext cx="5925590" cy="1171578"/>
           </a:xfrm>
           <a:prstGeom prst="rect">
             <a:avLst/>
@@ -24709,7 +25808,7 @@
         <p:spPr>
           <a:xfrm>
             <a:off x="5428210" y="3437023"/>
-            <a:ext cx="5925590" cy="1704764"/>
+            <a:ext cx="5925590" cy="1704765"/>
           </a:xfrm>
           <a:prstGeom prst="rect">
             <a:avLst/>
@@ -24728,7 +25827,7 @@
         <p:spPr>
           <a:xfrm>
             <a:off x="5329842" y="1388223"/>
-            <a:ext cx="2432555" cy="447039"/>
+            <a:ext cx="2432553" cy="447037"/>
           </a:xfrm>
           <a:prstGeom prst="rect">
             <a:avLst/>
@@ -24783,7 +25882,7 @@
         <p:spPr>
           <a:xfrm>
             <a:off x="5482242" y="3036914"/>
-            <a:ext cx="1120139" cy="447039"/>
+            <a:ext cx="1120137" cy="447037"/>
           </a:xfrm>
           <a:prstGeom prst="rect">
             <a:avLst/>
@@ -24856,10 +25955,10 @@
         </p:nvGrpSpPr>
         <p:grpSpPr>
           <a:xfrm>
-            <a:off x="201610" y="571498"/>
-            <a:ext cx="11418893" cy="1322391"/>
+            <a:off x="201608" y="571496"/>
+            <a:ext cx="11418896" cy="1322394"/>
             <a:chOff x="-1" y="-1"/>
-            <a:chExt cx="11418891" cy="1322389"/>
+            <a:chExt cx="11418895" cy="1322392"/>
           </a:xfrm>
         </p:grpSpPr>
         <p:sp>
@@ -24870,8 +25969,8 @@
           </p:nvSpPr>
           <p:spPr>
             <a:xfrm>
-              <a:off x="2352674" y="769938"/>
-              <a:ext cx="9066217" cy="552451"/>
+              <a:off x="2352675" y="769940"/>
+              <a:ext cx="9066219" cy="552452"/>
             </a:xfrm>
             <a:prstGeom prst="rect">
               <a:avLst/>
@@ -24898,6 +25997,10 @@
                   <a:solidFill>
                     <a:srgbClr val="FFFFFF"/>
                   </a:solidFill>
+                  <a:latin typeface="+mj-lt"/>
+                  <a:ea typeface="+mj-ea"/>
+                  <a:cs typeface="+mj-cs"/>
+                  <a:sym typeface="Calibri"/>
                 </a:defRPr>
               </a:pPr>
             </a:p>
@@ -24911,8 +26014,8 @@
           </p:nvSpPr>
           <p:spPr>
             <a:xfrm>
-              <a:off x="2770339" y="-2"/>
-              <a:ext cx="6595005" cy="878839"/>
+              <a:off x="2770340" y="-2"/>
+              <a:ext cx="6595003" cy="878837"/>
             </a:xfrm>
             <a:prstGeom prst="rect">
               <a:avLst/>
@@ -24962,8 +26065,8 @@
           </p:nvSpPr>
           <p:spPr>
             <a:xfrm>
-              <a:off x="-2" y="773113"/>
-              <a:ext cx="2479677" cy="2"/>
+              <a:off x="-2" y="773115"/>
+              <a:ext cx="2479678" cy="3"/>
             </a:xfrm>
             <a:prstGeom prst="line">
               <a:avLst/>
@@ -24996,8 +26099,8 @@
           </p:nvSpPr>
           <p:spPr>
             <a:xfrm>
-              <a:off x="2352674" y="98424"/>
-              <a:ext cx="306388" cy="1223965"/>
+              <a:off x="2352675" y="98425"/>
+              <a:ext cx="306389" cy="1223967"/>
             </a:xfrm>
             <a:prstGeom prst="rect">
               <a:avLst/>
@@ -25022,6 +26125,10 @@
                   <a:solidFill>
                     <a:srgbClr val="FFFFFF"/>
                   </a:solidFill>
+                  <a:latin typeface="+mj-lt"/>
+                  <a:ea typeface="+mj-ea"/>
+                  <a:cs typeface="+mj-cs"/>
+                  <a:sym typeface="Calibri"/>
                 </a:defRPr>
               </a:pPr>
             </a:p>
@@ -25035,8 +26142,8 @@
           </p:nvSpPr>
           <p:spPr>
             <a:xfrm>
-              <a:off x="2770187" y="841375"/>
-              <a:ext cx="7245036" cy="447039"/>
+              <a:off x="2770188" y="841377"/>
+              <a:ext cx="7245034" cy="447037"/>
             </a:xfrm>
             <a:prstGeom prst="rect">
               <a:avLst/>
@@ -25088,7 +26195,7 @@
         <p:spPr>
           <a:xfrm>
             <a:off x="1817284" y="2115179"/>
-            <a:ext cx="4210555" cy="447039"/>
+            <a:ext cx="4210553" cy="447037"/>
           </a:xfrm>
           <a:prstGeom prst="rect">
             <a:avLst/>
@@ -25145,8 +26252,8 @@
         </p:blipFill>
         <p:spPr>
           <a:xfrm>
-            <a:off x="1844052" y="2545120"/>
-            <a:ext cx="3686178" cy="2583834"/>
+            <a:off x="1844051" y="2545120"/>
+            <a:ext cx="3686180" cy="2583834"/>
           </a:xfrm>
           <a:prstGeom prst="rect">
             <a:avLst/>
@@ -25175,7 +26282,7 @@
         <p:spPr>
           <a:xfrm>
             <a:off x="6964601" y="2640477"/>
-            <a:ext cx="3686177" cy="1819276"/>
+            <a:ext cx="3686178" cy="1819276"/>
           </a:xfrm>
           <a:prstGeom prst="rect">
             <a:avLst/>
@@ -25194,7 +26301,7 @@
         <p:spPr>
           <a:xfrm>
             <a:off x="5701067" y="3271056"/>
-            <a:ext cx="1263536" cy="375546"/>
+            <a:ext cx="1263537" cy="375547"/>
           </a:xfrm>
           <a:prstGeom prst="rightArrow">
             <a:avLst>
@@ -25218,6 +26325,10 @@
                 <a:solidFill>
                   <a:srgbClr val="FFFFFF"/>
                 </a:solidFill>
+                <a:latin typeface="+mj-lt"/>
+                <a:ea typeface="+mj-ea"/>
+                <a:cs typeface="+mj-cs"/>
+                <a:sym typeface="Calibri"/>
               </a:defRPr>
             </a:pPr>
           </a:p>
@@ -25232,7 +26343,7 @@
         <p:spPr>
           <a:xfrm>
             <a:off x="5701067" y="2926663"/>
-            <a:ext cx="1579420" cy="408939"/>
+            <a:ext cx="1579421" cy="408937"/>
           </a:xfrm>
           <a:prstGeom prst="rect">
             <a:avLst/>
@@ -25289,8 +26400,8 @@
         </p:blipFill>
         <p:spPr>
           <a:xfrm>
-            <a:off x="1844052" y="4936956"/>
-            <a:ext cx="4540763" cy="1688290"/>
+            <a:off x="1844051" y="4936956"/>
+            <a:ext cx="4540765" cy="1688290"/>
           </a:xfrm>
           <a:prstGeom prst="rect">
             <a:avLst/>
@@ -25319,7 +26430,7 @@
         <p:spPr>
           <a:xfrm>
             <a:off x="6964601" y="4608805"/>
-            <a:ext cx="4033139" cy="2016442"/>
+            <a:ext cx="4033140" cy="2016443"/>
           </a:xfrm>
           <a:prstGeom prst="rect">
             <a:avLst/>
@@ -25364,6 +26475,10 @@
           </p:nvPr>
         </p:nvSpPr>
         <p:spPr>
+          <a:xfrm>
+            <a:off x="838200" y="365125"/>
+            <a:ext cx="10515600" cy="1325563"/>
+          </a:xfrm>
           <a:prstGeom prst="rect">
             <a:avLst/>
           </a:prstGeom>
@@ -25439,7 +26554,7 @@
         <p:spPr>
           <a:xfrm>
             <a:off x="5992612" y="2038580"/>
-            <a:ext cx="4273609" cy="3863455"/>
+            <a:ext cx="4273610" cy="3863455"/>
           </a:xfrm>
           <a:prstGeom prst="rect">
             <a:avLst/>
@@ -25689,10 +26804,10 @@
             </a:solidFill>
             <a:effectLst/>
             <a:uFillTx/>
-            <a:latin typeface="+mj-lt"/>
-            <a:ea typeface="+mj-ea"/>
-            <a:cs typeface="+mj-cs"/>
-            <a:sym typeface="Calibri"/>
+            <a:latin typeface="+mn-lt"/>
+            <a:ea typeface="+mn-ea"/>
+            <a:cs typeface="+mn-cs"/>
+            <a:sym typeface="Helvetica"/>
           </a:defRPr>
         </a:defPPr>
         <a:lvl1pPr marL="0" marR="0" indent="0" algn="l" defTabSz="914400" rtl="0" fontAlgn="auto" latinLnBrk="1" hangingPunct="0">
@@ -26260,10 +27375,10 @@
             </a:solidFill>
             <a:effectLst/>
             <a:uFillTx/>
-            <a:latin typeface="+mj-lt"/>
-            <a:ea typeface="+mj-ea"/>
-            <a:cs typeface="+mj-cs"/>
-            <a:sym typeface="Calibri"/>
+            <a:latin typeface="+mn-lt"/>
+            <a:ea typeface="+mn-ea"/>
+            <a:cs typeface="+mn-cs"/>
+            <a:sym typeface="Helvetica"/>
           </a:defRPr>
         </a:defPPr>
         <a:lvl1pPr marL="0" marR="0" indent="0" algn="l" defTabSz="914400" rtl="0" fontAlgn="auto" latinLnBrk="1" hangingPunct="0">
@@ -26743,10 +27858,10 @@
             </a:solidFill>
             <a:effectLst/>
             <a:uFillTx/>
-            <a:latin typeface="+mj-lt"/>
-            <a:ea typeface="+mj-ea"/>
-            <a:cs typeface="+mj-cs"/>
-            <a:sym typeface="Calibri"/>
+            <a:latin typeface="+mn-lt"/>
+            <a:ea typeface="+mn-ea"/>
+            <a:cs typeface="+mn-cs"/>
+            <a:sym typeface="Helvetica"/>
           </a:defRPr>
         </a:defPPr>
         <a:lvl1pPr marL="0" marR="0" indent="0" algn="l" defTabSz="914400" rtl="0" fontAlgn="auto" latinLnBrk="1" hangingPunct="0">
@@ -27314,10 +28429,10 @@
             </a:solidFill>
             <a:effectLst/>
             <a:uFillTx/>
-            <a:latin typeface="+mj-lt"/>
-            <a:ea typeface="+mj-ea"/>
-            <a:cs typeface="+mj-cs"/>
-            <a:sym typeface="Calibri"/>
+            <a:latin typeface="+mn-lt"/>
+            <a:ea typeface="+mn-ea"/>
+            <a:cs typeface="+mn-cs"/>
+            <a:sym typeface="Helvetica"/>
           </a:defRPr>
         </a:defPPr>
         <a:lvl1pPr marL="0" marR="0" indent="0" algn="l" defTabSz="914400" rtl="0" fontAlgn="auto" latinLnBrk="1" hangingPunct="0">

--- a/ppt/ch4.pptx
+++ b/ppt/ch4.pptx
@@ -1,41 +1,41 @@
 
 <file path=ppt/presentation.xml><?xml version="1.0" encoding="utf-8"?>
-<p:presentation xmlns:a="http://schemas.openxmlformats.org/drawingml/2006/main" xmlns:r="http://schemas.openxmlformats.org/officeDocument/2006/relationships" xmlns:p="http://schemas.openxmlformats.org/presentationml/2006/main" xmlns:m="http://schemas.openxmlformats.org/officeDocument/2006/math" xmlns:a14="http://schemas.microsoft.com/office/drawing/2010/main">
+<p:presentation xmlns:a="http://schemas.openxmlformats.org/drawingml/2006/main" xmlns:r="http://schemas.openxmlformats.org/officeDocument/2006/relationships" xmlns:p="http://schemas.openxmlformats.org/presentationml/2006/main" saveSubsetFonts="1">
   <p:sldMasterIdLst>
-    <p:sldMasterId id="2147483648" r:id="rId5"/>
+    <p:sldMasterId id="2147483648" r:id="rId1"/>
   </p:sldMasterIdLst>
   <p:notesMasterIdLst>
-    <p:notesMasterId r:id="rId7"/>
+    <p:notesMasterId r:id="rId30"/>
   </p:notesMasterIdLst>
   <p:sldIdLst>
-    <p:sldId id="256" r:id="rId8"/>
-    <p:sldId id="257" r:id="rId9"/>
-    <p:sldId id="258" r:id="rId10"/>
-    <p:sldId id="259" r:id="rId11"/>
-    <p:sldId id="260" r:id="rId12"/>
-    <p:sldId id="261" r:id="rId13"/>
-    <p:sldId id="262" r:id="rId14"/>
-    <p:sldId id="263" r:id="rId15"/>
-    <p:sldId id="264" r:id="rId16"/>
-    <p:sldId id="265" r:id="rId17"/>
-    <p:sldId id="266" r:id="rId18"/>
-    <p:sldId id="267" r:id="rId19"/>
-    <p:sldId id="268" r:id="rId20"/>
-    <p:sldId id="269" r:id="rId21"/>
-    <p:sldId id="270" r:id="rId22"/>
-    <p:sldId id="271" r:id="rId23"/>
-    <p:sldId id="272" r:id="rId24"/>
-    <p:sldId id="273" r:id="rId25"/>
-    <p:sldId id="274" r:id="rId26"/>
-    <p:sldId id="275" r:id="rId27"/>
-    <p:sldId id="276" r:id="rId28"/>
-    <p:sldId id="277" r:id="rId29"/>
-    <p:sldId id="278" r:id="rId30"/>
-    <p:sldId id="279" r:id="rId31"/>
-    <p:sldId id="280" r:id="rId32"/>
-    <p:sldId id="281" r:id="rId33"/>
-    <p:sldId id="282" r:id="rId34"/>
-    <p:sldId id="283" r:id="rId35"/>
+    <p:sldId id="256" r:id="rId2"/>
+    <p:sldId id="257" r:id="rId3"/>
+    <p:sldId id="258" r:id="rId4"/>
+    <p:sldId id="259" r:id="rId5"/>
+    <p:sldId id="260" r:id="rId6"/>
+    <p:sldId id="261" r:id="rId7"/>
+    <p:sldId id="262" r:id="rId8"/>
+    <p:sldId id="263" r:id="rId9"/>
+    <p:sldId id="264" r:id="rId10"/>
+    <p:sldId id="265" r:id="rId11"/>
+    <p:sldId id="266" r:id="rId12"/>
+    <p:sldId id="267" r:id="rId13"/>
+    <p:sldId id="268" r:id="rId14"/>
+    <p:sldId id="269" r:id="rId15"/>
+    <p:sldId id="270" r:id="rId16"/>
+    <p:sldId id="271" r:id="rId17"/>
+    <p:sldId id="272" r:id="rId18"/>
+    <p:sldId id="273" r:id="rId19"/>
+    <p:sldId id="274" r:id="rId20"/>
+    <p:sldId id="275" r:id="rId21"/>
+    <p:sldId id="276" r:id="rId22"/>
+    <p:sldId id="277" r:id="rId23"/>
+    <p:sldId id="278" r:id="rId24"/>
+    <p:sldId id="279" r:id="rId25"/>
+    <p:sldId id="280" r:id="rId26"/>
+    <p:sldId id="281" r:id="rId27"/>
+    <p:sldId id="282" r:id="rId28"/>
+    <p:sldId id="283" r:id="rId29"/>
   </p:sldIdLst>
   <p:sldSz cx="12192000" cy="6858000"/>
   <p:notesSz cx="6858000" cy="9144000"/>
@@ -55,7 +55,7 @@
       <a:buFontTx/>
       <a:buNone/>
       <a:tabLst/>
-      <a:defRPr b="0" baseline="0" cap="none" i="0" spc="0" strike="noStrike" sz="1800" u="none" kumimoji="0" normalizeH="0">
+      <a:defRPr kumimoji="0" sz="1800" b="0" i="0" u="none" strike="noStrike" cap="none" spc="0" normalizeH="0" baseline="0">
         <a:ln>
           <a:noFill/>
         </a:ln>
@@ -81,7 +81,7 @@
       <a:buFontTx/>
       <a:buNone/>
       <a:tabLst/>
-      <a:defRPr b="0" baseline="0" cap="none" i="0" spc="0" strike="noStrike" sz="1800" u="none" kumimoji="0" normalizeH="0">
+      <a:defRPr kumimoji="0" sz="1800" b="0" i="0" u="none" strike="noStrike" cap="none" spc="0" normalizeH="0" baseline="0">
         <a:ln>
           <a:noFill/>
         </a:ln>
@@ -111,7 +111,7 @@
       <a:buFontTx/>
       <a:buNone/>
       <a:tabLst/>
-      <a:defRPr b="0" baseline="0" cap="none" i="0" spc="0" strike="noStrike" sz="1800" u="none" kumimoji="0" normalizeH="0">
+      <a:defRPr kumimoji="0" sz="1800" b="0" i="0" u="none" strike="noStrike" cap="none" spc="0" normalizeH="0" baseline="0">
         <a:ln>
           <a:noFill/>
         </a:ln>
@@ -141,7 +141,7 @@
       <a:buFontTx/>
       <a:buNone/>
       <a:tabLst/>
-      <a:defRPr b="0" baseline="0" cap="none" i="0" spc="0" strike="noStrike" sz="1800" u="none" kumimoji="0" normalizeH="0">
+      <a:defRPr kumimoji="0" sz="1800" b="0" i="0" u="none" strike="noStrike" cap="none" spc="0" normalizeH="0" baseline="0">
         <a:ln>
           <a:noFill/>
         </a:ln>
@@ -171,7 +171,7 @@
       <a:buFontTx/>
       <a:buNone/>
       <a:tabLst/>
-      <a:defRPr b="0" baseline="0" cap="none" i="0" spc="0" strike="noStrike" sz="1800" u="none" kumimoji="0" normalizeH="0">
+      <a:defRPr kumimoji="0" sz="1800" b="0" i="0" u="none" strike="noStrike" cap="none" spc="0" normalizeH="0" baseline="0">
         <a:ln>
           <a:noFill/>
         </a:ln>
@@ -201,7 +201,7 @@
       <a:buFontTx/>
       <a:buNone/>
       <a:tabLst/>
-      <a:defRPr b="0" baseline="0" cap="none" i="0" spc="0" strike="noStrike" sz="1800" u="none" kumimoji="0" normalizeH="0">
+      <a:defRPr kumimoji="0" sz="1800" b="0" i="0" u="none" strike="noStrike" cap="none" spc="0" normalizeH="0" baseline="0">
         <a:ln>
           <a:noFill/>
         </a:ln>
@@ -231,7 +231,7 @@
       <a:buFontTx/>
       <a:buNone/>
       <a:tabLst/>
-      <a:defRPr b="0" baseline="0" cap="none" i="0" spc="0" strike="noStrike" sz="1800" u="none" kumimoji="0" normalizeH="0">
+      <a:defRPr kumimoji="0" sz="1800" b="0" i="0" u="none" strike="noStrike" cap="none" spc="0" normalizeH="0" baseline="0">
         <a:ln>
           <a:noFill/>
         </a:ln>
@@ -261,7 +261,7 @@
       <a:buFontTx/>
       <a:buNone/>
       <a:tabLst/>
-      <a:defRPr b="0" baseline="0" cap="none" i="0" spc="0" strike="noStrike" sz="1800" u="none" kumimoji="0" normalizeH="0">
+      <a:defRPr kumimoji="0" sz="1800" b="0" i="0" u="none" strike="noStrike" cap="none" spc="0" normalizeH="0" baseline="0">
         <a:ln>
           <a:noFill/>
         </a:ln>
@@ -291,7 +291,7 @@
       <a:buFontTx/>
       <a:buNone/>
       <a:tabLst/>
-      <a:defRPr b="0" baseline="0" cap="none" i="0" spc="0" strike="noStrike" sz="1800" u="none" kumimoji="0" normalizeH="0">
+      <a:defRPr kumimoji="0" sz="1800" b="0" i="0" u="none" strike="noStrike" cap="none" spc="0" normalizeH="0" baseline="0">
         <a:ln>
           <a:noFill/>
         </a:ln>
@@ -321,7 +321,7 @@
       <a:buFontTx/>
       <a:buNone/>
       <a:tabLst/>
-      <a:defRPr b="0" baseline="0" cap="none" i="0" spc="0" strike="noStrike" sz="1800" u="none" kumimoji="0" normalizeH="0">
+      <a:defRPr kumimoji="0" sz="1800" b="0" i="0" u="none" strike="noStrike" cap="none" spc="0" normalizeH="0" baseline="0">
         <a:ln>
           <a:noFill/>
         </a:ln>
@@ -340,13 +340,14 @@
 </p:presentation>
 </file>
 
-<file path=ppt/commentAuthors.xml><?xml version="1.0" encoding="utf-8"?>
-<p:cmAuthorLst xmlns:a="http://schemas.openxmlformats.org/drawingml/2006/main" xmlns:r="http://schemas.openxmlformats.org/officeDocument/2006/relationships" xmlns:p="http://schemas.openxmlformats.org/presentationml/2006/main" xmlns:m="http://schemas.openxmlformats.org/officeDocument/2006/math" xmlns:a14="http://schemas.microsoft.com/office/drawing/2010/main"/>
-</file>
-
 <file path=ppt/notesMasters/notesMaster1.xml><?xml version="1.0" encoding="utf-8"?>
-<p:notesMaster xmlns:a="http://schemas.openxmlformats.org/drawingml/2006/main" xmlns:r="http://schemas.openxmlformats.org/officeDocument/2006/relationships" xmlns:p="http://schemas.openxmlformats.org/presentationml/2006/main" xmlns:m="http://schemas.openxmlformats.org/officeDocument/2006/math" xmlns:a14="http://schemas.microsoft.com/office/drawing/2010/main">
+<p:notesMaster xmlns:a="http://schemas.openxmlformats.org/drawingml/2006/main" xmlns:r="http://schemas.openxmlformats.org/officeDocument/2006/relationships" xmlns:p="http://schemas.openxmlformats.org/presentationml/2006/main">
   <p:cSld>
+    <p:bg>
+      <p:bgRef idx="1001">
+        <a:schemeClr val="bg1"/>
+      </p:bgRef>
+    </p:bg>
     <p:spTree>
       <p:nvGrpSpPr>
         <p:cNvPr id="1" name=""/>
@@ -364,7 +365,9 @@
       <p:sp>
         <p:nvSpPr>
           <p:cNvPr id="109" name="Shape 109"/>
-          <p:cNvSpPr/>
+          <p:cNvSpPr>
+            <a:spLocks noGrp="1" noRot="1" noChangeAspect="1"/>
+          </p:cNvSpPr>
           <p:nvPr>
             <p:ph type="sldImg"/>
           </p:nvPr>
@@ -382,14 +385,16 @@
           <a:bodyPr/>
           <a:lstStyle/>
           <a:p>
-            <a:pPr/>
+            <a:endParaRPr/>
           </a:p>
         </p:txBody>
       </p:sp>
       <p:sp>
         <p:nvSpPr>
           <p:cNvPr id="110" name="Shape 110"/>
-          <p:cNvSpPr/>
+          <p:cNvSpPr>
+            <a:spLocks noGrp="1"/>
+          </p:cNvSpPr>
           <p:nvPr>
             <p:ph type="body" sz="quarter" idx="1"/>
           </p:nvPr>
@@ -407,7 +412,7 @@
           <a:bodyPr/>
           <a:lstStyle/>
           <a:p>
-            <a:pPr/>
+            <a:endParaRPr/>
           </a:p>
         </p:txBody>
       </p:sp>
@@ -492,7 +497,7 @@
 </file>
 
 <file path=ppt/notesSlides/notesSlide1.xml><?xml version="1.0" encoding="utf-8"?>
-<p:notes xmlns:a="http://schemas.openxmlformats.org/drawingml/2006/main" xmlns:r="http://schemas.openxmlformats.org/officeDocument/2006/relationships" xmlns:p="http://schemas.openxmlformats.org/presentationml/2006/main" xmlns:m="http://schemas.openxmlformats.org/officeDocument/2006/math" xmlns:a14="http://schemas.microsoft.com/office/drawing/2010/main" showMasterSp="1" showMasterPhAnim="1">
+<p:notes xmlns:a="http://schemas.openxmlformats.org/drawingml/2006/main" xmlns:r="http://schemas.openxmlformats.org/officeDocument/2006/relationships" xmlns:p="http://schemas.openxmlformats.org/presentationml/2006/main">
   <p:cSld>
     <p:spTree>
       <p:nvGrpSpPr>
@@ -511,7 +516,9 @@
       <p:sp>
         <p:nvSpPr>
           <p:cNvPr id="173" name="Shape 173"/>
-          <p:cNvSpPr/>
+          <p:cNvSpPr>
+            <a:spLocks noGrp="1" noRot="1" noChangeAspect="1"/>
+          </p:cNvSpPr>
           <p:nvPr>
             <p:ph type="sldImg"/>
           </p:nvPr>
@@ -525,14 +532,16 @@
           <a:bodyPr/>
           <a:lstStyle/>
           <a:p>
-            <a:pPr/>
+            <a:endParaRPr/>
           </a:p>
         </p:txBody>
       </p:sp>
       <p:sp>
         <p:nvSpPr>
           <p:cNvPr id="174" name="Shape 174"/>
-          <p:cNvSpPr/>
+          <p:cNvSpPr>
+            <a:spLocks noGrp="1"/>
+          </p:cNvSpPr>
           <p:nvPr>
             <p:ph type="body" sz="quarter" idx="1"/>
           </p:nvPr>
@@ -546,7 +555,6 @@
           <a:bodyPr/>
           <a:lstStyle/>
           <a:p>
-            <a:pPr/>
             <a:r>
               <a:t>简单讲解一下Android提供的各种Activity基类，那个类图</a:t>
             </a:r>
@@ -562,7 +570,7 @@
 </file>
 
 <file path=ppt/notesSlides/notesSlide2.xml><?xml version="1.0" encoding="utf-8"?>
-<p:notes xmlns:a="http://schemas.openxmlformats.org/drawingml/2006/main" xmlns:r="http://schemas.openxmlformats.org/officeDocument/2006/relationships" xmlns:p="http://schemas.openxmlformats.org/presentationml/2006/main" xmlns:m="http://schemas.openxmlformats.org/officeDocument/2006/math" xmlns:a14="http://schemas.microsoft.com/office/drawing/2010/main" showMasterSp="1" showMasterPhAnim="1">
+<p:notes xmlns:a="http://schemas.openxmlformats.org/drawingml/2006/main" xmlns:r="http://schemas.openxmlformats.org/officeDocument/2006/relationships" xmlns:p="http://schemas.openxmlformats.org/presentationml/2006/main">
   <p:cSld>
     <p:spTree>
       <p:nvGrpSpPr>
@@ -581,7 +589,9 @@
       <p:sp>
         <p:nvSpPr>
           <p:cNvPr id="192" name="Shape 192"/>
-          <p:cNvSpPr/>
+          <p:cNvSpPr>
+            <a:spLocks noGrp="1" noRot="1" noChangeAspect="1"/>
+          </p:cNvSpPr>
           <p:nvPr>
             <p:ph type="sldImg"/>
           </p:nvPr>
@@ -595,14 +605,16 @@
           <a:bodyPr/>
           <a:lstStyle/>
           <a:p>
-            <a:pPr/>
+            <a:endParaRPr/>
           </a:p>
         </p:txBody>
       </p:sp>
       <p:sp>
         <p:nvSpPr>
           <p:cNvPr id="193" name="Shape 193"/>
-          <p:cNvSpPr/>
+          <p:cNvSpPr>
+            <a:spLocks noGrp="1"/>
+          </p:cNvSpPr>
           <p:nvPr>
             <p:ph type="body" sz="quarter" idx="1"/>
           </p:nvPr>
@@ -616,7 +628,6 @@
           <a:bodyPr/>
           <a:lstStyle/>
           <a:p>
-            <a:pPr/>
             <a:r>
               <a:t>单击“设置程序参数”将会启动PreferenceActivityTest，单击“查看星级兵种”将会启动ExpandableListActivityTest</a:t>
             </a:r>
@@ -632,7 +643,7 @@
 </file>
 
 <file path=ppt/notesSlides/notesSlide3.xml><?xml version="1.0" encoding="utf-8"?>
-<p:notes xmlns:a="http://schemas.openxmlformats.org/drawingml/2006/main" xmlns:r="http://schemas.openxmlformats.org/officeDocument/2006/relationships" xmlns:p="http://schemas.openxmlformats.org/presentationml/2006/main" xmlns:m="http://schemas.openxmlformats.org/officeDocument/2006/math" xmlns:a14="http://schemas.microsoft.com/office/drawing/2010/main" showMasterSp="1" showMasterPhAnim="1">
+<p:notes xmlns:a="http://schemas.openxmlformats.org/drawingml/2006/main" xmlns:r="http://schemas.openxmlformats.org/officeDocument/2006/relationships" xmlns:p="http://schemas.openxmlformats.org/presentationml/2006/main">
   <p:cSld>
     <p:spTree>
       <p:nvGrpSpPr>
@@ -651,7 +662,9 @@
       <p:sp>
         <p:nvSpPr>
           <p:cNvPr id="218" name="Shape 218"/>
-          <p:cNvSpPr/>
+          <p:cNvSpPr>
+            <a:spLocks noGrp="1" noRot="1" noChangeAspect="1"/>
+          </p:cNvSpPr>
           <p:nvPr>
             <p:ph type="sldImg"/>
           </p:nvPr>
@@ -665,14 +678,16 @@
           <a:bodyPr/>
           <a:lstStyle/>
           <a:p>
-            <a:pPr/>
+            <a:endParaRPr/>
           </a:p>
         </p:txBody>
       </p:sp>
       <p:sp>
         <p:nvSpPr>
           <p:cNvPr id="219" name="Shape 219"/>
-          <p:cNvSpPr/>
+          <p:cNvSpPr>
+            <a:spLocks noGrp="1"/>
+          </p:cNvSpPr>
           <p:nvPr>
             <p:ph type="body" sz="quarter" idx="1"/>
           </p:nvPr>
@@ -686,7 +701,6 @@
           <a:bodyPr/>
           <a:lstStyle/>
           <a:p>
-            <a:pPr/>
             <a:r>
               <a:t>启动</a:t>
             </a:r>
@@ -860,7 +874,7 @@
 </file>
 
 <file path=ppt/notesSlides/notesSlide4.xml><?xml version="1.0" encoding="utf-8"?>
-<p:notes xmlns:a="http://schemas.openxmlformats.org/drawingml/2006/main" xmlns:r="http://schemas.openxmlformats.org/officeDocument/2006/relationships" xmlns:p="http://schemas.openxmlformats.org/presentationml/2006/main" xmlns:m="http://schemas.openxmlformats.org/officeDocument/2006/math" xmlns:a14="http://schemas.microsoft.com/office/drawing/2010/main" showMasterSp="1" showMasterPhAnim="1">
+<p:notes xmlns:a="http://schemas.openxmlformats.org/drawingml/2006/main" xmlns:r="http://schemas.openxmlformats.org/officeDocument/2006/relationships" xmlns:p="http://schemas.openxmlformats.org/presentationml/2006/main">
   <p:cSld>
     <p:spTree>
       <p:nvGrpSpPr>
@@ -879,7 +893,9 @@
       <p:sp>
         <p:nvSpPr>
           <p:cNvPr id="242" name="Shape 242"/>
-          <p:cNvSpPr/>
+          <p:cNvSpPr>
+            <a:spLocks noGrp="1" noRot="1" noChangeAspect="1"/>
+          </p:cNvSpPr>
           <p:nvPr>
             <p:ph type="sldImg"/>
           </p:nvPr>
@@ -893,14 +909,16 @@
           <a:bodyPr/>
           <a:lstStyle/>
           <a:p>
-            <a:pPr/>
+            <a:endParaRPr/>
           </a:p>
         </p:txBody>
       </p:sp>
       <p:sp>
         <p:nvSpPr>
           <p:cNvPr id="243" name="Shape 243"/>
-          <p:cNvSpPr/>
+          <p:cNvSpPr>
+            <a:spLocks noGrp="1"/>
+          </p:cNvSpPr>
           <p:nvPr>
             <p:ph type="body" sz="quarter" idx="1"/>
           </p:nvPr>
@@ -914,7 +932,6 @@
           <a:bodyPr/>
           <a:lstStyle/>
           <a:p>
-            <a:pPr/>
             <a:r>
               <a:t>当用户单击“注册”按钮，程序将会启动ResultActvity，并将用户输入的数据传入该Activity</a:t>
             </a:r>
@@ -930,7 +947,7 @@
 </file>
 
 <file path=ppt/notesSlides/notesSlide5.xml><?xml version="1.0" encoding="utf-8"?>
-<p:notes xmlns:a="http://schemas.openxmlformats.org/drawingml/2006/main" xmlns:r="http://schemas.openxmlformats.org/officeDocument/2006/relationships" xmlns:p="http://schemas.openxmlformats.org/presentationml/2006/main" xmlns:m="http://schemas.openxmlformats.org/officeDocument/2006/math" xmlns:a14="http://schemas.microsoft.com/office/drawing/2010/main" showMasterSp="1" showMasterPhAnim="1">
+<p:notes xmlns:a="http://schemas.openxmlformats.org/drawingml/2006/main" xmlns:r="http://schemas.openxmlformats.org/officeDocument/2006/relationships" xmlns:p="http://schemas.openxmlformats.org/presentationml/2006/main">
   <p:cSld>
     <p:spTree>
       <p:nvGrpSpPr>
@@ -949,7 +966,9 @@
       <p:sp>
         <p:nvSpPr>
           <p:cNvPr id="268" name="Shape 268"/>
-          <p:cNvSpPr/>
+          <p:cNvSpPr>
+            <a:spLocks noGrp="1" noRot="1" noChangeAspect="1"/>
+          </p:cNvSpPr>
           <p:nvPr>
             <p:ph type="sldImg"/>
           </p:nvPr>
@@ -963,14 +982,16 @@
           <a:bodyPr/>
           <a:lstStyle/>
           <a:p>
-            <a:pPr/>
+            <a:endParaRPr/>
           </a:p>
         </p:txBody>
       </p:sp>
       <p:sp>
         <p:nvSpPr>
           <p:cNvPr id="269" name="Shape 269"/>
-          <p:cNvSpPr/>
+          <p:cNvSpPr>
+            <a:spLocks noGrp="1"/>
+          </p:cNvSpPr>
           <p:nvPr>
             <p:ph type="body" sz="quarter" idx="1"/>
           </p:nvPr>
@@ -984,7 +1005,6 @@
           <a:bodyPr/>
           <a:lstStyle/>
           <a:p>
-            <a:pPr/>
             <a:r>
               <a:t>为了获取被启动的Activity返回的结果，需从两方面着手：</a:t>
             </a:r>
@@ -1020,7 +1040,7 @@
 </file>
 
 <file path=ppt/notesSlides/notesSlide6.xml><?xml version="1.0" encoding="utf-8"?>
-<p:notes xmlns:a="http://schemas.openxmlformats.org/drawingml/2006/main" xmlns:r="http://schemas.openxmlformats.org/officeDocument/2006/relationships" xmlns:p="http://schemas.openxmlformats.org/presentationml/2006/main" xmlns:m="http://schemas.openxmlformats.org/officeDocument/2006/math" xmlns:a14="http://schemas.microsoft.com/office/drawing/2010/main" showMasterSp="1" showMasterPhAnim="1">
+<p:notes xmlns:a="http://schemas.openxmlformats.org/drawingml/2006/main" xmlns:r="http://schemas.openxmlformats.org/officeDocument/2006/relationships" xmlns:p="http://schemas.openxmlformats.org/presentationml/2006/main">
   <p:cSld>
     <p:spTree>
       <p:nvGrpSpPr>
@@ -1039,7 +1059,9 @@
       <p:sp>
         <p:nvSpPr>
           <p:cNvPr id="279" name="Shape 279"/>
-          <p:cNvSpPr/>
+          <p:cNvSpPr>
+            <a:spLocks noGrp="1" noRot="1" noChangeAspect="1"/>
+          </p:cNvSpPr>
           <p:nvPr>
             <p:ph type="sldImg"/>
           </p:nvPr>
@@ -1053,14 +1075,16 @@
           <a:bodyPr/>
           <a:lstStyle/>
           <a:p>
-            <a:pPr/>
+            <a:endParaRPr/>
           </a:p>
         </p:txBody>
       </p:sp>
       <p:sp>
         <p:nvSpPr>
           <p:cNvPr id="280" name="Shape 280"/>
-          <p:cNvSpPr/>
+          <p:cNvSpPr>
+            <a:spLocks noGrp="1"/>
+          </p:cNvSpPr>
           <p:nvPr>
             <p:ph type="body" sz="quarter" idx="1"/>
           </p:nvPr>
@@ -1074,19 +1098,16 @@
           <a:bodyPr/>
           <a:lstStyle/>
           <a:p>
-            <a:pPr/>
             <a:r>
               <a:t>Activity的回调机制：</a:t>
             </a:r>
           </a:p>
           <a:p>
-            <a:pPr/>
             <a:r>
               <a:t>当Activity部署在Android应用中之后，随着应用程序的运行，Activity会不断地在不同的状态之间切换，该Activity中特定的方法就会被回调——开发者就可以有选择性的重写这些方法来加入业务相关的处理。</a:t>
             </a:r>
           </a:p>
           <a:p>
-            <a:pPr/>
             <a:r>
               <a:t>Activity运行过程所处的不同状态也被称为生命周期。</a:t>
             </a:r>
@@ -1102,7 +1123,7 @@
 </file>
 
 <file path=ppt/notesSlides/notesSlide7.xml><?xml version="1.0" encoding="utf-8"?>
-<p:notes xmlns:a="http://schemas.openxmlformats.org/drawingml/2006/main" xmlns:r="http://schemas.openxmlformats.org/officeDocument/2006/relationships" xmlns:p="http://schemas.openxmlformats.org/presentationml/2006/main" xmlns:m="http://schemas.openxmlformats.org/officeDocument/2006/math" xmlns:a14="http://schemas.microsoft.com/office/drawing/2010/main" showMasterSp="1" showMasterPhAnim="1">
+<p:notes xmlns:a="http://schemas.openxmlformats.org/drawingml/2006/main" xmlns:r="http://schemas.openxmlformats.org/officeDocument/2006/relationships" xmlns:p="http://schemas.openxmlformats.org/presentationml/2006/main">
   <p:cSld>
     <p:spTree>
       <p:nvGrpSpPr>
@@ -1121,7 +1142,9 @@
       <p:sp>
         <p:nvSpPr>
           <p:cNvPr id="364" name="Shape 364"/>
-          <p:cNvSpPr/>
+          <p:cNvSpPr>
+            <a:spLocks noGrp="1" noRot="1" noChangeAspect="1"/>
+          </p:cNvSpPr>
           <p:nvPr>
             <p:ph type="sldImg"/>
           </p:nvPr>
@@ -1135,14 +1158,16 @@
           <a:bodyPr/>
           <a:lstStyle/>
           <a:p>
-            <a:pPr/>
+            <a:endParaRPr/>
           </a:p>
         </p:txBody>
       </p:sp>
       <p:sp>
         <p:nvSpPr>
           <p:cNvPr id="365" name="Shape 365"/>
-          <p:cNvSpPr/>
+          <p:cNvSpPr>
+            <a:spLocks noGrp="1"/>
+          </p:cNvSpPr>
           <p:nvPr>
             <p:ph type="body" sz="quarter" idx="1"/>
           </p:nvPr>
@@ -1156,13 +1181,11 @@
           <a:bodyPr/>
           <a:lstStyle/>
           <a:p>
-            <a:pPr/>
             <a:r>
               <a:t>配置Activity时可指定android:launchMode属性，用于配置Activity的加载模式。Activity的加载模式就是负责管理实例化、加载Activity的方式，并可以控制Activity与Task之间的加载方式。</a:t>
             </a:r>
           </a:p>
           <a:p>
-            <a:pPr/>
             <a:r>
               <a:t>采用singleTask模式加载Activity，有如下三种情况：</a:t>
             </a:r>
@@ -1203,9 +1226,9 @@
               <a:buFont typeface="Trebuchet MS"/>
               <a:buChar char="➢"/>
             </a:pPr>
-          </a:p>
-          <a:p>
-            <a:pPr/>
+            <a:endParaRPr/>
+          </a:p>
+          <a:p>
             <a:r>
               <a:t>采用singleInstance模式加载Activity，有如下两种情况：</a:t>
             </a:r>
@@ -1241,7 +1264,7 @@
 </file>
 
 <file path=ppt/notesSlides/notesSlide8.xml><?xml version="1.0" encoding="utf-8"?>
-<p:notes xmlns:a="http://schemas.openxmlformats.org/drawingml/2006/main" xmlns:r="http://schemas.openxmlformats.org/officeDocument/2006/relationships" xmlns:p="http://schemas.openxmlformats.org/presentationml/2006/main" xmlns:m="http://schemas.openxmlformats.org/officeDocument/2006/math" xmlns:a14="http://schemas.microsoft.com/office/drawing/2010/main" showMasterSp="1" showMasterPhAnim="1">
+<p:notes xmlns:a="http://schemas.openxmlformats.org/drawingml/2006/main" xmlns:r="http://schemas.openxmlformats.org/officeDocument/2006/relationships" xmlns:p="http://schemas.openxmlformats.org/presentationml/2006/main">
   <p:cSld>
     <p:spTree>
       <p:nvGrpSpPr>
@@ -1260,7 +1283,9 @@
       <p:sp>
         <p:nvSpPr>
           <p:cNvPr id="436" name="Shape 436"/>
-          <p:cNvSpPr/>
+          <p:cNvSpPr>
+            <a:spLocks noGrp="1" noRot="1" noChangeAspect="1"/>
+          </p:cNvSpPr>
           <p:nvPr>
             <p:ph type="sldImg"/>
           </p:nvPr>
@@ -1274,14 +1299,16 @@
           <a:bodyPr/>
           <a:lstStyle/>
           <a:p>
-            <a:pPr/>
+            <a:endParaRPr/>
           </a:p>
         </p:txBody>
       </p:sp>
       <p:sp>
         <p:nvSpPr>
           <p:cNvPr id="437" name="Shape 437"/>
-          <p:cNvSpPr/>
+          <p:cNvSpPr>
+            <a:spLocks noGrp="1"/>
+          </p:cNvSpPr>
           <p:nvPr>
             <p:ph type="body" sz="quarter" idx="1"/>
           </p:nvPr>
@@ -1295,13 +1322,11 @@
           <a:bodyPr/>
           <a:lstStyle/>
           <a:p>
-            <a:pPr/>
             <a:r>
               <a:t>onCreateView()方法返回的View将作为该Fragment显示的组件，当Fragment绘制界面组件时将会回到该方法。</a:t>
             </a:r>
           </a:p>
           <a:p>
-            <a:pPr/>
             <a:r>
               <a:t>开发ListFragment的子类，无须重写onCreateView()方法，只要调用ListFragment提供的setAdapter()方法，即可让该ListFragment显示Adapter提供的多个列表项。</a:t>
             </a:r>
@@ -1317,7 +1342,7 @@
 </file>
 
 <file path=ppt/notesSlides/notesSlide9.xml><?xml version="1.0" encoding="utf-8"?>
-<p:notes xmlns:a="http://schemas.openxmlformats.org/drawingml/2006/main" xmlns:r="http://schemas.openxmlformats.org/officeDocument/2006/relationships" xmlns:p="http://schemas.openxmlformats.org/presentationml/2006/main" xmlns:m="http://schemas.openxmlformats.org/officeDocument/2006/math" xmlns:a14="http://schemas.microsoft.com/office/drawing/2010/main" showMasterSp="1" showMasterPhAnim="1">
+<p:notes xmlns:a="http://schemas.openxmlformats.org/drawingml/2006/main" xmlns:r="http://schemas.openxmlformats.org/officeDocument/2006/relationships" xmlns:p="http://schemas.openxmlformats.org/presentationml/2006/main">
   <p:cSld>
     <p:spTree>
       <p:nvGrpSpPr>
@@ -1336,7 +1361,9 @@
       <p:sp>
         <p:nvSpPr>
           <p:cNvPr id="519" name="Shape 519"/>
-          <p:cNvSpPr/>
+          <p:cNvSpPr>
+            <a:spLocks noGrp="1" noRot="1" noChangeAspect="1"/>
+          </p:cNvSpPr>
           <p:nvPr>
             <p:ph type="sldImg"/>
           </p:nvPr>
@@ -1350,14 +1377,16 @@
           <a:bodyPr/>
           <a:lstStyle/>
           <a:p>
-            <a:pPr/>
+            <a:endParaRPr/>
           </a:p>
         </p:txBody>
       </p:sp>
       <p:sp>
         <p:nvSpPr>
           <p:cNvPr id="520" name="Shape 520"/>
-          <p:cNvSpPr/>
+          <p:cNvSpPr>
+            <a:spLocks noGrp="1"/>
+          </p:cNvSpPr>
           <p:nvPr>
             <p:ph type="body" sz="quarter" idx="1"/>
           </p:nvPr>
@@ -1371,7 +1400,6 @@
           <a:bodyPr/>
           <a:lstStyle/>
           <a:p>
-            <a:pPr/>
             <a:r>
               <a:t>在Fragment的生命周期中，如下方法会被系统回调：</a:t>
             </a:r>
@@ -1497,7 +1525,7 @@
 </file>
 
 <file path=ppt/slideLayouts/slideLayout1.xml><?xml version="1.0" encoding="utf-8"?>
-<p:sldLayout xmlns:a="http://schemas.openxmlformats.org/drawingml/2006/main" xmlns:r="http://schemas.openxmlformats.org/officeDocument/2006/relationships" xmlns:p="http://schemas.openxmlformats.org/presentationml/2006/main" xmlns:m="http://schemas.openxmlformats.org/officeDocument/2006/math" xmlns:a14="http://schemas.microsoft.com/office/drawing/2010/main" type="title" showMasterSp="1" showMasterPhAnim="1">
+<p:sldLayout xmlns:a="http://schemas.openxmlformats.org/drawingml/2006/main" xmlns:r="http://schemas.openxmlformats.org/officeDocument/2006/relationships" xmlns:p="http://schemas.openxmlformats.org/presentationml/2006/main" type="title">
   <p:cSld name="标题幻灯片">
     <p:spTree>
       <p:nvGrpSpPr>
@@ -1516,7 +1544,9 @@
       <p:sp>
         <p:nvSpPr>
           <p:cNvPr id="11" name="标题文本"/>
-          <p:cNvSpPr txBox="1"/>
+          <p:cNvSpPr txBox="1">
+            <a:spLocks noGrp="1"/>
+          </p:cNvSpPr>
           <p:nvPr>
             <p:ph type="title"/>
           </p:nvPr>
@@ -1538,7 +1568,6 @@
             </a:lvl1pPr>
           </a:lstStyle>
           <a:p>
-            <a:pPr/>
             <a:r>
               <a:t>标题文本</a:t>
             </a:r>
@@ -1548,7 +1577,9 @@
       <p:sp>
         <p:nvSpPr>
           <p:cNvPr id="12" name="正文级别 1…"/>
-          <p:cNvSpPr txBox="1"/>
+          <p:cNvSpPr txBox="1">
+            <a:spLocks noGrp="1"/>
+          </p:cNvSpPr>
           <p:nvPr>
             <p:ph type="body" sz="quarter" idx="1"/>
           </p:nvPr>
@@ -1597,7 +1628,6 @@
             </a:lvl5pPr>
           </a:lstStyle>
           <a:p>
-            <a:pPr/>
             <a:r>
               <a:t>正文级别 1</a:t>
             </a:r>
@@ -1631,7 +1661,9 @@
       <p:sp>
         <p:nvSpPr>
           <p:cNvPr id="13" name="幻灯片编号"/>
-          <p:cNvSpPr txBox="1"/>
+          <p:cNvSpPr txBox="1">
+            <a:spLocks noGrp="1"/>
+          </p:cNvSpPr>
           <p:nvPr>
             <p:ph type="sldNum" sz="quarter" idx="2"/>
           </p:nvPr>
@@ -1645,8 +1677,10 @@
           <a:bodyPr/>
           <a:lstStyle/>
           <a:p>
-            <a:pPr/>
-            <a:fld id="{86CB4B4D-7CA3-9044-876B-883B54F8677D}" type="slidenum"/>
+            <a:fld id="{86CB4B4D-7CA3-9044-876B-883B54F8677D}" type="slidenum">
+              <a:t>‹#›</a:t>
+            </a:fld>
+            <a:endParaRPr/>
           </a:p>
         </p:txBody>
       </p:sp>
@@ -1655,12 +1689,12 @@
   <p:clrMapOvr>
     <a:masterClrMapping/>
   </p:clrMapOvr>
-  <p:transition xmlns:p14="http://schemas.microsoft.com/office/powerpoint/2010/main" spd="med" advClick="1"/>
+  <p:transition spd="med"/>
 </p:sldLayout>
 </file>
 
 <file path=ppt/slideLayouts/slideLayout10.xml><?xml version="1.0" encoding="utf-8"?>
-<p:sldLayout xmlns:a="http://schemas.openxmlformats.org/drawingml/2006/main" xmlns:r="http://schemas.openxmlformats.org/officeDocument/2006/relationships" xmlns:p="http://schemas.openxmlformats.org/presentationml/2006/main" xmlns:m="http://schemas.openxmlformats.org/officeDocument/2006/math" xmlns:a14="http://schemas.microsoft.com/office/drawing/2010/main" type="tx" showMasterSp="1" showMasterPhAnim="1">
+<p:sldLayout xmlns:a="http://schemas.openxmlformats.org/drawingml/2006/main" xmlns:r="http://schemas.openxmlformats.org/officeDocument/2006/relationships" xmlns:p="http://schemas.openxmlformats.org/presentationml/2006/main" type="tx">
   <p:cSld name="标题和竖排文字">
     <p:spTree>
       <p:nvGrpSpPr>
@@ -1679,7 +1713,9 @@
       <p:sp>
         <p:nvSpPr>
           <p:cNvPr id="92" name="标题文本"/>
-          <p:cNvSpPr txBox="1"/>
+          <p:cNvSpPr txBox="1">
+            <a:spLocks noGrp="1"/>
+          </p:cNvSpPr>
           <p:nvPr>
             <p:ph type="title"/>
           </p:nvPr>
@@ -1693,7 +1729,6 @@
           <a:bodyPr/>
           <a:lstStyle/>
           <a:p>
-            <a:pPr/>
             <a:r>
               <a:t>标题文本</a:t>
             </a:r>
@@ -1703,7 +1738,9 @@
       <p:sp>
         <p:nvSpPr>
           <p:cNvPr id="93" name="正文级别 1…"/>
-          <p:cNvSpPr txBox="1"/>
+          <p:cNvSpPr txBox="1">
+            <a:spLocks noGrp="1"/>
+          </p:cNvSpPr>
           <p:nvPr>
             <p:ph type="body" idx="1"/>
           </p:nvPr>
@@ -1717,7 +1754,6 @@
           <a:bodyPr/>
           <a:lstStyle/>
           <a:p>
-            <a:pPr/>
             <a:r>
               <a:t>正文级别 1</a:t>
             </a:r>
@@ -1751,7 +1787,9 @@
       <p:sp>
         <p:nvSpPr>
           <p:cNvPr id="94" name="幻灯片编号"/>
-          <p:cNvSpPr txBox="1"/>
+          <p:cNvSpPr txBox="1">
+            <a:spLocks noGrp="1"/>
+          </p:cNvSpPr>
           <p:nvPr>
             <p:ph type="sldNum" sz="quarter" idx="2"/>
           </p:nvPr>
@@ -1765,8 +1803,10 @@
           <a:bodyPr/>
           <a:lstStyle/>
           <a:p>
-            <a:pPr/>
-            <a:fld id="{86CB4B4D-7CA3-9044-876B-883B54F8677D}" type="slidenum"/>
+            <a:fld id="{86CB4B4D-7CA3-9044-876B-883B54F8677D}" type="slidenum">
+              <a:t>‹#›</a:t>
+            </a:fld>
+            <a:endParaRPr/>
           </a:p>
         </p:txBody>
       </p:sp>
@@ -1775,12 +1815,12 @@
   <p:clrMapOvr>
     <a:masterClrMapping/>
   </p:clrMapOvr>
-  <p:transition xmlns:p14="http://schemas.microsoft.com/office/powerpoint/2010/main" spd="med" advClick="1"/>
+  <p:transition spd="med"/>
 </p:sldLayout>
 </file>
 
 <file path=ppt/slideLayouts/slideLayout11.xml><?xml version="1.0" encoding="utf-8"?>
-<p:sldLayout xmlns:a="http://schemas.openxmlformats.org/drawingml/2006/main" xmlns:r="http://schemas.openxmlformats.org/officeDocument/2006/relationships" xmlns:p="http://schemas.openxmlformats.org/presentationml/2006/main" xmlns:m="http://schemas.openxmlformats.org/officeDocument/2006/math" xmlns:a14="http://schemas.microsoft.com/office/drawing/2010/main" type="tx" showMasterSp="1" showMasterPhAnim="1">
+<p:sldLayout xmlns:a="http://schemas.openxmlformats.org/drawingml/2006/main" xmlns:r="http://schemas.openxmlformats.org/officeDocument/2006/relationships" xmlns:p="http://schemas.openxmlformats.org/presentationml/2006/main" type="tx">
   <p:cSld name="垂直排列标题与&#10;文本">
     <p:spTree>
       <p:nvGrpSpPr>
@@ -1799,7 +1839,9 @@
       <p:sp>
         <p:nvSpPr>
           <p:cNvPr id="101" name="标题文本"/>
-          <p:cNvSpPr txBox="1"/>
+          <p:cNvSpPr txBox="1">
+            <a:spLocks noGrp="1"/>
+          </p:cNvSpPr>
           <p:nvPr>
             <p:ph type="title"/>
           </p:nvPr>
@@ -1817,7 +1859,6 @@
           <a:bodyPr/>
           <a:lstStyle/>
           <a:p>
-            <a:pPr/>
             <a:r>
               <a:t>标题文本</a:t>
             </a:r>
@@ -1827,7 +1868,9 @@
       <p:sp>
         <p:nvSpPr>
           <p:cNvPr id="102" name="正文级别 1…"/>
-          <p:cNvSpPr txBox="1"/>
+          <p:cNvSpPr txBox="1">
+            <a:spLocks noGrp="1"/>
+          </p:cNvSpPr>
           <p:nvPr>
             <p:ph type="body" idx="1"/>
           </p:nvPr>
@@ -1845,7 +1888,6 @@
           <a:bodyPr/>
           <a:lstStyle/>
           <a:p>
-            <a:pPr/>
             <a:r>
               <a:t>正文级别 1</a:t>
             </a:r>
@@ -1879,7 +1921,9 @@
       <p:sp>
         <p:nvSpPr>
           <p:cNvPr id="103" name="幻灯片编号"/>
-          <p:cNvSpPr txBox="1"/>
+          <p:cNvSpPr txBox="1">
+            <a:spLocks noGrp="1"/>
+          </p:cNvSpPr>
           <p:nvPr>
             <p:ph type="sldNum" sz="quarter" idx="2"/>
           </p:nvPr>
@@ -1893,8 +1937,10 @@
           <a:bodyPr/>
           <a:lstStyle/>
           <a:p>
-            <a:pPr/>
-            <a:fld id="{86CB4B4D-7CA3-9044-876B-883B54F8677D}" type="slidenum"/>
+            <a:fld id="{86CB4B4D-7CA3-9044-876B-883B54F8677D}" type="slidenum">
+              <a:t>‹#›</a:t>
+            </a:fld>
+            <a:endParaRPr/>
           </a:p>
         </p:txBody>
       </p:sp>
@@ -1903,12 +1949,12 @@
   <p:clrMapOvr>
     <a:masterClrMapping/>
   </p:clrMapOvr>
-  <p:transition xmlns:p14="http://schemas.microsoft.com/office/powerpoint/2010/main" spd="med" advClick="1"/>
+  <p:transition spd="med"/>
 </p:sldLayout>
 </file>
 
 <file path=ppt/slideLayouts/slideLayout2.xml><?xml version="1.0" encoding="utf-8"?>
-<p:sldLayout xmlns:a="http://schemas.openxmlformats.org/drawingml/2006/main" xmlns:r="http://schemas.openxmlformats.org/officeDocument/2006/relationships" xmlns:p="http://schemas.openxmlformats.org/presentationml/2006/main" xmlns:m="http://schemas.openxmlformats.org/officeDocument/2006/math" xmlns:a14="http://schemas.microsoft.com/office/drawing/2010/main" type="tx" showMasterSp="1" showMasterPhAnim="1">
+<p:sldLayout xmlns:a="http://schemas.openxmlformats.org/drawingml/2006/main" xmlns:r="http://schemas.openxmlformats.org/officeDocument/2006/relationships" xmlns:p="http://schemas.openxmlformats.org/presentationml/2006/main" type="tx">
   <p:cSld name="标题和内容">
     <p:spTree>
       <p:nvGrpSpPr>
@@ -1927,7 +1973,9 @@
       <p:sp>
         <p:nvSpPr>
           <p:cNvPr id="20" name="标题文本"/>
-          <p:cNvSpPr txBox="1"/>
+          <p:cNvSpPr txBox="1">
+            <a:spLocks noGrp="1"/>
+          </p:cNvSpPr>
           <p:nvPr>
             <p:ph type="title"/>
           </p:nvPr>
@@ -1941,7 +1989,6 @@
           <a:bodyPr/>
           <a:lstStyle/>
           <a:p>
-            <a:pPr/>
             <a:r>
               <a:t>标题文本</a:t>
             </a:r>
@@ -1951,7 +1998,9 @@
       <p:sp>
         <p:nvSpPr>
           <p:cNvPr id="21" name="正文级别 1…"/>
-          <p:cNvSpPr txBox="1"/>
+          <p:cNvSpPr txBox="1">
+            <a:spLocks noGrp="1"/>
+          </p:cNvSpPr>
           <p:nvPr>
             <p:ph type="body" idx="1"/>
           </p:nvPr>
@@ -1965,7 +2014,6 @@
           <a:bodyPr/>
           <a:lstStyle/>
           <a:p>
-            <a:pPr/>
             <a:r>
               <a:t>正文级别 1</a:t>
             </a:r>
@@ -1999,7 +2047,9 @@
       <p:sp>
         <p:nvSpPr>
           <p:cNvPr id="22" name="幻灯片编号"/>
-          <p:cNvSpPr txBox="1"/>
+          <p:cNvSpPr txBox="1">
+            <a:spLocks noGrp="1"/>
+          </p:cNvSpPr>
           <p:nvPr>
             <p:ph type="sldNum" sz="quarter" idx="2"/>
           </p:nvPr>
@@ -2013,8 +2063,10 @@
           <a:bodyPr/>
           <a:lstStyle/>
           <a:p>
-            <a:pPr/>
-            <a:fld id="{86CB4B4D-7CA3-9044-876B-883B54F8677D}" type="slidenum"/>
+            <a:fld id="{86CB4B4D-7CA3-9044-876B-883B54F8677D}" type="slidenum">
+              <a:t>‹#›</a:t>
+            </a:fld>
+            <a:endParaRPr/>
           </a:p>
         </p:txBody>
       </p:sp>
@@ -2023,12 +2075,12 @@
   <p:clrMapOvr>
     <a:masterClrMapping/>
   </p:clrMapOvr>
-  <p:transition xmlns:p14="http://schemas.microsoft.com/office/powerpoint/2010/main" spd="med" advClick="1"/>
+  <p:transition spd="med"/>
 </p:sldLayout>
 </file>
 
 <file path=ppt/slideLayouts/slideLayout3.xml><?xml version="1.0" encoding="utf-8"?>
-<p:sldLayout xmlns:a="http://schemas.openxmlformats.org/drawingml/2006/main" xmlns:r="http://schemas.openxmlformats.org/officeDocument/2006/relationships" xmlns:p="http://schemas.openxmlformats.org/presentationml/2006/main" xmlns:m="http://schemas.openxmlformats.org/officeDocument/2006/math" xmlns:a14="http://schemas.microsoft.com/office/drawing/2010/main" type="tx" showMasterSp="1" showMasterPhAnim="1">
+<p:sldLayout xmlns:a="http://schemas.openxmlformats.org/drawingml/2006/main" xmlns:r="http://schemas.openxmlformats.org/officeDocument/2006/relationships" xmlns:p="http://schemas.openxmlformats.org/presentationml/2006/main" type="tx">
   <p:cSld name="节标题">
     <p:spTree>
       <p:nvGrpSpPr>
@@ -2047,7 +2099,9 @@
       <p:sp>
         <p:nvSpPr>
           <p:cNvPr id="29" name="标题文本"/>
-          <p:cNvSpPr txBox="1"/>
+          <p:cNvSpPr txBox="1">
+            <a:spLocks noGrp="1"/>
+          </p:cNvSpPr>
           <p:nvPr>
             <p:ph type="title"/>
           </p:nvPr>
@@ -2069,7 +2123,6 @@
             </a:lvl1pPr>
           </a:lstStyle>
           <a:p>
-            <a:pPr/>
             <a:r>
               <a:t>标题文本</a:t>
             </a:r>
@@ -2079,7 +2132,9 @@
       <p:sp>
         <p:nvSpPr>
           <p:cNvPr id="30" name="正文级别 1…"/>
-          <p:cNvSpPr txBox="1"/>
+          <p:cNvSpPr txBox="1">
+            <a:spLocks noGrp="1"/>
+          </p:cNvSpPr>
           <p:nvPr>
             <p:ph type="body" sz="quarter" idx="1"/>
           </p:nvPr>
@@ -2148,7 +2203,6 @@
             </a:lvl5pPr>
           </a:lstStyle>
           <a:p>
-            <a:pPr/>
             <a:r>
               <a:t>正文级别 1</a:t>
             </a:r>
@@ -2182,7 +2236,9 @@
       <p:sp>
         <p:nvSpPr>
           <p:cNvPr id="31" name="幻灯片编号"/>
-          <p:cNvSpPr txBox="1"/>
+          <p:cNvSpPr txBox="1">
+            <a:spLocks noGrp="1"/>
+          </p:cNvSpPr>
           <p:nvPr>
             <p:ph type="sldNum" sz="quarter" idx="2"/>
           </p:nvPr>
@@ -2196,8 +2252,10 @@
           <a:bodyPr/>
           <a:lstStyle/>
           <a:p>
-            <a:pPr/>
-            <a:fld id="{86CB4B4D-7CA3-9044-876B-883B54F8677D}" type="slidenum"/>
+            <a:fld id="{86CB4B4D-7CA3-9044-876B-883B54F8677D}" type="slidenum">
+              <a:t>‹#›</a:t>
+            </a:fld>
+            <a:endParaRPr/>
           </a:p>
         </p:txBody>
       </p:sp>
@@ -2206,12 +2264,12 @@
   <p:clrMapOvr>
     <a:masterClrMapping/>
   </p:clrMapOvr>
-  <p:transition xmlns:p14="http://schemas.microsoft.com/office/powerpoint/2010/main" spd="med" advClick="1"/>
+  <p:transition spd="med"/>
 </p:sldLayout>
 </file>
 
 <file path=ppt/slideLayouts/slideLayout4.xml><?xml version="1.0" encoding="utf-8"?>
-<p:sldLayout xmlns:a="http://schemas.openxmlformats.org/drawingml/2006/main" xmlns:r="http://schemas.openxmlformats.org/officeDocument/2006/relationships" xmlns:p="http://schemas.openxmlformats.org/presentationml/2006/main" xmlns:m="http://schemas.openxmlformats.org/officeDocument/2006/math" xmlns:a14="http://schemas.microsoft.com/office/drawing/2010/main" type="tx" showMasterSp="1" showMasterPhAnim="1">
+<p:sldLayout xmlns:a="http://schemas.openxmlformats.org/drawingml/2006/main" xmlns:r="http://schemas.openxmlformats.org/officeDocument/2006/relationships" xmlns:p="http://schemas.openxmlformats.org/presentationml/2006/main" type="tx">
   <p:cSld name="两栏内容">
     <p:spTree>
       <p:nvGrpSpPr>
@@ -2230,7 +2288,9 @@
       <p:sp>
         <p:nvSpPr>
           <p:cNvPr id="38" name="标题文本"/>
-          <p:cNvSpPr txBox="1"/>
+          <p:cNvSpPr txBox="1">
+            <a:spLocks noGrp="1"/>
+          </p:cNvSpPr>
           <p:nvPr>
             <p:ph type="title"/>
           </p:nvPr>
@@ -2244,7 +2304,6 @@
           <a:bodyPr/>
           <a:lstStyle/>
           <a:p>
-            <a:pPr/>
             <a:r>
               <a:t>标题文本</a:t>
             </a:r>
@@ -2254,7 +2313,9 @@
       <p:sp>
         <p:nvSpPr>
           <p:cNvPr id="39" name="正文级别 1…"/>
-          <p:cNvSpPr txBox="1"/>
+          <p:cNvSpPr txBox="1">
+            <a:spLocks noGrp="1"/>
+          </p:cNvSpPr>
           <p:nvPr>
             <p:ph type="body" sz="half" idx="1"/>
           </p:nvPr>
@@ -2272,7 +2333,6 @@
           <a:bodyPr/>
           <a:lstStyle/>
           <a:p>
-            <a:pPr/>
             <a:r>
               <a:t>正文级别 1</a:t>
             </a:r>
@@ -2306,7 +2366,9 @@
       <p:sp>
         <p:nvSpPr>
           <p:cNvPr id="40" name="幻灯片编号"/>
-          <p:cNvSpPr txBox="1"/>
+          <p:cNvSpPr txBox="1">
+            <a:spLocks noGrp="1"/>
+          </p:cNvSpPr>
           <p:nvPr>
             <p:ph type="sldNum" sz="quarter" idx="2"/>
           </p:nvPr>
@@ -2320,8 +2382,10 @@
           <a:bodyPr/>
           <a:lstStyle/>
           <a:p>
-            <a:pPr/>
-            <a:fld id="{86CB4B4D-7CA3-9044-876B-883B54F8677D}" type="slidenum"/>
+            <a:fld id="{86CB4B4D-7CA3-9044-876B-883B54F8677D}" type="slidenum">
+              <a:t>‹#›</a:t>
+            </a:fld>
+            <a:endParaRPr/>
           </a:p>
         </p:txBody>
       </p:sp>
@@ -2330,12 +2394,12 @@
   <p:clrMapOvr>
     <a:masterClrMapping/>
   </p:clrMapOvr>
-  <p:transition xmlns:p14="http://schemas.microsoft.com/office/powerpoint/2010/main" spd="med" advClick="1"/>
+  <p:transition spd="med"/>
 </p:sldLayout>
 </file>
 
 <file path=ppt/slideLayouts/slideLayout5.xml><?xml version="1.0" encoding="utf-8"?>
-<p:sldLayout xmlns:a="http://schemas.openxmlformats.org/drawingml/2006/main" xmlns:r="http://schemas.openxmlformats.org/officeDocument/2006/relationships" xmlns:p="http://schemas.openxmlformats.org/presentationml/2006/main" xmlns:m="http://schemas.openxmlformats.org/officeDocument/2006/math" xmlns:a14="http://schemas.microsoft.com/office/drawing/2010/main" type="tx" showMasterSp="1" showMasterPhAnim="1">
+<p:sldLayout xmlns:a="http://schemas.openxmlformats.org/drawingml/2006/main" xmlns:r="http://schemas.openxmlformats.org/officeDocument/2006/relationships" xmlns:p="http://schemas.openxmlformats.org/presentationml/2006/main" type="tx">
   <p:cSld name="比较">
     <p:spTree>
       <p:nvGrpSpPr>
@@ -2354,7 +2418,9 @@
       <p:sp>
         <p:nvSpPr>
           <p:cNvPr id="47" name="标题文本"/>
-          <p:cNvSpPr txBox="1"/>
+          <p:cNvSpPr txBox="1">
+            <a:spLocks noGrp="1"/>
+          </p:cNvSpPr>
           <p:nvPr>
             <p:ph type="title"/>
           </p:nvPr>
@@ -2372,7 +2438,6 @@
           <a:bodyPr/>
           <a:lstStyle/>
           <a:p>
-            <a:pPr/>
             <a:r>
               <a:t>标题文本</a:t>
             </a:r>
@@ -2382,7 +2447,9 @@
       <p:sp>
         <p:nvSpPr>
           <p:cNvPr id="48" name="正文级别 1…"/>
-          <p:cNvSpPr txBox="1"/>
+          <p:cNvSpPr txBox="1">
+            <a:spLocks noGrp="1"/>
+          </p:cNvSpPr>
           <p:nvPr>
             <p:ph type="body" sz="quarter" idx="1"/>
           </p:nvPr>
@@ -2403,35 +2470,34 @@
               <a:buSzTx/>
               <a:buFontTx/>
               <a:buNone/>
-              <a:defRPr b="1" sz="2400"/>
+              <a:defRPr sz="2400" b="1"/>
             </a:lvl1pPr>
             <a:lvl2pPr marL="0" indent="0">
               <a:buSzTx/>
               <a:buFontTx/>
               <a:buNone/>
-              <a:defRPr b="1" sz="2400"/>
+              <a:defRPr sz="2400" b="1"/>
             </a:lvl2pPr>
             <a:lvl3pPr marL="0" indent="0">
               <a:buSzTx/>
               <a:buFontTx/>
               <a:buNone/>
-              <a:defRPr b="1" sz="2400"/>
+              <a:defRPr sz="2400" b="1"/>
             </a:lvl3pPr>
             <a:lvl4pPr marL="0" indent="0">
               <a:buSzTx/>
               <a:buFontTx/>
               <a:buNone/>
-              <a:defRPr b="1" sz="2400"/>
+              <a:defRPr sz="2400" b="1"/>
             </a:lvl4pPr>
             <a:lvl5pPr marL="0" indent="0">
               <a:buSzTx/>
               <a:buFontTx/>
               <a:buNone/>
-              <a:defRPr b="1" sz="2400"/>
+              <a:defRPr sz="2400" b="1"/>
             </a:lvl5pPr>
           </a:lstStyle>
           <a:p>
-            <a:pPr/>
             <a:r>
               <a:t>正文级别 1</a:t>
             </a:r>
@@ -2465,7 +2531,9 @@
       <p:sp>
         <p:nvSpPr>
           <p:cNvPr id="49" name="文本占位符 4"/>
-          <p:cNvSpPr/>
+          <p:cNvSpPr>
+            <a:spLocks noGrp="1"/>
+          </p:cNvSpPr>
           <p:nvPr>
             <p:ph type="body" sz="quarter" idx="13"/>
           </p:nvPr>
@@ -2483,14 +2551,16 @@
           <a:bodyPr anchor="b"/>
           <a:lstStyle/>
           <a:p>
-            <a:pPr/>
+            <a:endParaRPr/>
           </a:p>
         </p:txBody>
       </p:sp>
       <p:sp>
         <p:nvSpPr>
           <p:cNvPr id="50" name="幻灯片编号"/>
-          <p:cNvSpPr txBox="1"/>
+          <p:cNvSpPr txBox="1">
+            <a:spLocks noGrp="1"/>
+          </p:cNvSpPr>
           <p:nvPr>
             <p:ph type="sldNum" sz="quarter" idx="2"/>
           </p:nvPr>
@@ -2504,8 +2574,10 @@
           <a:bodyPr/>
           <a:lstStyle/>
           <a:p>
-            <a:pPr/>
-            <a:fld id="{86CB4B4D-7CA3-9044-876B-883B54F8677D}" type="slidenum"/>
+            <a:fld id="{86CB4B4D-7CA3-9044-876B-883B54F8677D}" type="slidenum">
+              <a:t>‹#›</a:t>
+            </a:fld>
+            <a:endParaRPr/>
           </a:p>
         </p:txBody>
       </p:sp>
@@ -2514,12 +2586,12 @@
   <p:clrMapOvr>
     <a:masterClrMapping/>
   </p:clrMapOvr>
-  <p:transition xmlns:p14="http://schemas.microsoft.com/office/powerpoint/2010/main" spd="med" advClick="1"/>
+  <p:transition spd="med"/>
 </p:sldLayout>
 </file>
 
 <file path=ppt/slideLayouts/slideLayout6.xml><?xml version="1.0" encoding="utf-8"?>
-<p:sldLayout xmlns:a="http://schemas.openxmlformats.org/drawingml/2006/main" xmlns:r="http://schemas.openxmlformats.org/officeDocument/2006/relationships" xmlns:p="http://schemas.openxmlformats.org/presentationml/2006/main" xmlns:m="http://schemas.openxmlformats.org/officeDocument/2006/math" xmlns:a14="http://schemas.microsoft.com/office/drawing/2010/main" type="tx" showMasterSp="1" showMasterPhAnim="1">
+<p:sldLayout xmlns:a="http://schemas.openxmlformats.org/drawingml/2006/main" xmlns:r="http://schemas.openxmlformats.org/officeDocument/2006/relationships" xmlns:p="http://schemas.openxmlformats.org/presentationml/2006/main" type="tx">
   <p:cSld name="仅标题">
     <p:spTree>
       <p:nvGrpSpPr>
@@ -2538,7 +2610,9 @@
       <p:sp>
         <p:nvSpPr>
           <p:cNvPr id="57" name="标题文本"/>
-          <p:cNvSpPr txBox="1"/>
+          <p:cNvSpPr txBox="1">
+            <a:spLocks noGrp="1"/>
+          </p:cNvSpPr>
           <p:nvPr>
             <p:ph type="title"/>
           </p:nvPr>
@@ -2552,7 +2626,6 @@
           <a:bodyPr/>
           <a:lstStyle/>
           <a:p>
-            <a:pPr/>
             <a:r>
               <a:t>标题文本</a:t>
             </a:r>
@@ -2562,7 +2635,9 @@
       <p:sp>
         <p:nvSpPr>
           <p:cNvPr id="58" name="幻灯片编号"/>
-          <p:cNvSpPr txBox="1"/>
+          <p:cNvSpPr txBox="1">
+            <a:spLocks noGrp="1"/>
+          </p:cNvSpPr>
           <p:nvPr>
             <p:ph type="sldNum" sz="quarter" idx="2"/>
           </p:nvPr>
@@ -2576,8 +2651,10 @@
           <a:bodyPr/>
           <a:lstStyle/>
           <a:p>
-            <a:pPr/>
-            <a:fld id="{86CB4B4D-7CA3-9044-876B-883B54F8677D}" type="slidenum"/>
+            <a:fld id="{86CB4B4D-7CA3-9044-876B-883B54F8677D}" type="slidenum">
+              <a:t>‹#›</a:t>
+            </a:fld>
+            <a:endParaRPr/>
           </a:p>
         </p:txBody>
       </p:sp>
@@ -2586,12 +2663,12 @@
   <p:clrMapOvr>
     <a:masterClrMapping/>
   </p:clrMapOvr>
-  <p:transition xmlns:p14="http://schemas.microsoft.com/office/powerpoint/2010/main" spd="med" advClick="1"/>
+  <p:transition spd="med"/>
 </p:sldLayout>
 </file>
 
 <file path=ppt/slideLayouts/slideLayout7.xml><?xml version="1.0" encoding="utf-8"?>
-<p:sldLayout xmlns:a="http://schemas.openxmlformats.org/drawingml/2006/main" xmlns:r="http://schemas.openxmlformats.org/officeDocument/2006/relationships" xmlns:p="http://schemas.openxmlformats.org/presentationml/2006/main" xmlns:m="http://schemas.openxmlformats.org/officeDocument/2006/math" xmlns:a14="http://schemas.microsoft.com/office/drawing/2010/main" type="tx" showMasterSp="1" showMasterPhAnim="1">
+<p:sldLayout xmlns:a="http://schemas.openxmlformats.org/drawingml/2006/main" xmlns:r="http://schemas.openxmlformats.org/officeDocument/2006/relationships" xmlns:p="http://schemas.openxmlformats.org/presentationml/2006/main" type="tx">
   <p:cSld name="空白">
     <p:spTree>
       <p:nvGrpSpPr>
@@ -2610,7 +2687,9 @@
       <p:sp>
         <p:nvSpPr>
           <p:cNvPr id="65" name="幻灯片编号"/>
-          <p:cNvSpPr txBox="1"/>
+          <p:cNvSpPr txBox="1">
+            <a:spLocks noGrp="1"/>
+          </p:cNvSpPr>
           <p:nvPr>
             <p:ph type="sldNum" sz="quarter" idx="2"/>
           </p:nvPr>
@@ -2624,8 +2703,10 @@
           <a:bodyPr/>
           <a:lstStyle/>
           <a:p>
-            <a:pPr/>
-            <a:fld id="{86CB4B4D-7CA3-9044-876B-883B54F8677D}" type="slidenum"/>
+            <a:fld id="{86CB4B4D-7CA3-9044-876B-883B54F8677D}" type="slidenum">
+              <a:t>‹#›</a:t>
+            </a:fld>
+            <a:endParaRPr/>
           </a:p>
         </p:txBody>
       </p:sp>
@@ -2634,12 +2715,12 @@
   <p:clrMapOvr>
     <a:masterClrMapping/>
   </p:clrMapOvr>
-  <p:transition xmlns:p14="http://schemas.microsoft.com/office/powerpoint/2010/main" spd="med" advClick="1"/>
+  <p:transition spd="med"/>
 </p:sldLayout>
 </file>
 
 <file path=ppt/slideLayouts/slideLayout8.xml><?xml version="1.0" encoding="utf-8"?>
-<p:sldLayout xmlns:a="http://schemas.openxmlformats.org/drawingml/2006/main" xmlns:r="http://schemas.openxmlformats.org/officeDocument/2006/relationships" xmlns:p="http://schemas.openxmlformats.org/presentationml/2006/main" xmlns:m="http://schemas.openxmlformats.org/officeDocument/2006/math" xmlns:a14="http://schemas.microsoft.com/office/drawing/2010/main" type="tx" showMasterSp="1" showMasterPhAnim="1">
+<p:sldLayout xmlns:a="http://schemas.openxmlformats.org/drawingml/2006/main" xmlns:r="http://schemas.openxmlformats.org/officeDocument/2006/relationships" xmlns:p="http://schemas.openxmlformats.org/presentationml/2006/main" type="tx">
   <p:cSld name="内容与标题">
     <p:spTree>
       <p:nvGrpSpPr>
@@ -2658,7 +2739,9 @@
       <p:sp>
         <p:nvSpPr>
           <p:cNvPr id="72" name="标题文本"/>
-          <p:cNvSpPr txBox="1"/>
+          <p:cNvSpPr txBox="1">
+            <a:spLocks noGrp="1"/>
+          </p:cNvSpPr>
           <p:nvPr>
             <p:ph type="title"/>
           </p:nvPr>
@@ -2680,7 +2763,6 @@
             </a:lvl1pPr>
           </a:lstStyle>
           <a:p>
-            <a:pPr/>
             <a:r>
               <a:t>标题文本</a:t>
             </a:r>
@@ -2690,7 +2772,9 @@
       <p:sp>
         <p:nvSpPr>
           <p:cNvPr id="73" name="正文级别 1…"/>
-          <p:cNvSpPr txBox="1"/>
+          <p:cNvSpPr txBox="1">
+            <a:spLocks noGrp="1"/>
+          </p:cNvSpPr>
           <p:nvPr>
             <p:ph type="body" sz="half" idx="1"/>
           </p:nvPr>
@@ -2724,7 +2808,6 @@
             </a:lvl5pPr>
           </a:lstStyle>
           <a:p>
-            <a:pPr/>
             <a:r>
               <a:t>正文级别 1</a:t>
             </a:r>
@@ -2758,7 +2841,9 @@
       <p:sp>
         <p:nvSpPr>
           <p:cNvPr id="74" name="文本占位符 3"/>
-          <p:cNvSpPr/>
+          <p:cNvSpPr>
+            <a:spLocks noGrp="1"/>
+          </p:cNvSpPr>
           <p:nvPr>
             <p:ph type="body" sz="quarter" idx="13"/>
           </p:nvPr>
@@ -2776,14 +2861,16 @@
           <a:bodyPr/>
           <a:lstStyle/>
           <a:p>
-            <a:pPr/>
+            <a:endParaRPr/>
           </a:p>
         </p:txBody>
       </p:sp>
       <p:sp>
         <p:nvSpPr>
           <p:cNvPr id="75" name="幻灯片编号"/>
-          <p:cNvSpPr txBox="1"/>
+          <p:cNvSpPr txBox="1">
+            <a:spLocks noGrp="1"/>
+          </p:cNvSpPr>
           <p:nvPr>
             <p:ph type="sldNum" sz="quarter" idx="2"/>
           </p:nvPr>
@@ -2797,8 +2884,10 @@
           <a:bodyPr/>
           <a:lstStyle/>
           <a:p>
-            <a:pPr/>
-            <a:fld id="{86CB4B4D-7CA3-9044-876B-883B54F8677D}" type="slidenum"/>
+            <a:fld id="{86CB4B4D-7CA3-9044-876B-883B54F8677D}" type="slidenum">
+              <a:t>‹#›</a:t>
+            </a:fld>
+            <a:endParaRPr/>
           </a:p>
         </p:txBody>
       </p:sp>
@@ -2807,12 +2896,12 @@
   <p:clrMapOvr>
     <a:masterClrMapping/>
   </p:clrMapOvr>
-  <p:transition xmlns:p14="http://schemas.microsoft.com/office/powerpoint/2010/main" spd="med" advClick="1"/>
+  <p:transition spd="med"/>
 </p:sldLayout>
 </file>
 
 <file path=ppt/slideLayouts/slideLayout9.xml><?xml version="1.0" encoding="utf-8"?>
-<p:sldLayout xmlns:a="http://schemas.openxmlformats.org/drawingml/2006/main" xmlns:r="http://schemas.openxmlformats.org/officeDocument/2006/relationships" xmlns:p="http://schemas.openxmlformats.org/presentationml/2006/main" xmlns:m="http://schemas.openxmlformats.org/officeDocument/2006/math" xmlns:a14="http://schemas.microsoft.com/office/drawing/2010/main" type="tx" showMasterSp="1" showMasterPhAnim="1">
+<p:sldLayout xmlns:a="http://schemas.openxmlformats.org/drawingml/2006/main" xmlns:r="http://schemas.openxmlformats.org/officeDocument/2006/relationships" xmlns:p="http://schemas.openxmlformats.org/presentationml/2006/main" type="tx">
   <p:cSld name="图片与标题">
     <p:spTree>
       <p:nvGrpSpPr>
@@ -2831,7 +2920,9 @@
       <p:sp>
         <p:nvSpPr>
           <p:cNvPr id="82" name="标题文本"/>
-          <p:cNvSpPr txBox="1"/>
+          <p:cNvSpPr txBox="1">
+            <a:spLocks noGrp="1"/>
+          </p:cNvSpPr>
           <p:nvPr>
             <p:ph type="title"/>
           </p:nvPr>
@@ -2853,7 +2944,6 @@
             </a:lvl1pPr>
           </a:lstStyle>
           <a:p>
-            <a:pPr/>
             <a:r>
               <a:t>标题文本</a:t>
             </a:r>
@@ -2863,7 +2953,9 @@
       <p:sp>
         <p:nvSpPr>
           <p:cNvPr id="83" name="图片占位符 2"/>
-          <p:cNvSpPr/>
+          <p:cNvSpPr>
+            <a:spLocks noGrp="1"/>
+          </p:cNvSpPr>
           <p:nvPr>
             <p:ph type="pic" sz="half" idx="13"/>
           </p:nvPr>
@@ -2883,14 +2975,16 @@
           </a:bodyPr>
           <a:lstStyle/>
           <a:p>
-            <a:pPr/>
+            <a:endParaRPr/>
           </a:p>
         </p:txBody>
       </p:sp>
       <p:sp>
         <p:nvSpPr>
           <p:cNvPr id="84" name="正文级别 1…"/>
-          <p:cNvSpPr txBox="1"/>
+          <p:cNvSpPr txBox="1">
+            <a:spLocks noGrp="1"/>
+          </p:cNvSpPr>
           <p:nvPr>
             <p:ph type="body" sz="quarter" idx="1"/>
           </p:nvPr>
@@ -2939,7 +3033,6 @@
             </a:lvl5pPr>
           </a:lstStyle>
           <a:p>
-            <a:pPr/>
             <a:r>
               <a:t>正文级别 1</a:t>
             </a:r>
@@ -2973,7 +3066,9 @@
       <p:sp>
         <p:nvSpPr>
           <p:cNvPr id="85" name="幻灯片编号"/>
-          <p:cNvSpPr txBox="1"/>
+          <p:cNvSpPr txBox="1">
+            <a:spLocks noGrp="1"/>
+          </p:cNvSpPr>
           <p:nvPr>
             <p:ph type="sldNum" sz="quarter" idx="2"/>
           </p:nvPr>
@@ -2987,8 +3082,10 @@
           <a:bodyPr/>
           <a:lstStyle/>
           <a:p>
-            <a:pPr/>
-            <a:fld id="{86CB4B4D-7CA3-9044-876B-883B54F8677D}" type="slidenum"/>
+            <a:fld id="{86CB4B4D-7CA3-9044-876B-883B54F8677D}" type="slidenum">
+              <a:t>‹#›</a:t>
+            </a:fld>
+            <a:endParaRPr/>
           </a:p>
         </p:txBody>
       </p:sp>
@@ -2997,22 +3094,23 @@
   <p:clrMapOvr>
     <a:masterClrMapping/>
   </p:clrMapOvr>
-  <p:transition xmlns:p14="http://schemas.microsoft.com/office/powerpoint/2010/main" spd="med" advClick="1"/>
+  <p:transition spd="med"/>
 </p:sldLayout>
 </file>
 
 <file path=ppt/slideMasters/slideMaster1.xml><?xml version="1.0" encoding="utf-8"?>
-<p:sldMaster xmlns:a="http://schemas.openxmlformats.org/drawingml/2006/main" xmlns:r="http://schemas.openxmlformats.org/officeDocument/2006/relationships" xmlns:p="http://schemas.openxmlformats.org/presentationml/2006/main" xmlns:m="http://schemas.openxmlformats.org/officeDocument/2006/math" xmlns:a14="http://schemas.microsoft.com/office/drawing/2010/main">
+<p:sldMaster xmlns:a="http://schemas.openxmlformats.org/drawingml/2006/main" xmlns:r="http://schemas.openxmlformats.org/officeDocument/2006/relationships" xmlns:p="http://schemas.openxmlformats.org/presentationml/2006/main">
   <p:cSld>
     <p:bg>
       <p:bgPr>
         <a:blipFill rotWithShape="1">
-          <a:blip r:embed="rId2"/>
-          <a:srcRect l="0" t="0" r="0" b="0"/>
+          <a:blip r:embed="rId13"/>
+          <a:srcRect/>
           <a:stretch>
             <a:fillRect/>
           </a:stretch>
         </a:blipFill>
+        <a:effectLst/>
       </p:bgPr>
     </p:bg>
     <p:spTree>
@@ -3032,7 +3130,9 @@
       <p:sp>
         <p:nvSpPr>
           <p:cNvPr id="2" name="标题文本"/>
-          <p:cNvSpPr txBox="1"/>
+          <p:cNvSpPr txBox="1">
+            <a:spLocks noGrp="1"/>
+          </p:cNvSpPr>
           <p:nvPr>
             <p:ph type="title"/>
           </p:nvPr>
@@ -3056,11 +3156,10 @@
         </p:spPr>
         <p:txBody>
           <a:bodyPr lIns="45718" tIns="45718" rIns="45718" bIns="45718" anchor="ctr">
-            <a:normAutofit fontScale="100000" lnSpcReduction="0"/>
+            <a:normAutofit/>
           </a:bodyPr>
           <a:lstStyle/>
           <a:p>
-            <a:pPr/>
             <a:r>
               <a:t>标题文本</a:t>
             </a:r>
@@ -3070,7 +3169,9 @@
       <p:sp>
         <p:nvSpPr>
           <p:cNvPr id="3" name="正文级别 1…"/>
-          <p:cNvSpPr txBox="1"/>
+          <p:cNvSpPr txBox="1">
+            <a:spLocks noGrp="1"/>
+          </p:cNvSpPr>
           <p:nvPr>
             <p:ph type="body" idx="1"/>
           </p:nvPr>
@@ -3094,11 +3195,10 @@
         </p:spPr>
         <p:txBody>
           <a:bodyPr lIns="45718" tIns="45718" rIns="45718" bIns="45718">
-            <a:normAutofit fontScale="100000" lnSpcReduction="0"/>
+            <a:normAutofit/>
           </a:bodyPr>
           <a:lstStyle/>
           <a:p>
-            <a:pPr/>
             <a:r>
               <a:t>正文级别 1</a:t>
             </a:r>
@@ -3132,7 +3232,9 @@
       <p:sp>
         <p:nvSpPr>
           <p:cNvPr id="4" name="幻灯片编号"/>
-          <p:cNvSpPr txBox="1"/>
+          <p:cNvSpPr txBox="1">
+            <a:spLocks noGrp="1"/>
+          </p:cNvSpPr>
           <p:nvPr>
             <p:ph type="sldNum" sz="quarter" idx="2"/>
           </p:nvPr>
@@ -3167,8 +3269,10 @@
             </a:lvl1pPr>
           </a:lstStyle>
           <a:p>
-            <a:pPr/>
-            <a:fld id="{86CB4B4D-7CA3-9044-876B-883B54F8677D}" type="slidenum"/>
+            <a:fld id="{86CB4B4D-7CA3-9044-876B-883B54F8677D}" type="slidenum">
+              <a:t>‹#›</a:t>
+            </a:fld>
+            <a:endParaRPr/>
           </a:p>
         </p:txBody>
       </p:sp>
@@ -3176,19 +3280,19 @@
   </p:cSld>
   <p:clrMap bg1="lt1" tx1="dk1" bg2="lt2" tx2="dk2" accent1="accent1" accent2="accent2" accent3="accent3" accent4="accent4" accent5="accent5" accent6="accent6" hlink="hlink" folHlink="folHlink"/>
   <p:sldLayoutIdLst>
-    <p:sldLayoutId id="2147483649" r:id="rId3"/>
-    <p:sldLayoutId id="2147483650" r:id="rId4"/>
-    <p:sldLayoutId id="2147483651" r:id="rId5"/>
-    <p:sldLayoutId id="2147483652" r:id="rId6"/>
-    <p:sldLayoutId id="2147483653" r:id="rId7"/>
-    <p:sldLayoutId id="2147483654" r:id="rId8"/>
-    <p:sldLayoutId id="2147483655" r:id="rId9"/>
-    <p:sldLayoutId id="2147483656" r:id="rId10"/>
-    <p:sldLayoutId id="2147483657" r:id="rId11"/>
-    <p:sldLayoutId id="2147483658" r:id="rId12"/>
-    <p:sldLayoutId id="2147483659" r:id="rId13"/>
+    <p:sldLayoutId id="2147483649" r:id="rId1"/>
+    <p:sldLayoutId id="2147483650" r:id="rId2"/>
+    <p:sldLayoutId id="2147483651" r:id="rId3"/>
+    <p:sldLayoutId id="2147483652" r:id="rId4"/>
+    <p:sldLayoutId id="2147483653" r:id="rId5"/>
+    <p:sldLayoutId id="2147483654" r:id="rId6"/>
+    <p:sldLayoutId id="2147483655" r:id="rId7"/>
+    <p:sldLayoutId id="2147483656" r:id="rId8"/>
+    <p:sldLayoutId id="2147483657" r:id="rId9"/>
+    <p:sldLayoutId id="2147483658" r:id="rId10"/>
+    <p:sldLayoutId id="2147483659" r:id="rId11"/>
   </p:sldLayoutIdLst>
-  <p:transition xmlns:p14="http://schemas.microsoft.com/office/powerpoint/2010/main" spd="med" advClick="1"/>
+  <p:transition spd="med"/>
   <p:txStyles>
     <p:titleStyle>
       <a:lvl1pPr marL="0" marR="0" indent="0" algn="l" defTabSz="914400" rtl="0" latinLnBrk="0">
@@ -3206,7 +3310,7 @@
         <a:buFontTx/>
         <a:buNone/>
         <a:tabLst/>
-        <a:defRPr b="0" baseline="0" cap="none" i="0" spc="0" strike="noStrike" sz="4400" u="none">
+        <a:defRPr sz="4400" b="0" i="0" u="none" strike="noStrike" cap="none" spc="0" baseline="0">
           <a:ln>
             <a:noFill/>
           </a:ln>
@@ -3235,7 +3339,7 @@
         <a:buFontTx/>
         <a:buNone/>
         <a:tabLst/>
-        <a:defRPr b="0" baseline="0" cap="none" i="0" spc="0" strike="noStrike" sz="4400" u="none">
+        <a:defRPr sz="4400" b="0" i="0" u="none" strike="noStrike" cap="none" spc="0" baseline="0">
           <a:ln>
             <a:noFill/>
           </a:ln>
@@ -3264,7 +3368,7 @@
         <a:buFontTx/>
         <a:buNone/>
         <a:tabLst/>
-        <a:defRPr b="0" baseline="0" cap="none" i="0" spc="0" strike="noStrike" sz="4400" u="none">
+        <a:defRPr sz="4400" b="0" i="0" u="none" strike="noStrike" cap="none" spc="0" baseline="0">
           <a:ln>
             <a:noFill/>
           </a:ln>
@@ -3293,7 +3397,7 @@
         <a:buFontTx/>
         <a:buNone/>
         <a:tabLst/>
-        <a:defRPr b="0" baseline="0" cap="none" i="0" spc="0" strike="noStrike" sz="4400" u="none">
+        <a:defRPr sz="4400" b="0" i="0" u="none" strike="noStrike" cap="none" spc="0" baseline="0">
           <a:ln>
             <a:noFill/>
           </a:ln>
@@ -3322,7 +3426,7 @@
         <a:buFontTx/>
         <a:buNone/>
         <a:tabLst/>
-        <a:defRPr b="0" baseline="0" cap="none" i="0" spc="0" strike="noStrike" sz="4400" u="none">
+        <a:defRPr sz="4400" b="0" i="0" u="none" strike="noStrike" cap="none" spc="0" baseline="0">
           <a:ln>
             <a:noFill/>
           </a:ln>
@@ -3351,7 +3455,7 @@
         <a:buFontTx/>
         <a:buNone/>
         <a:tabLst/>
-        <a:defRPr b="0" baseline="0" cap="none" i="0" spc="0" strike="noStrike" sz="4400" u="none">
+        <a:defRPr sz="4400" b="0" i="0" u="none" strike="noStrike" cap="none" spc="0" baseline="0">
           <a:ln>
             <a:noFill/>
           </a:ln>
@@ -3380,7 +3484,7 @@
         <a:buFontTx/>
         <a:buNone/>
         <a:tabLst/>
-        <a:defRPr b="0" baseline="0" cap="none" i="0" spc="0" strike="noStrike" sz="4400" u="none">
+        <a:defRPr sz="4400" b="0" i="0" u="none" strike="noStrike" cap="none" spc="0" baseline="0">
           <a:ln>
             <a:noFill/>
           </a:ln>
@@ -3409,7 +3513,7 @@
         <a:buFontTx/>
         <a:buNone/>
         <a:tabLst/>
-        <a:defRPr b="0" baseline="0" cap="none" i="0" spc="0" strike="noStrike" sz="4400" u="none">
+        <a:defRPr sz="4400" b="0" i="0" u="none" strike="noStrike" cap="none" spc="0" baseline="0">
           <a:ln>
             <a:noFill/>
           </a:ln>
@@ -3438,7 +3542,7 @@
         <a:buFontTx/>
         <a:buNone/>
         <a:tabLst/>
-        <a:defRPr b="0" baseline="0" cap="none" i="0" spc="0" strike="noStrike" sz="4400" u="none">
+        <a:defRPr sz="4400" b="0" i="0" u="none" strike="noStrike" cap="none" spc="0" baseline="0">
           <a:ln>
             <a:noFill/>
           </a:ln>
@@ -3469,7 +3573,7 @@
         <a:buFont typeface="Arial"/>
         <a:buChar char="•"/>
         <a:tabLst/>
-        <a:defRPr b="0" baseline="0" cap="none" i="0" spc="0" strike="noStrike" sz="2800" u="none">
+        <a:defRPr sz="2800" b="0" i="0" u="none" strike="noStrike" cap="none" spc="0" baseline="0">
           <a:ln>
             <a:noFill/>
           </a:ln>
@@ -3498,7 +3602,7 @@
         <a:buFont typeface="Arial"/>
         <a:buChar char="•"/>
         <a:tabLst/>
-        <a:defRPr b="0" baseline="0" cap="none" i="0" spc="0" strike="noStrike" sz="2800" u="none">
+        <a:defRPr sz="2800" b="0" i="0" u="none" strike="noStrike" cap="none" spc="0" baseline="0">
           <a:ln>
             <a:noFill/>
           </a:ln>
@@ -3527,7 +3631,7 @@
         <a:buFont typeface="Arial"/>
         <a:buChar char="•"/>
         <a:tabLst/>
-        <a:defRPr b="0" baseline="0" cap="none" i="0" spc="0" strike="noStrike" sz="2800" u="none">
+        <a:defRPr sz="2800" b="0" i="0" u="none" strike="noStrike" cap="none" spc="0" baseline="0">
           <a:ln>
             <a:noFill/>
           </a:ln>
@@ -3556,7 +3660,7 @@
         <a:buFont typeface="Arial"/>
         <a:buChar char="•"/>
         <a:tabLst/>
-        <a:defRPr b="0" baseline="0" cap="none" i="0" spc="0" strike="noStrike" sz="2800" u="none">
+        <a:defRPr sz="2800" b="0" i="0" u="none" strike="noStrike" cap="none" spc="0" baseline="0">
           <a:ln>
             <a:noFill/>
           </a:ln>
@@ -3585,7 +3689,7 @@
         <a:buFont typeface="Arial"/>
         <a:buChar char="•"/>
         <a:tabLst/>
-        <a:defRPr b="0" baseline="0" cap="none" i="0" spc="0" strike="noStrike" sz="2800" u="none">
+        <a:defRPr sz="2800" b="0" i="0" u="none" strike="noStrike" cap="none" spc="0" baseline="0">
           <a:ln>
             <a:noFill/>
           </a:ln>
@@ -3614,7 +3718,7 @@
         <a:buFont typeface="Arial"/>
         <a:buChar char="•"/>
         <a:tabLst/>
-        <a:defRPr b="0" baseline="0" cap="none" i="0" spc="0" strike="noStrike" sz="2800" u="none">
+        <a:defRPr sz="2800" b="0" i="0" u="none" strike="noStrike" cap="none" spc="0" baseline="0">
           <a:ln>
             <a:noFill/>
           </a:ln>
@@ -3643,7 +3747,7 @@
         <a:buFont typeface="Arial"/>
         <a:buChar char="•"/>
         <a:tabLst/>
-        <a:defRPr b="0" baseline="0" cap="none" i="0" spc="0" strike="noStrike" sz="2800" u="none">
+        <a:defRPr sz="2800" b="0" i="0" u="none" strike="noStrike" cap="none" spc="0" baseline="0">
           <a:ln>
             <a:noFill/>
           </a:ln>
@@ -3672,7 +3776,7 @@
         <a:buFont typeface="Arial"/>
         <a:buChar char="•"/>
         <a:tabLst/>
-        <a:defRPr b="0" baseline="0" cap="none" i="0" spc="0" strike="noStrike" sz="2800" u="none">
+        <a:defRPr sz="2800" b="0" i="0" u="none" strike="noStrike" cap="none" spc="0" baseline="0">
           <a:ln>
             <a:noFill/>
           </a:ln>
@@ -3701,7 +3805,7 @@
         <a:buFont typeface="Arial"/>
         <a:buChar char="•"/>
         <a:tabLst/>
-        <a:defRPr b="0" baseline="0" cap="none" i="0" spc="0" strike="noStrike" sz="2800" u="none">
+        <a:defRPr sz="2800" b="0" i="0" u="none" strike="noStrike" cap="none" spc="0" baseline="0">
           <a:ln>
             <a:noFill/>
           </a:ln>
@@ -3732,7 +3836,7 @@
         <a:buFontTx/>
         <a:buNone/>
         <a:tabLst/>
-        <a:defRPr b="0" baseline="0" cap="none" i="0" spc="0" strike="noStrike" sz="1200" u="none">
+        <a:defRPr sz="1200" b="0" i="0" u="none" strike="noStrike" cap="none" spc="0" baseline="0">
           <a:ln>
             <a:noFill/>
           </a:ln>
@@ -3761,7 +3865,7 @@
         <a:buFontTx/>
         <a:buNone/>
         <a:tabLst/>
-        <a:defRPr b="0" baseline="0" cap="none" i="0" spc="0" strike="noStrike" sz="1200" u="none">
+        <a:defRPr sz="1200" b="0" i="0" u="none" strike="noStrike" cap="none" spc="0" baseline="0">
           <a:ln>
             <a:noFill/>
           </a:ln>
@@ -3790,7 +3894,7 @@
         <a:buFontTx/>
         <a:buNone/>
         <a:tabLst/>
-        <a:defRPr b="0" baseline="0" cap="none" i="0" spc="0" strike="noStrike" sz="1200" u="none">
+        <a:defRPr sz="1200" b="0" i="0" u="none" strike="noStrike" cap="none" spc="0" baseline="0">
           <a:ln>
             <a:noFill/>
           </a:ln>
@@ -3819,7 +3923,7 @@
         <a:buFontTx/>
         <a:buNone/>
         <a:tabLst/>
-        <a:defRPr b="0" baseline="0" cap="none" i="0" spc="0" strike="noStrike" sz="1200" u="none">
+        <a:defRPr sz="1200" b="0" i="0" u="none" strike="noStrike" cap="none" spc="0" baseline="0">
           <a:ln>
             <a:noFill/>
           </a:ln>
@@ -3848,7 +3952,7 @@
         <a:buFontTx/>
         <a:buNone/>
         <a:tabLst/>
-        <a:defRPr b="0" baseline="0" cap="none" i="0" spc="0" strike="noStrike" sz="1200" u="none">
+        <a:defRPr sz="1200" b="0" i="0" u="none" strike="noStrike" cap="none" spc="0" baseline="0">
           <a:ln>
             <a:noFill/>
           </a:ln>
@@ -3877,7 +3981,7 @@
         <a:buFontTx/>
         <a:buNone/>
         <a:tabLst/>
-        <a:defRPr b="0" baseline="0" cap="none" i="0" spc="0" strike="noStrike" sz="1200" u="none">
+        <a:defRPr sz="1200" b="0" i="0" u="none" strike="noStrike" cap="none" spc="0" baseline="0">
           <a:ln>
             <a:noFill/>
           </a:ln>
@@ -3906,7 +4010,7 @@
         <a:buFontTx/>
         <a:buNone/>
         <a:tabLst/>
-        <a:defRPr b="0" baseline="0" cap="none" i="0" spc="0" strike="noStrike" sz="1200" u="none">
+        <a:defRPr sz="1200" b="0" i="0" u="none" strike="noStrike" cap="none" spc="0" baseline="0">
           <a:ln>
             <a:noFill/>
           </a:ln>
@@ -3935,7 +4039,7 @@
         <a:buFontTx/>
         <a:buNone/>
         <a:tabLst/>
-        <a:defRPr b="0" baseline="0" cap="none" i="0" spc="0" strike="noStrike" sz="1200" u="none">
+        <a:defRPr sz="1200" b="0" i="0" u="none" strike="noStrike" cap="none" spc="0" baseline="0">
           <a:ln>
             <a:noFill/>
           </a:ln>
@@ -3964,7 +4068,7 @@
         <a:buFontTx/>
         <a:buNone/>
         <a:tabLst/>
-        <a:defRPr b="0" baseline="0" cap="none" i="0" spc="0" strike="noStrike" sz="1200" u="none">
+        <a:defRPr sz="1200" b="0" i="0" u="none" strike="noStrike" cap="none" spc="0" baseline="0">
           <a:ln>
             <a:noFill/>
           </a:ln>
@@ -3984,7 +4088,7 @@
 </file>
 
 <file path=ppt/slides/slide1.xml><?xml version="1.0" encoding="utf-8"?>
-<p:sld xmlns:a="http://schemas.openxmlformats.org/drawingml/2006/main" xmlns:r="http://schemas.openxmlformats.org/officeDocument/2006/relationships" xmlns:p="http://schemas.openxmlformats.org/presentationml/2006/main" xmlns:m="http://schemas.openxmlformats.org/officeDocument/2006/math" xmlns:a14="http://schemas.microsoft.com/office/drawing/2010/main" showMasterSp="1" showMasterPhAnim="1">
+<p:sld xmlns:a="http://schemas.openxmlformats.org/drawingml/2006/main" xmlns:r="http://schemas.openxmlformats.org/officeDocument/2006/relationships" xmlns:p="http://schemas.openxmlformats.org/presentationml/2006/main">
   <p:cSld>
     <p:spTree>
       <p:nvGrpSpPr>
@@ -4038,6 +4142,7 @@
                 <a:sym typeface="Calibri"/>
               </a:defRPr>
             </a:pPr>
+            <a:endParaRPr/>
           </a:p>
         </p:txBody>
       </p:sp>
@@ -4082,7 +4187,6 @@
             </a:lvl1pPr>
           </a:lstStyle>
           <a:p>
-            <a:pPr/>
             <a:r>
               <a:t>第四章</a:t>
             </a:r>
@@ -4114,7 +4218,7 @@
           <a:bodyPr lIns="45718" tIns="45718" rIns="45718" bIns="45718"/>
           <a:lstStyle/>
           <a:p>
-            <a:pPr/>
+            <a:endParaRPr/>
           </a:p>
         </p:txBody>
       </p:sp>
@@ -4159,7 +4263,6 @@
             </a:lvl1pPr>
           </a:lstStyle>
           <a:p>
-            <a:pPr/>
             <a:r>
               <a:t>教师：代立云  </a:t>
             </a:r>
@@ -4202,6 +4305,7 @@
                 <a:sym typeface="Calibri"/>
               </a:defRPr>
             </a:pPr>
+            <a:endParaRPr/>
           </a:p>
         </p:txBody>
       </p:sp>
@@ -4230,7 +4334,7 @@
           <a:bodyPr lIns="45718" tIns="45718" rIns="45718" bIns="45718"/>
           <a:lstStyle/>
           <a:p>
-            <a:pPr/>
+            <a:endParaRPr/>
           </a:p>
         </p:txBody>
       </p:sp>
@@ -4270,6 +4374,7 @@
                 <a:sym typeface="Calibri"/>
               </a:defRPr>
             </a:pPr>
+            <a:endParaRPr/>
           </a:p>
         </p:txBody>
       </p:sp>
@@ -4304,7 +4409,7 @@
             </a:cxnLst>
             <a:rect l="0" t="0" r="r" b="b"/>
             <a:pathLst>
-              <a:path w="21600" h="21600" fill="norm" stroke="1" extrusionOk="0">
+              <a:path w="21600" h="21600" extrusionOk="0">
                 <a:moveTo>
                   <a:pt x="15817" y="8740"/>
                 </a:moveTo>
@@ -4629,6 +4734,7 @@
                 <a:sym typeface="宋体"/>
               </a:defRPr>
             </a:pPr>
+            <a:endParaRPr/>
           </a:p>
         </p:txBody>
       </p:sp>
@@ -4702,7 +4808,6 @@
             </a:lvl1pPr>
           </a:lstStyle>
           <a:p>
-            <a:pPr/>
             <a:r>
               <a:t>深入理解Activity与Fragment</a:t>
             </a:r>
@@ -4714,12 +4819,12 @@
   <p:clrMapOvr>
     <a:masterClrMapping/>
   </p:clrMapOvr>
-  <p:transition xmlns:p14="http://schemas.microsoft.com/office/powerpoint/2010/main" spd="med" advClick="1"/>
+  <p:transition spd="med"/>
 </p:sld>
 </file>
 
 <file path=ppt/slides/slide10.xml><?xml version="1.0" encoding="utf-8"?>
-<p:sld xmlns:a="http://schemas.openxmlformats.org/drawingml/2006/main" xmlns:r="http://schemas.openxmlformats.org/officeDocument/2006/relationships" xmlns:p="http://schemas.openxmlformats.org/presentationml/2006/main" xmlns:m="http://schemas.openxmlformats.org/officeDocument/2006/math" xmlns:a14="http://schemas.microsoft.com/office/drawing/2010/main" showMasterSp="1" showMasterPhAnim="1">
+<p:sld xmlns:a="http://schemas.openxmlformats.org/drawingml/2006/main" xmlns:r="http://schemas.openxmlformats.org/officeDocument/2006/relationships" xmlns:p="http://schemas.openxmlformats.org/presentationml/2006/main">
   <p:cSld>
     <p:spTree>
       <p:nvGrpSpPr>
@@ -4791,6 +4896,7 @@
                   <a:sym typeface="Calibri"/>
                 </a:defRPr>
               </a:pPr>
+              <a:endParaRPr/>
             </a:p>
           </p:txBody>
         </p:sp>
@@ -4838,7 +4944,6 @@
               </a:lvl1pPr>
             </a:lstStyle>
             <a:p>
-              <a:pPr/>
               <a:r>
                 <a:t>4.1.5 启动其他Activity并返回结果</a:t>
               </a:r>
@@ -4875,7 +4980,7 @@
             </a:bodyPr>
             <a:lstStyle/>
             <a:p>
-              <a:pPr/>
+              <a:endParaRPr/>
             </a:p>
           </p:txBody>
         </p:sp>
@@ -4919,6 +5024,7 @@
                   <a:sym typeface="Calibri"/>
                 </a:defRPr>
               </a:pPr>
+              <a:endParaRPr/>
             </a:p>
           </p:txBody>
         </p:sp>
@@ -4966,7 +5072,6 @@
               </a:lvl1pPr>
             </a:lstStyle>
             <a:p>
-              <a:pPr/>
               <a:r>
                 <a:t>Bundle是一个简单的数据携带包，包含了多个方法来存储数据。</a:t>
               </a:r>
@@ -5015,7 +5120,6 @@
             </a:lvl1pPr>
           </a:lstStyle>
           <a:p>
-            <a:pPr/>
             <a:r>
               <a:t>案例：用第二个Activity让用户选择信息</a:t>
             </a:r>
@@ -5140,7 +5244,7 @@
             </a:cxnLst>
             <a:rect l="0" t="0" r="r" b="b"/>
             <a:pathLst>
-              <a:path w="21600" h="21600" fill="norm" stroke="1" extrusionOk="0">
+              <a:path w="21600" h="21600" extrusionOk="0">
                 <a:moveTo>
                   <a:pt x="0" y="0"/>
                 </a:moveTo>
@@ -5171,6 +5275,7 @@
                 <a:sym typeface="Calibri"/>
               </a:defRPr>
             </a:pPr>
+            <a:endParaRPr/>
           </a:p>
         </p:txBody>
       </p:sp>
@@ -5200,7 +5305,7 @@
           <a:bodyPr lIns="45718" tIns="45718" rIns="45718" bIns="45718"/>
           <a:lstStyle/>
           <a:p>
-            <a:pPr/>
+            <a:endParaRPr/>
           </a:p>
         </p:txBody>
       </p:sp>
@@ -5230,7 +5335,7 @@
           <a:bodyPr lIns="45718" tIns="45718" rIns="45718" bIns="45718"/>
           <a:lstStyle/>
           <a:p>
-            <a:pPr/>
+            <a:endParaRPr/>
           </a:p>
         </p:txBody>
       </p:sp>
@@ -5275,7 +5380,6 @@
             </a:lvl1pPr>
           </a:lstStyle>
           <a:p>
-            <a:pPr/>
             <a:r>
               <a:t>进入第二个Activity选择信息</a:t>
             </a:r>
@@ -5313,7 +5417,7 @@
             </a:cxnLst>
             <a:rect l="0" t="0" r="r" b="b"/>
             <a:pathLst>
-              <a:path w="21600" h="21600" fill="norm" stroke="1" extrusionOk="0">
+              <a:path w="21600" h="21600" extrusionOk="0">
                 <a:moveTo>
                   <a:pt x="0" y="0"/>
                 </a:moveTo>
@@ -5344,6 +5448,7 @@
                 <a:sym typeface="Calibri"/>
               </a:defRPr>
             </a:pPr>
+            <a:endParaRPr/>
           </a:p>
         </p:txBody>
       </p:sp>
@@ -5373,7 +5478,7 @@
           <a:bodyPr lIns="45718" tIns="45718" rIns="45718" bIns="45718"/>
           <a:lstStyle/>
           <a:p>
-            <a:pPr/>
+            <a:endParaRPr/>
           </a:p>
         </p:txBody>
       </p:sp>
@@ -5403,7 +5508,7 @@
           <a:bodyPr lIns="45718" tIns="45718" rIns="45718" bIns="45718"/>
           <a:lstStyle/>
           <a:p>
-            <a:pPr/>
+            <a:endParaRPr/>
           </a:p>
         </p:txBody>
       </p:sp>
@@ -5433,7 +5538,7 @@
           <a:bodyPr lIns="45718" tIns="45718" rIns="45718" bIns="45718"/>
           <a:lstStyle/>
           <a:p>
-            <a:pPr/>
+            <a:endParaRPr/>
           </a:p>
         </p:txBody>
       </p:sp>
@@ -5478,7 +5583,6 @@
             </a:lvl1pPr>
           </a:lstStyle>
           <a:p>
-            <a:pPr/>
             <a:r>
               <a:t>返回结果到第一个Activity</a:t>
             </a:r>
@@ -5490,12 +5594,12 @@
   <p:clrMapOvr>
     <a:masterClrMapping/>
   </p:clrMapOvr>
-  <p:transition xmlns:p14="http://schemas.microsoft.com/office/powerpoint/2010/main" spd="med" advClick="1"/>
+  <p:transition spd="med"/>
 </p:sld>
 </file>
 
 <file path=ppt/slides/slide11.xml><?xml version="1.0" encoding="utf-8"?>
-<p:sld xmlns:a="http://schemas.openxmlformats.org/drawingml/2006/main" xmlns:r="http://schemas.openxmlformats.org/officeDocument/2006/relationships" xmlns:p="http://schemas.openxmlformats.org/presentationml/2006/main" xmlns:m="http://schemas.openxmlformats.org/officeDocument/2006/math" xmlns:a14="http://schemas.microsoft.com/office/drawing/2010/main" showMasterSp="1" showMasterPhAnim="1">
+<p:sld xmlns:a="http://schemas.openxmlformats.org/drawingml/2006/main" xmlns:r="http://schemas.openxmlformats.org/officeDocument/2006/relationships" xmlns:p="http://schemas.openxmlformats.org/presentationml/2006/main">
   <p:cSld>
     <p:spTree>
       <p:nvGrpSpPr>
@@ -5566,6 +5670,7 @@
                   <a:sym typeface="Calibri"/>
                 </a:defRPr>
               </a:pPr>
+              <a:endParaRPr/>
             </a:p>
           </p:txBody>
         </p:sp>
@@ -5613,7 +5718,6 @@
               </a:lvl1pPr>
             </a:lstStyle>
             <a:p>
-              <a:pPr/>
               <a:r>
                 <a:t>4.2</a:t>
               </a:r>
@@ -5652,7 +5756,7 @@
             </a:cxnLst>
             <a:rect l="0" t="0" r="r" b="b"/>
             <a:pathLst>
-              <a:path w="19059" h="21600" fill="norm" stroke="1" extrusionOk="0">
+              <a:path w="19059" h="21600" extrusionOk="0">
                 <a:moveTo>
                   <a:pt x="3662" y="21600"/>
                 </a:moveTo>
@@ -5694,6 +5798,7 @@
                 <a:sym typeface="Calibri"/>
               </a:defRPr>
             </a:pPr>
+            <a:endParaRPr/>
           </a:p>
         </p:txBody>
       </p:sp>
@@ -5722,7 +5827,7 @@
           <a:bodyPr lIns="45718" tIns="45718" rIns="45718" bIns="45718"/>
           <a:lstStyle/>
           <a:p>
-            <a:pPr/>
+            <a:endParaRPr/>
           </a:p>
         </p:txBody>
       </p:sp>
@@ -5767,7 +5872,6 @@
             </a:lvl1pPr>
           </a:lstStyle>
           <a:p>
-            <a:pPr/>
             <a:r>
               <a:t>Activity的回调机制</a:t>
             </a:r>
@@ -5799,7 +5903,7 @@
           <a:bodyPr lIns="45718" tIns="45718" rIns="45718" bIns="45718"/>
           <a:lstStyle/>
           <a:p>
-            <a:pPr/>
+            <a:endParaRPr/>
           </a:p>
         </p:txBody>
       </p:sp>
@@ -5828,7 +5932,7 @@
           <a:bodyPr lIns="45718" tIns="45718" rIns="45718" bIns="45718"/>
           <a:lstStyle/>
           <a:p>
-            <a:pPr/>
+            <a:endParaRPr/>
           </a:p>
         </p:txBody>
       </p:sp>
@@ -5837,12 +5941,12 @@
   <p:clrMapOvr>
     <a:masterClrMapping/>
   </p:clrMapOvr>
-  <p:transition xmlns:p14="http://schemas.microsoft.com/office/powerpoint/2010/main" spd="med" advClick="1"/>
+  <p:transition spd="med"/>
 </p:sld>
 </file>
 
 <file path=ppt/slides/slide12.xml><?xml version="1.0" encoding="utf-8"?>
-<p:sld xmlns:a="http://schemas.openxmlformats.org/drawingml/2006/main" xmlns:r="http://schemas.openxmlformats.org/officeDocument/2006/relationships" xmlns:p="http://schemas.openxmlformats.org/presentationml/2006/main" xmlns:m="http://schemas.openxmlformats.org/officeDocument/2006/math" xmlns:a14="http://schemas.microsoft.com/office/drawing/2010/main" showMasterSp="1" showMasterPhAnim="1">
+<p:sld xmlns:a="http://schemas.openxmlformats.org/drawingml/2006/main" xmlns:r="http://schemas.openxmlformats.org/officeDocument/2006/relationships" xmlns:p="http://schemas.openxmlformats.org/presentationml/2006/main">
   <p:cSld>
     <p:spTree>
       <p:nvGrpSpPr>
@@ -5913,6 +6017,7 @@
                   <a:sym typeface="Calibri"/>
                 </a:defRPr>
               </a:pPr>
+              <a:endParaRPr/>
             </a:p>
           </p:txBody>
         </p:sp>
@@ -5960,7 +6065,6 @@
               </a:lvl1pPr>
             </a:lstStyle>
             <a:p>
-              <a:pPr/>
               <a:r>
                 <a:t>4.3</a:t>
               </a:r>
@@ -5999,7 +6103,7 @@
             </a:cxnLst>
             <a:rect l="0" t="0" r="r" b="b"/>
             <a:pathLst>
-              <a:path w="19059" h="21600" fill="norm" stroke="1" extrusionOk="0">
+              <a:path w="19059" h="21600" extrusionOk="0">
                 <a:moveTo>
                   <a:pt x="3662" y="21600"/>
                 </a:moveTo>
@@ -6041,6 +6145,7 @@
                 <a:sym typeface="Calibri"/>
               </a:defRPr>
             </a:pPr>
+            <a:endParaRPr/>
           </a:p>
         </p:txBody>
       </p:sp>
@@ -6069,7 +6174,7 @@
           <a:bodyPr lIns="45718" tIns="45718" rIns="45718" bIns="45718"/>
           <a:lstStyle/>
           <a:p>
-            <a:pPr/>
+            <a:endParaRPr/>
           </a:p>
         </p:txBody>
       </p:sp>
@@ -6114,7 +6219,6 @@
             </a:lvl1pPr>
           </a:lstStyle>
           <a:p>
-            <a:pPr/>
             <a:r>
               <a:t>Activity生命周期与加载模式</a:t>
             </a:r>
@@ -6146,7 +6250,7 @@
           <a:bodyPr lIns="45718" tIns="45718" rIns="45718" bIns="45718"/>
           <a:lstStyle/>
           <a:p>
-            <a:pPr/>
+            <a:endParaRPr/>
           </a:p>
         </p:txBody>
       </p:sp>
@@ -6175,7 +6279,7 @@
           <a:bodyPr lIns="45718" tIns="45718" rIns="45718" bIns="45718"/>
           <a:lstStyle/>
           <a:p>
-            <a:pPr/>
+            <a:endParaRPr/>
           </a:p>
         </p:txBody>
       </p:sp>
@@ -6184,12 +6288,12 @@
   <p:clrMapOvr>
     <a:masterClrMapping/>
   </p:clrMapOvr>
-  <p:transition xmlns:p14="http://schemas.microsoft.com/office/powerpoint/2010/main" spd="med" advClick="1"/>
+  <p:transition spd="med"/>
 </p:sld>
 </file>
 
 <file path=ppt/slides/slide13.xml><?xml version="1.0" encoding="utf-8"?>
-<p:sld xmlns:a="http://schemas.openxmlformats.org/drawingml/2006/main" xmlns:r="http://schemas.openxmlformats.org/officeDocument/2006/relationships" xmlns:p="http://schemas.openxmlformats.org/presentationml/2006/main" xmlns:m="http://schemas.openxmlformats.org/officeDocument/2006/math" xmlns:a14="http://schemas.microsoft.com/office/drawing/2010/main" showMasterSp="1" showMasterPhAnim="1">
+<p:sld xmlns:a="http://schemas.openxmlformats.org/drawingml/2006/main" xmlns:r="http://schemas.openxmlformats.org/officeDocument/2006/relationships" xmlns:p="http://schemas.openxmlformats.org/presentationml/2006/main">
   <p:cSld>
     <p:spTree>
       <p:nvGrpSpPr>
@@ -6243,6 +6347,7 @@
                 <a:sym typeface="Calibri"/>
               </a:defRPr>
             </a:pPr>
+            <a:endParaRPr/>
           </a:p>
         </p:txBody>
       </p:sp>
@@ -6271,7 +6376,7 @@
           <a:bodyPr lIns="45718" tIns="45718" rIns="45718" bIns="45718"/>
           <a:lstStyle/>
           <a:p>
-            <a:pPr/>
+            <a:endParaRPr/>
           </a:p>
         </p:txBody>
       </p:sp>
@@ -6300,7 +6405,7 @@
           <a:bodyPr lIns="45718" tIns="45718" rIns="45718" bIns="45718"/>
           <a:lstStyle/>
           <a:p>
-            <a:pPr/>
+            <a:endParaRPr/>
           </a:p>
         </p:txBody>
       </p:sp>
@@ -6358,6 +6463,7 @@
                   <a:sym typeface="Calibri"/>
                 </a:defRPr>
               </a:pPr>
+              <a:endParaRPr/>
             </a:p>
           </p:txBody>
         </p:sp>
@@ -6405,7 +6511,6 @@
               </a:lvl1pPr>
             </a:lstStyle>
             <a:p>
-              <a:pPr/>
               <a:r>
                 <a:t>回调方法</a:t>
               </a:r>
@@ -6457,7 +6562,7 @@
             </a:bodyPr>
             <a:lstStyle/>
             <a:p>
-              <a:pPr/>
+              <a:endParaRPr/>
             </a:p>
           </p:txBody>
         </p:sp>
@@ -6491,7 +6596,7 @@
             </a:bodyPr>
             <a:lstStyle/>
             <a:p>
-              <a:pPr/>
+              <a:endParaRPr/>
             </a:p>
           </p:txBody>
         </p:sp>
@@ -6525,7 +6630,7 @@
             </a:bodyPr>
             <a:lstStyle/>
             <a:p>
-              <a:pPr/>
+              <a:endParaRPr/>
             </a:p>
           </p:txBody>
         </p:sp>
@@ -6559,7 +6664,7 @@
             </a:bodyPr>
             <a:lstStyle/>
             <a:p>
-              <a:pPr/>
+              <a:endParaRPr/>
             </a:p>
           </p:txBody>
         </p:sp>
@@ -6605,6 +6710,7 @@
                   <a:sym typeface="Calibri"/>
                 </a:defRPr>
               </a:pPr>
+              <a:endParaRPr/>
             </a:p>
           </p:txBody>
         </p:sp>
@@ -6648,6 +6754,7 @@
                   <a:sym typeface="Calibri"/>
                 </a:defRPr>
               </a:pPr>
+              <a:endParaRPr/>
             </a:p>
           </p:txBody>
         </p:sp>
@@ -6691,6 +6798,7 @@
                   <a:sym typeface="Calibri"/>
                 </a:defRPr>
               </a:pPr>
+              <a:endParaRPr/>
             </a:p>
           </p:txBody>
         </p:sp>
@@ -6736,6 +6844,7 @@
                   <a:sym typeface="Calibri"/>
                 </a:defRPr>
               </a:pPr>
+              <a:endParaRPr/>
             </a:p>
           </p:txBody>
         </p:sp>
@@ -6848,7 +6957,6 @@
               </a:lvl1pPr>
             </a:lstStyle>
             <a:p>
-              <a:pPr/>
               <a:r>
                 <a:t>停止状态</a:t>
               </a:r>
@@ -6899,7 +7007,6 @@
               </a:lvl1pPr>
             </a:lstStyle>
             <a:p>
-              <a:pPr/>
               <a:r>
                 <a:t>暂停状态</a:t>
               </a:r>
@@ -6950,7 +7057,6 @@
               </a:lvl1pPr>
             </a:lstStyle>
             <a:p>
-              <a:pPr/>
               <a:r>
                 <a:t>销毁状态</a:t>
               </a:r>
@@ -6988,7 +7094,7 @@
               </a:cxnLst>
               <a:rect l="0" t="0" r="r" b="b"/>
               <a:pathLst>
-                <a:path w="21600" h="21600" fill="norm" stroke="1" extrusionOk="0">
+                <a:path w="21600" h="21600" extrusionOk="0">
                   <a:moveTo>
                     <a:pt x="0" y="0"/>
                   </a:moveTo>
@@ -7024,6 +7130,7 @@
                   <a:sym typeface="Calibri"/>
                 </a:defRPr>
               </a:pPr>
+              <a:endParaRPr/>
             </a:p>
           </p:txBody>
         </p:sp>
@@ -7058,7 +7165,7 @@
               </a:cxnLst>
               <a:rect l="0" t="0" r="r" b="b"/>
               <a:pathLst>
-                <a:path w="21600" h="21600" fill="norm" stroke="1" extrusionOk="0">
+                <a:path w="21600" h="21600" extrusionOk="0">
                   <a:moveTo>
                     <a:pt x="0" y="0"/>
                   </a:moveTo>
@@ -7094,6 +7201,7 @@
                   <a:sym typeface="Calibri"/>
                 </a:defRPr>
               </a:pPr>
+              <a:endParaRPr/>
             </a:p>
           </p:txBody>
         </p:sp>
@@ -7128,7 +7236,7 @@
               </a:cxnLst>
               <a:rect l="0" t="0" r="r" b="b"/>
               <a:pathLst>
-                <a:path w="21600" h="21600" fill="norm" stroke="1" extrusionOk="0">
+                <a:path w="21600" h="21600" extrusionOk="0">
                   <a:moveTo>
                     <a:pt x="0" y="0"/>
                   </a:moveTo>
@@ -7164,6 +7272,7 @@
                   <a:sym typeface="Calibri"/>
                 </a:defRPr>
               </a:pPr>
+              <a:endParaRPr/>
             </a:p>
           </p:txBody>
         </p:sp>
@@ -7198,7 +7307,7 @@
               </a:cxnLst>
               <a:rect l="0" t="0" r="r" b="b"/>
               <a:pathLst>
-                <a:path w="21600" h="21600" fill="norm" stroke="1" extrusionOk="0">
+                <a:path w="21600" h="21600" extrusionOk="0">
                   <a:moveTo>
                     <a:pt x="0" y="0"/>
                   </a:moveTo>
@@ -7234,6 +7343,7 @@
                   <a:sym typeface="Calibri"/>
                 </a:defRPr>
               </a:pPr>
+              <a:endParaRPr/>
             </a:p>
           </p:txBody>
         </p:sp>
@@ -7340,6 +7450,12 @@
                 <a:sym typeface="Calibri"/>
               </a:defRPr>
             </a:pPr>
+            <a:endParaRPr>
+              <a:latin typeface="微软雅黑"/>
+              <a:ea typeface="微软雅黑"/>
+              <a:cs typeface="微软雅黑"/>
+              <a:sym typeface="微软雅黑"/>
+            </a:endParaRPr>
           </a:p>
           <a:p>
             <a:pPr>
@@ -7427,6 +7543,12 @@
                 <a:sym typeface="Calibri"/>
               </a:defRPr>
             </a:pPr>
+            <a:endParaRPr>
+              <a:latin typeface="微软雅黑"/>
+              <a:ea typeface="微软雅黑"/>
+              <a:cs typeface="微软雅黑"/>
+              <a:sym typeface="微软雅黑"/>
+            </a:endParaRPr>
           </a:p>
           <a:p>
             <a:pPr>
@@ -7501,6 +7623,12 @@
                 <a:sym typeface="Calibri"/>
               </a:defRPr>
             </a:pPr>
+            <a:endParaRPr>
+              <a:latin typeface="微软雅黑"/>
+              <a:ea typeface="微软雅黑"/>
+              <a:cs typeface="微软雅黑"/>
+              <a:sym typeface="微软雅黑"/>
+            </a:endParaRPr>
           </a:p>
           <a:p>
             <a:pPr>
@@ -7746,12 +7874,12 @@
   <p:clrMapOvr>
     <a:masterClrMapping/>
   </p:clrMapOvr>
-  <p:transition xmlns:p14="http://schemas.microsoft.com/office/powerpoint/2010/main" spd="med" advClick="1"/>
+  <p:transition spd="med"/>
 </p:sld>
 </file>
 
 <file path=ppt/slides/slide14.xml><?xml version="1.0" encoding="utf-8"?>
-<p:sld xmlns:a="http://schemas.openxmlformats.org/drawingml/2006/main" xmlns:r="http://schemas.openxmlformats.org/officeDocument/2006/relationships" xmlns:p="http://schemas.openxmlformats.org/presentationml/2006/main" xmlns:m="http://schemas.openxmlformats.org/officeDocument/2006/math" xmlns:a14="http://schemas.microsoft.com/office/drawing/2010/main" showMasterSp="1" showMasterPhAnim="1">
+<p:sld xmlns:a="http://schemas.openxmlformats.org/drawingml/2006/main" xmlns:r="http://schemas.openxmlformats.org/officeDocument/2006/relationships" xmlns:p="http://schemas.openxmlformats.org/presentationml/2006/main">
   <p:cSld>
     <p:spTree>
       <p:nvGrpSpPr>
@@ -7805,6 +7933,7 @@
                 <a:sym typeface="Calibri"/>
               </a:defRPr>
             </a:pPr>
+            <a:endParaRPr/>
           </a:p>
         </p:txBody>
       </p:sp>
@@ -7833,7 +7962,7 @@
           <a:bodyPr lIns="45718" tIns="45718" rIns="45718" bIns="45718"/>
           <a:lstStyle/>
           <a:p>
-            <a:pPr/>
+            <a:endParaRPr/>
           </a:p>
         </p:txBody>
       </p:sp>
@@ -7862,7 +7991,7 @@
           <a:bodyPr lIns="45718" tIns="45718" rIns="45718" bIns="45718"/>
           <a:lstStyle/>
           <a:p>
-            <a:pPr/>
+            <a:endParaRPr/>
           </a:p>
         </p:txBody>
       </p:sp>
@@ -7891,7 +8020,7 @@
           <a:bodyPr lIns="45718" tIns="45718" rIns="45718" bIns="45718"/>
           <a:lstStyle/>
           <a:p>
-            <a:pPr/>
+            <a:endParaRPr/>
           </a:p>
         </p:txBody>
       </p:sp>
@@ -7949,6 +8078,7 @@
                   <a:sym typeface="方正兰亭超细黑简体"/>
                 </a:defRPr>
               </a:pPr>
+              <a:endParaRPr/>
             </a:p>
           </p:txBody>
         </p:sp>
@@ -7996,7 +8126,6 @@
               </a:lvl1pPr>
             </a:lstStyle>
             <a:p>
-              <a:pPr/>
               <a:r>
                 <a:t>VS</a:t>
               </a:r>
@@ -8040,6 +8169,7 @@
                 <a:sym typeface="Calibri"/>
               </a:defRPr>
             </a:pPr>
+            <a:endParaRPr/>
           </a:p>
         </p:txBody>
       </p:sp>
@@ -8079,6 +8209,7 @@
                 <a:sym typeface="Calibri"/>
               </a:defRPr>
             </a:pPr>
+            <a:endParaRPr/>
           </a:p>
         </p:txBody>
       </p:sp>
@@ -8190,7 +8321,6 @@
             </a:lvl1pPr>
           </a:lstStyle>
           <a:p>
-            <a:pPr/>
             <a:r>
               <a:t>相似</a:t>
             </a:r>
@@ -8238,7 +8368,6 @@
             </a:lvl1pPr>
           </a:lstStyle>
           <a:p>
-            <a:pPr/>
             <a:r>
               <a:t>区别</a:t>
             </a:r>
@@ -8475,6 +8604,12 @@
                 <a:sym typeface="Calibri"/>
               </a:defRPr>
             </a:pPr>
+            <a:endParaRPr>
+              <a:latin typeface="微软雅黑"/>
+              <a:ea typeface="微软雅黑"/>
+              <a:cs typeface="微软雅黑"/>
+              <a:sym typeface="微软雅黑"/>
+            </a:endParaRPr>
           </a:p>
           <a:p>
             <a:pPr marL="285750" indent="-285750">
@@ -8491,6 +8626,12 @@
                 <a:sym typeface="Calibri"/>
               </a:defRPr>
             </a:pPr>
+            <a:endParaRPr>
+              <a:latin typeface="微软雅黑"/>
+              <a:ea typeface="微软雅黑"/>
+              <a:cs typeface="微软雅黑"/>
+              <a:sym typeface="微软雅黑"/>
+            </a:endParaRPr>
           </a:p>
           <a:p>
             <a:pPr marL="285750" indent="-285750">
@@ -8507,6 +8648,12 @@
                 <a:sym typeface="Calibri"/>
               </a:defRPr>
             </a:pPr>
+            <a:endParaRPr>
+              <a:latin typeface="微软雅黑"/>
+              <a:ea typeface="微软雅黑"/>
+              <a:cs typeface="微软雅黑"/>
+              <a:sym typeface="微软雅黑"/>
+            </a:endParaRPr>
           </a:p>
           <a:p>
             <a:pPr marL="285750" indent="-285750">
@@ -8523,6 +8670,12 @@
                 <a:sym typeface="Calibri"/>
               </a:defRPr>
             </a:pPr>
+            <a:endParaRPr>
+              <a:latin typeface="微软雅黑"/>
+              <a:ea typeface="微软雅黑"/>
+              <a:cs typeface="微软雅黑"/>
+              <a:sym typeface="微软雅黑"/>
+            </a:endParaRPr>
           </a:p>
           <a:p>
             <a:pPr marL="285750" indent="-285750">
@@ -8539,6 +8692,12 @@
                 <a:sym typeface="Calibri"/>
               </a:defRPr>
             </a:pPr>
+            <a:endParaRPr>
+              <a:latin typeface="微软雅黑"/>
+              <a:ea typeface="微软雅黑"/>
+              <a:cs typeface="微软雅黑"/>
+              <a:sym typeface="微软雅黑"/>
+            </a:endParaRPr>
           </a:p>
           <a:p>
             <a:pPr marL="285750" indent="-285750">
@@ -8555,6 +8714,12 @@
                 <a:sym typeface="Calibri"/>
               </a:defRPr>
             </a:pPr>
+            <a:endParaRPr>
+              <a:latin typeface="微软雅黑"/>
+              <a:ea typeface="微软雅黑"/>
+              <a:cs typeface="微软雅黑"/>
+              <a:sym typeface="微软雅黑"/>
+            </a:endParaRPr>
           </a:p>
           <a:p>
             <a:pPr>
@@ -8568,6 +8733,12 @@
                 <a:sym typeface="Calibri"/>
               </a:defRPr>
             </a:pPr>
+            <a:endParaRPr>
+              <a:latin typeface="微软雅黑"/>
+              <a:ea typeface="微软雅黑"/>
+              <a:cs typeface="微软雅黑"/>
+              <a:sym typeface="微软雅黑"/>
+            </a:endParaRPr>
           </a:p>
           <a:p>
             <a:pPr marL="285750" indent="-285750">
@@ -8798,6 +8969,12 @@
                 <a:sym typeface="Calibri"/>
               </a:defRPr>
             </a:pPr>
+            <a:endParaRPr>
+              <a:latin typeface="微软雅黑"/>
+              <a:ea typeface="微软雅黑"/>
+              <a:cs typeface="微软雅黑"/>
+              <a:sym typeface="微软雅黑"/>
+            </a:endParaRPr>
           </a:p>
           <a:p>
             <a:pPr marL="285750" indent="-285750">
@@ -8814,6 +8991,12 @@
                 <a:sym typeface="Calibri"/>
               </a:defRPr>
             </a:pPr>
+            <a:endParaRPr>
+              <a:latin typeface="微软雅黑"/>
+              <a:ea typeface="微软雅黑"/>
+              <a:cs typeface="微软雅黑"/>
+              <a:sym typeface="微软雅黑"/>
+            </a:endParaRPr>
           </a:p>
           <a:p>
             <a:pPr marL="285750" indent="-285750">
@@ -8830,6 +9013,12 @@
                 <a:sym typeface="Calibri"/>
               </a:defRPr>
             </a:pPr>
+            <a:endParaRPr>
+              <a:latin typeface="微软雅黑"/>
+              <a:ea typeface="微软雅黑"/>
+              <a:cs typeface="微软雅黑"/>
+              <a:sym typeface="微软雅黑"/>
+            </a:endParaRPr>
           </a:p>
           <a:p>
             <a:pPr marL="285750" indent="-285750">
@@ -8919,6 +9108,12 @@
                 <a:sym typeface="Calibri"/>
               </a:defRPr>
             </a:pPr>
+            <a:endParaRPr>
+              <a:latin typeface="微软雅黑"/>
+              <a:ea typeface="微软雅黑"/>
+              <a:cs typeface="微软雅黑"/>
+              <a:sym typeface="微软雅黑"/>
+            </a:endParaRPr>
           </a:p>
           <a:p>
             <a:pPr marL="285750" indent="-285750">
@@ -8935,6 +9130,12 @@
                 <a:sym typeface="Calibri"/>
               </a:defRPr>
             </a:pPr>
+            <a:endParaRPr>
+              <a:latin typeface="微软雅黑"/>
+              <a:ea typeface="微软雅黑"/>
+              <a:cs typeface="微软雅黑"/>
+              <a:sym typeface="微软雅黑"/>
+            </a:endParaRPr>
           </a:p>
           <a:p>
             <a:pPr marL="285750" indent="-285750">
@@ -8995,12 +9196,12 @@
   <p:clrMapOvr>
     <a:masterClrMapping/>
   </p:clrMapOvr>
-  <p:transition xmlns:p14="http://schemas.microsoft.com/office/powerpoint/2010/main" spd="med" advClick="1"/>
+  <p:transition spd="med"/>
 </p:sld>
 </file>
 
 <file path=ppt/slides/slide15.xml><?xml version="1.0" encoding="utf-8"?>
-<p:sld xmlns:a="http://schemas.openxmlformats.org/drawingml/2006/main" xmlns:r="http://schemas.openxmlformats.org/officeDocument/2006/relationships" xmlns:p="http://schemas.openxmlformats.org/presentationml/2006/main" xmlns:m="http://schemas.openxmlformats.org/officeDocument/2006/math" xmlns:a14="http://schemas.microsoft.com/office/drawing/2010/main" showMasterSp="1" showMasterPhAnim="1">
+<p:sld xmlns:a="http://schemas.openxmlformats.org/drawingml/2006/main" xmlns:r="http://schemas.openxmlformats.org/officeDocument/2006/relationships" xmlns:p="http://schemas.openxmlformats.org/presentationml/2006/main">
   <p:cSld>
     <p:spTree>
       <p:nvGrpSpPr>
@@ -9041,7 +9242,7 @@
           <a:bodyPr lIns="45718" tIns="45718" rIns="45718" bIns="45718"/>
           <a:lstStyle/>
           <a:p>
-            <a:pPr/>
+            <a:endParaRPr/>
           </a:p>
         </p:txBody>
       </p:sp>
@@ -9070,7 +9271,7 @@
           <a:bodyPr lIns="45718" tIns="45718" rIns="45718" bIns="45718"/>
           <a:lstStyle/>
           <a:p>
-            <a:pPr/>
+            <a:endParaRPr/>
           </a:p>
         </p:txBody>
       </p:sp>
@@ -9166,7 +9367,7 @@
           <a:bodyPr lIns="45718" tIns="45718" rIns="45718" bIns="45718"/>
           <a:lstStyle/>
           <a:p>
-            <a:pPr/>
+            <a:endParaRPr/>
           </a:p>
         </p:txBody>
       </p:sp>
@@ -9195,7 +9396,7 @@
           <a:bodyPr lIns="45718" tIns="45718" rIns="45718" bIns="45718"/>
           <a:lstStyle/>
           <a:p>
-            <a:pPr/>
+            <a:endParaRPr/>
           </a:p>
         </p:txBody>
       </p:sp>
@@ -9253,6 +9454,7 @@
                   <a:sym typeface="Broadway"/>
                 </a:defRPr>
               </a:pPr>
+              <a:endParaRPr/>
             </a:p>
           </p:txBody>
         </p:sp>
@@ -9300,7 +9502,6 @@
               </a:lvl1pPr>
             </a:lstStyle>
             <a:p>
-              <a:pPr/>
               <a:r>
                 <a:t>1</a:t>
               </a:r>
@@ -9362,6 +9563,7 @@
                   <a:sym typeface="Broadway"/>
                 </a:defRPr>
               </a:pPr>
+              <a:endParaRPr/>
             </a:p>
           </p:txBody>
         </p:sp>
@@ -9409,7 +9611,6 @@
               </a:lvl1pPr>
             </a:lstStyle>
             <a:p>
-              <a:pPr/>
               <a:r>
                 <a:t>2</a:t>
               </a:r>
@@ -9471,6 +9672,7 @@
                   <a:sym typeface="Broadway"/>
                 </a:defRPr>
               </a:pPr>
+              <a:endParaRPr/>
             </a:p>
           </p:txBody>
         </p:sp>
@@ -9518,7 +9720,6 @@
               </a:lvl1pPr>
             </a:lstStyle>
             <a:p>
-              <a:pPr/>
               <a:r>
                 <a:t>3</a:t>
               </a:r>
@@ -9580,6 +9781,7 @@
                   <a:sym typeface="Broadway"/>
                 </a:defRPr>
               </a:pPr>
+              <a:endParaRPr/>
             </a:p>
           </p:txBody>
         </p:sp>
@@ -9627,7 +9829,6 @@
               </a:lvl1pPr>
             </a:lstStyle>
             <a:p>
-              <a:pPr/>
               <a:r>
                 <a:t>4</a:t>
               </a:r>
@@ -9660,7 +9861,7 @@
           <a:bodyPr lIns="45718" tIns="45718" rIns="45718" bIns="45718"/>
           <a:lstStyle/>
           <a:p>
-            <a:pPr/>
+            <a:endParaRPr/>
           </a:p>
         </p:txBody>
       </p:sp>
@@ -9689,7 +9890,7 @@
           <a:bodyPr lIns="45718" tIns="45718" rIns="45718" bIns="45718"/>
           <a:lstStyle/>
           <a:p>
-            <a:pPr/>
+            <a:endParaRPr/>
           </a:p>
         </p:txBody>
       </p:sp>
@@ -9729,6 +9930,7 @@
                 <a:sym typeface="Calibri"/>
               </a:defRPr>
             </a:pPr>
+            <a:endParaRPr/>
           </a:p>
         </p:txBody>
       </p:sp>
@@ -9768,6 +9970,7 @@
                 <a:sym typeface="Calibri"/>
               </a:defRPr>
             </a:pPr>
+            <a:endParaRPr/>
           </a:p>
         </p:txBody>
       </p:sp>
@@ -9810,6 +10013,7 @@
                 <a:sym typeface="Calibri"/>
               </a:defRPr>
             </a:pPr>
+            <a:endParaRPr/>
           </a:p>
         </p:txBody>
       </p:sp>
@@ -9852,6 +10056,7 @@
                 <a:sym typeface="Calibri"/>
               </a:defRPr>
             </a:pPr>
+            <a:endParaRPr/>
           </a:p>
         </p:txBody>
       </p:sp>
@@ -10432,12 +10637,12 @@
   <p:clrMapOvr>
     <a:masterClrMapping/>
   </p:clrMapOvr>
-  <p:transition xmlns:p14="http://schemas.microsoft.com/office/powerpoint/2010/main" spd="med" advClick="1"/>
+  <p:transition spd="med"/>
 </p:sld>
 </file>
 
 <file path=ppt/slides/slide16.xml><?xml version="1.0" encoding="utf-8"?>
-<p:sld xmlns:a="http://schemas.openxmlformats.org/drawingml/2006/main" xmlns:r="http://schemas.openxmlformats.org/officeDocument/2006/relationships" xmlns:p="http://schemas.openxmlformats.org/presentationml/2006/main" xmlns:m="http://schemas.openxmlformats.org/officeDocument/2006/math" xmlns:a14="http://schemas.microsoft.com/office/drawing/2010/main" showMasterSp="1" showMasterPhAnim="1">
+<p:sld xmlns:a="http://schemas.openxmlformats.org/drawingml/2006/main" xmlns:r="http://schemas.openxmlformats.org/officeDocument/2006/relationships" xmlns:p="http://schemas.openxmlformats.org/presentationml/2006/main">
   <p:cSld>
     <p:spTree>
       <p:nvGrpSpPr>
@@ -10508,6 +10713,7 @@
                   <a:sym typeface="Calibri"/>
                 </a:defRPr>
               </a:pPr>
+              <a:endParaRPr/>
             </a:p>
           </p:txBody>
         </p:sp>
@@ -10555,7 +10761,6 @@
               </a:lvl1pPr>
             </a:lstStyle>
             <a:p>
-              <a:pPr/>
               <a:r>
                 <a:t>4.4</a:t>
               </a:r>
@@ -10594,7 +10799,7 @@
             </a:cxnLst>
             <a:rect l="0" t="0" r="r" b="b"/>
             <a:pathLst>
-              <a:path w="19059" h="21600" fill="norm" stroke="1" extrusionOk="0">
+              <a:path w="19059" h="21600" extrusionOk="0">
                 <a:moveTo>
                   <a:pt x="3662" y="21600"/>
                 </a:moveTo>
@@ -10636,6 +10841,7 @@
                 <a:sym typeface="Calibri"/>
               </a:defRPr>
             </a:pPr>
+            <a:endParaRPr/>
           </a:p>
         </p:txBody>
       </p:sp>
@@ -10664,7 +10870,7 @@
           <a:bodyPr lIns="45718" tIns="45718" rIns="45718" bIns="45718"/>
           <a:lstStyle/>
           <a:p>
-            <a:pPr/>
+            <a:endParaRPr/>
           </a:p>
         </p:txBody>
       </p:sp>
@@ -10709,7 +10915,6 @@
             </a:lvl1pPr>
           </a:lstStyle>
           <a:p>
-            <a:pPr/>
             <a:r>
               <a:t>Fragment详解</a:t>
             </a:r>
@@ -10741,7 +10946,7 @@
           <a:bodyPr lIns="45718" tIns="45718" rIns="45718" bIns="45718"/>
           <a:lstStyle/>
           <a:p>
-            <a:pPr/>
+            <a:endParaRPr/>
           </a:p>
         </p:txBody>
       </p:sp>
@@ -10770,7 +10975,7 @@
           <a:bodyPr lIns="45718" tIns="45718" rIns="45718" bIns="45718"/>
           <a:lstStyle/>
           <a:p>
-            <a:pPr/>
+            <a:endParaRPr/>
           </a:p>
         </p:txBody>
       </p:sp>
@@ -10779,12 +10984,12 @@
   <p:clrMapOvr>
     <a:masterClrMapping/>
   </p:clrMapOvr>
-  <p:transition xmlns:p14="http://schemas.microsoft.com/office/powerpoint/2010/main" spd="med" advClick="1"/>
+  <p:transition spd="med"/>
 </p:sld>
 </file>
 
 <file path=ppt/slides/slide17.xml><?xml version="1.0" encoding="utf-8"?>
-<p:sld xmlns:a="http://schemas.openxmlformats.org/drawingml/2006/main" xmlns:r="http://schemas.openxmlformats.org/officeDocument/2006/relationships" xmlns:p="http://schemas.openxmlformats.org/presentationml/2006/main" xmlns:m="http://schemas.openxmlformats.org/officeDocument/2006/math" xmlns:a14="http://schemas.microsoft.com/office/drawing/2010/main" showMasterSp="1" showMasterPhAnim="1">
+<p:sld xmlns:a="http://schemas.openxmlformats.org/drawingml/2006/main" xmlns:r="http://schemas.openxmlformats.org/officeDocument/2006/relationships" xmlns:p="http://schemas.openxmlformats.org/presentationml/2006/main">
   <p:cSld>
     <p:spTree>
       <p:nvGrpSpPr>
@@ -10911,6 +11116,7 @@
                   <a:sym typeface="Calibri"/>
                 </a:defRPr>
               </a:pPr>
+              <a:endParaRPr/>
             </a:p>
           </p:txBody>
         </p:sp>
@@ -10944,7 +11150,7 @@
             </a:bodyPr>
             <a:lstStyle/>
             <a:p>
-              <a:pPr/>
+              <a:endParaRPr/>
             </a:p>
           </p:txBody>
         </p:sp>
@@ -10988,6 +11194,7 @@
                   <a:sym typeface="Calibri"/>
                 </a:defRPr>
               </a:pPr>
+              <a:endParaRPr/>
             </a:p>
           </p:txBody>
         </p:sp>
@@ -11035,7 +11242,6 @@
               </a:lvl1pPr>
             </a:lstStyle>
             <a:p>
-              <a:pPr/>
               <a:r>
                 <a:t>Fragment必须“嵌入”Activity且受Activity生命周期的控制。</a:t>
               </a:r>
@@ -11097,6 +11303,7 @@
                   <a:sym typeface="Calibri"/>
                 </a:defRPr>
               </a:pPr>
+              <a:endParaRPr/>
             </a:p>
           </p:txBody>
         </p:sp>
@@ -11412,6 +11619,12 @@
                   <a:sym typeface="Calibri"/>
                 </a:defRPr>
               </a:pPr>
+              <a:endParaRPr>
+                <a:latin typeface="微软雅黑"/>
+                <a:ea typeface="微软雅黑"/>
+                <a:cs typeface="微软雅黑"/>
+                <a:sym typeface="微软雅黑"/>
+              </a:endParaRPr>
             </a:p>
             <a:p>
               <a:pPr marL="285750" indent="-285750">
@@ -11544,6 +11757,12 @@
                   <a:sym typeface="Calibri"/>
                 </a:defRPr>
               </a:pPr>
+              <a:endParaRPr>
+                <a:latin typeface="微软雅黑"/>
+                <a:ea typeface="微软雅黑"/>
+                <a:cs typeface="微软雅黑"/>
+                <a:sym typeface="微软雅黑"/>
+              </a:endParaRPr>
             </a:p>
             <a:p>
               <a:pPr marL="285750" indent="-285750">
@@ -11637,6 +11856,12 @@
                   <a:sym typeface="Calibri"/>
                 </a:defRPr>
               </a:pPr>
+              <a:endParaRPr>
+                <a:latin typeface="微软雅黑"/>
+                <a:ea typeface="微软雅黑"/>
+                <a:cs typeface="微软雅黑"/>
+                <a:sym typeface="微软雅黑"/>
+              </a:endParaRPr>
             </a:p>
             <a:p>
               <a:pPr marL="285750" indent="-285750">
@@ -11711,12 +11936,12 @@
   <p:clrMapOvr>
     <a:masterClrMapping/>
   </p:clrMapOvr>
-  <p:transition xmlns:p14="http://schemas.microsoft.com/office/powerpoint/2010/main" spd="med" advClick="1"/>
+  <p:transition spd="med"/>
 </p:sld>
 </file>
 
 <file path=ppt/slides/slide18.xml><?xml version="1.0" encoding="utf-8"?>
-<p:sld xmlns:a="http://schemas.openxmlformats.org/drawingml/2006/main" xmlns:r="http://schemas.openxmlformats.org/officeDocument/2006/relationships" xmlns:p="http://schemas.openxmlformats.org/presentationml/2006/main" xmlns:m="http://schemas.openxmlformats.org/officeDocument/2006/math" xmlns:a14="http://schemas.microsoft.com/office/drawing/2010/main" showMasterSp="1" showMasterPhAnim="1">
+<p:sld xmlns:a="http://schemas.openxmlformats.org/drawingml/2006/main" xmlns:r="http://schemas.openxmlformats.org/officeDocument/2006/relationships" xmlns:p="http://schemas.openxmlformats.org/presentationml/2006/main">
   <p:cSld>
     <p:spTree>
       <p:nvGrpSpPr>
@@ -11788,6 +12013,7 @@
                   <a:sym typeface="Calibri"/>
                 </a:defRPr>
               </a:pPr>
+              <a:endParaRPr/>
             </a:p>
           </p:txBody>
         </p:sp>
@@ -11822,7 +12048,7 @@
               </a:cxnLst>
               <a:rect l="0" t="0" r="r" b="b"/>
               <a:pathLst>
-                <a:path w="21600" h="21600" fill="norm" stroke="1" extrusionOk="0">
+                <a:path w="21600" h="21600" extrusionOk="0">
                   <a:moveTo>
                     <a:pt x="20941" y="21600"/>
                   </a:moveTo>
@@ -11871,6 +12097,7 @@
                   <a:sym typeface="Calibri"/>
                 </a:defRPr>
               </a:pPr>
+              <a:endParaRPr/>
             </a:p>
           </p:txBody>
         </p:sp>
@@ -11918,7 +12145,6 @@
               </a:lvl1pPr>
             </a:lstStyle>
             <a:p>
-              <a:pPr/>
               <a:r>
                 <a:t>实现方法</a:t>
               </a:r>
@@ -12040,6 +12266,7 @@
                   <a:sym typeface="Calibri"/>
                 </a:defRPr>
               </a:pPr>
+              <a:endParaRPr/>
             </a:p>
           </p:txBody>
         </p:sp>
@@ -12073,7 +12300,7 @@
             </a:bodyPr>
             <a:lstStyle/>
             <a:p>
-              <a:pPr/>
+              <a:endParaRPr/>
             </a:p>
           </p:txBody>
         </p:sp>
@@ -12117,6 +12344,7 @@
                   <a:sym typeface="Calibri"/>
                 </a:defRPr>
               </a:pPr>
+              <a:endParaRPr/>
             </a:p>
           </p:txBody>
         </p:sp>
@@ -12164,7 +12392,6 @@
               </a:lvl1pPr>
             </a:lstStyle>
             <a:p>
-              <a:pPr/>
               <a:r>
                 <a:t>与创建Activity类似，Fragment必须继承Fragment基类。</a:t>
               </a:r>
@@ -12240,6 +12467,7 @@
                     <a:sym typeface="Calibri"/>
                   </a:defRPr>
                 </a:pPr>
+                <a:endParaRPr/>
               </a:p>
             </p:txBody>
           </p:sp>
@@ -12273,7 +12501,7 @@
               </a:bodyPr>
               <a:lstStyle/>
               <a:p>
-                <a:pPr/>
+                <a:endParaRPr/>
               </a:p>
             </p:txBody>
           </p:sp>
@@ -12307,7 +12535,7 @@
               </a:bodyPr>
               <a:lstStyle/>
               <a:p>
-                <a:pPr/>
+                <a:endParaRPr/>
               </a:p>
             </p:txBody>
           </p:sp>
@@ -12355,7 +12583,6 @@
                 </a:lvl1pPr>
               </a:lstStyle>
               <a:p>
-                <a:pPr/>
                 <a:r>
                   <a:t>Fragment</a:t>
                 </a:r>
@@ -12417,6 +12644,7 @@
                     <a:sym typeface="Calibri"/>
                   </a:defRPr>
                 </a:pPr>
+                <a:endParaRPr/>
               </a:p>
             </p:txBody>
           </p:sp>
@@ -12450,7 +12678,7 @@
               </a:bodyPr>
               <a:lstStyle/>
               <a:p>
-                <a:pPr/>
+                <a:endParaRPr/>
               </a:p>
             </p:txBody>
           </p:sp>
@@ -12484,7 +12712,7 @@
               </a:bodyPr>
               <a:lstStyle/>
               <a:p>
-                <a:pPr/>
+                <a:endParaRPr/>
               </a:p>
             </p:txBody>
           </p:sp>
@@ -12532,7 +12760,6 @@
                 </a:lvl1pPr>
               </a:lstStyle>
               <a:p>
-                <a:pPr/>
                 <a:r>
                   <a:t>ListFragment</a:t>
                 </a:r>
@@ -12594,6 +12821,7 @@
                     <a:sym typeface="Calibri"/>
                   </a:defRPr>
                 </a:pPr>
+                <a:endParaRPr/>
               </a:p>
             </p:txBody>
           </p:sp>
@@ -12627,7 +12855,7 @@
               </a:bodyPr>
               <a:lstStyle/>
               <a:p>
-                <a:pPr/>
+                <a:endParaRPr/>
               </a:p>
             </p:txBody>
           </p:sp>
@@ -12661,7 +12889,7 @@
               </a:bodyPr>
               <a:lstStyle/>
               <a:p>
-                <a:pPr/>
+                <a:endParaRPr/>
               </a:p>
             </p:txBody>
           </p:sp>
@@ -12709,7 +12937,6 @@
                 </a:lvl1pPr>
               </a:lstStyle>
               <a:p>
-                <a:pPr/>
                 <a:r>
                   <a:t>PreferenceFragment</a:t>
                 </a:r>
@@ -12771,6 +12998,7 @@
                     <a:sym typeface="Calibri"/>
                   </a:defRPr>
                 </a:pPr>
+                <a:endParaRPr/>
               </a:p>
             </p:txBody>
           </p:sp>
@@ -12804,7 +13032,7 @@
               </a:bodyPr>
               <a:lstStyle/>
               <a:p>
-                <a:pPr/>
+                <a:endParaRPr/>
               </a:p>
             </p:txBody>
           </p:sp>
@@ -12838,7 +13066,7 @@
               </a:bodyPr>
               <a:lstStyle/>
               <a:p>
-                <a:pPr/>
+                <a:endParaRPr/>
               </a:p>
             </p:txBody>
           </p:sp>
@@ -12886,7 +13114,6 @@
                 </a:lvl1pPr>
               </a:lstStyle>
               <a:p>
-                <a:pPr/>
                 <a:r>
                   <a:t>DialogFragment</a:t>
                 </a:r>
@@ -12948,6 +13175,7 @@
                     <a:sym typeface="Calibri"/>
                   </a:defRPr>
                 </a:pPr>
+                <a:endParaRPr/>
               </a:p>
             </p:txBody>
           </p:sp>
@@ -12981,7 +13209,7 @@
               </a:bodyPr>
               <a:lstStyle/>
               <a:p>
-                <a:pPr/>
+                <a:endParaRPr/>
               </a:p>
             </p:txBody>
           </p:sp>
@@ -13015,7 +13243,7 @@
               </a:bodyPr>
               <a:lstStyle/>
               <a:p>
-                <a:pPr/>
+                <a:endParaRPr/>
               </a:p>
             </p:txBody>
           </p:sp>
@@ -13063,7 +13291,6 @@
                 </a:lvl1pPr>
               </a:lstStyle>
               <a:p>
-                <a:pPr/>
                 <a:r>
                   <a:t>WebViewFragment</a:t>
                 </a:r>
@@ -13128,6 +13355,7 @@
                     <a:sym typeface="Calibri"/>
                   </a:defRPr>
                 </a:pPr>
+                <a:endParaRPr/>
               </a:p>
             </p:txBody>
           </p:sp>
@@ -13161,7 +13389,7 @@
               </a:bodyPr>
               <a:lstStyle/>
               <a:p>
-                <a:pPr/>
+                <a:endParaRPr/>
               </a:p>
             </p:txBody>
           </p:sp>
@@ -13223,6 +13451,7 @@
                     <a:sym typeface="Calibri"/>
                   </a:defRPr>
                 </a:pPr>
+                <a:endParaRPr/>
               </a:p>
             </p:txBody>
           </p:sp>
@@ -13256,7 +13485,7 @@
               </a:bodyPr>
               <a:lstStyle/>
               <a:p>
-                <a:pPr/>
+                <a:endParaRPr/>
               </a:p>
             </p:txBody>
           </p:sp>
@@ -13318,6 +13547,7 @@
                     <a:sym typeface="Calibri"/>
                   </a:defRPr>
                 </a:pPr>
+                <a:endParaRPr/>
               </a:p>
             </p:txBody>
           </p:sp>
@@ -13351,7 +13581,7 @@
               </a:bodyPr>
               <a:lstStyle/>
               <a:p>
-                <a:pPr/>
+                <a:endParaRPr/>
               </a:p>
             </p:txBody>
           </p:sp>
@@ -13413,6 +13643,7 @@
                     <a:sym typeface="Calibri"/>
                   </a:defRPr>
                 </a:pPr>
+                <a:endParaRPr/>
               </a:p>
             </p:txBody>
           </p:sp>
@@ -13446,7 +13677,7 @@
               </a:bodyPr>
               <a:lstStyle/>
               <a:p>
-                <a:pPr/>
+                <a:endParaRPr/>
               </a:p>
             </p:txBody>
           </p:sp>
@@ -13560,6 +13791,12 @@
                 <a:sym typeface="Calibri"/>
               </a:defRPr>
             </a:pPr>
+            <a:endParaRPr>
+              <a:latin typeface="微软雅黑"/>
+              <a:ea typeface="微软雅黑"/>
+              <a:cs typeface="微软雅黑"/>
+              <a:sym typeface="微软雅黑"/>
+            </a:endParaRPr>
           </a:p>
           <a:p>
             <a:pPr marL="285750" indent="-285750">
@@ -13641,6 +13878,12 @@
                 <a:sym typeface="Calibri"/>
               </a:defRPr>
             </a:pPr>
+            <a:endParaRPr>
+              <a:latin typeface="微软雅黑"/>
+              <a:ea typeface="微软雅黑"/>
+              <a:cs typeface="微软雅黑"/>
+              <a:sym typeface="微软雅黑"/>
+            </a:endParaRPr>
           </a:p>
           <a:p>
             <a:pPr marL="285750" indent="-285750">
@@ -13714,12 +13957,12 @@
   <p:clrMapOvr>
     <a:masterClrMapping/>
   </p:clrMapOvr>
-  <p:transition xmlns:p14="http://schemas.microsoft.com/office/powerpoint/2010/main" spd="med" advClick="1"/>
+  <p:transition spd="med"/>
 </p:sld>
 </file>
 
 <file path=ppt/slides/slide19.xml><?xml version="1.0" encoding="utf-8"?>
-<p:sld xmlns:a="http://schemas.openxmlformats.org/drawingml/2006/main" xmlns:r="http://schemas.openxmlformats.org/officeDocument/2006/relationships" xmlns:p="http://schemas.openxmlformats.org/presentationml/2006/main" xmlns:m="http://schemas.openxmlformats.org/officeDocument/2006/math" xmlns:a14="http://schemas.microsoft.com/office/drawing/2010/main" showMasterSp="1" showMasterPhAnim="1">
+<p:sld xmlns:a="http://schemas.openxmlformats.org/drawingml/2006/main" xmlns:r="http://schemas.openxmlformats.org/officeDocument/2006/relationships" xmlns:p="http://schemas.openxmlformats.org/presentationml/2006/main">
   <p:cSld>
     <p:spTree>
       <p:nvGrpSpPr>
@@ -13858,6 +14101,7 @@
                   <a:sym typeface="Calibri"/>
                 </a:defRPr>
               </a:pPr>
+              <a:endParaRPr/>
             </a:p>
           </p:txBody>
         </p:sp>
@@ -13891,7 +14135,7 @@
             </a:bodyPr>
             <a:lstStyle/>
             <a:p>
-              <a:pPr/>
+              <a:endParaRPr/>
             </a:p>
           </p:txBody>
         </p:sp>
@@ -13935,6 +14179,7 @@
                   <a:sym typeface="Calibri"/>
                 </a:defRPr>
               </a:pPr>
+              <a:endParaRPr/>
             </a:p>
           </p:txBody>
         </p:sp>
@@ -13982,7 +14227,6 @@
               </a:lvl1pPr>
             </a:lstStyle>
             <a:p>
-              <a:pPr/>
               <a:r>
                 <a:t>在Activity中显示Fragment必须将Fragment添加到Activity中。</a:t>
               </a:r>
@@ -14015,7 +14259,7 @@
           <a:bodyPr lIns="45718" tIns="45718" rIns="45718" bIns="45718"/>
           <a:lstStyle/>
           <a:p>
-            <a:pPr/>
+            <a:endParaRPr/>
           </a:p>
         </p:txBody>
       </p:sp>
@@ -14138,7 +14382,7 @@
           <a:bodyPr lIns="45718" tIns="45718" rIns="45718" bIns="45718"/>
           <a:lstStyle/>
           <a:p>
-            <a:pPr/>
+            <a:endParaRPr/>
           </a:p>
         </p:txBody>
       </p:sp>
@@ -14167,7 +14411,7 @@
           <a:bodyPr lIns="45718" tIns="45718" rIns="45718" bIns="45718"/>
           <a:lstStyle/>
           <a:p>
-            <a:pPr/>
+            <a:endParaRPr/>
           </a:p>
         </p:txBody>
       </p:sp>
@@ -14212,7 +14456,6 @@
             </a:lvl1pPr>
           </a:lstStyle>
           <a:p>
-            <a:pPr/>
             <a:r>
               <a:t>两种方式添加</a:t>
             </a:r>
@@ -14353,7 +14596,7 @@
           <a:bodyPr lIns="45718" tIns="45718" rIns="45718" bIns="45718"/>
           <a:lstStyle/>
           <a:p>
-            <a:pPr/>
+            <a:endParaRPr/>
           </a:p>
         </p:txBody>
       </p:sp>
@@ -14382,7 +14625,7 @@
           <a:bodyPr lIns="45718" tIns="45718" rIns="45718" bIns="45718"/>
           <a:lstStyle/>
           <a:p>
-            <a:pPr/>
+            <a:endParaRPr/>
           </a:p>
         </p:txBody>
       </p:sp>
@@ -14440,6 +14683,7 @@
                   <a:sym typeface="Calibri"/>
                 </a:defRPr>
               </a:pPr>
+              <a:endParaRPr/>
             </a:p>
           </p:txBody>
         </p:sp>
@@ -14489,7 +14733,6 @@
               </a:lvl1pPr>
             </a:lstStyle>
             <a:p>
-              <a:pPr/>
               <a:r>
                 <a:t>通信方式</a:t>
               </a:r>
@@ -14639,6 +14882,12 @@
                   <a:sym typeface="Calibri"/>
                 </a:defRPr>
               </a:pPr>
+              <a:endParaRPr>
+                <a:latin typeface="微软雅黑"/>
+                <a:ea typeface="微软雅黑"/>
+                <a:cs typeface="微软雅黑"/>
+                <a:sym typeface="微软雅黑"/>
+              </a:endParaRPr>
             </a:p>
             <a:p>
               <a:pPr marL="285750" indent="-285750">
@@ -14784,12 +15033,12 @@
   <p:clrMapOvr>
     <a:masterClrMapping/>
   </p:clrMapOvr>
-  <p:transition xmlns:p14="http://schemas.microsoft.com/office/powerpoint/2010/main" spd="med" advClick="1"/>
+  <p:transition spd="med"/>
 </p:sld>
 </file>
 
 <file path=ppt/slides/slide2.xml><?xml version="1.0" encoding="utf-8"?>
-<p:sld xmlns:a="http://schemas.openxmlformats.org/drawingml/2006/main" xmlns:r="http://schemas.openxmlformats.org/officeDocument/2006/relationships" xmlns:p="http://schemas.openxmlformats.org/presentationml/2006/main" xmlns:m="http://schemas.openxmlformats.org/officeDocument/2006/math" xmlns:a14="http://schemas.microsoft.com/office/drawing/2010/main" showMasterSp="1" showMasterPhAnim="1">
+<p:sld xmlns:a="http://schemas.openxmlformats.org/drawingml/2006/main" xmlns:r="http://schemas.openxmlformats.org/officeDocument/2006/relationships" xmlns:p="http://schemas.openxmlformats.org/presentationml/2006/main">
   <p:cSld>
     <p:spTree>
       <p:nvGrpSpPr>
@@ -14846,7 +15095,6 @@
             </a:lvl1pPr>
           </a:lstStyle>
           <a:p>
-            <a:pPr/>
             <a:r>
               <a:t>本章学习要点：</a:t>
             </a:r>
@@ -14888,7 +15136,7 @@
               <p:nvPr/>
             </p:nvSpPr>
             <p:spPr>
-              <a:xfrm flipH="1" rot="13926129">
+              <a:xfrm rot="13926129" flipH="1">
                 <a:off x="110163" y="1002772"/>
                 <a:ext cx="1120779" cy="827090"/>
               </a:xfrm>
@@ -14912,7 +15160,7 @@
                 </a:cxnLst>
                 <a:rect l="0" t="0" r="r" b="b"/>
                 <a:pathLst>
-                  <a:path w="21600" h="21600" fill="norm" stroke="1" extrusionOk="0">
+                  <a:path w="21600" h="21600" extrusionOk="0">
                     <a:moveTo>
                       <a:pt x="0" y="21600"/>
                     </a:moveTo>
@@ -14958,7 +15206,7 @@
               <a:lstStyle/>
               <a:p>
                 <a:pPr algn="ctr">
-                  <a:defRPr b="1" sz="2800">
+                  <a:defRPr sz="2800" b="1">
                     <a:solidFill>
                       <a:srgbClr val="FFFFFF"/>
                     </a:solidFill>
@@ -14968,6 +15216,7 @@
                     <a:sym typeface="隶书"/>
                   </a:defRPr>
                 </a:pPr>
+                <a:endParaRPr/>
               </a:p>
             </p:txBody>
           </p:sp>
@@ -14978,7 +15227,7 @@
               <p:nvPr/>
             </p:nvSpPr>
             <p:spPr>
-              <a:xfrm flipH="1" rot="10597657">
+              <a:xfrm rot="10597657" flipH="1">
                 <a:off x="1288883" y="2738704"/>
                 <a:ext cx="1038229" cy="730254"/>
               </a:xfrm>
@@ -15002,7 +15251,7 @@
                 </a:cxnLst>
                 <a:rect l="0" t="0" r="r" b="b"/>
                 <a:pathLst>
-                  <a:path w="21600" h="21600" fill="norm" stroke="1" extrusionOk="0">
+                  <a:path w="21600" h="21600" extrusionOk="0">
                     <a:moveTo>
                       <a:pt x="0" y="21600"/>
                     </a:moveTo>
@@ -15048,7 +15297,7 @@
               <a:lstStyle/>
               <a:p>
                 <a:pPr algn="ctr">
-                  <a:defRPr b="1" sz="2800">
+                  <a:defRPr sz="2800" b="1">
                     <a:solidFill>
                       <a:srgbClr val="FFFFFF"/>
                     </a:solidFill>
@@ -15058,6 +15307,7 @@
                     <a:sym typeface="隶书"/>
                   </a:defRPr>
                 </a:pPr>
+                <a:endParaRPr/>
               </a:p>
             </p:txBody>
           </p:sp>
@@ -15068,7 +15318,7 @@
               <p:nvPr/>
             </p:nvSpPr>
             <p:spPr>
-              <a:xfrm flipH="1" rot="3362433">
+              <a:xfrm rot="3362433" flipH="1">
                 <a:off x="4164643" y="309034"/>
                 <a:ext cx="1128716" cy="720728"/>
               </a:xfrm>
@@ -15092,7 +15342,7 @@
                 </a:cxnLst>
                 <a:rect l="0" t="0" r="r" b="b"/>
                 <a:pathLst>
-                  <a:path w="21600" h="21600" fill="norm" stroke="1" extrusionOk="0">
+                  <a:path w="21600" h="21600" extrusionOk="0">
                     <a:moveTo>
                       <a:pt x="0" y="21600"/>
                     </a:moveTo>
@@ -15138,7 +15388,7 @@
               <a:lstStyle/>
               <a:p>
                 <a:pPr algn="ctr">
-                  <a:defRPr b="1" sz="2800">
+                  <a:defRPr sz="2800" b="1">
                     <a:solidFill>
                       <a:srgbClr val="FFFFFF"/>
                     </a:solidFill>
@@ -15148,6 +15398,7 @@
                     <a:sym typeface="隶书"/>
                   </a:defRPr>
                 </a:pPr>
+                <a:endParaRPr/>
               </a:p>
             </p:txBody>
           </p:sp>
@@ -15181,7 +15432,7 @@
               <a:lstStyle/>
               <a:p>
                 <a:pPr algn="ctr">
-                  <a:defRPr b="1" sz="2800">
+                  <a:defRPr sz="2800" b="1">
                     <a:solidFill>
                       <a:srgbClr val="FFFFFF"/>
                     </a:solidFill>
@@ -15191,6 +15442,7 @@
                     <a:sym typeface="隶书"/>
                   </a:defRPr>
                 </a:pPr>
+                <a:endParaRPr/>
               </a:p>
             </p:txBody>
           </p:sp>
@@ -15202,7 +15454,7 @@
             <p:nvPr/>
           </p:nvSpPr>
           <p:spPr>
-            <a:xfrm flipH="1" rot="19778450">
+            <a:xfrm rot="19778450" flipH="1">
               <a:off x="1796884" y="235821"/>
               <a:ext cx="1128716" cy="720728"/>
             </a:xfrm>
@@ -15226,7 +15478,7 @@
               </a:cxnLst>
               <a:rect l="0" t="0" r="r" b="b"/>
               <a:pathLst>
-                <a:path w="21600" h="21600" fill="norm" stroke="1" extrusionOk="0">
+                <a:path w="21600" h="21600" extrusionOk="0">
                   <a:moveTo>
                     <a:pt x="0" y="21600"/>
                   </a:moveTo>
@@ -15272,7 +15524,7 @@
             <a:lstStyle/>
             <a:p>
               <a:pPr algn="ctr">
-                <a:defRPr b="1" sz="2800">
+                <a:defRPr sz="2800" b="1">
                   <a:solidFill>
                     <a:srgbClr val="FFFFFF"/>
                   </a:solidFill>
@@ -15282,6 +15534,7 @@
                   <a:sym typeface="隶书"/>
                 </a:defRPr>
               </a:pPr>
+              <a:endParaRPr/>
             </a:p>
           </p:txBody>
         </p:sp>
@@ -15292,7 +15545,7 @@
             <p:nvPr/>
           </p:nvSpPr>
           <p:spPr>
-            <a:xfrm flipH="1" rot="6306812">
+            <a:xfrm rot="6306812" flipH="1">
               <a:off x="3964616" y="3313189"/>
               <a:ext cx="1128714" cy="720729"/>
             </a:xfrm>
@@ -15316,7 +15569,7 @@
               </a:cxnLst>
               <a:rect l="0" t="0" r="r" b="b"/>
               <a:pathLst>
-                <a:path w="21600" h="21600" fill="norm" stroke="1" extrusionOk="0">
+                <a:path w="21600" h="21600" extrusionOk="0">
                   <a:moveTo>
                     <a:pt x="0" y="21600"/>
                   </a:moveTo>
@@ -15362,7 +15615,7 @@
             <a:lstStyle/>
             <a:p>
               <a:pPr algn="ctr">
-                <a:defRPr b="1" sz="2800">
+                <a:defRPr sz="2800" b="1">
                   <a:solidFill>
                     <a:srgbClr val="FFFFFF"/>
                   </a:solidFill>
@@ -15372,6 +15625,7 @@
                   <a:sym typeface="隶书"/>
                 </a:defRPr>
               </a:pPr>
+              <a:endParaRPr/>
             </a:p>
           </p:txBody>
         </p:sp>
@@ -15417,7 +15671,6 @@
             </a:lvl1pPr>
           </a:lstStyle>
           <a:p>
-            <a:pPr/>
             <a:r>
               <a:t>学习要点</a:t>
             </a:r>
@@ -15527,7 +15780,6 @@
             </a:lvl1pPr>
           </a:lstStyle>
           <a:p>
-            <a:pPr/>
             <a:r>
               <a:t>2. Activity的回调机制</a:t>
             </a:r>
@@ -15575,7 +15827,6 @@
             </a:lvl1pPr>
           </a:lstStyle>
           <a:p>
-            <a:pPr/>
             <a:r>
               <a:t>3. Activity的生命周期</a:t>
             </a:r>
@@ -15678,7 +15929,6 @@
             </a:lvl1pPr>
           </a:lstStyle>
           <a:p>
-            <a:pPr/>
             <a:r>
               <a:t>5. Fragment的生命周期</a:t>
             </a:r>
@@ -15710,7 +15960,7 @@
           <a:bodyPr lIns="45718" tIns="45718" rIns="45718" bIns="45718"/>
           <a:lstStyle/>
           <a:p>
-            <a:pPr/>
+            <a:endParaRPr/>
           </a:p>
         </p:txBody>
       </p:sp>
@@ -15739,7 +15989,7 @@
           <a:bodyPr lIns="45718" tIns="45718" rIns="45718" bIns="45718"/>
           <a:lstStyle/>
           <a:p>
-            <a:pPr/>
+            <a:endParaRPr/>
           </a:p>
         </p:txBody>
       </p:sp>
@@ -15748,20 +15998,20 @@
   <p:clrMapOvr>
     <a:masterClrMapping/>
   </p:clrMapOvr>
-  <p:transition xmlns:p14="http://schemas.microsoft.com/office/powerpoint/2010/main" spd="med" advClick="1"/>
+  <p:transition spd="med"/>
   <p:timing>
     <p:tnLst>
       <p:par>
-        <p:cTn id="1" nodeType="tmRoot" restart="never" dur="indefinite" fill="hold">
+        <p:cTn id="1" dur="indefinite" restart="never" fill="hold" nodeType="tmRoot">
           <p:childTnLst>
             <p:seq concurrent="1" prevAc="none" nextAc="seek">
-              <p:cTn id="2" nodeType="mainSeq" dur="indefinite" fill="hold">
+              <p:cTn id="2" dur="indefinite" fill="hold" nodeType="mainSeq">
                 <p:childTnLst>
                   <p:par>
                     <p:cTn id="3" fill="hold">
                       <p:stCondLst>
                         <p:cond delay="indefinite"/>
-                        <p:cond evt="onBegin">
+                        <p:cond evt="onBegin" delay="0">
                           <p:tn val="2"/>
                         </p:cond>
                       </p:stCondLst>
@@ -15773,11 +16023,11 @@
                             </p:stCondLst>
                             <p:childTnLst>
                               <p:par>
-                                <p:cTn id="5" presetClass="entr" nodeType="afterEffect" presetSubtype="4" presetID="2" grpId="1" fill="hold">
+                                <p:cTn id="5" presetID="2" presetClass="entr" presetSubtype="4" fill="hold" grpId="1" nodeType="afterEffect">
                                   <p:stCondLst>
                                     <p:cond delay="0"/>
                                   </p:stCondLst>
-                                  <p:iterate type="el" backwards="0">
+                                  <p:iterate>
                                     <p:tmAbs val="0"/>
                                   </p:iterate>
                                   <p:childTnLst>
@@ -15854,11 +16104,11 @@
                             </p:stCondLst>
                             <p:childTnLst>
                               <p:par>
-                                <p:cTn id="10" presetClass="entr" nodeType="afterEffect" presetSubtype="4" presetID="2" grpId="2" fill="hold">
+                                <p:cTn id="10" presetID="2" presetClass="entr" presetSubtype="4" fill="hold" grpId="2" nodeType="afterEffect">
                                   <p:stCondLst>
                                     <p:cond delay="0"/>
                                   </p:stCondLst>
-                                  <p:iterate type="el" backwards="0">
+                                  <p:iterate>
                                     <p:tmAbs val="0"/>
                                   </p:iterate>
                                   <p:childTnLst>
@@ -15935,11 +16185,11 @@
                             </p:stCondLst>
                             <p:childTnLst>
                               <p:par>
-                                <p:cTn id="15" presetClass="entr" nodeType="afterEffect" presetSubtype="4" presetID="2" grpId="3" fill="hold">
+                                <p:cTn id="15" presetID="2" presetClass="entr" presetSubtype="4" fill="hold" grpId="3" nodeType="afterEffect">
                                   <p:stCondLst>
                                     <p:cond delay="0"/>
                                   </p:stCondLst>
-                                  <p:iterate type="el" backwards="0">
+                                  <p:iterate>
                                     <p:tmAbs val="0"/>
                                   </p:iterate>
                                   <p:childTnLst>
@@ -16016,11 +16266,11 @@
                             </p:stCondLst>
                             <p:childTnLst>
                               <p:par>
-                                <p:cTn id="20" presetClass="entr" nodeType="afterEffect" presetSubtype="4" presetID="2" grpId="4" fill="hold">
+                                <p:cTn id="20" presetID="2" presetClass="entr" presetSubtype="4" fill="hold" grpId="4" nodeType="afterEffect">
                                   <p:stCondLst>
                                     <p:cond delay="0"/>
                                   </p:stCondLst>
-                                  <p:iterate type="el" backwards="0">
+                                  <p:iterate>
                                     <p:tmAbs val="0"/>
                                   </p:iterate>
                                   <p:childTnLst>
@@ -16097,11 +16347,11 @@
                             </p:stCondLst>
                             <p:childTnLst>
                               <p:par>
-                                <p:cTn id="25" presetClass="entr" nodeType="afterEffect" presetSubtype="4" presetID="2" grpId="5" fill="hold">
+                                <p:cTn id="25" presetID="2" presetClass="entr" presetSubtype="4" fill="hold" grpId="5" nodeType="afterEffect">
                                   <p:stCondLst>
                                     <p:cond delay="0"/>
                                   </p:stCondLst>
-                                  <p:iterate type="el" backwards="0">
+                                  <p:iterate>
                                     <p:tmAbs val="0"/>
                                   </p:iterate>
                                   <p:childTnLst>
@@ -16178,11 +16428,11 @@
                             </p:stCondLst>
                             <p:childTnLst>
                               <p:par>
-                                <p:cTn id="30" presetClass="entr" nodeType="afterEffect" presetSubtype="4" presetID="2" grpId="6" fill="hold">
+                                <p:cTn id="30" presetID="2" presetClass="entr" presetSubtype="4" fill="hold" grpId="6" nodeType="afterEffect">
                                   <p:stCondLst>
                                     <p:cond delay="0"/>
                                   </p:stCondLst>
-                                  <p:iterate type="el" backwards="0">
+                                  <p:iterate>
                                     <p:tmAbs val="0"/>
                                   </p:iterate>
                                   <p:childTnLst>
@@ -16259,7 +16509,7 @@
                             </p:stCondLst>
                             <p:childTnLst>
                               <p:par>
-                                <p:cTn id="35" presetClass="emph" nodeType="afterEffect" presetSubtype="0" presetID="8" grpId="7" fill="hold">
+                                <p:cTn id="35" presetID="8" presetClass="emph" presetSubtype="0" fill="hold" grpId="7" nodeType="afterEffect">
                                   <p:stCondLst>
                                     <p:cond delay="0"/>
                                   </p:stCondLst>
@@ -16288,11 +16538,11 @@
                             </p:stCondLst>
                             <p:childTnLst>
                               <p:par>
-                                <p:cTn id="38" presetClass="entr" nodeType="afterEffect" presetSubtype="16" presetID="23" grpId="8" fill="hold">
+                                <p:cTn id="38" presetID="23" presetClass="entr" presetSubtype="16" fill="hold" grpId="8" nodeType="afterEffect">
                                   <p:stCondLst>
                                     <p:cond delay="250"/>
                                   </p:stCondLst>
-                                  <p:iterate type="el" backwards="0">
+                                  <p:iterate>
                                     <p:tmAbs val="0"/>
                                   </p:iterate>
                                   <p:childTnLst>
@@ -16368,14 +16618,14 @@
                 </p:childTnLst>
               </p:cTn>
               <p:prevCondLst>
-                <p:cond evt="onPrev">
+                <p:cond evt="onPrev" delay="0">
                   <p:tgtEl>
                     <p:sldTgt/>
                   </p:tgtEl>
                 </p:cond>
               </p:prevCondLst>
               <p:nextCondLst>
-                <p:cond evt="onNext">
+                <p:cond evt="onNext" delay="0">
                   <p:tgtEl>
                     <p:sldTgt/>
                   </p:tgtEl>
@@ -16387,21 +16637,21 @@
       </p:par>
     </p:tnLst>
     <p:bldLst>
-      <p:bldP build="whole" bldLvl="1" animBg="1" rev="0" advAuto="0" spid="132" grpId="8"/>
-      <p:bldP build="whole" bldLvl="1" animBg="1" rev="0" advAuto="0" spid="137" grpId="5"/>
-      <p:bldP build="whole" bldLvl="1" animBg="1" rev="0" advAuto="0" spid="135" grpId="3"/>
-      <p:bldP build="whole" bldLvl="1" animBg="1" rev="0" advAuto="0" spid="134" grpId="2"/>
-      <p:bldP build="whole" bldLvl="1" animBg="1" rev="0" advAuto="0" spid="136" grpId="4"/>
-      <p:bldP build="whole" bldLvl="1" animBg="1" rev="0" advAuto="0" spid="131" grpId="6"/>
-      <p:bldP build="whole" bldLvl="1" animBg="1" rev="0" advAuto="0" spid="131" grpId="7"/>
-      <p:bldP build="whole" bldLvl="1" animBg="1" rev="0" advAuto="0" spid="133" grpId="1"/>
+      <p:bldP spid="131" grpId="6" animBg="1" advAuto="0"/>
+      <p:bldP spid="131" grpId="7" animBg="1" advAuto="0"/>
+      <p:bldP spid="132" grpId="8" animBg="1" advAuto="0"/>
+      <p:bldP spid="133" grpId="1" animBg="1" advAuto="0"/>
+      <p:bldP spid="134" grpId="2" animBg="1" advAuto="0"/>
+      <p:bldP spid="135" grpId="3" animBg="1" advAuto="0"/>
+      <p:bldP spid="136" grpId="4" animBg="1" advAuto="0"/>
+      <p:bldP spid="137" grpId="5" animBg="1" advAuto="0"/>
     </p:bldLst>
   </p:timing>
 </p:sld>
 </file>
 
 <file path=ppt/slides/slide20.xml><?xml version="1.0" encoding="utf-8"?>
-<p:sld xmlns:a="http://schemas.openxmlformats.org/drawingml/2006/main" xmlns:r="http://schemas.openxmlformats.org/officeDocument/2006/relationships" xmlns:p="http://schemas.openxmlformats.org/presentationml/2006/main" xmlns:m="http://schemas.openxmlformats.org/officeDocument/2006/math" xmlns:a14="http://schemas.microsoft.com/office/drawing/2010/main" showMasterSp="1" showMasterPhAnim="1">
+<p:sld xmlns:a="http://schemas.openxmlformats.org/drawingml/2006/main" xmlns:r="http://schemas.openxmlformats.org/officeDocument/2006/relationships" xmlns:p="http://schemas.openxmlformats.org/presentationml/2006/main">
   <p:cSld>
     <p:spTree>
       <p:nvGrpSpPr>
@@ -16540,6 +16790,7 @@
                   <a:sym typeface="Calibri"/>
                 </a:defRPr>
               </a:pPr>
+              <a:endParaRPr/>
             </a:p>
           </p:txBody>
         </p:sp>
@@ -16573,7 +16824,7 @@
             </a:bodyPr>
             <a:lstStyle/>
             <a:p>
-              <a:pPr/>
+              <a:endParaRPr/>
             </a:p>
           </p:txBody>
         </p:sp>
@@ -16617,6 +16868,7 @@
                   <a:sym typeface="Calibri"/>
                 </a:defRPr>
               </a:pPr>
+              <a:endParaRPr/>
             </a:p>
           </p:txBody>
         </p:sp>
@@ -16664,7 +16916,6 @@
               </a:lvl1pPr>
             </a:lstStyle>
             <a:p>
-              <a:pPr/>
               <a:r>
                 <a:t>在Activity中显示Fragment必须将Fragment添加到Activity中。</a:t>
               </a:r>
@@ -16726,6 +16977,7 @@
                   <a:sym typeface="Calibri"/>
                 </a:defRPr>
               </a:pPr>
+              <a:endParaRPr/>
             </a:p>
           </p:txBody>
         </p:sp>
@@ -16775,7 +17027,6 @@
               </a:lvl1pPr>
             </a:lstStyle>
             <a:p>
-              <a:pPr/>
               <a:r>
                 <a:t>数据传递方式</a:t>
               </a:r>
@@ -16986,6 +17237,12 @@
                   <a:sym typeface="Calibri"/>
                 </a:defRPr>
               </a:pPr>
+              <a:endParaRPr>
+                <a:latin typeface="微软雅黑"/>
+                <a:ea typeface="微软雅黑"/>
+                <a:cs typeface="微软雅黑"/>
+                <a:sym typeface="微软雅黑"/>
+              </a:endParaRPr>
             </a:p>
             <a:p>
               <a:pPr>
@@ -16999,6 +17256,12 @@
                   <a:sym typeface="Calibri"/>
                 </a:defRPr>
               </a:pPr>
+              <a:endParaRPr>
+                <a:latin typeface="微软雅黑"/>
+                <a:ea typeface="微软雅黑"/>
+                <a:cs typeface="微软雅黑"/>
+                <a:sym typeface="微软雅黑"/>
+              </a:endParaRPr>
             </a:p>
             <a:p>
               <a:pPr marL="285750" indent="-285750">
@@ -17246,14 +17509,14 @@
   <p:clrMapOvr>
     <a:masterClrMapping/>
   </p:clrMapOvr>
-  <p:transition xmlns:p14="http://schemas.microsoft.com/office/powerpoint/2010/main" spd="med" advClick="1"/>
+  <p:transition spd="med"/>
   <p:timing>
     <p:tnLst>
       <p:par>
-        <p:cTn id="1" nodeType="tmRoot" restart="never" dur="indefinite" fill="hold">
+        <p:cTn id="1" dur="indefinite" restart="never" fill="hold" nodeType="tmRoot">
           <p:childTnLst>
             <p:seq concurrent="1" prevAc="none" nextAc="seek">
-              <p:cTn id="2" nodeType="mainSeq" dur="indefinite" fill="hold">
+              <p:cTn id="2" dur="indefinite" fill="hold" nodeType="mainSeq">
                 <p:childTnLst>
                   <p:par>
                     <p:cTn id="3" fill="hold">
@@ -17268,11 +17531,11 @@
                             </p:stCondLst>
                             <p:childTnLst>
                               <p:par>
-                                <p:cTn id="5" presetClass="entr" nodeType="clickEffect" presetSubtype="4" presetID="2" grpId="1" fill="hold">
+                                <p:cTn id="5" presetID="2" presetClass="entr" presetSubtype="4" fill="hold" grpId="1" nodeType="clickEffect">
                                   <p:stCondLst>
                                     <p:cond delay="0"/>
                                   </p:stCondLst>
-                                  <p:iterate type="el" backwards="0">
+                                  <p:iterate>
                                     <p:tmAbs val="0"/>
                                   </p:iterate>
                                   <p:childTnLst>
@@ -17348,14 +17611,14 @@
                 </p:childTnLst>
               </p:cTn>
               <p:prevCondLst>
-                <p:cond evt="onPrev">
+                <p:cond evt="onPrev" delay="0">
                   <p:tgtEl>
                     <p:sldTgt/>
                   </p:tgtEl>
                 </p:cond>
               </p:prevCondLst>
               <p:nextCondLst>
-                <p:cond evt="onNext">
+                <p:cond evt="onNext" delay="0">
                   <p:tgtEl>
                     <p:sldTgt/>
                   </p:tgtEl>
@@ -17367,14 +17630,14 @@
       </p:par>
     </p:tnLst>
     <p:bldLst>
-      <p:bldP build="whole" bldLvl="1" animBg="1" rev="0" advAuto="0" spid="468" grpId="1"/>
+      <p:bldP spid="468" grpId="1" animBg="1" advAuto="0"/>
     </p:bldLst>
   </p:timing>
 </p:sld>
 </file>
 
 <file path=ppt/slides/slide21.xml><?xml version="1.0" encoding="utf-8"?>
-<p:sld xmlns:a="http://schemas.openxmlformats.org/drawingml/2006/main" xmlns:r="http://schemas.openxmlformats.org/officeDocument/2006/relationships" xmlns:p="http://schemas.openxmlformats.org/presentationml/2006/main" xmlns:m="http://schemas.openxmlformats.org/officeDocument/2006/math" xmlns:a14="http://schemas.microsoft.com/office/drawing/2010/main" showMasterSp="1" showMasterPhAnim="1">
+<p:sld xmlns:a="http://schemas.openxmlformats.org/drawingml/2006/main" xmlns:r="http://schemas.openxmlformats.org/officeDocument/2006/relationships" xmlns:p="http://schemas.openxmlformats.org/presentationml/2006/main">
   <p:cSld>
     <p:spTree>
       <p:nvGrpSpPr>
@@ -17513,6 +17776,7 @@
                   <a:sym typeface="Calibri"/>
                 </a:defRPr>
               </a:pPr>
+              <a:endParaRPr/>
             </a:p>
           </p:txBody>
         </p:sp>
@@ -17546,7 +17810,7 @@
             </a:bodyPr>
             <a:lstStyle/>
             <a:p>
-              <a:pPr/>
+              <a:endParaRPr/>
             </a:p>
           </p:txBody>
         </p:sp>
@@ -17590,6 +17854,7 @@
                   <a:sym typeface="Calibri"/>
                 </a:defRPr>
               </a:pPr>
+              <a:endParaRPr/>
             </a:p>
           </p:txBody>
         </p:sp>
@@ -17637,7 +17902,6 @@
               </a:lvl1pPr>
             </a:lstStyle>
             <a:p>
-              <a:pPr/>
               <a:r>
                 <a:t>Activity管理Fragment主要依靠FragmentManager。</a:t>
               </a:r>
@@ -17689,7 +17953,7 @@
             </a:bodyPr>
             <a:lstStyle/>
             <a:p>
-              <a:pPr/>
+              <a:endParaRPr/>
             </a:p>
           </p:txBody>
         </p:sp>
@@ -17723,7 +17987,7 @@
             </a:bodyPr>
             <a:lstStyle/>
             <a:p>
-              <a:pPr/>
+              <a:endParaRPr/>
             </a:p>
           </p:txBody>
         </p:sp>
@@ -17828,6 +18092,7 @@
                   <a:sym typeface="Calibri"/>
                 </a:defRPr>
               </a:pPr>
+              <a:endParaRPr/>
             </a:p>
             <a:p>
               <a:pPr marL="285750" indent="-285750">
@@ -17887,6 +18152,7 @@
                   <a:sym typeface="Calibri"/>
                 </a:defRPr>
               </a:pPr>
+              <a:endParaRPr/>
             </a:p>
             <a:p>
               <a:pPr marL="285750" indent="-285750">
@@ -17978,6 +18244,7 @@
                   <a:sym typeface="Calibri"/>
                 </a:defRPr>
               </a:pPr>
+              <a:endParaRPr/>
             </a:p>
           </p:txBody>
         </p:sp>
@@ -18074,12 +18341,12 @@
   <p:clrMapOvr>
     <a:masterClrMapping/>
   </p:clrMapOvr>
-  <p:transition xmlns:p14="http://schemas.microsoft.com/office/powerpoint/2010/main" spd="med" advClick="1"/>
+  <p:transition spd="med"/>
 </p:sld>
 </file>
 
 <file path=ppt/slides/slide22.xml><?xml version="1.0" encoding="utf-8"?>
-<p:sld xmlns:a="http://schemas.openxmlformats.org/drawingml/2006/main" xmlns:r="http://schemas.openxmlformats.org/officeDocument/2006/relationships" xmlns:p="http://schemas.openxmlformats.org/presentationml/2006/main" xmlns:m="http://schemas.openxmlformats.org/officeDocument/2006/math" xmlns:a14="http://schemas.microsoft.com/office/drawing/2010/main" showMasterSp="1" showMasterPhAnim="1">
+<p:sld xmlns:a="http://schemas.openxmlformats.org/drawingml/2006/main" xmlns:r="http://schemas.openxmlformats.org/officeDocument/2006/relationships" xmlns:p="http://schemas.openxmlformats.org/presentationml/2006/main">
   <p:cSld>
     <p:spTree>
       <p:nvGrpSpPr>
@@ -18150,6 +18417,7 @@
                   <a:sym typeface="Calibri"/>
                 </a:defRPr>
               </a:pPr>
+              <a:endParaRPr/>
             </a:p>
           </p:txBody>
         </p:sp>
@@ -18197,7 +18465,6 @@
               </a:lvl1pPr>
             </a:lstStyle>
             <a:p>
-              <a:pPr/>
               <a:r>
                 <a:t>4.5</a:t>
               </a:r>
@@ -18236,7 +18503,7 @@
             </a:cxnLst>
             <a:rect l="0" t="0" r="r" b="b"/>
             <a:pathLst>
-              <a:path w="19059" h="21600" fill="norm" stroke="1" extrusionOk="0">
+              <a:path w="19059" h="21600" extrusionOk="0">
                 <a:moveTo>
                   <a:pt x="3662" y="21600"/>
                 </a:moveTo>
@@ -18278,6 +18545,7 @@
                 <a:sym typeface="Calibri"/>
               </a:defRPr>
             </a:pPr>
+            <a:endParaRPr/>
           </a:p>
         </p:txBody>
       </p:sp>
@@ -18306,7 +18574,7 @@
           <a:bodyPr lIns="45718" tIns="45718" rIns="45718" bIns="45718"/>
           <a:lstStyle/>
           <a:p>
-            <a:pPr/>
+            <a:endParaRPr/>
           </a:p>
         </p:txBody>
       </p:sp>
@@ -18351,7 +18619,6 @@
             </a:lvl1pPr>
           </a:lstStyle>
           <a:p>
-            <a:pPr/>
             <a:r>
               <a:t>Fragment的生命周期</a:t>
             </a:r>
@@ -18383,7 +18650,7 @@
           <a:bodyPr lIns="45718" tIns="45718" rIns="45718" bIns="45718"/>
           <a:lstStyle/>
           <a:p>
-            <a:pPr/>
+            <a:endParaRPr/>
           </a:p>
         </p:txBody>
       </p:sp>
@@ -18412,7 +18679,7 @@
           <a:bodyPr lIns="45718" tIns="45718" rIns="45718" bIns="45718"/>
           <a:lstStyle/>
           <a:p>
-            <a:pPr/>
+            <a:endParaRPr/>
           </a:p>
         </p:txBody>
       </p:sp>
@@ -18421,12 +18688,12 @@
   <p:clrMapOvr>
     <a:masterClrMapping/>
   </p:clrMapOvr>
-  <p:transition xmlns:p14="http://schemas.microsoft.com/office/powerpoint/2010/main" spd="med" advClick="1"/>
+  <p:transition spd="med"/>
 </p:sld>
 </file>
 
 <file path=ppt/slides/slide23.xml><?xml version="1.0" encoding="utf-8"?>
-<p:sld xmlns:a="http://schemas.openxmlformats.org/drawingml/2006/main" xmlns:r="http://schemas.openxmlformats.org/officeDocument/2006/relationships" xmlns:p="http://schemas.openxmlformats.org/presentationml/2006/main" xmlns:m="http://schemas.openxmlformats.org/officeDocument/2006/math" xmlns:a14="http://schemas.microsoft.com/office/drawing/2010/main" showMasterSp="1" showMasterPhAnim="1">
+<p:sld xmlns:a="http://schemas.openxmlformats.org/drawingml/2006/main" xmlns:r="http://schemas.openxmlformats.org/officeDocument/2006/relationships" xmlns:p="http://schemas.openxmlformats.org/presentationml/2006/main">
   <p:cSld>
     <p:spTree>
       <p:nvGrpSpPr>
@@ -18486,7 +18753,7 @@
             </a:bodyPr>
             <a:lstStyle/>
             <a:p>
-              <a:pPr/>
+              <a:endParaRPr/>
             </a:p>
           </p:txBody>
         </p:sp>
@@ -18520,7 +18787,7 @@
             </a:bodyPr>
             <a:lstStyle/>
             <a:p>
-              <a:pPr/>
+              <a:endParaRPr/>
             </a:p>
           </p:txBody>
         </p:sp>
@@ -18554,7 +18821,7 @@
             </a:bodyPr>
             <a:lstStyle/>
             <a:p>
-              <a:pPr/>
+              <a:endParaRPr/>
             </a:p>
           </p:txBody>
         </p:sp>
@@ -18588,7 +18855,7 @@
             </a:bodyPr>
             <a:lstStyle/>
             <a:p>
-              <a:pPr/>
+              <a:endParaRPr/>
             </a:p>
           </p:txBody>
         </p:sp>
@@ -18634,6 +18901,7 @@
                   <a:sym typeface="Calibri"/>
                 </a:defRPr>
               </a:pPr>
+              <a:endParaRPr/>
             </a:p>
           </p:txBody>
         </p:sp>
@@ -18677,6 +18945,7 @@
                   <a:sym typeface="Calibri"/>
                 </a:defRPr>
               </a:pPr>
+              <a:endParaRPr/>
             </a:p>
           </p:txBody>
         </p:sp>
@@ -18720,6 +18989,7 @@
                   <a:sym typeface="Calibri"/>
                 </a:defRPr>
               </a:pPr>
+              <a:endParaRPr/>
             </a:p>
           </p:txBody>
         </p:sp>
@@ -18765,6 +19035,7 @@
                   <a:sym typeface="Calibri"/>
                 </a:defRPr>
               </a:pPr>
+              <a:endParaRPr/>
             </a:p>
           </p:txBody>
         </p:sp>
@@ -18877,7 +19148,6 @@
               </a:lvl1pPr>
             </a:lstStyle>
             <a:p>
-              <a:pPr/>
               <a:r>
                 <a:t>停止状态</a:t>
               </a:r>
@@ -18928,7 +19198,6 @@
               </a:lvl1pPr>
             </a:lstStyle>
             <a:p>
-              <a:pPr/>
               <a:r>
                 <a:t>暂停状态</a:t>
               </a:r>
@@ -18979,7 +19248,6 @@
               </a:lvl1pPr>
             </a:lstStyle>
             <a:p>
-              <a:pPr/>
               <a:r>
                 <a:t>销毁状态</a:t>
               </a:r>
@@ -19017,7 +19285,7 @@
               </a:cxnLst>
               <a:rect l="0" t="0" r="r" b="b"/>
               <a:pathLst>
-                <a:path w="21600" h="21600" fill="norm" stroke="1" extrusionOk="0">
+                <a:path w="21600" h="21600" extrusionOk="0">
                   <a:moveTo>
                     <a:pt x="0" y="0"/>
                   </a:moveTo>
@@ -19053,6 +19321,7 @@
                   <a:sym typeface="Calibri"/>
                 </a:defRPr>
               </a:pPr>
+              <a:endParaRPr/>
             </a:p>
           </p:txBody>
         </p:sp>
@@ -19087,7 +19356,7 @@
               </a:cxnLst>
               <a:rect l="0" t="0" r="r" b="b"/>
               <a:pathLst>
-                <a:path w="21600" h="21600" fill="norm" stroke="1" extrusionOk="0">
+                <a:path w="21600" h="21600" extrusionOk="0">
                   <a:moveTo>
                     <a:pt x="0" y="0"/>
                   </a:moveTo>
@@ -19123,6 +19392,7 @@
                   <a:sym typeface="Calibri"/>
                 </a:defRPr>
               </a:pPr>
+              <a:endParaRPr/>
             </a:p>
           </p:txBody>
         </p:sp>
@@ -19157,7 +19427,7 @@
               </a:cxnLst>
               <a:rect l="0" t="0" r="r" b="b"/>
               <a:pathLst>
-                <a:path w="21600" h="21600" fill="norm" stroke="1" extrusionOk="0">
+                <a:path w="21600" h="21600" extrusionOk="0">
                   <a:moveTo>
                     <a:pt x="0" y="0"/>
                   </a:moveTo>
@@ -19193,6 +19463,7 @@
                   <a:sym typeface="Calibri"/>
                 </a:defRPr>
               </a:pPr>
+              <a:endParaRPr/>
             </a:p>
           </p:txBody>
         </p:sp>
@@ -19227,7 +19498,7 @@
               </a:cxnLst>
               <a:rect l="0" t="0" r="r" b="b"/>
               <a:pathLst>
-                <a:path w="21600" h="21600" fill="norm" stroke="1" extrusionOk="0">
+                <a:path w="21600" h="21600" extrusionOk="0">
                   <a:moveTo>
                     <a:pt x="0" y="0"/>
                   </a:moveTo>
@@ -19263,6 +19534,7 @@
                   <a:sym typeface="Calibri"/>
                 </a:defRPr>
               </a:pPr>
+              <a:endParaRPr/>
             </a:p>
           </p:txBody>
         </p:sp>
@@ -19292,7 +19564,7 @@
           <a:bodyPr lIns="45718" tIns="45718" rIns="45718" bIns="45718"/>
           <a:lstStyle/>
           <a:p>
-            <a:pPr/>
+            <a:endParaRPr/>
           </a:p>
         </p:txBody>
       </p:sp>
@@ -19321,7 +19593,7 @@
           <a:bodyPr lIns="45718" tIns="45718" rIns="45718" bIns="45718"/>
           <a:lstStyle/>
           <a:p>
-            <a:pPr/>
+            <a:endParaRPr/>
           </a:p>
         </p:txBody>
       </p:sp>
@@ -19366,7 +19638,6 @@
             </a:lvl1pPr>
           </a:lstStyle>
           <a:p>
-            <a:pPr/>
             <a:r>
               <a:t>生命周期</a:t>
             </a:r>
@@ -19675,12 +19946,12 @@
   <p:clrMapOvr>
     <a:masterClrMapping/>
   </p:clrMapOvr>
-  <p:transition xmlns:p14="http://schemas.microsoft.com/office/powerpoint/2010/main" spd="med" advClick="1"/>
+  <p:transition spd="med"/>
 </p:sld>
 </file>
 
 <file path=ppt/slides/slide24.xml><?xml version="1.0" encoding="utf-8"?>
-<p:sld xmlns:a="http://schemas.openxmlformats.org/drawingml/2006/main" xmlns:r="http://schemas.openxmlformats.org/officeDocument/2006/relationships" xmlns:p="http://schemas.openxmlformats.org/presentationml/2006/main" xmlns:m="http://schemas.openxmlformats.org/officeDocument/2006/math" xmlns:a14="http://schemas.microsoft.com/office/drawing/2010/main" showMasterSp="1" showMasterPhAnim="1">
+<p:sld xmlns:a="http://schemas.openxmlformats.org/drawingml/2006/main" xmlns:r="http://schemas.openxmlformats.org/officeDocument/2006/relationships" xmlns:p="http://schemas.openxmlformats.org/presentationml/2006/main">
   <p:cSld>
     <p:spTree>
       <p:nvGrpSpPr>
@@ -19765,6 +20036,7 @@
                     <a:sym typeface="Calibri"/>
                   </a:defRPr>
                 </a:pPr>
+                <a:endParaRPr/>
               </a:p>
             </p:txBody>
           </p:sp>
@@ -19812,7 +20084,6 @@
                 </a:lvl1pPr>
               </a:lstStyle>
               <a:p>
-                <a:pPr/>
                 <a:r>
                   <a:t>4.6</a:t>
                 </a:r>
@@ -19851,7 +20122,7 @@
               </a:cxnLst>
               <a:rect l="0" t="0" r="r" b="b"/>
               <a:pathLst>
-                <a:path w="19059" h="21600" fill="norm" stroke="1" extrusionOk="0">
+                <a:path w="19059" h="21600" extrusionOk="0">
                   <a:moveTo>
                     <a:pt x="3662" y="21600"/>
                   </a:moveTo>
@@ -19897,6 +20168,7 @@
                   <a:sym typeface="Calibri"/>
                 </a:defRPr>
               </a:pPr>
+              <a:endParaRPr/>
             </a:p>
           </p:txBody>
         </p:sp>
@@ -19930,7 +20202,7 @@
             </a:bodyPr>
             <a:lstStyle/>
             <a:p>
-              <a:pPr/>
+              <a:endParaRPr/>
             </a:p>
           </p:txBody>
         </p:sp>
@@ -19976,7 +20248,6 @@
             </a:lvl1pPr>
           </a:lstStyle>
           <a:p>
-            <a:pPr/>
             <a:r>
               <a:t>本章小结</a:t>
             </a:r>
@@ -20008,7 +20279,7 @@
           <a:bodyPr lIns="45718" tIns="45718" rIns="45718" bIns="45718"/>
           <a:lstStyle/>
           <a:p>
-            <a:pPr/>
+            <a:endParaRPr/>
           </a:p>
         </p:txBody>
       </p:sp>
@@ -20037,7 +20308,7 @@
           <a:bodyPr lIns="45718" tIns="45718" rIns="45718" bIns="45718"/>
           <a:lstStyle/>
           <a:p>
-            <a:pPr/>
+            <a:endParaRPr/>
           </a:p>
         </p:txBody>
       </p:sp>
@@ -20085,7 +20356,7 @@
             <a:lstStyle/>
             <a:p>
               <a:pPr algn="ctr">
-                <a:defRPr b="1" sz="2800">
+                <a:defRPr sz="2800" b="1">
                   <a:solidFill>
                     <a:srgbClr val="FFFFFF"/>
                   </a:solidFill>
@@ -20095,6 +20366,7 @@
                   <a:sym typeface="Calibri"/>
                 </a:defRPr>
               </a:pPr>
+              <a:endParaRPr/>
             </a:p>
           </p:txBody>
         </p:sp>
@@ -20145,7 +20417,7 @@
                 <a:t>深入理解</a:t>
               </a:r>
               <a:r>
-                <a:rPr b="1" sz="2800">
+                <a:rPr sz="2800" b="1">
                   <a:latin typeface="+mj-lt"/>
                   <a:ea typeface="+mj-ea"/>
                   <a:cs typeface="+mj-cs"/>
@@ -20157,7 +20429,7 @@
                 <a:t>与</a:t>
               </a:r>
               <a:r>
-                <a:rPr b="1" sz="2800">
+                <a:rPr sz="2800" b="1">
                   <a:latin typeface="+mj-lt"/>
                   <a:ea typeface="+mj-ea"/>
                   <a:cs typeface="+mj-cs"/>
@@ -20380,18 +20652,19 @@
   <p:clrMapOvr>
     <a:masterClrMapping/>
   </p:clrMapOvr>
-  <p:transition xmlns:p14="http://schemas.microsoft.com/office/powerpoint/2010/main" spd="med" advClick="1"/>
+  <p:transition spd="med"/>
 </p:sld>
 </file>
 
 <file path=ppt/slides/slide25.xml><?xml version="1.0" encoding="utf-8"?>
-<p:sld xmlns:a="http://schemas.openxmlformats.org/drawingml/2006/main" xmlns:r="http://schemas.openxmlformats.org/officeDocument/2006/relationships" xmlns:p="http://schemas.openxmlformats.org/presentationml/2006/main" xmlns:m="http://schemas.openxmlformats.org/officeDocument/2006/math" xmlns:a14="http://schemas.microsoft.com/office/drawing/2010/main" showMasterSp="1" showMasterPhAnim="1">
+<p:sld xmlns:a="http://schemas.openxmlformats.org/drawingml/2006/main" xmlns:r="http://schemas.openxmlformats.org/officeDocument/2006/relationships" xmlns:p="http://schemas.openxmlformats.org/presentationml/2006/main">
   <p:cSld>
     <p:bg>
       <p:bgPr>
         <a:solidFill>
           <a:srgbClr val="FFFFFF"/>
         </a:solidFill>
+        <a:effectLst/>
       </p:bgPr>
     </p:bg>
     <p:spTree>
@@ -20411,7 +20684,9 @@
       <p:sp>
         <p:nvSpPr>
           <p:cNvPr id="536" name="标题 1"/>
-          <p:cNvSpPr txBox="1"/>
+          <p:cNvSpPr txBox="1">
+            <a:spLocks noGrp="1"/>
+          </p:cNvSpPr>
           <p:nvPr>
             <p:ph type="title"/>
           </p:nvPr>
@@ -20429,7 +20704,6 @@
           <a:bodyPr/>
           <a:lstStyle/>
           <a:p>
-            <a:pPr/>
             <a:r>
               <a:t>Home Work2: Android </a:t>
             </a:r>
@@ -20448,7 +20722,9 @@
       <p:sp>
         <p:nvSpPr>
           <p:cNvPr id="537" name="内容占位符 2"/>
-          <p:cNvSpPr txBox="1"/>
+          <p:cNvSpPr txBox="1">
+            <a:spLocks noGrp="1"/>
+          </p:cNvSpPr>
           <p:nvPr>
             <p:ph type="body" idx="1"/>
           </p:nvPr>
@@ -20478,6 +20754,7 @@
               </a:defRPr>
             </a:pPr>
             <a:r>
+              <a:rPr dirty="0"/>
               <a:t>参考</a:t>
             </a:r>
           </a:p>
@@ -20498,8 +20775,8 @@
               </a:defRPr>
             </a:pPr>
             <a:r>
-              <a:rPr>
-                <a:hlinkClick r:id="rId2" invalidUrl="" action="" tgtFrame="" tooltip="" history="1" highlightClick="0" endSnd="0"/>
+              <a:rPr dirty="0">
+                <a:hlinkClick r:id="rId2"/>
               </a:rPr>
               <a:t>https://www.ibm.com/developerworks/cn/xml/tutorials/x-andddyntut/</a:t>
             </a:r>
@@ -20512,6 +20789,7 @@
               <a:defRPr sz="2492"/>
             </a:pPr>
             <a:r>
+              <a:rPr dirty="0"/>
               <a:t>服务器端信息：</a:t>
             </a:r>
           </a:p>
@@ -20553,10 +20831,15 @@
               </a:defRPr>
             </a:pPr>
             <a:r>
+              <a:rPr b="1" dirty="0">
+                <a:solidFill>
+                  <a:schemeClr val="tx1"/>
+                </a:solidFill>
+              </a:rPr>
               <a:t>xmlgui1.xml:   </a:t>
             </a:r>
             <a:r>
-              <a:rPr u="sng">
+              <a:rPr u="sng" dirty="0">
                 <a:solidFill>
                   <a:srgbClr val="0000FF"/>
                 </a:solidFill>
@@ -20565,7 +20848,7 @@
                     <a:srgbClr val="0000FF"/>
                   </a:solidFill>
                 </a:uFill>
-                <a:hlinkClick r:id="rId3" invalidUrl="" action="" tgtFrame="" tooltip="" history="1" highlightClick="0" endSnd="0"/>
+                <a:hlinkClick r:id="rId3"/>
               </a:rPr>
               <a:t>http://47.95.215.87:8080/onlinetable/xmlgui1.xml</a:t>
             </a:r>
@@ -20608,10 +20891,15 @@
               </a:defRPr>
             </a:pPr>
             <a:r>
+              <a:rPr dirty="0">
+                <a:solidFill>
+                  <a:schemeClr val="tx1"/>
+                </a:solidFill>
+              </a:rPr>
               <a:t>xmlgui2.xml:   </a:t>
             </a:r>
             <a:r>
-              <a:rPr u="sng">
+              <a:rPr u="sng" dirty="0">
                 <a:solidFill>
                   <a:srgbClr val="0000FF"/>
                 </a:solidFill>
@@ -20620,7 +20908,7 @@
                     <a:srgbClr val="0000FF"/>
                   </a:solidFill>
                 </a:uFill>
-                <a:hlinkClick r:id="rId4" invalidUrl="" action="" tgtFrame="" tooltip="" history="1" highlightClick="0" endSnd="0"/>
+                <a:hlinkClick r:id="rId4"/>
               </a:rPr>
               <a:t>http://47.95.215.87:8080/onlinetable/xmlgui2.xml</a:t>
             </a:r>
@@ -20662,9 +20950,7 @@
                 <a:sym typeface="Monaco"/>
               </a:defRPr>
             </a:pPr>
-            <a:r>
-              <a:t>xmlgui1-post.php http://47.95.215.87:8080/onlinetable/xmlgui1-post.php</a:t>
-            </a:r>
+            <a:endParaRPr dirty="0"/>
           </a:p>
           <a:p>
             <a:pPr marL="0" indent="0">
@@ -20703,6 +20989,7 @@
                 <a:sym typeface="Monaco"/>
               </a:defRPr>
             </a:pPr>
+            <a:endParaRPr dirty="0"/>
           </a:p>
           <a:p>
             <a:pPr marL="203454" indent="-203454" defTabSz="813816">
@@ -20712,6 +20999,7 @@
               <a:defRPr sz="2492"/>
             </a:pPr>
             <a:r>
+              <a:rPr dirty="0"/>
               <a:t>作业截止时间北京时间11月30后23:59</a:t>
             </a:r>
           </a:p>
@@ -20722,6 +21010,7 @@
               </a:spcBef>
               <a:defRPr sz="2492"/>
             </a:pPr>
+            <a:endParaRPr dirty="0"/>
           </a:p>
           <a:p>
             <a:pPr marL="203454" indent="-203454" defTabSz="813816">
@@ -20731,10 +21020,11 @@
               <a:defRPr sz="2492"/>
             </a:pPr>
             <a:r>
+              <a:rPr dirty="0"/>
               <a:t>作业提交内容（1）实验报告；（2）源代码（</a:t>
             </a:r>
             <a:r>
-              <a:rPr>
+              <a:rPr dirty="0">
                 <a:solidFill>
                   <a:srgbClr val="FB107B"/>
                 </a:solidFill>
@@ -20742,6 +21032,7 @@
               <a:t>只需要源代码部分</a:t>
             </a:r>
             <a:r>
+              <a:rPr dirty="0"/>
               <a:t>）。</a:t>
             </a:r>
           </a:p>
@@ -20752,18 +21043,19 @@
   <p:clrMapOvr>
     <a:masterClrMapping/>
   </p:clrMapOvr>
-  <p:transition xmlns:p14="http://schemas.microsoft.com/office/powerpoint/2010/main" spd="med" advClick="1"/>
+  <p:transition spd="med"/>
 </p:sld>
 </file>
 
 <file path=ppt/slides/slide26.xml><?xml version="1.0" encoding="utf-8"?>
-<p:sld xmlns:a="http://schemas.openxmlformats.org/drawingml/2006/main" xmlns:r="http://schemas.openxmlformats.org/officeDocument/2006/relationships" xmlns:p="http://schemas.openxmlformats.org/presentationml/2006/main" xmlns:m="http://schemas.openxmlformats.org/officeDocument/2006/math" xmlns:a14="http://schemas.microsoft.com/office/drawing/2010/main" showMasterSp="1" showMasterPhAnim="1">
+<p:sld xmlns:a="http://schemas.openxmlformats.org/drawingml/2006/main" xmlns:r="http://schemas.openxmlformats.org/officeDocument/2006/relationships" xmlns:p="http://schemas.openxmlformats.org/presentationml/2006/main">
   <p:cSld>
     <p:bg>
       <p:bgPr>
         <a:solidFill>
           <a:srgbClr val="FFFFFF"/>
         </a:solidFill>
+        <a:effectLst/>
       </p:bgPr>
     </p:bg>
     <p:spTree>
@@ -20783,7 +21075,9 @@
       <p:sp>
         <p:nvSpPr>
           <p:cNvPr id="539" name="标题"/>
-          <p:cNvSpPr txBox="1"/>
+          <p:cNvSpPr txBox="1">
+            <a:spLocks noGrp="1"/>
+          </p:cNvSpPr>
           <p:nvPr>
             <p:ph type="title"/>
           </p:nvPr>
@@ -20801,14 +21095,16 @@
           <a:bodyPr/>
           <a:lstStyle/>
           <a:p>
-            <a:pPr/>
+            <a:endParaRPr/>
           </a:p>
         </p:txBody>
       </p:sp>
       <p:sp>
         <p:nvSpPr>
           <p:cNvPr id="540" name="正文"/>
-          <p:cNvSpPr txBox="1"/>
+          <p:cNvSpPr txBox="1">
+            <a:spLocks noGrp="1"/>
+          </p:cNvSpPr>
           <p:nvPr>
             <p:ph type="body" idx="1"/>
           </p:nvPr>
@@ -20826,7 +21122,7 @@
           <a:bodyPr/>
           <a:lstStyle/>
           <a:p>
-            <a:pPr/>
+            <a:endParaRPr/>
           </a:p>
         </p:txBody>
       </p:sp>
@@ -20855,7 +21151,7 @@
         </p:spPr>
         <p:txBody>
           <a:bodyPr lIns="45718" tIns="45718" rIns="45718" bIns="45718">
-            <a:normAutofit fontScale="100000" lnSpcReduction="0"/>
+            <a:normAutofit/>
           </a:bodyPr>
           <a:lstStyle/>
           <a:p>
@@ -20902,7 +21198,7 @@
                     <a:srgbClr val="0000FF"/>
                   </a:solidFill>
                 </a:uFill>
-                <a:hlinkClick r:id="rId2" invalidUrl="" action="" tgtFrame="" tooltip="" history="1" highlightClick="0" endSnd="0"/>
+                <a:hlinkClick r:id="rId2"/>
               </a:rPr>
               <a:t>172.18.5.102</a:t>
             </a:r>
@@ -20963,7 +21259,7 @@
             </a:endParaRPr>
           </a:p>
           <a:p>
-            <a:pPr lvl="1" marL="685800" indent="-228600">
+            <a:pPr marL="685800" lvl="1" indent="-228600">
               <a:lnSpc>
                 <a:spcPct val="90000"/>
               </a:lnSpc>
@@ -21012,7 +21308,7 @@
             </a:endParaRPr>
           </a:p>
           <a:p>
-            <a:pPr lvl="1" marL="685800" indent="-228600">
+            <a:pPr marL="685800" lvl="1" indent="-228600">
               <a:lnSpc>
                 <a:spcPct val="90000"/>
               </a:lnSpc>
@@ -21061,18 +21357,19 @@
   <p:clrMapOvr>
     <a:masterClrMapping/>
   </p:clrMapOvr>
-  <p:transition xmlns:p14="http://schemas.microsoft.com/office/powerpoint/2010/main" spd="med" advClick="1"/>
+  <p:transition spd="med"/>
 </p:sld>
 </file>
 
 <file path=ppt/slides/slide27.xml><?xml version="1.0" encoding="utf-8"?>
-<p:sld xmlns:a="http://schemas.openxmlformats.org/drawingml/2006/main" xmlns:r="http://schemas.openxmlformats.org/officeDocument/2006/relationships" xmlns:p="http://schemas.openxmlformats.org/presentationml/2006/main" xmlns:m="http://schemas.openxmlformats.org/officeDocument/2006/math" xmlns:a14="http://schemas.microsoft.com/office/drawing/2010/main" showMasterSp="1" showMasterPhAnim="1">
+<p:sld xmlns:a="http://schemas.openxmlformats.org/drawingml/2006/main" xmlns:r="http://schemas.openxmlformats.org/officeDocument/2006/relationships" xmlns:p="http://schemas.openxmlformats.org/presentationml/2006/main">
   <p:cSld>
     <p:bg>
       <p:bgPr>
         <a:solidFill>
           <a:srgbClr val="FFFFFF"/>
         </a:solidFill>
+        <a:effectLst/>
       </p:bgPr>
     </p:bg>
     <p:spTree>
@@ -21092,7 +21389,9 @@
       <p:sp>
         <p:nvSpPr>
           <p:cNvPr id="543" name="Home Work2: Android 在线表单要求"/>
-          <p:cNvSpPr txBox="1"/>
+          <p:cNvSpPr txBox="1">
+            <a:spLocks noGrp="1"/>
+          </p:cNvSpPr>
           <p:nvPr>
             <p:ph type="title"/>
           </p:nvPr>
@@ -21110,7 +21409,6 @@
           <a:bodyPr/>
           <a:lstStyle/>
           <a:p>
-            <a:pPr/>
             <a:r>
               <a:t>Home Work2: Android </a:t>
             </a:r>
@@ -21164,7 +21462,6 @@
             </a:lvl1pPr>
           </a:lstStyle>
           <a:p>
-            <a:pPr/>
             <a:r>
               <a:t>1.分析清楚IBM已有代码的流程和各部分的作用。初步认识实际app开发的方式。</a:t>
             </a:r>
@@ -21209,7 +21506,6 @@
             </a:lvl1pPr>
           </a:lstStyle>
           <a:p>
-            <a:pPr/>
             <a:r>
               <a:t>3.当xml表单的扩展：当表单中含有1中的相应属性时app在在线渲染时自动填充相应内容（属性设置内容）。</a:t>
             </a:r>
@@ -21254,7 +21550,6 @@
             </a:lvl1pPr>
           </a:lstStyle>
           <a:p>
-            <a:pPr/>
             <a:r>
               <a:t>2. 拥有一个属性设置界面设置。完成设置姓名，学号，出生年月，年龄，民族，籍贯等信息的配置。</a:t>
             </a:r>
@@ -21266,18 +21561,19 @@
   <p:clrMapOvr>
     <a:masterClrMapping/>
   </p:clrMapOvr>
-  <p:transition xmlns:p14="http://schemas.microsoft.com/office/powerpoint/2010/main" spd="med" advClick="1"/>
+  <p:transition spd="med"/>
 </p:sld>
 </file>
 
 <file path=ppt/slides/slide28.xml><?xml version="1.0" encoding="utf-8"?>
-<p:sld xmlns:a="http://schemas.openxmlformats.org/drawingml/2006/main" xmlns:r="http://schemas.openxmlformats.org/officeDocument/2006/relationships" xmlns:p="http://schemas.openxmlformats.org/presentationml/2006/main" xmlns:m="http://schemas.openxmlformats.org/officeDocument/2006/math" xmlns:a14="http://schemas.microsoft.com/office/drawing/2010/main" showMasterSp="1" showMasterPhAnim="1">
+<p:sld xmlns:a="http://schemas.openxmlformats.org/drawingml/2006/main" xmlns:r="http://schemas.openxmlformats.org/officeDocument/2006/relationships" xmlns:p="http://schemas.openxmlformats.org/presentationml/2006/main">
   <p:cSld>
     <p:bg>
       <p:bgPr>
         <a:solidFill>
           <a:srgbClr val="FFFFFF"/>
         </a:solidFill>
+        <a:effectLst/>
       </p:bgPr>
     </p:bg>
     <p:spTree>
@@ -21297,7 +21593,9 @@
       <p:sp>
         <p:nvSpPr>
           <p:cNvPr id="548" name="3.当XML表单的具体扩展"/>
-          <p:cNvSpPr txBox="1"/>
+          <p:cNvSpPr txBox="1">
+            <a:spLocks noGrp="1"/>
+          </p:cNvSpPr>
           <p:nvPr>
             <p:ph type="title"/>
           </p:nvPr>
@@ -21319,7 +21617,6 @@
             </a:lvl1pPr>
           </a:lstStyle>
           <a:p>
-            <a:pPr/>
             <a:r>
               <a:t>3.当XML表单的具体扩展</a:t>
             </a:r>
@@ -21329,7 +21626,9 @@
       <p:sp>
         <p:nvSpPr>
           <p:cNvPr id="549" name="&lt;?xml version=&quot;1.0&quot; encoding=&quot;utf-8&quot;?&gt;…"/>
-          <p:cNvSpPr txBox="1"/>
+          <p:cNvSpPr txBox="1">
+            <a:spLocks noGrp="1"/>
+          </p:cNvSpPr>
           <p:nvPr>
             <p:ph type="body" idx="1"/>
           </p:nvPr>
@@ -21936,6 +22235,7 @@
                   <a:sym typeface="Calibri"/>
                 </a:defRPr>
               </a:pPr>
+              <a:endParaRPr/>
             </a:p>
           </p:txBody>
         </p:sp>
@@ -21980,7 +22280,6 @@
               </a:lvl1pPr>
             </a:lstStyle>
             <a:p>
-              <a:pPr/>
               <a:r>
                 <a:t>当app渲染是自动在这个文本框中填入属性设置中“姓名”的内容。例如这里会自动填充“张三”</a:t>
               </a:r>
@@ -22013,7 +22312,7 @@
           <a:bodyPr lIns="45718" tIns="45718" rIns="45718" bIns="45718"/>
           <a:lstStyle/>
           <a:p>
-            <a:pPr/>
+            <a:endParaRPr/>
           </a:p>
         </p:txBody>
       </p:sp>
@@ -22022,12 +22321,12 @@
   <p:clrMapOvr>
     <a:masterClrMapping/>
   </p:clrMapOvr>
-  <p:transition xmlns:p14="http://schemas.microsoft.com/office/powerpoint/2010/main" spd="med" advClick="1"/>
+  <p:transition spd="med"/>
 </p:sld>
 </file>
 
 <file path=ppt/slides/slide3.xml><?xml version="1.0" encoding="utf-8"?>
-<p:sld xmlns:a="http://schemas.openxmlformats.org/drawingml/2006/main" xmlns:r="http://schemas.openxmlformats.org/officeDocument/2006/relationships" xmlns:p="http://schemas.openxmlformats.org/presentationml/2006/main" xmlns:m="http://schemas.openxmlformats.org/officeDocument/2006/math" xmlns:a14="http://schemas.microsoft.com/office/drawing/2010/main" showMasterSp="1" showMasterPhAnim="1">
+<p:sld xmlns:a="http://schemas.openxmlformats.org/drawingml/2006/main" xmlns:r="http://schemas.openxmlformats.org/officeDocument/2006/relationships" xmlns:p="http://schemas.openxmlformats.org/presentationml/2006/main">
   <p:cSld>
     <p:spTree>
       <p:nvGrpSpPr>
@@ -22098,6 +22397,7 @@
                   <a:sym typeface="Calibri"/>
                 </a:defRPr>
               </a:pPr>
+              <a:endParaRPr/>
             </a:p>
           </p:txBody>
         </p:sp>
@@ -22145,7 +22445,6 @@
               </a:lvl1pPr>
             </a:lstStyle>
             <a:p>
-              <a:pPr/>
               <a:r>
                 <a:t>4.1</a:t>
               </a:r>
@@ -22184,7 +22483,7 @@
             </a:cxnLst>
             <a:rect l="0" t="0" r="r" b="b"/>
             <a:pathLst>
-              <a:path w="19059" h="21600" fill="norm" stroke="1" extrusionOk="0">
+              <a:path w="19059" h="21600" extrusionOk="0">
                 <a:moveTo>
                   <a:pt x="3662" y="21600"/>
                 </a:moveTo>
@@ -22226,6 +22525,7 @@
                 <a:sym typeface="Calibri"/>
               </a:defRPr>
             </a:pPr>
+            <a:endParaRPr/>
           </a:p>
         </p:txBody>
       </p:sp>
@@ -22254,7 +22554,7 @@
           <a:bodyPr lIns="45718" tIns="45718" rIns="45718" bIns="45718"/>
           <a:lstStyle/>
           <a:p>
-            <a:pPr/>
+            <a:endParaRPr/>
           </a:p>
         </p:txBody>
       </p:sp>
@@ -22299,7 +22599,6 @@
             </a:lvl1pPr>
           </a:lstStyle>
           <a:p>
-            <a:pPr/>
             <a:r>
               <a:t>建立、配置和使用Activity</a:t>
             </a:r>
@@ -22331,7 +22630,7 @@
           <a:bodyPr lIns="45718" tIns="45718" rIns="45718" bIns="45718"/>
           <a:lstStyle/>
           <a:p>
-            <a:pPr/>
+            <a:endParaRPr/>
           </a:p>
         </p:txBody>
       </p:sp>
@@ -22360,7 +22659,7 @@
           <a:bodyPr lIns="45718" tIns="45718" rIns="45718" bIns="45718"/>
           <a:lstStyle/>
           <a:p>
-            <a:pPr/>
+            <a:endParaRPr/>
           </a:p>
         </p:txBody>
       </p:sp>
@@ -22369,22 +22668,23 @@
   <p:clrMapOvr>
     <a:masterClrMapping/>
   </p:clrMapOvr>
-  <p:transition xmlns:p14="http://schemas.microsoft.com/office/powerpoint/2010/main" spd="med" advClick="1"/>
+  <p:transition spd="med"/>
 </p:sld>
 </file>
 
 <file path=ppt/slides/slide4.xml><?xml version="1.0" encoding="utf-8"?>
-<p:sld xmlns:a="http://schemas.openxmlformats.org/drawingml/2006/main" xmlns:r="http://schemas.openxmlformats.org/officeDocument/2006/relationships" xmlns:p="http://schemas.openxmlformats.org/presentationml/2006/main" xmlns:m="http://schemas.openxmlformats.org/officeDocument/2006/math" xmlns:a14="http://schemas.microsoft.com/office/drawing/2010/main" showMasterSp="1" showMasterPhAnim="1">
+<p:sld xmlns:a="http://schemas.openxmlformats.org/drawingml/2006/main" xmlns:r="http://schemas.openxmlformats.org/officeDocument/2006/relationships" xmlns:p="http://schemas.openxmlformats.org/presentationml/2006/main">
   <p:cSld>
     <p:bg>
       <p:bgPr>
         <a:blipFill rotWithShape="1">
           <a:blip r:embed="rId3"/>
-          <a:srcRect l="0" t="0" r="0" b="0"/>
+          <a:srcRect/>
           <a:stretch>
             <a:fillRect/>
           </a:stretch>
         </a:blipFill>
+        <a:effectLst/>
       </p:bgPr>
     </p:bg>
     <p:spTree>
@@ -22457,6 +22757,7 @@
                   <a:sym typeface="Calibri"/>
                 </a:defRPr>
               </a:pPr>
+              <a:endParaRPr/>
             </a:p>
           </p:txBody>
         </p:sp>
@@ -22504,7 +22805,6 @@
               </a:lvl1pPr>
             </a:lstStyle>
             <a:p>
-              <a:pPr/>
               <a:r>
                 <a:t>4.1.1 Activity</a:t>
               </a:r>
@@ -22541,7 +22841,7 @@
             </a:bodyPr>
             <a:lstStyle/>
             <a:p>
-              <a:pPr/>
+              <a:endParaRPr/>
             </a:p>
           </p:txBody>
         </p:sp>
@@ -22585,6 +22885,7 @@
                   <a:sym typeface="Calibri"/>
                 </a:defRPr>
               </a:pPr>
+              <a:endParaRPr/>
             </a:p>
           </p:txBody>
         </p:sp>
@@ -22632,7 +22933,6 @@
               </a:lvl1pPr>
             </a:lstStyle>
             <a:p>
-              <a:pPr/>
               <a:r>
                 <a:t>Activity是Android应用中负责与用户交互的组件。</a:t>
               </a:r>
@@ -22709,6 +23009,7 @@
                     <a:sym typeface="Calibri"/>
                   </a:defRPr>
                 </a:pPr>
+                <a:endParaRPr/>
               </a:p>
             </p:txBody>
           </p:sp>
@@ -22753,6 +23054,7 @@
                     <a:sym typeface="Calibri"/>
                   </a:defRPr>
                 </a:pPr>
+                <a:endParaRPr/>
               </a:p>
             </p:txBody>
           </p:sp>
@@ -22797,6 +23099,7 @@
                     <a:sym typeface="Calibri"/>
                   </a:defRPr>
                 </a:pPr>
+                <a:endParaRPr/>
               </a:p>
             </p:txBody>
           </p:sp>
@@ -22841,6 +23144,7 @@
                   <a:sym typeface="Calibri"/>
                 </a:defRPr>
               </a:pPr>
+              <a:endParaRPr/>
             </a:p>
           </p:txBody>
         </p:sp>
@@ -22884,6 +23188,7 @@
                   <a:sym typeface="Calibri"/>
                 </a:defRPr>
               </a:pPr>
+              <a:endParaRPr/>
             </a:p>
           </p:txBody>
         </p:sp>
@@ -22927,6 +23232,7 @@
                   <a:sym typeface="Calibri"/>
                 </a:defRPr>
               </a:pPr>
+              <a:endParaRPr/>
             </a:p>
           </p:txBody>
         </p:sp>
@@ -22962,7 +23268,7 @@
             </a:bodyPr>
             <a:lstStyle>
               <a:lvl1pPr>
-                <a:defRPr b="1" sz="4000">
+                <a:defRPr sz="4000" b="1">
                   <a:solidFill>
                     <a:srgbClr val="FFFFFF"/>
                   </a:solidFill>
@@ -22974,7 +23280,6 @@
               </a:lvl1pPr>
             </a:lstStyle>
             <a:p>
-              <a:pPr/>
               <a:r>
                 <a:t>案例</a:t>
               </a:r>
@@ -23086,7 +23391,7 @@
             </a:bodyPr>
             <a:lstStyle>
               <a:lvl1pPr>
-                <a:defRPr b="1" sz="4000">
+                <a:defRPr sz="4000" b="1">
                   <a:solidFill>
                     <a:srgbClr val="FFFFFF"/>
                   </a:solidFill>
@@ -23098,7 +23403,6 @@
               </a:lvl1pPr>
             </a:lstStyle>
             <a:p>
-              <a:pPr/>
               <a:r>
                 <a:t>案例</a:t>
               </a:r>
@@ -23210,7 +23514,7 @@
             </a:bodyPr>
             <a:lstStyle>
               <a:lvl1pPr>
-                <a:defRPr b="1" sz="4000">
+                <a:defRPr sz="4000" b="1">
                   <a:solidFill>
                     <a:srgbClr val="FFFFFF"/>
                   </a:solidFill>
@@ -23222,7 +23526,6 @@
               </a:lvl1pPr>
             </a:lstStyle>
             <a:p>
-              <a:pPr/>
               <a:r>
                 <a:t>案例</a:t>
               </a:r>
@@ -23330,7 +23633,7 @@
               </a:cxnLst>
               <a:rect l="0" t="0" r="r" b="b"/>
               <a:pathLst>
-                <a:path w="21600" h="21600" fill="norm" stroke="1" extrusionOk="0">
+                <a:path w="21600" h="21600" extrusionOk="0">
                   <a:moveTo>
                     <a:pt x="21600" y="21600"/>
                   </a:moveTo>
@@ -23376,6 +23679,7 @@
                   <a:sym typeface="Calibri"/>
                 </a:defRPr>
               </a:pPr>
+              <a:endParaRPr/>
             </a:p>
           </p:txBody>
         </p:sp>
@@ -23410,7 +23714,7 @@
               </a:cxnLst>
               <a:rect l="0" t="0" r="r" b="b"/>
               <a:pathLst>
-                <a:path w="21600" h="21600" fill="norm" stroke="1" extrusionOk="0">
+                <a:path w="21600" h="21600" extrusionOk="0">
                   <a:moveTo>
                     <a:pt x="21600" y="21600"/>
                   </a:moveTo>
@@ -23456,6 +23760,7 @@
                   <a:sym typeface="Calibri"/>
                 </a:defRPr>
               </a:pPr>
+              <a:endParaRPr/>
             </a:p>
           </p:txBody>
         </p:sp>
@@ -23490,7 +23795,7 @@
               </a:cxnLst>
               <a:rect l="0" t="0" r="r" b="b"/>
               <a:pathLst>
-                <a:path w="21600" h="21600" fill="norm" stroke="1" extrusionOk="0">
+                <a:path w="21600" h="21600" extrusionOk="0">
                   <a:moveTo>
                     <a:pt x="21600" y="21600"/>
                   </a:moveTo>
@@ -23536,6 +23841,7 @@
                   <a:sym typeface="Calibri"/>
                 </a:defRPr>
               </a:pPr>
+              <a:endParaRPr/>
             </a:p>
           </p:txBody>
         </p:sp>
@@ -23545,12 +23851,12 @@
   <p:clrMapOvr>
     <a:masterClrMapping/>
   </p:clrMapOvr>
-  <p:transition xmlns:p14="http://schemas.microsoft.com/office/powerpoint/2010/main" spd="med" advClick="1"/>
+  <p:transition spd="med"/>
 </p:sld>
 </file>
 
 <file path=ppt/slides/slide5.xml><?xml version="1.0" encoding="utf-8"?>
-<p:sld xmlns:a="http://schemas.openxmlformats.org/drawingml/2006/main" xmlns:r="http://schemas.openxmlformats.org/officeDocument/2006/relationships" xmlns:p="http://schemas.openxmlformats.org/presentationml/2006/main" xmlns:m="http://schemas.openxmlformats.org/officeDocument/2006/math" xmlns:a14="http://schemas.microsoft.com/office/drawing/2010/main" showMasterSp="1" showMasterPhAnim="1">
+<p:sld xmlns:a="http://schemas.openxmlformats.org/drawingml/2006/main" xmlns:r="http://schemas.openxmlformats.org/officeDocument/2006/relationships" xmlns:p="http://schemas.openxmlformats.org/presentationml/2006/main">
   <p:cSld>
     <p:spTree>
       <p:nvGrpSpPr>
@@ -23597,7 +23903,7 @@
             </a:cxnLst>
             <a:rect l="0" t="0" r="r" b="b"/>
             <a:pathLst>
-              <a:path w="21600" h="21600" fill="norm" stroke="1" extrusionOk="0">
+              <a:path w="21600" h="21600" extrusionOk="0">
                 <a:moveTo>
                   <a:pt x="11875" y="0"/>
                 </a:moveTo>
@@ -23651,6 +23957,7 @@
                 <a:sym typeface="Calibri"/>
               </a:defRPr>
             </a:pPr>
+            <a:endParaRPr/>
           </a:p>
         </p:txBody>
       </p:sp>
@@ -23710,6 +24017,7 @@
                   <a:sym typeface="Calibri"/>
                 </a:defRPr>
               </a:pPr>
+              <a:endParaRPr/>
             </a:p>
           </p:txBody>
         </p:sp>
@@ -23757,7 +24065,6 @@
               </a:lvl1pPr>
             </a:lstStyle>
             <a:p>
-              <a:pPr/>
               <a:r>
                 <a:t>4.1.2 配置Activity</a:t>
               </a:r>
@@ -23794,7 +24101,7 @@
             </a:bodyPr>
             <a:lstStyle/>
             <a:p>
-              <a:pPr/>
+              <a:endParaRPr/>
             </a:p>
           </p:txBody>
         </p:sp>
@@ -23838,6 +24145,7 @@
                   <a:sym typeface="Calibri"/>
                 </a:defRPr>
               </a:pPr>
+              <a:endParaRPr/>
             </a:p>
           </p:txBody>
         </p:sp>
@@ -23885,7 +24193,6 @@
               </a:lvl1pPr>
             </a:lstStyle>
             <a:p>
-              <a:pPr/>
               <a:r>
                 <a:t>Android应用要求所有应用程序组件都必须显示进行配置。</a:t>
               </a:r>
@@ -23949,6 +24256,7 @@
                   <a:sym typeface="Calibri"/>
                 </a:defRPr>
               </a:pPr>
+              <a:endParaRPr/>
             </a:p>
           </p:txBody>
         </p:sp>
@@ -23983,7 +24291,7 @@
               </a:cxnLst>
               <a:rect l="0" t="0" r="r" b="b"/>
               <a:pathLst>
-                <a:path w="21600" h="21600" fill="norm" stroke="1" extrusionOk="0">
+                <a:path w="21600" h="21600" extrusionOk="0">
                   <a:moveTo>
                     <a:pt x="20941" y="21600"/>
                   </a:moveTo>
@@ -24032,6 +24340,7 @@
                   <a:sym typeface="Calibri"/>
                 </a:defRPr>
               </a:pPr>
+              <a:endParaRPr/>
             </a:p>
           </p:txBody>
         </p:sp>
@@ -24479,12 +24788,12 @@
   <p:clrMapOvr>
     <a:masterClrMapping/>
   </p:clrMapOvr>
-  <p:transition xmlns:p14="http://schemas.microsoft.com/office/powerpoint/2010/main" spd="med" advClick="1"/>
+  <p:transition spd="med"/>
 </p:sld>
 </file>
 
 <file path=ppt/slides/slide6.xml><?xml version="1.0" encoding="utf-8"?>
-<p:sld xmlns:a="http://schemas.openxmlformats.org/drawingml/2006/main" xmlns:r="http://schemas.openxmlformats.org/officeDocument/2006/relationships" xmlns:p="http://schemas.openxmlformats.org/presentationml/2006/main" xmlns:m="http://schemas.openxmlformats.org/officeDocument/2006/math" xmlns:a14="http://schemas.microsoft.com/office/drawing/2010/main" showMasterSp="1" showMasterPhAnim="1">
+<p:sld xmlns:a="http://schemas.openxmlformats.org/drawingml/2006/main" xmlns:r="http://schemas.openxmlformats.org/officeDocument/2006/relationships" xmlns:p="http://schemas.openxmlformats.org/presentationml/2006/main">
   <p:cSld>
     <p:spTree>
       <p:nvGrpSpPr>
@@ -24556,6 +24865,7 @@
                   <a:sym typeface="Calibri"/>
                 </a:defRPr>
               </a:pPr>
+              <a:endParaRPr/>
             </a:p>
           </p:txBody>
         </p:sp>
@@ -24603,7 +24913,6 @@
               </a:lvl1pPr>
             </a:lstStyle>
             <a:p>
-              <a:pPr/>
               <a:r>
                 <a:t>4.1.3 启动、关闭Activity</a:t>
               </a:r>
@@ -24640,7 +24949,7 @@
             </a:bodyPr>
             <a:lstStyle/>
             <a:p>
-              <a:pPr/>
+              <a:endParaRPr/>
             </a:p>
           </p:txBody>
         </p:sp>
@@ -24684,6 +24993,7 @@
                   <a:sym typeface="Calibri"/>
                 </a:defRPr>
               </a:pPr>
+              <a:endParaRPr/>
             </a:p>
           </p:txBody>
         </p:sp>
@@ -24731,7 +25041,6 @@
               </a:lvl1pPr>
             </a:lstStyle>
             <a:p>
-              <a:pPr/>
               <a:r>
                 <a:t>只有一个Activity作为程序的入口，并启动其他Activity。</a:t>
               </a:r>
@@ -24784,7 +25093,7 @@
               </a:cxnLst>
               <a:rect l="0" t="0" r="r" b="b"/>
               <a:pathLst>
-                <a:path w="21600" h="21600" fill="norm" stroke="1" extrusionOk="0">
+                <a:path w="21600" h="21600" extrusionOk="0">
                   <a:moveTo>
                     <a:pt x="0" y="0"/>
                   </a:moveTo>
@@ -24844,6 +25153,7 @@
                   <a:sym typeface="Calibri"/>
                 </a:defRPr>
               </a:pPr>
+              <a:endParaRPr/>
             </a:p>
           </p:txBody>
         </p:sp>
@@ -24878,7 +25188,7 @@
               </a:cxnLst>
               <a:rect l="0" t="0" r="r" b="b"/>
               <a:pathLst>
-                <a:path w="21600" h="21600" fill="norm" stroke="1" extrusionOk="0">
+                <a:path w="21600" h="21600" extrusionOk="0">
                   <a:moveTo>
                     <a:pt x="3184" y="0"/>
                   </a:moveTo>
@@ -24935,6 +25245,7 @@
                   <a:sym typeface="Calibri"/>
                 </a:defRPr>
               </a:pPr>
+              <a:endParaRPr/>
             </a:p>
           </p:txBody>
         </p:sp>
@@ -24994,6 +25305,7 @@
                     <a:sym typeface="Calibri"/>
                   </a:defRPr>
                 </a:pPr>
+                <a:endParaRPr/>
               </a:p>
             </p:txBody>
           </p:sp>
@@ -25041,7 +25353,6 @@
                 </a:lvl1pPr>
               </a:lstStyle>
               <a:p>
-                <a:pPr/>
                 <a:r>
                   <a:t>启动</a:t>
                 </a:r>
@@ -25105,6 +25416,7 @@
                     <a:sym typeface="Calibri"/>
                   </a:defRPr>
                 </a:pPr>
+                <a:endParaRPr/>
               </a:p>
             </p:txBody>
           </p:sp>
@@ -25152,7 +25464,6 @@
                 </a:lvl1pPr>
               </a:lstStyle>
               <a:p>
-                <a:pPr/>
                 <a:r>
                   <a:t>关闭</a:t>
                 </a:r>
@@ -25263,7 +25574,7 @@
             </a:bodyPr>
             <a:lstStyle/>
             <a:p>
-              <a:pPr/>
+              <a:endParaRPr/>
             </a:p>
           </p:txBody>
         </p:sp>
@@ -25297,7 +25608,7 @@
             </a:bodyPr>
             <a:lstStyle/>
             <a:p>
-              <a:pPr/>
+              <a:endParaRPr/>
             </a:p>
           </p:txBody>
         </p:sp>
@@ -25341,6 +25652,7 @@
                   <a:sym typeface="Calibri"/>
                 </a:defRPr>
               </a:pPr>
+              <a:endParaRPr/>
             </a:p>
           </p:txBody>
         </p:sp>
@@ -25384,6 +25696,7 @@
                   <a:sym typeface="Calibri"/>
                 </a:defRPr>
               </a:pPr>
+              <a:endParaRPr/>
             </a:p>
           </p:txBody>
         </p:sp>
@@ -25615,12 +25928,12 @@
   <p:clrMapOvr>
     <a:masterClrMapping/>
   </p:clrMapOvr>
-  <p:transition xmlns:p14="http://schemas.microsoft.com/office/powerpoint/2010/main" spd="med" advClick="1"/>
+  <p:transition spd="med"/>
 </p:sld>
 </file>
 
 <file path=ppt/slides/slide7.xml><?xml version="1.0" encoding="utf-8"?>
-<p:sld xmlns:a="http://schemas.openxmlformats.org/drawingml/2006/main" xmlns:r="http://schemas.openxmlformats.org/officeDocument/2006/relationships" xmlns:p="http://schemas.openxmlformats.org/presentationml/2006/main" xmlns:m="http://schemas.openxmlformats.org/officeDocument/2006/math" xmlns:a14="http://schemas.microsoft.com/office/drawing/2010/main" showMasterSp="1" showMasterPhAnim="1">
+<p:sld xmlns:a="http://schemas.openxmlformats.org/drawingml/2006/main" xmlns:r="http://schemas.openxmlformats.org/officeDocument/2006/relationships" xmlns:p="http://schemas.openxmlformats.org/presentationml/2006/main">
   <p:cSld>
     <p:spTree>
       <p:nvGrpSpPr>
@@ -25639,7 +25952,9 @@
       <p:sp>
         <p:nvSpPr>
           <p:cNvPr id="221" name="标题 1"/>
-          <p:cNvSpPr txBox="1"/>
+          <p:cNvSpPr txBox="1">
+            <a:spLocks noGrp="1"/>
+          </p:cNvSpPr>
           <p:nvPr>
             <p:ph type="title"/>
           </p:nvPr>
@@ -25669,7 +25984,6 @@
             </a:lvl1pPr>
           </a:lstStyle>
           <a:p>
-            <a:pPr/>
             <a:r>
               <a:t>4.1.3 启动、关闭Activity</a:t>
             </a:r>
@@ -25914,7 +26228,6 @@
             </a:lvl1pPr>
           </a:lstStyle>
           <a:p>
-            <a:pPr/>
             <a:r>
               <a:t>打开网页</a:t>
             </a:r>
@@ -25926,12 +26239,12 @@
   <p:clrMapOvr>
     <a:masterClrMapping/>
   </p:clrMapOvr>
-  <p:transition xmlns:p14="http://schemas.microsoft.com/office/powerpoint/2010/main" spd="med" advClick="1"/>
+  <p:transition spd="med"/>
 </p:sld>
 </file>
 
 <file path=ppt/slides/slide8.xml><?xml version="1.0" encoding="utf-8"?>
-<p:sld xmlns:a="http://schemas.openxmlformats.org/drawingml/2006/main" xmlns:r="http://schemas.openxmlformats.org/officeDocument/2006/relationships" xmlns:p="http://schemas.openxmlformats.org/presentationml/2006/main" xmlns:m="http://schemas.openxmlformats.org/officeDocument/2006/math" xmlns:a14="http://schemas.microsoft.com/office/drawing/2010/main" showMasterSp="1" showMasterPhAnim="1">
+<p:sld xmlns:a="http://schemas.openxmlformats.org/drawingml/2006/main" xmlns:r="http://schemas.openxmlformats.org/officeDocument/2006/relationships" xmlns:p="http://schemas.openxmlformats.org/presentationml/2006/main">
   <p:cSld>
     <p:spTree>
       <p:nvGrpSpPr>
@@ -26003,6 +26316,7 @@
                   <a:sym typeface="Calibri"/>
                 </a:defRPr>
               </a:pPr>
+              <a:endParaRPr/>
             </a:p>
           </p:txBody>
         </p:sp>
@@ -26050,7 +26364,6 @@
               </a:lvl1pPr>
             </a:lstStyle>
             <a:p>
-              <a:pPr/>
               <a:r>
                 <a:t>4.1.4 使用Bundle交换数据</a:t>
               </a:r>
@@ -26087,7 +26400,7 @@
             </a:bodyPr>
             <a:lstStyle/>
             <a:p>
-              <a:pPr/>
+              <a:endParaRPr/>
             </a:p>
           </p:txBody>
         </p:sp>
@@ -26131,6 +26444,7 @@
                   <a:sym typeface="Calibri"/>
                 </a:defRPr>
               </a:pPr>
+              <a:endParaRPr/>
             </a:p>
           </p:txBody>
         </p:sp>
@@ -26178,7 +26492,6 @@
               </a:lvl1pPr>
             </a:lstStyle>
             <a:p>
-              <a:pPr/>
               <a:r>
                 <a:t>Bundle是一个简单的数据携带包，包含了多个方法来存储数据。</a:t>
               </a:r>
@@ -26227,7 +26540,6 @@
             </a:lvl1pPr>
           </a:lstStyle>
           <a:p>
-            <a:pPr/>
             <a:r>
               <a:t>案例：用第二个Activity处理注册信息</a:t>
             </a:r>
@@ -26331,6 +26643,7 @@
                 <a:sym typeface="Calibri"/>
               </a:defRPr>
             </a:pPr>
+            <a:endParaRPr/>
           </a:p>
         </p:txBody>
       </p:sp>
@@ -26375,7 +26688,6 @@
             </a:lvl1pPr>
           </a:lstStyle>
           <a:p>
-            <a:pPr/>
             <a:r>
               <a:t>注册结果</a:t>
             </a:r>
@@ -26445,12 +26757,12 @@
   <p:clrMapOvr>
     <a:masterClrMapping/>
   </p:clrMapOvr>
-  <p:transition xmlns:p14="http://schemas.microsoft.com/office/powerpoint/2010/main" spd="med" advClick="1"/>
+  <p:transition spd="med"/>
 </p:sld>
 </file>
 
 <file path=ppt/slides/slide9.xml><?xml version="1.0" encoding="utf-8"?>
-<p:sld xmlns:a="http://schemas.openxmlformats.org/drawingml/2006/main" xmlns:r="http://schemas.openxmlformats.org/officeDocument/2006/relationships" xmlns:p="http://schemas.openxmlformats.org/presentationml/2006/main" xmlns:m="http://schemas.openxmlformats.org/officeDocument/2006/math" xmlns:a14="http://schemas.microsoft.com/office/drawing/2010/main" showMasterSp="1" showMasterPhAnim="1">
+<p:sld xmlns:a="http://schemas.openxmlformats.org/drawingml/2006/main" xmlns:r="http://schemas.openxmlformats.org/officeDocument/2006/relationships" xmlns:p="http://schemas.openxmlformats.org/presentationml/2006/main">
   <p:cSld>
     <p:spTree>
       <p:nvGrpSpPr>
@@ -26469,7 +26781,9 @@
       <p:sp>
         <p:nvSpPr>
           <p:cNvPr id="245" name="标题 1"/>
-          <p:cNvSpPr txBox="1"/>
+          <p:cNvSpPr txBox="1">
+            <a:spLocks noGrp="1"/>
+          </p:cNvSpPr>
           <p:nvPr>
             <p:ph type="title"/>
           </p:nvPr>
@@ -26499,7 +26813,6 @@
             </a:lvl1pPr>
           </a:lstStyle>
           <a:p>
-            <a:pPr/>
             <a:r>
               <a:t>4.1.4 使用Bundle交换数据</a:t>
             </a:r>
@@ -26569,12 +26882,12 @@
   <p:clrMapOvr>
     <a:masterClrMapping/>
   </p:clrMapOvr>
-  <p:transition xmlns:p14="http://schemas.microsoft.com/office/powerpoint/2010/main" spd="med" advClick="1"/>
+  <p:transition spd="med"/>
 </p:sld>
 </file>
 
 <file path=ppt/theme/theme1.xml><?xml version="1.0" encoding="utf-8"?>
-<a:theme xmlns:a="http://schemas.openxmlformats.org/drawingml/2006/main" xmlns:r="http://schemas.openxmlformats.org/officeDocument/2006/relationships" name="Office 主题">
+<a:theme xmlns:a="http://schemas.openxmlformats.org/drawingml/2006/main" name="Office 主题">
   <a:themeElements>
     <a:clrScheme name="Office 主题">
       <a:dk1>
@@ -26776,7 +27089,7 @@
         <a:effectLst/>
         <a:sp3d/>
       </a:spPr>
-      <a:bodyPr rot="0" spcFirstLastPara="1" vertOverflow="overflow" horzOverflow="overflow" vert="horz" wrap="square" lIns="45718" tIns="45718" rIns="45718" bIns="45718" numCol="1" spcCol="38100" rtlCol="0" anchor="ctr" upright="0">
+      <a:bodyPr rot="0" spcFirstLastPara="1" vertOverflow="overflow" horzOverflow="overflow" vert="horz" wrap="square" lIns="45718" tIns="45718" rIns="45718" bIns="45718" numCol="1" spcCol="38100" rtlCol="0" anchor="ctr">
         <a:spAutoFit/>
       </a:bodyPr>
       <a:lstStyle>
@@ -26795,7 +27108,7 @@
           <a:buFontTx/>
           <a:buNone/>
           <a:tabLst/>
-          <a:defRPr b="0" baseline="0" cap="none" i="0" spc="0" strike="noStrike" sz="1800" u="none" kumimoji="0" normalizeH="0">
+          <a:defRPr kumimoji="0" sz="1800" b="0" i="0" u="none" strike="noStrike" cap="none" spc="0" normalizeH="0" baseline="0">
             <a:ln>
               <a:noFill/>
             </a:ln>
@@ -26825,7 +27138,7 @@
           <a:buFontTx/>
           <a:buNone/>
           <a:tabLst/>
-          <a:defRPr b="0" baseline="0" cap="none" i="0" spc="0" strike="noStrike" sz="1800" u="none" kumimoji="0" normalizeH="0">
+          <a:defRPr kumimoji="0" sz="1800" b="0" i="0" u="none" strike="noStrike" cap="none" spc="0" normalizeH="0" baseline="0">
             <a:ln>
               <a:noFill/>
             </a:ln>
@@ -26851,7 +27164,7 @@
           <a:buFontTx/>
           <a:buNone/>
           <a:tabLst/>
-          <a:defRPr b="0" baseline="0" cap="none" i="0" spc="0" strike="noStrike" sz="1800" u="none" kumimoji="0" normalizeH="0">
+          <a:defRPr kumimoji="0" sz="1800" b="0" i="0" u="none" strike="noStrike" cap="none" spc="0" normalizeH="0" baseline="0">
             <a:ln>
               <a:noFill/>
             </a:ln>
@@ -26877,7 +27190,7 @@
           <a:buFontTx/>
           <a:buNone/>
           <a:tabLst/>
-          <a:defRPr b="0" baseline="0" cap="none" i="0" spc="0" strike="noStrike" sz="1800" u="none" kumimoji="0" normalizeH="0">
+          <a:defRPr kumimoji="0" sz="1800" b="0" i="0" u="none" strike="noStrike" cap="none" spc="0" normalizeH="0" baseline="0">
             <a:ln>
               <a:noFill/>
             </a:ln>
@@ -26903,7 +27216,7 @@
           <a:buFontTx/>
           <a:buNone/>
           <a:tabLst/>
-          <a:defRPr b="0" baseline="0" cap="none" i="0" spc="0" strike="noStrike" sz="1800" u="none" kumimoji="0" normalizeH="0">
+          <a:defRPr kumimoji="0" sz="1800" b="0" i="0" u="none" strike="noStrike" cap="none" spc="0" normalizeH="0" baseline="0">
             <a:ln>
               <a:noFill/>
             </a:ln>
@@ -26929,7 +27242,7 @@
           <a:buFontTx/>
           <a:buNone/>
           <a:tabLst/>
-          <a:defRPr b="0" baseline="0" cap="none" i="0" spc="0" strike="noStrike" sz="1800" u="none" kumimoji="0" normalizeH="0">
+          <a:defRPr kumimoji="0" sz="1800" b="0" i="0" u="none" strike="noStrike" cap="none" spc="0" normalizeH="0" baseline="0">
             <a:ln>
               <a:noFill/>
             </a:ln>
@@ -26955,7 +27268,7 @@
           <a:buFontTx/>
           <a:buNone/>
           <a:tabLst/>
-          <a:defRPr b="0" baseline="0" cap="none" i="0" spc="0" strike="noStrike" sz="1800" u="none" kumimoji="0" normalizeH="0">
+          <a:defRPr kumimoji="0" sz="1800" b="0" i="0" u="none" strike="noStrike" cap="none" spc="0" normalizeH="0" baseline="0">
             <a:ln>
               <a:noFill/>
             </a:ln>
@@ -26981,7 +27294,7 @@
           <a:buFontTx/>
           <a:buNone/>
           <a:tabLst/>
-          <a:defRPr b="0" baseline="0" cap="none" i="0" spc="0" strike="noStrike" sz="1800" u="none" kumimoji="0" normalizeH="0">
+          <a:defRPr kumimoji="0" sz="1800" b="0" i="0" u="none" strike="noStrike" cap="none" spc="0" normalizeH="0" baseline="0">
             <a:ln>
               <a:noFill/>
             </a:ln>
@@ -27007,7 +27320,7 @@
           <a:buFontTx/>
           <a:buNone/>
           <a:tabLst/>
-          <a:defRPr b="0" baseline="0" cap="none" i="0" spc="0" strike="noStrike" sz="1800" u="none" kumimoji="0" normalizeH="0">
+          <a:defRPr kumimoji="0" sz="1800" b="0" i="0" u="none" strike="noStrike" cap="none" spc="0" normalizeH="0" baseline="0">
             <a:ln>
               <a:noFill/>
             </a:ln>
@@ -27033,7 +27346,7 @@
           <a:buFontTx/>
           <a:buNone/>
           <a:tabLst/>
-          <a:defRPr b="0" baseline="0" cap="none" i="0" spc="0" strike="noStrike" sz="1800" u="none" kumimoji="0" normalizeH="0">
+          <a:defRPr kumimoji="0" sz="1800" b="0" i="0" u="none" strike="noStrike" cap="none" spc="0" normalizeH="0" baseline="0">
             <a:ln>
               <a:noFill/>
             </a:ln>
@@ -27046,9 +27359,15 @@
         </a:lvl9pPr>
       </a:lstStyle>
       <a:style>
-        <a:lnRef idx="0"/>
-        <a:fillRef idx="0"/>
-        <a:effectRef idx="0"/>
+        <a:lnRef idx="0">
+          <a:scrgbClr r="0" g="0" b="0"/>
+        </a:lnRef>
+        <a:fillRef idx="0">
+          <a:scrgbClr r="0" g="0" b="0"/>
+        </a:fillRef>
+        <a:effectRef idx="0">
+          <a:scrgbClr r="0" g="0" b="0"/>
+        </a:effectRef>
         <a:fontRef idx="none"/>
       </a:style>
     </a:spDef>
@@ -27065,7 +27384,7 @@
         <a:effectLst/>
         <a:sp3d/>
       </a:spPr>
-      <a:bodyPr rot="0" spcFirstLastPara="1" vertOverflow="overflow" horzOverflow="overflow" vert="horz" wrap="square" lIns="91439" tIns="45719" rIns="91439" bIns="45719" numCol="1" spcCol="38100" rtlCol="0" anchor="t" upright="0">
+      <a:bodyPr rot="0" spcFirstLastPara="1" vertOverflow="overflow" horzOverflow="overflow" vert="horz" wrap="square" lIns="91439" tIns="45719" rIns="91439" bIns="45719" numCol="1" spcCol="38100" rtlCol="0" anchor="t">
         <a:noAutofit/>
       </a:bodyPr>
       <a:lstStyle>
@@ -27084,7 +27403,7 @@
           <a:buFontTx/>
           <a:buNone/>
           <a:tabLst/>
-          <a:defRPr b="0" baseline="0" cap="none" i="0" spc="0" strike="noStrike" sz="1800" u="none" kumimoji="0" normalizeH="0">
+          <a:defRPr kumimoji="0" sz="1800" b="0" i="0" u="none" strike="noStrike" cap="none" spc="0" normalizeH="0" baseline="0">
             <a:ln>
               <a:noFill/>
             </a:ln>
@@ -27110,7 +27429,7 @@
           <a:buFontTx/>
           <a:buNone/>
           <a:tabLst/>
-          <a:defRPr b="0" baseline="0" cap="none" i="0" spc="0" strike="noStrike" sz="1800" u="none" kumimoji="0" normalizeH="0">
+          <a:defRPr kumimoji="0" sz="1800" b="0" i="0" u="none" strike="noStrike" cap="none" spc="0" normalizeH="0" baseline="0">
             <a:ln>
               <a:noFill/>
             </a:ln>
@@ -27136,7 +27455,7 @@
           <a:buFontTx/>
           <a:buNone/>
           <a:tabLst/>
-          <a:defRPr b="0" baseline="0" cap="none" i="0" spc="0" strike="noStrike" sz="1800" u="none" kumimoji="0" normalizeH="0">
+          <a:defRPr kumimoji="0" sz="1800" b="0" i="0" u="none" strike="noStrike" cap="none" spc="0" normalizeH="0" baseline="0">
             <a:ln>
               <a:noFill/>
             </a:ln>
@@ -27162,7 +27481,7 @@
           <a:buFontTx/>
           <a:buNone/>
           <a:tabLst/>
-          <a:defRPr b="0" baseline="0" cap="none" i="0" spc="0" strike="noStrike" sz="1800" u="none" kumimoji="0" normalizeH="0">
+          <a:defRPr kumimoji="0" sz="1800" b="0" i="0" u="none" strike="noStrike" cap="none" spc="0" normalizeH="0" baseline="0">
             <a:ln>
               <a:noFill/>
             </a:ln>
@@ -27188,7 +27507,7 @@
           <a:buFontTx/>
           <a:buNone/>
           <a:tabLst/>
-          <a:defRPr b="0" baseline="0" cap="none" i="0" spc="0" strike="noStrike" sz="1800" u="none" kumimoji="0" normalizeH="0">
+          <a:defRPr kumimoji="0" sz="1800" b="0" i="0" u="none" strike="noStrike" cap="none" spc="0" normalizeH="0" baseline="0">
             <a:ln>
               <a:noFill/>
             </a:ln>
@@ -27214,7 +27533,7 @@
           <a:buFontTx/>
           <a:buNone/>
           <a:tabLst/>
-          <a:defRPr b="0" baseline="0" cap="none" i="0" spc="0" strike="noStrike" sz="1800" u="none" kumimoji="0" normalizeH="0">
+          <a:defRPr kumimoji="0" sz="1800" b="0" i="0" u="none" strike="noStrike" cap="none" spc="0" normalizeH="0" baseline="0">
             <a:ln>
               <a:noFill/>
             </a:ln>
@@ -27240,7 +27559,7 @@
           <a:buFontTx/>
           <a:buNone/>
           <a:tabLst/>
-          <a:defRPr b="0" baseline="0" cap="none" i="0" spc="0" strike="noStrike" sz="1800" u="none" kumimoji="0" normalizeH="0">
+          <a:defRPr kumimoji="0" sz="1800" b="0" i="0" u="none" strike="noStrike" cap="none" spc="0" normalizeH="0" baseline="0">
             <a:ln>
               <a:noFill/>
             </a:ln>
@@ -27266,7 +27585,7 @@
           <a:buFontTx/>
           <a:buNone/>
           <a:tabLst/>
-          <a:defRPr b="0" baseline="0" cap="none" i="0" spc="0" strike="noStrike" sz="1800" u="none" kumimoji="0" normalizeH="0">
+          <a:defRPr kumimoji="0" sz="1800" b="0" i="0" u="none" strike="noStrike" cap="none" spc="0" normalizeH="0" baseline="0">
             <a:ln>
               <a:noFill/>
             </a:ln>
@@ -27292,7 +27611,7 @@
           <a:buFontTx/>
           <a:buNone/>
           <a:tabLst/>
-          <a:defRPr b="0" baseline="0" cap="none" i="0" spc="0" strike="noStrike" sz="1800" u="none" kumimoji="0" normalizeH="0">
+          <a:defRPr kumimoji="0" sz="1800" b="0" i="0" u="none" strike="noStrike" cap="none" spc="0" normalizeH="0" baseline="0">
             <a:ln>
               <a:noFill/>
             </a:ln>
@@ -27318,7 +27637,7 @@
           <a:buFontTx/>
           <a:buNone/>
           <a:tabLst/>
-          <a:defRPr b="0" baseline="0" cap="none" i="0" spc="0" strike="noStrike" sz="1800" u="none" kumimoji="0" normalizeH="0">
+          <a:defRPr kumimoji="0" sz="1800" b="0" i="0" u="none" strike="noStrike" cap="none" spc="0" normalizeH="0" baseline="0">
             <a:ln>
               <a:noFill/>
             </a:ln>
@@ -27331,9 +27650,15 @@
         </a:lvl9pPr>
       </a:lstStyle>
       <a:style>
-        <a:lnRef idx="0"/>
-        <a:fillRef idx="0"/>
-        <a:effectRef idx="0"/>
+        <a:lnRef idx="0">
+          <a:scrgbClr r="0" g="0" b="0"/>
+        </a:lnRef>
+        <a:fillRef idx="0">
+          <a:scrgbClr r="0" g="0" b="0"/>
+        </a:fillRef>
+        <a:effectRef idx="0">
+          <a:scrgbClr r="0" g="0" b="0"/>
+        </a:effectRef>
         <a:fontRef idx="none"/>
       </a:style>
     </a:lnDef>
@@ -27347,7 +27672,7 @@
         <a:effectLst/>
         <a:sp3d/>
       </a:spPr>
-      <a:bodyPr rot="0" spcFirstLastPara="1" vertOverflow="overflow" horzOverflow="overflow" vert="horz" wrap="square" lIns="45718" tIns="45718" rIns="45718" bIns="45718" numCol="1" spcCol="38100" rtlCol="0" anchor="t" upright="0">
+      <a:bodyPr rot="0" spcFirstLastPara="1" vertOverflow="overflow" horzOverflow="overflow" vert="horz" wrap="square" lIns="45718" tIns="45718" rIns="45718" bIns="45718" numCol="1" spcCol="38100" rtlCol="0" anchor="t">
         <a:spAutoFit/>
       </a:bodyPr>
       <a:lstStyle>
@@ -27366,7 +27691,7 @@
           <a:buFontTx/>
           <a:buNone/>
           <a:tabLst/>
-          <a:defRPr b="0" baseline="0" cap="none" i="0" spc="0" strike="noStrike" sz="1800" u="none" kumimoji="0" normalizeH="0">
+          <a:defRPr kumimoji="0" sz="1800" b="0" i="0" u="none" strike="noStrike" cap="none" spc="0" normalizeH="0" baseline="0">
             <a:ln>
               <a:noFill/>
             </a:ln>
@@ -27396,7 +27721,7 @@
           <a:buFontTx/>
           <a:buNone/>
           <a:tabLst/>
-          <a:defRPr b="0" baseline="0" cap="none" i="0" spc="0" strike="noStrike" sz="1800" u="none" kumimoji="0" normalizeH="0">
+          <a:defRPr kumimoji="0" sz="1800" b="0" i="0" u="none" strike="noStrike" cap="none" spc="0" normalizeH="0" baseline="0">
             <a:ln>
               <a:noFill/>
             </a:ln>
@@ -27422,7 +27747,7 @@
           <a:buFontTx/>
           <a:buNone/>
           <a:tabLst/>
-          <a:defRPr b="0" baseline="0" cap="none" i="0" spc="0" strike="noStrike" sz="1800" u="none" kumimoji="0" normalizeH="0">
+          <a:defRPr kumimoji="0" sz="1800" b="0" i="0" u="none" strike="noStrike" cap="none" spc="0" normalizeH="0" baseline="0">
             <a:ln>
               <a:noFill/>
             </a:ln>
@@ -27448,7 +27773,7 @@
           <a:buFontTx/>
           <a:buNone/>
           <a:tabLst/>
-          <a:defRPr b="0" baseline="0" cap="none" i="0" spc="0" strike="noStrike" sz="1800" u="none" kumimoji="0" normalizeH="0">
+          <a:defRPr kumimoji="0" sz="1800" b="0" i="0" u="none" strike="noStrike" cap="none" spc="0" normalizeH="0" baseline="0">
             <a:ln>
               <a:noFill/>
             </a:ln>
@@ -27474,7 +27799,7 @@
           <a:buFontTx/>
           <a:buNone/>
           <a:tabLst/>
-          <a:defRPr b="0" baseline="0" cap="none" i="0" spc="0" strike="noStrike" sz="1800" u="none" kumimoji="0" normalizeH="0">
+          <a:defRPr kumimoji="0" sz="1800" b="0" i="0" u="none" strike="noStrike" cap="none" spc="0" normalizeH="0" baseline="0">
             <a:ln>
               <a:noFill/>
             </a:ln>
@@ -27500,7 +27825,7 @@
           <a:buFontTx/>
           <a:buNone/>
           <a:tabLst/>
-          <a:defRPr b="0" baseline="0" cap="none" i="0" spc="0" strike="noStrike" sz="1800" u="none" kumimoji="0" normalizeH="0">
+          <a:defRPr kumimoji="0" sz="1800" b="0" i="0" u="none" strike="noStrike" cap="none" spc="0" normalizeH="0" baseline="0">
             <a:ln>
               <a:noFill/>
             </a:ln>
@@ -27526,7 +27851,7 @@
           <a:buFontTx/>
           <a:buNone/>
           <a:tabLst/>
-          <a:defRPr b="0" baseline="0" cap="none" i="0" spc="0" strike="noStrike" sz="1800" u="none" kumimoji="0" normalizeH="0">
+          <a:defRPr kumimoji="0" sz="1800" b="0" i="0" u="none" strike="noStrike" cap="none" spc="0" normalizeH="0" baseline="0">
             <a:ln>
               <a:noFill/>
             </a:ln>
@@ -27552,7 +27877,7 @@
           <a:buFontTx/>
           <a:buNone/>
           <a:tabLst/>
-          <a:defRPr b="0" baseline="0" cap="none" i="0" spc="0" strike="noStrike" sz="1800" u="none" kumimoji="0" normalizeH="0">
+          <a:defRPr kumimoji="0" sz="1800" b="0" i="0" u="none" strike="noStrike" cap="none" spc="0" normalizeH="0" baseline="0">
             <a:ln>
               <a:noFill/>
             </a:ln>
@@ -27578,7 +27903,7 @@
           <a:buFontTx/>
           <a:buNone/>
           <a:tabLst/>
-          <a:defRPr b="0" baseline="0" cap="none" i="0" spc="0" strike="noStrike" sz="1800" u="none" kumimoji="0" normalizeH="0">
+          <a:defRPr kumimoji="0" sz="1800" b="0" i="0" u="none" strike="noStrike" cap="none" spc="0" normalizeH="0" baseline="0">
             <a:ln>
               <a:noFill/>
             </a:ln>
@@ -27604,7 +27929,7 @@
           <a:buFontTx/>
           <a:buNone/>
           <a:tabLst/>
-          <a:defRPr b="0" baseline="0" cap="none" i="0" spc="0" strike="noStrike" sz="1800" u="none" kumimoji="0" normalizeH="0">
+          <a:defRPr kumimoji="0" sz="1800" b="0" i="0" u="none" strike="noStrike" cap="none" spc="0" normalizeH="0" baseline="0">
             <a:ln>
               <a:noFill/>
             </a:ln>
@@ -27617,18 +27942,25 @@
         </a:lvl9pPr>
       </a:lstStyle>
       <a:style>
-        <a:lnRef idx="0"/>
-        <a:fillRef idx="0"/>
-        <a:effectRef idx="0"/>
+        <a:lnRef idx="0">
+          <a:scrgbClr r="0" g="0" b="0"/>
+        </a:lnRef>
+        <a:fillRef idx="0">
+          <a:scrgbClr r="0" g="0" b="0"/>
+        </a:fillRef>
+        <a:effectRef idx="0">
+          <a:scrgbClr r="0" g="0" b="0"/>
+        </a:effectRef>
         <a:fontRef idx="none"/>
       </a:style>
     </a:txDef>
   </a:objectDefaults>
+  <a:extraClrSchemeLst/>
 </a:theme>
 </file>
 
 <file path=ppt/theme/theme2.xml><?xml version="1.0" encoding="utf-8"?>
-<a:theme xmlns:a="http://schemas.openxmlformats.org/drawingml/2006/main" xmlns:r="http://schemas.openxmlformats.org/officeDocument/2006/relationships" name="Office 主题">
+<a:theme xmlns:a="http://schemas.openxmlformats.org/drawingml/2006/main" name="Office 主题">
   <a:themeElements>
     <a:clrScheme name="Office 主题">
       <a:dk1>
@@ -27830,7 +28162,7 @@
         <a:effectLst/>
         <a:sp3d/>
       </a:spPr>
-      <a:bodyPr rot="0" spcFirstLastPara="1" vertOverflow="overflow" horzOverflow="overflow" vert="horz" wrap="square" lIns="45718" tIns="45718" rIns="45718" bIns="45718" numCol="1" spcCol="38100" rtlCol="0" anchor="ctr" upright="0">
+      <a:bodyPr rot="0" spcFirstLastPara="1" vertOverflow="overflow" horzOverflow="overflow" vert="horz" wrap="square" lIns="45718" tIns="45718" rIns="45718" bIns="45718" numCol="1" spcCol="38100" rtlCol="0" anchor="ctr">
         <a:spAutoFit/>
       </a:bodyPr>
       <a:lstStyle>
@@ -27849,7 +28181,7 @@
           <a:buFontTx/>
           <a:buNone/>
           <a:tabLst/>
-          <a:defRPr b="0" baseline="0" cap="none" i="0" spc="0" strike="noStrike" sz="1800" u="none" kumimoji="0" normalizeH="0">
+          <a:defRPr kumimoji="0" sz="1800" b="0" i="0" u="none" strike="noStrike" cap="none" spc="0" normalizeH="0" baseline="0">
             <a:ln>
               <a:noFill/>
             </a:ln>
@@ -27879,7 +28211,7 @@
           <a:buFontTx/>
           <a:buNone/>
           <a:tabLst/>
-          <a:defRPr b="0" baseline="0" cap="none" i="0" spc="0" strike="noStrike" sz="1800" u="none" kumimoji="0" normalizeH="0">
+          <a:defRPr kumimoji="0" sz="1800" b="0" i="0" u="none" strike="noStrike" cap="none" spc="0" normalizeH="0" baseline="0">
             <a:ln>
               <a:noFill/>
             </a:ln>
@@ -27905,7 +28237,7 @@
           <a:buFontTx/>
           <a:buNone/>
           <a:tabLst/>
-          <a:defRPr b="0" baseline="0" cap="none" i="0" spc="0" strike="noStrike" sz="1800" u="none" kumimoji="0" normalizeH="0">
+          <a:defRPr kumimoji="0" sz="1800" b="0" i="0" u="none" strike="noStrike" cap="none" spc="0" normalizeH="0" baseline="0">
             <a:ln>
               <a:noFill/>
             </a:ln>
@@ -27931,7 +28263,7 @@
           <a:buFontTx/>
           <a:buNone/>
           <a:tabLst/>
-          <a:defRPr b="0" baseline="0" cap="none" i="0" spc="0" strike="noStrike" sz="1800" u="none" kumimoji="0" normalizeH="0">
+          <a:defRPr kumimoji="0" sz="1800" b="0" i="0" u="none" strike="noStrike" cap="none" spc="0" normalizeH="0" baseline="0">
             <a:ln>
               <a:noFill/>
             </a:ln>
@@ -27957,7 +28289,7 @@
           <a:buFontTx/>
           <a:buNone/>
           <a:tabLst/>
-          <a:defRPr b="0" baseline="0" cap="none" i="0" spc="0" strike="noStrike" sz="1800" u="none" kumimoji="0" normalizeH="0">
+          <a:defRPr kumimoji="0" sz="1800" b="0" i="0" u="none" strike="noStrike" cap="none" spc="0" normalizeH="0" baseline="0">
             <a:ln>
               <a:noFill/>
             </a:ln>
@@ -27983,7 +28315,7 @@
           <a:buFontTx/>
           <a:buNone/>
           <a:tabLst/>
-          <a:defRPr b="0" baseline="0" cap="none" i="0" spc="0" strike="noStrike" sz="1800" u="none" kumimoji="0" normalizeH="0">
+          <a:defRPr kumimoji="0" sz="1800" b="0" i="0" u="none" strike="noStrike" cap="none" spc="0" normalizeH="0" baseline="0">
             <a:ln>
               <a:noFill/>
             </a:ln>
@@ -28009,7 +28341,7 @@
           <a:buFontTx/>
           <a:buNone/>
           <a:tabLst/>
-          <a:defRPr b="0" baseline="0" cap="none" i="0" spc="0" strike="noStrike" sz="1800" u="none" kumimoji="0" normalizeH="0">
+          <a:defRPr kumimoji="0" sz="1800" b="0" i="0" u="none" strike="noStrike" cap="none" spc="0" normalizeH="0" baseline="0">
             <a:ln>
               <a:noFill/>
             </a:ln>
@@ -28035,7 +28367,7 @@
           <a:buFontTx/>
           <a:buNone/>
           <a:tabLst/>
-          <a:defRPr b="0" baseline="0" cap="none" i="0" spc="0" strike="noStrike" sz="1800" u="none" kumimoji="0" normalizeH="0">
+          <a:defRPr kumimoji="0" sz="1800" b="0" i="0" u="none" strike="noStrike" cap="none" spc="0" normalizeH="0" baseline="0">
             <a:ln>
               <a:noFill/>
             </a:ln>
@@ -28061,7 +28393,7 @@
           <a:buFontTx/>
           <a:buNone/>
           <a:tabLst/>
-          <a:defRPr b="0" baseline="0" cap="none" i="0" spc="0" strike="noStrike" sz="1800" u="none" kumimoji="0" normalizeH="0">
+          <a:defRPr kumimoji="0" sz="1800" b="0" i="0" u="none" strike="noStrike" cap="none" spc="0" normalizeH="0" baseline="0">
             <a:ln>
               <a:noFill/>
             </a:ln>
@@ -28087,7 +28419,7 @@
           <a:buFontTx/>
           <a:buNone/>
           <a:tabLst/>
-          <a:defRPr b="0" baseline="0" cap="none" i="0" spc="0" strike="noStrike" sz="1800" u="none" kumimoji="0" normalizeH="0">
+          <a:defRPr kumimoji="0" sz="1800" b="0" i="0" u="none" strike="noStrike" cap="none" spc="0" normalizeH="0" baseline="0">
             <a:ln>
               <a:noFill/>
             </a:ln>
@@ -28100,9 +28432,15 @@
         </a:lvl9pPr>
       </a:lstStyle>
       <a:style>
-        <a:lnRef idx="0"/>
-        <a:fillRef idx="0"/>
-        <a:effectRef idx="0"/>
+        <a:lnRef idx="0">
+          <a:scrgbClr r="0" g="0" b="0"/>
+        </a:lnRef>
+        <a:fillRef idx="0">
+          <a:scrgbClr r="0" g="0" b="0"/>
+        </a:fillRef>
+        <a:effectRef idx="0">
+          <a:scrgbClr r="0" g="0" b="0"/>
+        </a:effectRef>
         <a:fontRef idx="none"/>
       </a:style>
     </a:spDef>
@@ -28119,7 +28457,7 @@
         <a:effectLst/>
         <a:sp3d/>
       </a:spPr>
-      <a:bodyPr rot="0" spcFirstLastPara="1" vertOverflow="overflow" horzOverflow="overflow" vert="horz" wrap="square" lIns="91439" tIns="45719" rIns="91439" bIns="45719" numCol="1" spcCol="38100" rtlCol="0" anchor="t" upright="0">
+      <a:bodyPr rot="0" spcFirstLastPara="1" vertOverflow="overflow" horzOverflow="overflow" vert="horz" wrap="square" lIns="91439" tIns="45719" rIns="91439" bIns="45719" numCol="1" spcCol="38100" rtlCol="0" anchor="t">
         <a:noAutofit/>
       </a:bodyPr>
       <a:lstStyle>
@@ -28138,7 +28476,7 @@
           <a:buFontTx/>
           <a:buNone/>
           <a:tabLst/>
-          <a:defRPr b="0" baseline="0" cap="none" i="0" spc="0" strike="noStrike" sz="1800" u="none" kumimoji="0" normalizeH="0">
+          <a:defRPr kumimoji="0" sz="1800" b="0" i="0" u="none" strike="noStrike" cap="none" spc="0" normalizeH="0" baseline="0">
             <a:ln>
               <a:noFill/>
             </a:ln>
@@ -28164,7 +28502,7 @@
           <a:buFontTx/>
           <a:buNone/>
           <a:tabLst/>
-          <a:defRPr b="0" baseline="0" cap="none" i="0" spc="0" strike="noStrike" sz="1800" u="none" kumimoji="0" normalizeH="0">
+          <a:defRPr kumimoji="0" sz="1800" b="0" i="0" u="none" strike="noStrike" cap="none" spc="0" normalizeH="0" baseline="0">
             <a:ln>
               <a:noFill/>
             </a:ln>
@@ -28190,7 +28528,7 @@
           <a:buFontTx/>
           <a:buNone/>
           <a:tabLst/>
-          <a:defRPr b="0" baseline="0" cap="none" i="0" spc="0" strike="noStrike" sz="1800" u="none" kumimoji="0" normalizeH="0">
+          <a:defRPr kumimoji="0" sz="1800" b="0" i="0" u="none" strike="noStrike" cap="none" spc="0" normalizeH="0" baseline="0">
             <a:ln>
               <a:noFill/>
             </a:ln>
@@ -28216,7 +28554,7 @@
           <a:buFontTx/>
           <a:buNone/>
           <a:tabLst/>
-          <a:defRPr b="0" baseline="0" cap="none" i="0" spc="0" strike="noStrike" sz="1800" u="none" kumimoji="0" normalizeH="0">
+          <a:defRPr kumimoji="0" sz="1800" b="0" i="0" u="none" strike="noStrike" cap="none" spc="0" normalizeH="0" baseline="0">
             <a:ln>
               <a:noFill/>
             </a:ln>
@@ -28242,7 +28580,7 @@
           <a:buFontTx/>
           <a:buNone/>
           <a:tabLst/>
-          <a:defRPr b="0" baseline="0" cap="none" i="0" spc="0" strike="noStrike" sz="1800" u="none" kumimoji="0" normalizeH="0">
+          <a:defRPr kumimoji="0" sz="1800" b="0" i="0" u="none" strike="noStrike" cap="none" spc="0" normalizeH="0" baseline="0">
             <a:ln>
               <a:noFill/>
             </a:ln>
@@ -28268,7 +28606,7 @@
           <a:buFontTx/>
           <a:buNone/>
           <a:tabLst/>
-          <a:defRPr b="0" baseline="0" cap="none" i="0" spc="0" strike="noStrike" sz="1800" u="none" kumimoji="0" normalizeH="0">
+          <a:defRPr kumimoji="0" sz="1800" b="0" i="0" u="none" strike="noStrike" cap="none" spc="0" normalizeH="0" baseline="0">
             <a:ln>
               <a:noFill/>
             </a:ln>
@@ -28294,7 +28632,7 @@
           <a:buFontTx/>
           <a:buNone/>
           <a:tabLst/>
-          <a:defRPr b="0" baseline="0" cap="none" i="0" spc="0" strike="noStrike" sz="1800" u="none" kumimoji="0" normalizeH="0">
+          <a:defRPr kumimoji="0" sz="1800" b="0" i="0" u="none" strike="noStrike" cap="none" spc="0" normalizeH="0" baseline="0">
             <a:ln>
               <a:noFill/>
             </a:ln>
@@ -28320,7 +28658,7 @@
           <a:buFontTx/>
           <a:buNone/>
           <a:tabLst/>
-          <a:defRPr b="0" baseline="0" cap="none" i="0" spc="0" strike="noStrike" sz="1800" u="none" kumimoji="0" normalizeH="0">
+          <a:defRPr kumimoji="0" sz="1800" b="0" i="0" u="none" strike="noStrike" cap="none" spc="0" normalizeH="0" baseline="0">
             <a:ln>
               <a:noFill/>
             </a:ln>
@@ -28346,7 +28684,7 @@
           <a:buFontTx/>
           <a:buNone/>
           <a:tabLst/>
-          <a:defRPr b="0" baseline="0" cap="none" i="0" spc="0" strike="noStrike" sz="1800" u="none" kumimoji="0" normalizeH="0">
+          <a:defRPr kumimoji="0" sz="1800" b="0" i="0" u="none" strike="noStrike" cap="none" spc="0" normalizeH="0" baseline="0">
             <a:ln>
               <a:noFill/>
             </a:ln>
@@ -28372,7 +28710,7 @@
           <a:buFontTx/>
           <a:buNone/>
           <a:tabLst/>
-          <a:defRPr b="0" baseline="0" cap="none" i="0" spc="0" strike="noStrike" sz="1800" u="none" kumimoji="0" normalizeH="0">
+          <a:defRPr kumimoji="0" sz="1800" b="0" i="0" u="none" strike="noStrike" cap="none" spc="0" normalizeH="0" baseline="0">
             <a:ln>
               <a:noFill/>
             </a:ln>
@@ -28385,9 +28723,15 @@
         </a:lvl9pPr>
       </a:lstStyle>
       <a:style>
-        <a:lnRef idx="0"/>
-        <a:fillRef idx="0"/>
-        <a:effectRef idx="0"/>
+        <a:lnRef idx="0">
+          <a:scrgbClr r="0" g="0" b="0"/>
+        </a:lnRef>
+        <a:fillRef idx="0">
+          <a:scrgbClr r="0" g="0" b="0"/>
+        </a:fillRef>
+        <a:effectRef idx="0">
+          <a:scrgbClr r="0" g="0" b="0"/>
+        </a:effectRef>
         <a:fontRef idx="none"/>
       </a:style>
     </a:lnDef>
@@ -28401,7 +28745,7 @@
         <a:effectLst/>
         <a:sp3d/>
       </a:spPr>
-      <a:bodyPr rot="0" spcFirstLastPara="1" vertOverflow="overflow" horzOverflow="overflow" vert="horz" wrap="square" lIns="45718" tIns="45718" rIns="45718" bIns="45718" numCol="1" spcCol="38100" rtlCol="0" anchor="t" upright="0">
+      <a:bodyPr rot="0" spcFirstLastPara="1" vertOverflow="overflow" horzOverflow="overflow" vert="horz" wrap="square" lIns="45718" tIns="45718" rIns="45718" bIns="45718" numCol="1" spcCol="38100" rtlCol="0" anchor="t">
         <a:spAutoFit/>
       </a:bodyPr>
       <a:lstStyle>
@@ -28420,7 +28764,7 @@
           <a:buFontTx/>
           <a:buNone/>
           <a:tabLst/>
-          <a:defRPr b="0" baseline="0" cap="none" i="0" spc="0" strike="noStrike" sz="1800" u="none" kumimoji="0" normalizeH="0">
+          <a:defRPr kumimoji="0" sz="1800" b="0" i="0" u="none" strike="noStrike" cap="none" spc="0" normalizeH="0" baseline="0">
             <a:ln>
               <a:noFill/>
             </a:ln>
@@ -28450,7 +28794,7 @@
           <a:buFontTx/>
           <a:buNone/>
           <a:tabLst/>
-          <a:defRPr b="0" baseline="0" cap="none" i="0" spc="0" strike="noStrike" sz="1800" u="none" kumimoji="0" normalizeH="0">
+          <a:defRPr kumimoji="0" sz="1800" b="0" i="0" u="none" strike="noStrike" cap="none" spc="0" normalizeH="0" baseline="0">
             <a:ln>
               <a:noFill/>
             </a:ln>
@@ -28476,7 +28820,7 @@
           <a:buFontTx/>
           <a:buNone/>
           <a:tabLst/>
-          <a:defRPr b="0" baseline="0" cap="none" i="0" spc="0" strike="noStrike" sz="1800" u="none" kumimoji="0" normalizeH="0">
+          <a:defRPr kumimoji="0" sz="1800" b="0" i="0" u="none" strike="noStrike" cap="none" spc="0" normalizeH="0" baseline="0">
             <a:ln>
               <a:noFill/>
             </a:ln>
@@ -28502,7 +28846,7 @@
           <a:buFontTx/>
           <a:buNone/>
           <a:tabLst/>
-          <a:defRPr b="0" baseline="0" cap="none" i="0" spc="0" strike="noStrike" sz="1800" u="none" kumimoji="0" normalizeH="0">
+          <a:defRPr kumimoji="0" sz="1800" b="0" i="0" u="none" strike="noStrike" cap="none" spc="0" normalizeH="0" baseline="0">
             <a:ln>
               <a:noFill/>
             </a:ln>
@@ -28528,7 +28872,7 @@
           <a:buFontTx/>
           <a:buNone/>
           <a:tabLst/>
-          <a:defRPr b="0" baseline="0" cap="none" i="0" spc="0" strike="noStrike" sz="1800" u="none" kumimoji="0" normalizeH="0">
+          <a:defRPr kumimoji="0" sz="1800" b="0" i="0" u="none" strike="noStrike" cap="none" spc="0" normalizeH="0" baseline="0">
             <a:ln>
               <a:noFill/>
             </a:ln>
@@ -28554,7 +28898,7 @@
           <a:buFontTx/>
           <a:buNone/>
           <a:tabLst/>
-          <a:defRPr b="0" baseline="0" cap="none" i="0" spc="0" strike="noStrike" sz="1800" u="none" kumimoji="0" normalizeH="0">
+          <a:defRPr kumimoji="0" sz="1800" b="0" i="0" u="none" strike="noStrike" cap="none" spc="0" normalizeH="0" baseline="0">
             <a:ln>
               <a:noFill/>
             </a:ln>
@@ -28580,7 +28924,7 @@
           <a:buFontTx/>
           <a:buNone/>
           <a:tabLst/>
-          <a:defRPr b="0" baseline="0" cap="none" i="0" spc="0" strike="noStrike" sz="1800" u="none" kumimoji="0" normalizeH="0">
+          <a:defRPr kumimoji="0" sz="1800" b="0" i="0" u="none" strike="noStrike" cap="none" spc="0" normalizeH="0" baseline="0">
             <a:ln>
               <a:noFill/>
             </a:ln>
@@ -28606,7 +28950,7 @@
           <a:buFontTx/>
           <a:buNone/>
           <a:tabLst/>
-          <a:defRPr b="0" baseline="0" cap="none" i="0" spc="0" strike="noStrike" sz="1800" u="none" kumimoji="0" normalizeH="0">
+          <a:defRPr kumimoji="0" sz="1800" b="0" i="0" u="none" strike="noStrike" cap="none" spc="0" normalizeH="0" baseline="0">
             <a:ln>
               <a:noFill/>
             </a:ln>
@@ -28632,7 +28976,7 @@
           <a:buFontTx/>
           <a:buNone/>
           <a:tabLst/>
-          <a:defRPr b="0" baseline="0" cap="none" i="0" spc="0" strike="noStrike" sz="1800" u="none" kumimoji="0" normalizeH="0">
+          <a:defRPr kumimoji="0" sz="1800" b="0" i="0" u="none" strike="noStrike" cap="none" spc="0" normalizeH="0" baseline="0">
             <a:ln>
               <a:noFill/>
             </a:ln>
@@ -28658,7 +29002,7 @@
           <a:buFontTx/>
           <a:buNone/>
           <a:tabLst/>
-          <a:defRPr b="0" baseline="0" cap="none" i="0" spc="0" strike="noStrike" sz="1800" u="none" kumimoji="0" normalizeH="0">
+          <a:defRPr kumimoji="0" sz="1800" b="0" i="0" u="none" strike="noStrike" cap="none" spc="0" normalizeH="0" baseline="0">
             <a:ln>
               <a:noFill/>
             </a:ln>
@@ -28671,12 +29015,19 @@
         </a:lvl9pPr>
       </a:lstStyle>
       <a:style>
-        <a:lnRef idx="0"/>
-        <a:fillRef idx="0"/>
-        <a:effectRef idx="0"/>
+        <a:lnRef idx="0">
+          <a:scrgbClr r="0" g="0" b="0"/>
+        </a:lnRef>
+        <a:fillRef idx="0">
+          <a:scrgbClr r="0" g="0" b="0"/>
+        </a:fillRef>
+        <a:effectRef idx="0">
+          <a:scrgbClr r="0" g="0" b="0"/>
+        </a:effectRef>
         <a:fontRef idx="none"/>
       </a:style>
     </a:txDef>
   </a:objectDefaults>
+  <a:extraClrSchemeLst/>
 </a:theme>
 </file>